--- a/Dokumentacie/Ostatne/Innovators.pptx
+++ b/Dokumentacie/Ostatne/Innovators.pptx
@@ -5,23 +5,24 @@
     <p:sldMasterId id="2147483648" r:id="rId1"/>
   </p:sldMasterIdLst>
   <p:notesMasterIdLst>
-    <p:notesMasterId r:id="rId16"/>
+    <p:notesMasterId r:id="rId17"/>
   </p:notesMasterIdLst>
   <p:sldIdLst>
     <p:sldId id="270" r:id="rId2"/>
     <p:sldId id="259" r:id="rId3"/>
     <p:sldId id="273" r:id="rId4"/>
     <p:sldId id="276" r:id="rId5"/>
-    <p:sldId id="275" r:id="rId6"/>
-    <p:sldId id="274" r:id="rId7"/>
-    <p:sldId id="277" r:id="rId8"/>
-    <p:sldId id="278" r:id="rId9"/>
-    <p:sldId id="279" r:id="rId10"/>
+    <p:sldId id="274" r:id="rId6"/>
+    <p:sldId id="277" r:id="rId7"/>
+    <p:sldId id="279" r:id="rId8"/>
+    <p:sldId id="283" r:id="rId9"/>
+    <p:sldId id="278" r:id="rId10"/>
     <p:sldId id="281" r:id="rId11"/>
-    <p:sldId id="280" r:id="rId12"/>
-    <p:sldId id="282" r:id="rId13"/>
-    <p:sldId id="260" r:id="rId14"/>
-    <p:sldId id="271" r:id="rId15"/>
+    <p:sldId id="284" r:id="rId12"/>
+    <p:sldId id="280" r:id="rId13"/>
+    <p:sldId id="282" r:id="rId14"/>
+    <p:sldId id="260" r:id="rId15"/>
+    <p:sldId id="271" r:id="rId16"/>
   </p:sldIdLst>
   <p:sldSz cx="9144000" cy="5715000" type="screen16x10"/>
   <p:notesSz cx="6858000" cy="9144000"/>
@@ -804,6 +805,66 @@
           </a:bodyPr>
           <a:lstStyle/>
           <a:p>
+            <a:pPr>
+              <a:lnSpc>
+                <a:spcPct val="150000"/>
+              </a:lnSpc>
+              <a:buFont typeface="Arial" pitchFamily="34" charset="0"/>
+              <a:buNone/>
+              <a:defRPr/>
+            </a:pPr>
+            <a:r>
+              <a:rPr lang="sk-SK" sz="2000" kern="0" smtClean="0">
+                <a:ln w="18415" cmpd="sng">
+                  <a:noFill/>
+                  <a:prstDash val="solid"/>
+                </a:ln>
+                <a:solidFill>
+                  <a:srgbClr val="FFFFFF"/>
+                </a:solidFill>
+                <a:effectLst>
+                  <a:outerShdw blurRad="50800" dist="38100" dir="2700000" algn="tl" rotWithShape="0">
+                    <a:prstClr val="black">
+                      <a:alpha val="40000"/>
+                    </a:prstClr>
+                  </a:outerShdw>
+                </a:effectLst>
+                <a:latin typeface="Times New Roman" pitchFamily="18" charset="0"/>
+                <a:cs typeface="Times New Roman" pitchFamily="18" charset="0"/>
+              </a:rPr>
+              <a:t>Shortcuts - prípava pre ich konfigurovateľnosť</a:t>
+            </a:r>
+          </a:p>
+          <a:p>
+            <a:pPr>
+              <a:lnSpc>
+                <a:spcPct val="150000"/>
+              </a:lnSpc>
+              <a:buFont typeface="Arial" pitchFamily="34" charset="0"/>
+              <a:buNone/>
+              <a:defRPr/>
+            </a:pPr>
+            <a:r>
+              <a:rPr lang="sk-SK" sz="2000" kern="0" smtClean="0">
+                <a:ln w="18415" cmpd="sng">
+                  <a:noFill/>
+                  <a:prstDash val="solid"/>
+                </a:ln>
+                <a:solidFill>
+                  <a:srgbClr val="FFFFFF"/>
+                </a:solidFill>
+                <a:effectLst>
+                  <a:outerShdw blurRad="50800" dist="38100" dir="2700000" algn="tl" rotWithShape="0">
+                    <a:prstClr val="black">
+                      <a:alpha val="40000"/>
+                    </a:prstClr>
+                  </a:outerShdw>
+                </a:effectLst>
+                <a:latin typeface="Times New Roman" pitchFamily="18" charset="0"/>
+                <a:cs typeface="Times New Roman" pitchFamily="18" charset="0"/>
+              </a:rPr>
+              <a:t>Paralelizmus je na ceste</a:t>
+            </a:r>
             <a:endParaRPr lang="sk-SK" dirty="0"/>
           </a:p>
         </p:txBody>
@@ -886,30 +947,6 @@
           </a:bodyPr>
           <a:lstStyle/>
           <a:p>
-            <a:r>
-              <a:rPr lang="sk-SK" dirty="0" smtClean="0"/>
-              <a:t>Možno </a:t>
-            </a:r>
-            <a:r>
-              <a:rPr lang="sk-SK" dirty="0" err="1" smtClean="0"/>
-              <a:t>nejake</a:t>
-            </a:r>
-            <a:r>
-              <a:rPr lang="sk-SK" dirty="0" smtClean="0"/>
-              <a:t> video</a:t>
-            </a:r>
-            <a:r>
-              <a:rPr lang="sk-SK" baseline="0" dirty="0" smtClean="0"/>
-              <a:t> ale lepšie by bolo </a:t>
-            </a:r>
-            <a:r>
-              <a:rPr lang="sk-SK" baseline="0" dirty="0" err="1" smtClean="0"/>
-              <a:t>ukažka</a:t>
-            </a:r>
-            <a:r>
-              <a:rPr lang="sk-SK" baseline="0" dirty="0" smtClean="0"/>
-              <a:t> programu </a:t>
-            </a:r>
             <a:endParaRPr lang="sk-SK" dirty="0"/>
           </a:p>
         </p:txBody>
@@ -933,6 +970,112 @@
               <a:rPr lang="sk-SK" smtClean="0"/>
               <a:pPr/>
               <a:t>13</a:t>
+            </a:fld>
+            <a:endParaRPr lang="sk-SK"/>
+          </a:p>
+        </p:txBody>
+      </p:sp>
+    </p:spTree>
+  </p:cSld>
+  <p:clrMapOvr>
+    <a:masterClrMapping/>
+  </p:clrMapOvr>
+</p:notes>
+</file>
+
+<file path=ppt/notesSlides/notesSlide14.xml><?xml version="1.0" encoding="utf-8"?>
+<p:notes xmlns:a="http://schemas.openxmlformats.org/drawingml/2006/main" xmlns:r="http://schemas.openxmlformats.org/officeDocument/2006/relationships" xmlns:p="http://schemas.openxmlformats.org/presentationml/2006/main">
+  <p:cSld>
+    <p:spTree>
+      <p:nvGrpSpPr>
+        <p:cNvPr id="1" name=""/>
+        <p:cNvGrpSpPr/>
+        <p:nvPr/>
+      </p:nvGrpSpPr>
+      <p:grpSpPr>
+        <a:xfrm>
+          <a:off x="0" y="0"/>
+          <a:ext cx="0" cy="0"/>
+          <a:chOff x="0" y="0"/>
+          <a:chExt cx="0" cy="0"/>
+        </a:xfrm>
+      </p:grpSpPr>
+      <p:sp>
+        <p:nvSpPr>
+          <p:cNvPr id="2" name="Zástupný symbol obrazu snímky 1"/>
+          <p:cNvSpPr>
+            <a:spLocks noGrp="1" noRot="1" noChangeAspect="1"/>
+          </p:cNvSpPr>
+          <p:nvPr>
+            <p:ph type="sldImg"/>
+          </p:nvPr>
+        </p:nvSpPr>
+        <p:spPr/>
+      </p:sp>
+      <p:sp>
+        <p:nvSpPr>
+          <p:cNvPr id="3" name="Zástupný symbol poznámok 2"/>
+          <p:cNvSpPr>
+            <a:spLocks noGrp="1"/>
+          </p:cNvSpPr>
+          <p:nvPr>
+            <p:ph type="body" idx="1"/>
+          </p:nvPr>
+        </p:nvSpPr>
+        <p:spPr/>
+        <p:txBody>
+          <a:bodyPr>
+            <a:normAutofit/>
+          </a:bodyPr>
+          <a:lstStyle/>
+          <a:p>
+            <a:r>
+              <a:rPr lang="sk-SK" dirty="0" smtClean="0"/>
+              <a:t>Možno </a:t>
+            </a:r>
+            <a:r>
+              <a:rPr lang="sk-SK" dirty="0" err="1" smtClean="0"/>
+              <a:t>nejake</a:t>
+            </a:r>
+            <a:r>
+              <a:rPr lang="sk-SK" dirty="0" smtClean="0"/>
+              <a:t> video</a:t>
+            </a:r>
+            <a:r>
+              <a:rPr lang="sk-SK" baseline="0" dirty="0" smtClean="0"/>
+              <a:t> ale lepšie by bolo </a:t>
+            </a:r>
+            <a:r>
+              <a:rPr lang="sk-SK" baseline="0" dirty="0" err="1" smtClean="0"/>
+              <a:t>ukažka</a:t>
+            </a:r>
+            <a:r>
+              <a:rPr lang="sk-SK" baseline="0" dirty="0" smtClean="0"/>
+              <a:t> programu </a:t>
+            </a:r>
+            <a:endParaRPr lang="sk-SK" dirty="0"/>
+          </a:p>
+        </p:txBody>
+      </p:sp>
+      <p:sp>
+        <p:nvSpPr>
+          <p:cNvPr id="4" name="Zástupný symbol čísla snímky 3"/>
+          <p:cNvSpPr>
+            <a:spLocks noGrp="1"/>
+          </p:cNvSpPr>
+          <p:nvPr>
+            <p:ph type="sldNum" sz="quarter" idx="10"/>
+          </p:nvPr>
+        </p:nvSpPr>
+        <p:spPr/>
+        <p:txBody>
+          <a:bodyPr/>
+          <a:lstStyle/>
+          <a:p>
+            <a:fld id="{7D50ED8A-6824-479D-836F-3084D76D034C}" type="slidenum">
+              <a:rPr lang="sk-SK" smtClean="0"/>
+              <a:pPr/>
+              <a:t>14</a:t>
             </a:fld>
             <a:endParaRPr lang="sk-SK"/>
           </a:p>
@@ -1243,250 +1386,12 @@
           <a:lstStyle/>
           <a:p>
             <a:r>
-              <a:rPr lang="sk-SK" sz="1200" kern="1200" baseline="0" dirty="0" smtClean="0">
-                <a:solidFill>
-                  <a:schemeClr val="tx1"/>
-                </a:solidFill>
-                <a:latin typeface="+mn-lt"/>
-                <a:ea typeface="+mn-ea"/>
-                <a:cs typeface="+mn-cs"/>
-              </a:rPr>
-              <a:t>Náš tím sa rozhodol ísť iteratívnym a inkrementálnym spôsobom vývoja.</a:t>
-            </a:r>
-          </a:p>
-          <a:p>
-            <a:r>
-              <a:rPr lang="sk-SK" sz="1200" kern="1200" baseline="0" dirty="0" smtClean="0">
-                <a:solidFill>
-                  <a:schemeClr val="tx1"/>
-                </a:solidFill>
-                <a:latin typeface="+mn-lt"/>
-                <a:ea typeface="+mn-ea"/>
-                <a:cs typeface="+mn-cs"/>
-              </a:rPr>
-              <a:t>Pri tvorbe úloh sa využíva nástroj na sledovanie úloh </a:t>
-            </a:r>
-            <a:r>
-              <a:rPr lang="sk-SK" sz="1200" kern="1200" baseline="0" dirty="0" err="1" smtClean="0">
-                <a:solidFill>
-                  <a:schemeClr val="tx1"/>
-                </a:solidFill>
-                <a:latin typeface="+mn-lt"/>
-                <a:ea typeface="+mn-ea"/>
-                <a:cs typeface="+mn-cs"/>
-              </a:rPr>
-              <a:t>Redmine</a:t>
-            </a:r>
-            <a:r>
-              <a:rPr lang="sk-SK" sz="1200" kern="1200" baseline="0" dirty="0" smtClean="0">
-                <a:solidFill>
-                  <a:schemeClr val="tx1"/>
-                </a:solidFill>
-                <a:latin typeface="+mn-lt"/>
-                <a:ea typeface="+mn-ea"/>
-                <a:cs typeface="+mn-cs"/>
-              </a:rPr>
-              <a:t>  a </a:t>
-            </a:r>
-            <a:r>
-              <a:rPr lang="sk-SK" sz="1200" kern="1200" baseline="0" dirty="0" err="1" smtClean="0">
-                <a:solidFill>
-                  <a:schemeClr val="tx1"/>
-                </a:solidFill>
-                <a:latin typeface="+mn-lt"/>
-                <a:ea typeface="+mn-ea"/>
-                <a:cs typeface="+mn-cs"/>
-              </a:rPr>
-              <a:t>bla</a:t>
-            </a:r>
-            <a:r>
-              <a:rPr lang="sk-SK" sz="1200" kern="1200" baseline="0" dirty="0" smtClean="0">
-                <a:solidFill>
-                  <a:schemeClr val="tx1"/>
-                </a:solidFill>
-                <a:latin typeface="+mn-lt"/>
-                <a:ea typeface="+mn-ea"/>
-                <a:cs typeface="+mn-cs"/>
-              </a:rPr>
-              <a:t> </a:t>
-            </a:r>
-            <a:r>
-              <a:rPr lang="sk-SK" sz="1200" kern="1200" baseline="0" dirty="0" err="1" smtClean="0">
-                <a:solidFill>
-                  <a:schemeClr val="tx1"/>
-                </a:solidFill>
-                <a:latin typeface="+mn-lt"/>
-                <a:ea typeface="+mn-ea"/>
-                <a:cs typeface="+mn-cs"/>
-              </a:rPr>
-              <a:t>bla</a:t>
-            </a:r>
-            <a:r>
-              <a:rPr lang="sk-SK" sz="1200" kern="1200" baseline="0" dirty="0" smtClean="0">
-                <a:solidFill>
-                  <a:schemeClr val="tx1"/>
-                </a:solidFill>
-                <a:latin typeface="+mn-lt"/>
-                <a:ea typeface="+mn-ea"/>
-                <a:cs typeface="+mn-cs"/>
-              </a:rPr>
-              <a:t> </a:t>
-            </a:r>
-            <a:r>
-              <a:rPr lang="sk-SK" sz="1200" kern="1200" baseline="0" dirty="0" err="1" smtClean="0">
-                <a:solidFill>
-                  <a:schemeClr val="tx1"/>
-                </a:solidFill>
-                <a:latin typeface="+mn-lt"/>
-                <a:ea typeface="+mn-ea"/>
-                <a:cs typeface="+mn-cs"/>
-              </a:rPr>
-              <a:t>bla</a:t>
-            </a:r>
-            <a:r>
-              <a:rPr lang="sk-SK" sz="1200" kern="1200" baseline="0" dirty="0" smtClean="0">
-                <a:solidFill>
-                  <a:schemeClr val="tx1"/>
-                </a:solidFill>
-                <a:latin typeface="+mn-lt"/>
-                <a:ea typeface="+mn-ea"/>
-                <a:cs typeface="+mn-cs"/>
-              </a:rPr>
-              <a:t> </a:t>
-            </a:r>
-          </a:p>
-          <a:p>
-            <a:r>
-              <a:rPr lang="sk-SK" sz="1200" kern="1200" baseline="0" dirty="0" err="1" smtClean="0">
-                <a:solidFill>
-                  <a:schemeClr val="tx1"/>
-                </a:solidFill>
-                <a:latin typeface="+mn-lt"/>
-                <a:ea typeface="+mn-ea"/>
-                <a:cs typeface="+mn-cs"/>
-              </a:rPr>
-              <a:t>Redmine</a:t>
-            </a:r>
-            <a:r>
-              <a:rPr lang="sk-SK" sz="1200" kern="1200" baseline="0" dirty="0" smtClean="0">
-                <a:solidFill>
-                  <a:schemeClr val="tx1"/>
-                </a:solidFill>
-                <a:latin typeface="+mn-lt"/>
-                <a:ea typeface="+mn-ea"/>
-                <a:cs typeface="+mn-cs"/>
-              </a:rPr>
-              <a:t> </a:t>
-            </a:r>
-            <a:r>
-              <a:rPr lang="sk-SK" sz="1200" kern="1200" baseline="0" dirty="0" err="1" smtClean="0">
-                <a:solidFill>
-                  <a:schemeClr val="tx1"/>
-                </a:solidFill>
-                <a:latin typeface="+mn-lt"/>
-                <a:ea typeface="+mn-ea"/>
-                <a:cs typeface="+mn-cs"/>
-              </a:rPr>
-              <a:t>využiva</a:t>
-            </a:r>
-            <a:r>
-              <a:rPr lang="sk-SK" sz="1200" kern="1200" baseline="0" dirty="0" smtClean="0">
-                <a:solidFill>
-                  <a:schemeClr val="tx1"/>
-                </a:solidFill>
-                <a:latin typeface="+mn-lt"/>
-                <a:ea typeface="+mn-ea"/>
-                <a:cs typeface="+mn-cs"/>
-              </a:rPr>
-              <a:t> na  </a:t>
-            </a:r>
-            <a:r>
-              <a:rPr lang="sk-SK" sz="1200" kern="1200" baseline="0" dirty="0" err="1" smtClean="0">
-                <a:solidFill>
-                  <a:schemeClr val="tx1"/>
-                </a:solidFill>
-                <a:latin typeface="+mn-lt"/>
-                <a:ea typeface="+mn-ea"/>
-                <a:cs typeface="+mn-cs"/>
-              </a:rPr>
-              <a:t>bla</a:t>
-            </a:r>
-            <a:r>
-              <a:rPr lang="sk-SK" sz="1200" kern="1200" baseline="0" dirty="0" smtClean="0">
-                <a:solidFill>
-                  <a:schemeClr val="tx1"/>
-                </a:solidFill>
-                <a:latin typeface="+mn-lt"/>
-                <a:ea typeface="+mn-ea"/>
-                <a:cs typeface="+mn-cs"/>
-              </a:rPr>
-              <a:t> </a:t>
-            </a:r>
-            <a:r>
-              <a:rPr lang="sk-SK" sz="1200" kern="1200" baseline="0" dirty="0" err="1" smtClean="0">
-                <a:solidFill>
-                  <a:schemeClr val="tx1"/>
-                </a:solidFill>
-                <a:latin typeface="+mn-lt"/>
-                <a:ea typeface="+mn-ea"/>
-                <a:cs typeface="+mn-cs"/>
-              </a:rPr>
-              <a:t>bla</a:t>
-            </a:r>
-            <a:r>
-              <a:rPr lang="sk-SK" sz="1200" kern="1200" baseline="0" dirty="0" smtClean="0">
-                <a:solidFill>
-                  <a:schemeClr val="tx1"/>
-                </a:solidFill>
-                <a:latin typeface="+mn-lt"/>
-                <a:ea typeface="+mn-ea"/>
-                <a:cs typeface="+mn-cs"/>
-              </a:rPr>
-              <a:t> </a:t>
-            </a:r>
-            <a:r>
-              <a:rPr lang="sk-SK" sz="1200" kern="1200" baseline="0" dirty="0" err="1" smtClean="0">
-                <a:solidFill>
-                  <a:schemeClr val="tx1"/>
-                </a:solidFill>
-                <a:latin typeface="+mn-lt"/>
-                <a:ea typeface="+mn-ea"/>
-                <a:cs typeface="+mn-cs"/>
-              </a:rPr>
-              <a:t>bla</a:t>
-            </a:r>
-            <a:r>
-              <a:rPr lang="sk-SK" sz="1200" kern="1200" baseline="0" dirty="0" smtClean="0">
-                <a:solidFill>
-                  <a:schemeClr val="tx1"/>
-                </a:solidFill>
-                <a:latin typeface="+mn-lt"/>
-                <a:ea typeface="+mn-ea"/>
-                <a:cs typeface="+mn-cs"/>
-              </a:rPr>
-              <a:t>  tak </a:t>
-            </a:r>
-            <a:r>
-              <a:rPr lang="sk-SK" sz="1200" kern="1200" baseline="0" dirty="0" err="1" smtClean="0">
-                <a:solidFill>
-                  <a:schemeClr val="tx1"/>
-                </a:solidFill>
-                <a:latin typeface="+mn-lt"/>
-                <a:ea typeface="+mn-ea"/>
-                <a:cs typeface="+mn-cs"/>
-              </a:rPr>
-              <a:t>dalej</a:t>
-            </a:r>
-            <a:r>
-              <a:rPr lang="sk-SK" sz="1200" kern="1200" baseline="0" dirty="0" smtClean="0">
-                <a:solidFill>
-                  <a:schemeClr val="tx1"/>
-                </a:solidFill>
-                <a:latin typeface="+mn-lt"/>
-                <a:ea typeface="+mn-ea"/>
-                <a:cs typeface="+mn-cs"/>
-              </a:rPr>
-              <a:t> </a:t>
+              <a:rPr lang="sk-SK" smtClean="0"/>
+              <a:t>Vychádzame z už použitých technológii,</a:t>
+            </a:r>
+            <a:r>
+              <a:rPr lang="sk-SK" baseline="0" smtClean="0"/>
+              <a:t> ktoré nám poskytnú potrebnú multiplatformovosť a rýchle spracovanie</a:t>
             </a:r>
             <a:endParaRPr lang="sk-SK" dirty="0"/>
           </a:p>
@@ -1570,14 +1475,6 @@
           </a:bodyPr>
           <a:lstStyle/>
           <a:p>
-            <a:r>
-              <a:rPr lang="sk-SK" smtClean="0"/>
-              <a:t>Vychádzame z už použitých technológii,</a:t>
-            </a:r>
-            <a:r>
-              <a:rPr lang="sk-SK" baseline="0" smtClean="0"/>
-              <a:t> ktoré nám poskytnú potrebnú multiplatformovosť a rýchle spracovanie</a:t>
-            </a:r>
             <a:endParaRPr lang="sk-SK" dirty="0"/>
           </a:p>
         </p:txBody>
@@ -5480,7 +5377,7 @@
                 <a:latin typeface="Times New Roman" pitchFamily="18" charset="0"/>
                 <a:cs typeface="Times New Roman" pitchFamily="18" charset="0"/>
               </a:rPr>
-              <a:t>Jednotlivé funkcionality</a:t>
+              <a:t>Dva módy</a:t>
             </a:r>
             <a:endParaRPr lang="en-US" sz="3200" b="1" kern="0" dirty="0" smtClean="0">
               <a:ln w="18415" cmpd="sng">
@@ -5696,7 +5593,7 @@
         <p:spPr>
           <a:xfrm>
             <a:off x="428596" y="1142988"/>
-            <a:ext cx="8286808" cy="406330"/>
+            <a:ext cx="8286808" cy="1846659"/>
           </a:xfrm>
           <a:prstGeom prst="rect">
             <a:avLst/>
@@ -5713,10 +5610,12 @@
               <a:lnSpc>
                 <a:spcPct val="150000"/>
               </a:lnSpc>
+              <a:buFont typeface="Arial" pitchFamily="34" charset="0"/>
+              <a:buChar char="•"/>
               <a:defRPr/>
             </a:pPr>
             <a:r>
-              <a:rPr lang="sk-SK" sz="2000" kern="0" smtClean="0">
+              <a:rPr lang="pl-PL" sz="2000" kern="0" smtClean="0">
                 <a:ln w="18415" cmpd="sng">
                   <a:noFill/>
                   <a:prstDash val="solid"/>
@@ -5734,7 +5633,131 @@
                 <a:latin typeface="Times New Roman" pitchFamily="18" charset="0"/>
                 <a:cs typeface="Times New Roman" pitchFamily="18" charset="0"/>
               </a:rPr>
-              <a:t>niečo málo k jednotlivým funkcionalitám</a:t>
+              <a:t> Dva módy práce v editore – zobrazenie textu</a:t>
+            </a:r>
+          </a:p>
+          <a:p>
+            <a:pPr>
+              <a:lnSpc>
+                <a:spcPct val="150000"/>
+              </a:lnSpc>
+              <a:defRPr/>
+            </a:pPr>
+            <a:endParaRPr lang="pl-PL" sz="2000" kern="0" smtClean="0">
+              <a:ln w="18415" cmpd="sng">
+                <a:noFill/>
+                <a:prstDash val="solid"/>
+              </a:ln>
+              <a:solidFill>
+                <a:srgbClr val="FFFFFF"/>
+              </a:solidFill>
+              <a:effectLst>
+                <a:outerShdw blurRad="50800" dist="38100" dir="2700000" algn="tl" rotWithShape="0">
+                  <a:prstClr val="black">
+                    <a:alpha val="40000"/>
+                  </a:prstClr>
+                </a:outerShdw>
+              </a:effectLst>
+              <a:latin typeface="Times New Roman" pitchFamily="18" charset="0"/>
+              <a:cs typeface="Times New Roman" pitchFamily="18" charset="0"/>
+            </a:endParaRPr>
+          </a:p>
+          <a:p>
+            <a:pPr>
+              <a:lnSpc>
+                <a:spcPct val="150000"/>
+              </a:lnSpc>
+              <a:defRPr/>
+            </a:pPr>
+            <a:endParaRPr lang="pl-PL" sz="2000" kern="0" smtClean="0">
+              <a:ln w="18415" cmpd="sng">
+                <a:noFill/>
+                <a:prstDash val="solid"/>
+              </a:ln>
+              <a:solidFill>
+                <a:srgbClr val="FFFFFF"/>
+              </a:solidFill>
+              <a:effectLst>
+                <a:outerShdw blurRad="50800" dist="38100" dir="2700000" algn="tl" rotWithShape="0">
+                  <a:prstClr val="black">
+                    <a:alpha val="40000"/>
+                  </a:prstClr>
+                </a:outerShdw>
+              </a:effectLst>
+              <a:latin typeface="Times New Roman" pitchFamily="18" charset="0"/>
+              <a:cs typeface="Times New Roman" pitchFamily="18" charset="0"/>
+            </a:endParaRPr>
+          </a:p>
+          <a:p>
+            <a:pPr>
+              <a:lnSpc>
+                <a:spcPct val="150000"/>
+              </a:lnSpc>
+              <a:defRPr/>
+            </a:pPr>
+            <a:r>
+              <a:rPr lang="pl-PL" sz="2000" kern="0" smtClean="0">
+                <a:ln w="18415" cmpd="sng">
+                  <a:noFill/>
+                  <a:prstDash val="solid"/>
+                </a:ln>
+                <a:solidFill>
+                  <a:srgbClr val="FFFFFF"/>
+                </a:solidFill>
+                <a:effectLst>
+                  <a:outerShdw blurRad="50800" dist="38100" dir="2700000" algn="tl" rotWithShape="0">
+                    <a:prstClr val="black">
+                      <a:alpha val="40000"/>
+                    </a:prstClr>
+                  </a:outerShdw>
+                </a:effectLst>
+                <a:latin typeface="Times New Roman" pitchFamily="18" charset="0"/>
+                <a:cs typeface="Times New Roman" pitchFamily="18" charset="0"/>
+              </a:rPr>
+              <a:t> Obrazok z grafickymi prvkami </a:t>
+            </a:r>
+            <a:r>
+              <a:rPr lang="pl-PL" sz="2000" kern="0" smtClean="0">
+                <a:ln w="18415" cmpd="sng">
+                  <a:noFill/>
+                  <a:prstDash val="solid"/>
+                </a:ln>
+                <a:solidFill>
+                  <a:srgbClr val="FFFFFF"/>
+                </a:solidFill>
+                <a:effectLst>
+                  <a:outerShdw blurRad="50800" dist="38100" dir="2700000" algn="tl" rotWithShape="0">
+                    <a:prstClr val="black">
+                      <a:alpha val="40000"/>
+                    </a:prstClr>
+                  </a:outerShdw>
+                </a:effectLst>
+                <a:latin typeface="Times New Roman" pitchFamily="18" charset="0"/>
+                <a:cs typeface="Times New Roman" pitchFamily="18" charset="0"/>
+                <a:sym typeface="Wingdings" pitchFamily="2" charset="2"/>
+              </a:rPr>
+              <a:t> </a:t>
+            </a:r>
+            <a:r>
+              <a:rPr lang="pl-PL" sz="2000" kern="0" smtClean="0">
+                <a:ln w="18415" cmpd="sng">
+                  <a:noFill/>
+                  <a:prstDash val="solid"/>
+                </a:ln>
+                <a:solidFill>
+                  <a:srgbClr val="FFFFFF"/>
+                </a:solidFill>
+                <a:effectLst>
+                  <a:outerShdw blurRad="50800" dist="38100" dir="2700000" algn="tl" rotWithShape="0">
+                    <a:prstClr val="black">
+                      <a:alpha val="40000"/>
+                    </a:prstClr>
+                  </a:outerShdw>
+                </a:effectLst>
+                <a:latin typeface="Times New Roman" pitchFamily="18" charset="0"/>
+                <a:cs typeface="Times New Roman" pitchFamily="18" charset="0"/>
+              </a:rPr>
+              <a:t> </a:t>
             </a:r>
             <a:endParaRPr lang="pl-PL" sz="2000" kern="0" smtClean="0">
               <a:ln w="18415" cmpd="sng">
@@ -6252,7 +6275,7 @@
                 <a:latin typeface="Times New Roman" pitchFamily="18" charset="0"/>
                 <a:cs typeface="Times New Roman" pitchFamily="18" charset="0"/>
               </a:rPr>
-              <a:t>Implementácia prototypu</a:t>
+              <a:t>Spracovanie AST stromu</a:t>
             </a:r>
             <a:endParaRPr lang="en-US" sz="3200" b="1" kern="0" dirty="0" smtClean="0">
               <a:ln w="18415" cmpd="sng">
@@ -6468,7 +6491,7 @@
         <p:spPr>
           <a:xfrm>
             <a:off x="428596" y="1142988"/>
-            <a:ext cx="8286808" cy="406330"/>
+            <a:ext cx="8286808" cy="461665"/>
           </a:xfrm>
           <a:prstGeom prst="rect">
             <a:avLst/>
@@ -6485,10 +6508,12 @@
               <a:lnSpc>
                 <a:spcPct val="150000"/>
               </a:lnSpc>
+              <a:buFont typeface="Arial" pitchFamily="34" charset="0"/>
+              <a:buChar char="•"/>
               <a:defRPr/>
             </a:pPr>
             <a:r>
-              <a:rPr lang="sk-SK" sz="2000" kern="0" smtClean="0">
+              <a:rPr lang="pl-PL" sz="2000" kern="0" smtClean="0">
                 <a:ln w="18415" cmpd="sng">
                   <a:noFill/>
                   <a:prstDash val="solid"/>
@@ -6506,7 +6531,7 @@
                 <a:latin typeface="Times New Roman" pitchFamily="18" charset="0"/>
                 <a:cs typeface="Times New Roman" pitchFamily="18" charset="0"/>
               </a:rPr>
-              <a:t>k implementácií prototypu</a:t>
+              <a:t> niečo k tomu, obrázok, ako funguje AST strom (obr)</a:t>
             </a:r>
             <a:endParaRPr lang="pl-PL" sz="2000" kern="0" smtClean="0">
               <a:ln w="18415" cmpd="sng">
@@ -7024,7 +7049,7 @@
                 <a:latin typeface="Times New Roman" pitchFamily="18" charset="0"/>
                 <a:cs typeface="Times New Roman" pitchFamily="18" charset="0"/>
               </a:rPr>
-              <a:t>Zhodnotenie</a:t>
+              <a:t>Implementácia prototypu</a:t>
             </a:r>
             <a:endParaRPr lang="en-US" sz="3200" b="1" kern="0" dirty="0" smtClean="0">
               <a:ln w="18415" cmpd="sng">
@@ -7240,7 +7265,7 @@
         <p:spPr>
           <a:xfrm>
             <a:off x="428596" y="1142988"/>
-            <a:ext cx="8286808" cy="406330"/>
+            <a:ext cx="8286808" cy="3231654"/>
           </a:xfrm>
           <a:prstGeom prst="rect">
             <a:avLst/>
@@ -7257,6 +7282,8 @@
               <a:lnSpc>
                 <a:spcPct val="150000"/>
               </a:lnSpc>
+              <a:buFont typeface="Arial" pitchFamily="34" charset="0"/>
+              <a:buChar char="•"/>
               <a:defRPr/>
             </a:pPr>
             <a:r>
@@ -7278,8 +7305,293 @@
                 <a:latin typeface="Times New Roman" pitchFamily="18" charset="0"/>
                 <a:cs typeface="Times New Roman" pitchFamily="18" charset="0"/>
               </a:rPr>
-              <a:t> zhodnotenie doterajšieho úsilia</a:t>
-            </a:r>
+              <a:t> Vykonaný refactoring podľa zadefinovaných štýlov</a:t>
+            </a:r>
+          </a:p>
+          <a:p>
+            <a:pPr>
+              <a:lnSpc>
+                <a:spcPct val="150000"/>
+              </a:lnSpc>
+              <a:buFont typeface="Arial" pitchFamily="34" charset="0"/>
+              <a:buChar char="•"/>
+              <a:defRPr/>
+            </a:pPr>
+            <a:r>
+              <a:rPr lang="sk-SK" sz="2000" kern="0" smtClean="0">
+                <a:ln w="18415" cmpd="sng">
+                  <a:noFill/>
+                  <a:prstDash val="solid"/>
+                </a:ln>
+                <a:solidFill>
+                  <a:srgbClr val="FFFFFF"/>
+                </a:solidFill>
+                <a:effectLst>
+                  <a:outerShdw blurRad="50800" dist="38100" dir="2700000" algn="tl" rotWithShape="0">
+                    <a:prstClr val="black">
+                      <a:alpha val="40000"/>
+                    </a:prstClr>
+                  </a:outerShdw>
+                </a:effectLst>
+                <a:latin typeface="Times New Roman" pitchFamily="18" charset="0"/>
+                <a:cs typeface="Times New Roman" pitchFamily="18" charset="0"/>
+              </a:rPr>
+              <a:t> </a:t>
+            </a:r>
+            <a:r>
+              <a:rPr lang="sk-SK" sz="2000" kern="0" smtClean="0">
+                <a:ln w="18415" cmpd="sng">
+                  <a:noFill/>
+                  <a:prstDash val="solid"/>
+                </a:ln>
+                <a:solidFill>
+                  <a:srgbClr val="FFFFFF"/>
+                </a:solidFill>
+                <a:effectLst>
+                  <a:outerShdw blurRad="50800" dist="38100" dir="2700000" algn="tl" rotWithShape="0">
+                    <a:prstClr val="black">
+                      <a:alpha val="40000"/>
+                    </a:prstClr>
+                  </a:outerShdw>
+                </a:effectLst>
+                <a:latin typeface="Times New Roman" pitchFamily="18" charset="0"/>
+                <a:cs typeface="Times New Roman" pitchFamily="18" charset="0"/>
+              </a:rPr>
+              <a:t>Implementácia funkcií pre prácu s AST stromom na strane Lua</a:t>
+            </a:r>
+          </a:p>
+          <a:p>
+            <a:pPr>
+              <a:lnSpc>
+                <a:spcPct val="150000"/>
+              </a:lnSpc>
+              <a:buFont typeface="Arial" pitchFamily="34" charset="0"/>
+              <a:buChar char="•"/>
+              <a:defRPr/>
+            </a:pPr>
+            <a:r>
+              <a:rPr lang="sk-SK" sz="2000" kern="0" smtClean="0">
+                <a:ln w="18415" cmpd="sng">
+                  <a:noFill/>
+                  <a:prstDash val="solid"/>
+                </a:ln>
+                <a:solidFill>
+                  <a:srgbClr val="FFFFFF"/>
+                </a:solidFill>
+                <a:effectLst>
+                  <a:outerShdw blurRad="50800" dist="38100" dir="2700000" algn="tl" rotWithShape="0">
+                    <a:prstClr val="black">
+                      <a:alpha val="40000"/>
+                    </a:prstClr>
+                  </a:outerShdw>
+                </a:effectLst>
+                <a:latin typeface="Times New Roman" pitchFamily="18" charset="0"/>
+                <a:cs typeface="Times New Roman" pitchFamily="18" charset="0"/>
+              </a:rPr>
+              <a:t> Zabudovanie dvoch módov – Undo Redo v rámci práce s textom</a:t>
+            </a:r>
+            <a:endParaRPr lang="sk-SK" sz="2000" kern="0" smtClean="0">
+              <a:ln w="18415" cmpd="sng">
+                <a:noFill/>
+                <a:prstDash val="solid"/>
+              </a:ln>
+              <a:solidFill>
+                <a:srgbClr val="FFFFFF"/>
+              </a:solidFill>
+              <a:effectLst>
+                <a:outerShdw blurRad="50800" dist="38100" dir="2700000" algn="tl" rotWithShape="0">
+                  <a:prstClr val="black">
+                    <a:alpha val="40000"/>
+                  </a:prstClr>
+                </a:outerShdw>
+              </a:effectLst>
+              <a:latin typeface="Times New Roman" pitchFamily="18" charset="0"/>
+              <a:cs typeface="Times New Roman" pitchFamily="18" charset="0"/>
+            </a:endParaRPr>
+          </a:p>
+          <a:p>
+            <a:pPr>
+              <a:lnSpc>
+                <a:spcPct val="150000"/>
+              </a:lnSpc>
+              <a:buFont typeface="Arial" pitchFamily="34" charset="0"/>
+              <a:buChar char="•"/>
+              <a:defRPr/>
+            </a:pPr>
+            <a:r>
+              <a:rPr lang="sk-SK" sz="2000" kern="0" smtClean="0">
+                <a:ln w="18415" cmpd="sng">
+                  <a:noFill/>
+                  <a:prstDash val="solid"/>
+                </a:ln>
+                <a:solidFill>
+                  <a:srgbClr val="FFFFFF"/>
+                </a:solidFill>
+                <a:effectLst>
+                  <a:outerShdw blurRad="50800" dist="38100" dir="2700000" algn="tl" rotWithShape="0">
+                    <a:prstClr val="black">
+                      <a:alpha val="40000"/>
+                    </a:prstClr>
+                  </a:outerShdw>
+                </a:effectLst>
+                <a:latin typeface="Times New Roman" pitchFamily="18" charset="0"/>
+                <a:cs typeface="Times New Roman" pitchFamily="18" charset="0"/>
+              </a:rPr>
+              <a:t> </a:t>
+            </a:r>
+            <a:r>
+              <a:rPr lang="sk-SK" sz="2000" kern="0" smtClean="0">
+                <a:ln w="18415" cmpd="sng">
+                  <a:noFill/>
+                  <a:prstDash val="solid"/>
+                </a:ln>
+                <a:solidFill>
+                  <a:srgbClr val="FFFFFF"/>
+                </a:solidFill>
+                <a:effectLst>
+                  <a:outerShdw blurRad="50800" dist="38100" dir="2700000" algn="tl" rotWithShape="0">
+                    <a:prstClr val="black">
+                      <a:alpha val="40000"/>
+                    </a:prstClr>
+                  </a:outerShdw>
+                </a:effectLst>
+                <a:latin typeface="Times New Roman" pitchFamily="18" charset="0"/>
+                <a:cs typeface="Times New Roman" pitchFamily="18" charset="0"/>
+              </a:rPr>
+              <a:t>Zabudovanie paralelizmu – spracovanie syntaktickej analýzi na pozadí</a:t>
+            </a:r>
+          </a:p>
+          <a:p>
+            <a:pPr>
+              <a:lnSpc>
+                <a:spcPct val="150000"/>
+              </a:lnSpc>
+              <a:buFont typeface="Arial" pitchFamily="34" charset="0"/>
+              <a:buChar char="•"/>
+              <a:defRPr/>
+            </a:pPr>
+            <a:r>
+              <a:rPr lang="sk-SK" sz="2000" kern="0" smtClean="0">
+                <a:ln w="18415" cmpd="sng">
+                  <a:noFill/>
+                  <a:prstDash val="solid"/>
+                </a:ln>
+                <a:solidFill>
+                  <a:srgbClr val="FFFFFF"/>
+                </a:solidFill>
+                <a:effectLst>
+                  <a:outerShdw blurRad="50800" dist="38100" dir="2700000" algn="tl" rotWithShape="0">
+                    <a:prstClr val="black">
+                      <a:alpha val="40000"/>
+                    </a:prstClr>
+                  </a:outerShdw>
+                </a:effectLst>
+                <a:latin typeface="Times New Roman" pitchFamily="18" charset="0"/>
+                <a:cs typeface="Times New Roman" pitchFamily="18" charset="0"/>
+              </a:rPr>
+              <a:t> </a:t>
+            </a:r>
+            <a:r>
+              <a:rPr lang="sk-SK" sz="2000" kern="0" smtClean="0">
+                <a:ln w="18415" cmpd="sng">
+                  <a:noFill/>
+                  <a:prstDash val="solid"/>
+                </a:ln>
+                <a:solidFill>
+                  <a:srgbClr val="FFFFFF"/>
+                </a:solidFill>
+                <a:effectLst>
+                  <a:outerShdw blurRad="50800" dist="38100" dir="2700000" algn="tl" rotWithShape="0">
+                    <a:prstClr val="black">
+                      <a:alpha val="40000"/>
+                    </a:prstClr>
+                  </a:outerShdw>
+                </a:effectLst>
+                <a:latin typeface="Times New Roman" pitchFamily="18" charset="0"/>
+                <a:cs typeface="Times New Roman" pitchFamily="18" charset="0"/>
+              </a:rPr>
+              <a:t>Zabudovanie Shortcuts – rozšírenie existujúcich skratiek </a:t>
+            </a:r>
+          </a:p>
+          <a:p>
+            <a:pPr>
+              <a:lnSpc>
+                <a:spcPct val="150000"/>
+              </a:lnSpc>
+              <a:buFont typeface="Arial" pitchFamily="34" charset="0"/>
+              <a:buChar char="•"/>
+              <a:defRPr/>
+            </a:pPr>
+            <a:r>
+              <a:rPr lang="sk-SK" sz="2000" kern="0" smtClean="0">
+                <a:ln w="18415" cmpd="sng">
+                  <a:noFill/>
+                  <a:prstDash val="solid"/>
+                </a:ln>
+                <a:solidFill>
+                  <a:srgbClr val="FFFFFF"/>
+                </a:solidFill>
+                <a:effectLst>
+                  <a:outerShdw blurRad="50800" dist="38100" dir="2700000" algn="tl" rotWithShape="0">
+                    <a:prstClr val="black">
+                      <a:alpha val="40000"/>
+                    </a:prstClr>
+                  </a:outerShdw>
+                </a:effectLst>
+                <a:latin typeface="Times New Roman" pitchFamily="18" charset="0"/>
+                <a:cs typeface="Times New Roman" pitchFamily="18" charset="0"/>
+              </a:rPr>
+              <a:t> </a:t>
+            </a:r>
+            <a:r>
+              <a:rPr lang="sk-SK" sz="2000" kern="0" smtClean="0">
+                <a:ln w="18415" cmpd="sng">
+                  <a:noFill/>
+                  <a:prstDash val="solid"/>
+                </a:ln>
+                <a:solidFill>
+                  <a:srgbClr val="FFFFFF"/>
+                </a:solidFill>
+                <a:effectLst>
+                  <a:outerShdw blurRad="50800" dist="38100" dir="2700000" algn="tl" rotWithShape="0">
+                    <a:prstClr val="black">
+                      <a:alpha val="40000"/>
+                    </a:prstClr>
+                  </a:outerShdw>
+                </a:effectLst>
+                <a:latin typeface="Times New Roman" pitchFamily="18" charset="0"/>
+                <a:cs typeface="Times New Roman" pitchFamily="18" charset="0"/>
+              </a:rPr>
+              <a:t>Úprava editora za použitia CSS štýlov</a:t>
+            </a:r>
+            <a:endParaRPr lang="sk-SK" sz="2000" kern="0" smtClean="0">
+              <a:ln w="18415" cmpd="sng">
+                <a:noFill/>
+                <a:prstDash val="solid"/>
+              </a:ln>
+              <a:solidFill>
+                <a:srgbClr val="FFFFFF"/>
+              </a:solidFill>
+              <a:effectLst>
+                <a:outerShdw blurRad="50800" dist="38100" dir="2700000" algn="tl" rotWithShape="0">
+                  <a:prstClr val="black">
+                    <a:alpha val="40000"/>
+                  </a:prstClr>
+                </a:outerShdw>
+              </a:effectLst>
+              <a:latin typeface="Times New Roman" pitchFamily="18" charset="0"/>
+              <a:cs typeface="Times New Roman" pitchFamily="18" charset="0"/>
+            </a:endParaRPr>
+          </a:p>
+          <a:p>
+            <a:pPr>
+              <a:lnSpc>
+                <a:spcPct val="150000"/>
+              </a:lnSpc>
+              <a:buFont typeface="Arial" pitchFamily="34" charset="0"/>
+              <a:buChar char="•"/>
+              <a:defRPr/>
+            </a:pPr>
             <a:endParaRPr lang="pl-PL" sz="2000" kern="0" smtClean="0">
               <a:ln w="18415" cmpd="sng">
                 <a:noFill/>
@@ -7587,6 +7899,967 @@
       </p:grpSpPr>
       <p:sp>
         <p:nvSpPr>
+          <p:cNvPr id="22" name="Round Same Side Corner Rectangle 15"/>
+          <p:cNvSpPr/>
+          <p:nvPr/>
+        </p:nvSpPr>
+        <p:spPr bwMode="auto">
+          <a:xfrm rot="5400000">
+            <a:off x="2393157" y="-1393045"/>
+            <a:ext cx="4071966" cy="8858280"/>
+          </a:xfrm>
+          <a:prstGeom prst="round2SameRect">
+            <a:avLst/>
+          </a:prstGeom>
+          <a:solidFill>
+            <a:srgbClr val="000000">
+              <a:alpha val="28000"/>
+            </a:srgbClr>
+          </a:solidFill>
+          <a:ln w="12700">
+            <a:noFill/>
+            <a:headEnd type="none" w="med" len="med"/>
+            <a:tailEnd type="none" w="med" len="med"/>
+          </a:ln>
+          <a:effectLst/>
+        </p:spPr>
+        <p:style>
+          <a:lnRef idx="1">
+            <a:schemeClr val="accent2"/>
+          </a:lnRef>
+          <a:fillRef idx="3">
+            <a:schemeClr val="accent2"/>
+          </a:fillRef>
+          <a:effectRef idx="2">
+            <a:schemeClr val="accent2"/>
+          </a:effectRef>
+          <a:fontRef idx="minor">
+            <a:schemeClr val="lt1"/>
+          </a:fontRef>
+        </p:style>
+        <p:txBody>
+          <a:bodyPr vert="horz" wrap="square" lIns="68566" tIns="228558" rIns="68566" bIns="34283" numCol="1" rtlCol="0" anchor="t" anchorCtr="0" compatLnSpc="1">
+            <a:prstTxWarp prst="textNoShape">
+              <a:avLst/>
+            </a:prstTxWarp>
+          </a:bodyPr>
+          <a:lstStyle/>
+          <a:p>
+            <a:pPr algn="ctr" defTabSz="685750" fontAlgn="base">
+              <a:lnSpc>
+                <a:spcPct val="80000"/>
+              </a:lnSpc>
+              <a:spcBef>
+                <a:spcPct val="0"/>
+              </a:spcBef>
+              <a:spcAft>
+                <a:spcPct val="0"/>
+              </a:spcAft>
+              <a:buClr>
+                <a:srgbClr val="FFFF99"/>
+              </a:buClr>
+              <a:buSzPct val="120000"/>
+              <a:defRPr/>
+            </a:pPr>
+            <a:endParaRPr lang="en-US" altLang="zh-CN" sz="4100" b="1" spc="-94" dirty="0">
+              <a:ln w="18415" cmpd="sng">
+                <a:noFill/>
+                <a:prstDash val="solid"/>
+              </a:ln>
+              <a:solidFill>
+                <a:srgbClr val="000000"/>
+              </a:solidFill>
+              <a:effectLst>
+                <a:glow rad="101600">
+                  <a:srgbClr val="CCECFF"/>
+                </a:glow>
+                <a:innerShdw blurRad="114300">
+                  <a:prstClr val="black"/>
+                </a:innerShdw>
+              </a:effectLst>
+              <a:latin typeface="Segoe"/>
+            </a:endParaRPr>
+          </a:p>
+        </p:txBody>
+      </p:sp>
+      <p:sp>
+        <p:nvSpPr>
+          <p:cNvPr id="5" name="Freeform 8"/>
+          <p:cNvSpPr>
+            <a:spLocks/>
+          </p:cNvSpPr>
+          <p:nvPr/>
+        </p:nvSpPr>
+        <p:spPr bwMode="auto">
+          <a:xfrm rot="5400000">
+            <a:off x="4460057" y="428625"/>
+            <a:ext cx="285750" cy="10287000"/>
+          </a:xfrm>
+          <a:prstGeom prst="rect">
+            <a:avLst/>
+          </a:prstGeom>
+          <a:gradFill flip="none" rotWithShape="1">
+            <a:gsLst>
+              <a:gs pos="0">
+                <a:sysClr val="windowText" lastClr="000000">
+                  <a:alpha val="0"/>
+                </a:sysClr>
+              </a:gs>
+              <a:gs pos="38000">
+                <a:sysClr val="windowText" lastClr="000000"/>
+              </a:gs>
+              <a:gs pos="100000">
+                <a:sysClr val="windowText" lastClr="000000">
+                  <a:alpha val="0"/>
+                </a:sysClr>
+              </a:gs>
+            </a:gsLst>
+            <a:lin ang="16200000" scaled="1"/>
+            <a:tileRect/>
+          </a:gradFill>
+          <a:ln w="9525">
+            <a:noFill/>
+            <a:round/>
+            <a:headEnd/>
+            <a:tailEnd/>
+          </a:ln>
+        </p:spPr>
+        <p:txBody>
+          <a:bodyPr vert="horz" wrap="square" lIns="68589" tIns="34295" rIns="68589" bIns="34295" numCol="1" anchor="t" anchorCtr="0" compatLnSpc="1">
+            <a:prstTxWarp prst="textNoShape">
+              <a:avLst/>
+            </a:prstTxWarp>
+          </a:bodyPr>
+          <a:lstStyle/>
+          <a:p>
+            <a:pPr marL="0" marR="0" lvl="0" indent="0" defTabSz="914400" eaLnBrk="1" fontAlgn="auto" latinLnBrk="0" hangingPunct="1">
+              <a:lnSpc>
+                <a:spcPct val="100000"/>
+              </a:lnSpc>
+              <a:spcBef>
+                <a:spcPts val="0"/>
+              </a:spcBef>
+              <a:spcAft>
+                <a:spcPts val="0"/>
+              </a:spcAft>
+              <a:buClrTx/>
+              <a:buSzTx/>
+              <a:buFontTx/>
+              <a:buNone/>
+              <a:tabLst/>
+              <a:defRPr/>
+            </a:pPr>
+            <a:endParaRPr kumimoji="0" lang="en-US" sz="1800" b="0" i="0" u="none" strike="noStrike" kern="0" cap="none" spc="0" normalizeH="0" baseline="0" noProof="0" dirty="0">
+              <a:ln>
+                <a:noFill/>
+              </a:ln>
+              <a:solidFill>
+                <a:sysClr val="windowText" lastClr="000000"/>
+              </a:solidFill>
+              <a:effectLst/>
+              <a:uLnTx/>
+              <a:uFillTx/>
+            </a:endParaRPr>
+          </a:p>
+        </p:txBody>
+      </p:sp>
+      <p:sp>
+        <p:nvSpPr>
+          <p:cNvPr id="8" name="TextBox 2"/>
+          <p:cNvSpPr txBox="1"/>
+          <p:nvPr/>
+        </p:nvSpPr>
+        <p:spPr>
+          <a:xfrm>
+            <a:off x="3286116" y="337220"/>
+            <a:ext cx="5857884" cy="492443"/>
+          </a:xfrm>
+          <a:prstGeom prst="rect">
+            <a:avLst/>
+          </a:prstGeom>
+          <a:noFill/>
+          <a:effectLst/>
+        </p:spPr>
+        <p:txBody>
+          <a:bodyPr wrap="square" lIns="0" tIns="0" rIns="0" bIns="0" rtlCol="0">
+            <a:spAutoFit/>
+          </a:bodyPr>
+          <a:lstStyle/>
+          <a:p>
+            <a:pPr lvl="0" algn="ctr">
+              <a:defRPr/>
+            </a:pPr>
+            <a:r>
+              <a:rPr lang="sk-SK" sz="3200" b="1" kern="0" smtClean="0">
+                <a:ln w="18415" cmpd="sng">
+                  <a:noFill/>
+                  <a:prstDash val="solid"/>
+                </a:ln>
+                <a:solidFill>
+                  <a:srgbClr val="FFFFFF"/>
+                </a:solidFill>
+                <a:effectLst>
+                  <a:outerShdw blurRad="50800" dist="38100" dir="2700000" algn="tl" rotWithShape="0">
+                    <a:prstClr val="black">
+                      <a:alpha val="40000"/>
+                    </a:prstClr>
+                  </a:outerShdw>
+                </a:effectLst>
+                <a:latin typeface="Times New Roman" pitchFamily="18" charset="0"/>
+                <a:cs typeface="Times New Roman" pitchFamily="18" charset="0"/>
+              </a:rPr>
+              <a:t>Výzvy</a:t>
+            </a:r>
+            <a:endParaRPr lang="en-US" sz="3200" b="1" kern="0" dirty="0" smtClean="0">
+              <a:ln w="18415" cmpd="sng">
+                <a:noFill/>
+                <a:prstDash val="solid"/>
+              </a:ln>
+              <a:solidFill>
+                <a:srgbClr val="FFFFFF"/>
+              </a:solidFill>
+              <a:effectLst>
+                <a:outerShdw blurRad="50800" dist="38100" dir="2700000" algn="tl" rotWithShape="0">
+                  <a:prstClr val="black">
+                    <a:alpha val="40000"/>
+                  </a:prstClr>
+                </a:outerShdw>
+              </a:effectLst>
+              <a:latin typeface="Times New Roman" pitchFamily="18" charset="0"/>
+              <a:cs typeface="Times New Roman" pitchFamily="18" charset="0"/>
+            </a:endParaRPr>
+          </a:p>
+        </p:txBody>
+      </p:sp>
+      <p:sp>
+        <p:nvSpPr>
+          <p:cNvPr id="11" name="TextBox 47"/>
+          <p:cNvSpPr txBox="1"/>
+          <p:nvPr/>
+        </p:nvSpPr>
+        <p:spPr>
+          <a:xfrm>
+            <a:off x="107504" y="5399519"/>
+            <a:ext cx="2051719" cy="315481"/>
+          </a:xfrm>
+          <a:prstGeom prst="rect">
+            <a:avLst/>
+          </a:prstGeom>
+          <a:noFill/>
+          <a:effectLst>
+            <a:outerShdw blurRad="50800" dist="38100" dir="2700000" algn="tl" rotWithShape="0">
+              <a:prstClr val="black">
+                <a:alpha val="40000"/>
+              </a:prstClr>
+            </a:outerShdw>
+          </a:effectLst>
+        </p:spPr>
+        <p:txBody>
+          <a:bodyPr wrap="square" lIns="68589" tIns="34295" rIns="68589" bIns="34295" rtlCol="0">
+            <a:spAutoFit/>
+          </a:bodyPr>
+          <a:lstStyle/>
+          <a:p>
+            <a:pPr marL="0" marR="0" lvl="0" indent="0" defTabSz="914400" eaLnBrk="1" fontAlgn="base" latinLnBrk="0" hangingPunct="1">
+              <a:lnSpc>
+                <a:spcPct val="100000"/>
+              </a:lnSpc>
+              <a:spcBef>
+                <a:spcPct val="0"/>
+              </a:spcBef>
+              <a:spcAft>
+                <a:spcPct val="0"/>
+              </a:spcAft>
+              <a:buClrTx/>
+              <a:buSzTx/>
+              <a:buFontTx/>
+              <a:buNone/>
+              <a:tabLst/>
+              <a:defRPr/>
+            </a:pPr>
+            <a:r>
+              <a:rPr kumimoji="0" lang="sk-SK" sz="1600" b="0" i="1" u="none" strike="noStrike" kern="0" cap="none" spc="0" normalizeH="0" baseline="0" noProof="0" dirty="0" smtClean="0">
+                <a:ln>
+                  <a:noFill/>
+                </a:ln>
+                <a:solidFill>
+                  <a:schemeClr val="bg1">
+                    <a:lumMod val="65000"/>
+                  </a:schemeClr>
+                </a:solidFill>
+                <a:effectLst>
+                  <a:outerShdw blurRad="38100" dist="38100" dir="2700000" algn="tl">
+                    <a:srgbClr val="000000">
+                      <a:alpha val="43137"/>
+                    </a:srgbClr>
+                  </a:outerShdw>
+                </a:effectLst>
+                <a:uLnTx/>
+                <a:uFillTx/>
+                <a:latin typeface="Constantia" pitchFamily="18" charset="0"/>
+              </a:rPr>
+              <a:t>Innovators </a:t>
+            </a:r>
+            <a:r>
+              <a:rPr kumimoji="0" lang="sk-SK" sz="1200" b="0" i="1" u="none" strike="noStrike" kern="0" cap="none" spc="0" normalizeH="0" baseline="0" noProof="0" dirty="0" smtClean="0">
+                <a:ln>
+                  <a:noFill/>
+                </a:ln>
+                <a:solidFill>
+                  <a:schemeClr val="bg1">
+                    <a:lumMod val="65000"/>
+                  </a:schemeClr>
+                </a:solidFill>
+                <a:effectLst>
+                  <a:outerShdw blurRad="38100" dist="38100" dir="2700000" algn="tl">
+                    <a:srgbClr val="000000">
+                      <a:alpha val="43137"/>
+                    </a:srgbClr>
+                  </a:outerShdw>
+                </a:effectLst>
+                <a:uLnTx/>
+                <a:uFillTx/>
+                <a:latin typeface="Constantia" pitchFamily="18" charset="0"/>
+              </a:rPr>
+              <a:t>|</a:t>
+            </a:r>
+            <a:r>
+              <a:rPr kumimoji="0" lang="sk-SK" sz="1200" b="0" i="1" u="none" strike="noStrike" kern="0" cap="none" spc="0" normalizeH="0" noProof="0" dirty="0" smtClean="0">
+                <a:ln>
+                  <a:noFill/>
+                </a:ln>
+                <a:solidFill>
+                  <a:schemeClr val="bg1">
+                    <a:lumMod val="65000"/>
+                  </a:schemeClr>
+                </a:solidFill>
+                <a:effectLst>
+                  <a:outerShdw blurRad="38100" dist="38100" dir="2700000" algn="tl">
+                    <a:srgbClr val="000000">
+                      <a:alpha val="43137"/>
+                    </a:srgbClr>
+                  </a:outerShdw>
+                </a:effectLst>
+                <a:uLnTx/>
+                <a:uFillTx/>
+                <a:latin typeface="Constantia" pitchFamily="18" charset="0"/>
+              </a:rPr>
+              <a:t> </a:t>
+            </a:r>
+            <a:r>
+              <a:rPr kumimoji="0" lang="sk-SK" sz="1200" b="0" i="1" u="none" strike="noStrike" kern="0" cap="none" spc="0" normalizeH="0" baseline="0" noProof="0" dirty="0" smtClean="0">
+                <a:ln>
+                  <a:noFill/>
+                </a:ln>
+                <a:solidFill>
+                  <a:schemeClr val="bg1">
+                    <a:lumMod val="65000"/>
+                  </a:schemeClr>
+                </a:solidFill>
+                <a:effectLst>
+                  <a:outerShdw blurRad="38100" dist="38100" dir="2700000" algn="tl">
+                    <a:srgbClr val="000000">
+                      <a:alpha val="43137"/>
+                    </a:srgbClr>
+                  </a:outerShdw>
+                </a:effectLst>
+                <a:uLnTx/>
+                <a:uFillTx/>
+                <a:latin typeface="Constantia" pitchFamily="18" charset="0"/>
+              </a:rPr>
+              <a:t>tím</a:t>
+            </a:r>
+            <a:r>
+              <a:rPr kumimoji="0" lang="sk-SK" sz="1400" b="0" i="1" u="none" strike="noStrike" kern="0" cap="none" spc="0" normalizeH="0" baseline="0" noProof="0" dirty="0" smtClean="0">
+                <a:ln>
+                  <a:noFill/>
+                </a:ln>
+                <a:solidFill>
+                  <a:schemeClr val="bg1">
+                    <a:lumMod val="65000"/>
+                  </a:schemeClr>
+                </a:solidFill>
+                <a:effectLst>
+                  <a:outerShdw blurRad="38100" dist="38100" dir="2700000" algn="tl">
+                    <a:srgbClr val="000000">
+                      <a:alpha val="43137"/>
+                    </a:srgbClr>
+                  </a:outerShdw>
+                </a:effectLst>
+                <a:uLnTx/>
+                <a:uFillTx/>
+                <a:latin typeface="Constantia" pitchFamily="18" charset="0"/>
+              </a:rPr>
+              <a:t> č.10</a:t>
+            </a:r>
+            <a:endParaRPr kumimoji="0" lang="en-US" sz="1600" b="0" i="1" u="none" strike="noStrike" kern="0" cap="none" spc="0" normalizeH="0" baseline="0" noProof="0" dirty="0">
+              <a:ln>
+                <a:noFill/>
+              </a:ln>
+              <a:solidFill>
+                <a:schemeClr val="bg1">
+                  <a:lumMod val="65000"/>
+                </a:schemeClr>
+              </a:solidFill>
+              <a:effectLst>
+                <a:outerShdw blurRad="38100" dist="38100" dir="2700000" algn="tl">
+                  <a:srgbClr val="000000">
+                    <a:alpha val="43137"/>
+                  </a:srgbClr>
+                </a:outerShdw>
+              </a:effectLst>
+              <a:uLnTx/>
+              <a:uFillTx/>
+              <a:latin typeface="Constantia" pitchFamily="18" charset="0"/>
+            </a:endParaRPr>
+          </a:p>
+        </p:txBody>
+      </p:sp>
+      <p:sp>
+        <p:nvSpPr>
+          <p:cNvPr id="7" name="TextBox 2"/>
+          <p:cNvSpPr txBox="1"/>
+          <p:nvPr/>
+        </p:nvSpPr>
+        <p:spPr>
+          <a:xfrm>
+            <a:off x="428596" y="1142988"/>
+            <a:ext cx="8286808" cy="2308324"/>
+          </a:xfrm>
+          <a:prstGeom prst="rect">
+            <a:avLst/>
+          </a:prstGeom>
+          <a:noFill/>
+        </p:spPr>
+        <p:txBody>
+          <a:bodyPr wrap="square" lIns="0" tIns="0" rIns="0" bIns="0" rtlCol="0">
+            <a:spAutoFit/>
+          </a:bodyPr>
+          <a:lstStyle/>
+          <a:p>
+            <a:pPr>
+              <a:lnSpc>
+                <a:spcPct val="150000"/>
+              </a:lnSpc>
+              <a:buFont typeface="Arial" pitchFamily="34" charset="0"/>
+              <a:buChar char="•"/>
+              <a:defRPr/>
+            </a:pPr>
+            <a:r>
+              <a:rPr lang="pl-PL" sz="2000" kern="0" smtClean="0">
+                <a:ln w="18415" cmpd="sng">
+                  <a:noFill/>
+                  <a:prstDash val="solid"/>
+                </a:ln>
+                <a:solidFill>
+                  <a:srgbClr val="FFFFFF"/>
+                </a:solidFill>
+                <a:effectLst>
+                  <a:outerShdw blurRad="50800" dist="38100" dir="2700000" algn="tl" rotWithShape="0">
+                    <a:prstClr val="black">
+                      <a:alpha val="40000"/>
+                    </a:prstClr>
+                  </a:outerShdw>
+                </a:effectLst>
+                <a:latin typeface="Times New Roman" pitchFamily="18" charset="0"/>
+                <a:cs typeface="Times New Roman" pitchFamily="18" charset="0"/>
+              </a:rPr>
+              <a:t> Držanie AST stromu na strane Lia – už len dopytovanie na strom z Qt</a:t>
+            </a:r>
+          </a:p>
+          <a:p>
+            <a:pPr>
+              <a:lnSpc>
+                <a:spcPct val="150000"/>
+              </a:lnSpc>
+              <a:buFont typeface="Arial" pitchFamily="34" charset="0"/>
+              <a:buChar char="•"/>
+              <a:defRPr/>
+            </a:pPr>
+            <a:r>
+              <a:rPr lang="pl-PL" sz="2000" kern="0" smtClean="0">
+                <a:ln w="18415" cmpd="sng">
+                  <a:noFill/>
+                  <a:prstDash val="solid"/>
+                </a:ln>
+                <a:solidFill>
+                  <a:srgbClr val="FFFFFF"/>
+                </a:solidFill>
+                <a:effectLst>
+                  <a:outerShdw blurRad="50800" dist="38100" dir="2700000" algn="tl" rotWithShape="0">
+                    <a:prstClr val="black">
+                      <a:alpha val="40000"/>
+                    </a:prstClr>
+                  </a:outerShdw>
+                </a:effectLst>
+                <a:latin typeface="Times New Roman" pitchFamily="18" charset="0"/>
+                <a:cs typeface="Times New Roman" pitchFamily="18" charset="0"/>
+              </a:rPr>
+              <a:t> Rozšíriť paralelizmus aj na stranu Lua jazyka</a:t>
+            </a:r>
+          </a:p>
+          <a:p>
+            <a:pPr>
+              <a:lnSpc>
+                <a:spcPct val="150000"/>
+              </a:lnSpc>
+              <a:buFont typeface="Arial" pitchFamily="34" charset="0"/>
+              <a:buChar char="•"/>
+              <a:defRPr/>
+            </a:pPr>
+            <a:r>
+              <a:rPr lang="pl-PL" sz="2000" kern="0" smtClean="0">
+                <a:ln w="18415" cmpd="sng">
+                  <a:noFill/>
+                  <a:prstDash val="solid"/>
+                </a:ln>
+                <a:solidFill>
+                  <a:srgbClr val="FFFFFF"/>
+                </a:solidFill>
+                <a:effectLst>
+                  <a:outerShdw blurRad="50800" dist="38100" dir="2700000" algn="tl" rotWithShape="0">
+                    <a:prstClr val="black">
+                      <a:alpha val="40000"/>
+                    </a:prstClr>
+                  </a:outerShdw>
+                </a:effectLst>
+                <a:latin typeface="Times New Roman" pitchFamily="18" charset="0"/>
+                <a:cs typeface="Times New Roman" pitchFamily="18" charset="0"/>
+              </a:rPr>
+              <a:t> </a:t>
+            </a:r>
+            <a:r>
+              <a:rPr lang="pl-PL" sz="2000" kern="0" smtClean="0">
+                <a:ln w="18415" cmpd="sng">
+                  <a:noFill/>
+                  <a:prstDash val="solid"/>
+                </a:ln>
+                <a:solidFill>
+                  <a:srgbClr val="FFFFFF"/>
+                </a:solidFill>
+                <a:effectLst>
+                  <a:outerShdw blurRad="50800" dist="38100" dir="2700000" algn="tl" rotWithShape="0">
+                    <a:prstClr val="black">
+                      <a:alpha val="40000"/>
+                    </a:prstClr>
+                  </a:outerShdw>
+                </a:effectLst>
+                <a:latin typeface="Times New Roman" pitchFamily="18" charset="0"/>
+                <a:cs typeface="Times New Roman" pitchFamily="18" charset="0"/>
+              </a:rPr>
+              <a:t>Vlastné nakonfigurovanie shortcuts</a:t>
+            </a:r>
+          </a:p>
+          <a:p>
+            <a:pPr>
+              <a:lnSpc>
+                <a:spcPct val="150000"/>
+              </a:lnSpc>
+              <a:buFont typeface="Arial" pitchFamily="34" charset="0"/>
+              <a:buChar char="•"/>
+              <a:defRPr/>
+            </a:pPr>
+            <a:r>
+              <a:rPr lang="pl-PL" sz="2000" kern="0" smtClean="0">
+                <a:ln w="18415" cmpd="sng">
+                  <a:noFill/>
+                  <a:prstDash val="solid"/>
+                </a:ln>
+                <a:solidFill>
+                  <a:srgbClr val="FFFFFF"/>
+                </a:solidFill>
+                <a:effectLst>
+                  <a:outerShdw blurRad="50800" dist="38100" dir="2700000" algn="tl" rotWithShape="0">
+                    <a:prstClr val="black">
+                      <a:alpha val="40000"/>
+                    </a:prstClr>
+                  </a:outerShdw>
+                </a:effectLst>
+                <a:latin typeface="Times New Roman" pitchFamily="18" charset="0"/>
+                <a:cs typeface="Times New Roman" pitchFamily="18" charset="0"/>
+              </a:rPr>
+              <a:t> </a:t>
+            </a:r>
+            <a:r>
+              <a:rPr lang="pl-PL" sz="2000" kern="0" smtClean="0">
+                <a:ln w="18415" cmpd="sng">
+                  <a:noFill/>
+                  <a:prstDash val="solid"/>
+                </a:ln>
+                <a:solidFill>
+                  <a:srgbClr val="FFFFFF"/>
+                </a:solidFill>
+                <a:effectLst>
+                  <a:outerShdw blurRad="50800" dist="38100" dir="2700000" algn="tl" rotWithShape="0">
+                    <a:prstClr val="black">
+                      <a:alpha val="40000"/>
+                    </a:prstClr>
+                  </a:outerShdw>
+                </a:effectLst>
+                <a:latin typeface="Times New Roman" pitchFamily="18" charset="0"/>
+                <a:cs typeface="Times New Roman" pitchFamily="18" charset="0"/>
+              </a:rPr>
+              <a:t>Undo Redo rozšíriť aj pre prácu s blokmi</a:t>
+            </a:r>
+          </a:p>
+          <a:p>
+            <a:pPr>
+              <a:lnSpc>
+                <a:spcPct val="150000"/>
+              </a:lnSpc>
+              <a:buFont typeface="Arial" pitchFamily="34" charset="0"/>
+              <a:buChar char="•"/>
+              <a:defRPr/>
+            </a:pPr>
+            <a:r>
+              <a:rPr lang="pl-PL" sz="2000" kern="0" smtClean="0">
+                <a:ln w="18415" cmpd="sng">
+                  <a:noFill/>
+                  <a:prstDash val="solid"/>
+                </a:ln>
+                <a:solidFill>
+                  <a:srgbClr val="FFFFFF"/>
+                </a:solidFill>
+                <a:effectLst>
+                  <a:outerShdw blurRad="50800" dist="38100" dir="2700000" algn="tl" rotWithShape="0">
+                    <a:prstClr val="black">
+                      <a:alpha val="40000"/>
+                    </a:prstClr>
+                  </a:outerShdw>
+                </a:effectLst>
+                <a:latin typeface="Times New Roman" pitchFamily="18" charset="0"/>
+                <a:cs typeface="Times New Roman" pitchFamily="18" charset="0"/>
+              </a:rPr>
+              <a:t> </a:t>
+            </a:r>
+            <a:r>
+              <a:rPr lang="pl-PL" sz="2000" kern="0" smtClean="0">
+                <a:ln w="18415" cmpd="sng">
+                  <a:noFill/>
+                  <a:prstDash val="solid"/>
+                </a:ln>
+                <a:solidFill>
+                  <a:srgbClr val="FFFFFF"/>
+                </a:solidFill>
+                <a:effectLst>
+                  <a:outerShdw blurRad="50800" dist="38100" dir="2700000" algn="tl" rotWithShape="0">
+                    <a:prstClr val="black">
+                      <a:alpha val="40000"/>
+                    </a:prstClr>
+                  </a:outerShdw>
+                </a:effectLst>
+                <a:latin typeface="Times New Roman" pitchFamily="18" charset="0"/>
+                <a:cs typeface="Times New Roman" pitchFamily="18" charset="0"/>
+              </a:rPr>
+              <a:t>Zabudovanie pokročilého dokumentačného bloku podporujci RTF</a:t>
+            </a:r>
+            <a:endParaRPr lang="pl-PL" sz="2000" kern="0" smtClean="0">
+              <a:ln w="18415" cmpd="sng">
+                <a:noFill/>
+                <a:prstDash val="solid"/>
+              </a:ln>
+              <a:solidFill>
+                <a:srgbClr val="FFFFFF"/>
+              </a:solidFill>
+              <a:effectLst>
+                <a:outerShdw blurRad="50800" dist="38100" dir="2700000" algn="tl" rotWithShape="0">
+                  <a:prstClr val="black">
+                    <a:alpha val="40000"/>
+                  </a:prstClr>
+                </a:outerShdw>
+              </a:effectLst>
+              <a:latin typeface="Times New Roman" pitchFamily="18" charset="0"/>
+              <a:cs typeface="Times New Roman" pitchFamily="18" charset="0"/>
+            </a:endParaRPr>
+          </a:p>
+        </p:txBody>
+      </p:sp>
+    </p:spTree>
+  </p:cSld>
+  <p:clrMapOvr>
+    <a:masterClrMapping/>
+  </p:clrMapOvr>
+  <p:transition spd="med">
+    <p:cover dir="r"/>
+  </p:transition>
+  <p:timing>
+    <p:tnLst>
+      <p:par>
+        <p:cTn id="1" dur="indefinite" restart="never" nodeType="tmRoot">
+          <p:childTnLst>
+            <p:seq concurrent="1" nextAc="seek">
+              <p:cTn id="2" dur="indefinite" nodeType="mainSeq">
+                <p:childTnLst>
+                  <p:par>
+                    <p:cTn id="3" fill="hold">
+                      <p:stCondLst>
+                        <p:cond delay="indefinite"/>
+                        <p:cond evt="onBegin" delay="0">
+                          <p:tn val="2"/>
+                        </p:cond>
+                      </p:stCondLst>
+                      <p:childTnLst>
+                        <p:par>
+                          <p:cTn id="4" fill="hold">
+                            <p:stCondLst>
+                              <p:cond delay="0"/>
+                            </p:stCondLst>
+                            <p:childTnLst>
+                              <p:par>
+                                <p:cTn id="5" presetID="17" presetClass="entr" presetSubtype="8" fill="hold" grpId="0" nodeType="afterEffect">
+                                  <p:stCondLst>
+                                    <p:cond delay="0"/>
+                                  </p:stCondLst>
+                                  <p:childTnLst>
+                                    <p:set>
+                                      <p:cBhvr>
+                                        <p:cTn id="6" dur="1" fill="hold">
+                                          <p:stCondLst>
+                                            <p:cond delay="0"/>
+                                          </p:stCondLst>
+                                        </p:cTn>
+                                        <p:tgtEl>
+                                          <p:spTgt spid="22"/>
+                                        </p:tgtEl>
+                                        <p:attrNameLst>
+                                          <p:attrName>style.visibility</p:attrName>
+                                        </p:attrNameLst>
+                                      </p:cBhvr>
+                                      <p:to>
+                                        <p:strVal val="visible"/>
+                                      </p:to>
+                                    </p:set>
+                                    <p:anim calcmode="lin" valueType="num">
+                                      <p:cBhvr>
+                                        <p:cTn id="7" dur="1000" fill="hold"/>
+                                        <p:tgtEl>
+                                          <p:spTgt spid="22"/>
+                                        </p:tgtEl>
+                                        <p:attrNameLst>
+                                          <p:attrName>ppt_x</p:attrName>
+                                        </p:attrNameLst>
+                                      </p:cBhvr>
+                                      <p:tavLst>
+                                        <p:tav tm="0">
+                                          <p:val>
+                                            <p:strVal val="#ppt_x-#ppt_w/2"/>
+                                          </p:val>
+                                        </p:tav>
+                                        <p:tav tm="100000">
+                                          <p:val>
+                                            <p:strVal val="#ppt_x"/>
+                                          </p:val>
+                                        </p:tav>
+                                      </p:tavLst>
+                                    </p:anim>
+                                    <p:anim calcmode="lin" valueType="num">
+                                      <p:cBhvr>
+                                        <p:cTn id="8" dur="1000" fill="hold"/>
+                                        <p:tgtEl>
+                                          <p:spTgt spid="22"/>
+                                        </p:tgtEl>
+                                        <p:attrNameLst>
+                                          <p:attrName>ppt_y</p:attrName>
+                                        </p:attrNameLst>
+                                      </p:cBhvr>
+                                      <p:tavLst>
+                                        <p:tav tm="0">
+                                          <p:val>
+                                            <p:strVal val="#ppt_y"/>
+                                          </p:val>
+                                        </p:tav>
+                                        <p:tav tm="100000">
+                                          <p:val>
+                                            <p:strVal val="#ppt_y"/>
+                                          </p:val>
+                                        </p:tav>
+                                      </p:tavLst>
+                                    </p:anim>
+                                    <p:anim calcmode="lin" valueType="num">
+                                      <p:cBhvr>
+                                        <p:cTn id="9" dur="1000" fill="hold"/>
+                                        <p:tgtEl>
+                                          <p:spTgt spid="22"/>
+                                        </p:tgtEl>
+                                        <p:attrNameLst>
+                                          <p:attrName>ppt_w</p:attrName>
+                                        </p:attrNameLst>
+                                      </p:cBhvr>
+                                      <p:tavLst>
+                                        <p:tav tm="0">
+                                          <p:val>
+                                            <p:fltVal val="0"/>
+                                          </p:val>
+                                        </p:tav>
+                                        <p:tav tm="100000">
+                                          <p:val>
+                                            <p:strVal val="#ppt_w"/>
+                                          </p:val>
+                                        </p:tav>
+                                      </p:tavLst>
+                                    </p:anim>
+                                    <p:anim calcmode="lin" valueType="num">
+                                      <p:cBhvr>
+                                        <p:cTn id="10" dur="1000" fill="hold"/>
+                                        <p:tgtEl>
+                                          <p:spTgt spid="22"/>
+                                        </p:tgtEl>
+                                        <p:attrNameLst>
+                                          <p:attrName>ppt_h</p:attrName>
+                                        </p:attrNameLst>
+                                      </p:cBhvr>
+                                      <p:tavLst>
+                                        <p:tav tm="0">
+                                          <p:val>
+                                            <p:strVal val="#ppt_h"/>
+                                          </p:val>
+                                        </p:tav>
+                                        <p:tav tm="100000">
+                                          <p:val>
+                                            <p:strVal val="#ppt_h"/>
+                                          </p:val>
+                                        </p:tav>
+                                      </p:tavLst>
+                                    </p:anim>
+                                  </p:childTnLst>
+                                </p:cTn>
+                              </p:par>
+                            </p:childTnLst>
+                          </p:cTn>
+                        </p:par>
+                        <p:par>
+                          <p:cTn id="11" fill="hold">
+                            <p:stCondLst>
+                              <p:cond delay="1000"/>
+                            </p:stCondLst>
+                            <p:childTnLst>
+                              <p:par>
+                                <p:cTn id="12" presetID="2" presetClass="entr" presetSubtype="4" fill="hold" grpId="0" nodeType="afterEffect">
+                                  <p:stCondLst>
+                                    <p:cond delay="0"/>
+                                  </p:stCondLst>
+                                  <p:childTnLst>
+                                    <p:set>
+                                      <p:cBhvr>
+                                        <p:cTn id="13" dur="1" fill="hold">
+                                          <p:stCondLst>
+                                            <p:cond delay="0"/>
+                                          </p:stCondLst>
+                                        </p:cTn>
+                                        <p:tgtEl>
+                                          <p:spTgt spid="7"/>
+                                        </p:tgtEl>
+                                        <p:attrNameLst>
+                                          <p:attrName>style.visibility</p:attrName>
+                                        </p:attrNameLst>
+                                      </p:cBhvr>
+                                      <p:to>
+                                        <p:strVal val="visible"/>
+                                      </p:to>
+                                    </p:set>
+                                    <p:anim calcmode="lin" valueType="num">
+                                      <p:cBhvr additive="base">
+                                        <p:cTn id="14" dur="1000" fill="hold"/>
+                                        <p:tgtEl>
+                                          <p:spTgt spid="7"/>
+                                        </p:tgtEl>
+                                        <p:attrNameLst>
+                                          <p:attrName>ppt_x</p:attrName>
+                                        </p:attrNameLst>
+                                      </p:cBhvr>
+                                      <p:tavLst>
+                                        <p:tav tm="0">
+                                          <p:val>
+                                            <p:strVal val="#ppt_x"/>
+                                          </p:val>
+                                        </p:tav>
+                                        <p:tav tm="100000">
+                                          <p:val>
+                                            <p:strVal val="#ppt_x"/>
+                                          </p:val>
+                                        </p:tav>
+                                      </p:tavLst>
+                                    </p:anim>
+                                    <p:anim calcmode="lin" valueType="num">
+                                      <p:cBhvr additive="base">
+                                        <p:cTn id="15" dur="1000" fill="hold"/>
+                                        <p:tgtEl>
+                                          <p:spTgt spid="7"/>
+                                        </p:tgtEl>
+                                        <p:attrNameLst>
+                                          <p:attrName>ppt_y</p:attrName>
+                                        </p:attrNameLst>
+                                      </p:cBhvr>
+                                      <p:tavLst>
+                                        <p:tav tm="0">
+                                          <p:val>
+                                            <p:strVal val="1+#ppt_h/2"/>
+                                          </p:val>
+                                        </p:tav>
+                                        <p:tav tm="100000">
+                                          <p:val>
+                                            <p:strVal val="#ppt_y"/>
+                                          </p:val>
+                                        </p:tav>
+                                      </p:tavLst>
+                                    </p:anim>
+                                  </p:childTnLst>
+                                </p:cTn>
+                              </p:par>
+                            </p:childTnLst>
+                          </p:cTn>
+                        </p:par>
+                      </p:childTnLst>
+                    </p:cTn>
+                  </p:par>
+                </p:childTnLst>
+              </p:cTn>
+              <p:prevCondLst>
+                <p:cond evt="onPrev" delay="0">
+                  <p:tgtEl>
+                    <p:sldTgt/>
+                  </p:tgtEl>
+                </p:cond>
+              </p:prevCondLst>
+              <p:nextCondLst>
+                <p:cond evt="onNext" delay="0">
+                  <p:tgtEl>
+                    <p:sldTgt/>
+                  </p:tgtEl>
+                </p:cond>
+              </p:nextCondLst>
+            </p:seq>
+          </p:childTnLst>
+        </p:cTn>
+      </p:par>
+    </p:tnLst>
+    <p:bldLst>
+      <p:bldP spid="22" grpId="0" animBg="1"/>
+      <p:bldP spid="7" grpId="0"/>
+    </p:bldLst>
+  </p:timing>
+</p:sld>
+</file>
+
+<file path=ppt/slides/slide14.xml><?xml version="1.0" encoding="utf-8"?>
+<p:sld xmlns:a="http://schemas.openxmlformats.org/drawingml/2006/main" xmlns:r="http://schemas.openxmlformats.org/officeDocument/2006/relationships" xmlns:p="http://schemas.openxmlformats.org/presentationml/2006/main">
+  <p:cSld>
+    <p:spTree>
+      <p:nvGrpSpPr>
+        <p:cNvPr id="1" name=""/>
+        <p:cNvGrpSpPr/>
+        <p:nvPr/>
+      </p:nvGrpSpPr>
+      <p:grpSpPr>
+        <a:xfrm>
+          <a:off x="0" y="0"/>
+          <a:ext cx="0" cy="0"/>
+          <a:chOff x="0" y="0"/>
+          <a:chExt cx="0" cy="0"/>
+        </a:xfrm>
+      </p:grpSpPr>
+      <p:sp>
+        <p:nvSpPr>
           <p:cNvPr id="5" name="Freeform 8"/>
           <p:cNvSpPr>
             <a:spLocks/>
@@ -8051,7 +9324,7 @@
 </p:sld>
 </file>
 
-<file path=ppt/slides/slide14.xml><?xml version="1.0" encoding="utf-8"?>
+<file path=ppt/slides/slide15.xml><?xml version="1.0" encoding="utf-8"?>
 <p:sld xmlns:a="http://schemas.openxmlformats.org/drawingml/2006/main" xmlns:r="http://schemas.openxmlformats.org/officeDocument/2006/relationships" xmlns:p="http://schemas.openxmlformats.org/presentationml/2006/main">
   <p:cSld>
     <p:spTree>
@@ -9031,7 +10304,7 @@
         <p:spPr>
           <a:xfrm>
             <a:off x="428596" y="1285864"/>
-            <a:ext cx="8286808" cy="1791324"/>
+            <a:ext cx="8286808" cy="3693319"/>
           </a:xfrm>
           <a:prstGeom prst="rect">
             <a:avLst/>
@@ -9048,8 +10321,8 @@
               <a:lnSpc>
                 <a:spcPct val="150000"/>
               </a:lnSpc>
-              <a:buFontTx/>
-              <a:buChar char="-"/>
+              <a:buFont typeface="Arial" pitchFamily="34" charset="0"/>
+              <a:buChar char="•"/>
               <a:defRPr/>
             </a:pPr>
             <a:r>
@@ -9071,7 +10344,28 @@
                 <a:latin typeface="Times New Roman" pitchFamily="18" charset="0"/>
                 <a:cs typeface="Times New Roman" pitchFamily="18" charset="0"/>
               </a:rPr>
-              <a:t> m</a:t>
+              <a:t> </a:t>
+            </a:r>
+            <a:r>
+              <a:rPr lang="sk-SK" sz="2000" kern="0" smtClean="0">
+                <a:ln w="18415" cmpd="sng">
+                  <a:noFill/>
+                  <a:prstDash val="solid"/>
+                </a:ln>
+                <a:solidFill>
+                  <a:srgbClr val="FFFFFF"/>
+                </a:solidFill>
+                <a:effectLst>
+                  <a:outerShdw blurRad="50800" dist="38100" dir="2700000" algn="tl" rotWithShape="0">
+                    <a:prstClr val="black">
+                      <a:alpha val="40000"/>
+                    </a:prstClr>
+                  </a:outerShdw>
+                </a:effectLst>
+                <a:latin typeface="Times New Roman" pitchFamily="18" charset="0"/>
+                <a:cs typeface="Times New Roman" pitchFamily="18" charset="0"/>
+              </a:rPr>
+              <a:t>m</a:t>
             </a:r>
             <a:r>
               <a:rPr lang="en-US" sz="2000" kern="0" smtClean="0">
@@ -9144,8 +10438,8 @@
               <a:lnSpc>
                 <a:spcPct val="150000"/>
               </a:lnSpc>
-              <a:buFontTx/>
-              <a:buChar char="-"/>
+              <a:buFont typeface="Arial" pitchFamily="34" charset="0"/>
+              <a:buChar char="•"/>
               <a:defRPr/>
             </a:pPr>
             <a:r>
@@ -9175,8 +10469,8 @@
               <a:lnSpc>
                 <a:spcPct val="150000"/>
               </a:lnSpc>
-              <a:buFontTx/>
-              <a:buChar char="-"/>
+              <a:buFont typeface="Arial" pitchFamily="34" charset="0"/>
+              <a:buChar char="•"/>
               <a:defRPr/>
             </a:pPr>
             <a:r>
@@ -9198,16 +10492,55 @@
                 <a:latin typeface="Times New Roman" pitchFamily="18" charset="0"/>
                 <a:cs typeface="Times New Roman" pitchFamily="18" charset="0"/>
               </a:rPr>
-              <a:t> podporiť myšlienku „literate programming“</a:t>
-            </a:r>
+              <a:t> podporiť myšlienku „literate programming</a:t>
+            </a:r>
+            <a:r>
+              <a:rPr lang="sk-SK" sz="2000" kern="0" smtClean="0">
+                <a:ln w="18415" cmpd="sng">
+                  <a:noFill/>
+                  <a:prstDash val="solid"/>
+                </a:ln>
+                <a:solidFill>
+                  <a:srgbClr val="FFFFFF"/>
+                </a:solidFill>
+                <a:effectLst>
+                  <a:outerShdw blurRad="50800" dist="38100" dir="2700000" algn="tl" rotWithShape="0">
+                    <a:prstClr val="black">
+                      <a:alpha val="40000"/>
+                    </a:prstClr>
+                  </a:outerShdw>
+                </a:effectLst>
+                <a:latin typeface="Times New Roman" pitchFamily="18" charset="0"/>
+                <a:cs typeface="Times New Roman" pitchFamily="18" charset="0"/>
+              </a:rPr>
+              <a:t>“</a:t>
+            </a:r>
+            <a:endParaRPr lang="sk-SK" sz="2000" kern="0" smtClean="0">
+              <a:ln w="18415" cmpd="sng">
+                <a:noFill/>
+                <a:prstDash val="solid"/>
+              </a:ln>
+              <a:solidFill>
+                <a:srgbClr val="FFFFFF"/>
+              </a:solidFill>
+              <a:effectLst>
+                <a:outerShdw blurRad="50800" dist="38100" dir="2700000" algn="tl" rotWithShape="0">
+                  <a:prstClr val="black">
+                    <a:alpha val="40000"/>
+                  </a:prstClr>
+                </a:outerShdw>
+              </a:effectLst>
+              <a:latin typeface="Times New Roman" pitchFamily="18" charset="0"/>
+              <a:cs typeface="Times New Roman" pitchFamily="18" charset="0"/>
+            </a:endParaRPr>
           </a:p>
           <a:p>
             <a:pPr lvl="0">
               <a:lnSpc>
                 <a:spcPct val="150000"/>
               </a:lnSpc>
-              <a:buFontTx/>
-              <a:buChar char="-"/>
+              <a:buFont typeface="Arial" pitchFamily="34" charset="0"/>
+              <a:buChar char="•"/>
               <a:defRPr/>
             </a:pPr>
             <a:r>
@@ -9254,8 +10587,173 @@
                 <a:latin typeface="Times New Roman" pitchFamily="18" charset="0"/>
                 <a:cs typeface="Times New Roman" pitchFamily="18" charset="0"/>
               </a:rPr>
-              <a:t> trhu s editormi</a:t>
-            </a:r>
+              <a:t> </a:t>
+            </a:r>
+            <a:r>
+              <a:rPr kumimoji="0" lang="sk-SK" sz="2000" u="none" strike="noStrike" kern="0" cap="none" normalizeH="0" noProof="0" smtClean="0">
+                <a:ln w="18415" cmpd="sng">
+                  <a:noFill/>
+                  <a:prstDash val="solid"/>
+                </a:ln>
+                <a:solidFill>
+                  <a:srgbClr val="FFFFFF"/>
+                </a:solidFill>
+                <a:effectLst>
+                  <a:outerShdw blurRad="50800" dist="38100" dir="2700000" algn="tl" rotWithShape="0">
+                    <a:prstClr val="black">
+                      <a:alpha val="40000"/>
+                    </a:prstClr>
+                  </a:outerShdw>
+                </a:effectLst>
+                <a:uLnTx/>
+                <a:uFillTx/>
+                <a:latin typeface="Times New Roman" pitchFamily="18" charset="0"/>
+                <a:cs typeface="Times New Roman" pitchFamily="18" charset="0"/>
+              </a:rPr>
+              <a:t>trhu</a:t>
+            </a:r>
+          </a:p>
+          <a:p>
+            <a:pPr lvl="0">
+              <a:lnSpc>
+                <a:spcPct val="150000"/>
+              </a:lnSpc>
+              <a:defRPr/>
+            </a:pPr>
+            <a:endParaRPr kumimoji="0" lang="sk-SK" sz="2000" u="none" strike="noStrike" kern="0" cap="none" normalizeH="0" noProof="0" smtClean="0">
+              <a:ln w="18415" cmpd="sng">
+                <a:noFill/>
+                <a:prstDash val="solid"/>
+              </a:ln>
+              <a:solidFill>
+                <a:srgbClr val="FFFFFF"/>
+              </a:solidFill>
+              <a:effectLst>
+                <a:outerShdw blurRad="50800" dist="38100" dir="2700000" algn="tl" rotWithShape="0">
+                  <a:prstClr val="black">
+                    <a:alpha val="40000"/>
+                  </a:prstClr>
+                </a:outerShdw>
+              </a:effectLst>
+              <a:uLnTx/>
+              <a:uFillTx/>
+              <a:latin typeface="Times New Roman" pitchFamily="18" charset="0"/>
+              <a:cs typeface="Times New Roman" pitchFamily="18" charset="0"/>
+            </a:endParaRPr>
+          </a:p>
+          <a:p>
+            <a:pPr>
+              <a:lnSpc>
+                <a:spcPct val="150000"/>
+              </a:lnSpc>
+              <a:buFont typeface="Arial" pitchFamily="34" charset="0"/>
+              <a:buChar char="•"/>
+              <a:defRPr/>
+            </a:pPr>
+            <a:r>
+              <a:rPr lang="en-US" sz="2000" kern="0" smtClean="0">
+                <a:ln w="18415" cmpd="sng">
+                  <a:noFill/>
+                  <a:prstDash val="solid"/>
+                </a:ln>
+                <a:solidFill>
+                  <a:srgbClr val="FFFFFF"/>
+                </a:solidFill>
+                <a:effectLst>
+                  <a:outerShdw blurRad="50800" dist="38100" dir="2700000" algn="tl" rotWithShape="0">
+                    <a:prstClr val="black">
+                      <a:alpha val="40000"/>
+                    </a:prstClr>
+                  </a:outerShdw>
+                </a:effectLst>
+                <a:latin typeface="Times New Roman" pitchFamily="18" charset="0"/>
+                <a:cs typeface="Times New Roman" pitchFamily="18" charset="0"/>
+              </a:rPr>
+              <a:t> </a:t>
+            </a:r>
+            <a:r>
+              <a:rPr lang="sk-SK" sz="2000" kern="0" smtClean="0">
+                <a:ln w="18415" cmpd="sng">
+                  <a:noFill/>
+                  <a:prstDash val="solid"/>
+                </a:ln>
+                <a:solidFill>
+                  <a:srgbClr val="FFFFFF"/>
+                </a:solidFill>
+                <a:effectLst>
+                  <a:outerShdw blurRad="50800" dist="38100" dir="2700000" algn="tl" rotWithShape="0">
+                    <a:prstClr val="black">
+                      <a:alpha val="40000"/>
+                    </a:prstClr>
+                  </a:outerShdw>
+                </a:effectLst>
+                <a:latin typeface="Times New Roman" pitchFamily="18" charset="0"/>
+                <a:cs typeface="Times New Roman" pitchFamily="18" charset="0"/>
+              </a:rPr>
+              <a:t>pokračujeme </a:t>
+            </a:r>
+            <a:r>
+              <a:rPr lang="sk-SK" sz="2000" kern="0" smtClean="0">
+                <a:ln w="18415" cmpd="sng">
+                  <a:noFill/>
+                  <a:prstDash val="solid"/>
+                </a:ln>
+                <a:solidFill>
+                  <a:srgbClr val="FFFFFF"/>
+                </a:solidFill>
+                <a:effectLst>
+                  <a:outerShdw blurRad="50800" dist="38100" dir="2700000" algn="tl" rotWithShape="0">
+                    <a:prstClr val="black">
+                      <a:alpha val="40000"/>
+                    </a:prstClr>
+                  </a:outerShdw>
+                </a:effectLst>
+                <a:latin typeface="Times New Roman" pitchFamily="18" charset="0"/>
+                <a:cs typeface="Times New Roman" pitchFamily="18" charset="0"/>
+              </a:rPr>
+              <a:t>vo vývoji už existujúceho riešenia tímu UFOPAK</a:t>
+            </a:r>
+          </a:p>
+          <a:p>
+            <a:pPr>
+              <a:lnSpc>
+                <a:spcPct val="150000"/>
+              </a:lnSpc>
+              <a:buFont typeface="Arial" pitchFamily="34" charset="0"/>
+              <a:buChar char="•"/>
+              <a:defRPr/>
+            </a:pPr>
+            <a:r>
+              <a:rPr lang="sk-SK" sz="2000" kern="0" smtClean="0">
+                <a:ln w="18415" cmpd="sng">
+                  <a:noFill/>
+                  <a:prstDash val="solid"/>
+                </a:ln>
+                <a:solidFill>
+                  <a:srgbClr val="FFFFFF"/>
+                </a:solidFill>
+                <a:effectLst>
+                  <a:outerShdw blurRad="50800" dist="38100" dir="2700000" algn="tl" rotWithShape="0">
+                    <a:prstClr val="black">
+                      <a:alpha val="40000"/>
+                    </a:prstClr>
+                  </a:outerShdw>
+                </a:effectLst>
+                <a:latin typeface="Times New Roman" pitchFamily="18" charset="0"/>
+                <a:cs typeface="Times New Roman" pitchFamily="18" charset="0"/>
+              </a:rPr>
+              <a:t> základná funkcionalita aplikácie je implementovaná</a:t>
+            </a:r>
+          </a:p>
+          <a:p>
+            <a:pPr lvl="0">
+              <a:lnSpc>
+                <a:spcPct val="150000"/>
+              </a:lnSpc>
+              <a:buFont typeface="Arial" pitchFamily="34" charset="0"/>
+              <a:buChar char="•"/>
+              <a:defRPr/>
+            </a:pPr>
             <a:endParaRPr kumimoji="0" lang="en-US" sz="2000" u="none" strike="noStrike" kern="0" cap="none" normalizeH="0" baseline="0" noProof="0" dirty="0" smtClean="0">
               <a:ln w="18415" cmpd="sng">
                 <a:noFill/>
@@ -10031,7 +11529,7 @@
         <p:spPr>
           <a:xfrm>
             <a:off x="428596" y="1285864"/>
-            <a:ext cx="8286808" cy="2308324"/>
+            <a:ext cx="8286808" cy="2769989"/>
           </a:xfrm>
           <a:prstGeom prst="rect">
             <a:avLst/>
@@ -10048,12 +11546,12 @@
               <a:lnSpc>
                 <a:spcPct val="150000"/>
               </a:lnSpc>
-              <a:buFontTx/>
-              <a:buChar char="-"/>
+              <a:buFont typeface="Arial" pitchFamily="34" charset="0"/>
+              <a:buChar char="•"/>
               <a:defRPr/>
             </a:pPr>
             <a:r>
-              <a:rPr lang="sk-SK" sz="2000" kern="0" smtClean="0">
+              <a:rPr lang="en-US" sz="2000" kern="0" smtClean="0">
                 <a:ln w="18415" cmpd="sng">
                   <a:noFill/>
                   <a:prstDash val="solid"/>
@@ -10071,7 +11569,7 @@
                 <a:latin typeface="Times New Roman" pitchFamily="18" charset="0"/>
                 <a:cs typeface="Times New Roman" pitchFamily="18" charset="0"/>
               </a:rPr>
-              <a:t>pokračovať vo vývoji už existujúceho riešenia </a:t>
+              <a:t> </a:t>
             </a:r>
             <a:r>
               <a:rPr lang="sk-SK" sz="2000" kern="0" smtClean="0">
@@ -10092,7 +11590,7 @@
                 <a:latin typeface="Times New Roman" pitchFamily="18" charset="0"/>
                 <a:cs typeface="Times New Roman" pitchFamily="18" charset="0"/>
               </a:rPr>
-              <a:t>tímu </a:t>
+              <a:t>plne </a:t>
             </a:r>
             <a:r>
               <a:rPr lang="sk-SK" sz="2000" kern="0" smtClean="0">
@@ -10113,7 +11611,7 @@
                 <a:latin typeface="Times New Roman" pitchFamily="18" charset="0"/>
                 <a:cs typeface="Times New Roman" pitchFamily="18" charset="0"/>
               </a:rPr>
-              <a:t>UFOPAK</a:t>
+              <a:t>sa sústrediť na rozšírenie problematických častí editora</a:t>
             </a:r>
           </a:p>
           <a:p>
@@ -10121,12 +11619,12 @@
               <a:lnSpc>
                 <a:spcPct val="150000"/>
               </a:lnSpc>
-              <a:buFontTx/>
-              <a:buChar char="-"/>
+              <a:buFont typeface="Arial" pitchFamily="34" charset="0"/>
+              <a:buChar char="•"/>
               <a:defRPr/>
             </a:pPr>
             <a:r>
-              <a:rPr kumimoji="0" lang="sk-SK" sz="2000" u="none" strike="noStrike" kern="0" cap="none" normalizeH="0" baseline="0" noProof="0" smtClean="0">
+              <a:rPr kumimoji="0" lang="en-US" sz="2000" u="none" strike="noStrike" kern="0" cap="none" normalizeH="0" baseline="0" noProof="0" smtClean="0">
                 <a:ln w="18415" cmpd="sng">
                   <a:noFill/>
                   <a:prstDash val="solid"/>
@@ -10146,49 +11644,8 @@
                 <a:latin typeface="Times New Roman" pitchFamily="18" charset="0"/>
                 <a:cs typeface="Times New Roman" pitchFamily="18" charset="0"/>
               </a:rPr>
-              <a:t>základná funkcionalita aplikácie je implementovaná</a:t>
-            </a:r>
-          </a:p>
-          <a:p>
-            <a:pPr>
-              <a:lnSpc>
-                <a:spcPct val="150000"/>
-              </a:lnSpc>
-              <a:buFontTx/>
-              <a:buChar char="-"/>
-              <a:defRPr/>
-            </a:pPr>
-            <a:r>
-              <a:rPr lang="sk-SK" sz="2000" kern="0" smtClean="0">
-                <a:ln w="18415" cmpd="sng">
-                  <a:noFill/>
-                  <a:prstDash val="solid"/>
-                </a:ln>
-                <a:solidFill>
-                  <a:srgbClr val="FFFFFF"/>
-                </a:solidFill>
-                <a:effectLst>
-                  <a:outerShdw blurRad="50800" dist="38100" dir="2700000" algn="tl" rotWithShape="0">
-                    <a:prstClr val="black">
-                      <a:alpha val="40000"/>
-                    </a:prstClr>
-                  </a:outerShdw>
-                </a:effectLst>
-                <a:latin typeface="Times New Roman" pitchFamily="18" charset="0"/>
-                <a:cs typeface="Times New Roman" pitchFamily="18" charset="0"/>
-              </a:rPr>
-              <a:t>plne sa sústrediť na rozšírenie problematických častí editora</a:t>
-            </a:r>
-          </a:p>
-          <a:p>
-            <a:pPr>
-              <a:lnSpc>
-                <a:spcPct val="150000"/>
-              </a:lnSpc>
-              <a:buFontTx/>
-              <a:buChar char="-"/>
-              <a:defRPr/>
-            </a:pPr>
+              <a:t> </a:t>
+            </a:r>
             <a:r>
               <a:rPr kumimoji="0" lang="sk-SK" sz="2000" u="none" strike="noStrike" kern="0" cap="none" normalizeH="0" baseline="0" noProof="0" smtClean="0">
                 <a:ln w="18415" cmpd="sng">
@@ -10210,10 +11667,10 @@
                 <a:latin typeface="Times New Roman" pitchFamily="18" charset="0"/>
                 <a:cs typeface="Times New Roman" pitchFamily="18" charset="0"/>
               </a:rPr>
-              <a:t>doplnenie editora o ďalšie</a:t>
-            </a:r>
-            <a:r>
-              <a:rPr kumimoji="0" lang="sk-SK" sz="2000" u="none" strike="noStrike" kern="0" cap="none" normalizeH="0" noProof="0" smtClean="0">
+              <a:t>doplnenie </a:t>
+            </a:r>
+            <a:r>
+              <a:rPr kumimoji="0" lang="sk-SK" sz="2000" u="none" strike="noStrike" kern="0" cap="none" normalizeH="0" baseline="0" noProof="0" smtClean="0">
                 <a:ln w="18415" cmpd="sng">
                   <a:noFill/>
                   <a:prstDash val="solid"/>
@@ -10233,6 +11690,29 @@
                 <a:latin typeface="Times New Roman" pitchFamily="18" charset="0"/>
                 <a:cs typeface="Times New Roman" pitchFamily="18" charset="0"/>
               </a:rPr>
+              <a:t>editora o ďalšie</a:t>
+            </a:r>
+            <a:r>
+              <a:rPr kumimoji="0" lang="sk-SK" sz="2000" u="none" strike="noStrike" kern="0" cap="none" normalizeH="0" noProof="0" smtClean="0">
+                <a:ln w="18415" cmpd="sng">
+                  <a:noFill/>
+                  <a:prstDash val="solid"/>
+                </a:ln>
+                <a:solidFill>
+                  <a:srgbClr val="FFFFFF"/>
+                </a:solidFill>
+                <a:effectLst>
+                  <a:outerShdw blurRad="50800" dist="38100" dir="2700000" algn="tl" rotWithShape="0">
+                    <a:prstClr val="black">
+                      <a:alpha val="40000"/>
+                    </a:prstClr>
+                  </a:outerShdw>
+                </a:effectLst>
+                <a:uLnTx/>
+                <a:uFillTx/>
+                <a:latin typeface="Times New Roman" pitchFamily="18" charset="0"/>
+                <a:cs typeface="Times New Roman" pitchFamily="18" charset="0"/>
+              </a:rPr>
               <a:t> špecifikované funkcionality</a:t>
             </a:r>
           </a:p>
@@ -10241,12 +11721,12 @@
               <a:lnSpc>
                 <a:spcPct val="150000"/>
               </a:lnSpc>
-              <a:buFontTx/>
-              <a:buChar char="-"/>
+              <a:buFont typeface="Arial" pitchFamily="34" charset="0"/>
+              <a:buChar char="•"/>
               <a:defRPr/>
             </a:pPr>
             <a:r>
-              <a:rPr lang="sk-SK" sz="2000" kern="0" baseline="0" smtClean="0">
+              <a:rPr lang="en-US" sz="2000" kern="0" baseline="0" smtClean="0">
                 <a:ln w="18415" cmpd="sng">
                   <a:noFill/>
                   <a:prstDash val="solid"/>
@@ -10264,10 +11744,10 @@
                 <a:latin typeface="Times New Roman" pitchFamily="18" charset="0"/>
                 <a:cs typeface="Times New Roman" pitchFamily="18" charset="0"/>
               </a:rPr>
-              <a:t>vylepšenie</a:t>
-            </a:r>
-            <a:r>
-              <a:rPr lang="sk-SK" sz="2000" kern="0" smtClean="0">
+              <a:t> modern</a:t>
+            </a:r>
+            <a:r>
+              <a:rPr lang="sk-SK" sz="2000" kern="0" baseline="0" smtClean="0">
                 <a:ln w="18415" cmpd="sng">
                   <a:noFill/>
                   <a:prstDash val="solid"/>
@@ -10285,9 +11765,249 @@
                 <a:latin typeface="Times New Roman" pitchFamily="18" charset="0"/>
                 <a:cs typeface="Times New Roman" pitchFamily="18" charset="0"/>
               </a:rPr>
-              <a:t> používateľského rozhrania pre potreby reálneho nasadenia</a:t>
-            </a:r>
-            <a:endParaRPr kumimoji="0" lang="en-US" sz="2000" u="none" strike="noStrike" kern="0" cap="none" normalizeH="0" baseline="0" noProof="0" dirty="0" smtClean="0">
+              <a:t>é</a:t>
+            </a:r>
+            <a:r>
+              <a:rPr lang="sk-SK" sz="2000" kern="0" smtClean="0">
+                <a:ln w="18415" cmpd="sng">
+                  <a:noFill/>
+                  <a:prstDash val="solid"/>
+                </a:ln>
+                <a:solidFill>
+                  <a:srgbClr val="FFFFFF"/>
+                </a:solidFill>
+                <a:effectLst>
+                  <a:outerShdw blurRad="50800" dist="38100" dir="2700000" algn="tl" rotWithShape="0">
+                    <a:prstClr val="black">
+                      <a:alpha val="40000"/>
+                    </a:prstClr>
+                  </a:outerShdw>
+                </a:effectLst>
+                <a:latin typeface="Times New Roman" pitchFamily="18" charset="0"/>
+                <a:cs typeface="Times New Roman" pitchFamily="18" charset="0"/>
+              </a:rPr>
+              <a:t> používateľské rozhranie</a:t>
+            </a:r>
+          </a:p>
+          <a:p>
+            <a:pPr>
+              <a:lnSpc>
+                <a:spcPct val="150000"/>
+              </a:lnSpc>
+              <a:buFont typeface="Arial" pitchFamily="34" charset="0"/>
+              <a:buChar char="•"/>
+              <a:defRPr/>
+            </a:pPr>
+            <a:r>
+              <a:rPr lang="sk-SK" sz="2000" kern="0" smtClean="0">
+                <a:ln w="18415" cmpd="sng">
+                  <a:noFill/>
+                  <a:prstDash val="solid"/>
+                </a:ln>
+                <a:solidFill>
+                  <a:srgbClr val="FFFFFF"/>
+                </a:solidFill>
+                <a:effectLst>
+                  <a:outerShdw blurRad="50800" dist="38100" dir="2700000" algn="tl" rotWithShape="0">
+                    <a:prstClr val="black">
+                      <a:alpha val="40000"/>
+                    </a:prstClr>
+                  </a:outerShdw>
+                </a:effectLst>
+                <a:latin typeface="Times New Roman" pitchFamily="18" charset="0"/>
+                <a:cs typeface="Times New Roman" pitchFamily="18" charset="0"/>
+              </a:rPr>
+              <a:t> </a:t>
+            </a:r>
+            <a:r>
+              <a:rPr lang="sk-SK" sz="2000" kern="0" smtClean="0">
+                <a:ln w="18415" cmpd="sng">
+                  <a:noFill/>
+                  <a:prstDash val="solid"/>
+                </a:ln>
+                <a:solidFill>
+                  <a:srgbClr val="FFFFFF"/>
+                </a:solidFill>
+                <a:effectLst>
+                  <a:outerShdw blurRad="50800" dist="38100" dir="2700000" algn="tl" rotWithShape="0">
+                    <a:prstClr val="black">
+                      <a:alpha val="40000"/>
+                    </a:prstClr>
+                  </a:outerShdw>
+                </a:effectLst>
+                <a:latin typeface="Times New Roman" pitchFamily="18" charset="0"/>
+                <a:cs typeface="Times New Roman" pitchFamily="18" charset="0"/>
+              </a:rPr>
+              <a:t>nasadenia </a:t>
+            </a:r>
+            <a:r>
+              <a:rPr lang="sk-SK" sz="2000" kern="0" smtClean="0">
+                <a:ln w="18415" cmpd="sng">
+                  <a:noFill/>
+                  <a:prstDash val="solid"/>
+                </a:ln>
+                <a:solidFill>
+                  <a:srgbClr val="FFFFFF"/>
+                </a:solidFill>
+                <a:effectLst>
+                  <a:outerShdw blurRad="50800" dist="38100" dir="2700000" algn="tl" rotWithShape="0">
+                    <a:prstClr val="black">
+                      <a:alpha val="40000"/>
+                    </a:prstClr>
+                  </a:outerShdw>
+                </a:effectLst>
+                <a:latin typeface="Times New Roman" pitchFamily="18" charset="0"/>
+                <a:cs typeface="Times New Roman" pitchFamily="18" charset="0"/>
+              </a:rPr>
+              <a:t>editora pre reálne využitie v praxi</a:t>
+            </a:r>
+          </a:p>
+          <a:p>
+            <a:pPr>
+              <a:lnSpc>
+                <a:spcPct val="150000"/>
+              </a:lnSpc>
+              <a:buFont typeface="Arial" pitchFamily="34" charset="0"/>
+              <a:buChar char="•"/>
+              <a:defRPr/>
+            </a:pPr>
+            <a:r>
+              <a:rPr lang="sk-SK" sz="2000" kern="0" smtClean="0">
+                <a:ln w="18415" cmpd="sng">
+                  <a:noFill/>
+                  <a:prstDash val="solid"/>
+                </a:ln>
+                <a:solidFill>
+                  <a:srgbClr val="FFFFFF"/>
+                </a:solidFill>
+                <a:effectLst>
+                  <a:outerShdw blurRad="50800" dist="38100" dir="2700000" algn="tl" rotWithShape="0">
+                    <a:prstClr val="black">
+                      <a:alpha val="40000"/>
+                    </a:prstClr>
+                  </a:outerShdw>
+                </a:effectLst>
+                <a:latin typeface="Times New Roman" pitchFamily="18" charset="0"/>
+                <a:cs typeface="Times New Roman" pitchFamily="18" charset="0"/>
+              </a:rPr>
+              <a:t>čo možno najväčšia konfigurovateľnosť podľa </a:t>
+            </a:r>
+            <a:r>
+              <a:rPr lang="sk-SK" sz="2000" kern="0" smtClean="0">
+                <a:ln w="18415" cmpd="sng">
+                  <a:noFill/>
+                  <a:prstDash val="solid"/>
+                </a:ln>
+                <a:solidFill>
+                  <a:srgbClr val="FFFFFF"/>
+                </a:solidFill>
+                <a:effectLst>
+                  <a:outerShdw blurRad="50800" dist="38100" dir="2700000" algn="tl" rotWithShape="0">
+                    <a:prstClr val="black">
+                      <a:alpha val="40000"/>
+                    </a:prstClr>
+                  </a:outerShdw>
+                </a:effectLst>
+                <a:latin typeface="Times New Roman" pitchFamily="18" charset="0"/>
+                <a:cs typeface="Times New Roman" pitchFamily="18" charset="0"/>
+              </a:rPr>
+              <a:t>potrieb </a:t>
+            </a:r>
+            <a:r>
+              <a:rPr lang="sk-SK" sz="2000" kern="0" smtClean="0">
+                <a:ln w="18415" cmpd="sng">
+                  <a:noFill/>
+                  <a:prstDash val="solid"/>
+                </a:ln>
+                <a:solidFill>
+                  <a:srgbClr val="FFFFFF"/>
+                </a:solidFill>
+                <a:effectLst>
+                  <a:outerShdw blurRad="50800" dist="38100" dir="2700000" algn="tl" rotWithShape="0">
+                    <a:prstClr val="black">
+                      <a:alpha val="40000"/>
+                    </a:prstClr>
+                  </a:outerShdw>
+                </a:effectLst>
+                <a:latin typeface="Times New Roman" pitchFamily="18" charset="0"/>
+                <a:cs typeface="Times New Roman" pitchFamily="18" charset="0"/>
+              </a:rPr>
+              <a:t>používateľa</a:t>
+            </a:r>
+          </a:p>
+          <a:p>
+            <a:pPr>
+              <a:lnSpc>
+                <a:spcPct val="150000"/>
+              </a:lnSpc>
+              <a:buFont typeface="Arial" pitchFamily="34" charset="0"/>
+              <a:buChar char="•"/>
+              <a:defRPr/>
+            </a:pPr>
+            <a:r>
+              <a:rPr lang="sk-SK" sz="2000" kern="0" smtClean="0">
+                <a:ln w="18415" cmpd="sng">
+                  <a:noFill/>
+                  <a:prstDash val="solid"/>
+                </a:ln>
+                <a:solidFill>
+                  <a:srgbClr val="FFFFFF"/>
+                </a:solidFill>
+                <a:effectLst>
+                  <a:outerShdw blurRad="50800" dist="38100" dir="2700000" algn="tl" rotWithShape="0">
+                    <a:prstClr val="black">
+                      <a:alpha val="40000"/>
+                    </a:prstClr>
+                  </a:outerShdw>
+                </a:effectLst>
+                <a:latin typeface="Times New Roman" pitchFamily="18" charset="0"/>
+                <a:cs typeface="Times New Roman" pitchFamily="18" charset="0"/>
+              </a:rPr>
+              <a:t> používateľský prívetíve rozhranie, ktoré by uľahčovaľo prácu </a:t>
+            </a:r>
+            <a:r>
+              <a:rPr lang="sk-SK" sz="2000" kern="0" smtClean="0">
+                <a:ln w="18415" cmpd="sng">
+                  <a:noFill/>
+                  <a:prstDash val="solid"/>
+                </a:ln>
+                <a:solidFill>
+                  <a:srgbClr val="FFFFFF"/>
+                </a:solidFill>
+                <a:effectLst>
+                  <a:outerShdw blurRad="50800" dist="38100" dir="2700000" algn="tl" rotWithShape="0">
+                    <a:prstClr val="black">
+                      <a:alpha val="40000"/>
+                    </a:prstClr>
+                  </a:outerShdw>
+                </a:effectLst>
+                <a:latin typeface="Times New Roman" pitchFamily="18" charset="0"/>
+                <a:cs typeface="Times New Roman" pitchFamily="18" charset="0"/>
+              </a:rPr>
+              <a:t>s </a:t>
+            </a:r>
+            <a:r>
+              <a:rPr lang="sk-SK" sz="2000" kern="0" smtClean="0">
+                <a:ln w="18415" cmpd="sng">
+                  <a:noFill/>
+                  <a:prstDash val="solid"/>
+                </a:ln>
+                <a:solidFill>
+                  <a:srgbClr val="FFFFFF"/>
+                </a:solidFill>
+                <a:effectLst>
+                  <a:outerShdw blurRad="50800" dist="38100" dir="2700000" algn="tl" rotWithShape="0">
+                    <a:prstClr val="black">
+                      <a:alpha val="40000"/>
+                    </a:prstClr>
+                  </a:outerShdw>
+                </a:effectLst>
+                <a:latin typeface="Times New Roman" pitchFamily="18" charset="0"/>
+                <a:cs typeface="Times New Roman" pitchFamily="18" charset="0"/>
+              </a:rPr>
+              <a:t>textom</a:t>
+            </a:r>
+            <a:endParaRPr lang="sk-SK" sz="2000" kern="0" smtClean="0">
               <a:ln w="18415" cmpd="sng">
                 <a:noFill/>
                 <a:prstDash val="solid"/>
@@ -10302,8 +12022,6 @@
                   </a:prstClr>
                 </a:outerShdw>
               </a:effectLst>
-              <a:uLnTx/>
-              <a:uFillTx/>
               <a:latin typeface="Times New Roman" pitchFamily="18" charset="0"/>
               <a:cs typeface="Times New Roman" pitchFamily="18" charset="0"/>
             </a:endParaRPr>
@@ -10602,8 +12320,8 @@
         </p:nvSpPr>
         <p:spPr bwMode="auto">
           <a:xfrm rot="5400000">
-            <a:off x="2393157" y="-1393045"/>
-            <a:ext cx="4071966" cy="8858280"/>
+            <a:off x="2214562" y="-1357326"/>
+            <a:ext cx="4429156" cy="8858280"/>
           </a:xfrm>
           <a:prstGeom prst="round2SameRect">
             <a:avLst/>
@@ -11443,25 +13161,11 @@
           </a:bodyPr>
           <a:lstStyle/>
           <a:p>
-            <a:pPr marL="0" marR="0" lvl="0" indent="0" algn="ctr" defTabSz="914400" eaLnBrk="1" fontAlgn="auto" latinLnBrk="0" hangingPunct="1">
-              <a:lnSpc>
-                <a:spcPct val="100000"/>
-              </a:lnSpc>
-              <a:spcBef>
-                <a:spcPts val="0"/>
-              </a:spcBef>
-              <a:spcAft>
-                <a:spcPts val="0"/>
-              </a:spcAft>
-              <a:buClrTx/>
-              <a:buSzTx/>
-              <a:buFontTx/>
-              <a:buNone/>
-              <a:tabLst/>
+            <a:pPr lvl="0" algn="ctr">
               <a:defRPr/>
             </a:pPr>
             <a:r>
-              <a:rPr kumimoji="0" lang="sk-SK" sz="3200" b="1" i="0" u="none" strike="noStrike" kern="0" cap="none" normalizeH="0" baseline="0" noProof="0" smtClean="0">
+              <a:rPr lang="sk-SK" sz="3200" b="1" kern="0" smtClean="0">
                 <a:ln w="18415" cmpd="sng">
                   <a:noFill/>
                   <a:prstDash val="solid"/>
@@ -11476,37 +13180,12 @@
                     </a:prstClr>
                   </a:outerShdw>
                 </a:effectLst>
-                <a:uLnTx/>
-                <a:uFillTx/>
                 <a:latin typeface="Times New Roman" pitchFamily="18" charset="0"/>
                 <a:cs typeface="Times New Roman" pitchFamily="18" charset="0"/>
               </a:rPr>
-              <a:t>Požiadavky na</a:t>
-            </a:r>
-            <a:r>
-              <a:rPr kumimoji="0" lang="sk-SK" sz="3200" b="1" i="0" u="none" strike="noStrike" kern="0" cap="none" normalizeH="0" noProof="0" smtClean="0">
-                <a:ln w="18415" cmpd="sng">
-                  <a:noFill/>
-                  <a:prstDash val="solid"/>
-                </a:ln>
-                <a:solidFill>
-                  <a:srgbClr val="FFFFFF"/>
-                </a:solidFill>
-                <a:effectLst>
-                  <a:outerShdw blurRad="50800" dist="38100" dir="2700000" algn="tl" rotWithShape="0">
-                    <a:prstClr val="black">
-                      <a:alpha val="40000"/>
-                    </a:prstClr>
-                  </a:outerShdw>
-                </a:effectLst>
-                <a:uLnTx/>
-                <a:uFillTx/>
-                <a:latin typeface="Times New Roman" pitchFamily="18" charset="0"/>
-                <a:cs typeface="Times New Roman" pitchFamily="18" charset="0"/>
-              </a:rPr>
-              <a:t> výsledný editor</a:t>
-            </a:r>
-            <a:endParaRPr kumimoji="0" lang="en-US" sz="3200" b="1" i="0" u="none" strike="noStrike" kern="0" cap="none" normalizeH="0" baseline="0" noProof="0" dirty="0" smtClean="0">
+              <a:t>Aké technológie sme použili? </a:t>
+            </a:r>
+            <a:endParaRPr lang="en-US" sz="3200" b="1" kern="0" dirty="0" smtClean="0">
               <a:ln w="18415" cmpd="sng">
                 <a:noFill/>
                 <a:prstDash val="solid"/>
@@ -11521,8 +13200,6 @@
                   </a:prstClr>
                 </a:outerShdw>
               </a:effectLst>
-              <a:uLnTx/>
-              <a:uFillTx/>
               <a:latin typeface="Times New Roman" pitchFamily="18" charset="0"/>
               <a:cs typeface="Times New Roman" pitchFamily="18" charset="0"/>
             </a:endParaRPr>
@@ -11715,14 +13392,14 @@
       </p:sp>
       <p:sp>
         <p:nvSpPr>
-          <p:cNvPr id="15" name="TextBox 2"/>
+          <p:cNvPr id="7" name="TextBox 2"/>
           <p:cNvSpPr txBox="1"/>
           <p:nvPr/>
         </p:nvSpPr>
         <p:spPr>
           <a:xfrm>
-            <a:off x="428596" y="1285864"/>
-            <a:ext cx="8286808" cy="2769989"/>
+            <a:off x="428596" y="1142988"/>
+            <a:ext cx="8286808" cy="3231654"/>
           </a:xfrm>
           <a:prstGeom prst="rect">
             <a:avLst/>
@@ -11739,8 +13416,6 @@
               <a:lnSpc>
                 <a:spcPct val="150000"/>
               </a:lnSpc>
-              <a:buFontTx/>
-              <a:buChar char="-"/>
               <a:defRPr/>
             </a:pPr>
             <a:r>
@@ -11764,41 +13439,8 @@
                 <a:latin typeface="Times New Roman" pitchFamily="18" charset="0"/>
                 <a:cs typeface="Times New Roman" pitchFamily="18" charset="0"/>
               </a:rPr>
-              <a:t> </a:t>
-            </a:r>
-            <a:r>
-              <a:rPr kumimoji="0" lang="sk-SK" sz="2000" u="none" strike="noStrike" kern="0" cap="none" normalizeH="0" noProof="0" smtClean="0">
-                <a:ln w="18415" cmpd="sng">
-                  <a:noFill/>
-                  <a:prstDash val="solid"/>
-                </a:ln>
-                <a:solidFill>
-                  <a:srgbClr val="FFFFFF"/>
-                </a:solidFill>
-                <a:effectLst>
-                  <a:outerShdw blurRad="50800" dist="38100" dir="2700000" algn="tl" rotWithShape="0">
-                    <a:prstClr val="black">
-                      <a:alpha val="40000"/>
-                    </a:prstClr>
-                  </a:outerShdw>
-                </a:effectLst>
-                <a:uLnTx/>
-                <a:uFillTx/>
-                <a:latin typeface="Times New Roman" pitchFamily="18" charset="0"/>
-                <a:cs typeface="Times New Roman" pitchFamily="18" charset="0"/>
-              </a:rPr>
-              <a:t>používateľský prívetíve rozhranie, ktoré by uľahčovaľo prácu s textom</a:t>
-            </a:r>
-          </a:p>
-          <a:p>
-            <a:pPr>
-              <a:lnSpc>
-                <a:spcPct val="150000"/>
-              </a:lnSpc>
-              <a:buFontTx/>
-              <a:buChar char="-"/>
-              <a:defRPr/>
-            </a:pPr>
+              <a:t>Editor</a:t>
+            </a:r>
             <a:r>
               <a:rPr lang="sk-SK" sz="2000" kern="0" smtClean="0">
                 <a:ln w="18415" cmpd="sng">
@@ -11818,8 +13460,16 @@
                 <a:latin typeface="Times New Roman" pitchFamily="18" charset="0"/>
                 <a:cs typeface="Times New Roman" pitchFamily="18" charset="0"/>
               </a:rPr>
-              <a:t> rýchly </a:t>
-            </a:r>
+              <a:t> je realizovaný ako multiplatformová desktopová aplikácia </a:t>
+            </a:r>
+          </a:p>
+          <a:p>
+            <a:pPr>
+              <a:lnSpc>
+                <a:spcPct val="150000"/>
+              </a:lnSpc>
+              <a:defRPr/>
+            </a:pPr>
             <a:r>
               <a:rPr lang="sk-SK" sz="2000" kern="0" smtClean="0">
                 <a:ln w="18415" cmpd="sng">
@@ -11839,10 +13489,10 @@
                 <a:latin typeface="Times New Roman" pitchFamily="18" charset="0"/>
                 <a:cs typeface="Times New Roman" pitchFamily="18" charset="0"/>
               </a:rPr>
-              <a:t>a </a:t>
-            </a:r>
-            <a:r>
-              <a:rPr lang="sk-SK" sz="2000" kern="0" smtClean="0">
+              <a:t>V</a:t>
+            </a:r>
+            <a:r>
+              <a:rPr lang="en-US" sz="2000" kern="0" smtClean="0">
                 <a:ln w="18415" cmpd="sng">
                   <a:noFill/>
                   <a:prstDash val="solid"/>
@@ -11860,7 +13510,159 @@
                 <a:latin typeface="Times New Roman" pitchFamily="18" charset="0"/>
                 <a:cs typeface="Times New Roman" pitchFamily="18" charset="0"/>
               </a:rPr>
-              <a:t>multiplatfomový </a:t>
+              <a:t>ychádza</a:t>
+            </a:r>
+            <a:r>
+              <a:rPr lang="sk-SK" sz="2000" kern="0" smtClean="0">
+                <a:ln w="18415" cmpd="sng">
+                  <a:noFill/>
+                  <a:prstDash val="solid"/>
+                </a:ln>
+                <a:solidFill>
+                  <a:srgbClr val="FFFFFF"/>
+                </a:solidFill>
+                <a:effectLst>
+                  <a:outerShdw blurRad="50800" dist="38100" dir="2700000" algn="tl" rotWithShape="0">
+                    <a:prstClr val="black">
+                      <a:alpha val="40000"/>
+                    </a:prstClr>
+                  </a:outerShdw>
+                </a:effectLst>
+                <a:latin typeface="Times New Roman" pitchFamily="18" charset="0"/>
+                <a:cs typeface="Times New Roman" pitchFamily="18" charset="0"/>
+              </a:rPr>
+              <a:t>me</a:t>
+            </a:r>
+            <a:r>
+              <a:rPr lang="en-US" sz="2000" kern="0" smtClean="0">
+                <a:ln w="18415" cmpd="sng">
+                  <a:noFill/>
+                  <a:prstDash val="solid"/>
+                </a:ln>
+                <a:solidFill>
+                  <a:srgbClr val="FFFFFF"/>
+                </a:solidFill>
+                <a:effectLst>
+                  <a:outerShdw blurRad="50800" dist="38100" dir="2700000" algn="tl" rotWithShape="0">
+                    <a:prstClr val="black">
+                      <a:alpha val="40000"/>
+                    </a:prstClr>
+                  </a:outerShdw>
+                </a:effectLst>
+                <a:latin typeface="Times New Roman" pitchFamily="18" charset="0"/>
+                <a:cs typeface="Times New Roman" pitchFamily="18" charset="0"/>
+              </a:rPr>
+              <a:t> z už použitých technológi</a:t>
+            </a:r>
+            <a:r>
+              <a:rPr lang="sk-SK" sz="2000" kern="0" smtClean="0">
+                <a:ln w="18415" cmpd="sng">
+                  <a:noFill/>
+                  <a:prstDash val="solid"/>
+                </a:ln>
+                <a:solidFill>
+                  <a:srgbClr val="FFFFFF"/>
+                </a:solidFill>
+                <a:effectLst>
+                  <a:outerShdw blurRad="50800" dist="38100" dir="2700000" algn="tl" rotWithShape="0">
+                    <a:prstClr val="black">
+                      <a:alpha val="40000"/>
+                    </a:prstClr>
+                  </a:outerShdw>
+                </a:effectLst>
+                <a:latin typeface="Times New Roman" pitchFamily="18" charset="0"/>
+                <a:cs typeface="Times New Roman" pitchFamily="18" charset="0"/>
+              </a:rPr>
+              <a:t>í:</a:t>
+            </a:r>
+          </a:p>
+          <a:p>
+            <a:pPr lvl="1">
+              <a:lnSpc>
+                <a:spcPct val="150000"/>
+              </a:lnSpc>
+              <a:buFont typeface="Wingdings" pitchFamily="2" charset="2"/>
+              <a:buChar char="Ø"/>
+              <a:tabLst>
+                <a:tab pos="3681413" algn="l"/>
+              </a:tabLst>
+              <a:defRPr/>
+            </a:pPr>
+            <a:r>
+              <a:rPr lang="sk-SK" sz="2000" kern="0" smtClean="0">
+                <a:ln w="18415" cmpd="sng">
+                  <a:noFill/>
+                  <a:prstDash val="solid"/>
+                </a:ln>
+                <a:solidFill>
+                  <a:srgbClr val="FFFFFF"/>
+                </a:solidFill>
+                <a:effectLst>
+                  <a:outerShdw blurRad="50800" dist="38100" dir="2700000" algn="tl" rotWithShape="0">
+                    <a:prstClr val="black">
+                      <a:alpha val="40000"/>
+                    </a:prstClr>
+                  </a:outerShdw>
+                </a:effectLst>
+                <a:latin typeface="Times New Roman" pitchFamily="18" charset="0"/>
+                <a:cs typeface="Times New Roman" pitchFamily="18" charset="0"/>
+              </a:rPr>
+              <a:t> Qt Creator 	vývojové prostredie</a:t>
+            </a:r>
+          </a:p>
+          <a:p>
+            <a:pPr lvl="1">
+              <a:lnSpc>
+                <a:spcPct val="150000"/>
+              </a:lnSpc>
+              <a:buFont typeface="Wingdings" pitchFamily="2" charset="2"/>
+              <a:buChar char="Ø"/>
+              <a:tabLst>
+                <a:tab pos="3681413" algn="l"/>
+              </a:tabLst>
+              <a:defRPr/>
+            </a:pPr>
+            <a:r>
+              <a:rPr lang="sk-SK" sz="2000" kern="0" smtClean="0">
+                <a:ln w="18415" cmpd="sng">
+                  <a:noFill/>
+                  <a:prstDash val="solid"/>
+                </a:ln>
+                <a:solidFill>
+                  <a:srgbClr val="FFFFFF"/>
+                </a:solidFill>
+                <a:effectLst>
+                  <a:outerShdw blurRad="50800" dist="38100" dir="2700000" algn="tl" rotWithShape="0">
+                    <a:prstClr val="black">
+                      <a:alpha val="40000"/>
+                    </a:prstClr>
+                  </a:outerShdw>
+                </a:effectLst>
+                <a:latin typeface="Times New Roman" pitchFamily="18" charset="0"/>
+                <a:cs typeface="Times New Roman" pitchFamily="18" charset="0"/>
+              </a:rPr>
+              <a:t> Qt framework 	</a:t>
+            </a:r>
+            <a:r>
+              <a:rPr lang="pt-BR" sz="2000" kern="0" smtClean="0">
+                <a:ln w="18415" cmpd="sng">
+                  <a:noFill/>
+                  <a:prstDash val="solid"/>
+                </a:ln>
+                <a:solidFill>
+                  <a:srgbClr val="FFFFFF"/>
+                </a:solidFill>
+                <a:effectLst>
+                  <a:outerShdw blurRad="50800" dist="38100" dir="2700000" algn="tl" rotWithShape="0">
+                    <a:prstClr val="black">
+                      <a:alpha val="40000"/>
+                    </a:prstClr>
+                  </a:outerShdw>
+                </a:effectLst>
+                <a:latin typeface="Times New Roman" pitchFamily="18" charset="0"/>
+                <a:cs typeface="Times New Roman" pitchFamily="18" charset="0"/>
+              </a:rPr>
+              <a:t>široké možnosti práce s grafikou</a:t>
             </a:r>
             <a:endParaRPr lang="sk-SK" sz="2000" kern="0" smtClean="0">
               <a:ln w="18415" cmpd="sng">
@@ -11882,16 +13684,19 @@
             </a:endParaRPr>
           </a:p>
           <a:p>
-            <a:pPr>
+            <a:pPr lvl="1">
               <a:lnSpc>
                 <a:spcPct val="150000"/>
               </a:lnSpc>
-              <a:buFontTx/>
-              <a:buChar char="-"/>
+              <a:buFont typeface="Wingdings" pitchFamily="2" charset="2"/>
+              <a:buChar char="Ø"/>
+              <a:tabLst>
+                <a:tab pos="3681413" algn="l"/>
+              </a:tabLst>
               <a:defRPr/>
             </a:pPr>
             <a:r>
-              <a:rPr lang="sk-SK" sz="2000" kern="0" smtClean="0">
+              <a:rPr lang="pl-PL" sz="2000" kern="0" smtClean="0">
                 <a:ln w="18415" cmpd="sng">
                   <a:noFill/>
                   <a:prstDash val="solid"/>
@@ -11909,9 +13714,9 @@
                 <a:latin typeface="Times New Roman" pitchFamily="18" charset="0"/>
                 <a:cs typeface="Times New Roman" pitchFamily="18" charset="0"/>
               </a:rPr>
-              <a:t> podporovať grafické štruktúrovanie a zobrazenie pracovného textu</a:t>
-            </a:r>
-            <a:endParaRPr lang="en-US" sz="2000" kern="0" smtClean="0">
+              <a:t>C++ 	programovací jazyk editora</a:t>
+            </a:r>
+            <a:endParaRPr lang="sk-SK" sz="2000" kern="0" smtClean="0">
               <a:ln w="18415" cmpd="sng">
                 <a:noFill/>
                 <a:prstDash val="solid"/>
@@ -11931,12 +13736,49 @@
             </a:endParaRPr>
           </a:p>
           <a:p>
-            <a:pPr>
+            <a:pPr lvl="1">
               <a:lnSpc>
                 <a:spcPct val="150000"/>
               </a:lnSpc>
-              <a:buFontTx/>
-              <a:buChar char="-"/>
+              <a:buFont typeface="Wingdings" pitchFamily="2" charset="2"/>
+              <a:buChar char="Ø"/>
+              <a:tabLst>
+                <a:tab pos="3681413" algn="l"/>
+              </a:tabLst>
+              <a:defRPr/>
+            </a:pPr>
+            <a:r>
+              <a:rPr lang="sk-SK" sz="2000" kern="0" smtClean="0">
+                <a:ln w="18415" cmpd="sng">
+                  <a:noFill/>
+                  <a:prstDash val="solid"/>
+                </a:ln>
+                <a:solidFill>
+                  <a:srgbClr val="FFFFFF"/>
+                </a:solidFill>
+                <a:effectLst>
+                  <a:outerShdw blurRad="50800" dist="38100" dir="2700000" algn="tl" rotWithShape="0">
+                    <a:prstClr val="black">
+                      <a:alpha val="40000"/>
+                    </a:prstClr>
+                  </a:outerShdw>
+                </a:effectLst>
+                <a:latin typeface="Times New Roman" pitchFamily="18" charset="0"/>
+                <a:cs typeface="Times New Roman" pitchFamily="18" charset="0"/>
+              </a:rPr>
+              <a:t> Lua (LuaJit) 	realizuje veľkú časť vypočtou </a:t>
+            </a:r>
+          </a:p>
+          <a:p>
+            <a:pPr lvl="1">
+              <a:lnSpc>
+                <a:spcPct val="150000"/>
+              </a:lnSpc>
+              <a:buFont typeface="Wingdings" pitchFamily="2" charset="2"/>
+              <a:buChar char="Ø"/>
+              <a:tabLst>
+                <a:tab pos="3681413" algn="l"/>
+              </a:tabLst>
               <a:defRPr/>
             </a:pPr>
             <a:r>
@@ -11960,18 +13802,8 @@
                 <a:latin typeface="Times New Roman" pitchFamily="18" charset="0"/>
                 <a:cs typeface="Times New Roman" pitchFamily="18" charset="0"/>
               </a:rPr>
-              <a:t> založený na minimalistickom programovaní</a:t>
-            </a:r>
-          </a:p>
-          <a:p>
-            <a:pPr>
-              <a:lnSpc>
-                <a:spcPct val="150000"/>
-              </a:lnSpc>
-              <a:buFontTx/>
-              <a:buChar char="-"/>
-              <a:defRPr/>
-            </a:pPr>
+              <a:t>Knižnica Lpeg 	</a:t>
+            </a:r>
             <a:r>
               <a:rPr kumimoji="0" lang="sk-SK" sz="2000" u="none" strike="noStrike" kern="0" cap="none" normalizeH="0" baseline="0" noProof="0" smtClean="0">
                 <a:ln w="18415" cmpd="sng">
@@ -11993,83 +13825,7 @@
                 <a:latin typeface="Times New Roman" pitchFamily="18" charset="0"/>
                 <a:cs typeface="Times New Roman" pitchFamily="18" charset="0"/>
               </a:rPr>
-              <a:t> čo možno najväčšia konfigurovateľnosť</a:t>
-            </a:r>
-            <a:r>
-              <a:rPr kumimoji="0" lang="sk-SK" sz="2000" u="none" strike="noStrike" kern="0" cap="none" normalizeH="0" noProof="0" smtClean="0">
-                <a:ln w="18415" cmpd="sng">
-                  <a:noFill/>
-                  <a:prstDash val="solid"/>
-                </a:ln>
-                <a:solidFill>
-                  <a:srgbClr val="FFFFFF"/>
-                </a:solidFill>
-                <a:effectLst>
-                  <a:outerShdw blurRad="50800" dist="38100" dir="2700000" algn="tl" rotWithShape="0">
-                    <a:prstClr val="black">
-                      <a:alpha val="40000"/>
-                    </a:prstClr>
-                  </a:outerShdw>
-                </a:effectLst>
-                <a:uLnTx/>
-                <a:uFillTx/>
-                <a:latin typeface="Times New Roman" pitchFamily="18" charset="0"/>
-                <a:cs typeface="Times New Roman" pitchFamily="18" charset="0"/>
-              </a:rPr>
-              <a:t> podľa potrieb používateľa</a:t>
-            </a:r>
-            <a:endParaRPr kumimoji="0" lang="sk-SK" sz="2000" u="none" strike="noStrike" kern="0" cap="none" normalizeH="0" baseline="0" noProof="0" smtClean="0">
-              <a:ln w="18415" cmpd="sng">
-                <a:noFill/>
-                <a:prstDash val="solid"/>
-              </a:ln>
-              <a:solidFill>
-                <a:srgbClr val="FFFFFF"/>
-              </a:solidFill>
-              <a:effectLst>
-                <a:outerShdw blurRad="50800" dist="38100" dir="2700000" algn="tl" rotWithShape="0">
-                  <a:prstClr val="black">
-                    <a:alpha val="40000"/>
-                  </a:prstClr>
-                </a:outerShdw>
-              </a:effectLst>
-              <a:uLnTx/>
-              <a:uFillTx/>
-              <a:latin typeface="Times New Roman" pitchFamily="18" charset="0"/>
-              <a:cs typeface="Times New Roman" pitchFamily="18" charset="0"/>
-            </a:endParaRPr>
-          </a:p>
-          <a:p>
-            <a:pPr>
-              <a:lnSpc>
-                <a:spcPct val="150000"/>
-              </a:lnSpc>
-              <a:buFontTx/>
-              <a:buChar char="-"/>
-              <a:defRPr/>
-            </a:pPr>
-            <a:r>
-              <a:rPr kumimoji="0" lang="sk-SK" sz="2000" u="none" strike="noStrike" kern="0" cap="none" normalizeH="0" baseline="0" noProof="0" smtClean="0">
-                <a:ln w="18415" cmpd="sng">
-                  <a:noFill/>
-                  <a:prstDash val="solid"/>
-                </a:ln>
-                <a:solidFill>
-                  <a:srgbClr val="FFFFFF"/>
-                </a:solidFill>
-                <a:effectLst>
-                  <a:outerShdw blurRad="50800" dist="38100" dir="2700000" algn="tl" rotWithShape="0">
-                    <a:prstClr val="black">
-                      <a:alpha val="40000"/>
-                    </a:prstClr>
-                  </a:outerShdw>
-                </a:effectLst>
-                <a:uLnTx/>
-                <a:uFillTx/>
-                <a:latin typeface="Times New Roman" pitchFamily="18" charset="0"/>
-                <a:cs typeface="Times New Roman" pitchFamily="18" charset="0"/>
-              </a:rPr>
-              <a:t> reálne nasaditeľný</a:t>
+              <a:t>syntaktická analýza textu</a:t>
             </a:r>
           </a:p>
         </p:txBody>
@@ -12247,7 +14003,7 @@
                                           </p:stCondLst>
                                         </p:cTn>
                                         <p:tgtEl>
-                                          <p:spTgt spid="15"/>
+                                          <p:spTgt spid="7"/>
                                         </p:tgtEl>
                                         <p:attrNameLst>
                                           <p:attrName>style.visibility</p:attrName>
@@ -12261,7 +14017,7 @@
                                       <p:cBhvr additive="base">
                                         <p:cTn id="14" dur="1000" fill="hold"/>
                                         <p:tgtEl>
-                                          <p:spTgt spid="15"/>
+                                          <p:spTgt spid="7"/>
                                         </p:tgtEl>
                                         <p:attrNameLst>
                                           <p:attrName>ppt_x</p:attrName>
@@ -12284,7 +14040,7 @@
                                       <p:cBhvr additive="base">
                                         <p:cTn id="15" dur="1000" fill="hold"/>
                                         <p:tgtEl>
-                                          <p:spTgt spid="15"/>
+                                          <p:spTgt spid="7"/>
                                         </p:tgtEl>
                                         <p:attrNameLst>
                                           <p:attrName>ppt_y</p:attrName>
@@ -12335,7 +14091,7 @@
     </p:tnLst>
     <p:bldLst>
       <p:bldP spid="22" grpId="0" animBg="1"/>
-      <p:bldP spid="15" grpId="0"/>
+      <p:bldP spid="7" grpId="0"/>
     </p:bldLst>
   </p:timing>
 </p:sld>
@@ -12366,8 +14122,8 @@
         </p:nvSpPr>
         <p:spPr bwMode="auto">
           <a:xfrm rot="5400000">
-            <a:off x="2393157" y="-1393045"/>
-            <a:ext cx="4071966" cy="8858280"/>
+            <a:off x="2321719" y="-1464483"/>
+            <a:ext cx="4214842" cy="8858280"/>
           </a:xfrm>
           <a:prstGeom prst="round2SameRect">
             <a:avLst/>
@@ -12569,28 +14325,7 @@
                 <a:latin typeface="Times New Roman" pitchFamily="18" charset="0"/>
                 <a:cs typeface="Times New Roman" pitchFamily="18" charset="0"/>
               </a:rPr>
-              <a:t>Aké </a:t>
-            </a:r>
-            <a:r>
-              <a:rPr lang="sk-SK" sz="3200" b="1" kern="0" smtClean="0">
-                <a:ln w="18415" cmpd="sng">
-                  <a:noFill/>
-                  <a:prstDash val="solid"/>
-                </a:ln>
-                <a:solidFill>
-                  <a:srgbClr val="FFFFFF"/>
-                </a:solidFill>
-                <a:effectLst>
-                  <a:outerShdw blurRad="50800" dist="38100" dir="2700000" algn="tl" rotWithShape="0">
-                    <a:prstClr val="black">
-                      <a:alpha val="40000"/>
-                    </a:prstClr>
-                  </a:outerShdw>
-                </a:effectLst>
-                <a:latin typeface="Times New Roman" pitchFamily="18" charset="0"/>
-                <a:cs typeface="Times New Roman" pitchFamily="18" charset="0"/>
-              </a:rPr>
-              <a:t>technológie sme použili? </a:t>
+              <a:t>Aktuálny stav projektu</a:t>
             </a:r>
             <a:endParaRPr lang="en-US" sz="3200" b="1" kern="0" dirty="0" smtClean="0">
               <a:ln w="18415" cmpd="sng">
@@ -12806,7 +14541,7 @@
         <p:spPr>
           <a:xfrm>
             <a:off x="428596" y="1142988"/>
-            <a:ext cx="8286808" cy="3231654"/>
+            <a:ext cx="8286808" cy="2308324"/>
           </a:xfrm>
           <a:prstGeom prst="rect">
             <a:avLst/>
@@ -12823,31 +14558,10 @@
               <a:lnSpc>
                 <a:spcPct val="150000"/>
               </a:lnSpc>
+              <a:buFont typeface="Arial" pitchFamily="34" charset="0"/>
+              <a:buChar char="•"/>
               <a:defRPr/>
             </a:pPr>
-            <a:r>
-              <a:rPr kumimoji="0" lang="sk-SK" sz="2000" u="none" strike="noStrike" kern="0" cap="none" normalizeH="0" baseline="0" noProof="0" smtClean="0">
-                <a:ln w="18415" cmpd="sng">
-                  <a:noFill/>
-                  <a:prstDash val="solid"/>
-                </a:ln>
-                <a:solidFill>
-                  <a:srgbClr val="FFFFFF"/>
-                </a:solidFill>
-                <a:effectLst>
-                  <a:outerShdw blurRad="50800" dist="38100" dir="2700000" algn="tl" rotWithShape="0">
-                    <a:prstClr val="black">
-                      <a:alpha val="40000"/>
-                    </a:prstClr>
-                  </a:outerShdw>
-                </a:effectLst>
-                <a:uLnTx/>
-                <a:uFillTx/>
-                <a:latin typeface="Times New Roman" pitchFamily="18" charset="0"/>
-                <a:cs typeface="Times New Roman" pitchFamily="18" charset="0"/>
-              </a:rPr>
-              <a:t>Editor</a:t>
-            </a:r>
             <a:r>
               <a:rPr lang="sk-SK" sz="2000" kern="0" smtClean="0">
                 <a:ln w="18415" cmpd="sng">
@@ -12867,8 +14581,18 @@
                 <a:latin typeface="Times New Roman" pitchFamily="18" charset="0"/>
                 <a:cs typeface="Times New Roman" pitchFamily="18" charset="0"/>
               </a:rPr>
-              <a:t> </a:t>
-            </a:r>
+              <a:t> Rozpracovaný po minulom tíme</a:t>
+            </a:r>
+          </a:p>
+          <a:p>
+            <a:pPr>
+              <a:lnSpc>
+                <a:spcPct val="150000"/>
+              </a:lnSpc>
+              <a:buFont typeface="Arial" pitchFamily="34" charset="0"/>
+              <a:buChar char="•"/>
+              <a:defRPr/>
+            </a:pPr>
             <a:r>
               <a:rPr lang="sk-SK" sz="2000" kern="0" smtClean="0">
                 <a:ln w="18415" cmpd="sng">
@@ -12888,8 +14612,18 @@
                 <a:latin typeface="Times New Roman" pitchFamily="18" charset="0"/>
                 <a:cs typeface="Times New Roman" pitchFamily="18" charset="0"/>
               </a:rPr>
-              <a:t>je realizovaný ako </a:t>
-            </a:r>
+              <a:t> Klasická práca s textom obohatená o grafické prvky</a:t>
+            </a:r>
+          </a:p>
+          <a:p>
+            <a:pPr>
+              <a:lnSpc>
+                <a:spcPct val="150000"/>
+              </a:lnSpc>
+              <a:buFont typeface="Arial" pitchFamily="34" charset="0"/>
+              <a:buChar char="•"/>
+              <a:defRPr/>
+            </a:pPr>
             <a:r>
               <a:rPr lang="sk-SK" sz="2000" kern="0" smtClean="0">
                 <a:ln w="18415" cmpd="sng">
@@ -12909,8 +14643,18 @@
                 <a:latin typeface="Times New Roman" pitchFamily="18" charset="0"/>
                 <a:cs typeface="Times New Roman" pitchFamily="18" charset="0"/>
               </a:rPr>
-              <a:t>multiplatformová </a:t>
-            </a:r>
+              <a:t> Práca s blokmi, nadstavba nad klasickou prácou s textom </a:t>
+            </a:r>
+          </a:p>
+          <a:p>
+            <a:pPr>
+              <a:lnSpc>
+                <a:spcPct val="150000"/>
+              </a:lnSpc>
+              <a:buFont typeface="Arial" pitchFamily="34" charset="0"/>
+              <a:buChar char="•"/>
+              <a:defRPr/>
+            </a:pPr>
             <a:r>
               <a:rPr lang="sk-SK" sz="2000" kern="0" smtClean="0">
                 <a:ln w="18415" cmpd="sng">
@@ -12930,335 +14674,7 @@
                 <a:latin typeface="Times New Roman" pitchFamily="18" charset="0"/>
                 <a:cs typeface="Times New Roman" pitchFamily="18" charset="0"/>
               </a:rPr>
-              <a:t>desktopová aplikácia </a:t>
-            </a:r>
-          </a:p>
-          <a:p>
-            <a:pPr>
-              <a:lnSpc>
-                <a:spcPct val="150000"/>
-              </a:lnSpc>
-              <a:defRPr/>
-            </a:pPr>
-            <a:r>
-              <a:rPr lang="sk-SK" sz="2000" kern="0" smtClean="0">
-                <a:ln w="18415" cmpd="sng">
-                  <a:noFill/>
-                  <a:prstDash val="solid"/>
-                </a:ln>
-                <a:solidFill>
-                  <a:srgbClr val="FFFFFF"/>
-                </a:solidFill>
-                <a:effectLst>
-                  <a:outerShdw blurRad="50800" dist="38100" dir="2700000" algn="tl" rotWithShape="0">
-                    <a:prstClr val="black">
-                      <a:alpha val="40000"/>
-                    </a:prstClr>
-                  </a:outerShdw>
-                </a:effectLst>
-                <a:latin typeface="Times New Roman" pitchFamily="18" charset="0"/>
-                <a:cs typeface="Times New Roman" pitchFamily="18" charset="0"/>
-              </a:rPr>
-              <a:t>V</a:t>
-            </a:r>
-            <a:r>
-              <a:rPr lang="en-US" sz="2000" kern="0" smtClean="0">
-                <a:ln w="18415" cmpd="sng">
-                  <a:noFill/>
-                  <a:prstDash val="solid"/>
-                </a:ln>
-                <a:solidFill>
-                  <a:srgbClr val="FFFFFF"/>
-                </a:solidFill>
-                <a:effectLst>
-                  <a:outerShdw blurRad="50800" dist="38100" dir="2700000" algn="tl" rotWithShape="0">
-                    <a:prstClr val="black">
-                      <a:alpha val="40000"/>
-                    </a:prstClr>
-                  </a:outerShdw>
-                </a:effectLst>
-                <a:latin typeface="Times New Roman" pitchFamily="18" charset="0"/>
-                <a:cs typeface="Times New Roman" pitchFamily="18" charset="0"/>
-              </a:rPr>
-              <a:t>ychádza</a:t>
-            </a:r>
-            <a:r>
-              <a:rPr lang="sk-SK" sz="2000" kern="0" smtClean="0">
-                <a:ln w="18415" cmpd="sng">
-                  <a:noFill/>
-                  <a:prstDash val="solid"/>
-                </a:ln>
-                <a:solidFill>
-                  <a:srgbClr val="FFFFFF"/>
-                </a:solidFill>
-                <a:effectLst>
-                  <a:outerShdw blurRad="50800" dist="38100" dir="2700000" algn="tl" rotWithShape="0">
-                    <a:prstClr val="black">
-                      <a:alpha val="40000"/>
-                    </a:prstClr>
-                  </a:outerShdw>
-                </a:effectLst>
-                <a:latin typeface="Times New Roman" pitchFamily="18" charset="0"/>
-                <a:cs typeface="Times New Roman" pitchFamily="18" charset="0"/>
-              </a:rPr>
-              <a:t>me</a:t>
-            </a:r>
-            <a:r>
-              <a:rPr lang="en-US" sz="2000" kern="0" smtClean="0">
-                <a:ln w="18415" cmpd="sng">
-                  <a:noFill/>
-                  <a:prstDash val="solid"/>
-                </a:ln>
-                <a:solidFill>
-                  <a:srgbClr val="FFFFFF"/>
-                </a:solidFill>
-                <a:effectLst>
-                  <a:outerShdw blurRad="50800" dist="38100" dir="2700000" algn="tl" rotWithShape="0">
-                    <a:prstClr val="black">
-                      <a:alpha val="40000"/>
-                    </a:prstClr>
-                  </a:outerShdw>
-                </a:effectLst>
-                <a:latin typeface="Times New Roman" pitchFamily="18" charset="0"/>
-                <a:cs typeface="Times New Roman" pitchFamily="18" charset="0"/>
-              </a:rPr>
-              <a:t> </a:t>
-            </a:r>
-            <a:r>
-              <a:rPr lang="en-US" sz="2000" kern="0" smtClean="0">
-                <a:ln w="18415" cmpd="sng">
-                  <a:noFill/>
-                  <a:prstDash val="solid"/>
-                </a:ln>
-                <a:solidFill>
-                  <a:srgbClr val="FFFFFF"/>
-                </a:solidFill>
-                <a:effectLst>
-                  <a:outerShdw blurRad="50800" dist="38100" dir="2700000" algn="tl" rotWithShape="0">
-                    <a:prstClr val="black">
-                      <a:alpha val="40000"/>
-                    </a:prstClr>
-                  </a:outerShdw>
-                </a:effectLst>
-                <a:latin typeface="Times New Roman" pitchFamily="18" charset="0"/>
-                <a:cs typeface="Times New Roman" pitchFamily="18" charset="0"/>
-              </a:rPr>
-              <a:t>z už </a:t>
-            </a:r>
-            <a:r>
-              <a:rPr lang="en-US" sz="2000" kern="0" smtClean="0">
-                <a:ln w="18415" cmpd="sng">
-                  <a:noFill/>
-                  <a:prstDash val="solid"/>
-                </a:ln>
-                <a:solidFill>
-                  <a:srgbClr val="FFFFFF"/>
-                </a:solidFill>
-                <a:effectLst>
-                  <a:outerShdw blurRad="50800" dist="38100" dir="2700000" algn="tl" rotWithShape="0">
-                    <a:prstClr val="black">
-                      <a:alpha val="40000"/>
-                    </a:prstClr>
-                  </a:outerShdw>
-                </a:effectLst>
-                <a:latin typeface="Times New Roman" pitchFamily="18" charset="0"/>
-                <a:cs typeface="Times New Roman" pitchFamily="18" charset="0"/>
-              </a:rPr>
-              <a:t>použitých </a:t>
-            </a:r>
-            <a:r>
-              <a:rPr lang="en-US" sz="2000" kern="0" smtClean="0">
-                <a:ln w="18415" cmpd="sng">
-                  <a:noFill/>
-                  <a:prstDash val="solid"/>
-                </a:ln>
-                <a:solidFill>
-                  <a:srgbClr val="FFFFFF"/>
-                </a:solidFill>
-                <a:effectLst>
-                  <a:outerShdw blurRad="50800" dist="38100" dir="2700000" algn="tl" rotWithShape="0">
-                    <a:prstClr val="black">
-                      <a:alpha val="40000"/>
-                    </a:prstClr>
-                  </a:outerShdw>
-                </a:effectLst>
-                <a:latin typeface="Times New Roman" pitchFamily="18" charset="0"/>
-                <a:cs typeface="Times New Roman" pitchFamily="18" charset="0"/>
-              </a:rPr>
-              <a:t>technológi</a:t>
-            </a:r>
-            <a:r>
-              <a:rPr lang="sk-SK" sz="2000" kern="0" smtClean="0">
-                <a:ln w="18415" cmpd="sng">
-                  <a:noFill/>
-                  <a:prstDash val="solid"/>
-                </a:ln>
-                <a:solidFill>
-                  <a:srgbClr val="FFFFFF"/>
-                </a:solidFill>
-                <a:effectLst>
-                  <a:outerShdw blurRad="50800" dist="38100" dir="2700000" algn="tl" rotWithShape="0">
-                    <a:prstClr val="black">
-                      <a:alpha val="40000"/>
-                    </a:prstClr>
-                  </a:outerShdw>
-                </a:effectLst>
-                <a:latin typeface="Times New Roman" pitchFamily="18" charset="0"/>
-                <a:cs typeface="Times New Roman" pitchFamily="18" charset="0"/>
-              </a:rPr>
-              <a:t>í:</a:t>
-            </a:r>
-          </a:p>
-          <a:p>
-            <a:pPr lvl="1">
-              <a:lnSpc>
-                <a:spcPct val="150000"/>
-              </a:lnSpc>
-              <a:buFont typeface="Wingdings" pitchFamily="2" charset="2"/>
-              <a:buChar char="Ø"/>
-              <a:tabLst>
-                <a:tab pos="3681413" algn="l"/>
-              </a:tabLst>
-              <a:defRPr/>
-            </a:pPr>
-            <a:r>
-              <a:rPr lang="sk-SK" sz="2000" kern="0" smtClean="0">
-                <a:ln w="18415" cmpd="sng">
-                  <a:noFill/>
-                  <a:prstDash val="solid"/>
-                </a:ln>
-                <a:solidFill>
-                  <a:srgbClr val="FFFFFF"/>
-                </a:solidFill>
-                <a:effectLst>
-                  <a:outerShdw blurRad="50800" dist="38100" dir="2700000" algn="tl" rotWithShape="0">
-                    <a:prstClr val="black">
-                      <a:alpha val="40000"/>
-                    </a:prstClr>
-                  </a:outerShdw>
-                </a:effectLst>
-                <a:latin typeface="Times New Roman" pitchFamily="18" charset="0"/>
-                <a:cs typeface="Times New Roman" pitchFamily="18" charset="0"/>
-              </a:rPr>
-              <a:t> Qt Creator 	vývojové prostredie</a:t>
-            </a:r>
-          </a:p>
-          <a:p>
-            <a:pPr lvl="1">
-              <a:lnSpc>
-                <a:spcPct val="150000"/>
-              </a:lnSpc>
-              <a:buFont typeface="Wingdings" pitchFamily="2" charset="2"/>
-              <a:buChar char="Ø"/>
-              <a:tabLst>
-                <a:tab pos="3681413" algn="l"/>
-              </a:tabLst>
-              <a:defRPr/>
-            </a:pPr>
-            <a:r>
-              <a:rPr lang="sk-SK" sz="2000" kern="0" smtClean="0">
-                <a:ln w="18415" cmpd="sng">
-                  <a:noFill/>
-                  <a:prstDash val="solid"/>
-                </a:ln>
-                <a:solidFill>
-                  <a:srgbClr val="FFFFFF"/>
-                </a:solidFill>
-                <a:effectLst>
-                  <a:outerShdw blurRad="50800" dist="38100" dir="2700000" algn="tl" rotWithShape="0">
-                    <a:prstClr val="black">
-                      <a:alpha val="40000"/>
-                    </a:prstClr>
-                  </a:outerShdw>
-                </a:effectLst>
-                <a:latin typeface="Times New Roman" pitchFamily="18" charset="0"/>
-                <a:cs typeface="Times New Roman" pitchFamily="18" charset="0"/>
-              </a:rPr>
-              <a:t> Qt framework 	</a:t>
-            </a:r>
-            <a:r>
-              <a:rPr lang="pt-BR" sz="2000" kern="0" smtClean="0">
-                <a:ln w="18415" cmpd="sng">
-                  <a:noFill/>
-                  <a:prstDash val="solid"/>
-                </a:ln>
-                <a:solidFill>
-                  <a:srgbClr val="FFFFFF"/>
-                </a:solidFill>
-                <a:effectLst>
-                  <a:outerShdw blurRad="50800" dist="38100" dir="2700000" algn="tl" rotWithShape="0">
-                    <a:prstClr val="black">
-                      <a:alpha val="40000"/>
-                    </a:prstClr>
-                  </a:outerShdw>
-                </a:effectLst>
-                <a:latin typeface="Times New Roman" pitchFamily="18" charset="0"/>
-                <a:cs typeface="Times New Roman" pitchFamily="18" charset="0"/>
-              </a:rPr>
-              <a:t>široké </a:t>
-            </a:r>
-            <a:r>
-              <a:rPr lang="pt-BR" sz="2000" kern="0" smtClean="0">
-                <a:ln w="18415" cmpd="sng">
-                  <a:noFill/>
-                  <a:prstDash val="solid"/>
-                </a:ln>
-                <a:solidFill>
-                  <a:srgbClr val="FFFFFF"/>
-                </a:solidFill>
-                <a:effectLst>
-                  <a:outerShdw blurRad="50800" dist="38100" dir="2700000" algn="tl" rotWithShape="0">
-                    <a:prstClr val="black">
-                      <a:alpha val="40000"/>
-                    </a:prstClr>
-                  </a:outerShdw>
-                </a:effectLst>
-                <a:latin typeface="Times New Roman" pitchFamily="18" charset="0"/>
-                <a:cs typeface="Times New Roman" pitchFamily="18" charset="0"/>
-              </a:rPr>
-              <a:t>možnosti práce </a:t>
-            </a:r>
-            <a:r>
-              <a:rPr lang="pt-BR" sz="2000" kern="0" smtClean="0">
-                <a:ln w="18415" cmpd="sng">
-                  <a:noFill/>
-                  <a:prstDash val="solid"/>
-                </a:ln>
-                <a:solidFill>
-                  <a:srgbClr val="FFFFFF"/>
-                </a:solidFill>
-                <a:effectLst>
-                  <a:outerShdw blurRad="50800" dist="38100" dir="2700000" algn="tl" rotWithShape="0">
-                    <a:prstClr val="black">
-                      <a:alpha val="40000"/>
-                    </a:prstClr>
-                  </a:outerShdw>
-                </a:effectLst>
-                <a:latin typeface="Times New Roman" pitchFamily="18" charset="0"/>
-                <a:cs typeface="Times New Roman" pitchFamily="18" charset="0"/>
-              </a:rPr>
-              <a:t>s </a:t>
-            </a:r>
-            <a:r>
-              <a:rPr lang="pt-BR" sz="2000" kern="0" smtClean="0">
-                <a:ln w="18415" cmpd="sng">
-                  <a:noFill/>
-                  <a:prstDash val="solid"/>
-                </a:ln>
-                <a:solidFill>
-                  <a:srgbClr val="FFFFFF"/>
-                </a:solidFill>
-                <a:effectLst>
-                  <a:outerShdw blurRad="50800" dist="38100" dir="2700000" algn="tl" rotWithShape="0">
-                    <a:prstClr val="black">
-                      <a:alpha val="40000"/>
-                    </a:prstClr>
-                  </a:outerShdw>
-                </a:effectLst>
-                <a:latin typeface="Times New Roman" pitchFamily="18" charset="0"/>
-                <a:cs typeface="Times New Roman" pitchFamily="18" charset="0"/>
-              </a:rPr>
-              <a:t>grafikou</a:t>
+              <a:t> Pokročilé zobrazovanie komentárov, písanie komentáru rovno ku kódu</a:t>
             </a:r>
             <a:endParaRPr lang="sk-SK" sz="2000" kern="0" smtClean="0">
               <a:ln w="18415" cmpd="sng">
@@ -13280,60 +14696,15 @@
             </a:endParaRPr>
           </a:p>
           <a:p>
-            <a:pPr lvl="1">
+            <a:pPr>
               <a:lnSpc>
                 <a:spcPct val="150000"/>
               </a:lnSpc>
-              <a:buFont typeface="Wingdings" pitchFamily="2" charset="2"/>
-              <a:buChar char="Ø"/>
-              <a:tabLst>
-                <a:tab pos="3681413" algn="l"/>
-              </a:tabLst>
+              <a:buFont typeface="Arial" pitchFamily="34" charset="0"/>
+              <a:buChar char="•"/>
               <a:defRPr/>
             </a:pPr>
-            <a:r>
-              <a:rPr lang="pl-PL" sz="2000" kern="0" smtClean="0">
-                <a:ln w="18415" cmpd="sng">
-                  <a:noFill/>
-                  <a:prstDash val="solid"/>
-                </a:ln>
-                <a:solidFill>
-                  <a:srgbClr val="FFFFFF"/>
-                </a:solidFill>
-                <a:effectLst>
-                  <a:outerShdw blurRad="50800" dist="38100" dir="2700000" algn="tl" rotWithShape="0">
-                    <a:prstClr val="black">
-                      <a:alpha val="40000"/>
-                    </a:prstClr>
-                  </a:outerShdw>
-                </a:effectLst>
-                <a:latin typeface="Times New Roman" pitchFamily="18" charset="0"/>
-                <a:cs typeface="Times New Roman" pitchFamily="18" charset="0"/>
-              </a:rPr>
-              <a:t>C</a:t>
-            </a:r>
-            <a:r>
-              <a:rPr lang="pl-PL" sz="2000" kern="0" smtClean="0">
-                <a:ln w="18415" cmpd="sng">
-                  <a:noFill/>
-                  <a:prstDash val="solid"/>
-                </a:ln>
-                <a:solidFill>
-                  <a:srgbClr val="FFFFFF"/>
-                </a:solidFill>
-                <a:effectLst>
-                  <a:outerShdw blurRad="50800" dist="38100" dir="2700000" algn="tl" rotWithShape="0">
-                    <a:prstClr val="black">
-                      <a:alpha val="40000"/>
-                    </a:prstClr>
-                  </a:outerShdw>
-                </a:effectLst>
-                <a:latin typeface="Times New Roman" pitchFamily="18" charset="0"/>
-                <a:cs typeface="Times New Roman" pitchFamily="18" charset="0"/>
-              </a:rPr>
-              <a:t>++ 	programovací jazyk editora</a:t>
-            </a:r>
-            <a:endParaRPr lang="sk-SK" sz="2000" kern="0" smtClean="0">
+            <a:endParaRPr lang="pl-PL" sz="2000" kern="0" smtClean="0">
               <a:ln w="18415" cmpd="sng">
                 <a:noFill/>
                 <a:prstDash val="solid"/>
@@ -13351,283 +14722,6 @@
               <a:latin typeface="Times New Roman" pitchFamily="18" charset="0"/>
               <a:cs typeface="Times New Roman" pitchFamily="18" charset="0"/>
             </a:endParaRPr>
-          </a:p>
-          <a:p>
-            <a:pPr lvl="1">
-              <a:lnSpc>
-                <a:spcPct val="150000"/>
-              </a:lnSpc>
-              <a:buFont typeface="Wingdings" pitchFamily="2" charset="2"/>
-              <a:buChar char="Ø"/>
-              <a:tabLst>
-                <a:tab pos="3681413" algn="l"/>
-              </a:tabLst>
-              <a:defRPr/>
-            </a:pPr>
-            <a:r>
-              <a:rPr lang="sk-SK" sz="2000" kern="0" smtClean="0">
-                <a:ln w="18415" cmpd="sng">
-                  <a:noFill/>
-                  <a:prstDash val="solid"/>
-                </a:ln>
-                <a:solidFill>
-                  <a:srgbClr val="FFFFFF"/>
-                </a:solidFill>
-                <a:effectLst>
-                  <a:outerShdw blurRad="50800" dist="38100" dir="2700000" algn="tl" rotWithShape="0">
-                    <a:prstClr val="black">
-                      <a:alpha val="40000"/>
-                    </a:prstClr>
-                  </a:outerShdw>
-                </a:effectLst>
-                <a:latin typeface="Times New Roman" pitchFamily="18" charset="0"/>
-                <a:cs typeface="Times New Roman" pitchFamily="18" charset="0"/>
-              </a:rPr>
-              <a:t> </a:t>
-            </a:r>
-            <a:r>
-              <a:rPr lang="sk-SK" sz="2000" kern="0" smtClean="0">
-                <a:ln w="18415" cmpd="sng">
-                  <a:noFill/>
-                  <a:prstDash val="solid"/>
-                </a:ln>
-                <a:solidFill>
-                  <a:srgbClr val="FFFFFF"/>
-                </a:solidFill>
-                <a:effectLst>
-                  <a:outerShdw blurRad="50800" dist="38100" dir="2700000" algn="tl" rotWithShape="0">
-                    <a:prstClr val="black">
-                      <a:alpha val="40000"/>
-                    </a:prstClr>
-                  </a:outerShdw>
-                </a:effectLst>
-                <a:latin typeface="Times New Roman" pitchFamily="18" charset="0"/>
-                <a:cs typeface="Times New Roman" pitchFamily="18" charset="0"/>
-              </a:rPr>
-              <a:t>Lua (LuaJit</a:t>
-            </a:r>
-            <a:r>
-              <a:rPr lang="sk-SK" sz="2000" kern="0" smtClean="0">
-                <a:ln w="18415" cmpd="sng">
-                  <a:noFill/>
-                  <a:prstDash val="solid"/>
-                </a:ln>
-                <a:solidFill>
-                  <a:srgbClr val="FFFFFF"/>
-                </a:solidFill>
-                <a:effectLst>
-                  <a:outerShdw blurRad="50800" dist="38100" dir="2700000" algn="tl" rotWithShape="0">
-                    <a:prstClr val="black">
-                      <a:alpha val="40000"/>
-                    </a:prstClr>
-                  </a:outerShdw>
-                </a:effectLst>
-                <a:latin typeface="Times New Roman" pitchFamily="18" charset="0"/>
-                <a:cs typeface="Times New Roman" pitchFamily="18" charset="0"/>
-              </a:rPr>
-              <a:t>) </a:t>
-            </a:r>
-            <a:r>
-              <a:rPr lang="sk-SK" sz="2000" kern="0" smtClean="0">
-                <a:ln w="18415" cmpd="sng">
-                  <a:noFill/>
-                  <a:prstDash val="solid"/>
-                </a:ln>
-                <a:solidFill>
-                  <a:srgbClr val="FFFFFF"/>
-                </a:solidFill>
-                <a:effectLst>
-                  <a:outerShdw blurRad="50800" dist="38100" dir="2700000" algn="tl" rotWithShape="0">
-                    <a:prstClr val="black">
-                      <a:alpha val="40000"/>
-                    </a:prstClr>
-                  </a:outerShdw>
-                </a:effectLst>
-                <a:latin typeface="Times New Roman" pitchFamily="18" charset="0"/>
-                <a:cs typeface="Times New Roman" pitchFamily="18" charset="0"/>
-              </a:rPr>
-              <a:t>	realizuje </a:t>
-            </a:r>
-            <a:r>
-              <a:rPr lang="sk-SK" sz="2000" kern="0" smtClean="0">
-                <a:ln w="18415" cmpd="sng">
-                  <a:noFill/>
-                  <a:prstDash val="solid"/>
-                </a:ln>
-                <a:solidFill>
-                  <a:srgbClr val="FFFFFF"/>
-                </a:solidFill>
-                <a:effectLst>
-                  <a:outerShdw blurRad="50800" dist="38100" dir="2700000" algn="tl" rotWithShape="0">
-                    <a:prstClr val="black">
-                      <a:alpha val="40000"/>
-                    </a:prstClr>
-                  </a:outerShdw>
-                </a:effectLst>
-                <a:latin typeface="Times New Roman" pitchFamily="18" charset="0"/>
-                <a:cs typeface="Times New Roman" pitchFamily="18" charset="0"/>
-              </a:rPr>
-              <a:t>veľkú časť </a:t>
-            </a:r>
-            <a:r>
-              <a:rPr lang="sk-SK" sz="2000" kern="0" smtClean="0">
-                <a:ln w="18415" cmpd="sng">
-                  <a:noFill/>
-                  <a:prstDash val="solid"/>
-                </a:ln>
-                <a:solidFill>
-                  <a:srgbClr val="FFFFFF"/>
-                </a:solidFill>
-                <a:effectLst>
-                  <a:outerShdw blurRad="50800" dist="38100" dir="2700000" algn="tl" rotWithShape="0">
-                    <a:prstClr val="black">
-                      <a:alpha val="40000"/>
-                    </a:prstClr>
-                  </a:outerShdw>
-                </a:effectLst>
-                <a:latin typeface="Times New Roman" pitchFamily="18" charset="0"/>
-                <a:cs typeface="Times New Roman" pitchFamily="18" charset="0"/>
-              </a:rPr>
-              <a:t>vypočtou </a:t>
-            </a:r>
-            <a:endParaRPr lang="sk-SK" sz="2000" kern="0" smtClean="0">
-              <a:ln w="18415" cmpd="sng">
-                <a:noFill/>
-                <a:prstDash val="solid"/>
-              </a:ln>
-              <a:solidFill>
-                <a:srgbClr val="FFFFFF"/>
-              </a:solidFill>
-              <a:effectLst>
-                <a:outerShdw blurRad="50800" dist="38100" dir="2700000" algn="tl" rotWithShape="0">
-                  <a:prstClr val="black">
-                    <a:alpha val="40000"/>
-                  </a:prstClr>
-                </a:outerShdw>
-              </a:effectLst>
-              <a:latin typeface="Times New Roman" pitchFamily="18" charset="0"/>
-              <a:cs typeface="Times New Roman" pitchFamily="18" charset="0"/>
-            </a:endParaRPr>
-          </a:p>
-          <a:p>
-            <a:pPr lvl="1">
-              <a:lnSpc>
-                <a:spcPct val="150000"/>
-              </a:lnSpc>
-              <a:buFont typeface="Wingdings" pitchFamily="2" charset="2"/>
-              <a:buChar char="Ø"/>
-              <a:tabLst>
-                <a:tab pos="3681413" algn="l"/>
-              </a:tabLst>
-              <a:defRPr/>
-            </a:pPr>
-            <a:r>
-              <a:rPr kumimoji="0" lang="sk-SK" sz="2000" u="none" strike="noStrike" kern="0" cap="none" normalizeH="0" baseline="0" noProof="0" smtClean="0">
-                <a:ln w="18415" cmpd="sng">
-                  <a:noFill/>
-                  <a:prstDash val="solid"/>
-                </a:ln>
-                <a:solidFill>
-                  <a:srgbClr val="FFFFFF"/>
-                </a:solidFill>
-                <a:effectLst>
-                  <a:outerShdw blurRad="50800" dist="38100" dir="2700000" algn="tl" rotWithShape="0">
-                    <a:prstClr val="black">
-                      <a:alpha val="40000"/>
-                    </a:prstClr>
-                  </a:outerShdw>
-                </a:effectLst>
-                <a:uLnTx/>
-                <a:uFillTx/>
-                <a:latin typeface="Times New Roman" pitchFamily="18" charset="0"/>
-                <a:cs typeface="Times New Roman" pitchFamily="18" charset="0"/>
-              </a:rPr>
-              <a:t>Knižnica Lpeg 	</a:t>
-            </a:r>
-            <a:r>
-              <a:rPr lang="pl-PL" sz="2000" kern="0" smtClean="0">
-                <a:ln w="18415" cmpd="sng">
-                  <a:noFill/>
-                  <a:prstDash val="solid"/>
-                </a:ln>
-                <a:solidFill>
-                  <a:srgbClr val="FFFFFF"/>
-                </a:solidFill>
-                <a:effectLst>
-                  <a:outerShdw blurRad="50800" dist="38100" dir="2700000" algn="tl" rotWithShape="0">
-                    <a:prstClr val="black">
-                      <a:alpha val="40000"/>
-                    </a:prstClr>
-                  </a:outerShdw>
-                </a:effectLst>
-                <a:latin typeface="Times New Roman" pitchFamily="18" charset="0"/>
-                <a:cs typeface="Times New Roman" pitchFamily="18" charset="0"/>
-              </a:rPr>
-              <a:t>prepojenie </a:t>
-            </a:r>
-            <a:r>
-              <a:rPr lang="pl-PL" sz="2000" kern="0" smtClean="0">
-                <a:ln w="18415" cmpd="sng">
-                  <a:noFill/>
-                  <a:prstDash val="solid"/>
-                </a:ln>
-                <a:solidFill>
-                  <a:srgbClr val="FFFFFF"/>
-                </a:solidFill>
-                <a:effectLst>
-                  <a:outerShdw blurRad="50800" dist="38100" dir="2700000" algn="tl" rotWithShape="0">
-                    <a:prstClr val="black">
-                      <a:alpha val="40000"/>
-                    </a:prstClr>
-                  </a:outerShdw>
-                </a:effectLst>
-                <a:latin typeface="Times New Roman" pitchFamily="18" charset="0"/>
-                <a:cs typeface="Times New Roman" pitchFamily="18" charset="0"/>
-              </a:rPr>
-              <a:t>Lua s </a:t>
-            </a:r>
-            <a:r>
-              <a:rPr lang="pl-PL" sz="2000" kern="0" smtClean="0">
-                <a:ln w="18415" cmpd="sng">
-                  <a:noFill/>
-                  <a:prstDash val="solid"/>
-                </a:ln>
-                <a:solidFill>
-                  <a:srgbClr val="FFFFFF"/>
-                </a:solidFill>
-                <a:effectLst>
-                  <a:outerShdw blurRad="50800" dist="38100" dir="2700000" algn="tl" rotWithShape="0">
-                    <a:prstClr val="black">
-                      <a:alpha val="40000"/>
-                    </a:prstClr>
-                  </a:outerShdw>
-                </a:effectLst>
-                <a:latin typeface="Times New Roman" pitchFamily="18" charset="0"/>
-                <a:cs typeface="Times New Roman" pitchFamily="18" charset="0"/>
-              </a:rPr>
-              <a:t>C</a:t>
-            </a:r>
-            <a:r>
-              <a:rPr lang="pl-PL" sz="2000" kern="0" smtClean="0">
-                <a:ln w="18415" cmpd="sng">
-                  <a:noFill/>
-                  <a:prstDash val="solid"/>
-                </a:ln>
-                <a:solidFill>
-                  <a:srgbClr val="FFFFFF"/>
-                </a:solidFill>
-                <a:effectLst>
-                  <a:outerShdw blurRad="50800" dist="38100" dir="2700000" algn="tl" rotWithShape="0">
-                    <a:prstClr val="black">
-                      <a:alpha val="40000"/>
-                    </a:prstClr>
-                  </a:outerShdw>
-                </a:effectLst>
-                <a:latin typeface="Times New Roman" pitchFamily="18" charset="0"/>
-                <a:cs typeface="Times New Roman" pitchFamily="18" charset="0"/>
-              </a:rPr>
-              <a:t>++</a:t>
-            </a:r>
           </a:p>
         </p:txBody>
       </p:sp>
@@ -14089,8 +15183,8 @@
         </p:nvSpPr>
         <p:spPr>
           <a:xfrm>
-            <a:off x="3286116" y="337220"/>
-            <a:ext cx="5857884" cy="492443"/>
+            <a:off x="1643042" y="337220"/>
+            <a:ext cx="7500958" cy="492443"/>
           </a:xfrm>
           <a:prstGeom prst="rect">
             <a:avLst/>
@@ -14126,7 +15220,28 @@
                 <a:latin typeface="Times New Roman" pitchFamily="18" charset="0"/>
                 <a:cs typeface="Times New Roman" pitchFamily="18" charset="0"/>
               </a:rPr>
-              <a:t>Analýza problému</a:t>
+              <a:t>Funkcionálne </a:t>
+            </a:r>
+            <a:r>
+              <a:rPr lang="sk-SK" sz="3200" b="1" kern="0" smtClean="0">
+                <a:ln w="18415" cmpd="sng">
+                  <a:noFill/>
+                  <a:prstDash val="solid"/>
+                </a:ln>
+                <a:solidFill>
+                  <a:srgbClr val="FFFFFF"/>
+                </a:solidFill>
+                <a:effectLst>
+                  <a:outerShdw blurRad="50800" dist="38100" dir="2700000" algn="tl" rotWithShape="0">
+                    <a:prstClr val="black">
+                      <a:alpha val="40000"/>
+                    </a:prstClr>
+                  </a:outerShdw>
+                </a:effectLst>
+                <a:latin typeface="Times New Roman" pitchFamily="18" charset="0"/>
+                <a:cs typeface="Times New Roman" pitchFamily="18" charset="0"/>
+              </a:rPr>
+              <a:t>požiadavky na editor</a:t>
             </a:r>
             <a:endParaRPr lang="en-US" sz="3200" b="1" kern="0" dirty="0" smtClean="0">
               <a:ln w="18415" cmpd="sng">
@@ -14342,7 +15457,7 @@
         <p:spPr>
           <a:xfrm>
             <a:off x="428596" y="1142988"/>
-            <a:ext cx="8286808" cy="406330"/>
+            <a:ext cx="8286808" cy="3693319"/>
           </a:xfrm>
           <a:prstGeom prst="rect">
             <a:avLst/>
@@ -14359,6 +15474,8 @@
               <a:lnSpc>
                 <a:spcPct val="150000"/>
               </a:lnSpc>
+              <a:buFont typeface="Arial" pitchFamily="34" charset="0"/>
+              <a:buChar char="•"/>
               <a:defRPr/>
             </a:pPr>
             <a:r>
@@ -14380,8 +15497,309 @@
                 <a:latin typeface="Times New Roman" pitchFamily="18" charset="0"/>
                 <a:cs typeface="Times New Roman" pitchFamily="18" charset="0"/>
               </a:rPr>
-              <a:t>asd</a:t>
-            </a:r>
+              <a:t> Modernejšie </a:t>
+            </a:r>
+            <a:r>
+              <a:rPr lang="sk-SK" sz="2000" kern="0" smtClean="0">
+                <a:ln w="18415" cmpd="sng">
+                  <a:noFill/>
+                  <a:prstDash val="solid"/>
+                </a:ln>
+                <a:solidFill>
+                  <a:srgbClr val="FFFFFF"/>
+                </a:solidFill>
+                <a:effectLst>
+                  <a:outerShdw blurRad="50800" dist="38100" dir="2700000" algn="tl" rotWithShape="0">
+                    <a:prstClr val="black">
+                      <a:alpha val="40000"/>
+                    </a:prstClr>
+                  </a:outerShdw>
+                </a:effectLst>
+                <a:latin typeface="Times New Roman" pitchFamily="18" charset="0"/>
+                <a:cs typeface="Times New Roman" pitchFamily="18" charset="0"/>
+              </a:rPr>
+              <a:t>používateľské </a:t>
+            </a:r>
+            <a:r>
+              <a:rPr lang="sk-SK" sz="2000" kern="0" smtClean="0">
+                <a:ln w="18415" cmpd="sng">
+                  <a:noFill/>
+                  <a:prstDash val="solid"/>
+                </a:ln>
+                <a:solidFill>
+                  <a:srgbClr val="FFFFFF"/>
+                </a:solidFill>
+                <a:effectLst>
+                  <a:outerShdw blurRad="50800" dist="38100" dir="2700000" algn="tl" rotWithShape="0">
+                    <a:prstClr val="black">
+                      <a:alpha val="40000"/>
+                    </a:prstClr>
+                  </a:outerShdw>
+                </a:effectLst>
+                <a:latin typeface="Times New Roman" pitchFamily="18" charset="0"/>
+                <a:cs typeface="Times New Roman" pitchFamily="18" charset="0"/>
+              </a:rPr>
+              <a:t>prostredie</a:t>
+            </a:r>
+          </a:p>
+          <a:p>
+            <a:pPr>
+              <a:lnSpc>
+                <a:spcPct val="150000"/>
+              </a:lnSpc>
+              <a:buFont typeface="Arial" pitchFamily="34" charset="0"/>
+              <a:buChar char="•"/>
+              <a:defRPr/>
+            </a:pPr>
+            <a:r>
+              <a:rPr lang="sk-SK" sz="2000" kern="0" smtClean="0">
+                <a:ln w="18415" cmpd="sng">
+                  <a:noFill/>
+                  <a:prstDash val="solid"/>
+                </a:ln>
+                <a:solidFill>
+                  <a:srgbClr val="FFFFFF"/>
+                </a:solidFill>
+                <a:effectLst>
+                  <a:outerShdw blurRad="50800" dist="38100" dir="2700000" algn="tl" rotWithShape="0">
+                    <a:prstClr val="black">
+                      <a:alpha val="40000"/>
+                    </a:prstClr>
+                  </a:outerShdw>
+                </a:effectLst>
+                <a:latin typeface="Times New Roman" pitchFamily="18" charset="0"/>
+                <a:cs typeface="Times New Roman" pitchFamily="18" charset="0"/>
+              </a:rPr>
+              <a:t> Práca s editorom založená na dvoch módoch (textový a grafický)</a:t>
+            </a:r>
+          </a:p>
+          <a:p>
+            <a:pPr>
+              <a:lnSpc>
+                <a:spcPct val="150000"/>
+              </a:lnSpc>
+              <a:buFont typeface="Arial" pitchFamily="34" charset="0"/>
+              <a:buChar char="•"/>
+              <a:defRPr/>
+            </a:pPr>
+            <a:r>
+              <a:rPr lang="sk-SK" sz="2000" kern="0" smtClean="0">
+                <a:ln w="18415" cmpd="sng">
+                  <a:noFill/>
+                  <a:prstDash val="solid"/>
+                </a:ln>
+                <a:solidFill>
+                  <a:srgbClr val="FFFFFF"/>
+                </a:solidFill>
+                <a:effectLst>
+                  <a:outerShdw blurRad="50800" dist="38100" dir="2700000" algn="tl" rotWithShape="0">
+                    <a:prstClr val="black">
+                      <a:alpha val="40000"/>
+                    </a:prstClr>
+                  </a:outerShdw>
+                </a:effectLst>
+                <a:latin typeface="Times New Roman" pitchFamily="18" charset="0"/>
+                <a:cs typeface="Times New Roman" pitchFamily="18" charset="0"/>
+              </a:rPr>
+              <a:t> Paralelizovanie výpočtovo náročných operácií </a:t>
+            </a:r>
+          </a:p>
+          <a:p>
+            <a:pPr>
+              <a:lnSpc>
+                <a:spcPct val="150000"/>
+              </a:lnSpc>
+              <a:buFont typeface="Arial" pitchFamily="34" charset="0"/>
+              <a:buChar char="•"/>
+              <a:defRPr/>
+            </a:pPr>
+            <a:r>
+              <a:rPr lang="sk-SK" sz="2000" kern="0" smtClean="0">
+                <a:ln w="18415" cmpd="sng">
+                  <a:noFill/>
+                  <a:prstDash val="solid"/>
+                </a:ln>
+                <a:solidFill>
+                  <a:srgbClr val="FFFFFF"/>
+                </a:solidFill>
+                <a:effectLst>
+                  <a:outerShdw blurRad="50800" dist="38100" dir="2700000" algn="tl" rotWithShape="0">
+                    <a:prstClr val="black">
+                      <a:alpha val="40000"/>
+                    </a:prstClr>
+                  </a:outerShdw>
+                </a:effectLst>
+                <a:latin typeface="Times New Roman" pitchFamily="18" charset="0"/>
+                <a:cs typeface="Times New Roman" pitchFamily="18" charset="0"/>
+              </a:rPr>
+              <a:t> </a:t>
+            </a:r>
+            <a:r>
+              <a:rPr lang="sk-SK" sz="2000" kern="0" smtClean="0">
+                <a:ln w="18415" cmpd="sng">
+                  <a:noFill/>
+                  <a:prstDash val="solid"/>
+                </a:ln>
+                <a:solidFill>
+                  <a:srgbClr val="FFFFFF"/>
+                </a:solidFill>
+                <a:effectLst>
+                  <a:outerShdw blurRad="50800" dist="38100" dir="2700000" algn="tl" rotWithShape="0">
+                    <a:prstClr val="black">
+                      <a:alpha val="40000"/>
+                    </a:prstClr>
+                  </a:outerShdw>
+                </a:effectLst>
+                <a:latin typeface="Times New Roman" pitchFamily="18" charset="0"/>
+                <a:cs typeface="Times New Roman" pitchFamily="18" charset="0"/>
+              </a:rPr>
+              <a:t>Prenesenie spracovanie AST stromu na stranu LUA</a:t>
+            </a:r>
+          </a:p>
+          <a:p>
+            <a:pPr>
+              <a:lnSpc>
+                <a:spcPct val="150000"/>
+              </a:lnSpc>
+              <a:buFont typeface="Arial" pitchFamily="34" charset="0"/>
+              <a:buChar char="•"/>
+              <a:defRPr/>
+            </a:pPr>
+            <a:r>
+              <a:rPr lang="sk-SK" sz="2000" kern="0" smtClean="0">
+                <a:ln w="18415" cmpd="sng">
+                  <a:noFill/>
+                  <a:prstDash val="solid"/>
+                </a:ln>
+                <a:solidFill>
+                  <a:srgbClr val="FFFFFF"/>
+                </a:solidFill>
+                <a:effectLst>
+                  <a:outerShdw blurRad="50800" dist="38100" dir="2700000" algn="tl" rotWithShape="0">
+                    <a:prstClr val="black">
+                      <a:alpha val="40000"/>
+                    </a:prstClr>
+                  </a:outerShdw>
+                </a:effectLst>
+                <a:latin typeface="Times New Roman" pitchFamily="18" charset="0"/>
+                <a:cs typeface="Times New Roman" pitchFamily="18" charset="0"/>
+              </a:rPr>
+              <a:t> Zabudovanie pokročilej práce s textom – Undo, Redo, Copy/Paste</a:t>
+            </a:r>
+          </a:p>
+          <a:p>
+            <a:pPr>
+              <a:lnSpc>
+                <a:spcPct val="150000"/>
+              </a:lnSpc>
+              <a:buFont typeface="Arial" pitchFamily="34" charset="0"/>
+              <a:buChar char="•"/>
+              <a:defRPr/>
+            </a:pPr>
+            <a:r>
+              <a:rPr lang="sk-SK" sz="2000" kern="0" smtClean="0">
+                <a:ln w="18415" cmpd="sng">
+                  <a:noFill/>
+                  <a:prstDash val="solid"/>
+                </a:ln>
+                <a:solidFill>
+                  <a:srgbClr val="FFFFFF"/>
+                </a:solidFill>
+                <a:effectLst>
+                  <a:outerShdw blurRad="50800" dist="38100" dir="2700000" algn="tl" rotWithShape="0">
+                    <a:prstClr val="black">
+                      <a:alpha val="40000"/>
+                    </a:prstClr>
+                  </a:outerShdw>
+                </a:effectLst>
+                <a:latin typeface="Times New Roman" pitchFamily="18" charset="0"/>
+                <a:cs typeface="Times New Roman" pitchFamily="18" charset="0"/>
+              </a:rPr>
+              <a:t> </a:t>
+            </a:r>
+            <a:r>
+              <a:rPr lang="sk-SK" sz="2000" kern="0" smtClean="0">
+                <a:ln w="18415" cmpd="sng">
+                  <a:noFill/>
+                  <a:prstDash val="solid"/>
+                </a:ln>
+                <a:solidFill>
+                  <a:srgbClr val="FFFFFF"/>
+                </a:solidFill>
+                <a:effectLst>
+                  <a:outerShdw blurRad="50800" dist="38100" dir="2700000" algn="tl" rotWithShape="0">
+                    <a:prstClr val="black">
+                      <a:alpha val="40000"/>
+                    </a:prstClr>
+                  </a:outerShdw>
+                </a:effectLst>
+                <a:latin typeface="Times New Roman" pitchFamily="18" charset="0"/>
+                <a:cs typeface="Times New Roman" pitchFamily="18" charset="0"/>
+              </a:rPr>
+              <a:t>Poskytnúť možnosti konfigurácie editora</a:t>
+            </a:r>
+          </a:p>
+          <a:p>
+            <a:pPr lvl="1">
+              <a:lnSpc>
+                <a:spcPct val="150000"/>
+              </a:lnSpc>
+              <a:buFont typeface="Arial" pitchFamily="34" charset="0"/>
+              <a:buChar char="•"/>
+              <a:defRPr/>
+            </a:pPr>
+            <a:r>
+              <a:rPr lang="sk-SK" sz="2000" kern="0" smtClean="0">
+                <a:ln w="18415" cmpd="sng">
+                  <a:noFill/>
+                  <a:prstDash val="solid"/>
+                </a:ln>
+                <a:solidFill>
+                  <a:srgbClr val="FFFFFF"/>
+                </a:solidFill>
+                <a:effectLst>
+                  <a:outerShdw blurRad="50800" dist="38100" dir="2700000" algn="tl" rotWithShape="0">
+                    <a:prstClr val="black">
+                      <a:alpha val="40000"/>
+                    </a:prstClr>
+                  </a:outerShdw>
+                </a:effectLst>
+                <a:latin typeface="Times New Roman" pitchFamily="18" charset="0"/>
+                <a:cs typeface="Times New Roman" pitchFamily="18" charset="0"/>
+              </a:rPr>
+              <a:t> </a:t>
+            </a:r>
+            <a:r>
+              <a:rPr lang="sk-SK" sz="2000" kern="0" smtClean="0">
+                <a:ln w="18415" cmpd="sng">
+                  <a:noFill/>
+                  <a:prstDash val="solid"/>
+                </a:ln>
+                <a:solidFill>
+                  <a:srgbClr val="FFFFFF"/>
+                </a:solidFill>
+                <a:effectLst>
+                  <a:outerShdw blurRad="50800" dist="38100" dir="2700000" algn="tl" rotWithShape="0">
+                    <a:prstClr val="black">
+                      <a:alpha val="40000"/>
+                    </a:prstClr>
+                  </a:outerShdw>
+                </a:effectLst>
+                <a:latin typeface="Times New Roman" pitchFamily="18" charset="0"/>
+                <a:cs typeface="Times New Roman" pitchFamily="18" charset="0"/>
+              </a:rPr>
+              <a:t>Zabudovanie a vytvorenie vlastných Shortcuts</a:t>
+            </a:r>
+          </a:p>
+          <a:p>
+            <a:pPr>
+              <a:lnSpc>
+                <a:spcPct val="150000"/>
+              </a:lnSpc>
+              <a:buFont typeface="Arial" pitchFamily="34" charset="0"/>
+              <a:buChar char="•"/>
+              <a:defRPr/>
+            </a:pPr>
             <a:endParaRPr lang="pl-PL" sz="2000" kern="0" smtClean="0">
               <a:ln w="18415" cmpd="sng">
                 <a:noFill/>
@@ -14861,8 +16279,8 @@
         </p:nvSpPr>
         <p:spPr>
           <a:xfrm>
-            <a:off x="3286116" y="337220"/>
-            <a:ext cx="5857884" cy="492443"/>
+            <a:off x="1643042" y="337220"/>
+            <a:ext cx="7500958" cy="492443"/>
           </a:xfrm>
           <a:prstGeom prst="rect">
             <a:avLst/>
@@ -14898,8 +16316,47 @@
                 <a:latin typeface="Times New Roman" pitchFamily="18" charset="0"/>
                 <a:cs typeface="Times New Roman" pitchFamily="18" charset="0"/>
               </a:rPr>
-              <a:t>Návrh riešenia</a:t>
-            </a:r>
+              <a:t>Nefunkcionálne </a:t>
+            </a:r>
+            <a:r>
+              <a:rPr lang="sk-SK" sz="3200" b="1" kern="0" smtClean="0">
+                <a:ln w="18415" cmpd="sng">
+                  <a:noFill/>
+                  <a:prstDash val="solid"/>
+                </a:ln>
+                <a:solidFill>
+                  <a:srgbClr val="FFFFFF"/>
+                </a:solidFill>
+                <a:effectLst>
+                  <a:outerShdw blurRad="50800" dist="38100" dir="2700000" algn="tl" rotWithShape="0">
+                    <a:prstClr val="black">
+                      <a:alpha val="40000"/>
+                    </a:prstClr>
+                  </a:outerShdw>
+                </a:effectLst>
+                <a:latin typeface="Times New Roman" pitchFamily="18" charset="0"/>
+                <a:cs typeface="Times New Roman" pitchFamily="18" charset="0"/>
+              </a:rPr>
+              <a:t>požiadavky na editor</a:t>
+            </a:r>
+            <a:endParaRPr lang="en-US" sz="3200" b="1" kern="0" dirty="0" smtClean="0">
+              <a:ln w="18415" cmpd="sng">
+                <a:noFill/>
+                <a:prstDash val="solid"/>
+              </a:ln>
+              <a:solidFill>
+                <a:srgbClr val="FFFFFF"/>
+              </a:solidFill>
+              <a:effectLst>
+                <a:outerShdw blurRad="50800" dist="38100" dir="2700000" algn="tl" rotWithShape="0">
+                  <a:prstClr val="black">
+                    <a:alpha val="40000"/>
+                  </a:prstClr>
+                </a:outerShdw>
+              </a:effectLst>
+              <a:latin typeface="Times New Roman" pitchFamily="18" charset="0"/>
+              <a:cs typeface="Times New Roman" pitchFamily="18" charset="0"/>
+            </a:endParaRPr>
           </a:p>
         </p:txBody>
       </p:sp>
@@ -15095,8 +16552,8 @@
         </p:nvSpPr>
         <p:spPr>
           <a:xfrm>
-            <a:off x="428596" y="1142988"/>
-            <a:ext cx="8286808" cy="406330"/>
+            <a:off x="428596" y="1785930"/>
+            <a:ext cx="8286808" cy="1846659"/>
           </a:xfrm>
           <a:prstGeom prst="rect">
             <a:avLst/>
@@ -15104,15 +16561,17 @@
           <a:noFill/>
         </p:spPr>
         <p:txBody>
-          <a:bodyPr wrap="square" lIns="0" tIns="0" rIns="0" bIns="0" rtlCol="0">
+          <a:bodyPr wrap="square" lIns="0" tIns="0" rIns="0" bIns="0" rtlCol="0" anchor="ctr">
             <a:spAutoFit/>
           </a:bodyPr>
           <a:lstStyle/>
           <a:p>
             <a:pPr>
               <a:lnSpc>
-                <a:spcPct val="150000"/>
+                <a:spcPct val="200000"/>
               </a:lnSpc>
+              <a:buFont typeface="Arial" pitchFamily="34" charset="0"/>
+              <a:buChar char="•"/>
               <a:defRPr/>
             </a:pPr>
             <a:r>
@@ -15134,7 +16593,150 @@
                 <a:latin typeface="Times New Roman" pitchFamily="18" charset="0"/>
                 <a:cs typeface="Times New Roman" pitchFamily="18" charset="0"/>
               </a:rPr>
-              <a:t>asd</a:t>
+              <a:t> </a:t>
+            </a:r>
+            <a:r>
+              <a:rPr lang="sk-SK" sz="2000" kern="0" smtClean="0">
+                <a:ln w="18415" cmpd="sng">
+                  <a:noFill/>
+                  <a:prstDash val="solid"/>
+                </a:ln>
+                <a:solidFill>
+                  <a:srgbClr val="FFFFFF"/>
+                </a:solidFill>
+                <a:effectLst>
+                  <a:outerShdw blurRad="50800" dist="38100" dir="2700000" algn="tl" rotWithShape="0">
+                    <a:prstClr val="black">
+                      <a:alpha val="40000"/>
+                    </a:prstClr>
+                  </a:outerShdw>
+                </a:effectLst>
+                <a:latin typeface="Times New Roman" pitchFamily="18" charset="0"/>
+                <a:cs typeface="Times New Roman" pitchFamily="18" charset="0"/>
+              </a:rPr>
+              <a:t>Rýchlosť a </a:t>
+            </a:r>
+            <a:r>
+              <a:rPr lang="sk-SK" sz="2000" kern="0" smtClean="0">
+                <a:ln w="18415" cmpd="sng">
+                  <a:noFill/>
+                  <a:prstDash val="solid"/>
+                </a:ln>
+                <a:solidFill>
+                  <a:srgbClr val="FFFFFF"/>
+                </a:solidFill>
+                <a:effectLst>
+                  <a:outerShdw blurRad="50800" dist="38100" dir="2700000" algn="tl" rotWithShape="0">
+                    <a:prstClr val="black">
+                      <a:alpha val="40000"/>
+                    </a:prstClr>
+                  </a:outerShdw>
+                </a:effectLst>
+                <a:latin typeface="Times New Roman" pitchFamily="18" charset="0"/>
+                <a:cs typeface="Times New Roman" pitchFamily="18" charset="0"/>
+              </a:rPr>
+              <a:t>spoľahlivosť </a:t>
+            </a:r>
+            <a:endParaRPr lang="sk-SK" sz="2000" kern="0" smtClean="0">
+              <a:ln w="18415" cmpd="sng">
+                <a:noFill/>
+                <a:prstDash val="solid"/>
+              </a:ln>
+              <a:solidFill>
+                <a:srgbClr val="FFFFFF"/>
+              </a:solidFill>
+              <a:effectLst>
+                <a:outerShdw blurRad="50800" dist="38100" dir="2700000" algn="tl" rotWithShape="0">
+                  <a:prstClr val="black">
+                    <a:alpha val="40000"/>
+                  </a:prstClr>
+                </a:outerShdw>
+              </a:effectLst>
+              <a:latin typeface="Times New Roman" pitchFamily="18" charset="0"/>
+              <a:cs typeface="Times New Roman" pitchFamily="18" charset="0"/>
+            </a:endParaRPr>
+          </a:p>
+          <a:p>
+            <a:pPr>
+              <a:lnSpc>
+                <a:spcPct val="200000"/>
+              </a:lnSpc>
+              <a:buFont typeface="Arial" pitchFamily="34" charset="0"/>
+              <a:buChar char="•"/>
+              <a:defRPr/>
+            </a:pPr>
+            <a:r>
+              <a:rPr lang="pl-PL" sz="2000" kern="0" smtClean="0">
+                <a:ln w="18415" cmpd="sng">
+                  <a:noFill/>
+                  <a:prstDash val="solid"/>
+                </a:ln>
+                <a:solidFill>
+                  <a:srgbClr val="FFFFFF"/>
+                </a:solidFill>
+                <a:effectLst>
+                  <a:outerShdw blurRad="50800" dist="38100" dir="2700000" algn="tl" rotWithShape="0">
+                    <a:prstClr val="black">
+                      <a:alpha val="40000"/>
+                    </a:prstClr>
+                  </a:outerShdw>
+                </a:effectLst>
+                <a:latin typeface="Times New Roman" pitchFamily="18" charset="0"/>
+                <a:cs typeface="Times New Roman" pitchFamily="18" charset="0"/>
+              </a:rPr>
+              <a:t> Modulárnosť </a:t>
+            </a:r>
+          </a:p>
+          <a:p>
+            <a:pPr>
+              <a:lnSpc>
+                <a:spcPct val="200000"/>
+              </a:lnSpc>
+              <a:buFont typeface="Arial" pitchFamily="34" charset="0"/>
+              <a:buChar char="•"/>
+              <a:defRPr/>
+            </a:pPr>
+            <a:r>
+              <a:rPr lang="pl-PL" sz="2000" kern="0" smtClean="0">
+                <a:ln w="18415" cmpd="sng">
+                  <a:noFill/>
+                  <a:prstDash val="solid"/>
+                </a:ln>
+                <a:solidFill>
+                  <a:srgbClr val="FFFFFF"/>
+                </a:solidFill>
+                <a:effectLst>
+                  <a:outerShdw blurRad="50800" dist="38100" dir="2700000" algn="tl" rotWithShape="0">
+                    <a:prstClr val="black">
+                      <a:alpha val="40000"/>
+                    </a:prstClr>
+                  </a:outerShdw>
+                </a:effectLst>
+                <a:latin typeface="Times New Roman" pitchFamily="18" charset="0"/>
+                <a:cs typeface="Times New Roman" pitchFamily="18" charset="0"/>
+              </a:rPr>
+              <a:t> Redesign </a:t>
+            </a:r>
+            <a:r>
+              <a:rPr lang="pl-PL" sz="2000" kern="0" smtClean="0">
+                <a:ln w="18415" cmpd="sng">
+                  <a:noFill/>
+                  <a:prstDash val="solid"/>
+                </a:ln>
+                <a:solidFill>
+                  <a:srgbClr val="FFFFFF"/>
+                </a:solidFill>
+                <a:effectLst>
+                  <a:outerShdw blurRad="50800" dist="38100" dir="2700000" algn="tl" rotWithShape="0">
+                    <a:prstClr val="black">
+                      <a:alpha val="40000"/>
+                    </a:prstClr>
+                  </a:outerShdw>
+                </a:effectLst>
+                <a:latin typeface="Times New Roman" pitchFamily="18" charset="0"/>
+                <a:cs typeface="Times New Roman" pitchFamily="18" charset="0"/>
+              </a:rPr>
+              <a:t>používateľského rozhrania GUI</a:t>
             </a:r>
             <a:endParaRPr lang="pl-PL" sz="2000" kern="0" smtClean="0">
               <a:ln w="18415" cmpd="sng">
@@ -15615,8 +17217,8 @@
         </p:nvSpPr>
         <p:spPr>
           <a:xfrm>
-            <a:off x="3286116" y="337220"/>
-            <a:ext cx="5857884" cy="492443"/>
+            <a:off x="4214810" y="337220"/>
+            <a:ext cx="4929190" cy="492443"/>
           </a:xfrm>
           <a:prstGeom prst="rect">
             <a:avLst/>
@@ -15652,26 +17254,29 @@
                 <a:latin typeface="Times New Roman" pitchFamily="18" charset="0"/>
                 <a:cs typeface="Times New Roman" pitchFamily="18" charset="0"/>
               </a:rPr>
-              <a:t>Súčasné požiadavky na editor</a:t>
-            </a:r>
-            <a:endParaRPr lang="en-US" sz="3200" b="1" kern="0" dirty="0" smtClean="0">
-              <a:ln w="18415" cmpd="sng">
-                <a:noFill/>
-                <a:prstDash val="solid"/>
-              </a:ln>
-              <a:solidFill>
-                <a:srgbClr val="FFFFFF"/>
-              </a:solidFill>
-              <a:effectLst>
-                <a:outerShdw blurRad="50800" dist="38100" dir="2700000" algn="tl" rotWithShape="0">
-                  <a:prstClr val="black">
-                    <a:alpha val="40000"/>
-                  </a:prstClr>
-                </a:outerShdw>
-              </a:effectLst>
-              <a:latin typeface="Times New Roman" pitchFamily="18" charset="0"/>
-              <a:cs typeface="Times New Roman" pitchFamily="18" charset="0"/>
-            </a:endParaRPr>
+              <a:t>Architektúra </a:t>
+            </a:r>
+            <a:r>
+              <a:rPr lang="sk-SK" sz="3200" b="1" kern="0" smtClean="0">
+                <a:ln w="18415" cmpd="sng">
+                  <a:noFill/>
+                  <a:prstDash val="solid"/>
+                </a:ln>
+                <a:solidFill>
+                  <a:srgbClr val="FFFFFF"/>
+                </a:solidFill>
+                <a:effectLst>
+                  <a:outerShdw blurRad="50800" dist="38100" dir="2700000" algn="tl" rotWithShape="0">
+                    <a:prstClr val="black">
+                      <a:alpha val="40000"/>
+                    </a:prstClr>
+                  </a:outerShdw>
+                </a:effectLst>
+                <a:latin typeface="Times New Roman" pitchFamily="18" charset="0"/>
+                <a:cs typeface="Times New Roman" pitchFamily="18" charset="0"/>
+              </a:rPr>
+              <a:t>riešenia</a:t>
+            </a:r>
           </a:p>
         </p:txBody>
       </p:sp>
@@ -15867,8 +17472,8 @@
         </p:nvSpPr>
         <p:spPr>
           <a:xfrm>
-            <a:off x="428596" y="1142988"/>
-            <a:ext cx="8286808" cy="406330"/>
+            <a:off x="4786314" y="1142988"/>
+            <a:ext cx="3929090" cy="461665"/>
           </a:xfrm>
           <a:prstGeom prst="rect">
             <a:avLst/>
@@ -15929,6 +17534,38 @@
           </a:p>
         </p:txBody>
       </p:sp>
+      <p:pic>
+        <p:nvPicPr>
+          <p:cNvPr id="1026" name="Picture 2"/>
+          <p:cNvPicPr>
+            <a:picLocks noChangeAspect="1" noChangeArrowheads="1"/>
+          </p:cNvPicPr>
+          <p:nvPr/>
+        </p:nvPicPr>
+        <p:blipFill>
+          <a:blip r:embed="rId3"/>
+          <a:srcRect/>
+          <a:stretch>
+            <a:fillRect/>
+          </a:stretch>
+        </p:blipFill>
+        <p:spPr bwMode="auto">
+          <a:xfrm>
+            <a:off x="214282" y="571484"/>
+            <a:ext cx="4572032" cy="4588711"/>
+          </a:xfrm>
+          <a:prstGeom prst="rect">
+            <a:avLst/>
+          </a:prstGeom>
+          <a:noFill/>
+          <a:ln w="9525">
+            <a:noFill/>
+            <a:miter lim="800000"/>
+            <a:headEnd/>
+            <a:tailEnd/>
+          </a:ln>
+        </p:spPr>
+      </p:pic>
     </p:spTree>
   </p:cSld>
   <p:clrMapOvr>

--- a/Dokumentacie/Ostatne/Innovators.pptx
+++ b/Dokumentacie/Ostatne/Innovators.pptx
@@ -376,6 +376,11 @@
         </p:txBody>
       </p:sp>
     </p:spTree>
+    <p:extLst>
+      <p:ext uri="{BB962C8B-B14F-4D97-AF65-F5344CB8AC3E}">
+        <p14:creationId xmlns:p14="http://schemas.microsoft.com/office/powerpoint/2010/main" val="4100813840"/>
+      </p:ext>
+    </p:extLst>
   </p:cSld>
   <p:clrMap bg1="lt1" tx1="dk1" bg2="lt2" tx2="dk2" accent1="accent1" accent2="accent2" accent3="accent3" accent4="accent4" accent5="accent5" accent6="accent6" hlink="hlink" folHlink="folHlink"/>
   <p:notesStyle>
@@ -5166,6 +5171,36 @@
           <a:chExt cx="0" cy="0"/>
         </a:xfrm>
       </p:grpSpPr>
+      <p:pic>
+        <p:nvPicPr>
+          <p:cNvPr id="4" name="Obrázok 3"/>
+          <p:cNvPicPr>
+            <a:picLocks noChangeAspect="1"/>
+          </p:cNvPicPr>
+          <p:nvPr/>
+        </p:nvPicPr>
+        <p:blipFill>
+          <a:blip r:embed="rId3">
+            <a:extLst>
+              <a:ext uri="{28A0092B-C50C-407E-A947-70E740481C1C}">
+                <a14:useLocalDpi xmlns:a14="http://schemas.microsoft.com/office/drawing/2010/main" val="0"/>
+              </a:ext>
+            </a:extLst>
+          </a:blip>
+          <a:stretch>
+            <a:fillRect/>
+          </a:stretch>
+        </p:blipFill>
+        <p:spPr>
+          <a:xfrm>
+            <a:off x="2424165" y="974932"/>
+            <a:ext cx="6719835" cy="5715000"/>
+          </a:xfrm>
+          <a:prstGeom prst="rect">
+            <a:avLst/>
+          </a:prstGeom>
+        </p:spPr>
+      </p:pic>
       <p:sp>
         <p:nvSpPr>
           <p:cNvPr id="22" name="Round Same Side Corner Rectangle 15"/>
@@ -5174,8 +5209,8 @@
         </p:nvSpPr>
         <p:spPr bwMode="auto">
           <a:xfrm rot="5400000">
-            <a:off x="2393157" y="-1393045"/>
-            <a:ext cx="4071966" cy="8858280"/>
+            <a:off x="718069" y="282043"/>
+            <a:ext cx="4071966" cy="5508104"/>
           </a:xfrm>
           <a:prstGeom prst="round2SameRect">
             <a:avLst/>
@@ -5592,8 +5627,8 @@
         </p:nvSpPr>
         <p:spPr>
           <a:xfrm>
-            <a:off x="428596" y="1142988"/>
-            <a:ext cx="8286808" cy="1846659"/>
+            <a:off x="247648" y="1142986"/>
+            <a:ext cx="8286808" cy="3693319"/>
           </a:xfrm>
           <a:prstGeom prst="rect">
             <a:avLst/>
@@ -5610,40 +5645,9 @@
               <a:lnSpc>
                 <a:spcPct val="150000"/>
               </a:lnSpc>
-              <a:buFont typeface="Arial" pitchFamily="34" charset="0"/>
-              <a:buChar char="•"/>
               <a:defRPr/>
             </a:pPr>
-            <a:r>
-              <a:rPr lang="pl-PL" sz="2000" kern="0" smtClean="0">
-                <a:ln w="18415" cmpd="sng">
-                  <a:noFill/>
-                  <a:prstDash val="solid"/>
-                </a:ln>
-                <a:solidFill>
-                  <a:srgbClr val="FFFFFF"/>
-                </a:solidFill>
-                <a:effectLst>
-                  <a:outerShdw blurRad="50800" dist="38100" dir="2700000" algn="tl" rotWithShape="0">
-                    <a:prstClr val="black">
-                      <a:alpha val="40000"/>
-                    </a:prstClr>
-                  </a:outerShdw>
-                </a:effectLst>
-                <a:latin typeface="Times New Roman" pitchFamily="18" charset="0"/>
-                <a:cs typeface="Times New Roman" pitchFamily="18" charset="0"/>
-              </a:rPr>
-              <a:t> Dva módy práce v editore – zobrazenie textu</a:t>
-            </a:r>
-          </a:p>
-          <a:p>
-            <a:pPr>
-              <a:lnSpc>
-                <a:spcPct val="150000"/>
-              </a:lnSpc>
-              <a:defRPr/>
-            </a:pPr>
-            <a:endParaRPr lang="pl-PL" sz="2000" kern="0" smtClean="0">
+            <a:endParaRPr lang="pl-PL" sz="2000" kern="0" dirty="0" smtClean="0">
               <a:ln w="18415" cmpd="sng">
                 <a:noFill/>
                 <a:prstDash val="solid"/>
@@ -5669,7 +5673,7 @@
               </a:lnSpc>
               <a:defRPr/>
             </a:pPr>
-            <a:endParaRPr lang="pl-PL" sz="2000" kern="0" smtClean="0">
+            <a:endParaRPr lang="pl-PL" sz="2000" kern="0" dirty="0" smtClean="0">
               <a:ln w="18415" cmpd="sng">
                 <a:noFill/>
                 <a:prstDash val="solid"/>
@@ -5695,8 +5699,34 @@
               </a:lnSpc>
               <a:defRPr/>
             </a:pPr>
-            <a:r>
-              <a:rPr lang="pl-PL" sz="2000" kern="0" smtClean="0">
+            <a:endParaRPr lang="pl-PL" sz="2000" kern="0" dirty="0" smtClean="0">
+              <a:ln w="18415" cmpd="sng">
+                <a:noFill/>
+                <a:prstDash val="solid"/>
+              </a:ln>
+              <a:solidFill>
+                <a:srgbClr val="FFFFFF"/>
+              </a:solidFill>
+              <a:effectLst>
+                <a:outerShdw blurRad="50800" dist="38100" dir="2700000" algn="tl" rotWithShape="0">
+                  <a:prstClr val="black">
+                    <a:alpha val="40000"/>
+                  </a:prstClr>
+                </a:outerShdw>
+              </a:effectLst>
+              <a:latin typeface="Times New Roman" pitchFamily="18" charset="0"/>
+              <a:cs typeface="Times New Roman" pitchFamily="18" charset="0"/>
+            </a:endParaRPr>
+          </a:p>
+          <a:p>
+            <a:pPr>
+              <a:lnSpc>
+                <a:spcPct val="150000"/>
+              </a:lnSpc>
+              <a:defRPr/>
+            </a:pPr>
+            <a:r>
+              <a:rPr lang="pl-PL" sz="2000" kern="0" dirty="0" smtClean="0">
                 <a:ln w="18415" cmpd="sng">
                   <a:noFill/>
                   <a:prstDash val="solid"/>
@@ -5714,10 +5744,115 @@
                 <a:latin typeface="Times New Roman" pitchFamily="18" charset="0"/>
                 <a:cs typeface="Times New Roman" pitchFamily="18" charset="0"/>
               </a:rPr>
-              <a:t> Obrazok z grafickymi prvkami </a:t>
-            </a:r>
-            <a:r>
-              <a:rPr lang="pl-PL" sz="2000" kern="0" smtClean="0">
+              <a:t> </a:t>
+            </a:r>
+            <a:r>
+              <a:rPr lang="en-US" sz="2000" kern="0" dirty="0" smtClean="0">
+                <a:ln w="18415" cmpd="sng">
+                  <a:noFill/>
+                  <a:prstDash val="solid"/>
+                </a:ln>
+                <a:solidFill>
+                  <a:srgbClr val="FFFFFF"/>
+                </a:solidFill>
+                <a:effectLst>
+                  <a:outerShdw blurRad="50800" dist="38100" dir="2700000" algn="tl" rotWithShape="0">
+                    <a:prstClr val="black">
+                      <a:alpha val="40000"/>
+                    </a:prstClr>
+                  </a:outerShdw>
+                </a:effectLst>
+                <a:latin typeface="Times New Roman" pitchFamily="18" charset="0"/>
+                <a:cs typeface="Times New Roman" pitchFamily="18" charset="0"/>
+              </a:rPr>
+              <a:t>Blok</a:t>
+            </a:r>
+            <a:r>
+              <a:rPr lang="pl-PL" sz="2000" kern="0" dirty="0" smtClean="0">
+                <a:ln w="18415" cmpd="sng">
+                  <a:noFill/>
+                  <a:prstDash val="solid"/>
+                </a:ln>
+                <a:solidFill>
+                  <a:srgbClr val="FFFFFF"/>
+                </a:solidFill>
+                <a:effectLst>
+                  <a:outerShdw blurRad="50800" dist="38100" dir="2700000" algn="tl" rotWithShape="0">
+                    <a:prstClr val="black">
+                      <a:alpha val="40000"/>
+                    </a:prstClr>
+                  </a:outerShdw>
+                </a:effectLst>
+                <a:latin typeface="Times New Roman" pitchFamily="18" charset="0"/>
+                <a:cs typeface="Times New Roman" pitchFamily="18" charset="0"/>
+              </a:rPr>
+              <a:t> </a:t>
+            </a:r>
+            <a:r>
+              <a:rPr lang="en-US" sz="2000" kern="0" dirty="0" smtClean="0">
+                <a:ln w="18415" cmpd="sng">
+                  <a:noFill/>
+                  <a:prstDash val="solid"/>
+                </a:ln>
+                <a:solidFill>
+                  <a:srgbClr val="FFFFFF"/>
+                </a:solidFill>
+                <a:effectLst>
+                  <a:outerShdw blurRad="50800" dist="38100" dir="2700000" algn="tl" rotWithShape="0">
+                    <a:prstClr val="black">
+                      <a:alpha val="40000"/>
+                    </a:prstClr>
+                  </a:outerShdw>
+                </a:effectLst>
+                <a:latin typeface="Times New Roman" pitchFamily="18" charset="0"/>
+                <a:cs typeface="Times New Roman" pitchFamily="18" charset="0"/>
+              </a:rPr>
+              <a:t>s</a:t>
+            </a:r>
+            <a:r>
+              <a:rPr lang="pl-PL" sz="2000" kern="0" dirty="0" smtClean="0">
+                <a:ln w="18415" cmpd="sng">
+                  <a:noFill/>
+                  <a:prstDash val="solid"/>
+                </a:ln>
+                <a:solidFill>
+                  <a:srgbClr val="FFFFFF"/>
+                </a:solidFill>
+                <a:effectLst>
+                  <a:outerShdw blurRad="50800" dist="38100" dir="2700000" algn="tl" rotWithShape="0">
+                    <a:prstClr val="black">
+                      <a:alpha val="40000"/>
+                    </a:prstClr>
+                  </a:outerShdw>
+                </a:effectLst>
+                <a:latin typeface="Times New Roman" pitchFamily="18" charset="0"/>
+                <a:cs typeface="Times New Roman" pitchFamily="18" charset="0"/>
+              </a:rPr>
+              <a:t> </a:t>
+            </a:r>
+            <a:r>
+              <a:rPr lang="pl-PL" sz="2000" kern="0" dirty="0" smtClean="0">
+                <a:ln w="18415" cmpd="sng">
+                  <a:noFill/>
+                  <a:prstDash val="solid"/>
+                </a:ln>
+                <a:solidFill>
+                  <a:srgbClr val="FFFFFF"/>
+                </a:solidFill>
+                <a:effectLst>
+                  <a:outerShdw blurRad="50800" dist="38100" dir="2700000" algn="tl" rotWithShape="0">
+                    <a:prstClr val="black">
+                      <a:alpha val="40000"/>
+                    </a:prstClr>
+                  </a:outerShdw>
+                </a:effectLst>
+                <a:latin typeface="Times New Roman" pitchFamily="18" charset="0"/>
+                <a:cs typeface="Times New Roman" pitchFamily="18" charset="0"/>
+              </a:rPr>
+              <a:t>grafickymi prvkami </a:t>
+            </a:r>
+            <a:r>
+              <a:rPr lang="pl-PL" sz="2000" kern="0" dirty="0" smtClean="0">
                 <a:ln w="18415" cmpd="sng">
                   <a:noFill/>
                   <a:prstDash val="solid"/>
@@ -5739,7 +5874,7 @@
               <a:t> </a:t>
             </a:r>
             <a:r>
-              <a:rPr lang="pl-PL" sz="2000" kern="0" smtClean="0">
+              <a:rPr lang="pl-PL" sz="2000" kern="0" dirty="0" smtClean="0">
                 <a:ln w="18415" cmpd="sng">
                   <a:noFill/>
                   <a:prstDash val="solid"/>
@@ -5759,7 +5894,196 @@
               </a:rPr>
               <a:t> </a:t>
             </a:r>
-            <a:endParaRPr lang="pl-PL" sz="2000" kern="0" smtClean="0">
+            <a:endParaRPr lang="en-US" sz="2000" kern="0" dirty="0" smtClean="0">
+              <a:ln w="18415" cmpd="sng">
+                <a:noFill/>
+                <a:prstDash val="solid"/>
+              </a:ln>
+              <a:solidFill>
+                <a:srgbClr val="FFFFFF"/>
+              </a:solidFill>
+              <a:effectLst>
+                <a:outerShdw blurRad="50800" dist="38100" dir="2700000" algn="tl" rotWithShape="0">
+                  <a:prstClr val="black">
+                    <a:alpha val="40000"/>
+                  </a:prstClr>
+                </a:outerShdw>
+              </a:effectLst>
+              <a:latin typeface="Times New Roman" pitchFamily="18" charset="0"/>
+              <a:cs typeface="Times New Roman" pitchFamily="18" charset="0"/>
+            </a:endParaRPr>
+          </a:p>
+          <a:p>
+            <a:pPr>
+              <a:lnSpc>
+                <a:spcPct val="150000"/>
+              </a:lnSpc>
+              <a:defRPr/>
+            </a:pPr>
+            <a:endParaRPr lang="en-US" sz="2000" kern="0" dirty="0">
+              <a:ln w="18415" cmpd="sng">
+                <a:noFill/>
+                <a:prstDash val="solid"/>
+              </a:ln>
+              <a:solidFill>
+                <a:srgbClr val="FFFFFF"/>
+              </a:solidFill>
+              <a:effectLst>
+                <a:outerShdw blurRad="50800" dist="38100" dir="2700000" algn="tl" rotWithShape="0">
+                  <a:prstClr val="black">
+                    <a:alpha val="40000"/>
+                  </a:prstClr>
+                </a:outerShdw>
+              </a:effectLst>
+              <a:latin typeface="Times New Roman" pitchFamily="18" charset="0"/>
+              <a:cs typeface="Times New Roman" pitchFamily="18" charset="0"/>
+            </a:endParaRPr>
+          </a:p>
+          <a:p>
+            <a:pPr>
+              <a:lnSpc>
+                <a:spcPct val="150000"/>
+              </a:lnSpc>
+              <a:defRPr/>
+            </a:pPr>
+            <a:endParaRPr lang="en-US" sz="2000" kern="0" dirty="0" smtClean="0">
+              <a:ln w="18415" cmpd="sng">
+                <a:noFill/>
+                <a:prstDash val="solid"/>
+              </a:ln>
+              <a:solidFill>
+                <a:srgbClr val="FFFFFF"/>
+              </a:solidFill>
+              <a:effectLst>
+                <a:outerShdw blurRad="50800" dist="38100" dir="2700000" algn="tl" rotWithShape="0">
+                  <a:prstClr val="black">
+                    <a:alpha val="40000"/>
+                  </a:prstClr>
+                </a:outerShdw>
+              </a:effectLst>
+              <a:latin typeface="Times New Roman" pitchFamily="18" charset="0"/>
+              <a:cs typeface="Times New Roman" pitchFamily="18" charset="0"/>
+            </a:endParaRPr>
+          </a:p>
+          <a:p>
+            <a:pPr>
+              <a:lnSpc>
+                <a:spcPct val="150000"/>
+              </a:lnSpc>
+              <a:defRPr/>
+            </a:pPr>
+            <a:endParaRPr lang="en-US" sz="2000" kern="0" dirty="0">
+              <a:ln w="18415" cmpd="sng">
+                <a:noFill/>
+                <a:prstDash val="solid"/>
+              </a:ln>
+              <a:solidFill>
+                <a:srgbClr val="FFFFFF"/>
+              </a:solidFill>
+              <a:effectLst>
+                <a:outerShdw blurRad="50800" dist="38100" dir="2700000" algn="tl" rotWithShape="0">
+                  <a:prstClr val="black">
+                    <a:alpha val="40000"/>
+                  </a:prstClr>
+                </a:outerShdw>
+              </a:effectLst>
+              <a:latin typeface="Times New Roman" pitchFamily="18" charset="0"/>
+              <a:cs typeface="Times New Roman" pitchFamily="18" charset="0"/>
+            </a:endParaRPr>
+          </a:p>
+          <a:p>
+            <a:pPr>
+              <a:lnSpc>
+                <a:spcPct val="150000"/>
+              </a:lnSpc>
+              <a:defRPr/>
+            </a:pPr>
+            <a:r>
+              <a:rPr lang="en-US" sz="2000" kern="0" dirty="0" err="1" smtClean="0">
+                <a:ln w="18415" cmpd="sng">
+                  <a:noFill/>
+                  <a:prstDash val="solid"/>
+                </a:ln>
+                <a:solidFill>
+                  <a:srgbClr val="FFFFFF"/>
+                </a:solidFill>
+                <a:effectLst>
+                  <a:outerShdw blurRad="50800" dist="38100" dir="2700000" algn="tl" rotWithShape="0">
+                    <a:prstClr val="black">
+                      <a:alpha val="40000"/>
+                    </a:prstClr>
+                  </a:outerShdw>
+                </a:effectLst>
+                <a:latin typeface="Times New Roman" pitchFamily="18" charset="0"/>
+                <a:cs typeface="Times New Roman" pitchFamily="18" charset="0"/>
+              </a:rPr>
+              <a:t>Textov</a:t>
+            </a:r>
+            <a:r>
+              <a:rPr lang="sk-SK" sz="2000" kern="0" dirty="0" smtClean="0">
+                <a:ln w="18415" cmpd="sng">
+                  <a:noFill/>
+                  <a:prstDash val="solid"/>
+                </a:ln>
+                <a:solidFill>
+                  <a:srgbClr val="FFFFFF"/>
+                </a:solidFill>
+                <a:effectLst>
+                  <a:outerShdw blurRad="50800" dist="38100" dir="2700000" algn="tl" rotWithShape="0">
+                    <a:prstClr val="black">
+                      <a:alpha val="40000"/>
+                    </a:prstClr>
+                  </a:outerShdw>
+                </a:effectLst>
+                <a:latin typeface="Times New Roman" pitchFamily="18" charset="0"/>
+                <a:cs typeface="Times New Roman" pitchFamily="18" charset="0"/>
+              </a:rPr>
+              <a:t>ý blok</a:t>
+            </a:r>
+            <a:r>
+              <a:rPr lang="pl-PL" sz="2000" kern="0" dirty="0" smtClean="0">
+                <a:ln w="18415" cmpd="sng">
+                  <a:noFill/>
+                  <a:prstDash val="solid"/>
+                </a:ln>
+                <a:solidFill>
+                  <a:srgbClr val="FFFFFF"/>
+                </a:solidFill>
+                <a:effectLst>
+                  <a:outerShdw blurRad="50800" dist="38100" dir="2700000" algn="tl" rotWithShape="0">
+                    <a:prstClr val="black">
+                      <a:alpha val="40000"/>
+                    </a:prstClr>
+                  </a:outerShdw>
+                </a:effectLst>
+                <a:latin typeface="Times New Roman" pitchFamily="18" charset="0"/>
+                <a:cs typeface="Times New Roman" pitchFamily="18" charset="0"/>
+              </a:rPr>
+              <a:t> </a:t>
+            </a:r>
+            <a:r>
+              <a:rPr lang="pl-PL" sz="2000" kern="0" dirty="0">
+                <a:ln w="18415" cmpd="sng">
+                  <a:noFill/>
+                  <a:prstDash val="solid"/>
+                </a:ln>
+                <a:solidFill>
+                  <a:srgbClr val="FFFFFF"/>
+                </a:solidFill>
+                <a:effectLst>
+                  <a:outerShdw blurRad="50800" dist="38100" dir="2700000" algn="tl" rotWithShape="0">
+                    <a:prstClr val="black">
+                      <a:alpha val="40000"/>
+                    </a:prstClr>
+                  </a:outerShdw>
+                </a:effectLst>
+                <a:latin typeface="Times New Roman" pitchFamily="18" charset="0"/>
+                <a:cs typeface="Times New Roman" pitchFamily="18" charset="0"/>
+                <a:sym typeface="Wingdings" pitchFamily="2" charset="2"/>
+              </a:rPr>
+              <a:t></a:t>
+            </a:r>
+            <a:endParaRPr lang="pl-PL" sz="2000" kern="0" dirty="0" smtClean="0">
               <a:ln w="18415" cmpd="sng">
                 <a:noFill/>
                 <a:prstDash val="solid"/>
@@ -6533,24 +6857,6 @@
               </a:rPr>
               <a:t> niečo k tomu, obrázok, ako funguje AST strom (obr)</a:t>
             </a:r>
-            <a:endParaRPr lang="pl-PL" sz="2000" kern="0" smtClean="0">
-              <a:ln w="18415" cmpd="sng">
-                <a:noFill/>
-                <a:prstDash val="solid"/>
-              </a:ln>
-              <a:solidFill>
-                <a:srgbClr val="FFFFFF"/>
-              </a:solidFill>
-              <a:effectLst>
-                <a:outerShdw blurRad="50800" dist="38100" dir="2700000" algn="tl" rotWithShape="0">
-                  <a:prstClr val="black">
-                    <a:alpha val="40000"/>
-                  </a:prstClr>
-                </a:outerShdw>
-              </a:effectLst>
-              <a:latin typeface="Times New Roman" pitchFamily="18" charset="0"/>
-              <a:cs typeface="Times New Roman" pitchFamily="18" charset="0"/>
-            </a:endParaRPr>
           </a:p>
         </p:txBody>
       </p:sp>
@@ -7336,28 +7642,7 @@
                 <a:latin typeface="Times New Roman" pitchFamily="18" charset="0"/>
                 <a:cs typeface="Times New Roman" pitchFamily="18" charset="0"/>
               </a:rPr>
-              <a:t> </a:t>
-            </a:r>
-            <a:r>
-              <a:rPr lang="sk-SK" sz="2000" kern="0" smtClean="0">
-                <a:ln w="18415" cmpd="sng">
-                  <a:noFill/>
-                  <a:prstDash val="solid"/>
-                </a:ln>
-                <a:solidFill>
-                  <a:srgbClr val="FFFFFF"/>
-                </a:solidFill>
-                <a:effectLst>
-                  <a:outerShdw blurRad="50800" dist="38100" dir="2700000" algn="tl" rotWithShape="0">
-                    <a:prstClr val="black">
-                      <a:alpha val="40000"/>
-                    </a:prstClr>
-                  </a:outerShdw>
-                </a:effectLst>
-                <a:latin typeface="Times New Roman" pitchFamily="18" charset="0"/>
-                <a:cs typeface="Times New Roman" pitchFamily="18" charset="0"/>
-              </a:rPr>
-              <a:t>Implementácia funkcií pre prácu s AST stromom na strane Lua</a:t>
+              <a:t> Implementácia funkcií pre prácu s AST stromom na strane Lua</a:t>
             </a:r>
           </a:p>
           <a:p>
@@ -7390,24 +7675,6 @@
               </a:rPr>
               <a:t> Zabudovanie dvoch módov – Undo Redo v rámci práce s textom</a:t>
             </a:r>
-            <a:endParaRPr lang="sk-SK" sz="2000" kern="0" smtClean="0">
-              <a:ln w="18415" cmpd="sng">
-                <a:noFill/>
-                <a:prstDash val="solid"/>
-              </a:ln>
-              <a:solidFill>
-                <a:srgbClr val="FFFFFF"/>
-              </a:solidFill>
-              <a:effectLst>
-                <a:outerShdw blurRad="50800" dist="38100" dir="2700000" algn="tl" rotWithShape="0">
-                  <a:prstClr val="black">
-                    <a:alpha val="40000"/>
-                  </a:prstClr>
-                </a:outerShdw>
-              </a:effectLst>
-              <a:latin typeface="Times New Roman" pitchFamily="18" charset="0"/>
-              <a:cs typeface="Times New Roman" pitchFamily="18" charset="0"/>
-            </a:endParaRPr>
           </a:p>
           <a:p>
             <a:pPr>
@@ -7437,8 +7704,18 @@
                 <a:latin typeface="Times New Roman" pitchFamily="18" charset="0"/>
                 <a:cs typeface="Times New Roman" pitchFamily="18" charset="0"/>
               </a:rPr>
-              <a:t> </a:t>
-            </a:r>
+              <a:t> Zabudovanie paralelizmu – spracovanie syntaktickej analýzi na pozadí</a:t>
+            </a:r>
+          </a:p>
+          <a:p>
+            <a:pPr>
+              <a:lnSpc>
+                <a:spcPct val="150000"/>
+              </a:lnSpc>
+              <a:buFont typeface="Arial" pitchFamily="34" charset="0"/>
+              <a:buChar char="•"/>
+              <a:defRPr/>
+            </a:pPr>
             <a:r>
               <a:rPr lang="sk-SK" sz="2000" kern="0" smtClean="0">
                 <a:ln w="18415" cmpd="sng">
@@ -7458,7 +7735,7 @@
                 <a:latin typeface="Times New Roman" pitchFamily="18" charset="0"/>
                 <a:cs typeface="Times New Roman" pitchFamily="18" charset="0"/>
               </a:rPr>
-              <a:t>Zabudovanie paralelizmu – spracovanie syntaktickej analýzi na pozadí</a:t>
+              <a:t> Zabudovanie Shortcuts – rozšírenie existujúcich skratiek </a:t>
             </a:r>
           </a:p>
           <a:p>
@@ -7489,99 +7766,8 @@
                 <a:latin typeface="Times New Roman" pitchFamily="18" charset="0"/>
                 <a:cs typeface="Times New Roman" pitchFamily="18" charset="0"/>
               </a:rPr>
-              <a:t> </a:t>
-            </a:r>
-            <a:r>
-              <a:rPr lang="sk-SK" sz="2000" kern="0" smtClean="0">
-                <a:ln w="18415" cmpd="sng">
-                  <a:noFill/>
-                  <a:prstDash val="solid"/>
-                </a:ln>
-                <a:solidFill>
-                  <a:srgbClr val="FFFFFF"/>
-                </a:solidFill>
-                <a:effectLst>
-                  <a:outerShdw blurRad="50800" dist="38100" dir="2700000" algn="tl" rotWithShape="0">
-                    <a:prstClr val="black">
-                      <a:alpha val="40000"/>
-                    </a:prstClr>
-                  </a:outerShdw>
-                </a:effectLst>
-                <a:latin typeface="Times New Roman" pitchFamily="18" charset="0"/>
-                <a:cs typeface="Times New Roman" pitchFamily="18" charset="0"/>
-              </a:rPr>
-              <a:t>Zabudovanie Shortcuts – rozšírenie existujúcich skratiek </a:t>
-            </a:r>
-          </a:p>
-          <a:p>
-            <a:pPr>
-              <a:lnSpc>
-                <a:spcPct val="150000"/>
-              </a:lnSpc>
-              <a:buFont typeface="Arial" pitchFamily="34" charset="0"/>
-              <a:buChar char="•"/>
-              <a:defRPr/>
-            </a:pPr>
-            <a:r>
-              <a:rPr lang="sk-SK" sz="2000" kern="0" smtClean="0">
-                <a:ln w="18415" cmpd="sng">
-                  <a:noFill/>
-                  <a:prstDash val="solid"/>
-                </a:ln>
-                <a:solidFill>
-                  <a:srgbClr val="FFFFFF"/>
-                </a:solidFill>
-                <a:effectLst>
-                  <a:outerShdw blurRad="50800" dist="38100" dir="2700000" algn="tl" rotWithShape="0">
-                    <a:prstClr val="black">
-                      <a:alpha val="40000"/>
-                    </a:prstClr>
-                  </a:outerShdw>
-                </a:effectLst>
-                <a:latin typeface="Times New Roman" pitchFamily="18" charset="0"/>
-                <a:cs typeface="Times New Roman" pitchFamily="18" charset="0"/>
-              </a:rPr>
-              <a:t> </a:t>
-            </a:r>
-            <a:r>
-              <a:rPr lang="sk-SK" sz="2000" kern="0" smtClean="0">
-                <a:ln w="18415" cmpd="sng">
-                  <a:noFill/>
-                  <a:prstDash val="solid"/>
-                </a:ln>
-                <a:solidFill>
-                  <a:srgbClr val="FFFFFF"/>
-                </a:solidFill>
-                <a:effectLst>
-                  <a:outerShdw blurRad="50800" dist="38100" dir="2700000" algn="tl" rotWithShape="0">
-                    <a:prstClr val="black">
-                      <a:alpha val="40000"/>
-                    </a:prstClr>
-                  </a:outerShdw>
-                </a:effectLst>
-                <a:latin typeface="Times New Roman" pitchFamily="18" charset="0"/>
-                <a:cs typeface="Times New Roman" pitchFamily="18" charset="0"/>
-              </a:rPr>
-              <a:t>Úprava editora za použitia CSS štýlov</a:t>
-            </a:r>
-            <a:endParaRPr lang="sk-SK" sz="2000" kern="0" smtClean="0">
-              <a:ln w="18415" cmpd="sng">
-                <a:noFill/>
-                <a:prstDash val="solid"/>
-              </a:ln>
-              <a:solidFill>
-                <a:srgbClr val="FFFFFF"/>
-              </a:solidFill>
-              <a:effectLst>
-                <a:outerShdw blurRad="50800" dist="38100" dir="2700000" algn="tl" rotWithShape="0">
-                  <a:prstClr val="black">
-                    <a:alpha val="40000"/>
-                  </a:prstClr>
-                </a:outerShdw>
-              </a:effectLst>
-              <a:latin typeface="Times New Roman" pitchFamily="18" charset="0"/>
-              <a:cs typeface="Times New Roman" pitchFamily="18" charset="0"/>
-            </a:endParaRPr>
+              <a:t> Úprava editora za použitia CSS štýlov</a:t>
+            </a:r>
           </a:p>
           <a:p>
             <a:pPr>
@@ -8426,8 +8612,18 @@
                 <a:latin typeface="Times New Roman" pitchFamily="18" charset="0"/>
                 <a:cs typeface="Times New Roman" pitchFamily="18" charset="0"/>
               </a:rPr>
-              <a:t> </a:t>
-            </a:r>
+              <a:t> Vlastné nakonfigurovanie shortcuts</a:t>
+            </a:r>
+          </a:p>
+          <a:p>
+            <a:pPr>
+              <a:lnSpc>
+                <a:spcPct val="150000"/>
+              </a:lnSpc>
+              <a:buFont typeface="Arial" pitchFamily="34" charset="0"/>
+              <a:buChar char="•"/>
+              <a:defRPr/>
+            </a:pPr>
             <a:r>
               <a:rPr lang="pl-PL" sz="2000" kern="0" smtClean="0">
                 <a:ln w="18415" cmpd="sng">
@@ -8447,7 +8643,7 @@
                 <a:latin typeface="Times New Roman" pitchFamily="18" charset="0"/>
                 <a:cs typeface="Times New Roman" pitchFamily="18" charset="0"/>
               </a:rPr>
-              <a:t>Vlastné nakonfigurovanie shortcuts</a:t>
+              <a:t> Undo Redo rozšíriť aj pre prácu s blokmi</a:t>
             </a:r>
           </a:p>
           <a:p>
@@ -8478,99 +8674,8 @@
                 <a:latin typeface="Times New Roman" pitchFamily="18" charset="0"/>
                 <a:cs typeface="Times New Roman" pitchFamily="18" charset="0"/>
               </a:rPr>
-              <a:t> </a:t>
-            </a:r>
-            <a:r>
-              <a:rPr lang="pl-PL" sz="2000" kern="0" smtClean="0">
-                <a:ln w="18415" cmpd="sng">
-                  <a:noFill/>
-                  <a:prstDash val="solid"/>
-                </a:ln>
-                <a:solidFill>
-                  <a:srgbClr val="FFFFFF"/>
-                </a:solidFill>
-                <a:effectLst>
-                  <a:outerShdw blurRad="50800" dist="38100" dir="2700000" algn="tl" rotWithShape="0">
-                    <a:prstClr val="black">
-                      <a:alpha val="40000"/>
-                    </a:prstClr>
-                  </a:outerShdw>
-                </a:effectLst>
-                <a:latin typeface="Times New Roman" pitchFamily="18" charset="0"/>
-                <a:cs typeface="Times New Roman" pitchFamily="18" charset="0"/>
-              </a:rPr>
-              <a:t>Undo Redo rozšíriť aj pre prácu s blokmi</a:t>
-            </a:r>
-          </a:p>
-          <a:p>
-            <a:pPr>
-              <a:lnSpc>
-                <a:spcPct val="150000"/>
-              </a:lnSpc>
-              <a:buFont typeface="Arial" pitchFamily="34" charset="0"/>
-              <a:buChar char="•"/>
-              <a:defRPr/>
-            </a:pPr>
-            <a:r>
-              <a:rPr lang="pl-PL" sz="2000" kern="0" smtClean="0">
-                <a:ln w="18415" cmpd="sng">
-                  <a:noFill/>
-                  <a:prstDash val="solid"/>
-                </a:ln>
-                <a:solidFill>
-                  <a:srgbClr val="FFFFFF"/>
-                </a:solidFill>
-                <a:effectLst>
-                  <a:outerShdw blurRad="50800" dist="38100" dir="2700000" algn="tl" rotWithShape="0">
-                    <a:prstClr val="black">
-                      <a:alpha val="40000"/>
-                    </a:prstClr>
-                  </a:outerShdw>
-                </a:effectLst>
-                <a:latin typeface="Times New Roman" pitchFamily="18" charset="0"/>
-                <a:cs typeface="Times New Roman" pitchFamily="18" charset="0"/>
-              </a:rPr>
-              <a:t> </a:t>
-            </a:r>
-            <a:r>
-              <a:rPr lang="pl-PL" sz="2000" kern="0" smtClean="0">
-                <a:ln w="18415" cmpd="sng">
-                  <a:noFill/>
-                  <a:prstDash val="solid"/>
-                </a:ln>
-                <a:solidFill>
-                  <a:srgbClr val="FFFFFF"/>
-                </a:solidFill>
-                <a:effectLst>
-                  <a:outerShdw blurRad="50800" dist="38100" dir="2700000" algn="tl" rotWithShape="0">
-                    <a:prstClr val="black">
-                      <a:alpha val="40000"/>
-                    </a:prstClr>
-                  </a:outerShdw>
-                </a:effectLst>
-                <a:latin typeface="Times New Roman" pitchFamily="18" charset="0"/>
-                <a:cs typeface="Times New Roman" pitchFamily="18" charset="0"/>
-              </a:rPr>
-              <a:t>Zabudovanie pokročilého dokumentačného bloku podporujci RTF</a:t>
-            </a:r>
-            <a:endParaRPr lang="pl-PL" sz="2000" kern="0" smtClean="0">
-              <a:ln w="18415" cmpd="sng">
-                <a:noFill/>
-                <a:prstDash val="solid"/>
-              </a:ln>
-              <a:solidFill>
-                <a:srgbClr val="FFFFFF"/>
-              </a:solidFill>
-              <a:effectLst>
-                <a:outerShdw blurRad="50800" dist="38100" dir="2700000" algn="tl" rotWithShape="0">
-                  <a:prstClr val="black">
-                    <a:alpha val="40000"/>
-                  </a:prstClr>
-                </a:outerShdw>
-              </a:effectLst>
-              <a:latin typeface="Times New Roman" pitchFamily="18" charset="0"/>
-              <a:cs typeface="Times New Roman" pitchFamily="18" charset="0"/>
-            </a:endParaRPr>
+              <a:t> Zabudovanie pokročilého dokumentačného bloku podporujci RTF</a:t>
+            </a:r>
           </a:p>
         </p:txBody>
       </p:sp>
@@ -10344,28 +10449,7 @@
                 <a:latin typeface="Times New Roman" pitchFamily="18" charset="0"/>
                 <a:cs typeface="Times New Roman" pitchFamily="18" charset="0"/>
               </a:rPr>
-              <a:t> </a:t>
-            </a:r>
-            <a:r>
-              <a:rPr lang="sk-SK" sz="2000" kern="0" smtClean="0">
-                <a:ln w="18415" cmpd="sng">
-                  <a:noFill/>
-                  <a:prstDash val="solid"/>
-                </a:ln>
-                <a:solidFill>
-                  <a:srgbClr val="FFFFFF"/>
-                </a:solidFill>
-                <a:effectLst>
-                  <a:outerShdw blurRad="50800" dist="38100" dir="2700000" algn="tl" rotWithShape="0">
-                    <a:prstClr val="black">
-                      <a:alpha val="40000"/>
-                    </a:prstClr>
-                  </a:outerShdw>
-                </a:effectLst>
-                <a:latin typeface="Times New Roman" pitchFamily="18" charset="0"/>
-                <a:cs typeface="Times New Roman" pitchFamily="18" charset="0"/>
-              </a:rPr>
-              <a:t>m</a:t>
+              <a:t> m</a:t>
             </a:r>
             <a:r>
               <a:rPr lang="en-US" sz="2000" kern="0" smtClean="0">
@@ -10492,47 +10576,8 @@
                 <a:latin typeface="Times New Roman" pitchFamily="18" charset="0"/>
                 <a:cs typeface="Times New Roman" pitchFamily="18" charset="0"/>
               </a:rPr>
-              <a:t> podporiť myšlienku „literate programming</a:t>
-            </a:r>
-            <a:r>
-              <a:rPr lang="sk-SK" sz="2000" kern="0" smtClean="0">
-                <a:ln w="18415" cmpd="sng">
-                  <a:noFill/>
-                  <a:prstDash val="solid"/>
-                </a:ln>
-                <a:solidFill>
-                  <a:srgbClr val="FFFFFF"/>
-                </a:solidFill>
-                <a:effectLst>
-                  <a:outerShdw blurRad="50800" dist="38100" dir="2700000" algn="tl" rotWithShape="0">
-                    <a:prstClr val="black">
-                      <a:alpha val="40000"/>
-                    </a:prstClr>
-                  </a:outerShdw>
-                </a:effectLst>
-                <a:latin typeface="Times New Roman" pitchFamily="18" charset="0"/>
-                <a:cs typeface="Times New Roman" pitchFamily="18" charset="0"/>
-              </a:rPr>
-              <a:t>“</a:t>
-            </a:r>
-            <a:endParaRPr lang="sk-SK" sz="2000" kern="0" smtClean="0">
-              <a:ln w="18415" cmpd="sng">
-                <a:noFill/>
-                <a:prstDash val="solid"/>
-              </a:ln>
-              <a:solidFill>
-                <a:srgbClr val="FFFFFF"/>
-              </a:solidFill>
-              <a:effectLst>
-                <a:outerShdw blurRad="50800" dist="38100" dir="2700000" algn="tl" rotWithShape="0">
-                  <a:prstClr val="black">
-                    <a:alpha val="40000"/>
-                  </a:prstClr>
-                </a:outerShdw>
-              </a:effectLst>
-              <a:latin typeface="Times New Roman" pitchFamily="18" charset="0"/>
-              <a:cs typeface="Times New Roman" pitchFamily="18" charset="0"/>
-            </a:endParaRPr>
+              <a:t> podporiť myšlienku „literate programming“</a:t>
+            </a:r>
           </a:p>
           <a:p>
             <a:pPr lvl="0">
@@ -10587,30 +10632,7 @@
                 <a:latin typeface="Times New Roman" pitchFamily="18" charset="0"/>
                 <a:cs typeface="Times New Roman" pitchFamily="18" charset="0"/>
               </a:rPr>
-              <a:t> </a:t>
-            </a:r>
-            <a:r>
-              <a:rPr kumimoji="0" lang="sk-SK" sz="2000" u="none" strike="noStrike" kern="0" cap="none" normalizeH="0" noProof="0" smtClean="0">
-                <a:ln w="18415" cmpd="sng">
-                  <a:noFill/>
-                  <a:prstDash val="solid"/>
-                </a:ln>
-                <a:solidFill>
-                  <a:srgbClr val="FFFFFF"/>
-                </a:solidFill>
-                <a:effectLst>
-                  <a:outerShdw blurRad="50800" dist="38100" dir="2700000" algn="tl" rotWithShape="0">
-                    <a:prstClr val="black">
-                      <a:alpha val="40000"/>
-                    </a:prstClr>
-                  </a:outerShdw>
-                </a:effectLst>
-                <a:uLnTx/>
-                <a:uFillTx/>
-                <a:latin typeface="Times New Roman" pitchFamily="18" charset="0"/>
-                <a:cs typeface="Times New Roman" pitchFamily="18" charset="0"/>
-              </a:rPr>
-              <a:t>trhu</a:t>
+              <a:t> trhu</a:t>
             </a:r>
           </a:p>
           <a:p>
@@ -10690,28 +10712,7 @@
                 <a:latin typeface="Times New Roman" pitchFamily="18" charset="0"/>
                 <a:cs typeface="Times New Roman" pitchFamily="18" charset="0"/>
               </a:rPr>
-              <a:t>pokračujeme </a:t>
-            </a:r>
-            <a:r>
-              <a:rPr lang="sk-SK" sz="2000" kern="0" smtClean="0">
-                <a:ln w="18415" cmpd="sng">
-                  <a:noFill/>
-                  <a:prstDash val="solid"/>
-                </a:ln>
-                <a:solidFill>
-                  <a:srgbClr val="FFFFFF"/>
-                </a:solidFill>
-                <a:effectLst>
-                  <a:outerShdw blurRad="50800" dist="38100" dir="2700000" algn="tl" rotWithShape="0">
-                    <a:prstClr val="black">
-                      <a:alpha val="40000"/>
-                    </a:prstClr>
-                  </a:outerShdw>
-                </a:effectLst>
-                <a:latin typeface="Times New Roman" pitchFamily="18" charset="0"/>
-                <a:cs typeface="Times New Roman" pitchFamily="18" charset="0"/>
-              </a:rPr>
-              <a:t>vo vývoji už existujúceho riešenia tímu UFOPAK</a:t>
+              <a:t>pokračujeme vo vývoji už existujúceho riešenia tímu UFOPAK</a:t>
             </a:r>
           </a:p>
           <a:p>
@@ -11590,28 +11591,7 @@
                 <a:latin typeface="Times New Roman" pitchFamily="18" charset="0"/>
                 <a:cs typeface="Times New Roman" pitchFamily="18" charset="0"/>
               </a:rPr>
-              <a:t>plne </a:t>
-            </a:r>
-            <a:r>
-              <a:rPr lang="sk-SK" sz="2000" kern="0" smtClean="0">
-                <a:ln w="18415" cmpd="sng">
-                  <a:noFill/>
-                  <a:prstDash val="solid"/>
-                </a:ln>
-                <a:solidFill>
-                  <a:srgbClr val="FFFFFF"/>
-                </a:solidFill>
-                <a:effectLst>
-                  <a:outerShdw blurRad="50800" dist="38100" dir="2700000" algn="tl" rotWithShape="0">
-                    <a:prstClr val="black">
-                      <a:alpha val="40000"/>
-                    </a:prstClr>
-                  </a:outerShdw>
-                </a:effectLst>
-                <a:latin typeface="Times New Roman" pitchFamily="18" charset="0"/>
-                <a:cs typeface="Times New Roman" pitchFamily="18" charset="0"/>
-              </a:rPr>
-              <a:t>sa sústrediť na rozšírenie problematických častí editora</a:t>
+              <a:t>plne sa sústrediť na rozšírenie problematických častí editora</a:t>
             </a:r>
           </a:p>
           <a:p>
@@ -11667,30 +11647,7 @@
                 <a:latin typeface="Times New Roman" pitchFamily="18" charset="0"/>
                 <a:cs typeface="Times New Roman" pitchFamily="18" charset="0"/>
               </a:rPr>
-              <a:t>doplnenie </a:t>
-            </a:r>
-            <a:r>
-              <a:rPr kumimoji="0" lang="sk-SK" sz="2000" u="none" strike="noStrike" kern="0" cap="none" normalizeH="0" baseline="0" noProof="0" smtClean="0">
-                <a:ln w="18415" cmpd="sng">
-                  <a:noFill/>
-                  <a:prstDash val="solid"/>
-                </a:ln>
-                <a:solidFill>
-                  <a:srgbClr val="FFFFFF"/>
-                </a:solidFill>
-                <a:effectLst>
-                  <a:outerShdw blurRad="50800" dist="38100" dir="2700000" algn="tl" rotWithShape="0">
-                    <a:prstClr val="black">
-                      <a:alpha val="40000"/>
-                    </a:prstClr>
-                  </a:outerShdw>
-                </a:effectLst>
-                <a:uLnTx/>
-                <a:uFillTx/>
-                <a:latin typeface="Times New Roman" pitchFamily="18" charset="0"/>
-                <a:cs typeface="Times New Roman" pitchFamily="18" charset="0"/>
-              </a:rPr>
-              <a:t>editora o ďalšie</a:t>
+              <a:t>doplnenie editora o ďalšie</a:t>
             </a:r>
             <a:r>
               <a:rPr kumimoji="0" lang="sk-SK" sz="2000" u="none" strike="noStrike" kern="0" cap="none" normalizeH="0" noProof="0" smtClean="0">
@@ -11817,8 +11774,18 @@
                 <a:latin typeface="Times New Roman" pitchFamily="18" charset="0"/>
                 <a:cs typeface="Times New Roman" pitchFamily="18" charset="0"/>
               </a:rPr>
-              <a:t> </a:t>
-            </a:r>
+              <a:t> nasadenia editora pre reálne využitie v praxi</a:t>
+            </a:r>
+          </a:p>
+          <a:p>
+            <a:pPr>
+              <a:lnSpc>
+                <a:spcPct val="150000"/>
+              </a:lnSpc>
+              <a:buFont typeface="Arial" pitchFamily="34" charset="0"/>
+              <a:buChar char="•"/>
+              <a:defRPr/>
+            </a:pPr>
             <a:r>
               <a:rPr lang="sk-SK" sz="2000" kern="0" smtClean="0">
                 <a:ln w="18415" cmpd="sng">
@@ -11838,8 +11805,18 @@
                 <a:latin typeface="Times New Roman" pitchFamily="18" charset="0"/>
                 <a:cs typeface="Times New Roman" pitchFamily="18" charset="0"/>
               </a:rPr>
-              <a:t>nasadenia </a:t>
-            </a:r>
+              <a:t>čo možno najväčšia konfigurovateľnosť podľa potrieb používateľa</a:t>
+            </a:r>
+          </a:p>
+          <a:p>
+            <a:pPr>
+              <a:lnSpc>
+                <a:spcPct val="150000"/>
+              </a:lnSpc>
+              <a:buFont typeface="Arial" pitchFamily="34" charset="0"/>
+              <a:buChar char="•"/>
+              <a:defRPr/>
+            </a:pPr>
             <a:r>
               <a:rPr lang="sk-SK" sz="2000" kern="0" smtClean="0">
                 <a:ln w="18415" cmpd="sng">
@@ -11859,172 +11836,8 @@
                 <a:latin typeface="Times New Roman" pitchFamily="18" charset="0"/>
                 <a:cs typeface="Times New Roman" pitchFamily="18" charset="0"/>
               </a:rPr>
-              <a:t>editora pre reálne využitie v praxi</a:t>
-            </a:r>
-          </a:p>
-          <a:p>
-            <a:pPr>
-              <a:lnSpc>
-                <a:spcPct val="150000"/>
-              </a:lnSpc>
-              <a:buFont typeface="Arial" pitchFamily="34" charset="0"/>
-              <a:buChar char="•"/>
-              <a:defRPr/>
-            </a:pPr>
-            <a:r>
-              <a:rPr lang="sk-SK" sz="2000" kern="0" smtClean="0">
-                <a:ln w="18415" cmpd="sng">
-                  <a:noFill/>
-                  <a:prstDash val="solid"/>
-                </a:ln>
-                <a:solidFill>
-                  <a:srgbClr val="FFFFFF"/>
-                </a:solidFill>
-                <a:effectLst>
-                  <a:outerShdw blurRad="50800" dist="38100" dir="2700000" algn="tl" rotWithShape="0">
-                    <a:prstClr val="black">
-                      <a:alpha val="40000"/>
-                    </a:prstClr>
-                  </a:outerShdw>
-                </a:effectLst>
-                <a:latin typeface="Times New Roman" pitchFamily="18" charset="0"/>
-                <a:cs typeface="Times New Roman" pitchFamily="18" charset="0"/>
-              </a:rPr>
-              <a:t>čo možno najväčšia konfigurovateľnosť podľa </a:t>
-            </a:r>
-            <a:r>
-              <a:rPr lang="sk-SK" sz="2000" kern="0" smtClean="0">
-                <a:ln w="18415" cmpd="sng">
-                  <a:noFill/>
-                  <a:prstDash val="solid"/>
-                </a:ln>
-                <a:solidFill>
-                  <a:srgbClr val="FFFFFF"/>
-                </a:solidFill>
-                <a:effectLst>
-                  <a:outerShdw blurRad="50800" dist="38100" dir="2700000" algn="tl" rotWithShape="0">
-                    <a:prstClr val="black">
-                      <a:alpha val="40000"/>
-                    </a:prstClr>
-                  </a:outerShdw>
-                </a:effectLst>
-                <a:latin typeface="Times New Roman" pitchFamily="18" charset="0"/>
-                <a:cs typeface="Times New Roman" pitchFamily="18" charset="0"/>
-              </a:rPr>
-              <a:t>potrieb </a:t>
-            </a:r>
-            <a:r>
-              <a:rPr lang="sk-SK" sz="2000" kern="0" smtClean="0">
-                <a:ln w="18415" cmpd="sng">
-                  <a:noFill/>
-                  <a:prstDash val="solid"/>
-                </a:ln>
-                <a:solidFill>
-                  <a:srgbClr val="FFFFFF"/>
-                </a:solidFill>
-                <a:effectLst>
-                  <a:outerShdw blurRad="50800" dist="38100" dir="2700000" algn="tl" rotWithShape="0">
-                    <a:prstClr val="black">
-                      <a:alpha val="40000"/>
-                    </a:prstClr>
-                  </a:outerShdw>
-                </a:effectLst>
-                <a:latin typeface="Times New Roman" pitchFamily="18" charset="0"/>
-                <a:cs typeface="Times New Roman" pitchFamily="18" charset="0"/>
-              </a:rPr>
-              <a:t>používateľa</a:t>
-            </a:r>
-          </a:p>
-          <a:p>
-            <a:pPr>
-              <a:lnSpc>
-                <a:spcPct val="150000"/>
-              </a:lnSpc>
-              <a:buFont typeface="Arial" pitchFamily="34" charset="0"/>
-              <a:buChar char="•"/>
-              <a:defRPr/>
-            </a:pPr>
-            <a:r>
-              <a:rPr lang="sk-SK" sz="2000" kern="0" smtClean="0">
-                <a:ln w="18415" cmpd="sng">
-                  <a:noFill/>
-                  <a:prstDash val="solid"/>
-                </a:ln>
-                <a:solidFill>
-                  <a:srgbClr val="FFFFFF"/>
-                </a:solidFill>
-                <a:effectLst>
-                  <a:outerShdw blurRad="50800" dist="38100" dir="2700000" algn="tl" rotWithShape="0">
-                    <a:prstClr val="black">
-                      <a:alpha val="40000"/>
-                    </a:prstClr>
-                  </a:outerShdw>
-                </a:effectLst>
-                <a:latin typeface="Times New Roman" pitchFamily="18" charset="0"/>
-                <a:cs typeface="Times New Roman" pitchFamily="18" charset="0"/>
-              </a:rPr>
-              <a:t> používateľský prívetíve rozhranie, ktoré by uľahčovaľo prácu </a:t>
-            </a:r>
-            <a:r>
-              <a:rPr lang="sk-SK" sz="2000" kern="0" smtClean="0">
-                <a:ln w="18415" cmpd="sng">
-                  <a:noFill/>
-                  <a:prstDash val="solid"/>
-                </a:ln>
-                <a:solidFill>
-                  <a:srgbClr val="FFFFFF"/>
-                </a:solidFill>
-                <a:effectLst>
-                  <a:outerShdw blurRad="50800" dist="38100" dir="2700000" algn="tl" rotWithShape="0">
-                    <a:prstClr val="black">
-                      <a:alpha val="40000"/>
-                    </a:prstClr>
-                  </a:outerShdw>
-                </a:effectLst>
-                <a:latin typeface="Times New Roman" pitchFamily="18" charset="0"/>
-                <a:cs typeface="Times New Roman" pitchFamily="18" charset="0"/>
-              </a:rPr>
-              <a:t>s </a:t>
-            </a:r>
-            <a:r>
-              <a:rPr lang="sk-SK" sz="2000" kern="0" smtClean="0">
-                <a:ln w="18415" cmpd="sng">
-                  <a:noFill/>
-                  <a:prstDash val="solid"/>
-                </a:ln>
-                <a:solidFill>
-                  <a:srgbClr val="FFFFFF"/>
-                </a:solidFill>
-                <a:effectLst>
-                  <a:outerShdw blurRad="50800" dist="38100" dir="2700000" algn="tl" rotWithShape="0">
-                    <a:prstClr val="black">
-                      <a:alpha val="40000"/>
-                    </a:prstClr>
-                  </a:outerShdw>
-                </a:effectLst>
-                <a:latin typeface="Times New Roman" pitchFamily="18" charset="0"/>
-                <a:cs typeface="Times New Roman" pitchFamily="18" charset="0"/>
-              </a:rPr>
-              <a:t>textom</a:t>
-            </a:r>
-            <a:endParaRPr lang="sk-SK" sz="2000" kern="0" smtClean="0">
-              <a:ln w="18415" cmpd="sng">
-                <a:noFill/>
-                <a:prstDash val="solid"/>
-              </a:ln>
-              <a:solidFill>
-                <a:srgbClr val="FFFFFF"/>
-              </a:solidFill>
-              <a:effectLst>
-                <a:outerShdw blurRad="50800" dist="38100" dir="2700000" algn="tl" rotWithShape="0">
-                  <a:prstClr val="black">
-                    <a:alpha val="40000"/>
-                  </a:prstClr>
-                </a:outerShdw>
-              </a:effectLst>
-              <a:latin typeface="Times New Roman" pitchFamily="18" charset="0"/>
-              <a:cs typeface="Times New Roman" pitchFamily="18" charset="0"/>
-            </a:endParaRPr>
+              <a:t> používateľský prívetíve rozhranie, ktoré by uľahčovaľo prácu s textom</a:t>
+            </a:r>
           </a:p>
         </p:txBody>
       </p:sp>
@@ -13802,30 +13615,7 @@
                 <a:latin typeface="Times New Roman" pitchFamily="18" charset="0"/>
                 <a:cs typeface="Times New Roman" pitchFamily="18" charset="0"/>
               </a:rPr>
-              <a:t>Knižnica Lpeg 	</a:t>
-            </a:r>
-            <a:r>
-              <a:rPr kumimoji="0" lang="sk-SK" sz="2000" u="none" strike="noStrike" kern="0" cap="none" normalizeH="0" baseline="0" noProof="0" smtClean="0">
-                <a:ln w="18415" cmpd="sng">
-                  <a:noFill/>
-                  <a:prstDash val="solid"/>
-                </a:ln>
-                <a:solidFill>
-                  <a:srgbClr val="FFFFFF"/>
-                </a:solidFill>
-                <a:effectLst>
-                  <a:outerShdw blurRad="50800" dist="38100" dir="2700000" algn="tl" rotWithShape="0">
-                    <a:prstClr val="black">
-                      <a:alpha val="40000"/>
-                    </a:prstClr>
-                  </a:outerShdw>
-                </a:effectLst>
-                <a:uLnTx/>
-                <a:uFillTx/>
-                <a:latin typeface="Times New Roman" pitchFamily="18" charset="0"/>
-                <a:cs typeface="Times New Roman" pitchFamily="18" charset="0"/>
-              </a:rPr>
-              <a:t>syntaktická analýza textu</a:t>
+              <a:t>Knižnica Lpeg 	syntaktická analýza textu</a:t>
             </a:r>
           </a:p>
         </p:txBody>
@@ -14676,24 +14466,6 @@
               </a:rPr>
               <a:t> Pokročilé zobrazovanie komentárov, písanie komentáru rovno ku kódu</a:t>
             </a:r>
-            <a:endParaRPr lang="sk-SK" sz="2000" kern="0" smtClean="0">
-              <a:ln w="18415" cmpd="sng">
-                <a:noFill/>
-                <a:prstDash val="solid"/>
-              </a:ln>
-              <a:solidFill>
-                <a:srgbClr val="FFFFFF"/>
-              </a:solidFill>
-              <a:effectLst>
-                <a:outerShdw blurRad="50800" dist="38100" dir="2700000" algn="tl" rotWithShape="0">
-                  <a:prstClr val="black">
-                    <a:alpha val="40000"/>
-                  </a:prstClr>
-                </a:outerShdw>
-              </a:effectLst>
-              <a:latin typeface="Times New Roman" pitchFamily="18" charset="0"/>
-              <a:cs typeface="Times New Roman" pitchFamily="18" charset="0"/>
-            </a:endParaRPr>
           </a:p>
           <a:p>
             <a:pPr>
@@ -15220,28 +14992,7 @@
                 <a:latin typeface="Times New Roman" pitchFamily="18" charset="0"/>
                 <a:cs typeface="Times New Roman" pitchFamily="18" charset="0"/>
               </a:rPr>
-              <a:t>Funkcionálne </a:t>
-            </a:r>
-            <a:r>
-              <a:rPr lang="sk-SK" sz="3200" b="1" kern="0" smtClean="0">
-                <a:ln w="18415" cmpd="sng">
-                  <a:noFill/>
-                  <a:prstDash val="solid"/>
-                </a:ln>
-                <a:solidFill>
-                  <a:srgbClr val="FFFFFF"/>
-                </a:solidFill>
-                <a:effectLst>
-                  <a:outerShdw blurRad="50800" dist="38100" dir="2700000" algn="tl" rotWithShape="0">
-                    <a:prstClr val="black">
-                      <a:alpha val="40000"/>
-                    </a:prstClr>
-                  </a:outerShdw>
-                </a:effectLst>
-                <a:latin typeface="Times New Roman" pitchFamily="18" charset="0"/>
-                <a:cs typeface="Times New Roman" pitchFamily="18" charset="0"/>
-              </a:rPr>
-              <a:t>požiadavky na editor</a:t>
+              <a:t>Funkcionálne požiadavky na editor</a:t>
             </a:r>
             <a:endParaRPr lang="en-US" sz="3200" b="1" kern="0" dirty="0" smtClean="0">
               <a:ln w="18415" cmpd="sng">
@@ -15497,49 +15248,7 @@
                 <a:latin typeface="Times New Roman" pitchFamily="18" charset="0"/>
                 <a:cs typeface="Times New Roman" pitchFamily="18" charset="0"/>
               </a:rPr>
-              <a:t> Modernejšie </a:t>
-            </a:r>
-            <a:r>
-              <a:rPr lang="sk-SK" sz="2000" kern="0" smtClean="0">
-                <a:ln w="18415" cmpd="sng">
-                  <a:noFill/>
-                  <a:prstDash val="solid"/>
-                </a:ln>
-                <a:solidFill>
-                  <a:srgbClr val="FFFFFF"/>
-                </a:solidFill>
-                <a:effectLst>
-                  <a:outerShdw blurRad="50800" dist="38100" dir="2700000" algn="tl" rotWithShape="0">
-                    <a:prstClr val="black">
-                      <a:alpha val="40000"/>
-                    </a:prstClr>
-                  </a:outerShdw>
-                </a:effectLst>
-                <a:latin typeface="Times New Roman" pitchFamily="18" charset="0"/>
-                <a:cs typeface="Times New Roman" pitchFamily="18" charset="0"/>
-              </a:rPr>
-              <a:t>používateľské </a:t>
-            </a:r>
-            <a:r>
-              <a:rPr lang="sk-SK" sz="2000" kern="0" smtClean="0">
-                <a:ln w="18415" cmpd="sng">
-                  <a:noFill/>
-                  <a:prstDash val="solid"/>
-                </a:ln>
-                <a:solidFill>
-                  <a:srgbClr val="FFFFFF"/>
-                </a:solidFill>
-                <a:effectLst>
-                  <a:outerShdw blurRad="50800" dist="38100" dir="2700000" algn="tl" rotWithShape="0">
-                    <a:prstClr val="black">
-                      <a:alpha val="40000"/>
-                    </a:prstClr>
-                  </a:outerShdw>
-                </a:effectLst>
-                <a:latin typeface="Times New Roman" pitchFamily="18" charset="0"/>
-                <a:cs typeface="Times New Roman" pitchFamily="18" charset="0"/>
-              </a:rPr>
-              <a:t>prostredie</a:t>
+              <a:t> Modernejšie používateľské prostredie</a:t>
             </a:r>
           </a:p>
           <a:p>
@@ -15632,28 +15341,7 @@
                 <a:latin typeface="Times New Roman" pitchFamily="18" charset="0"/>
                 <a:cs typeface="Times New Roman" pitchFamily="18" charset="0"/>
               </a:rPr>
-              <a:t> </a:t>
-            </a:r>
-            <a:r>
-              <a:rPr lang="sk-SK" sz="2000" kern="0" smtClean="0">
-                <a:ln w="18415" cmpd="sng">
-                  <a:noFill/>
-                  <a:prstDash val="solid"/>
-                </a:ln>
-                <a:solidFill>
-                  <a:srgbClr val="FFFFFF"/>
-                </a:solidFill>
-                <a:effectLst>
-                  <a:outerShdw blurRad="50800" dist="38100" dir="2700000" algn="tl" rotWithShape="0">
-                    <a:prstClr val="black">
-                      <a:alpha val="40000"/>
-                    </a:prstClr>
-                  </a:outerShdw>
-                </a:effectLst>
-                <a:latin typeface="Times New Roman" pitchFamily="18" charset="0"/>
-                <a:cs typeface="Times New Roman" pitchFamily="18" charset="0"/>
-              </a:rPr>
-              <a:t>Prenesenie spracovanie AST stromu na stranu LUA</a:t>
+              <a:t> Prenesenie spracovanie AST stromu na stranu LUA</a:t>
             </a:r>
           </a:p>
           <a:p>
@@ -15715,8 +15403,18 @@
                 <a:latin typeface="Times New Roman" pitchFamily="18" charset="0"/>
                 <a:cs typeface="Times New Roman" pitchFamily="18" charset="0"/>
               </a:rPr>
-              <a:t> </a:t>
-            </a:r>
+              <a:t> Poskytnúť možnosti konfigurácie editora</a:t>
+            </a:r>
+          </a:p>
+          <a:p>
+            <a:pPr lvl="1">
+              <a:lnSpc>
+                <a:spcPct val="150000"/>
+              </a:lnSpc>
+              <a:buFont typeface="Arial" pitchFamily="34" charset="0"/>
+              <a:buChar char="•"/>
+              <a:defRPr/>
+            </a:pPr>
             <a:r>
               <a:rPr lang="sk-SK" sz="2000" kern="0" smtClean="0">
                 <a:ln w="18415" cmpd="sng">
@@ -15736,59 +15434,7 @@
                 <a:latin typeface="Times New Roman" pitchFamily="18" charset="0"/>
                 <a:cs typeface="Times New Roman" pitchFamily="18" charset="0"/>
               </a:rPr>
-              <a:t>Poskytnúť možnosti konfigurácie editora</a:t>
-            </a:r>
-          </a:p>
-          <a:p>
-            <a:pPr lvl="1">
-              <a:lnSpc>
-                <a:spcPct val="150000"/>
-              </a:lnSpc>
-              <a:buFont typeface="Arial" pitchFamily="34" charset="0"/>
-              <a:buChar char="•"/>
-              <a:defRPr/>
-            </a:pPr>
-            <a:r>
-              <a:rPr lang="sk-SK" sz="2000" kern="0" smtClean="0">
-                <a:ln w="18415" cmpd="sng">
-                  <a:noFill/>
-                  <a:prstDash val="solid"/>
-                </a:ln>
-                <a:solidFill>
-                  <a:srgbClr val="FFFFFF"/>
-                </a:solidFill>
-                <a:effectLst>
-                  <a:outerShdw blurRad="50800" dist="38100" dir="2700000" algn="tl" rotWithShape="0">
-                    <a:prstClr val="black">
-                      <a:alpha val="40000"/>
-                    </a:prstClr>
-                  </a:outerShdw>
-                </a:effectLst>
-                <a:latin typeface="Times New Roman" pitchFamily="18" charset="0"/>
-                <a:cs typeface="Times New Roman" pitchFamily="18" charset="0"/>
-              </a:rPr>
-              <a:t> </a:t>
-            </a:r>
-            <a:r>
-              <a:rPr lang="sk-SK" sz="2000" kern="0" smtClean="0">
-                <a:ln w="18415" cmpd="sng">
-                  <a:noFill/>
-                  <a:prstDash val="solid"/>
-                </a:ln>
-                <a:solidFill>
-                  <a:srgbClr val="FFFFFF"/>
-                </a:solidFill>
-                <a:effectLst>
-                  <a:outerShdw blurRad="50800" dist="38100" dir="2700000" algn="tl" rotWithShape="0">
-                    <a:prstClr val="black">
-                      <a:alpha val="40000"/>
-                    </a:prstClr>
-                  </a:outerShdw>
-                </a:effectLst>
-                <a:latin typeface="Times New Roman" pitchFamily="18" charset="0"/>
-                <a:cs typeface="Times New Roman" pitchFamily="18" charset="0"/>
-              </a:rPr>
-              <a:t>Zabudovanie a vytvorenie vlastných Shortcuts</a:t>
+              <a:t> Zabudovanie a vytvorenie vlastných Shortcuts</a:t>
             </a:r>
           </a:p>
           <a:p>
@@ -16316,28 +15962,7 @@
                 <a:latin typeface="Times New Roman" pitchFamily="18" charset="0"/>
                 <a:cs typeface="Times New Roman" pitchFamily="18" charset="0"/>
               </a:rPr>
-              <a:t>Nefunkcionálne </a:t>
-            </a:r>
-            <a:r>
-              <a:rPr lang="sk-SK" sz="3200" b="1" kern="0" smtClean="0">
-                <a:ln w="18415" cmpd="sng">
-                  <a:noFill/>
-                  <a:prstDash val="solid"/>
-                </a:ln>
-                <a:solidFill>
-                  <a:srgbClr val="FFFFFF"/>
-                </a:solidFill>
-                <a:effectLst>
-                  <a:outerShdw blurRad="50800" dist="38100" dir="2700000" algn="tl" rotWithShape="0">
-                    <a:prstClr val="black">
-                      <a:alpha val="40000"/>
-                    </a:prstClr>
-                  </a:outerShdw>
-                </a:effectLst>
-                <a:latin typeface="Times New Roman" pitchFamily="18" charset="0"/>
-                <a:cs typeface="Times New Roman" pitchFamily="18" charset="0"/>
-              </a:rPr>
-              <a:t>požiadavky na editor</a:t>
+              <a:t>Nefunkcionálne požiadavky na editor</a:t>
             </a:r>
             <a:endParaRPr lang="en-US" sz="3200" b="1" kern="0" dirty="0" smtClean="0">
               <a:ln w="18415" cmpd="sng">
@@ -16593,68 +16218,8 @@
                 <a:latin typeface="Times New Roman" pitchFamily="18" charset="0"/>
                 <a:cs typeface="Times New Roman" pitchFamily="18" charset="0"/>
               </a:rPr>
-              <a:t> </a:t>
-            </a:r>
-            <a:r>
-              <a:rPr lang="sk-SK" sz="2000" kern="0" smtClean="0">
-                <a:ln w="18415" cmpd="sng">
-                  <a:noFill/>
-                  <a:prstDash val="solid"/>
-                </a:ln>
-                <a:solidFill>
-                  <a:srgbClr val="FFFFFF"/>
-                </a:solidFill>
-                <a:effectLst>
-                  <a:outerShdw blurRad="50800" dist="38100" dir="2700000" algn="tl" rotWithShape="0">
-                    <a:prstClr val="black">
-                      <a:alpha val="40000"/>
-                    </a:prstClr>
-                  </a:outerShdw>
-                </a:effectLst>
-                <a:latin typeface="Times New Roman" pitchFamily="18" charset="0"/>
-                <a:cs typeface="Times New Roman" pitchFamily="18" charset="0"/>
-              </a:rPr>
-              <a:t>Rýchlosť a </a:t>
-            </a:r>
-            <a:r>
-              <a:rPr lang="sk-SK" sz="2000" kern="0" smtClean="0">
-                <a:ln w="18415" cmpd="sng">
-                  <a:noFill/>
-                  <a:prstDash val="solid"/>
-                </a:ln>
-                <a:solidFill>
-                  <a:srgbClr val="FFFFFF"/>
-                </a:solidFill>
-                <a:effectLst>
-                  <a:outerShdw blurRad="50800" dist="38100" dir="2700000" algn="tl" rotWithShape="0">
-                    <a:prstClr val="black">
-                      <a:alpha val="40000"/>
-                    </a:prstClr>
-                  </a:outerShdw>
-                </a:effectLst>
-                <a:latin typeface="Times New Roman" pitchFamily="18" charset="0"/>
-                <a:cs typeface="Times New Roman" pitchFamily="18" charset="0"/>
-              </a:rPr>
-              <a:t>spoľahlivosť </a:t>
-            </a:r>
-            <a:endParaRPr lang="sk-SK" sz="2000" kern="0" smtClean="0">
-              <a:ln w="18415" cmpd="sng">
-                <a:noFill/>
-                <a:prstDash val="solid"/>
-              </a:ln>
-              <a:solidFill>
-                <a:srgbClr val="FFFFFF"/>
-              </a:solidFill>
-              <a:effectLst>
-                <a:outerShdw blurRad="50800" dist="38100" dir="2700000" algn="tl" rotWithShape="0">
-                  <a:prstClr val="black">
-                    <a:alpha val="40000"/>
-                  </a:prstClr>
-                </a:outerShdw>
-              </a:effectLst>
-              <a:latin typeface="Times New Roman" pitchFamily="18" charset="0"/>
-              <a:cs typeface="Times New Roman" pitchFamily="18" charset="0"/>
-            </a:endParaRPr>
+              <a:t> Rýchlosť a spoľahlivosť </a:t>
+            </a:r>
           </a:p>
           <a:p>
             <a:pPr>
@@ -16715,47 +16280,8 @@
                 <a:latin typeface="Times New Roman" pitchFamily="18" charset="0"/>
                 <a:cs typeface="Times New Roman" pitchFamily="18" charset="0"/>
               </a:rPr>
-              <a:t> Redesign </a:t>
-            </a:r>
-            <a:r>
-              <a:rPr lang="pl-PL" sz="2000" kern="0" smtClean="0">
-                <a:ln w="18415" cmpd="sng">
-                  <a:noFill/>
-                  <a:prstDash val="solid"/>
-                </a:ln>
-                <a:solidFill>
-                  <a:srgbClr val="FFFFFF"/>
-                </a:solidFill>
-                <a:effectLst>
-                  <a:outerShdw blurRad="50800" dist="38100" dir="2700000" algn="tl" rotWithShape="0">
-                    <a:prstClr val="black">
-                      <a:alpha val="40000"/>
-                    </a:prstClr>
-                  </a:outerShdw>
-                </a:effectLst>
-                <a:latin typeface="Times New Roman" pitchFamily="18" charset="0"/>
-                <a:cs typeface="Times New Roman" pitchFamily="18" charset="0"/>
-              </a:rPr>
-              <a:t>používateľského rozhrania GUI</a:t>
-            </a:r>
-            <a:endParaRPr lang="pl-PL" sz="2000" kern="0" smtClean="0">
-              <a:ln w="18415" cmpd="sng">
-                <a:noFill/>
-                <a:prstDash val="solid"/>
-              </a:ln>
-              <a:solidFill>
-                <a:srgbClr val="FFFFFF"/>
-              </a:solidFill>
-              <a:effectLst>
-                <a:outerShdw blurRad="50800" dist="38100" dir="2700000" algn="tl" rotWithShape="0">
-                  <a:prstClr val="black">
-                    <a:alpha val="40000"/>
-                  </a:prstClr>
-                </a:outerShdw>
-              </a:effectLst>
-              <a:latin typeface="Times New Roman" pitchFamily="18" charset="0"/>
-              <a:cs typeface="Times New Roman" pitchFamily="18" charset="0"/>
-            </a:endParaRPr>
+              <a:t> Redesign používateľského rozhrania GUI</a:t>
+            </a:r>
           </a:p>
         </p:txBody>
       </p:sp>
@@ -17254,28 +16780,7 @@
                 <a:latin typeface="Times New Roman" pitchFamily="18" charset="0"/>
                 <a:cs typeface="Times New Roman" pitchFamily="18" charset="0"/>
               </a:rPr>
-              <a:t>Architektúra </a:t>
-            </a:r>
-            <a:r>
-              <a:rPr lang="sk-SK" sz="3200" b="1" kern="0" smtClean="0">
-                <a:ln w="18415" cmpd="sng">
-                  <a:noFill/>
-                  <a:prstDash val="solid"/>
-                </a:ln>
-                <a:solidFill>
-                  <a:srgbClr val="FFFFFF"/>
-                </a:solidFill>
-                <a:effectLst>
-                  <a:outerShdw blurRad="50800" dist="38100" dir="2700000" algn="tl" rotWithShape="0">
-                    <a:prstClr val="black">
-                      <a:alpha val="40000"/>
-                    </a:prstClr>
-                  </a:outerShdw>
-                </a:effectLst>
-                <a:latin typeface="Times New Roman" pitchFamily="18" charset="0"/>
-                <a:cs typeface="Times New Roman" pitchFamily="18" charset="0"/>
-              </a:rPr>
-              <a:t>riešenia</a:t>
+              <a:t>Architektúra riešenia</a:t>
             </a:r>
           </a:p>
         </p:txBody>

--- a/Dokumentacie/Ostatne/Innovators.pptx
+++ b/Dokumentacie/Ostatne/Innovators.pptx
@@ -5828,28 +5828,7 @@
                 <a:latin typeface="Times New Roman" pitchFamily="18" charset="0"/>
                 <a:cs typeface="Times New Roman" pitchFamily="18" charset="0"/>
               </a:rPr>
-              <a:t> </a:t>
-            </a:r>
-            <a:r>
-              <a:rPr lang="pl-PL" sz="2000" kern="0" dirty="0" smtClean="0">
-                <a:ln w="18415" cmpd="sng">
-                  <a:noFill/>
-                  <a:prstDash val="solid"/>
-                </a:ln>
-                <a:solidFill>
-                  <a:srgbClr val="FFFFFF"/>
-                </a:solidFill>
-                <a:effectLst>
-                  <a:outerShdw blurRad="50800" dist="38100" dir="2700000" algn="tl" rotWithShape="0">
-                    <a:prstClr val="black">
-                      <a:alpha val="40000"/>
-                    </a:prstClr>
-                  </a:outerShdw>
-                </a:effectLst>
-                <a:latin typeface="Times New Roman" pitchFamily="18" charset="0"/>
-                <a:cs typeface="Times New Roman" pitchFamily="18" charset="0"/>
-              </a:rPr>
-              <a:t>grafickymi prvkami </a:t>
+              <a:t> grafickymi prvkami </a:t>
             </a:r>
             <a:r>
               <a:rPr lang="pl-PL" sz="2000" kern="0" dirty="0" smtClean="0">
@@ -6390,14 +6369,66 @@
       </p:grpSpPr>
       <p:sp>
         <p:nvSpPr>
+          <p:cNvPr id="2" name="Obdĺžnik 1"/>
+          <p:cNvSpPr/>
+          <p:nvPr/>
+        </p:nvSpPr>
+        <p:spPr>
+          <a:xfrm>
+            <a:off x="719981" y="2401937"/>
+            <a:ext cx="7056784" cy="3005760"/>
+          </a:xfrm>
+          <a:prstGeom prst="rect">
+            <a:avLst/>
+          </a:prstGeom>
+          <a:solidFill>
+            <a:schemeClr val="bg1"/>
+          </a:solidFill>
+          <a:ln>
+            <a:solidFill>
+              <a:schemeClr val="bg1"/>
+            </a:solidFill>
+          </a:ln>
+        </p:spPr>
+        <p:style>
+          <a:lnRef idx="2">
+            <a:schemeClr val="accent1">
+              <a:shade val="50000"/>
+            </a:schemeClr>
+          </a:lnRef>
+          <a:fillRef idx="1">
+            <a:schemeClr val="accent1"/>
+          </a:fillRef>
+          <a:effectRef idx="0">
+            <a:schemeClr val="accent1"/>
+          </a:effectRef>
+          <a:fontRef idx="minor">
+            <a:schemeClr val="lt1"/>
+          </a:fontRef>
+        </p:style>
+        <p:txBody>
+          <a:bodyPr rtlCol="0" anchor="ctr"/>
+          <a:lstStyle/>
+          <a:p>
+            <a:pPr algn="ctr"/>
+            <a:endParaRPr lang="sk-SK">
+              <a:solidFill>
+                <a:schemeClr val="bg1"/>
+              </a:solidFill>
+            </a:endParaRPr>
+          </a:p>
+        </p:txBody>
+      </p:sp>
+      <p:sp>
+        <p:nvSpPr>
           <p:cNvPr id="22" name="Round Same Side Corner Rectangle 15"/>
           <p:cNvSpPr/>
           <p:nvPr/>
         </p:nvSpPr>
         <p:spPr bwMode="auto">
           <a:xfrm rot="5400000">
-            <a:off x="2393157" y="-1393045"/>
-            <a:ext cx="4071966" cy="8858280"/>
+            <a:off x="3860486" y="-2860374"/>
+            <a:ext cx="1137308" cy="8858280"/>
           </a:xfrm>
           <a:prstGeom prst="round2SameRect">
             <a:avLst/>
@@ -6815,7 +6846,7 @@
         <p:spPr>
           <a:xfrm>
             <a:off x="428596" y="1142988"/>
-            <a:ext cx="8286808" cy="461665"/>
+            <a:ext cx="8286808" cy="923330"/>
           </a:xfrm>
           <a:prstGeom prst="rect">
             <a:avLst/>
@@ -6837,7 +6868,7 @@
               <a:defRPr/>
             </a:pPr>
             <a:r>
-              <a:rPr lang="pl-PL" sz="2000" kern="0" smtClean="0">
+              <a:rPr lang="en-US" sz="2000" kern="0" dirty="0" smtClean="0">
                 <a:ln w="18415" cmpd="sng">
                   <a:noFill/>
                   <a:prstDash val="solid"/>
@@ -6855,11 +6886,208 @@
                 <a:latin typeface="Times New Roman" pitchFamily="18" charset="0"/>
                 <a:cs typeface="Times New Roman" pitchFamily="18" charset="0"/>
               </a:rPr>
-              <a:t> niečo k tomu, obrázok, ako funguje AST strom (obr)</a:t>
-            </a:r>
+              <a:t>Abstract Syntax Tree – </a:t>
+            </a:r>
+            <a:r>
+              <a:rPr lang="en-US" sz="2000" kern="0" dirty="0" err="1" smtClean="0">
+                <a:ln w="18415" cmpd="sng">
+                  <a:noFill/>
+                  <a:prstDash val="solid"/>
+                </a:ln>
+                <a:solidFill>
+                  <a:srgbClr val="FFFFFF"/>
+                </a:solidFill>
+                <a:effectLst>
+                  <a:outerShdw blurRad="50800" dist="38100" dir="2700000" algn="tl" rotWithShape="0">
+                    <a:prstClr val="black">
+                      <a:alpha val="40000"/>
+                    </a:prstClr>
+                  </a:outerShdw>
+                </a:effectLst>
+                <a:latin typeface="Times New Roman" pitchFamily="18" charset="0"/>
+                <a:cs typeface="Times New Roman" pitchFamily="18" charset="0"/>
+              </a:rPr>
+              <a:t>stromov</a:t>
+            </a:r>
+            <a:r>
+              <a:rPr lang="sk-SK" sz="2000" kern="0" dirty="0" smtClean="0">
+                <a:ln w="18415" cmpd="sng">
+                  <a:noFill/>
+                  <a:prstDash val="solid"/>
+                </a:ln>
+                <a:solidFill>
+                  <a:srgbClr val="FFFFFF"/>
+                </a:solidFill>
+                <a:effectLst>
+                  <a:outerShdw blurRad="50800" dist="38100" dir="2700000" algn="tl" rotWithShape="0">
+                    <a:prstClr val="black">
+                      <a:alpha val="40000"/>
+                    </a:prstClr>
+                  </a:outerShdw>
+                </a:effectLst>
+                <a:latin typeface="Times New Roman" pitchFamily="18" charset="0"/>
+                <a:cs typeface="Times New Roman" pitchFamily="18" charset="0"/>
+              </a:rPr>
+              <a:t>á reprezentácia štruktúry zdrojového kódu</a:t>
+            </a:r>
+          </a:p>
+          <a:p>
+            <a:pPr>
+              <a:lnSpc>
+                <a:spcPct val="150000"/>
+              </a:lnSpc>
+              <a:buFont typeface="Arial" pitchFamily="34" charset="0"/>
+              <a:buChar char="•"/>
+              <a:defRPr/>
+            </a:pPr>
+            <a:r>
+              <a:rPr lang="sk-SK" sz="2000" kern="0" dirty="0" smtClean="0">
+                <a:ln w="18415" cmpd="sng">
+                  <a:noFill/>
+                  <a:prstDash val="solid"/>
+                </a:ln>
+                <a:solidFill>
+                  <a:srgbClr val="FFFFFF"/>
+                </a:solidFill>
+                <a:effectLst>
+                  <a:outerShdw blurRad="50800" dist="38100" dir="2700000" algn="tl" rotWithShape="0">
+                    <a:prstClr val="black">
+                      <a:alpha val="40000"/>
+                    </a:prstClr>
+                  </a:outerShdw>
+                </a:effectLst>
+                <a:latin typeface="Times New Roman" pitchFamily="18" charset="0"/>
+                <a:cs typeface="Times New Roman" pitchFamily="18" charset="0"/>
+              </a:rPr>
+              <a:t>Abstraktný</a:t>
+            </a:r>
+            <a:r>
+              <a:rPr lang="en-US" sz="2000" kern="0" dirty="0" smtClean="0">
+                <a:ln w="18415" cmpd="sng">
+                  <a:noFill/>
+                  <a:prstDash val="solid"/>
+                </a:ln>
+                <a:solidFill>
+                  <a:srgbClr val="FFFFFF"/>
+                </a:solidFill>
+                <a:effectLst>
+                  <a:outerShdw blurRad="50800" dist="38100" dir="2700000" algn="tl" rotWithShape="0">
+                    <a:prstClr val="black">
+                      <a:alpha val="40000"/>
+                    </a:prstClr>
+                  </a:outerShdw>
+                </a:effectLst>
+                <a:latin typeface="Times New Roman" pitchFamily="18" charset="0"/>
+                <a:cs typeface="Times New Roman" pitchFamily="18" charset="0"/>
+              </a:rPr>
+              <a:t> =</a:t>
+            </a:r>
+            <a:r>
+              <a:rPr lang="sk-SK" sz="2000" kern="0" dirty="0" smtClean="0">
+                <a:ln w="18415" cmpd="sng">
+                  <a:noFill/>
+                  <a:prstDash val="solid"/>
+                </a:ln>
+                <a:solidFill>
+                  <a:srgbClr val="FFFFFF"/>
+                </a:solidFill>
+                <a:effectLst>
+                  <a:outerShdw blurRad="50800" dist="38100" dir="2700000" algn="tl" rotWithShape="0">
+                    <a:prstClr val="black">
+                      <a:alpha val="40000"/>
+                    </a:prstClr>
+                  </a:outerShdw>
+                </a:effectLst>
+                <a:latin typeface="Times New Roman" pitchFamily="18" charset="0"/>
+                <a:cs typeface="Times New Roman" pitchFamily="18" charset="0"/>
+              </a:rPr>
+              <a:t> neviaže sa na konkrétny programovací jazyk</a:t>
+            </a:r>
+            <a:endParaRPr lang="pl-PL" sz="2000" kern="0" dirty="0" smtClean="0">
+              <a:ln w="18415" cmpd="sng">
+                <a:noFill/>
+                <a:prstDash val="solid"/>
+              </a:ln>
+              <a:solidFill>
+                <a:srgbClr val="FFFFFF"/>
+              </a:solidFill>
+              <a:effectLst>
+                <a:outerShdw blurRad="50800" dist="38100" dir="2700000" algn="tl" rotWithShape="0">
+                  <a:prstClr val="black">
+                    <a:alpha val="40000"/>
+                  </a:prstClr>
+                </a:outerShdw>
+              </a:effectLst>
+              <a:latin typeface="Times New Roman" pitchFamily="18" charset="0"/>
+              <a:cs typeface="Times New Roman" pitchFamily="18" charset="0"/>
+            </a:endParaRPr>
           </a:p>
         </p:txBody>
       </p:sp>
+      <p:pic>
+        <p:nvPicPr>
+          <p:cNvPr id="1026" name="Picture 2"/>
+          <p:cNvPicPr>
+            <a:picLocks noChangeAspect="1" noChangeArrowheads="1"/>
+          </p:cNvPicPr>
+          <p:nvPr/>
+        </p:nvPicPr>
+        <p:blipFill>
+          <a:blip r:embed="rId3" cstate="print">
+            <a:extLst>
+              <a:ext uri="{28A0092B-C50C-407E-A947-70E740481C1C}">
+                <a14:useLocalDpi xmlns:a14="http://schemas.microsoft.com/office/drawing/2010/main" val="0"/>
+              </a:ext>
+            </a:extLst>
+          </a:blip>
+          <a:srcRect/>
+          <a:stretch>
+            <a:fillRect/>
+          </a:stretch>
+        </p:blipFill>
+        <p:spPr bwMode="auto">
+          <a:xfrm>
+            <a:off x="1728430" y="2652266"/>
+            <a:ext cx="5401419" cy="2505101"/>
+          </a:xfrm>
+          <a:prstGeom prst="rect">
+            <a:avLst/>
+          </a:prstGeom>
+          <a:noFill/>
+          <a:ln>
+            <a:noFill/>
+          </a:ln>
+          <a:effectLst/>
+          <a:extLst>
+            <a:ext uri="{909E8E84-426E-40DD-AFC4-6F175D3DCCD1}">
+              <a14:hiddenFill xmlns:a14="http://schemas.microsoft.com/office/drawing/2010/main">
+                <a:solidFill>
+                  <a:schemeClr val="accent1"/>
+                </a:solidFill>
+              </a14:hiddenFill>
+            </a:ext>
+            <a:ext uri="{91240B29-F687-4F45-9708-019B960494DF}">
+              <a14:hiddenLine xmlns:a14="http://schemas.microsoft.com/office/drawing/2010/main" w="9525">
+                <a:solidFill>
+                  <a:schemeClr val="tx1"/>
+                </a:solidFill>
+                <a:miter lim="800000"/>
+                <a:headEnd/>
+                <a:tailEnd/>
+              </a14:hiddenLine>
+            </a:ext>
+            <a:ext uri="{AF507438-7753-43E0-B8FC-AC1667EBCBE1}">
+              <a14:hiddenEffects xmlns:a14="http://schemas.microsoft.com/office/drawing/2010/main">
+                <a:effectLst>
+                  <a:outerShdw dist="35921" dir="2700000" algn="ctr" rotWithShape="0">
+                    <a:schemeClr val="bg2"/>
+                  </a:outerShdw>
+                </a:effectLst>
+              </a14:hiddenEffects>
+            </a:ext>
+          </a:extLst>
+        </p:spPr>
+      </p:pic>
     </p:spTree>
   </p:cSld>
   <p:clrMapOvr>

--- a/Dokumentacie/Ostatne/Innovators.pptx
+++ b/Dokumentacie/Ostatne/Innovators.pptx
@@ -5,7 +5,7 @@
     <p:sldMasterId id="2147483648" r:id="rId1"/>
   </p:sldMasterIdLst>
   <p:notesMasterIdLst>
-    <p:notesMasterId r:id="rId17"/>
+    <p:notesMasterId r:id="rId18"/>
   </p:notesMasterIdLst>
   <p:sldIdLst>
     <p:sldId id="270" r:id="rId2"/>
@@ -14,15 +14,16 @@
     <p:sldId id="276" r:id="rId5"/>
     <p:sldId id="274" r:id="rId6"/>
     <p:sldId id="277" r:id="rId7"/>
-    <p:sldId id="279" r:id="rId8"/>
-    <p:sldId id="283" r:id="rId9"/>
-    <p:sldId id="278" r:id="rId10"/>
-    <p:sldId id="281" r:id="rId11"/>
-    <p:sldId id="284" r:id="rId12"/>
-    <p:sldId id="280" r:id="rId13"/>
-    <p:sldId id="282" r:id="rId14"/>
-    <p:sldId id="260" r:id="rId15"/>
-    <p:sldId id="271" r:id="rId16"/>
+    <p:sldId id="285" r:id="rId8"/>
+    <p:sldId id="279" r:id="rId9"/>
+    <p:sldId id="283" r:id="rId10"/>
+    <p:sldId id="278" r:id="rId11"/>
+    <p:sldId id="281" r:id="rId12"/>
+    <p:sldId id="284" r:id="rId13"/>
+    <p:sldId id="280" r:id="rId14"/>
+    <p:sldId id="282" r:id="rId15"/>
+    <p:sldId id="260" r:id="rId16"/>
+    <p:sldId id="271" r:id="rId17"/>
   </p:sldIdLst>
   <p:sldSz cx="9144000" cy="5715000" type="screen16x10"/>
   <p:notesSz cx="6858000" cy="9144000"/>
@@ -207,7 +208,7 @@
             <a:fld id="{82B7A3F9-BCEB-4C76-8FC4-05420772FFD2}" type="datetimeFigureOut">
               <a:rPr lang="sk-SK" smtClean="0"/>
               <a:pPr/>
-              <a:t>14. 12. 2011</a:t>
+              <a:t>15. 12. 2011</a:t>
             </a:fld>
             <a:endParaRPr lang="sk-SK"/>
           </a:p>
@@ -378,7 +379,7 @@
     </p:spTree>
     <p:extLst>
       <p:ext uri="{BB962C8B-B14F-4D97-AF65-F5344CB8AC3E}">
-        <p14:creationId xmlns:p14="http://schemas.microsoft.com/office/powerpoint/2010/main" val="4100813840"/>
+        <p14:creationId xmlns:p14="http://schemas.microsoft.com/office/powerpoint/2010/main" xmlns="" val="4100813840"/>
       </p:ext>
     </p:extLst>
   </p:cSld>
@@ -810,65 +811,13 @@
           </a:bodyPr>
           <a:lstStyle/>
           <a:p>
-            <a:pPr>
-              <a:lnSpc>
-                <a:spcPct val="150000"/>
-              </a:lnSpc>
-              <a:buFont typeface="Arial" pitchFamily="34" charset="0"/>
-              <a:buNone/>
-              <a:defRPr/>
-            </a:pPr>
-            <a:r>
-              <a:rPr lang="sk-SK" sz="2000" kern="0" smtClean="0">
-                <a:ln w="18415" cmpd="sng">
-                  <a:noFill/>
-                  <a:prstDash val="solid"/>
-                </a:ln>
-                <a:solidFill>
-                  <a:srgbClr val="FFFFFF"/>
-                </a:solidFill>
-                <a:effectLst>
-                  <a:outerShdw blurRad="50800" dist="38100" dir="2700000" algn="tl" rotWithShape="0">
-                    <a:prstClr val="black">
-                      <a:alpha val="40000"/>
-                    </a:prstClr>
-                  </a:outerShdw>
-                </a:effectLst>
-                <a:latin typeface="Times New Roman" pitchFamily="18" charset="0"/>
-                <a:cs typeface="Times New Roman" pitchFamily="18" charset="0"/>
-              </a:rPr>
-              <a:t>Shortcuts - prípava pre ich konfigurovateľnosť</a:t>
-            </a:r>
-          </a:p>
-          <a:p>
-            <a:pPr>
-              <a:lnSpc>
-                <a:spcPct val="150000"/>
-              </a:lnSpc>
-              <a:buFont typeface="Arial" pitchFamily="34" charset="0"/>
-              <a:buNone/>
-              <a:defRPr/>
-            </a:pPr>
-            <a:r>
-              <a:rPr lang="sk-SK" sz="2000" kern="0" smtClean="0">
-                <a:ln w="18415" cmpd="sng">
-                  <a:noFill/>
-                  <a:prstDash val="solid"/>
-                </a:ln>
-                <a:solidFill>
-                  <a:srgbClr val="FFFFFF"/>
-                </a:solidFill>
-                <a:effectLst>
-                  <a:outerShdw blurRad="50800" dist="38100" dir="2700000" algn="tl" rotWithShape="0">
-                    <a:prstClr val="black">
-                      <a:alpha val="40000"/>
-                    </a:prstClr>
-                  </a:outerShdw>
-                </a:effectLst>
-                <a:latin typeface="Times New Roman" pitchFamily="18" charset="0"/>
-                <a:cs typeface="Times New Roman" pitchFamily="18" charset="0"/>
-              </a:rPr>
-              <a:t>Paralelizmus je na ceste</a:t>
+            <a:r>
+              <a:rPr lang="sk-SK" smtClean="0"/>
+              <a:t>Schopný analyzovať akúkoľvek</a:t>
+            </a:r>
+            <a:r>
+              <a:rPr lang="sk-SK" baseline="0" smtClean="0"/>
+              <a:t> gramatiku, pokiaľ má dodanú jej štruktúru</a:t>
             </a:r>
             <a:endParaRPr lang="sk-SK" dirty="0"/>
           </a:p>
@@ -952,6 +901,66 @@
           </a:bodyPr>
           <a:lstStyle/>
           <a:p>
+            <a:pPr>
+              <a:lnSpc>
+                <a:spcPct val="150000"/>
+              </a:lnSpc>
+              <a:buFont typeface="Arial" pitchFamily="34" charset="0"/>
+              <a:buNone/>
+              <a:defRPr/>
+            </a:pPr>
+            <a:r>
+              <a:rPr lang="sk-SK" sz="2000" kern="0" smtClean="0">
+                <a:ln w="18415" cmpd="sng">
+                  <a:noFill/>
+                  <a:prstDash val="solid"/>
+                </a:ln>
+                <a:solidFill>
+                  <a:srgbClr val="FFFFFF"/>
+                </a:solidFill>
+                <a:effectLst>
+                  <a:outerShdw blurRad="50800" dist="38100" dir="2700000" algn="tl" rotWithShape="0">
+                    <a:prstClr val="black">
+                      <a:alpha val="40000"/>
+                    </a:prstClr>
+                  </a:outerShdw>
+                </a:effectLst>
+                <a:latin typeface="Times New Roman" pitchFamily="18" charset="0"/>
+                <a:cs typeface="Times New Roman" pitchFamily="18" charset="0"/>
+              </a:rPr>
+              <a:t>Shortcuts - prípava pre ich konfigurovateľnosť</a:t>
+            </a:r>
+          </a:p>
+          <a:p>
+            <a:pPr>
+              <a:lnSpc>
+                <a:spcPct val="150000"/>
+              </a:lnSpc>
+              <a:buFont typeface="Arial" pitchFamily="34" charset="0"/>
+              <a:buNone/>
+              <a:defRPr/>
+            </a:pPr>
+            <a:r>
+              <a:rPr lang="sk-SK" sz="2000" kern="0" smtClean="0">
+                <a:ln w="18415" cmpd="sng">
+                  <a:noFill/>
+                  <a:prstDash val="solid"/>
+                </a:ln>
+                <a:solidFill>
+                  <a:srgbClr val="FFFFFF"/>
+                </a:solidFill>
+                <a:effectLst>
+                  <a:outerShdw blurRad="50800" dist="38100" dir="2700000" algn="tl" rotWithShape="0">
+                    <a:prstClr val="black">
+                      <a:alpha val="40000"/>
+                    </a:prstClr>
+                  </a:outerShdw>
+                </a:effectLst>
+                <a:latin typeface="Times New Roman" pitchFamily="18" charset="0"/>
+                <a:cs typeface="Times New Roman" pitchFamily="18" charset="0"/>
+              </a:rPr>
+              <a:t>Paralelizmus je na ceste</a:t>
+            </a:r>
             <a:endParaRPr lang="sk-SK" dirty="0"/>
           </a:p>
         </p:txBody>
@@ -1034,30 +1043,6 @@
           </a:bodyPr>
           <a:lstStyle/>
           <a:p>
-            <a:r>
-              <a:rPr lang="sk-SK" dirty="0" smtClean="0"/>
-              <a:t>Možno </a:t>
-            </a:r>
-            <a:r>
-              <a:rPr lang="sk-SK" dirty="0" err="1" smtClean="0"/>
-              <a:t>nejake</a:t>
-            </a:r>
-            <a:r>
-              <a:rPr lang="sk-SK" dirty="0" smtClean="0"/>
-              <a:t> video</a:t>
-            </a:r>
-            <a:r>
-              <a:rPr lang="sk-SK" baseline="0" dirty="0" smtClean="0"/>
-              <a:t> ale lepšie by bolo </a:t>
-            </a:r>
-            <a:r>
-              <a:rPr lang="sk-SK" baseline="0" dirty="0" err="1" smtClean="0"/>
-              <a:t>ukažka</a:t>
-            </a:r>
-            <a:r>
-              <a:rPr lang="sk-SK" baseline="0" dirty="0" smtClean="0"/>
-              <a:t> programu </a:t>
-            </a:r>
             <a:endParaRPr lang="sk-SK" dirty="0"/>
           </a:p>
         </p:txBody>
@@ -1081,6 +1066,112 @@
               <a:rPr lang="sk-SK" smtClean="0"/>
               <a:pPr/>
               <a:t>14</a:t>
+            </a:fld>
+            <a:endParaRPr lang="sk-SK"/>
+          </a:p>
+        </p:txBody>
+      </p:sp>
+    </p:spTree>
+  </p:cSld>
+  <p:clrMapOvr>
+    <a:masterClrMapping/>
+  </p:clrMapOvr>
+</p:notes>
+</file>
+
+<file path=ppt/notesSlides/notesSlide15.xml><?xml version="1.0" encoding="utf-8"?>
+<p:notes xmlns:a="http://schemas.openxmlformats.org/drawingml/2006/main" xmlns:r="http://schemas.openxmlformats.org/officeDocument/2006/relationships" xmlns:p="http://schemas.openxmlformats.org/presentationml/2006/main">
+  <p:cSld>
+    <p:spTree>
+      <p:nvGrpSpPr>
+        <p:cNvPr id="1" name=""/>
+        <p:cNvGrpSpPr/>
+        <p:nvPr/>
+      </p:nvGrpSpPr>
+      <p:grpSpPr>
+        <a:xfrm>
+          <a:off x="0" y="0"/>
+          <a:ext cx="0" cy="0"/>
+          <a:chOff x="0" y="0"/>
+          <a:chExt cx="0" cy="0"/>
+        </a:xfrm>
+      </p:grpSpPr>
+      <p:sp>
+        <p:nvSpPr>
+          <p:cNvPr id="2" name="Zástupný symbol obrazu snímky 1"/>
+          <p:cNvSpPr>
+            <a:spLocks noGrp="1" noRot="1" noChangeAspect="1"/>
+          </p:cNvSpPr>
+          <p:nvPr>
+            <p:ph type="sldImg"/>
+          </p:nvPr>
+        </p:nvSpPr>
+        <p:spPr/>
+      </p:sp>
+      <p:sp>
+        <p:nvSpPr>
+          <p:cNvPr id="3" name="Zástupný symbol poznámok 2"/>
+          <p:cNvSpPr>
+            <a:spLocks noGrp="1"/>
+          </p:cNvSpPr>
+          <p:nvPr>
+            <p:ph type="body" idx="1"/>
+          </p:nvPr>
+        </p:nvSpPr>
+        <p:spPr/>
+        <p:txBody>
+          <a:bodyPr>
+            <a:normAutofit/>
+          </a:bodyPr>
+          <a:lstStyle/>
+          <a:p>
+            <a:r>
+              <a:rPr lang="sk-SK" dirty="0" smtClean="0"/>
+              <a:t>Možno </a:t>
+            </a:r>
+            <a:r>
+              <a:rPr lang="sk-SK" dirty="0" err="1" smtClean="0"/>
+              <a:t>nejake</a:t>
+            </a:r>
+            <a:r>
+              <a:rPr lang="sk-SK" dirty="0" smtClean="0"/>
+              <a:t> video</a:t>
+            </a:r>
+            <a:r>
+              <a:rPr lang="sk-SK" baseline="0" dirty="0" smtClean="0"/>
+              <a:t> ale lepšie by bolo </a:t>
+            </a:r>
+            <a:r>
+              <a:rPr lang="sk-SK" baseline="0" dirty="0" err="1" smtClean="0"/>
+              <a:t>ukažka</a:t>
+            </a:r>
+            <a:r>
+              <a:rPr lang="sk-SK" baseline="0" dirty="0" smtClean="0"/>
+              <a:t> programu </a:t>
+            </a:r>
+            <a:endParaRPr lang="sk-SK" dirty="0"/>
+          </a:p>
+        </p:txBody>
+      </p:sp>
+      <p:sp>
+        <p:nvSpPr>
+          <p:cNvPr id="4" name="Zástupný symbol čísla snímky 3"/>
+          <p:cNvSpPr>
+            <a:spLocks noGrp="1"/>
+          </p:cNvSpPr>
+          <p:nvPr>
+            <p:ph type="sldNum" sz="quarter" idx="10"/>
+          </p:nvPr>
+        </p:nvSpPr>
+        <p:spPr/>
+        <p:txBody>
+          <a:bodyPr/>
+          <a:lstStyle/>
+          <a:p>
+            <a:fld id="{7D50ED8A-6824-479D-836F-3084D76D034C}" type="slidenum">
+              <a:rPr lang="sk-SK" smtClean="0"/>
+              <a:pPr/>
+              <a:t>15</a:t>
             </a:fld>
             <a:endParaRPr lang="sk-SK"/>
           </a:p>
@@ -1944,7 +2035,7 @@
             <a:fld id="{2477B2F8-1EF3-4AA0-91F5-D85CDF3E96B3}" type="datetimeFigureOut">
               <a:rPr lang="sk-SK" smtClean="0"/>
               <a:pPr/>
-              <a:t>14. 12. 2011</a:t>
+              <a:t>15. 12. 2011</a:t>
             </a:fld>
             <a:endParaRPr lang="sk-SK"/>
           </a:p>
@@ -2114,7 +2205,7 @@
             <a:fld id="{2477B2F8-1EF3-4AA0-91F5-D85CDF3E96B3}" type="datetimeFigureOut">
               <a:rPr lang="sk-SK" smtClean="0"/>
               <a:pPr/>
-              <a:t>14. 12. 2011</a:t>
+              <a:t>15. 12. 2011</a:t>
             </a:fld>
             <a:endParaRPr lang="sk-SK"/>
           </a:p>
@@ -2294,7 +2385,7 @@
             <a:fld id="{2477B2F8-1EF3-4AA0-91F5-D85CDF3E96B3}" type="datetimeFigureOut">
               <a:rPr lang="sk-SK" smtClean="0"/>
               <a:pPr/>
-              <a:t>14. 12. 2011</a:t>
+              <a:t>15. 12. 2011</a:t>
             </a:fld>
             <a:endParaRPr lang="sk-SK"/>
           </a:p>
@@ -2464,7 +2555,7 @@
             <a:fld id="{2477B2F8-1EF3-4AA0-91F5-D85CDF3E96B3}" type="datetimeFigureOut">
               <a:rPr lang="sk-SK" smtClean="0"/>
               <a:pPr/>
-              <a:t>14. 12. 2011</a:t>
+              <a:t>15. 12. 2011</a:t>
             </a:fld>
             <a:endParaRPr lang="sk-SK"/>
           </a:p>
@@ -2710,7 +2801,7 @@
             <a:fld id="{2477B2F8-1EF3-4AA0-91F5-D85CDF3E96B3}" type="datetimeFigureOut">
               <a:rPr lang="sk-SK" smtClean="0"/>
               <a:pPr/>
-              <a:t>14. 12. 2011</a:t>
+              <a:t>15. 12. 2011</a:t>
             </a:fld>
             <a:endParaRPr lang="sk-SK"/>
           </a:p>
@@ -2998,7 +3089,7 @@
             <a:fld id="{2477B2F8-1EF3-4AA0-91F5-D85CDF3E96B3}" type="datetimeFigureOut">
               <a:rPr lang="sk-SK" smtClean="0"/>
               <a:pPr/>
-              <a:t>14. 12. 2011</a:t>
+              <a:t>15. 12. 2011</a:t>
             </a:fld>
             <a:endParaRPr lang="sk-SK"/>
           </a:p>
@@ -3425,7 +3516,7 @@
             <a:fld id="{2477B2F8-1EF3-4AA0-91F5-D85CDF3E96B3}" type="datetimeFigureOut">
               <a:rPr lang="sk-SK" smtClean="0"/>
               <a:pPr/>
-              <a:t>14. 12. 2011</a:t>
+              <a:t>15. 12. 2011</a:t>
             </a:fld>
             <a:endParaRPr lang="sk-SK"/>
           </a:p>
@@ -3543,7 +3634,7 @@
             <a:fld id="{2477B2F8-1EF3-4AA0-91F5-D85CDF3E96B3}" type="datetimeFigureOut">
               <a:rPr lang="sk-SK" smtClean="0"/>
               <a:pPr/>
-              <a:t>14. 12. 2011</a:t>
+              <a:t>15. 12. 2011</a:t>
             </a:fld>
             <a:endParaRPr lang="sk-SK"/>
           </a:p>
@@ -3638,7 +3729,7 @@
             <a:fld id="{2477B2F8-1EF3-4AA0-91F5-D85CDF3E96B3}" type="datetimeFigureOut">
               <a:rPr lang="sk-SK" smtClean="0"/>
               <a:pPr/>
-              <a:t>14. 12. 2011</a:t>
+              <a:t>15. 12. 2011</a:t>
             </a:fld>
             <a:endParaRPr lang="sk-SK"/>
           </a:p>
@@ -3915,7 +4006,7 @@
             <a:fld id="{2477B2F8-1EF3-4AA0-91F5-D85CDF3E96B3}" type="datetimeFigureOut">
               <a:rPr lang="sk-SK" smtClean="0"/>
               <a:pPr/>
-              <a:t>14. 12. 2011</a:t>
+              <a:t>15. 12. 2011</a:t>
             </a:fld>
             <a:endParaRPr lang="sk-SK"/>
           </a:p>
@@ -4168,7 +4259,7 @@
             <a:fld id="{2477B2F8-1EF3-4AA0-91F5-D85CDF3E96B3}" type="datetimeFigureOut">
               <a:rPr lang="sk-SK" smtClean="0"/>
               <a:pPr/>
-              <a:t>14. 12. 2011</a:t>
+              <a:t>15. 12. 2011</a:t>
             </a:fld>
             <a:endParaRPr lang="sk-SK"/>
           </a:p>
@@ -4390,7 +4481,7 @@
             <a:fld id="{2477B2F8-1EF3-4AA0-91F5-D85CDF3E96B3}" type="datetimeFigureOut">
               <a:rPr lang="sk-SK" smtClean="0"/>
               <a:pPr/>
-              <a:t>14. 12. 2011</a:t>
+              <a:t>15. 12. 2011</a:t>
             </a:fld>
             <a:endParaRPr lang="sk-SK"/>
           </a:p>
@@ -5171,36 +5262,6 @@
           <a:chExt cx="0" cy="0"/>
         </a:xfrm>
       </p:grpSpPr>
-      <p:pic>
-        <p:nvPicPr>
-          <p:cNvPr id="4" name="Obrázok 3"/>
-          <p:cNvPicPr>
-            <a:picLocks noChangeAspect="1"/>
-          </p:cNvPicPr>
-          <p:nvPr/>
-        </p:nvPicPr>
-        <p:blipFill>
-          <a:blip r:embed="rId3">
-            <a:extLst>
-              <a:ext uri="{28A0092B-C50C-407E-A947-70E740481C1C}">
-                <a14:useLocalDpi xmlns:a14="http://schemas.microsoft.com/office/drawing/2010/main" val="0"/>
-              </a:ext>
-            </a:extLst>
-          </a:blip>
-          <a:stretch>
-            <a:fillRect/>
-          </a:stretch>
-        </p:blipFill>
-        <p:spPr>
-          <a:xfrm>
-            <a:off x="2424165" y="974932"/>
-            <a:ext cx="6719835" cy="5715000"/>
-          </a:xfrm>
-          <a:prstGeom prst="rect">
-            <a:avLst/>
-          </a:prstGeom>
-        </p:spPr>
-      </p:pic>
       <p:sp>
         <p:nvSpPr>
           <p:cNvPr id="22" name="Round Same Side Corner Rectangle 15"/>
@@ -5209,8 +5270,8 @@
         </p:nvSpPr>
         <p:spPr bwMode="auto">
           <a:xfrm rot="5400000">
-            <a:off x="718069" y="282043"/>
-            <a:ext cx="4071966" cy="5508104"/>
+            <a:off x="2393157" y="-1393045"/>
+            <a:ext cx="4071966" cy="8858280"/>
           </a:xfrm>
           <a:prstGeom prst="round2SameRect">
             <a:avLst/>
@@ -5375,8 +5436,8 @@
         </p:nvSpPr>
         <p:spPr>
           <a:xfrm>
-            <a:off x="3286116" y="337220"/>
-            <a:ext cx="5857884" cy="492443"/>
+            <a:off x="4214810" y="337220"/>
+            <a:ext cx="4929190" cy="492443"/>
           </a:xfrm>
           <a:prstGeom prst="rect">
             <a:avLst/>
@@ -5412,26 +5473,8 @@
                 <a:latin typeface="Times New Roman" pitchFamily="18" charset="0"/>
                 <a:cs typeface="Times New Roman" pitchFamily="18" charset="0"/>
               </a:rPr>
-              <a:t>Dva módy</a:t>
-            </a:r>
-            <a:endParaRPr lang="en-US" sz="3200" b="1" kern="0" dirty="0" smtClean="0">
-              <a:ln w="18415" cmpd="sng">
-                <a:noFill/>
-                <a:prstDash val="solid"/>
-              </a:ln>
-              <a:solidFill>
-                <a:srgbClr val="FFFFFF"/>
-              </a:solidFill>
-              <a:effectLst>
-                <a:outerShdw blurRad="50800" dist="38100" dir="2700000" algn="tl" rotWithShape="0">
-                  <a:prstClr val="black">
-                    <a:alpha val="40000"/>
-                  </a:prstClr>
-                </a:outerShdw>
-              </a:effectLst>
-              <a:latin typeface="Times New Roman" pitchFamily="18" charset="0"/>
-              <a:cs typeface="Times New Roman" pitchFamily="18" charset="0"/>
-            </a:endParaRPr>
+              <a:t>Architektúra riešenia</a:t>
+            </a:r>
           </a:p>
         </p:txBody>
       </p:sp>
@@ -5627,8 +5670,8 @@
         </p:nvSpPr>
         <p:spPr>
           <a:xfrm>
-            <a:off x="247648" y="1142986"/>
-            <a:ext cx="8286808" cy="3693319"/>
+            <a:off x="4786314" y="1142988"/>
+            <a:ext cx="3929090" cy="461665"/>
           </a:xfrm>
           <a:prstGeom prst="rect">
             <a:avLst/>
@@ -5645,9 +5688,95 @@
               <a:lnSpc>
                 <a:spcPct val="150000"/>
               </a:lnSpc>
+              <a:buFont typeface="Arial" pitchFamily="34" charset="0"/>
+              <a:buChar char="•"/>
               <a:defRPr/>
             </a:pPr>
-            <a:endParaRPr lang="pl-PL" sz="2000" kern="0" dirty="0" smtClean="0">
+            <a:r>
+              <a:rPr lang="en-US" sz="2000" kern="0" smtClean="0">
+                <a:ln w="18415" cmpd="sng">
+                  <a:noFill/>
+                  <a:prstDash val="solid"/>
+                </a:ln>
+                <a:solidFill>
+                  <a:srgbClr val="FFFFFF"/>
+                </a:solidFill>
+                <a:effectLst>
+                  <a:outerShdw blurRad="50800" dist="38100" dir="2700000" algn="tl" rotWithShape="0">
+                    <a:prstClr val="black">
+                      <a:alpha val="40000"/>
+                    </a:prstClr>
+                  </a:outerShdw>
+                </a:effectLst>
+                <a:latin typeface="Times New Roman" pitchFamily="18" charset="0"/>
+                <a:cs typeface="Times New Roman" pitchFamily="18" charset="0"/>
+              </a:rPr>
+              <a:t> </a:t>
+            </a:r>
+            <a:r>
+              <a:rPr lang="sk-SK" sz="2000" kern="0" smtClean="0">
+                <a:ln w="18415" cmpd="sng">
+                  <a:noFill/>
+                  <a:prstDash val="solid"/>
+                </a:ln>
+                <a:solidFill>
+                  <a:srgbClr val="FFFFFF"/>
+                </a:solidFill>
+                <a:effectLst>
+                  <a:outerShdw blurRad="50800" dist="38100" dir="2700000" algn="tl" rotWithShape="0">
+                    <a:prstClr val="black">
+                      <a:alpha val="40000"/>
+                    </a:prstClr>
+                  </a:outerShdw>
+                </a:effectLst>
+                <a:latin typeface="Times New Roman" pitchFamily="18" charset="0"/>
+                <a:cs typeface="Times New Roman" pitchFamily="18" charset="0"/>
+              </a:rPr>
+              <a:t>Navhrnutá t</a:t>
+            </a:r>
+            <a:r>
+              <a:rPr lang="en-US" sz="2000" kern="0" smtClean="0">
+                <a:ln w="18415" cmpd="sng">
+                  <a:noFill/>
+                  <a:prstDash val="solid"/>
+                </a:ln>
+                <a:solidFill>
+                  <a:srgbClr val="FFFFFF"/>
+                </a:solidFill>
+                <a:effectLst>
+                  <a:outerShdw blurRad="50800" dist="38100" dir="2700000" algn="tl" rotWithShape="0">
+                    <a:prstClr val="black">
+                      <a:alpha val="40000"/>
+                    </a:prstClr>
+                  </a:outerShdw>
+                </a:effectLst>
+                <a:latin typeface="Times New Roman" pitchFamily="18" charset="0"/>
+                <a:cs typeface="Times New Roman" pitchFamily="18" charset="0"/>
+              </a:rPr>
+              <a:t>rojvrstvov</a:t>
+            </a:r>
+            <a:r>
+              <a:rPr lang="sk-SK" sz="2000" kern="0" smtClean="0">
+                <a:ln w="18415" cmpd="sng">
+                  <a:noFill/>
+                  <a:prstDash val="solid"/>
+                </a:ln>
+                <a:solidFill>
+                  <a:srgbClr val="FFFFFF"/>
+                </a:solidFill>
+                <a:effectLst>
+                  <a:outerShdw blurRad="50800" dist="38100" dir="2700000" algn="tl" rotWithShape="0">
+                    <a:prstClr val="black">
+                      <a:alpha val="40000"/>
+                    </a:prstClr>
+                  </a:outerShdw>
+                </a:effectLst>
+                <a:latin typeface="Times New Roman" pitchFamily="18" charset="0"/>
+                <a:cs typeface="Times New Roman" pitchFamily="18" charset="0"/>
+              </a:rPr>
+              <a:t>á architektúra</a:t>
+            </a:r>
+            <a:endParaRPr lang="pl-PL" sz="2000" kern="0" smtClean="0">
               <a:ln w="18415" cmpd="sng">
                 <a:noFill/>
                 <a:prstDash val="solid"/>
@@ -5666,423 +5795,40 @@
               <a:cs typeface="Times New Roman" pitchFamily="18" charset="0"/>
             </a:endParaRPr>
           </a:p>
-          <a:p>
-            <a:pPr>
-              <a:lnSpc>
-                <a:spcPct val="150000"/>
-              </a:lnSpc>
-              <a:defRPr/>
-            </a:pPr>
-            <a:endParaRPr lang="pl-PL" sz="2000" kern="0" dirty="0" smtClean="0">
-              <a:ln w="18415" cmpd="sng">
-                <a:noFill/>
-                <a:prstDash val="solid"/>
-              </a:ln>
-              <a:solidFill>
-                <a:srgbClr val="FFFFFF"/>
-              </a:solidFill>
-              <a:effectLst>
-                <a:outerShdw blurRad="50800" dist="38100" dir="2700000" algn="tl" rotWithShape="0">
-                  <a:prstClr val="black">
-                    <a:alpha val="40000"/>
-                  </a:prstClr>
-                </a:outerShdw>
-              </a:effectLst>
-              <a:latin typeface="Times New Roman" pitchFamily="18" charset="0"/>
-              <a:cs typeface="Times New Roman" pitchFamily="18" charset="0"/>
-            </a:endParaRPr>
-          </a:p>
-          <a:p>
-            <a:pPr>
-              <a:lnSpc>
-                <a:spcPct val="150000"/>
-              </a:lnSpc>
-              <a:defRPr/>
-            </a:pPr>
-            <a:endParaRPr lang="pl-PL" sz="2000" kern="0" dirty="0" smtClean="0">
-              <a:ln w="18415" cmpd="sng">
-                <a:noFill/>
-                <a:prstDash val="solid"/>
-              </a:ln>
-              <a:solidFill>
-                <a:srgbClr val="FFFFFF"/>
-              </a:solidFill>
-              <a:effectLst>
-                <a:outerShdw blurRad="50800" dist="38100" dir="2700000" algn="tl" rotWithShape="0">
-                  <a:prstClr val="black">
-                    <a:alpha val="40000"/>
-                  </a:prstClr>
-                </a:outerShdw>
-              </a:effectLst>
-              <a:latin typeface="Times New Roman" pitchFamily="18" charset="0"/>
-              <a:cs typeface="Times New Roman" pitchFamily="18" charset="0"/>
-            </a:endParaRPr>
-          </a:p>
-          <a:p>
-            <a:pPr>
-              <a:lnSpc>
-                <a:spcPct val="150000"/>
-              </a:lnSpc>
-              <a:defRPr/>
-            </a:pPr>
-            <a:r>
-              <a:rPr lang="pl-PL" sz="2000" kern="0" dirty="0" smtClean="0">
-                <a:ln w="18415" cmpd="sng">
-                  <a:noFill/>
-                  <a:prstDash val="solid"/>
-                </a:ln>
-                <a:solidFill>
-                  <a:srgbClr val="FFFFFF"/>
-                </a:solidFill>
-                <a:effectLst>
-                  <a:outerShdw blurRad="50800" dist="38100" dir="2700000" algn="tl" rotWithShape="0">
-                    <a:prstClr val="black">
-                      <a:alpha val="40000"/>
-                    </a:prstClr>
-                  </a:outerShdw>
-                </a:effectLst>
-                <a:latin typeface="Times New Roman" pitchFamily="18" charset="0"/>
-                <a:cs typeface="Times New Roman" pitchFamily="18" charset="0"/>
-              </a:rPr>
-              <a:t> </a:t>
-            </a:r>
-            <a:r>
-              <a:rPr lang="en-US" sz="2000" kern="0" dirty="0" smtClean="0">
-                <a:ln w="18415" cmpd="sng">
-                  <a:noFill/>
-                  <a:prstDash val="solid"/>
-                </a:ln>
-                <a:solidFill>
-                  <a:srgbClr val="FFFFFF"/>
-                </a:solidFill>
-                <a:effectLst>
-                  <a:outerShdw blurRad="50800" dist="38100" dir="2700000" algn="tl" rotWithShape="0">
-                    <a:prstClr val="black">
-                      <a:alpha val="40000"/>
-                    </a:prstClr>
-                  </a:outerShdw>
-                </a:effectLst>
-                <a:latin typeface="Times New Roman" pitchFamily="18" charset="0"/>
-                <a:cs typeface="Times New Roman" pitchFamily="18" charset="0"/>
-              </a:rPr>
-              <a:t>Blok</a:t>
-            </a:r>
-            <a:r>
-              <a:rPr lang="pl-PL" sz="2000" kern="0" dirty="0" smtClean="0">
-                <a:ln w="18415" cmpd="sng">
-                  <a:noFill/>
-                  <a:prstDash val="solid"/>
-                </a:ln>
-                <a:solidFill>
-                  <a:srgbClr val="FFFFFF"/>
-                </a:solidFill>
-                <a:effectLst>
-                  <a:outerShdw blurRad="50800" dist="38100" dir="2700000" algn="tl" rotWithShape="0">
-                    <a:prstClr val="black">
-                      <a:alpha val="40000"/>
-                    </a:prstClr>
-                  </a:outerShdw>
-                </a:effectLst>
-                <a:latin typeface="Times New Roman" pitchFamily="18" charset="0"/>
-                <a:cs typeface="Times New Roman" pitchFamily="18" charset="0"/>
-              </a:rPr>
-              <a:t> </a:t>
-            </a:r>
-            <a:r>
-              <a:rPr lang="en-US" sz="2000" kern="0" dirty="0" smtClean="0">
-                <a:ln w="18415" cmpd="sng">
-                  <a:noFill/>
-                  <a:prstDash val="solid"/>
-                </a:ln>
-                <a:solidFill>
-                  <a:srgbClr val="FFFFFF"/>
-                </a:solidFill>
-                <a:effectLst>
-                  <a:outerShdw blurRad="50800" dist="38100" dir="2700000" algn="tl" rotWithShape="0">
-                    <a:prstClr val="black">
-                      <a:alpha val="40000"/>
-                    </a:prstClr>
-                  </a:outerShdw>
-                </a:effectLst>
-                <a:latin typeface="Times New Roman" pitchFamily="18" charset="0"/>
-                <a:cs typeface="Times New Roman" pitchFamily="18" charset="0"/>
-              </a:rPr>
-              <a:t>s</a:t>
-            </a:r>
-            <a:r>
-              <a:rPr lang="pl-PL" sz="2000" kern="0" dirty="0" smtClean="0">
-                <a:ln w="18415" cmpd="sng">
-                  <a:noFill/>
-                  <a:prstDash val="solid"/>
-                </a:ln>
-                <a:solidFill>
-                  <a:srgbClr val="FFFFFF"/>
-                </a:solidFill>
-                <a:effectLst>
-                  <a:outerShdw blurRad="50800" dist="38100" dir="2700000" algn="tl" rotWithShape="0">
-                    <a:prstClr val="black">
-                      <a:alpha val="40000"/>
-                    </a:prstClr>
-                  </a:outerShdw>
-                </a:effectLst>
-                <a:latin typeface="Times New Roman" pitchFamily="18" charset="0"/>
-                <a:cs typeface="Times New Roman" pitchFamily="18" charset="0"/>
-              </a:rPr>
-              <a:t> grafickymi prvkami </a:t>
-            </a:r>
-            <a:r>
-              <a:rPr lang="pl-PL" sz="2000" kern="0" dirty="0" smtClean="0">
-                <a:ln w="18415" cmpd="sng">
-                  <a:noFill/>
-                  <a:prstDash val="solid"/>
-                </a:ln>
-                <a:solidFill>
-                  <a:srgbClr val="FFFFFF"/>
-                </a:solidFill>
-                <a:effectLst>
-                  <a:outerShdw blurRad="50800" dist="38100" dir="2700000" algn="tl" rotWithShape="0">
-                    <a:prstClr val="black">
-                      <a:alpha val="40000"/>
-                    </a:prstClr>
-                  </a:outerShdw>
-                </a:effectLst>
-                <a:latin typeface="Times New Roman" pitchFamily="18" charset="0"/>
-                <a:cs typeface="Times New Roman" pitchFamily="18" charset="0"/>
-                <a:sym typeface="Wingdings" pitchFamily="2" charset="2"/>
-              </a:rPr>
-              <a:t> </a:t>
-            </a:r>
-            <a:r>
-              <a:rPr lang="pl-PL" sz="2000" kern="0" dirty="0" smtClean="0">
-                <a:ln w="18415" cmpd="sng">
-                  <a:noFill/>
-                  <a:prstDash val="solid"/>
-                </a:ln>
-                <a:solidFill>
-                  <a:srgbClr val="FFFFFF"/>
-                </a:solidFill>
-                <a:effectLst>
-                  <a:outerShdw blurRad="50800" dist="38100" dir="2700000" algn="tl" rotWithShape="0">
-                    <a:prstClr val="black">
-                      <a:alpha val="40000"/>
-                    </a:prstClr>
-                  </a:outerShdw>
-                </a:effectLst>
-                <a:latin typeface="Times New Roman" pitchFamily="18" charset="0"/>
-                <a:cs typeface="Times New Roman" pitchFamily="18" charset="0"/>
-              </a:rPr>
-              <a:t> </a:t>
-            </a:r>
-            <a:endParaRPr lang="en-US" sz="2000" kern="0" dirty="0" smtClean="0">
-              <a:ln w="18415" cmpd="sng">
-                <a:noFill/>
-                <a:prstDash val="solid"/>
-              </a:ln>
-              <a:solidFill>
-                <a:srgbClr val="FFFFFF"/>
-              </a:solidFill>
-              <a:effectLst>
-                <a:outerShdw blurRad="50800" dist="38100" dir="2700000" algn="tl" rotWithShape="0">
-                  <a:prstClr val="black">
-                    <a:alpha val="40000"/>
-                  </a:prstClr>
-                </a:outerShdw>
-              </a:effectLst>
-              <a:latin typeface="Times New Roman" pitchFamily="18" charset="0"/>
-              <a:cs typeface="Times New Roman" pitchFamily="18" charset="0"/>
-            </a:endParaRPr>
-          </a:p>
-          <a:p>
-            <a:pPr>
-              <a:lnSpc>
-                <a:spcPct val="150000"/>
-              </a:lnSpc>
-              <a:defRPr/>
-            </a:pPr>
-            <a:endParaRPr lang="en-US" sz="2000" kern="0" dirty="0">
-              <a:ln w="18415" cmpd="sng">
-                <a:noFill/>
-                <a:prstDash val="solid"/>
-              </a:ln>
-              <a:solidFill>
-                <a:srgbClr val="FFFFFF"/>
-              </a:solidFill>
-              <a:effectLst>
-                <a:outerShdw blurRad="50800" dist="38100" dir="2700000" algn="tl" rotWithShape="0">
-                  <a:prstClr val="black">
-                    <a:alpha val="40000"/>
-                  </a:prstClr>
-                </a:outerShdw>
-              </a:effectLst>
-              <a:latin typeface="Times New Roman" pitchFamily="18" charset="0"/>
-              <a:cs typeface="Times New Roman" pitchFamily="18" charset="0"/>
-            </a:endParaRPr>
-          </a:p>
-          <a:p>
-            <a:pPr>
-              <a:lnSpc>
-                <a:spcPct val="150000"/>
-              </a:lnSpc>
-              <a:defRPr/>
-            </a:pPr>
-            <a:endParaRPr lang="en-US" sz="2000" kern="0" dirty="0" smtClean="0">
-              <a:ln w="18415" cmpd="sng">
-                <a:noFill/>
-                <a:prstDash val="solid"/>
-              </a:ln>
-              <a:solidFill>
-                <a:srgbClr val="FFFFFF"/>
-              </a:solidFill>
-              <a:effectLst>
-                <a:outerShdw blurRad="50800" dist="38100" dir="2700000" algn="tl" rotWithShape="0">
-                  <a:prstClr val="black">
-                    <a:alpha val="40000"/>
-                  </a:prstClr>
-                </a:outerShdw>
-              </a:effectLst>
-              <a:latin typeface="Times New Roman" pitchFamily="18" charset="0"/>
-              <a:cs typeface="Times New Roman" pitchFamily="18" charset="0"/>
-            </a:endParaRPr>
-          </a:p>
-          <a:p>
-            <a:pPr>
-              <a:lnSpc>
-                <a:spcPct val="150000"/>
-              </a:lnSpc>
-              <a:defRPr/>
-            </a:pPr>
-            <a:endParaRPr lang="en-US" sz="2000" kern="0" dirty="0">
-              <a:ln w="18415" cmpd="sng">
-                <a:noFill/>
-                <a:prstDash val="solid"/>
-              </a:ln>
-              <a:solidFill>
-                <a:srgbClr val="FFFFFF"/>
-              </a:solidFill>
-              <a:effectLst>
-                <a:outerShdw blurRad="50800" dist="38100" dir="2700000" algn="tl" rotWithShape="0">
-                  <a:prstClr val="black">
-                    <a:alpha val="40000"/>
-                  </a:prstClr>
-                </a:outerShdw>
-              </a:effectLst>
-              <a:latin typeface="Times New Roman" pitchFamily="18" charset="0"/>
-              <a:cs typeface="Times New Roman" pitchFamily="18" charset="0"/>
-            </a:endParaRPr>
-          </a:p>
-          <a:p>
-            <a:pPr>
-              <a:lnSpc>
-                <a:spcPct val="150000"/>
-              </a:lnSpc>
-              <a:defRPr/>
-            </a:pPr>
-            <a:r>
-              <a:rPr lang="en-US" sz="2000" kern="0" dirty="0" err="1" smtClean="0">
-                <a:ln w="18415" cmpd="sng">
-                  <a:noFill/>
-                  <a:prstDash val="solid"/>
-                </a:ln>
-                <a:solidFill>
-                  <a:srgbClr val="FFFFFF"/>
-                </a:solidFill>
-                <a:effectLst>
-                  <a:outerShdw blurRad="50800" dist="38100" dir="2700000" algn="tl" rotWithShape="0">
-                    <a:prstClr val="black">
-                      <a:alpha val="40000"/>
-                    </a:prstClr>
-                  </a:outerShdw>
-                </a:effectLst>
-                <a:latin typeface="Times New Roman" pitchFamily="18" charset="0"/>
-                <a:cs typeface="Times New Roman" pitchFamily="18" charset="0"/>
-              </a:rPr>
-              <a:t>Textov</a:t>
-            </a:r>
-            <a:r>
-              <a:rPr lang="sk-SK" sz="2000" kern="0" dirty="0" smtClean="0">
-                <a:ln w="18415" cmpd="sng">
-                  <a:noFill/>
-                  <a:prstDash val="solid"/>
-                </a:ln>
-                <a:solidFill>
-                  <a:srgbClr val="FFFFFF"/>
-                </a:solidFill>
-                <a:effectLst>
-                  <a:outerShdw blurRad="50800" dist="38100" dir="2700000" algn="tl" rotWithShape="0">
-                    <a:prstClr val="black">
-                      <a:alpha val="40000"/>
-                    </a:prstClr>
-                  </a:outerShdw>
-                </a:effectLst>
-                <a:latin typeface="Times New Roman" pitchFamily="18" charset="0"/>
-                <a:cs typeface="Times New Roman" pitchFamily="18" charset="0"/>
-              </a:rPr>
-              <a:t>ý blok</a:t>
-            </a:r>
-            <a:r>
-              <a:rPr lang="pl-PL" sz="2000" kern="0" dirty="0" smtClean="0">
-                <a:ln w="18415" cmpd="sng">
-                  <a:noFill/>
-                  <a:prstDash val="solid"/>
-                </a:ln>
-                <a:solidFill>
-                  <a:srgbClr val="FFFFFF"/>
-                </a:solidFill>
-                <a:effectLst>
-                  <a:outerShdw blurRad="50800" dist="38100" dir="2700000" algn="tl" rotWithShape="0">
-                    <a:prstClr val="black">
-                      <a:alpha val="40000"/>
-                    </a:prstClr>
-                  </a:outerShdw>
-                </a:effectLst>
-                <a:latin typeface="Times New Roman" pitchFamily="18" charset="0"/>
-                <a:cs typeface="Times New Roman" pitchFamily="18" charset="0"/>
-              </a:rPr>
-              <a:t> </a:t>
-            </a:r>
-            <a:r>
-              <a:rPr lang="pl-PL" sz="2000" kern="0" dirty="0">
-                <a:ln w="18415" cmpd="sng">
-                  <a:noFill/>
-                  <a:prstDash val="solid"/>
-                </a:ln>
-                <a:solidFill>
-                  <a:srgbClr val="FFFFFF"/>
-                </a:solidFill>
-                <a:effectLst>
-                  <a:outerShdw blurRad="50800" dist="38100" dir="2700000" algn="tl" rotWithShape="0">
-                    <a:prstClr val="black">
-                      <a:alpha val="40000"/>
-                    </a:prstClr>
-                  </a:outerShdw>
-                </a:effectLst>
-                <a:latin typeface="Times New Roman" pitchFamily="18" charset="0"/>
-                <a:cs typeface="Times New Roman" pitchFamily="18" charset="0"/>
-                <a:sym typeface="Wingdings" pitchFamily="2" charset="2"/>
-              </a:rPr>
-              <a:t></a:t>
-            </a:r>
-            <a:endParaRPr lang="pl-PL" sz="2000" kern="0" dirty="0" smtClean="0">
-              <a:ln w="18415" cmpd="sng">
-                <a:noFill/>
-                <a:prstDash val="solid"/>
-              </a:ln>
-              <a:solidFill>
-                <a:srgbClr val="FFFFFF"/>
-              </a:solidFill>
-              <a:effectLst>
-                <a:outerShdw blurRad="50800" dist="38100" dir="2700000" algn="tl" rotWithShape="0">
-                  <a:prstClr val="black">
-                    <a:alpha val="40000"/>
-                  </a:prstClr>
-                </a:outerShdw>
-              </a:effectLst>
-              <a:latin typeface="Times New Roman" pitchFamily="18" charset="0"/>
-              <a:cs typeface="Times New Roman" pitchFamily="18" charset="0"/>
-            </a:endParaRPr>
-          </a:p>
         </p:txBody>
       </p:sp>
+      <p:pic>
+        <p:nvPicPr>
+          <p:cNvPr id="1026" name="Picture 2"/>
+          <p:cNvPicPr>
+            <a:picLocks noChangeAspect="1" noChangeArrowheads="1"/>
+          </p:cNvPicPr>
+          <p:nvPr/>
+        </p:nvPicPr>
+        <p:blipFill>
+          <a:blip r:embed="rId3"/>
+          <a:srcRect/>
+          <a:stretch>
+            <a:fillRect/>
+          </a:stretch>
+        </p:blipFill>
+        <p:spPr bwMode="auto">
+          <a:xfrm>
+            <a:off x="214282" y="571484"/>
+            <a:ext cx="4572032" cy="4588711"/>
+          </a:xfrm>
+          <a:prstGeom prst="rect">
+            <a:avLst/>
+          </a:prstGeom>
+          <a:noFill/>
+          <a:ln w="9525">
+            <a:noFill/>
+            <a:miter lim="800000"/>
+            <a:headEnd/>
+            <a:tailEnd/>
+          </a:ln>
+        </p:spPr>
+      </p:pic>
     </p:spTree>
   </p:cSld>
   <p:clrMapOvr>
@@ -6369,66 +6115,14 @@
       </p:grpSpPr>
       <p:sp>
         <p:nvSpPr>
-          <p:cNvPr id="2" name="Obdĺžnik 1"/>
-          <p:cNvSpPr/>
-          <p:nvPr/>
-        </p:nvSpPr>
-        <p:spPr>
-          <a:xfrm>
-            <a:off x="719981" y="2401937"/>
-            <a:ext cx="7056784" cy="3005760"/>
-          </a:xfrm>
-          <a:prstGeom prst="rect">
-            <a:avLst/>
-          </a:prstGeom>
-          <a:solidFill>
-            <a:schemeClr val="bg1"/>
-          </a:solidFill>
-          <a:ln>
-            <a:solidFill>
-              <a:schemeClr val="bg1"/>
-            </a:solidFill>
-          </a:ln>
-        </p:spPr>
-        <p:style>
-          <a:lnRef idx="2">
-            <a:schemeClr val="accent1">
-              <a:shade val="50000"/>
-            </a:schemeClr>
-          </a:lnRef>
-          <a:fillRef idx="1">
-            <a:schemeClr val="accent1"/>
-          </a:fillRef>
-          <a:effectRef idx="0">
-            <a:schemeClr val="accent1"/>
-          </a:effectRef>
-          <a:fontRef idx="minor">
-            <a:schemeClr val="lt1"/>
-          </a:fontRef>
-        </p:style>
-        <p:txBody>
-          <a:bodyPr rtlCol="0" anchor="ctr"/>
-          <a:lstStyle/>
-          <a:p>
-            <a:pPr algn="ctr"/>
-            <a:endParaRPr lang="sk-SK">
-              <a:solidFill>
-                <a:schemeClr val="bg1"/>
-              </a:solidFill>
-            </a:endParaRPr>
-          </a:p>
-        </p:txBody>
-      </p:sp>
-      <p:sp>
-        <p:nvSpPr>
           <p:cNvPr id="22" name="Round Same Side Corner Rectangle 15"/>
           <p:cNvSpPr/>
           <p:nvPr/>
         </p:nvSpPr>
         <p:spPr bwMode="auto">
           <a:xfrm rot="5400000">
-            <a:off x="3860486" y="-2860374"/>
-            <a:ext cx="1137308" cy="8858280"/>
+            <a:off x="718069" y="282043"/>
+            <a:ext cx="4071966" cy="5508104"/>
           </a:xfrm>
           <a:prstGeom prst="round2SameRect">
             <a:avLst/>
@@ -6504,6 +6198,700 @@
           </a:p>
         </p:txBody>
       </p:sp>
+      <p:sp>
+        <p:nvSpPr>
+          <p:cNvPr id="8" name="TextBox 2"/>
+          <p:cNvSpPr txBox="1"/>
+          <p:nvPr/>
+        </p:nvSpPr>
+        <p:spPr>
+          <a:xfrm>
+            <a:off x="3286116" y="337220"/>
+            <a:ext cx="5857884" cy="492443"/>
+          </a:xfrm>
+          <a:prstGeom prst="rect">
+            <a:avLst/>
+          </a:prstGeom>
+          <a:noFill/>
+          <a:effectLst/>
+        </p:spPr>
+        <p:txBody>
+          <a:bodyPr wrap="square" lIns="0" tIns="0" rIns="0" bIns="0" rtlCol="0">
+            <a:spAutoFit/>
+          </a:bodyPr>
+          <a:lstStyle/>
+          <a:p>
+            <a:pPr lvl="0" algn="ctr">
+              <a:defRPr/>
+            </a:pPr>
+            <a:r>
+              <a:rPr lang="sk-SK" sz="3200" b="1" kern="0" smtClean="0">
+                <a:ln w="18415" cmpd="sng">
+                  <a:noFill/>
+                  <a:prstDash val="solid"/>
+                </a:ln>
+                <a:solidFill>
+                  <a:srgbClr val="FFFFFF"/>
+                </a:solidFill>
+                <a:effectLst>
+                  <a:outerShdw blurRad="50800" dist="38100" dir="2700000" algn="tl" rotWithShape="0">
+                    <a:prstClr val="black">
+                      <a:alpha val="40000"/>
+                    </a:prstClr>
+                  </a:outerShdw>
+                </a:effectLst>
+                <a:latin typeface="Times New Roman" pitchFamily="18" charset="0"/>
+                <a:cs typeface="Times New Roman" pitchFamily="18" charset="0"/>
+              </a:rPr>
+              <a:t>Dva módy</a:t>
+            </a:r>
+            <a:endParaRPr lang="en-US" sz="3200" b="1" kern="0" dirty="0" smtClean="0">
+              <a:ln w="18415" cmpd="sng">
+                <a:noFill/>
+                <a:prstDash val="solid"/>
+              </a:ln>
+              <a:solidFill>
+                <a:srgbClr val="FFFFFF"/>
+              </a:solidFill>
+              <a:effectLst>
+                <a:outerShdw blurRad="50800" dist="38100" dir="2700000" algn="tl" rotWithShape="0">
+                  <a:prstClr val="black">
+                    <a:alpha val="40000"/>
+                  </a:prstClr>
+                </a:outerShdw>
+              </a:effectLst>
+              <a:latin typeface="Times New Roman" pitchFamily="18" charset="0"/>
+              <a:cs typeface="Times New Roman" pitchFamily="18" charset="0"/>
+            </a:endParaRPr>
+          </a:p>
+        </p:txBody>
+      </p:sp>
+      <p:sp>
+        <p:nvSpPr>
+          <p:cNvPr id="11" name="TextBox 47"/>
+          <p:cNvSpPr txBox="1"/>
+          <p:nvPr/>
+        </p:nvSpPr>
+        <p:spPr>
+          <a:xfrm>
+            <a:off x="107504" y="5399519"/>
+            <a:ext cx="2051719" cy="315481"/>
+          </a:xfrm>
+          <a:prstGeom prst="rect">
+            <a:avLst/>
+          </a:prstGeom>
+          <a:noFill/>
+          <a:effectLst>
+            <a:outerShdw blurRad="50800" dist="38100" dir="2700000" algn="tl" rotWithShape="0">
+              <a:prstClr val="black">
+                <a:alpha val="40000"/>
+              </a:prstClr>
+            </a:outerShdw>
+          </a:effectLst>
+        </p:spPr>
+        <p:txBody>
+          <a:bodyPr wrap="square" lIns="68589" tIns="34295" rIns="68589" bIns="34295" rtlCol="0">
+            <a:spAutoFit/>
+          </a:bodyPr>
+          <a:lstStyle/>
+          <a:p>
+            <a:pPr marL="0" marR="0" lvl="0" indent="0" defTabSz="914400" eaLnBrk="1" fontAlgn="base" latinLnBrk="0" hangingPunct="1">
+              <a:lnSpc>
+                <a:spcPct val="100000"/>
+              </a:lnSpc>
+              <a:spcBef>
+                <a:spcPct val="0"/>
+              </a:spcBef>
+              <a:spcAft>
+                <a:spcPct val="0"/>
+              </a:spcAft>
+              <a:buClrTx/>
+              <a:buSzTx/>
+              <a:buFontTx/>
+              <a:buNone/>
+              <a:tabLst/>
+              <a:defRPr/>
+            </a:pPr>
+            <a:r>
+              <a:rPr kumimoji="0" lang="sk-SK" sz="1600" b="0" i="1" u="none" strike="noStrike" kern="0" cap="none" spc="0" normalizeH="0" baseline="0" noProof="0" dirty="0" smtClean="0">
+                <a:ln>
+                  <a:noFill/>
+                </a:ln>
+                <a:solidFill>
+                  <a:schemeClr val="bg1">
+                    <a:lumMod val="65000"/>
+                  </a:schemeClr>
+                </a:solidFill>
+                <a:effectLst>
+                  <a:outerShdw blurRad="38100" dist="38100" dir="2700000" algn="tl">
+                    <a:srgbClr val="000000">
+                      <a:alpha val="43137"/>
+                    </a:srgbClr>
+                  </a:outerShdw>
+                </a:effectLst>
+                <a:uLnTx/>
+                <a:uFillTx/>
+                <a:latin typeface="Constantia" pitchFamily="18" charset="0"/>
+              </a:rPr>
+              <a:t>Innovators </a:t>
+            </a:r>
+            <a:r>
+              <a:rPr kumimoji="0" lang="sk-SK" sz="1200" b="0" i="1" u="none" strike="noStrike" kern="0" cap="none" spc="0" normalizeH="0" baseline="0" noProof="0" dirty="0" smtClean="0">
+                <a:ln>
+                  <a:noFill/>
+                </a:ln>
+                <a:solidFill>
+                  <a:schemeClr val="bg1">
+                    <a:lumMod val="65000"/>
+                  </a:schemeClr>
+                </a:solidFill>
+                <a:effectLst>
+                  <a:outerShdw blurRad="38100" dist="38100" dir="2700000" algn="tl">
+                    <a:srgbClr val="000000">
+                      <a:alpha val="43137"/>
+                    </a:srgbClr>
+                  </a:outerShdw>
+                </a:effectLst>
+                <a:uLnTx/>
+                <a:uFillTx/>
+                <a:latin typeface="Constantia" pitchFamily="18" charset="0"/>
+              </a:rPr>
+              <a:t>|</a:t>
+            </a:r>
+            <a:r>
+              <a:rPr kumimoji="0" lang="sk-SK" sz="1200" b="0" i="1" u="none" strike="noStrike" kern="0" cap="none" spc="0" normalizeH="0" noProof="0" dirty="0" smtClean="0">
+                <a:ln>
+                  <a:noFill/>
+                </a:ln>
+                <a:solidFill>
+                  <a:schemeClr val="bg1">
+                    <a:lumMod val="65000"/>
+                  </a:schemeClr>
+                </a:solidFill>
+                <a:effectLst>
+                  <a:outerShdw blurRad="38100" dist="38100" dir="2700000" algn="tl">
+                    <a:srgbClr val="000000">
+                      <a:alpha val="43137"/>
+                    </a:srgbClr>
+                  </a:outerShdw>
+                </a:effectLst>
+                <a:uLnTx/>
+                <a:uFillTx/>
+                <a:latin typeface="Constantia" pitchFamily="18" charset="0"/>
+              </a:rPr>
+              <a:t> </a:t>
+            </a:r>
+            <a:r>
+              <a:rPr kumimoji="0" lang="sk-SK" sz="1200" b="0" i="1" u="none" strike="noStrike" kern="0" cap="none" spc="0" normalizeH="0" baseline="0" noProof="0" dirty="0" smtClean="0">
+                <a:ln>
+                  <a:noFill/>
+                </a:ln>
+                <a:solidFill>
+                  <a:schemeClr val="bg1">
+                    <a:lumMod val="65000"/>
+                  </a:schemeClr>
+                </a:solidFill>
+                <a:effectLst>
+                  <a:outerShdw blurRad="38100" dist="38100" dir="2700000" algn="tl">
+                    <a:srgbClr val="000000">
+                      <a:alpha val="43137"/>
+                    </a:srgbClr>
+                  </a:outerShdw>
+                </a:effectLst>
+                <a:uLnTx/>
+                <a:uFillTx/>
+                <a:latin typeface="Constantia" pitchFamily="18" charset="0"/>
+              </a:rPr>
+              <a:t>tím</a:t>
+            </a:r>
+            <a:r>
+              <a:rPr kumimoji="0" lang="sk-SK" sz="1400" b="0" i="1" u="none" strike="noStrike" kern="0" cap="none" spc="0" normalizeH="0" baseline="0" noProof="0" dirty="0" smtClean="0">
+                <a:ln>
+                  <a:noFill/>
+                </a:ln>
+                <a:solidFill>
+                  <a:schemeClr val="bg1">
+                    <a:lumMod val="65000"/>
+                  </a:schemeClr>
+                </a:solidFill>
+                <a:effectLst>
+                  <a:outerShdw blurRad="38100" dist="38100" dir="2700000" algn="tl">
+                    <a:srgbClr val="000000">
+                      <a:alpha val="43137"/>
+                    </a:srgbClr>
+                  </a:outerShdw>
+                </a:effectLst>
+                <a:uLnTx/>
+                <a:uFillTx/>
+                <a:latin typeface="Constantia" pitchFamily="18" charset="0"/>
+              </a:rPr>
+              <a:t> č.10</a:t>
+            </a:r>
+            <a:endParaRPr kumimoji="0" lang="en-US" sz="1600" b="0" i="1" u="none" strike="noStrike" kern="0" cap="none" spc="0" normalizeH="0" baseline="0" noProof="0" dirty="0">
+              <a:ln>
+                <a:noFill/>
+              </a:ln>
+              <a:solidFill>
+                <a:schemeClr val="bg1">
+                  <a:lumMod val="65000"/>
+                </a:schemeClr>
+              </a:solidFill>
+              <a:effectLst>
+                <a:outerShdw blurRad="38100" dist="38100" dir="2700000" algn="tl">
+                  <a:srgbClr val="000000">
+                    <a:alpha val="43137"/>
+                  </a:srgbClr>
+                </a:outerShdw>
+              </a:effectLst>
+              <a:uLnTx/>
+              <a:uFillTx/>
+              <a:latin typeface="Constantia" pitchFamily="18" charset="0"/>
+            </a:endParaRPr>
+          </a:p>
+        </p:txBody>
+      </p:sp>
+      <p:sp>
+        <p:nvSpPr>
+          <p:cNvPr id="7" name="TextBox 2"/>
+          <p:cNvSpPr txBox="1"/>
+          <p:nvPr/>
+        </p:nvSpPr>
+        <p:spPr>
+          <a:xfrm>
+            <a:off x="247648" y="1142986"/>
+            <a:ext cx="3181344" cy="2769989"/>
+          </a:xfrm>
+          <a:prstGeom prst="rect">
+            <a:avLst/>
+          </a:prstGeom>
+          <a:noFill/>
+        </p:spPr>
+        <p:txBody>
+          <a:bodyPr wrap="square" lIns="0" tIns="0" rIns="0" bIns="0" rtlCol="0">
+            <a:spAutoFit/>
+          </a:bodyPr>
+          <a:lstStyle/>
+          <a:p>
+            <a:pPr algn="r">
+              <a:lnSpc>
+                <a:spcPct val="150000"/>
+              </a:lnSpc>
+              <a:defRPr/>
+            </a:pPr>
+            <a:endParaRPr lang="pl-PL" sz="2000" kern="0" dirty="0" smtClean="0">
+              <a:ln w="18415" cmpd="sng">
+                <a:noFill/>
+                <a:prstDash val="solid"/>
+              </a:ln>
+              <a:solidFill>
+                <a:srgbClr val="FFFFFF"/>
+              </a:solidFill>
+              <a:effectLst>
+                <a:outerShdw blurRad="50800" dist="38100" dir="2700000" algn="tl" rotWithShape="0">
+                  <a:prstClr val="black">
+                    <a:alpha val="40000"/>
+                  </a:prstClr>
+                </a:outerShdw>
+              </a:effectLst>
+              <a:latin typeface="Times New Roman" pitchFamily="18" charset="0"/>
+              <a:cs typeface="Times New Roman" pitchFamily="18" charset="0"/>
+            </a:endParaRPr>
+          </a:p>
+          <a:p>
+            <a:pPr algn="r">
+              <a:lnSpc>
+                <a:spcPct val="150000"/>
+              </a:lnSpc>
+              <a:defRPr/>
+            </a:pPr>
+            <a:endParaRPr lang="pl-PL" sz="2000" kern="0" dirty="0" smtClean="0">
+              <a:ln w="18415" cmpd="sng">
+                <a:noFill/>
+                <a:prstDash val="solid"/>
+              </a:ln>
+              <a:solidFill>
+                <a:srgbClr val="FFFFFF"/>
+              </a:solidFill>
+              <a:effectLst>
+                <a:outerShdw blurRad="50800" dist="38100" dir="2700000" algn="tl" rotWithShape="0">
+                  <a:prstClr val="black">
+                    <a:alpha val="40000"/>
+                  </a:prstClr>
+                </a:outerShdw>
+              </a:effectLst>
+              <a:latin typeface="Times New Roman" pitchFamily="18" charset="0"/>
+              <a:cs typeface="Times New Roman" pitchFamily="18" charset="0"/>
+            </a:endParaRPr>
+          </a:p>
+          <a:p>
+            <a:pPr algn="r">
+              <a:lnSpc>
+                <a:spcPct val="150000"/>
+              </a:lnSpc>
+              <a:defRPr/>
+            </a:pPr>
+            <a:r>
+              <a:rPr lang="pl-PL" sz="2000" kern="0" smtClean="0">
+                <a:ln w="18415" cmpd="sng">
+                  <a:noFill/>
+                  <a:prstDash val="solid"/>
+                </a:ln>
+                <a:solidFill>
+                  <a:srgbClr val="FFFFFF"/>
+                </a:solidFill>
+                <a:effectLst>
+                  <a:outerShdw blurRad="50800" dist="38100" dir="2700000" algn="tl" rotWithShape="0">
+                    <a:prstClr val="black">
+                      <a:alpha val="40000"/>
+                    </a:prstClr>
+                  </a:outerShdw>
+                </a:effectLst>
+                <a:latin typeface="Times New Roman" pitchFamily="18" charset="0"/>
+                <a:cs typeface="Times New Roman" pitchFamily="18" charset="0"/>
+              </a:rPr>
+              <a:t> </a:t>
+            </a:r>
+            <a:r>
+              <a:rPr lang="en-US" sz="2000" kern="0" dirty="0" smtClean="0">
+                <a:ln w="18415" cmpd="sng">
+                  <a:noFill/>
+                  <a:prstDash val="solid"/>
+                </a:ln>
+                <a:solidFill>
+                  <a:srgbClr val="FFFFFF"/>
+                </a:solidFill>
+                <a:effectLst>
+                  <a:outerShdw blurRad="50800" dist="38100" dir="2700000" algn="tl" rotWithShape="0">
+                    <a:prstClr val="black">
+                      <a:alpha val="40000"/>
+                    </a:prstClr>
+                  </a:outerShdw>
+                </a:effectLst>
+                <a:latin typeface="Times New Roman" pitchFamily="18" charset="0"/>
+                <a:cs typeface="Times New Roman" pitchFamily="18" charset="0"/>
+              </a:rPr>
+              <a:t>Blok</a:t>
+            </a:r>
+            <a:r>
+              <a:rPr lang="pl-PL" sz="2000" kern="0" dirty="0" smtClean="0">
+                <a:ln w="18415" cmpd="sng">
+                  <a:noFill/>
+                  <a:prstDash val="solid"/>
+                </a:ln>
+                <a:solidFill>
+                  <a:srgbClr val="FFFFFF"/>
+                </a:solidFill>
+                <a:effectLst>
+                  <a:outerShdw blurRad="50800" dist="38100" dir="2700000" algn="tl" rotWithShape="0">
+                    <a:prstClr val="black">
+                      <a:alpha val="40000"/>
+                    </a:prstClr>
+                  </a:outerShdw>
+                </a:effectLst>
+                <a:latin typeface="Times New Roman" pitchFamily="18" charset="0"/>
+                <a:cs typeface="Times New Roman" pitchFamily="18" charset="0"/>
+              </a:rPr>
+              <a:t> </a:t>
+            </a:r>
+            <a:r>
+              <a:rPr lang="en-US" sz="2000" kern="0" dirty="0" smtClean="0">
+                <a:ln w="18415" cmpd="sng">
+                  <a:noFill/>
+                  <a:prstDash val="solid"/>
+                </a:ln>
+                <a:solidFill>
+                  <a:srgbClr val="FFFFFF"/>
+                </a:solidFill>
+                <a:effectLst>
+                  <a:outerShdw blurRad="50800" dist="38100" dir="2700000" algn="tl" rotWithShape="0">
+                    <a:prstClr val="black">
+                      <a:alpha val="40000"/>
+                    </a:prstClr>
+                  </a:outerShdw>
+                </a:effectLst>
+                <a:latin typeface="Times New Roman" pitchFamily="18" charset="0"/>
+                <a:cs typeface="Times New Roman" pitchFamily="18" charset="0"/>
+              </a:rPr>
+              <a:t>s</a:t>
+            </a:r>
+            <a:r>
+              <a:rPr lang="pl-PL" sz="2000" kern="0" dirty="0" smtClean="0">
+                <a:ln w="18415" cmpd="sng">
+                  <a:noFill/>
+                  <a:prstDash val="solid"/>
+                </a:ln>
+                <a:solidFill>
+                  <a:srgbClr val="FFFFFF"/>
+                </a:solidFill>
+                <a:effectLst>
+                  <a:outerShdw blurRad="50800" dist="38100" dir="2700000" algn="tl" rotWithShape="0">
+                    <a:prstClr val="black">
+                      <a:alpha val="40000"/>
+                    </a:prstClr>
+                  </a:outerShdw>
+                </a:effectLst>
+                <a:latin typeface="Times New Roman" pitchFamily="18" charset="0"/>
+                <a:cs typeface="Times New Roman" pitchFamily="18" charset="0"/>
+              </a:rPr>
+              <a:t> grafickymi prvkami </a:t>
+            </a:r>
+            <a:r>
+              <a:rPr lang="pl-PL" sz="2000" kern="0" dirty="0" smtClean="0">
+                <a:ln w="18415" cmpd="sng">
+                  <a:noFill/>
+                  <a:prstDash val="solid"/>
+                </a:ln>
+                <a:solidFill>
+                  <a:srgbClr val="FFFFFF"/>
+                </a:solidFill>
+                <a:effectLst>
+                  <a:outerShdw blurRad="50800" dist="38100" dir="2700000" algn="tl" rotWithShape="0">
+                    <a:prstClr val="black">
+                      <a:alpha val="40000"/>
+                    </a:prstClr>
+                  </a:outerShdw>
+                </a:effectLst>
+                <a:latin typeface="Times New Roman" pitchFamily="18" charset="0"/>
+                <a:cs typeface="Times New Roman" pitchFamily="18" charset="0"/>
+                <a:sym typeface="Wingdings" pitchFamily="2" charset="2"/>
+              </a:rPr>
+              <a:t> </a:t>
+            </a:r>
+            <a:r>
+              <a:rPr lang="pl-PL" sz="2000" kern="0" dirty="0" smtClean="0">
+                <a:ln w="18415" cmpd="sng">
+                  <a:noFill/>
+                  <a:prstDash val="solid"/>
+                </a:ln>
+                <a:solidFill>
+                  <a:srgbClr val="FFFFFF"/>
+                </a:solidFill>
+                <a:effectLst>
+                  <a:outerShdw blurRad="50800" dist="38100" dir="2700000" algn="tl" rotWithShape="0">
+                    <a:prstClr val="black">
+                      <a:alpha val="40000"/>
+                    </a:prstClr>
+                  </a:outerShdw>
+                </a:effectLst>
+                <a:latin typeface="Times New Roman" pitchFamily="18" charset="0"/>
+                <a:cs typeface="Times New Roman" pitchFamily="18" charset="0"/>
+              </a:rPr>
+              <a:t> </a:t>
+            </a:r>
+            <a:endParaRPr lang="en-US" sz="2000" kern="0" dirty="0" smtClean="0">
+              <a:ln w="18415" cmpd="sng">
+                <a:noFill/>
+                <a:prstDash val="solid"/>
+              </a:ln>
+              <a:solidFill>
+                <a:srgbClr val="FFFFFF"/>
+              </a:solidFill>
+              <a:effectLst>
+                <a:outerShdw blurRad="50800" dist="38100" dir="2700000" algn="tl" rotWithShape="0">
+                  <a:prstClr val="black">
+                    <a:alpha val="40000"/>
+                  </a:prstClr>
+                </a:outerShdw>
+              </a:effectLst>
+              <a:latin typeface="Times New Roman" pitchFamily="18" charset="0"/>
+              <a:cs typeface="Times New Roman" pitchFamily="18" charset="0"/>
+            </a:endParaRPr>
+          </a:p>
+          <a:p>
+            <a:pPr algn="r">
+              <a:lnSpc>
+                <a:spcPct val="150000"/>
+              </a:lnSpc>
+              <a:defRPr/>
+            </a:pPr>
+            <a:endParaRPr lang="en-US" sz="2000" kern="0" smtClean="0">
+              <a:ln w="18415" cmpd="sng">
+                <a:noFill/>
+                <a:prstDash val="solid"/>
+              </a:ln>
+              <a:solidFill>
+                <a:srgbClr val="FFFFFF"/>
+              </a:solidFill>
+              <a:effectLst>
+                <a:outerShdw blurRad="50800" dist="38100" dir="2700000" algn="tl" rotWithShape="0">
+                  <a:prstClr val="black">
+                    <a:alpha val="40000"/>
+                  </a:prstClr>
+                </a:outerShdw>
+              </a:effectLst>
+              <a:latin typeface="Times New Roman" pitchFamily="18" charset="0"/>
+              <a:cs typeface="Times New Roman" pitchFamily="18" charset="0"/>
+            </a:endParaRPr>
+          </a:p>
+          <a:p>
+            <a:pPr algn="r">
+              <a:lnSpc>
+                <a:spcPct val="150000"/>
+              </a:lnSpc>
+              <a:defRPr/>
+            </a:pPr>
+            <a:endParaRPr lang="en-US" sz="2000" kern="0" dirty="0">
+              <a:ln w="18415" cmpd="sng">
+                <a:noFill/>
+                <a:prstDash val="solid"/>
+              </a:ln>
+              <a:solidFill>
+                <a:srgbClr val="FFFFFF"/>
+              </a:solidFill>
+              <a:effectLst>
+                <a:outerShdw blurRad="50800" dist="38100" dir="2700000" algn="tl" rotWithShape="0">
+                  <a:prstClr val="black">
+                    <a:alpha val="40000"/>
+                  </a:prstClr>
+                </a:outerShdw>
+              </a:effectLst>
+              <a:latin typeface="Times New Roman" pitchFamily="18" charset="0"/>
+              <a:cs typeface="Times New Roman" pitchFamily="18" charset="0"/>
+            </a:endParaRPr>
+          </a:p>
+          <a:p>
+            <a:pPr algn="r">
+              <a:lnSpc>
+                <a:spcPct val="150000"/>
+              </a:lnSpc>
+              <a:defRPr/>
+            </a:pPr>
+            <a:r>
+              <a:rPr lang="en-US" sz="2000" kern="0" smtClean="0">
+                <a:ln w="18415" cmpd="sng">
+                  <a:noFill/>
+                  <a:prstDash val="solid"/>
+                </a:ln>
+                <a:solidFill>
+                  <a:srgbClr val="FFFFFF"/>
+                </a:solidFill>
+                <a:effectLst>
+                  <a:outerShdw blurRad="50800" dist="38100" dir="2700000" algn="tl" rotWithShape="0">
+                    <a:prstClr val="black">
+                      <a:alpha val="40000"/>
+                    </a:prstClr>
+                  </a:outerShdw>
+                </a:effectLst>
+                <a:latin typeface="Times New Roman" pitchFamily="18" charset="0"/>
+                <a:cs typeface="Times New Roman" pitchFamily="18" charset="0"/>
+              </a:rPr>
+              <a:t>Textov</a:t>
+            </a:r>
+            <a:r>
+              <a:rPr lang="sk-SK" sz="2000" kern="0" dirty="0" smtClean="0">
+                <a:ln w="18415" cmpd="sng">
+                  <a:noFill/>
+                  <a:prstDash val="solid"/>
+                </a:ln>
+                <a:solidFill>
+                  <a:srgbClr val="FFFFFF"/>
+                </a:solidFill>
+                <a:effectLst>
+                  <a:outerShdw blurRad="50800" dist="38100" dir="2700000" algn="tl" rotWithShape="0">
+                    <a:prstClr val="black">
+                      <a:alpha val="40000"/>
+                    </a:prstClr>
+                  </a:outerShdw>
+                </a:effectLst>
+                <a:latin typeface="Times New Roman" pitchFamily="18" charset="0"/>
+                <a:cs typeface="Times New Roman" pitchFamily="18" charset="0"/>
+              </a:rPr>
+              <a:t>ý blok</a:t>
+            </a:r>
+            <a:r>
+              <a:rPr lang="pl-PL" sz="2000" kern="0" dirty="0" smtClean="0">
+                <a:ln w="18415" cmpd="sng">
+                  <a:noFill/>
+                  <a:prstDash val="solid"/>
+                </a:ln>
+                <a:solidFill>
+                  <a:srgbClr val="FFFFFF"/>
+                </a:solidFill>
+                <a:effectLst>
+                  <a:outerShdw blurRad="50800" dist="38100" dir="2700000" algn="tl" rotWithShape="0">
+                    <a:prstClr val="black">
+                      <a:alpha val="40000"/>
+                    </a:prstClr>
+                  </a:outerShdw>
+                </a:effectLst>
+                <a:latin typeface="Times New Roman" pitchFamily="18" charset="0"/>
+                <a:cs typeface="Times New Roman" pitchFamily="18" charset="0"/>
+              </a:rPr>
+              <a:t> </a:t>
+            </a:r>
+            <a:r>
+              <a:rPr lang="pl-PL" sz="2000" kern="0" dirty="0">
+                <a:ln w="18415" cmpd="sng">
+                  <a:noFill/>
+                  <a:prstDash val="solid"/>
+                </a:ln>
+                <a:solidFill>
+                  <a:srgbClr val="FFFFFF"/>
+                </a:solidFill>
+                <a:effectLst>
+                  <a:outerShdw blurRad="50800" dist="38100" dir="2700000" algn="tl" rotWithShape="0">
+                    <a:prstClr val="black">
+                      <a:alpha val="40000"/>
+                    </a:prstClr>
+                  </a:outerShdw>
+                </a:effectLst>
+                <a:latin typeface="Times New Roman" pitchFamily="18" charset="0"/>
+                <a:cs typeface="Times New Roman" pitchFamily="18" charset="0"/>
+                <a:sym typeface="Wingdings" pitchFamily="2" charset="2"/>
+              </a:rPr>
+              <a:t></a:t>
+            </a:r>
+            <a:endParaRPr lang="pl-PL" sz="2000" kern="0" dirty="0" smtClean="0">
+              <a:ln w="18415" cmpd="sng">
+                <a:noFill/>
+                <a:prstDash val="solid"/>
+              </a:ln>
+              <a:solidFill>
+                <a:srgbClr val="FFFFFF"/>
+              </a:solidFill>
+              <a:effectLst>
+                <a:outerShdw blurRad="50800" dist="38100" dir="2700000" algn="tl" rotWithShape="0">
+                  <a:prstClr val="black">
+                    <a:alpha val="40000"/>
+                  </a:prstClr>
+                </a:outerShdw>
+              </a:effectLst>
+              <a:latin typeface="Times New Roman" pitchFamily="18" charset="0"/>
+              <a:cs typeface="Times New Roman" pitchFamily="18" charset="0"/>
+            </a:endParaRPr>
+          </a:p>
+        </p:txBody>
+      </p:sp>
+      <p:pic>
+        <p:nvPicPr>
+          <p:cNvPr id="4" name="Obrázok 3"/>
+          <p:cNvPicPr>
+            <a:picLocks noChangeAspect="1"/>
+          </p:cNvPicPr>
+          <p:nvPr/>
+        </p:nvPicPr>
+        <p:blipFill>
+          <a:blip r:embed="rId3">
+            <a:extLst>
+              <a:ext uri="{28A0092B-C50C-407E-A947-70E740481C1C}">
+                <a14:useLocalDpi xmlns:a14="http://schemas.microsoft.com/office/drawing/2010/main" xmlns="" val="0"/>
+              </a:ext>
+            </a:extLst>
+          </a:blip>
+          <a:stretch>
+            <a:fillRect/>
+          </a:stretch>
+        </p:blipFill>
+        <p:spPr>
+          <a:xfrm>
+            <a:off x="3428992" y="857236"/>
+            <a:ext cx="5514248" cy="4689688"/>
+          </a:xfrm>
+          <a:prstGeom prst="rect">
+            <a:avLst/>
+          </a:prstGeom>
+        </p:spPr>
+      </p:pic>
       <p:sp>
         <p:nvSpPr>
           <p:cNvPr id="5" name="Freeform 8"/>
@@ -6585,509 +6973,6 @@
           </a:p>
         </p:txBody>
       </p:sp>
-      <p:sp>
-        <p:nvSpPr>
-          <p:cNvPr id="8" name="TextBox 2"/>
-          <p:cNvSpPr txBox="1"/>
-          <p:nvPr/>
-        </p:nvSpPr>
-        <p:spPr>
-          <a:xfrm>
-            <a:off x="3286116" y="337220"/>
-            <a:ext cx="5857884" cy="492443"/>
-          </a:xfrm>
-          <a:prstGeom prst="rect">
-            <a:avLst/>
-          </a:prstGeom>
-          <a:noFill/>
-          <a:effectLst/>
-        </p:spPr>
-        <p:txBody>
-          <a:bodyPr wrap="square" lIns="0" tIns="0" rIns="0" bIns="0" rtlCol="0">
-            <a:spAutoFit/>
-          </a:bodyPr>
-          <a:lstStyle/>
-          <a:p>
-            <a:pPr lvl="0" algn="ctr">
-              <a:defRPr/>
-            </a:pPr>
-            <a:r>
-              <a:rPr lang="sk-SK" sz="3200" b="1" kern="0" smtClean="0">
-                <a:ln w="18415" cmpd="sng">
-                  <a:noFill/>
-                  <a:prstDash val="solid"/>
-                </a:ln>
-                <a:solidFill>
-                  <a:srgbClr val="FFFFFF"/>
-                </a:solidFill>
-                <a:effectLst>
-                  <a:outerShdw blurRad="50800" dist="38100" dir="2700000" algn="tl" rotWithShape="0">
-                    <a:prstClr val="black">
-                      <a:alpha val="40000"/>
-                    </a:prstClr>
-                  </a:outerShdw>
-                </a:effectLst>
-                <a:latin typeface="Times New Roman" pitchFamily="18" charset="0"/>
-                <a:cs typeface="Times New Roman" pitchFamily="18" charset="0"/>
-              </a:rPr>
-              <a:t>Spracovanie AST stromu</a:t>
-            </a:r>
-            <a:endParaRPr lang="en-US" sz="3200" b="1" kern="0" dirty="0" smtClean="0">
-              <a:ln w="18415" cmpd="sng">
-                <a:noFill/>
-                <a:prstDash val="solid"/>
-              </a:ln>
-              <a:solidFill>
-                <a:srgbClr val="FFFFFF"/>
-              </a:solidFill>
-              <a:effectLst>
-                <a:outerShdw blurRad="50800" dist="38100" dir="2700000" algn="tl" rotWithShape="0">
-                  <a:prstClr val="black">
-                    <a:alpha val="40000"/>
-                  </a:prstClr>
-                </a:outerShdw>
-              </a:effectLst>
-              <a:latin typeface="Times New Roman" pitchFamily="18" charset="0"/>
-              <a:cs typeface="Times New Roman" pitchFamily="18" charset="0"/>
-            </a:endParaRPr>
-          </a:p>
-        </p:txBody>
-      </p:sp>
-      <p:sp>
-        <p:nvSpPr>
-          <p:cNvPr id="11" name="TextBox 47"/>
-          <p:cNvSpPr txBox="1"/>
-          <p:nvPr/>
-        </p:nvSpPr>
-        <p:spPr>
-          <a:xfrm>
-            <a:off x="107504" y="5399519"/>
-            <a:ext cx="2051719" cy="315481"/>
-          </a:xfrm>
-          <a:prstGeom prst="rect">
-            <a:avLst/>
-          </a:prstGeom>
-          <a:noFill/>
-          <a:effectLst>
-            <a:outerShdw blurRad="50800" dist="38100" dir="2700000" algn="tl" rotWithShape="0">
-              <a:prstClr val="black">
-                <a:alpha val="40000"/>
-              </a:prstClr>
-            </a:outerShdw>
-          </a:effectLst>
-        </p:spPr>
-        <p:txBody>
-          <a:bodyPr wrap="square" lIns="68589" tIns="34295" rIns="68589" bIns="34295" rtlCol="0">
-            <a:spAutoFit/>
-          </a:bodyPr>
-          <a:lstStyle/>
-          <a:p>
-            <a:pPr marL="0" marR="0" lvl="0" indent="0" defTabSz="914400" eaLnBrk="1" fontAlgn="base" latinLnBrk="0" hangingPunct="1">
-              <a:lnSpc>
-                <a:spcPct val="100000"/>
-              </a:lnSpc>
-              <a:spcBef>
-                <a:spcPct val="0"/>
-              </a:spcBef>
-              <a:spcAft>
-                <a:spcPct val="0"/>
-              </a:spcAft>
-              <a:buClrTx/>
-              <a:buSzTx/>
-              <a:buFontTx/>
-              <a:buNone/>
-              <a:tabLst/>
-              <a:defRPr/>
-            </a:pPr>
-            <a:r>
-              <a:rPr kumimoji="0" lang="sk-SK" sz="1600" b="0" i="1" u="none" strike="noStrike" kern="0" cap="none" spc="0" normalizeH="0" baseline="0" noProof="0" dirty="0" smtClean="0">
-                <a:ln>
-                  <a:noFill/>
-                </a:ln>
-                <a:solidFill>
-                  <a:schemeClr val="bg1">
-                    <a:lumMod val="65000"/>
-                  </a:schemeClr>
-                </a:solidFill>
-                <a:effectLst>
-                  <a:outerShdw blurRad="38100" dist="38100" dir="2700000" algn="tl">
-                    <a:srgbClr val="000000">
-                      <a:alpha val="43137"/>
-                    </a:srgbClr>
-                  </a:outerShdw>
-                </a:effectLst>
-                <a:uLnTx/>
-                <a:uFillTx/>
-                <a:latin typeface="Constantia" pitchFamily="18" charset="0"/>
-              </a:rPr>
-              <a:t>Innovators </a:t>
-            </a:r>
-            <a:r>
-              <a:rPr kumimoji="0" lang="sk-SK" sz="1200" b="0" i="1" u="none" strike="noStrike" kern="0" cap="none" spc="0" normalizeH="0" baseline="0" noProof="0" dirty="0" smtClean="0">
-                <a:ln>
-                  <a:noFill/>
-                </a:ln>
-                <a:solidFill>
-                  <a:schemeClr val="bg1">
-                    <a:lumMod val="65000"/>
-                  </a:schemeClr>
-                </a:solidFill>
-                <a:effectLst>
-                  <a:outerShdw blurRad="38100" dist="38100" dir="2700000" algn="tl">
-                    <a:srgbClr val="000000">
-                      <a:alpha val="43137"/>
-                    </a:srgbClr>
-                  </a:outerShdw>
-                </a:effectLst>
-                <a:uLnTx/>
-                <a:uFillTx/>
-                <a:latin typeface="Constantia" pitchFamily="18" charset="0"/>
-              </a:rPr>
-              <a:t>|</a:t>
-            </a:r>
-            <a:r>
-              <a:rPr kumimoji="0" lang="sk-SK" sz="1200" b="0" i="1" u="none" strike="noStrike" kern="0" cap="none" spc="0" normalizeH="0" noProof="0" dirty="0" smtClean="0">
-                <a:ln>
-                  <a:noFill/>
-                </a:ln>
-                <a:solidFill>
-                  <a:schemeClr val="bg1">
-                    <a:lumMod val="65000"/>
-                  </a:schemeClr>
-                </a:solidFill>
-                <a:effectLst>
-                  <a:outerShdw blurRad="38100" dist="38100" dir="2700000" algn="tl">
-                    <a:srgbClr val="000000">
-                      <a:alpha val="43137"/>
-                    </a:srgbClr>
-                  </a:outerShdw>
-                </a:effectLst>
-                <a:uLnTx/>
-                <a:uFillTx/>
-                <a:latin typeface="Constantia" pitchFamily="18" charset="0"/>
-              </a:rPr>
-              <a:t> </a:t>
-            </a:r>
-            <a:r>
-              <a:rPr kumimoji="0" lang="sk-SK" sz="1200" b="0" i="1" u="none" strike="noStrike" kern="0" cap="none" spc="0" normalizeH="0" baseline="0" noProof="0" dirty="0" smtClean="0">
-                <a:ln>
-                  <a:noFill/>
-                </a:ln>
-                <a:solidFill>
-                  <a:schemeClr val="bg1">
-                    <a:lumMod val="65000"/>
-                  </a:schemeClr>
-                </a:solidFill>
-                <a:effectLst>
-                  <a:outerShdw blurRad="38100" dist="38100" dir="2700000" algn="tl">
-                    <a:srgbClr val="000000">
-                      <a:alpha val="43137"/>
-                    </a:srgbClr>
-                  </a:outerShdw>
-                </a:effectLst>
-                <a:uLnTx/>
-                <a:uFillTx/>
-                <a:latin typeface="Constantia" pitchFamily="18" charset="0"/>
-              </a:rPr>
-              <a:t>tím</a:t>
-            </a:r>
-            <a:r>
-              <a:rPr kumimoji="0" lang="sk-SK" sz="1400" b="0" i="1" u="none" strike="noStrike" kern="0" cap="none" spc="0" normalizeH="0" baseline="0" noProof="0" dirty="0" smtClean="0">
-                <a:ln>
-                  <a:noFill/>
-                </a:ln>
-                <a:solidFill>
-                  <a:schemeClr val="bg1">
-                    <a:lumMod val="65000"/>
-                  </a:schemeClr>
-                </a:solidFill>
-                <a:effectLst>
-                  <a:outerShdw blurRad="38100" dist="38100" dir="2700000" algn="tl">
-                    <a:srgbClr val="000000">
-                      <a:alpha val="43137"/>
-                    </a:srgbClr>
-                  </a:outerShdw>
-                </a:effectLst>
-                <a:uLnTx/>
-                <a:uFillTx/>
-                <a:latin typeface="Constantia" pitchFamily="18" charset="0"/>
-              </a:rPr>
-              <a:t> č.10</a:t>
-            </a:r>
-            <a:endParaRPr kumimoji="0" lang="en-US" sz="1600" b="0" i="1" u="none" strike="noStrike" kern="0" cap="none" spc="0" normalizeH="0" baseline="0" noProof="0" dirty="0">
-              <a:ln>
-                <a:noFill/>
-              </a:ln>
-              <a:solidFill>
-                <a:schemeClr val="bg1">
-                  <a:lumMod val="65000"/>
-                </a:schemeClr>
-              </a:solidFill>
-              <a:effectLst>
-                <a:outerShdw blurRad="38100" dist="38100" dir="2700000" algn="tl">
-                  <a:srgbClr val="000000">
-                    <a:alpha val="43137"/>
-                  </a:srgbClr>
-                </a:outerShdw>
-              </a:effectLst>
-              <a:uLnTx/>
-              <a:uFillTx/>
-              <a:latin typeface="Constantia" pitchFamily="18" charset="0"/>
-            </a:endParaRPr>
-          </a:p>
-        </p:txBody>
-      </p:sp>
-      <p:sp>
-        <p:nvSpPr>
-          <p:cNvPr id="7" name="TextBox 2"/>
-          <p:cNvSpPr txBox="1"/>
-          <p:nvPr/>
-        </p:nvSpPr>
-        <p:spPr>
-          <a:xfrm>
-            <a:off x="428596" y="1142988"/>
-            <a:ext cx="8286808" cy="923330"/>
-          </a:xfrm>
-          <a:prstGeom prst="rect">
-            <a:avLst/>
-          </a:prstGeom>
-          <a:noFill/>
-        </p:spPr>
-        <p:txBody>
-          <a:bodyPr wrap="square" lIns="0" tIns="0" rIns="0" bIns="0" rtlCol="0">
-            <a:spAutoFit/>
-          </a:bodyPr>
-          <a:lstStyle/>
-          <a:p>
-            <a:pPr>
-              <a:lnSpc>
-                <a:spcPct val="150000"/>
-              </a:lnSpc>
-              <a:buFont typeface="Arial" pitchFamily="34" charset="0"/>
-              <a:buChar char="•"/>
-              <a:defRPr/>
-            </a:pPr>
-            <a:r>
-              <a:rPr lang="en-US" sz="2000" kern="0" dirty="0" smtClean="0">
-                <a:ln w="18415" cmpd="sng">
-                  <a:noFill/>
-                  <a:prstDash val="solid"/>
-                </a:ln>
-                <a:solidFill>
-                  <a:srgbClr val="FFFFFF"/>
-                </a:solidFill>
-                <a:effectLst>
-                  <a:outerShdw blurRad="50800" dist="38100" dir="2700000" algn="tl" rotWithShape="0">
-                    <a:prstClr val="black">
-                      <a:alpha val="40000"/>
-                    </a:prstClr>
-                  </a:outerShdw>
-                </a:effectLst>
-                <a:latin typeface="Times New Roman" pitchFamily="18" charset="0"/>
-                <a:cs typeface="Times New Roman" pitchFamily="18" charset="0"/>
-              </a:rPr>
-              <a:t>Abstract Syntax Tree – </a:t>
-            </a:r>
-            <a:r>
-              <a:rPr lang="en-US" sz="2000" kern="0" dirty="0" err="1" smtClean="0">
-                <a:ln w="18415" cmpd="sng">
-                  <a:noFill/>
-                  <a:prstDash val="solid"/>
-                </a:ln>
-                <a:solidFill>
-                  <a:srgbClr val="FFFFFF"/>
-                </a:solidFill>
-                <a:effectLst>
-                  <a:outerShdw blurRad="50800" dist="38100" dir="2700000" algn="tl" rotWithShape="0">
-                    <a:prstClr val="black">
-                      <a:alpha val="40000"/>
-                    </a:prstClr>
-                  </a:outerShdw>
-                </a:effectLst>
-                <a:latin typeface="Times New Roman" pitchFamily="18" charset="0"/>
-                <a:cs typeface="Times New Roman" pitchFamily="18" charset="0"/>
-              </a:rPr>
-              <a:t>stromov</a:t>
-            </a:r>
-            <a:r>
-              <a:rPr lang="sk-SK" sz="2000" kern="0" dirty="0" smtClean="0">
-                <a:ln w="18415" cmpd="sng">
-                  <a:noFill/>
-                  <a:prstDash val="solid"/>
-                </a:ln>
-                <a:solidFill>
-                  <a:srgbClr val="FFFFFF"/>
-                </a:solidFill>
-                <a:effectLst>
-                  <a:outerShdw blurRad="50800" dist="38100" dir="2700000" algn="tl" rotWithShape="0">
-                    <a:prstClr val="black">
-                      <a:alpha val="40000"/>
-                    </a:prstClr>
-                  </a:outerShdw>
-                </a:effectLst>
-                <a:latin typeface="Times New Roman" pitchFamily="18" charset="0"/>
-                <a:cs typeface="Times New Roman" pitchFamily="18" charset="0"/>
-              </a:rPr>
-              <a:t>á reprezentácia štruktúry zdrojového kódu</a:t>
-            </a:r>
-          </a:p>
-          <a:p>
-            <a:pPr>
-              <a:lnSpc>
-                <a:spcPct val="150000"/>
-              </a:lnSpc>
-              <a:buFont typeface="Arial" pitchFamily="34" charset="0"/>
-              <a:buChar char="•"/>
-              <a:defRPr/>
-            </a:pPr>
-            <a:r>
-              <a:rPr lang="sk-SK" sz="2000" kern="0" dirty="0" smtClean="0">
-                <a:ln w="18415" cmpd="sng">
-                  <a:noFill/>
-                  <a:prstDash val="solid"/>
-                </a:ln>
-                <a:solidFill>
-                  <a:srgbClr val="FFFFFF"/>
-                </a:solidFill>
-                <a:effectLst>
-                  <a:outerShdw blurRad="50800" dist="38100" dir="2700000" algn="tl" rotWithShape="0">
-                    <a:prstClr val="black">
-                      <a:alpha val="40000"/>
-                    </a:prstClr>
-                  </a:outerShdw>
-                </a:effectLst>
-                <a:latin typeface="Times New Roman" pitchFamily="18" charset="0"/>
-                <a:cs typeface="Times New Roman" pitchFamily="18" charset="0"/>
-              </a:rPr>
-              <a:t>Abstraktný</a:t>
-            </a:r>
-            <a:r>
-              <a:rPr lang="en-US" sz="2000" kern="0" dirty="0" smtClean="0">
-                <a:ln w="18415" cmpd="sng">
-                  <a:noFill/>
-                  <a:prstDash val="solid"/>
-                </a:ln>
-                <a:solidFill>
-                  <a:srgbClr val="FFFFFF"/>
-                </a:solidFill>
-                <a:effectLst>
-                  <a:outerShdw blurRad="50800" dist="38100" dir="2700000" algn="tl" rotWithShape="0">
-                    <a:prstClr val="black">
-                      <a:alpha val="40000"/>
-                    </a:prstClr>
-                  </a:outerShdw>
-                </a:effectLst>
-                <a:latin typeface="Times New Roman" pitchFamily="18" charset="0"/>
-                <a:cs typeface="Times New Roman" pitchFamily="18" charset="0"/>
-              </a:rPr>
-              <a:t> =</a:t>
-            </a:r>
-            <a:r>
-              <a:rPr lang="sk-SK" sz="2000" kern="0" dirty="0" smtClean="0">
-                <a:ln w="18415" cmpd="sng">
-                  <a:noFill/>
-                  <a:prstDash val="solid"/>
-                </a:ln>
-                <a:solidFill>
-                  <a:srgbClr val="FFFFFF"/>
-                </a:solidFill>
-                <a:effectLst>
-                  <a:outerShdw blurRad="50800" dist="38100" dir="2700000" algn="tl" rotWithShape="0">
-                    <a:prstClr val="black">
-                      <a:alpha val="40000"/>
-                    </a:prstClr>
-                  </a:outerShdw>
-                </a:effectLst>
-                <a:latin typeface="Times New Roman" pitchFamily="18" charset="0"/>
-                <a:cs typeface="Times New Roman" pitchFamily="18" charset="0"/>
-              </a:rPr>
-              <a:t> neviaže sa na konkrétny programovací jazyk</a:t>
-            </a:r>
-            <a:endParaRPr lang="pl-PL" sz="2000" kern="0" dirty="0" smtClean="0">
-              <a:ln w="18415" cmpd="sng">
-                <a:noFill/>
-                <a:prstDash val="solid"/>
-              </a:ln>
-              <a:solidFill>
-                <a:srgbClr val="FFFFFF"/>
-              </a:solidFill>
-              <a:effectLst>
-                <a:outerShdw blurRad="50800" dist="38100" dir="2700000" algn="tl" rotWithShape="0">
-                  <a:prstClr val="black">
-                    <a:alpha val="40000"/>
-                  </a:prstClr>
-                </a:outerShdw>
-              </a:effectLst>
-              <a:latin typeface="Times New Roman" pitchFamily="18" charset="0"/>
-              <a:cs typeface="Times New Roman" pitchFamily="18" charset="0"/>
-            </a:endParaRPr>
-          </a:p>
-        </p:txBody>
-      </p:sp>
-      <p:pic>
-        <p:nvPicPr>
-          <p:cNvPr id="1026" name="Picture 2"/>
-          <p:cNvPicPr>
-            <a:picLocks noChangeAspect="1" noChangeArrowheads="1"/>
-          </p:cNvPicPr>
-          <p:nvPr/>
-        </p:nvPicPr>
-        <p:blipFill>
-          <a:blip r:embed="rId3" cstate="print">
-            <a:extLst>
-              <a:ext uri="{28A0092B-C50C-407E-A947-70E740481C1C}">
-                <a14:useLocalDpi xmlns:a14="http://schemas.microsoft.com/office/drawing/2010/main" val="0"/>
-              </a:ext>
-            </a:extLst>
-          </a:blip>
-          <a:srcRect/>
-          <a:stretch>
-            <a:fillRect/>
-          </a:stretch>
-        </p:blipFill>
-        <p:spPr bwMode="auto">
-          <a:xfrm>
-            <a:off x="1728430" y="2652266"/>
-            <a:ext cx="5401419" cy="2505101"/>
-          </a:xfrm>
-          <a:prstGeom prst="rect">
-            <a:avLst/>
-          </a:prstGeom>
-          <a:noFill/>
-          <a:ln>
-            <a:noFill/>
-          </a:ln>
-          <a:effectLst/>
-          <a:extLst>
-            <a:ext uri="{909E8E84-426E-40DD-AFC4-6F175D3DCCD1}">
-              <a14:hiddenFill xmlns:a14="http://schemas.microsoft.com/office/drawing/2010/main">
-                <a:solidFill>
-                  <a:schemeClr val="accent1"/>
-                </a:solidFill>
-              </a14:hiddenFill>
-            </a:ext>
-            <a:ext uri="{91240B29-F687-4F45-9708-019B960494DF}">
-              <a14:hiddenLine xmlns:a14="http://schemas.microsoft.com/office/drawing/2010/main" w="9525">
-                <a:solidFill>
-                  <a:schemeClr val="tx1"/>
-                </a:solidFill>
-                <a:miter lim="800000"/>
-                <a:headEnd/>
-                <a:tailEnd/>
-              </a14:hiddenLine>
-            </a:ext>
-            <a:ext uri="{AF507438-7753-43E0-B8FC-AC1667EBCBE1}">
-              <a14:hiddenEffects xmlns:a14="http://schemas.microsoft.com/office/drawing/2010/main">
-                <a:effectLst>
-                  <a:outerShdw dist="35921" dir="2700000" algn="ctr" rotWithShape="0">
-                    <a:schemeClr val="bg2"/>
-                  </a:outerShdw>
-                </a:effectLst>
-              </a14:hiddenEffects>
-            </a:ext>
-          </a:extLst>
-        </p:spPr>
-      </p:pic>
     </p:spTree>
   </p:cSld>
   <p:clrMapOvr>
@@ -7374,14 +7259,66 @@
       </p:grpSpPr>
       <p:sp>
         <p:nvSpPr>
+          <p:cNvPr id="2" name="Obdĺžnik 1"/>
+          <p:cNvSpPr/>
+          <p:nvPr/>
+        </p:nvSpPr>
+        <p:spPr>
+          <a:xfrm>
+            <a:off x="719981" y="2401937"/>
+            <a:ext cx="7056784" cy="3005760"/>
+          </a:xfrm>
+          <a:prstGeom prst="rect">
+            <a:avLst/>
+          </a:prstGeom>
+          <a:solidFill>
+            <a:schemeClr val="bg1"/>
+          </a:solidFill>
+          <a:ln>
+            <a:solidFill>
+              <a:schemeClr val="bg1"/>
+            </a:solidFill>
+          </a:ln>
+        </p:spPr>
+        <p:style>
+          <a:lnRef idx="2">
+            <a:schemeClr val="accent1">
+              <a:shade val="50000"/>
+            </a:schemeClr>
+          </a:lnRef>
+          <a:fillRef idx="1">
+            <a:schemeClr val="accent1"/>
+          </a:fillRef>
+          <a:effectRef idx="0">
+            <a:schemeClr val="accent1"/>
+          </a:effectRef>
+          <a:fontRef idx="minor">
+            <a:schemeClr val="lt1"/>
+          </a:fontRef>
+        </p:style>
+        <p:txBody>
+          <a:bodyPr rtlCol="0" anchor="ctr"/>
+          <a:lstStyle/>
+          <a:p>
+            <a:pPr algn="ctr"/>
+            <a:endParaRPr lang="sk-SK">
+              <a:solidFill>
+                <a:schemeClr val="bg1"/>
+              </a:solidFill>
+            </a:endParaRPr>
+          </a:p>
+        </p:txBody>
+      </p:sp>
+      <p:sp>
+        <p:nvSpPr>
           <p:cNvPr id="22" name="Round Same Side Corner Rectangle 15"/>
           <p:cNvSpPr/>
           <p:nvPr/>
         </p:nvSpPr>
         <p:spPr bwMode="auto">
           <a:xfrm rot="5400000">
-            <a:off x="2393157" y="-1393045"/>
-            <a:ext cx="4071966" cy="8858280"/>
+            <a:off x="3860486" y="-2860374"/>
+            <a:ext cx="1137308" cy="8858280"/>
           </a:xfrm>
           <a:prstGeom prst="round2SameRect">
             <a:avLst/>
@@ -7583,7 +7520,7 @@
                 <a:latin typeface="Times New Roman" pitchFamily="18" charset="0"/>
                 <a:cs typeface="Times New Roman" pitchFamily="18" charset="0"/>
               </a:rPr>
-              <a:t>Implementácia prototypu</a:t>
+              <a:t>Spracovanie AST stromu</a:t>
             </a:r>
             <a:endParaRPr lang="en-US" sz="3200" b="1" kern="0" dirty="0" smtClean="0">
               <a:ln w="18415" cmpd="sng">
@@ -7799,7 +7736,7 @@
         <p:spPr>
           <a:xfrm>
             <a:off x="428596" y="1142988"/>
-            <a:ext cx="8286808" cy="3231654"/>
+            <a:ext cx="8286808" cy="923330"/>
           </a:xfrm>
           <a:prstGeom prst="rect">
             <a:avLst/>
@@ -7821,7 +7758,7 @@
               <a:defRPr/>
             </a:pPr>
             <a:r>
-              <a:rPr lang="sk-SK" sz="2000" kern="0" smtClean="0">
+              <a:rPr lang="en-US" sz="2000" kern="0" dirty="0" smtClean="0">
                 <a:ln w="18415" cmpd="sng">
                   <a:noFill/>
                   <a:prstDash val="solid"/>
@@ -7839,7 +7776,49 @@
                 <a:latin typeface="Times New Roman" pitchFamily="18" charset="0"/>
                 <a:cs typeface="Times New Roman" pitchFamily="18" charset="0"/>
               </a:rPr>
-              <a:t> Vykonaný refactoring podľa zadefinovaných štýlov</a:t>
+              <a:t>Abstract Syntax Tree – </a:t>
+            </a:r>
+            <a:r>
+              <a:rPr lang="en-US" sz="2000" kern="0" dirty="0" err="1" smtClean="0">
+                <a:ln w="18415" cmpd="sng">
+                  <a:noFill/>
+                  <a:prstDash val="solid"/>
+                </a:ln>
+                <a:solidFill>
+                  <a:srgbClr val="FFFFFF"/>
+                </a:solidFill>
+                <a:effectLst>
+                  <a:outerShdw blurRad="50800" dist="38100" dir="2700000" algn="tl" rotWithShape="0">
+                    <a:prstClr val="black">
+                      <a:alpha val="40000"/>
+                    </a:prstClr>
+                  </a:outerShdw>
+                </a:effectLst>
+                <a:latin typeface="Times New Roman" pitchFamily="18" charset="0"/>
+                <a:cs typeface="Times New Roman" pitchFamily="18" charset="0"/>
+              </a:rPr>
+              <a:t>stromov</a:t>
+            </a:r>
+            <a:r>
+              <a:rPr lang="sk-SK" sz="2000" kern="0" dirty="0" smtClean="0">
+                <a:ln w="18415" cmpd="sng">
+                  <a:noFill/>
+                  <a:prstDash val="solid"/>
+                </a:ln>
+                <a:solidFill>
+                  <a:srgbClr val="FFFFFF"/>
+                </a:solidFill>
+                <a:effectLst>
+                  <a:outerShdw blurRad="50800" dist="38100" dir="2700000" algn="tl" rotWithShape="0">
+                    <a:prstClr val="black">
+                      <a:alpha val="40000"/>
+                    </a:prstClr>
+                  </a:outerShdw>
+                </a:effectLst>
+                <a:latin typeface="Times New Roman" pitchFamily="18" charset="0"/>
+                <a:cs typeface="Times New Roman" pitchFamily="18" charset="0"/>
+              </a:rPr>
+              <a:t>á reprezentácia štruktúry zdrojového kódu</a:t>
             </a:r>
           </a:p>
           <a:p>
@@ -7852,7 +7831,7 @@
               <a:defRPr/>
             </a:pPr>
             <a:r>
-              <a:rPr lang="sk-SK" sz="2000" kern="0" smtClean="0">
+              <a:rPr lang="sk-SK" sz="2000" kern="0" dirty="0" smtClean="0">
                 <a:ln w="18415" cmpd="sng">
                   <a:noFill/>
                   <a:prstDash val="solid"/>
@@ -7870,20 +7849,10 @@
                 <a:latin typeface="Times New Roman" pitchFamily="18" charset="0"/>
                 <a:cs typeface="Times New Roman" pitchFamily="18" charset="0"/>
               </a:rPr>
-              <a:t> Implementácia funkcií pre prácu s AST stromom na strane Lua</a:t>
-            </a:r>
-          </a:p>
-          <a:p>
-            <a:pPr>
-              <a:lnSpc>
-                <a:spcPct val="150000"/>
-              </a:lnSpc>
-              <a:buFont typeface="Arial" pitchFamily="34" charset="0"/>
-              <a:buChar char="•"/>
-              <a:defRPr/>
-            </a:pPr>
-            <a:r>
-              <a:rPr lang="sk-SK" sz="2000" kern="0" smtClean="0">
+              <a:t>Abstraktný</a:t>
+            </a:r>
+            <a:r>
+              <a:rPr lang="en-US" sz="2000" kern="0" dirty="0" smtClean="0">
                 <a:ln w="18415" cmpd="sng">
                   <a:noFill/>
                   <a:prstDash val="solid"/>
@@ -7901,20 +7870,10 @@
                 <a:latin typeface="Times New Roman" pitchFamily="18" charset="0"/>
                 <a:cs typeface="Times New Roman" pitchFamily="18" charset="0"/>
               </a:rPr>
-              <a:t> Zabudovanie dvoch módov – Undo Redo v rámci práce s textom</a:t>
-            </a:r>
-          </a:p>
-          <a:p>
-            <a:pPr>
-              <a:lnSpc>
-                <a:spcPct val="150000"/>
-              </a:lnSpc>
-              <a:buFont typeface="Arial" pitchFamily="34" charset="0"/>
-              <a:buChar char="•"/>
-              <a:defRPr/>
-            </a:pPr>
-            <a:r>
-              <a:rPr lang="sk-SK" sz="2000" kern="0" smtClean="0">
+              <a:t> =</a:t>
+            </a:r>
+            <a:r>
+              <a:rPr lang="sk-SK" sz="2000" kern="0" dirty="0" smtClean="0">
                 <a:ln w="18415" cmpd="sng">
                   <a:noFill/>
                   <a:prstDash val="solid"/>
@@ -7932,81 +7891,9 @@
                 <a:latin typeface="Times New Roman" pitchFamily="18" charset="0"/>
                 <a:cs typeface="Times New Roman" pitchFamily="18" charset="0"/>
               </a:rPr>
-              <a:t> Zabudovanie paralelizmu – spracovanie syntaktickej analýzi na pozadí</a:t>
-            </a:r>
-          </a:p>
-          <a:p>
-            <a:pPr>
-              <a:lnSpc>
-                <a:spcPct val="150000"/>
-              </a:lnSpc>
-              <a:buFont typeface="Arial" pitchFamily="34" charset="0"/>
-              <a:buChar char="•"/>
-              <a:defRPr/>
-            </a:pPr>
-            <a:r>
-              <a:rPr lang="sk-SK" sz="2000" kern="0" smtClean="0">
-                <a:ln w="18415" cmpd="sng">
-                  <a:noFill/>
-                  <a:prstDash val="solid"/>
-                </a:ln>
-                <a:solidFill>
-                  <a:srgbClr val="FFFFFF"/>
-                </a:solidFill>
-                <a:effectLst>
-                  <a:outerShdw blurRad="50800" dist="38100" dir="2700000" algn="tl" rotWithShape="0">
-                    <a:prstClr val="black">
-                      <a:alpha val="40000"/>
-                    </a:prstClr>
-                  </a:outerShdw>
-                </a:effectLst>
-                <a:latin typeface="Times New Roman" pitchFamily="18" charset="0"/>
-                <a:cs typeface="Times New Roman" pitchFamily="18" charset="0"/>
-              </a:rPr>
-              <a:t> Zabudovanie Shortcuts – rozšírenie existujúcich skratiek </a:t>
-            </a:r>
-          </a:p>
-          <a:p>
-            <a:pPr>
-              <a:lnSpc>
-                <a:spcPct val="150000"/>
-              </a:lnSpc>
-              <a:buFont typeface="Arial" pitchFamily="34" charset="0"/>
-              <a:buChar char="•"/>
-              <a:defRPr/>
-            </a:pPr>
-            <a:r>
-              <a:rPr lang="sk-SK" sz="2000" kern="0" smtClean="0">
-                <a:ln w="18415" cmpd="sng">
-                  <a:noFill/>
-                  <a:prstDash val="solid"/>
-                </a:ln>
-                <a:solidFill>
-                  <a:srgbClr val="FFFFFF"/>
-                </a:solidFill>
-                <a:effectLst>
-                  <a:outerShdw blurRad="50800" dist="38100" dir="2700000" algn="tl" rotWithShape="0">
-                    <a:prstClr val="black">
-                      <a:alpha val="40000"/>
-                    </a:prstClr>
-                  </a:outerShdw>
-                </a:effectLst>
-                <a:latin typeface="Times New Roman" pitchFamily="18" charset="0"/>
-                <a:cs typeface="Times New Roman" pitchFamily="18" charset="0"/>
-              </a:rPr>
-              <a:t> Úprava editora za použitia CSS štýlov</a:t>
-            </a:r>
-          </a:p>
-          <a:p>
-            <a:pPr>
-              <a:lnSpc>
-                <a:spcPct val="150000"/>
-              </a:lnSpc>
-              <a:buFont typeface="Arial" pitchFamily="34" charset="0"/>
-              <a:buChar char="•"/>
-              <a:defRPr/>
-            </a:pPr>
-            <a:endParaRPr lang="pl-PL" sz="2000" kern="0" smtClean="0">
+              <a:t> neviaže sa na konkrétny programovací jazyk</a:t>
+            </a:r>
+            <a:endParaRPr lang="pl-PL" sz="2000" kern="0" dirty="0" smtClean="0">
               <a:ln w="18415" cmpd="sng">
                 <a:noFill/>
                 <a:prstDash val="solid"/>
@@ -8027,6 +7914,70 @@
           </a:p>
         </p:txBody>
       </p:sp>
+      <p:pic>
+        <p:nvPicPr>
+          <p:cNvPr id="1026" name="Picture 2"/>
+          <p:cNvPicPr>
+            <a:picLocks noChangeAspect="1" noChangeArrowheads="1"/>
+          </p:cNvPicPr>
+          <p:nvPr/>
+        </p:nvPicPr>
+        <p:blipFill>
+          <a:blip r:embed="rId3" cstate="print">
+            <a:extLst>
+              <a:ext uri="{28A0092B-C50C-407E-A947-70E740481C1C}">
+                <a14:useLocalDpi xmlns:a14="http://schemas.microsoft.com/office/drawing/2010/main" xmlns="" val="0"/>
+              </a:ext>
+            </a:extLst>
+          </a:blip>
+          <a:srcRect/>
+          <a:stretch>
+            <a:fillRect/>
+          </a:stretch>
+        </p:blipFill>
+        <p:spPr bwMode="auto">
+          <a:xfrm>
+            <a:off x="1728430" y="2652266"/>
+            <a:ext cx="5401419" cy="2505101"/>
+          </a:xfrm>
+          <a:prstGeom prst="rect">
+            <a:avLst/>
+          </a:prstGeom>
+          <a:noFill/>
+          <a:ln>
+            <a:noFill/>
+          </a:ln>
+          <a:effectLst/>
+          <a:extLst>
+            <a:ext uri="{909E8E84-426E-40DD-AFC4-6F175D3DCCD1}">
+              <a14:hiddenFill xmlns:a14="http://schemas.microsoft.com/office/drawing/2010/main" xmlns="">
+                <a:solidFill>
+                  <a:schemeClr val="accent1"/>
+                </a:solidFill>
+              </a14:hiddenFill>
+            </a:ext>
+            <a:ext uri="{91240B29-F687-4F45-9708-019B960494DF}">
+              <a14:hiddenLine xmlns:a14="http://schemas.microsoft.com/office/drawing/2010/main" xmlns="" w="9525">
+                <a:solidFill>
+                  <a:schemeClr val="tx1"/>
+                </a:solidFill>
+                <a:miter lim="800000"/>
+                <a:headEnd/>
+                <a:tailEnd/>
+              </a14:hiddenLine>
+            </a:ext>
+            <a:ext uri="{AF507438-7753-43E0-B8FC-AC1667EBCBE1}">
+              <a14:hiddenEffects xmlns:a14="http://schemas.microsoft.com/office/drawing/2010/main" xmlns="">
+                <a:effectLst>
+                  <a:outerShdw dist="35921" dir="2700000" algn="ctr" rotWithShape="0">
+                    <a:schemeClr val="bg2"/>
+                  </a:outerShdw>
+                </a:effectLst>
+              </a14:hiddenEffects>
+            </a:ext>
+          </a:extLst>
+        </p:spPr>
+      </p:pic>
     </p:spTree>
   </p:cSld>
   <p:clrMapOvr>
@@ -8522,7 +8473,7 @@
                 <a:latin typeface="Times New Roman" pitchFamily="18" charset="0"/>
                 <a:cs typeface="Times New Roman" pitchFamily="18" charset="0"/>
               </a:rPr>
-              <a:t>Výzvy</a:t>
+              <a:t>Implementácia prototypu</a:t>
             </a:r>
             <a:endParaRPr lang="en-US" sz="3200" b="1" kern="0" dirty="0" smtClean="0">
               <a:ln w="18415" cmpd="sng">
@@ -8738,7 +8689,7 @@
         <p:spPr>
           <a:xfrm>
             <a:off x="428596" y="1142988"/>
-            <a:ext cx="8286808" cy="2308324"/>
+            <a:ext cx="8286808" cy="3693319"/>
           </a:xfrm>
           <a:prstGeom prst="rect">
             <a:avLst/>
@@ -8753,14 +8704,14 @@
           <a:p>
             <a:pPr>
               <a:lnSpc>
-                <a:spcPct val="150000"/>
+                <a:spcPct val="200000"/>
               </a:lnSpc>
               <a:buFont typeface="Arial" pitchFamily="34" charset="0"/>
               <a:buChar char="•"/>
               <a:defRPr/>
             </a:pPr>
             <a:r>
-              <a:rPr lang="pl-PL" sz="2000" kern="0" smtClean="0">
+              <a:rPr lang="sk-SK" sz="2000" kern="0" smtClean="0">
                 <a:ln w="18415" cmpd="sng">
                   <a:noFill/>
                   <a:prstDash val="solid"/>
@@ -8778,20 +8729,20 @@
                 <a:latin typeface="Times New Roman" pitchFamily="18" charset="0"/>
                 <a:cs typeface="Times New Roman" pitchFamily="18" charset="0"/>
               </a:rPr>
-              <a:t> Držanie AST stromu na strane Lia – už len dopytovanie na strom z Qt</a:t>
+              <a:t> Vykonaný refactoring podľa zadefinovaných štýlov</a:t>
             </a:r>
           </a:p>
           <a:p>
             <a:pPr>
               <a:lnSpc>
-                <a:spcPct val="150000"/>
+                <a:spcPct val="200000"/>
               </a:lnSpc>
               <a:buFont typeface="Arial" pitchFamily="34" charset="0"/>
               <a:buChar char="•"/>
               <a:defRPr/>
             </a:pPr>
             <a:r>
-              <a:rPr lang="pl-PL" sz="2000" kern="0" smtClean="0">
+              <a:rPr lang="sk-SK" sz="2000" kern="0" smtClean="0">
                 <a:ln w="18415" cmpd="sng">
                   <a:noFill/>
                   <a:prstDash val="solid"/>
@@ -8809,20 +8760,20 @@
                 <a:latin typeface="Times New Roman" pitchFamily="18" charset="0"/>
                 <a:cs typeface="Times New Roman" pitchFamily="18" charset="0"/>
               </a:rPr>
-              <a:t> Rozšíriť paralelizmus aj na stranu Lua jazyka</a:t>
+              <a:t> Implementácia funkcií pre prácu s AST stromom na strane Lua</a:t>
             </a:r>
           </a:p>
           <a:p>
             <a:pPr>
               <a:lnSpc>
-                <a:spcPct val="150000"/>
+                <a:spcPct val="200000"/>
               </a:lnSpc>
               <a:buFont typeface="Arial" pitchFamily="34" charset="0"/>
               <a:buChar char="•"/>
               <a:defRPr/>
             </a:pPr>
             <a:r>
-              <a:rPr lang="pl-PL" sz="2000" kern="0" smtClean="0">
+              <a:rPr lang="sk-SK" sz="2000" kern="0" smtClean="0">
                 <a:ln w="18415" cmpd="sng">
                   <a:noFill/>
                   <a:prstDash val="solid"/>
@@ -8840,20 +8791,20 @@
                 <a:latin typeface="Times New Roman" pitchFamily="18" charset="0"/>
                 <a:cs typeface="Times New Roman" pitchFamily="18" charset="0"/>
               </a:rPr>
-              <a:t> Vlastné nakonfigurovanie shortcuts</a:t>
+              <a:t> Zabudovanie dvoch módov – Undo Redo v rámci práce s textom</a:t>
             </a:r>
           </a:p>
           <a:p>
             <a:pPr>
               <a:lnSpc>
-                <a:spcPct val="150000"/>
+                <a:spcPct val="200000"/>
               </a:lnSpc>
               <a:buFont typeface="Arial" pitchFamily="34" charset="0"/>
               <a:buChar char="•"/>
               <a:defRPr/>
             </a:pPr>
             <a:r>
-              <a:rPr lang="pl-PL" sz="2000" kern="0" smtClean="0">
+              <a:rPr lang="sk-SK" sz="2000" kern="0" smtClean="0">
                 <a:ln w="18415" cmpd="sng">
                   <a:noFill/>
                   <a:prstDash val="solid"/>
@@ -8871,20 +8822,20 @@
                 <a:latin typeface="Times New Roman" pitchFamily="18" charset="0"/>
                 <a:cs typeface="Times New Roman" pitchFamily="18" charset="0"/>
               </a:rPr>
-              <a:t> Undo Redo rozšíriť aj pre prácu s blokmi</a:t>
+              <a:t> Zabudovanie paralelizmu – spracovanie syntaktickej analýzi na pozadí</a:t>
             </a:r>
           </a:p>
           <a:p>
             <a:pPr>
               <a:lnSpc>
-                <a:spcPct val="150000"/>
+                <a:spcPct val="200000"/>
               </a:lnSpc>
               <a:buFont typeface="Arial" pitchFamily="34" charset="0"/>
               <a:buChar char="•"/>
               <a:defRPr/>
             </a:pPr>
             <a:r>
-              <a:rPr lang="pl-PL" sz="2000" kern="0" smtClean="0">
+              <a:rPr lang="sk-SK" sz="2000" kern="0" smtClean="0">
                 <a:ln w="18415" cmpd="sng">
                   <a:noFill/>
                   <a:prstDash val="solid"/>
@@ -8902,8 +8853,78 @@
                 <a:latin typeface="Times New Roman" pitchFamily="18" charset="0"/>
                 <a:cs typeface="Times New Roman" pitchFamily="18" charset="0"/>
               </a:rPr>
-              <a:t> Zabudovanie pokročilého dokumentačného bloku podporujci RTF</a:t>
-            </a:r>
+              <a:t> Zabudovanie Shortcuts – rozšírenie existujúcich skratiek </a:t>
+            </a:r>
+          </a:p>
+          <a:p>
+            <a:pPr>
+              <a:lnSpc>
+                <a:spcPct val="200000"/>
+              </a:lnSpc>
+              <a:buFont typeface="Arial" pitchFamily="34" charset="0"/>
+              <a:buChar char="•"/>
+              <a:defRPr/>
+            </a:pPr>
+            <a:r>
+              <a:rPr lang="sk-SK" sz="2000" kern="0" smtClean="0">
+                <a:ln w="18415" cmpd="sng">
+                  <a:noFill/>
+                  <a:prstDash val="solid"/>
+                </a:ln>
+                <a:solidFill>
+                  <a:srgbClr val="FFFFFF"/>
+                </a:solidFill>
+                <a:effectLst>
+                  <a:outerShdw blurRad="50800" dist="38100" dir="2700000" algn="tl" rotWithShape="0">
+                    <a:prstClr val="black">
+                      <a:alpha val="40000"/>
+                    </a:prstClr>
+                  </a:outerShdw>
+                </a:effectLst>
+                <a:latin typeface="Times New Roman" pitchFamily="18" charset="0"/>
+                <a:cs typeface="Times New Roman" pitchFamily="18" charset="0"/>
+              </a:rPr>
+              <a:t> Úprava editora za použitia CSS </a:t>
+            </a:r>
+            <a:r>
+              <a:rPr lang="sk-SK" sz="2000" kern="0" smtClean="0">
+                <a:ln w="18415" cmpd="sng">
+                  <a:noFill/>
+                  <a:prstDash val="solid"/>
+                </a:ln>
+                <a:solidFill>
+                  <a:srgbClr val="FFFFFF"/>
+                </a:solidFill>
+                <a:effectLst>
+                  <a:outerShdw blurRad="50800" dist="38100" dir="2700000" algn="tl" rotWithShape="0">
+                    <a:prstClr val="black">
+                      <a:alpha val="40000"/>
+                    </a:prstClr>
+                  </a:outerShdw>
+                </a:effectLst>
+                <a:latin typeface="Times New Roman" pitchFamily="18" charset="0"/>
+                <a:cs typeface="Times New Roman" pitchFamily="18" charset="0"/>
+              </a:rPr>
+              <a:t>štýlov</a:t>
+            </a:r>
+            <a:endParaRPr lang="pl-PL" sz="2000" kern="0" smtClean="0">
+              <a:ln w="18415" cmpd="sng">
+                <a:noFill/>
+                <a:prstDash val="solid"/>
+              </a:ln>
+              <a:solidFill>
+                <a:srgbClr val="FFFFFF"/>
+              </a:solidFill>
+              <a:effectLst>
+                <a:outerShdw blurRad="50800" dist="38100" dir="2700000" algn="tl" rotWithShape="0">
+                  <a:prstClr val="black">
+                    <a:alpha val="40000"/>
+                  </a:prstClr>
+                </a:outerShdw>
+              </a:effectLst>
+              <a:latin typeface="Times New Roman" pitchFamily="18" charset="0"/>
+              <a:cs typeface="Times New Roman" pitchFamily="18" charset="0"/>
+            </a:endParaRPr>
           </a:p>
         </p:txBody>
       </p:sp>
@@ -9193,6 +9214,1048 @@
       </p:grpSpPr>
       <p:sp>
         <p:nvSpPr>
+          <p:cNvPr id="22" name="Round Same Side Corner Rectangle 15"/>
+          <p:cNvSpPr/>
+          <p:nvPr/>
+        </p:nvSpPr>
+        <p:spPr bwMode="auto">
+          <a:xfrm rot="5400000">
+            <a:off x="2393157" y="-1393045"/>
+            <a:ext cx="4071966" cy="8858280"/>
+          </a:xfrm>
+          <a:prstGeom prst="round2SameRect">
+            <a:avLst/>
+          </a:prstGeom>
+          <a:solidFill>
+            <a:srgbClr val="000000">
+              <a:alpha val="28000"/>
+            </a:srgbClr>
+          </a:solidFill>
+          <a:ln w="12700">
+            <a:noFill/>
+            <a:headEnd type="none" w="med" len="med"/>
+            <a:tailEnd type="none" w="med" len="med"/>
+          </a:ln>
+          <a:effectLst/>
+        </p:spPr>
+        <p:style>
+          <a:lnRef idx="1">
+            <a:schemeClr val="accent2"/>
+          </a:lnRef>
+          <a:fillRef idx="3">
+            <a:schemeClr val="accent2"/>
+          </a:fillRef>
+          <a:effectRef idx="2">
+            <a:schemeClr val="accent2"/>
+          </a:effectRef>
+          <a:fontRef idx="minor">
+            <a:schemeClr val="lt1"/>
+          </a:fontRef>
+        </p:style>
+        <p:txBody>
+          <a:bodyPr vert="horz" wrap="square" lIns="68566" tIns="228558" rIns="68566" bIns="34283" numCol="1" rtlCol="0" anchor="t" anchorCtr="0" compatLnSpc="1">
+            <a:prstTxWarp prst="textNoShape">
+              <a:avLst/>
+            </a:prstTxWarp>
+          </a:bodyPr>
+          <a:lstStyle/>
+          <a:p>
+            <a:pPr algn="ctr" defTabSz="685750" fontAlgn="base">
+              <a:lnSpc>
+                <a:spcPct val="80000"/>
+              </a:lnSpc>
+              <a:spcBef>
+                <a:spcPct val="0"/>
+              </a:spcBef>
+              <a:spcAft>
+                <a:spcPct val="0"/>
+              </a:spcAft>
+              <a:buClr>
+                <a:srgbClr val="FFFF99"/>
+              </a:buClr>
+              <a:buSzPct val="120000"/>
+              <a:defRPr/>
+            </a:pPr>
+            <a:endParaRPr lang="en-US" altLang="zh-CN" sz="4100" b="1" spc="-94" dirty="0">
+              <a:ln w="18415" cmpd="sng">
+                <a:noFill/>
+                <a:prstDash val="solid"/>
+              </a:ln>
+              <a:solidFill>
+                <a:srgbClr val="000000"/>
+              </a:solidFill>
+              <a:effectLst>
+                <a:glow rad="101600">
+                  <a:srgbClr val="CCECFF"/>
+                </a:glow>
+                <a:innerShdw blurRad="114300">
+                  <a:prstClr val="black"/>
+                </a:innerShdw>
+              </a:effectLst>
+              <a:latin typeface="Segoe"/>
+            </a:endParaRPr>
+          </a:p>
+        </p:txBody>
+      </p:sp>
+      <p:sp>
+        <p:nvSpPr>
+          <p:cNvPr id="5" name="Freeform 8"/>
+          <p:cNvSpPr>
+            <a:spLocks/>
+          </p:cNvSpPr>
+          <p:nvPr/>
+        </p:nvSpPr>
+        <p:spPr bwMode="auto">
+          <a:xfrm rot="5400000">
+            <a:off x="4460057" y="428625"/>
+            <a:ext cx="285750" cy="10287000"/>
+          </a:xfrm>
+          <a:prstGeom prst="rect">
+            <a:avLst/>
+          </a:prstGeom>
+          <a:gradFill flip="none" rotWithShape="1">
+            <a:gsLst>
+              <a:gs pos="0">
+                <a:sysClr val="windowText" lastClr="000000">
+                  <a:alpha val="0"/>
+                </a:sysClr>
+              </a:gs>
+              <a:gs pos="38000">
+                <a:sysClr val="windowText" lastClr="000000"/>
+              </a:gs>
+              <a:gs pos="100000">
+                <a:sysClr val="windowText" lastClr="000000">
+                  <a:alpha val="0"/>
+                </a:sysClr>
+              </a:gs>
+            </a:gsLst>
+            <a:lin ang="16200000" scaled="1"/>
+            <a:tileRect/>
+          </a:gradFill>
+          <a:ln w="9525">
+            <a:noFill/>
+            <a:round/>
+            <a:headEnd/>
+            <a:tailEnd/>
+          </a:ln>
+        </p:spPr>
+        <p:txBody>
+          <a:bodyPr vert="horz" wrap="square" lIns="68589" tIns="34295" rIns="68589" bIns="34295" numCol="1" anchor="t" anchorCtr="0" compatLnSpc="1">
+            <a:prstTxWarp prst="textNoShape">
+              <a:avLst/>
+            </a:prstTxWarp>
+          </a:bodyPr>
+          <a:lstStyle/>
+          <a:p>
+            <a:pPr marL="0" marR="0" lvl="0" indent="0" defTabSz="914400" eaLnBrk="1" fontAlgn="auto" latinLnBrk="0" hangingPunct="1">
+              <a:lnSpc>
+                <a:spcPct val="100000"/>
+              </a:lnSpc>
+              <a:spcBef>
+                <a:spcPts val="0"/>
+              </a:spcBef>
+              <a:spcAft>
+                <a:spcPts val="0"/>
+              </a:spcAft>
+              <a:buClrTx/>
+              <a:buSzTx/>
+              <a:buFontTx/>
+              <a:buNone/>
+              <a:tabLst/>
+              <a:defRPr/>
+            </a:pPr>
+            <a:endParaRPr kumimoji="0" lang="en-US" sz="1800" b="0" i="0" u="none" strike="noStrike" kern="0" cap="none" spc="0" normalizeH="0" baseline="0" noProof="0" dirty="0">
+              <a:ln>
+                <a:noFill/>
+              </a:ln>
+              <a:solidFill>
+                <a:sysClr val="windowText" lastClr="000000"/>
+              </a:solidFill>
+              <a:effectLst/>
+              <a:uLnTx/>
+              <a:uFillTx/>
+            </a:endParaRPr>
+          </a:p>
+        </p:txBody>
+      </p:sp>
+      <p:sp>
+        <p:nvSpPr>
+          <p:cNvPr id="8" name="TextBox 2"/>
+          <p:cNvSpPr txBox="1"/>
+          <p:nvPr/>
+        </p:nvSpPr>
+        <p:spPr>
+          <a:xfrm>
+            <a:off x="3286116" y="337220"/>
+            <a:ext cx="5857884" cy="492443"/>
+          </a:xfrm>
+          <a:prstGeom prst="rect">
+            <a:avLst/>
+          </a:prstGeom>
+          <a:noFill/>
+          <a:effectLst/>
+        </p:spPr>
+        <p:txBody>
+          <a:bodyPr wrap="square" lIns="0" tIns="0" rIns="0" bIns="0" rtlCol="0">
+            <a:spAutoFit/>
+          </a:bodyPr>
+          <a:lstStyle/>
+          <a:p>
+            <a:pPr lvl="0" algn="ctr">
+              <a:defRPr/>
+            </a:pPr>
+            <a:r>
+              <a:rPr lang="sk-SK" sz="3200" b="1" kern="0" smtClean="0">
+                <a:ln w="18415" cmpd="sng">
+                  <a:noFill/>
+                  <a:prstDash val="solid"/>
+                </a:ln>
+                <a:solidFill>
+                  <a:srgbClr val="FFFFFF"/>
+                </a:solidFill>
+                <a:effectLst>
+                  <a:outerShdw blurRad="50800" dist="38100" dir="2700000" algn="tl" rotWithShape="0">
+                    <a:prstClr val="black">
+                      <a:alpha val="40000"/>
+                    </a:prstClr>
+                  </a:outerShdw>
+                </a:effectLst>
+                <a:latin typeface="Times New Roman" pitchFamily="18" charset="0"/>
+                <a:cs typeface="Times New Roman" pitchFamily="18" charset="0"/>
+              </a:rPr>
+              <a:t>Výzvy</a:t>
+            </a:r>
+            <a:endParaRPr lang="en-US" sz="3200" b="1" kern="0" dirty="0" smtClean="0">
+              <a:ln w="18415" cmpd="sng">
+                <a:noFill/>
+                <a:prstDash val="solid"/>
+              </a:ln>
+              <a:solidFill>
+                <a:srgbClr val="FFFFFF"/>
+              </a:solidFill>
+              <a:effectLst>
+                <a:outerShdw blurRad="50800" dist="38100" dir="2700000" algn="tl" rotWithShape="0">
+                  <a:prstClr val="black">
+                    <a:alpha val="40000"/>
+                  </a:prstClr>
+                </a:outerShdw>
+              </a:effectLst>
+              <a:latin typeface="Times New Roman" pitchFamily="18" charset="0"/>
+              <a:cs typeface="Times New Roman" pitchFamily="18" charset="0"/>
+            </a:endParaRPr>
+          </a:p>
+        </p:txBody>
+      </p:sp>
+      <p:sp>
+        <p:nvSpPr>
+          <p:cNvPr id="11" name="TextBox 47"/>
+          <p:cNvSpPr txBox="1"/>
+          <p:nvPr/>
+        </p:nvSpPr>
+        <p:spPr>
+          <a:xfrm>
+            <a:off x="107504" y="5399519"/>
+            <a:ext cx="2051719" cy="315481"/>
+          </a:xfrm>
+          <a:prstGeom prst="rect">
+            <a:avLst/>
+          </a:prstGeom>
+          <a:noFill/>
+          <a:effectLst>
+            <a:outerShdw blurRad="50800" dist="38100" dir="2700000" algn="tl" rotWithShape="0">
+              <a:prstClr val="black">
+                <a:alpha val="40000"/>
+              </a:prstClr>
+            </a:outerShdw>
+          </a:effectLst>
+        </p:spPr>
+        <p:txBody>
+          <a:bodyPr wrap="square" lIns="68589" tIns="34295" rIns="68589" bIns="34295" rtlCol="0">
+            <a:spAutoFit/>
+          </a:bodyPr>
+          <a:lstStyle/>
+          <a:p>
+            <a:pPr marL="0" marR="0" lvl="0" indent="0" defTabSz="914400" eaLnBrk="1" fontAlgn="base" latinLnBrk="0" hangingPunct="1">
+              <a:lnSpc>
+                <a:spcPct val="100000"/>
+              </a:lnSpc>
+              <a:spcBef>
+                <a:spcPct val="0"/>
+              </a:spcBef>
+              <a:spcAft>
+                <a:spcPct val="0"/>
+              </a:spcAft>
+              <a:buClrTx/>
+              <a:buSzTx/>
+              <a:buFontTx/>
+              <a:buNone/>
+              <a:tabLst/>
+              <a:defRPr/>
+            </a:pPr>
+            <a:r>
+              <a:rPr kumimoji="0" lang="sk-SK" sz="1600" b="0" i="1" u="none" strike="noStrike" kern="0" cap="none" spc="0" normalizeH="0" baseline="0" noProof="0" dirty="0" smtClean="0">
+                <a:ln>
+                  <a:noFill/>
+                </a:ln>
+                <a:solidFill>
+                  <a:schemeClr val="bg1">
+                    <a:lumMod val="65000"/>
+                  </a:schemeClr>
+                </a:solidFill>
+                <a:effectLst>
+                  <a:outerShdw blurRad="38100" dist="38100" dir="2700000" algn="tl">
+                    <a:srgbClr val="000000">
+                      <a:alpha val="43137"/>
+                    </a:srgbClr>
+                  </a:outerShdw>
+                </a:effectLst>
+                <a:uLnTx/>
+                <a:uFillTx/>
+                <a:latin typeface="Constantia" pitchFamily="18" charset="0"/>
+              </a:rPr>
+              <a:t>Innovators </a:t>
+            </a:r>
+            <a:r>
+              <a:rPr kumimoji="0" lang="sk-SK" sz="1200" b="0" i="1" u="none" strike="noStrike" kern="0" cap="none" spc="0" normalizeH="0" baseline="0" noProof="0" dirty="0" smtClean="0">
+                <a:ln>
+                  <a:noFill/>
+                </a:ln>
+                <a:solidFill>
+                  <a:schemeClr val="bg1">
+                    <a:lumMod val="65000"/>
+                  </a:schemeClr>
+                </a:solidFill>
+                <a:effectLst>
+                  <a:outerShdw blurRad="38100" dist="38100" dir="2700000" algn="tl">
+                    <a:srgbClr val="000000">
+                      <a:alpha val="43137"/>
+                    </a:srgbClr>
+                  </a:outerShdw>
+                </a:effectLst>
+                <a:uLnTx/>
+                <a:uFillTx/>
+                <a:latin typeface="Constantia" pitchFamily="18" charset="0"/>
+              </a:rPr>
+              <a:t>|</a:t>
+            </a:r>
+            <a:r>
+              <a:rPr kumimoji="0" lang="sk-SK" sz="1200" b="0" i="1" u="none" strike="noStrike" kern="0" cap="none" spc="0" normalizeH="0" noProof="0" dirty="0" smtClean="0">
+                <a:ln>
+                  <a:noFill/>
+                </a:ln>
+                <a:solidFill>
+                  <a:schemeClr val="bg1">
+                    <a:lumMod val="65000"/>
+                  </a:schemeClr>
+                </a:solidFill>
+                <a:effectLst>
+                  <a:outerShdw blurRad="38100" dist="38100" dir="2700000" algn="tl">
+                    <a:srgbClr val="000000">
+                      <a:alpha val="43137"/>
+                    </a:srgbClr>
+                  </a:outerShdw>
+                </a:effectLst>
+                <a:uLnTx/>
+                <a:uFillTx/>
+                <a:latin typeface="Constantia" pitchFamily="18" charset="0"/>
+              </a:rPr>
+              <a:t> </a:t>
+            </a:r>
+            <a:r>
+              <a:rPr kumimoji="0" lang="sk-SK" sz="1200" b="0" i="1" u="none" strike="noStrike" kern="0" cap="none" spc="0" normalizeH="0" baseline="0" noProof="0" dirty="0" smtClean="0">
+                <a:ln>
+                  <a:noFill/>
+                </a:ln>
+                <a:solidFill>
+                  <a:schemeClr val="bg1">
+                    <a:lumMod val="65000"/>
+                  </a:schemeClr>
+                </a:solidFill>
+                <a:effectLst>
+                  <a:outerShdw blurRad="38100" dist="38100" dir="2700000" algn="tl">
+                    <a:srgbClr val="000000">
+                      <a:alpha val="43137"/>
+                    </a:srgbClr>
+                  </a:outerShdw>
+                </a:effectLst>
+                <a:uLnTx/>
+                <a:uFillTx/>
+                <a:latin typeface="Constantia" pitchFamily="18" charset="0"/>
+              </a:rPr>
+              <a:t>tím</a:t>
+            </a:r>
+            <a:r>
+              <a:rPr kumimoji="0" lang="sk-SK" sz="1400" b="0" i="1" u="none" strike="noStrike" kern="0" cap="none" spc="0" normalizeH="0" baseline="0" noProof="0" dirty="0" smtClean="0">
+                <a:ln>
+                  <a:noFill/>
+                </a:ln>
+                <a:solidFill>
+                  <a:schemeClr val="bg1">
+                    <a:lumMod val="65000"/>
+                  </a:schemeClr>
+                </a:solidFill>
+                <a:effectLst>
+                  <a:outerShdw blurRad="38100" dist="38100" dir="2700000" algn="tl">
+                    <a:srgbClr val="000000">
+                      <a:alpha val="43137"/>
+                    </a:srgbClr>
+                  </a:outerShdw>
+                </a:effectLst>
+                <a:uLnTx/>
+                <a:uFillTx/>
+                <a:latin typeface="Constantia" pitchFamily="18" charset="0"/>
+              </a:rPr>
+              <a:t> č.10</a:t>
+            </a:r>
+            <a:endParaRPr kumimoji="0" lang="en-US" sz="1600" b="0" i="1" u="none" strike="noStrike" kern="0" cap="none" spc="0" normalizeH="0" baseline="0" noProof="0" dirty="0">
+              <a:ln>
+                <a:noFill/>
+              </a:ln>
+              <a:solidFill>
+                <a:schemeClr val="bg1">
+                  <a:lumMod val="65000"/>
+                </a:schemeClr>
+              </a:solidFill>
+              <a:effectLst>
+                <a:outerShdw blurRad="38100" dist="38100" dir="2700000" algn="tl">
+                  <a:srgbClr val="000000">
+                    <a:alpha val="43137"/>
+                  </a:srgbClr>
+                </a:outerShdw>
+              </a:effectLst>
+              <a:uLnTx/>
+              <a:uFillTx/>
+              <a:latin typeface="Constantia" pitchFamily="18" charset="0"/>
+            </a:endParaRPr>
+          </a:p>
+        </p:txBody>
+      </p:sp>
+      <p:sp>
+        <p:nvSpPr>
+          <p:cNvPr id="7" name="TextBox 2"/>
+          <p:cNvSpPr txBox="1"/>
+          <p:nvPr/>
+        </p:nvSpPr>
+        <p:spPr>
+          <a:xfrm>
+            <a:off x="428596" y="1142988"/>
+            <a:ext cx="8286808" cy="3077766"/>
+          </a:xfrm>
+          <a:prstGeom prst="rect">
+            <a:avLst/>
+          </a:prstGeom>
+          <a:noFill/>
+        </p:spPr>
+        <p:txBody>
+          <a:bodyPr wrap="square" lIns="0" tIns="0" rIns="0" bIns="0" rtlCol="0">
+            <a:spAutoFit/>
+          </a:bodyPr>
+          <a:lstStyle/>
+          <a:p>
+            <a:pPr>
+              <a:lnSpc>
+                <a:spcPct val="200000"/>
+              </a:lnSpc>
+              <a:buFont typeface="Arial" pitchFamily="34" charset="0"/>
+              <a:buChar char="•"/>
+              <a:defRPr/>
+            </a:pPr>
+            <a:r>
+              <a:rPr lang="pl-PL" sz="2000" kern="0" smtClean="0">
+                <a:ln w="18415" cmpd="sng">
+                  <a:noFill/>
+                  <a:prstDash val="solid"/>
+                </a:ln>
+                <a:solidFill>
+                  <a:srgbClr val="FFFFFF"/>
+                </a:solidFill>
+                <a:effectLst>
+                  <a:outerShdw blurRad="50800" dist="38100" dir="2700000" algn="tl" rotWithShape="0">
+                    <a:prstClr val="black">
+                      <a:alpha val="40000"/>
+                    </a:prstClr>
+                  </a:outerShdw>
+                </a:effectLst>
+                <a:latin typeface="Times New Roman" pitchFamily="18" charset="0"/>
+                <a:cs typeface="Times New Roman" pitchFamily="18" charset="0"/>
+              </a:rPr>
+              <a:t> Držanie AST stromu na strane </a:t>
+            </a:r>
+            <a:r>
+              <a:rPr lang="pl-PL" sz="2000" kern="0" smtClean="0">
+                <a:ln w="18415" cmpd="sng">
+                  <a:noFill/>
+                  <a:prstDash val="solid"/>
+                </a:ln>
+                <a:solidFill>
+                  <a:srgbClr val="FFFFFF"/>
+                </a:solidFill>
+                <a:effectLst>
+                  <a:outerShdw blurRad="50800" dist="38100" dir="2700000" algn="tl" rotWithShape="0">
+                    <a:prstClr val="black">
+                      <a:alpha val="40000"/>
+                    </a:prstClr>
+                  </a:outerShdw>
+                </a:effectLst>
+                <a:latin typeface="Times New Roman" pitchFamily="18" charset="0"/>
+                <a:cs typeface="Times New Roman" pitchFamily="18" charset="0"/>
+              </a:rPr>
+              <a:t>Lua </a:t>
+            </a:r>
+            <a:r>
+              <a:rPr lang="pl-PL" sz="2000" kern="0" smtClean="0">
+                <a:ln w="18415" cmpd="sng">
+                  <a:noFill/>
+                  <a:prstDash val="solid"/>
+                </a:ln>
+                <a:solidFill>
+                  <a:srgbClr val="FFFFFF"/>
+                </a:solidFill>
+                <a:effectLst>
+                  <a:outerShdw blurRad="50800" dist="38100" dir="2700000" algn="tl" rotWithShape="0">
+                    <a:prstClr val="black">
+                      <a:alpha val="40000"/>
+                    </a:prstClr>
+                  </a:outerShdw>
+                </a:effectLst>
+                <a:latin typeface="Times New Roman" pitchFamily="18" charset="0"/>
+                <a:cs typeface="Times New Roman" pitchFamily="18" charset="0"/>
+              </a:rPr>
+              <a:t>– už len dopytovanie na strom z Qt</a:t>
+            </a:r>
+          </a:p>
+          <a:p>
+            <a:pPr>
+              <a:lnSpc>
+                <a:spcPct val="200000"/>
+              </a:lnSpc>
+              <a:buFont typeface="Arial" pitchFamily="34" charset="0"/>
+              <a:buChar char="•"/>
+              <a:defRPr/>
+            </a:pPr>
+            <a:r>
+              <a:rPr lang="pl-PL" sz="2000" kern="0" smtClean="0">
+                <a:ln w="18415" cmpd="sng">
+                  <a:noFill/>
+                  <a:prstDash val="solid"/>
+                </a:ln>
+                <a:solidFill>
+                  <a:srgbClr val="FFFFFF"/>
+                </a:solidFill>
+                <a:effectLst>
+                  <a:outerShdw blurRad="50800" dist="38100" dir="2700000" algn="tl" rotWithShape="0">
+                    <a:prstClr val="black">
+                      <a:alpha val="40000"/>
+                    </a:prstClr>
+                  </a:outerShdw>
+                </a:effectLst>
+                <a:latin typeface="Times New Roman" pitchFamily="18" charset="0"/>
+                <a:cs typeface="Times New Roman" pitchFamily="18" charset="0"/>
+              </a:rPr>
+              <a:t> Rozšíriť paralelizmus aj na stranu </a:t>
+            </a:r>
+            <a:r>
+              <a:rPr lang="pl-PL" sz="2000" kern="0" smtClean="0">
+                <a:ln w="18415" cmpd="sng">
+                  <a:noFill/>
+                  <a:prstDash val="solid"/>
+                </a:ln>
+                <a:solidFill>
+                  <a:srgbClr val="FFFFFF"/>
+                </a:solidFill>
+                <a:effectLst>
+                  <a:outerShdw blurRad="50800" dist="38100" dir="2700000" algn="tl" rotWithShape="0">
+                    <a:prstClr val="black">
+                      <a:alpha val="40000"/>
+                    </a:prstClr>
+                  </a:outerShdw>
+                </a:effectLst>
+                <a:latin typeface="Times New Roman" pitchFamily="18" charset="0"/>
+                <a:cs typeface="Times New Roman" pitchFamily="18" charset="0"/>
+              </a:rPr>
+              <a:t>Lua</a:t>
+            </a:r>
+            <a:endParaRPr lang="pl-PL" sz="2000" kern="0" smtClean="0">
+              <a:ln w="18415" cmpd="sng">
+                <a:noFill/>
+                <a:prstDash val="solid"/>
+              </a:ln>
+              <a:solidFill>
+                <a:srgbClr val="FFFFFF"/>
+              </a:solidFill>
+              <a:effectLst>
+                <a:outerShdw blurRad="50800" dist="38100" dir="2700000" algn="tl" rotWithShape="0">
+                  <a:prstClr val="black">
+                    <a:alpha val="40000"/>
+                  </a:prstClr>
+                </a:outerShdw>
+              </a:effectLst>
+              <a:latin typeface="Times New Roman" pitchFamily="18" charset="0"/>
+              <a:cs typeface="Times New Roman" pitchFamily="18" charset="0"/>
+            </a:endParaRPr>
+          </a:p>
+          <a:p>
+            <a:pPr>
+              <a:lnSpc>
+                <a:spcPct val="200000"/>
+              </a:lnSpc>
+              <a:buFont typeface="Arial" pitchFamily="34" charset="0"/>
+              <a:buChar char="•"/>
+              <a:defRPr/>
+            </a:pPr>
+            <a:r>
+              <a:rPr lang="pl-PL" sz="2000" kern="0" smtClean="0">
+                <a:ln w="18415" cmpd="sng">
+                  <a:noFill/>
+                  <a:prstDash val="solid"/>
+                </a:ln>
+                <a:solidFill>
+                  <a:srgbClr val="FFFFFF"/>
+                </a:solidFill>
+                <a:effectLst>
+                  <a:outerShdw blurRad="50800" dist="38100" dir="2700000" algn="tl" rotWithShape="0">
+                    <a:prstClr val="black">
+                      <a:alpha val="40000"/>
+                    </a:prstClr>
+                  </a:outerShdw>
+                </a:effectLst>
+                <a:latin typeface="Times New Roman" pitchFamily="18" charset="0"/>
+                <a:cs typeface="Times New Roman" pitchFamily="18" charset="0"/>
+              </a:rPr>
+              <a:t> Vlastné </a:t>
+            </a:r>
+            <a:r>
+              <a:rPr lang="pl-PL" sz="2000" kern="0" smtClean="0">
+                <a:ln w="18415" cmpd="sng">
+                  <a:noFill/>
+                  <a:prstDash val="solid"/>
+                </a:ln>
+                <a:solidFill>
+                  <a:srgbClr val="FFFFFF"/>
+                </a:solidFill>
+                <a:effectLst>
+                  <a:outerShdw blurRad="50800" dist="38100" dir="2700000" algn="tl" rotWithShape="0">
+                    <a:prstClr val="black">
+                      <a:alpha val="40000"/>
+                    </a:prstClr>
+                  </a:outerShdw>
+                </a:effectLst>
+                <a:latin typeface="Times New Roman" pitchFamily="18" charset="0"/>
+                <a:cs typeface="Times New Roman" pitchFamily="18" charset="0"/>
+              </a:rPr>
+              <a:t>konfigurovateľné shortcuts</a:t>
+            </a:r>
+            <a:endParaRPr lang="pl-PL" sz="2000" kern="0" smtClean="0">
+              <a:ln w="18415" cmpd="sng">
+                <a:noFill/>
+                <a:prstDash val="solid"/>
+              </a:ln>
+              <a:solidFill>
+                <a:srgbClr val="FFFFFF"/>
+              </a:solidFill>
+              <a:effectLst>
+                <a:outerShdw blurRad="50800" dist="38100" dir="2700000" algn="tl" rotWithShape="0">
+                  <a:prstClr val="black">
+                    <a:alpha val="40000"/>
+                  </a:prstClr>
+                </a:outerShdw>
+              </a:effectLst>
+              <a:latin typeface="Times New Roman" pitchFamily="18" charset="0"/>
+              <a:cs typeface="Times New Roman" pitchFamily="18" charset="0"/>
+            </a:endParaRPr>
+          </a:p>
+          <a:p>
+            <a:pPr>
+              <a:lnSpc>
+                <a:spcPct val="200000"/>
+              </a:lnSpc>
+              <a:buFont typeface="Arial" pitchFamily="34" charset="0"/>
+              <a:buChar char="•"/>
+              <a:defRPr/>
+            </a:pPr>
+            <a:r>
+              <a:rPr lang="pl-PL" sz="2000" kern="0" smtClean="0">
+                <a:ln w="18415" cmpd="sng">
+                  <a:noFill/>
+                  <a:prstDash val="solid"/>
+                </a:ln>
+                <a:solidFill>
+                  <a:srgbClr val="FFFFFF"/>
+                </a:solidFill>
+                <a:effectLst>
+                  <a:outerShdw blurRad="50800" dist="38100" dir="2700000" algn="tl" rotWithShape="0">
+                    <a:prstClr val="black">
+                      <a:alpha val="40000"/>
+                    </a:prstClr>
+                  </a:outerShdw>
+                </a:effectLst>
+                <a:latin typeface="Times New Roman" pitchFamily="18" charset="0"/>
+                <a:cs typeface="Times New Roman" pitchFamily="18" charset="0"/>
+              </a:rPr>
+              <a:t> Undo Redo rozšíriť aj pre prácu s blokmi</a:t>
+            </a:r>
+          </a:p>
+          <a:p>
+            <a:pPr>
+              <a:lnSpc>
+                <a:spcPct val="200000"/>
+              </a:lnSpc>
+              <a:buFont typeface="Arial" pitchFamily="34" charset="0"/>
+              <a:buChar char="•"/>
+              <a:defRPr/>
+            </a:pPr>
+            <a:r>
+              <a:rPr lang="pl-PL" sz="2000" kern="0" smtClean="0">
+                <a:ln w="18415" cmpd="sng">
+                  <a:noFill/>
+                  <a:prstDash val="solid"/>
+                </a:ln>
+                <a:solidFill>
+                  <a:srgbClr val="FFFFFF"/>
+                </a:solidFill>
+                <a:effectLst>
+                  <a:outerShdw blurRad="50800" dist="38100" dir="2700000" algn="tl" rotWithShape="0">
+                    <a:prstClr val="black">
+                      <a:alpha val="40000"/>
+                    </a:prstClr>
+                  </a:outerShdw>
+                </a:effectLst>
+                <a:latin typeface="Times New Roman" pitchFamily="18" charset="0"/>
+                <a:cs typeface="Times New Roman" pitchFamily="18" charset="0"/>
+              </a:rPr>
+              <a:t> Zabudovanie pokročilého dokumentačného bloku </a:t>
+            </a:r>
+            <a:r>
+              <a:rPr lang="pl-PL" sz="2000" kern="0" smtClean="0">
+                <a:ln w="18415" cmpd="sng">
+                  <a:noFill/>
+                  <a:prstDash val="solid"/>
+                </a:ln>
+                <a:solidFill>
+                  <a:srgbClr val="FFFFFF"/>
+                </a:solidFill>
+                <a:effectLst>
+                  <a:outerShdw blurRad="50800" dist="38100" dir="2700000" algn="tl" rotWithShape="0">
+                    <a:prstClr val="black">
+                      <a:alpha val="40000"/>
+                    </a:prstClr>
+                  </a:outerShdw>
+                </a:effectLst>
+                <a:latin typeface="Times New Roman" pitchFamily="18" charset="0"/>
+                <a:cs typeface="Times New Roman" pitchFamily="18" charset="0"/>
+              </a:rPr>
+              <a:t>podporúceho </a:t>
+            </a:r>
+            <a:r>
+              <a:rPr lang="pl-PL" sz="2000" kern="0" smtClean="0">
+                <a:ln w="18415" cmpd="sng">
+                  <a:noFill/>
+                  <a:prstDash val="solid"/>
+                </a:ln>
+                <a:solidFill>
+                  <a:srgbClr val="FFFFFF"/>
+                </a:solidFill>
+                <a:effectLst>
+                  <a:outerShdw blurRad="50800" dist="38100" dir="2700000" algn="tl" rotWithShape="0">
+                    <a:prstClr val="black">
+                      <a:alpha val="40000"/>
+                    </a:prstClr>
+                  </a:outerShdw>
+                </a:effectLst>
+                <a:latin typeface="Times New Roman" pitchFamily="18" charset="0"/>
+                <a:cs typeface="Times New Roman" pitchFamily="18" charset="0"/>
+              </a:rPr>
+              <a:t>RTF</a:t>
+            </a:r>
+          </a:p>
+        </p:txBody>
+      </p:sp>
+    </p:spTree>
+  </p:cSld>
+  <p:clrMapOvr>
+    <a:masterClrMapping/>
+  </p:clrMapOvr>
+  <p:transition spd="med">
+    <p:cover dir="r"/>
+  </p:transition>
+  <p:timing>
+    <p:tnLst>
+      <p:par>
+        <p:cTn id="1" dur="indefinite" restart="never" nodeType="tmRoot">
+          <p:childTnLst>
+            <p:seq concurrent="1" nextAc="seek">
+              <p:cTn id="2" dur="indefinite" nodeType="mainSeq">
+                <p:childTnLst>
+                  <p:par>
+                    <p:cTn id="3" fill="hold">
+                      <p:stCondLst>
+                        <p:cond delay="indefinite"/>
+                        <p:cond evt="onBegin" delay="0">
+                          <p:tn val="2"/>
+                        </p:cond>
+                      </p:stCondLst>
+                      <p:childTnLst>
+                        <p:par>
+                          <p:cTn id="4" fill="hold">
+                            <p:stCondLst>
+                              <p:cond delay="0"/>
+                            </p:stCondLst>
+                            <p:childTnLst>
+                              <p:par>
+                                <p:cTn id="5" presetID="17" presetClass="entr" presetSubtype="8" fill="hold" grpId="0" nodeType="afterEffect">
+                                  <p:stCondLst>
+                                    <p:cond delay="0"/>
+                                  </p:stCondLst>
+                                  <p:childTnLst>
+                                    <p:set>
+                                      <p:cBhvr>
+                                        <p:cTn id="6" dur="1" fill="hold">
+                                          <p:stCondLst>
+                                            <p:cond delay="0"/>
+                                          </p:stCondLst>
+                                        </p:cTn>
+                                        <p:tgtEl>
+                                          <p:spTgt spid="22"/>
+                                        </p:tgtEl>
+                                        <p:attrNameLst>
+                                          <p:attrName>style.visibility</p:attrName>
+                                        </p:attrNameLst>
+                                      </p:cBhvr>
+                                      <p:to>
+                                        <p:strVal val="visible"/>
+                                      </p:to>
+                                    </p:set>
+                                    <p:anim calcmode="lin" valueType="num">
+                                      <p:cBhvr>
+                                        <p:cTn id="7" dur="1000" fill="hold"/>
+                                        <p:tgtEl>
+                                          <p:spTgt spid="22"/>
+                                        </p:tgtEl>
+                                        <p:attrNameLst>
+                                          <p:attrName>ppt_x</p:attrName>
+                                        </p:attrNameLst>
+                                      </p:cBhvr>
+                                      <p:tavLst>
+                                        <p:tav tm="0">
+                                          <p:val>
+                                            <p:strVal val="#ppt_x-#ppt_w/2"/>
+                                          </p:val>
+                                        </p:tav>
+                                        <p:tav tm="100000">
+                                          <p:val>
+                                            <p:strVal val="#ppt_x"/>
+                                          </p:val>
+                                        </p:tav>
+                                      </p:tavLst>
+                                    </p:anim>
+                                    <p:anim calcmode="lin" valueType="num">
+                                      <p:cBhvr>
+                                        <p:cTn id="8" dur="1000" fill="hold"/>
+                                        <p:tgtEl>
+                                          <p:spTgt spid="22"/>
+                                        </p:tgtEl>
+                                        <p:attrNameLst>
+                                          <p:attrName>ppt_y</p:attrName>
+                                        </p:attrNameLst>
+                                      </p:cBhvr>
+                                      <p:tavLst>
+                                        <p:tav tm="0">
+                                          <p:val>
+                                            <p:strVal val="#ppt_y"/>
+                                          </p:val>
+                                        </p:tav>
+                                        <p:tav tm="100000">
+                                          <p:val>
+                                            <p:strVal val="#ppt_y"/>
+                                          </p:val>
+                                        </p:tav>
+                                      </p:tavLst>
+                                    </p:anim>
+                                    <p:anim calcmode="lin" valueType="num">
+                                      <p:cBhvr>
+                                        <p:cTn id="9" dur="1000" fill="hold"/>
+                                        <p:tgtEl>
+                                          <p:spTgt spid="22"/>
+                                        </p:tgtEl>
+                                        <p:attrNameLst>
+                                          <p:attrName>ppt_w</p:attrName>
+                                        </p:attrNameLst>
+                                      </p:cBhvr>
+                                      <p:tavLst>
+                                        <p:tav tm="0">
+                                          <p:val>
+                                            <p:fltVal val="0"/>
+                                          </p:val>
+                                        </p:tav>
+                                        <p:tav tm="100000">
+                                          <p:val>
+                                            <p:strVal val="#ppt_w"/>
+                                          </p:val>
+                                        </p:tav>
+                                      </p:tavLst>
+                                    </p:anim>
+                                    <p:anim calcmode="lin" valueType="num">
+                                      <p:cBhvr>
+                                        <p:cTn id="10" dur="1000" fill="hold"/>
+                                        <p:tgtEl>
+                                          <p:spTgt spid="22"/>
+                                        </p:tgtEl>
+                                        <p:attrNameLst>
+                                          <p:attrName>ppt_h</p:attrName>
+                                        </p:attrNameLst>
+                                      </p:cBhvr>
+                                      <p:tavLst>
+                                        <p:tav tm="0">
+                                          <p:val>
+                                            <p:strVal val="#ppt_h"/>
+                                          </p:val>
+                                        </p:tav>
+                                        <p:tav tm="100000">
+                                          <p:val>
+                                            <p:strVal val="#ppt_h"/>
+                                          </p:val>
+                                        </p:tav>
+                                      </p:tavLst>
+                                    </p:anim>
+                                  </p:childTnLst>
+                                </p:cTn>
+                              </p:par>
+                            </p:childTnLst>
+                          </p:cTn>
+                        </p:par>
+                        <p:par>
+                          <p:cTn id="11" fill="hold">
+                            <p:stCondLst>
+                              <p:cond delay="1000"/>
+                            </p:stCondLst>
+                            <p:childTnLst>
+                              <p:par>
+                                <p:cTn id="12" presetID="2" presetClass="entr" presetSubtype="4" fill="hold" grpId="0" nodeType="afterEffect">
+                                  <p:stCondLst>
+                                    <p:cond delay="0"/>
+                                  </p:stCondLst>
+                                  <p:childTnLst>
+                                    <p:set>
+                                      <p:cBhvr>
+                                        <p:cTn id="13" dur="1" fill="hold">
+                                          <p:stCondLst>
+                                            <p:cond delay="0"/>
+                                          </p:stCondLst>
+                                        </p:cTn>
+                                        <p:tgtEl>
+                                          <p:spTgt spid="7"/>
+                                        </p:tgtEl>
+                                        <p:attrNameLst>
+                                          <p:attrName>style.visibility</p:attrName>
+                                        </p:attrNameLst>
+                                      </p:cBhvr>
+                                      <p:to>
+                                        <p:strVal val="visible"/>
+                                      </p:to>
+                                    </p:set>
+                                    <p:anim calcmode="lin" valueType="num">
+                                      <p:cBhvr additive="base">
+                                        <p:cTn id="14" dur="1000" fill="hold"/>
+                                        <p:tgtEl>
+                                          <p:spTgt spid="7"/>
+                                        </p:tgtEl>
+                                        <p:attrNameLst>
+                                          <p:attrName>ppt_x</p:attrName>
+                                        </p:attrNameLst>
+                                      </p:cBhvr>
+                                      <p:tavLst>
+                                        <p:tav tm="0">
+                                          <p:val>
+                                            <p:strVal val="#ppt_x"/>
+                                          </p:val>
+                                        </p:tav>
+                                        <p:tav tm="100000">
+                                          <p:val>
+                                            <p:strVal val="#ppt_x"/>
+                                          </p:val>
+                                        </p:tav>
+                                      </p:tavLst>
+                                    </p:anim>
+                                    <p:anim calcmode="lin" valueType="num">
+                                      <p:cBhvr additive="base">
+                                        <p:cTn id="15" dur="1000" fill="hold"/>
+                                        <p:tgtEl>
+                                          <p:spTgt spid="7"/>
+                                        </p:tgtEl>
+                                        <p:attrNameLst>
+                                          <p:attrName>ppt_y</p:attrName>
+                                        </p:attrNameLst>
+                                      </p:cBhvr>
+                                      <p:tavLst>
+                                        <p:tav tm="0">
+                                          <p:val>
+                                            <p:strVal val="1+#ppt_h/2"/>
+                                          </p:val>
+                                        </p:tav>
+                                        <p:tav tm="100000">
+                                          <p:val>
+                                            <p:strVal val="#ppt_y"/>
+                                          </p:val>
+                                        </p:tav>
+                                      </p:tavLst>
+                                    </p:anim>
+                                  </p:childTnLst>
+                                </p:cTn>
+                              </p:par>
+                            </p:childTnLst>
+                          </p:cTn>
+                        </p:par>
+                      </p:childTnLst>
+                    </p:cTn>
+                  </p:par>
+                </p:childTnLst>
+              </p:cTn>
+              <p:prevCondLst>
+                <p:cond evt="onPrev" delay="0">
+                  <p:tgtEl>
+                    <p:sldTgt/>
+                  </p:tgtEl>
+                </p:cond>
+              </p:prevCondLst>
+              <p:nextCondLst>
+                <p:cond evt="onNext" delay="0">
+                  <p:tgtEl>
+                    <p:sldTgt/>
+                  </p:tgtEl>
+                </p:cond>
+              </p:nextCondLst>
+            </p:seq>
+          </p:childTnLst>
+        </p:cTn>
+      </p:par>
+    </p:tnLst>
+    <p:bldLst>
+      <p:bldP spid="22" grpId="0" animBg="1"/>
+      <p:bldP spid="7" grpId="0"/>
+    </p:bldLst>
+  </p:timing>
+</p:sld>
+</file>
+
+<file path=ppt/slides/slide15.xml><?xml version="1.0" encoding="utf-8"?>
+<p:sld xmlns:a="http://schemas.openxmlformats.org/drawingml/2006/main" xmlns:r="http://schemas.openxmlformats.org/officeDocument/2006/relationships" xmlns:p="http://schemas.openxmlformats.org/presentationml/2006/main">
+  <p:cSld>
+    <p:spTree>
+      <p:nvGrpSpPr>
+        <p:cNvPr id="1" name=""/>
+        <p:cNvGrpSpPr/>
+        <p:nvPr/>
+      </p:nvGrpSpPr>
+      <p:grpSpPr>
+        <a:xfrm>
+          <a:off x="0" y="0"/>
+          <a:ext cx="0" cy="0"/>
+          <a:chOff x="0" y="0"/>
+          <a:chExt cx="0" cy="0"/>
+        </a:xfrm>
+      </p:grpSpPr>
+      <p:sp>
+        <p:nvSpPr>
           <p:cNvPr id="5" name="Freeform 8"/>
           <p:cNvSpPr>
             <a:spLocks/>
@@ -9657,7 +10720,7 @@
 </p:sld>
 </file>
 
-<file path=ppt/slides/slide15.xml><?xml version="1.0" encoding="utf-8"?>
+<file path=ppt/slides/slide16.xml><?xml version="1.0" encoding="utf-8"?>
 <p:sld xmlns:a="http://schemas.openxmlformats.org/drawingml/2006/main" xmlns:r="http://schemas.openxmlformats.org/officeDocument/2006/relationships" xmlns:p="http://schemas.openxmlformats.org/presentationml/2006/main">
   <p:cSld>
     <p:spTree>
@@ -14559,7 +15622,7 @@
         <p:spPr>
           <a:xfrm>
             <a:off x="428596" y="1142988"/>
-            <a:ext cx="8286808" cy="2308324"/>
+            <a:ext cx="8286808" cy="2462213"/>
           </a:xfrm>
           <a:prstGeom prst="rect">
             <a:avLst/>
@@ -14574,7 +15637,7 @@
           <a:p>
             <a:pPr>
               <a:lnSpc>
-                <a:spcPct val="150000"/>
+                <a:spcPct val="200000"/>
               </a:lnSpc>
               <a:buFont typeface="Arial" pitchFamily="34" charset="0"/>
               <a:buChar char="•"/>
@@ -14599,13 +15662,94 @@
                 <a:latin typeface="Times New Roman" pitchFamily="18" charset="0"/>
                 <a:cs typeface="Times New Roman" pitchFamily="18" charset="0"/>
               </a:rPr>
-              <a:t> Rozpracovaný po minulom tíme</a:t>
-            </a:r>
+              <a:t> Rozpracovaný </a:t>
+            </a:r>
+            <a:r>
+              <a:rPr lang="sk-SK" sz="2000" kern="0" smtClean="0">
+                <a:ln w="18415" cmpd="sng">
+                  <a:noFill/>
+                  <a:prstDash val="solid"/>
+                </a:ln>
+                <a:solidFill>
+                  <a:srgbClr val="FFFFFF"/>
+                </a:solidFill>
+                <a:effectLst>
+                  <a:outerShdw blurRad="50800" dist="38100" dir="2700000" algn="tl" rotWithShape="0">
+                    <a:prstClr val="black">
+                      <a:alpha val="40000"/>
+                    </a:prstClr>
+                  </a:outerShdw>
+                </a:effectLst>
+                <a:latin typeface="Times New Roman" pitchFamily="18" charset="0"/>
+                <a:cs typeface="Times New Roman" pitchFamily="18" charset="0"/>
+              </a:rPr>
+              <a:t>projekt po </a:t>
+            </a:r>
+            <a:r>
+              <a:rPr lang="sk-SK" sz="2000" kern="0" smtClean="0">
+                <a:ln w="18415" cmpd="sng">
+                  <a:noFill/>
+                  <a:prstDash val="solid"/>
+                </a:ln>
+                <a:solidFill>
+                  <a:srgbClr val="FFFFFF"/>
+                </a:solidFill>
+                <a:effectLst>
+                  <a:outerShdw blurRad="50800" dist="38100" dir="2700000" algn="tl" rotWithShape="0">
+                    <a:prstClr val="black">
+                      <a:alpha val="40000"/>
+                    </a:prstClr>
+                  </a:outerShdw>
+                </a:effectLst>
+                <a:latin typeface="Times New Roman" pitchFamily="18" charset="0"/>
+                <a:cs typeface="Times New Roman" pitchFamily="18" charset="0"/>
+              </a:rPr>
+              <a:t>minulom </a:t>
+            </a:r>
+            <a:r>
+              <a:rPr lang="sk-SK" sz="2000" kern="0" smtClean="0">
+                <a:ln w="18415" cmpd="sng">
+                  <a:noFill/>
+                  <a:prstDash val="solid"/>
+                </a:ln>
+                <a:solidFill>
+                  <a:srgbClr val="FFFFFF"/>
+                </a:solidFill>
+                <a:effectLst>
+                  <a:outerShdw blurRad="50800" dist="38100" dir="2700000" algn="tl" rotWithShape="0">
+                    <a:prstClr val="black">
+                      <a:alpha val="40000"/>
+                    </a:prstClr>
+                  </a:outerShdw>
+                </a:effectLst>
+                <a:latin typeface="Times New Roman" pitchFamily="18" charset="0"/>
+                <a:cs typeface="Times New Roman" pitchFamily="18" charset="0"/>
+              </a:rPr>
+              <a:t>tíme UFOPAK</a:t>
+            </a:r>
+            <a:endParaRPr lang="sk-SK" sz="2000" kern="0" smtClean="0">
+              <a:ln w="18415" cmpd="sng">
+                <a:noFill/>
+                <a:prstDash val="solid"/>
+              </a:ln>
+              <a:solidFill>
+                <a:srgbClr val="FFFFFF"/>
+              </a:solidFill>
+              <a:effectLst>
+                <a:outerShdw blurRad="50800" dist="38100" dir="2700000" algn="tl" rotWithShape="0">
+                  <a:prstClr val="black">
+                    <a:alpha val="40000"/>
+                  </a:prstClr>
+                </a:outerShdw>
+              </a:effectLst>
+              <a:latin typeface="Times New Roman" pitchFamily="18" charset="0"/>
+              <a:cs typeface="Times New Roman" pitchFamily="18" charset="0"/>
+            </a:endParaRPr>
           </a:p>
           <a:p>
             <a:pPr>
               <a:lnSpc>
-                <a:spcPct val="150000"/>
+                <a:spcPct val="200000"/>
               </a:lnSpc>
               <a:buFont typeface="Arial" pitchFamily="34" charset="0"/>
               <a:buChar char="•"/>
@@ -14636,7 +15780,7 @@
           <a:p>
             <a:pPr>
               <a:lnSpc>
-                <a:spcPct val="150000"/>
+                <a:spcPct val="200000"/>
               </a:lnSpc>
               <a:buFont typeface="Arial" pitchFamily="34" charset="0"/>
               <a:buChar char="•"/>
@@ -14667,7 +15811,7 @@
           <a:p>
             <a:pPr>
               <a:lnSpc>
-                <a:spcPct val="150000"/>
+                <a:spcPct val="200000"/>
               </a:lnSpc>
               <a:buFont typeface="Arial" pitchFamily="34" charset="0"/>
               <a:buChar char="•"/>
@@ -14692,18 +15836,29 @@
                 <a:latin typeface="Times New Roman" pitchFamily="18" charset="0"/>
                 <a:cs typeface="Times New Roman" pitchFamily="18" charset="0"/>
               </a:rPr>
-              <a:t> Pokročilé zobrazovanie komentárov, písanie komentáru rovno ku kódu</a:t>
-            </a:r>
-          </a:p>
-          <a:p>
-            <a:pPr>
-              <a:lnSpc>
-                <a:spcPct val="150000"/>
-              </a:lnSpc>
-              <a:buFont typeface="Arial" pitchFamily="34" charset="0"/>
-              <a:buChar char="•"/>
-              <a:defRPr/>
-            </a:pPr>
+              <a:t> Pokročilé zobrazovanie komentárov, písanie komentáru rovno ku </a:t>
+            </a:r>
+            <a:r>
+              <a:rPr lang="sk-SK" sz="2000" kern="0" smtClean="0">
+                <a:ln w="18415" cmpd="sng">
+                  <a:noFill/>
+                  <a:prstDash val="solid"/>
+                </a:ln>
+                <a:solidFill>
+                  <a:srgbClr val="FFFFFF"/>
+                </a:solidFill>
+                <a:effectLst>
+                  <a:outerShdw blurRad="50800" dist="38100" dir="2700000" algn="tl" rotWithShape="0">
+                    <a:prstClr val="black">
+                      <a:alpha val="40000"/>
+                    </a:prstClr>
+                  </a:outerShdw>
+                </a:effectLst>
+                <a:latin typeface="Times New Roman" pitchFamily="18" charset="0"/>
+                <a:cs typeface="Times New Roman" pitchFamily="18" charset="0"/>
+              </a:rPr>
+              <a:t>kódu</a:t>
+            </a:r>
             <a:endParaRPr lang="pl-PL" sz="2000" kern="0" smtClean="0">
               <a:ln w="18415" cmpd="sng">
                 <a:noFill/>
@@ -15017,8 +16172,8 @@
         </p:nvSpPr>
         <p:spPr bwMode="auto">
           <a:xfrm rot="5400000">
-            <a:off x="2393157" y="-1393045"/>
-            <a:ext cx="4071966" cy="8858280"/>
+            <a:off x="2321719" y="-1464483"/>
+            <a:ext cx="4214842" cy="8858280"/>
           </a:xfrm>
           <a:prstGeom prst="round2SameRect">
             <a:avLst/>
@@ -15183,8 +16338,8 @@
         </p:nvSpPr>
         <p:spPr>
           <a:xfrm>
-            <a:off x="1643042" y="337220"/>
-            <a:ext cx="7500958" cy="492443"/>
+            <a:off x="3286116" y="337220"/>
+            <a:ext cx="5857884" cy="492443"/>
           </a:xfrm>
           <a:prstGeom prst="rect">
             <a:avLst/>
@@ -15220,7 +16375,7 @@
                 <a:latin typeface="Times New Roman" pitchFamily="18" charset="0"/>
                 <a:cs typeface="Times New Roman" pitchFamily="18" charset="0"/>
               </a:rPr>
-              <a:t>Funkcionálne požiadavky na editor</a:t>
+              <a:t>Analýza riešenia</a:t>
             </a:r>
             <a:endParaRPr lang="en-US" sz="3200" b="1" kern="0" dirty="0" smtClean="0">
               <a:ln w="18415" cmpd="sng">
@@ -15435,8 +16590,8 @@
         </p:nvSpPr>
         <p:spPr>
           <a:xfrm>
-            <a:off x="428596" y="1142988"/>
-            <a:ext cx="8286808" cy="3693319"/>
+            <a:off x="428596" y="1000112"/>
+            <a:ext cx="8286808" cy="3836195"/>
           </a:xfrm>
           <a:prstGeom prst="rect">
             <a:avLst/>
@@ -15451,7 +16606,7 @@
           <a:p>
             <a:pPr>
               <a:lnSpc>
-                <a:spcPct val="150000"/>
+                <a:spcPct val="200000"/>
               </a:lnSpc>
               <a:buFont typeface="Arial" pitchFamily="34" charset="0"/>
               <a:buChar char="•"/>
@@ -15476,13 +16631,34 @@
                 <a:latin typeface="Times New Roman" pitchFamily="18" charset="0"/>
                 <a:cs typeface="Times New Roman" pitchFamily="18" charset="0"/>
               </a:rPr>
-              <a:t> Modernejšie používateľské prostredie</a:t>
+              <a:t> </a:t>
+            </a:r>
+            <a:r>
+              <a:rPr lang="sk-SK" sz="2000" kern="0" smtClean="0">
+                <a:ln w="18415" cmpd="sng">
+                  <a:noFill/>
+                  <a:prstDash val="solid"/>
+                </a:ln>
+                <a:solidFill>
+                  <a:srgbClr val="FFFFFF"/>
+                </a:solidFill>
+                <a:effectLst>
+                  <a:outerShdw blurRad="50800" dist="38100" dir="2700000" algn="tl" rotWithShape="0">
+                    <a:prstClr val="black">
+                      <a:alpha val="40000"/>
+                    </a:prstClr>
+                  </a:outerShdw>
+                </a:effectLst>
+                <a:latin typeface="Times New Roman" pitchFamily="18" charset="0"/>
+                <a:cs typeface="Times New Roman" pitchFamily="18" charset="0"/>
+              </a:rPr>
+              <a:t>Analyzovaný stav editora – čo bolo implementované a čo chýba</a:t>
             </a:r>
           </a:p>
           <a:p>
             <a:pPr>
               <a:lnSpc>
-                <a:spcPct val="150000"/>
+                <a:spcPct val="200000"/>
               </a:lnSpc>
               <a:buFont typeface="Arial" pitchFamily="34" charset="0"/>
               <a:buChar char="•"/>
@@ -15507,13 +16683,34 @@
                 <a:latin typeface="Times New Roman" pitchFamily="18" charset="0"/>
                 <a:cs typeface="Times New Roman" pitchFamily="18" charset="0"/>
               </a:rPr>
-              <a:t> Práca s editorom založená na dvoch módoch (textový a grafický)</a:t>
+              <a:t> </a:t>
+            </a:r>
+            <a:r>
+              <a:rPr lang="sk-SK" sz="2000" kern="0" smtClean="0">
+                <a:ln w="18415" cmpd="sng">
+                  <a:noFill/>
+                  <a:prstDash val="solid"/>
+                </a:ln>
+                <a:solidFill>
+                  <a:srgbClr val="FFFFFF"/>
+                </a:solidFill>
+                <a:effectLst>
+                  <a:outerShdw blurRad="50800" dist="38100" dir="2700000" algn="tl" rotWithShape="0">
+                    <a:prstClr val="black">
+                      <a:alpha val="40000"/>
+                    </a:prstClr>
+                  </a:outerShdw>
+                </a:effectLst>
+                <a:latin typeface="Times New Roman" pitchFamily="18" charset="0"/>
+                <a:cs typeface="Times New Roman" pitchFamily="18" charset="0"/>
+              </a:rPr>
+              <a:t>Analýza zdrojových kódov</a:t>
             </a:r>
           </a:p>
           <a:p>
             <a:pPr>
               <a:lnSpc>
-                <a:spcPct val="150000"/>
+                <a:spcPct val="200000"/>
               </a:lnSpc>
               <a:buFont typeface="Arial" pitchFamily="34" charset="0"/>
               <a:buChar char="•"/>
@@ -15538,13 +16735,34 @@
                 <a:latin typeface="Times New Roman" pitchFamily="18" charset="0"/>
                 <a:cs typeface="Times New Roman" pitchFamily="18" charset="0"/>
               </a:rPr>
-              <a:t> Paralelizovanie výpočtovo náročných operácií </a:t>
+              <a:t> </a:t>
+            </a:r>
+            <a:r>
+              <a:rPr lang="sk-SK" sz="2000" kern="0" smtClean="0">
+                <a:ln w="18415" cmpd="sng">
+                  <a:noFill/>
+                  <a:prstDash val="solid"/>
+                </a:ln>
+                <a:solidFill>
+                  <a:srgbClr val="FFFFFF"/>
+                </a:solidFill>
+                <a:effectLst>
+                  <a:outerShdw blurRad="50800" dist="38100" dir="2700000" algn="tl" rotWithShape="0">
+                    <a:prstClr val="black">
+                      <a:alpha val="40000"/>
+                    </a:prstClr>
+                  </a:outerShdw>
+                </a:effectLst>
+                <a:latin typeface="Times New Roman" pitchFamily="18" charset="0"/>
+                <a:cs typeface="Times New Roman" pitchFamily="18" charset="0"/>
+              </a:rPr>
+              <a:t>Analyzovanie riešení paralelizmu poskytované </a:t>
             </a:r>
           </a:p>
           <a:p>
             <a:pPr>
               <a:lnSpc>
-                <a:spcPct val="150000"/>
+                <a:spcPct val="200000"/>
               </a:lnSpc>
               <a:buFont typeface="Arial" pitchFamily="34" charset="0"/>
               <a:buChar char="•"/>
@@ -15569,13 +16787,34 @@
                 <a:latin typeface="Times New Roman" pitchFamily="18" charset="0"/>
                 <a:cs typeface="Times New Roman" pitchFamily="18" charset="0"/>
               </a:rPr>
-              <a:t> Prenesenie spracovanie AST stromu na stranu LUA</a:t>
+              <a:t> </a:t>
+            </a:r>
+            <a:r>
+              <a:rPr lang="sk-SK" sz="2000" kern="0" smtClean="0">
+                <a:ln w="18415" cmpd="sng">
+                  <a:noFill/>
+                  <a:prstDash val="solid"/>
+                </a:ln>
+                <a:solidFill>
+                  <a:srgbClr val="FFFFFF"/>
+                </a:solidFill>
+                <a:effectLst>
+                  <a:outerShdw blurRad="50800" dist="38100" dir="2700000" algn="tl" rotWithShape="0">
+                    <a:prstClr val="black">
+                      <a:alpha val="40000"/>
+                    </a:prstClr>
+                  </a:outerShdw>
+                </a:effectLst>
+                <a:latin typeface="Times New Roman" pitchFamily="18" charset="0"/>
+                <a:cs typeface="Times New Roman" pitchFamily="18" charset="0"/>
+              </a:rPr>
+              <a:t>QML a CSS štýly pre efektívne vytvorenie používateľského prostredia</a:t>
             </a:r>
           </a:p>
           <a:p>
             <a:pPr>
               <a:lnSpc>
-                <a:spcPct val="150000"/>
+                <a:spcPct val="200000"/>
               </a:lnSpc>
               <a:buFont typeface="Arial" pitchFamily="34" charset="0"/>
               <a:buChar char="•"/>
@@ -15600,13 +16839,34 @@
                 <a:latin typeface="Times New Roman" pitchFamily="18" charset="0"/>
                 <a:cs typeface="Times New Roman" pitchFamily="18" charset="0"/>
               </a:rPr>
-              <a:t> Zabudovanie pokročilej práce s textom – Undo, Redo, Copy/Paste</a:t>
+              <a:t> </a:t>
+            </a:r>
+            <a:r>
+              <a:rPr lang="sk-SK" sz="2000" kern="0" smtClean="0">
+                <a:ln w="18415" cmpd="sng">
+                  <a:noFill/>
+                  <a:prstDash val="solid"/>
+                </a:ln>
+                <a:solidFill>
+                  <a:srgbClr val="FFFFFF"/>
+                </a:solidFill>
+                <a:effectLst>
+                  <a:outerShdw blurRad="50800" dist="38100" dir="2700000" algn="tl" rotWithShape="0">
+                    <a:prstClr val="black">
+                      <a:alpha val="40000"/>
+                    </a:prstClr>
+                  </a:outerShdw>
+                </a:effectLst>
+                <a:latin typeface="Times New Roman" pitchFamily="18" charset="0"/>
+                <a:cs typeface="Times New Roman" pitchFamily="18" charset="0"/>
+              </a:rPr>
+              <a:t>Analyzované aktuálne vytváranie a vykresľovanie grafických blokov </a:t>
             </a:r>
           </a:p>
           <a:p>
             <a:pPr>
               <a:lnSpc>
-                <a:spcPct val="150000"/>
+                <a:spcPct val="200000"/>
               </a:lnSpc>
               <a:buFont typeface="Arial" pitchFamily="34" charset="0"/>
               <a:buChar char="•"/>
@@ -15631,49 +16891,8 @@
                 <a:latin typeface="Times New Roman" pitchFamily="18" charset="0"/>
                 <a:cs typeface="Times New Roman" pitchFamily="18" charset="0"/>
               </a:rPr>
-              <a:t> Poskytnúť možnosti konfigurácie editora</a:t>
-            </a:r>
-          </a:p>
-          <a:p>
-            <a:pPr lvl="1">
-              <a:lnSpc>
-                <a:spcPct val="150000"/>
-              </a:lnSpc>
-              <a:buFont typeface="Arial" pitchFamily="34" charset="0"/>
-              <a:buChar char="•"/>
-              <a:defRPr/>
-            </a:pPr>
-            <a:r>
-              <a:rPr lang="sk-SK" sz="2000" kern="0" smtClean="0">
-                <a:ln w="18415" cmpd="sng">
-                  <a:noFill/>
-                  <a:prstDash val="solid"/>
-                </a:ln>
-                <a:solidFill>
-                  <a:srgbClr val="FFFFFF"/>
-                </a:solidFill>
-                <a:effectLst>
-                  <a:outerShdw blurRad="50800" dist="38100" dir="2700000" algn="tl" rotWithShape="0">
-                    <a:prstClr val="black">
-                      <a:alpha val="40000"/>
-                    </a:prstClr>
-                  </a:outerShdw>
-                </a:effectLst>
-                <a:latin typeface="Times New Roman" pitchFamily="18" charset="0"/>
-                <a:cs typeface="Times New Roman" pitchFamily="18" charset="0"/>
-              </a:rPr>
-              <a:t> Zabudovanie a vytvorenie vlastných Shortcuts</a:t>
-            </a:r>
-          </a:p>
-          <a:p>
-            <a:pPr>
-              <a:lnSpc>
-                <a:spcPct val="150000"/>
-              </a:lnSpc>
-              <a:buFont typeface="Arial" pitchFamily="34" charset="0"/>
-              <a:buChar char="•"/>
-              <a:defRPr/>
-            </a:pPr>
+              <a:t> Aká je súčasná podpora práce s textom a kde má svoje medzery</a:t>
+            </a:r>
             <a:endParaRPr lang="pl-PL" sz="2000" kern="0" smtClean="0">
               <a:ln w="18415" cmpd="sng">
                 <a:noFill/>
@@ -16190,7 +17409,7 @@
                 <a:latin typeface="Times New Roman" pitchFamily="18" charset="0"/>
                 <a:cs typeface="Times New Roman" pitchFamily="18" charset="0"/>
               </a:rPr>
-              <a:t>Nefunkcionálne požiadavky na editor</a:t>
+              <a:t>Funkcionálne požiadavky na editor</a:t>
             </a:r>
             <a:endParaRPr lang="en-US" sz="3200" b="1" kern="0" dirty="0" smtClean="0">
               <a:ln w="18415" cmpd="sng">
@@ -16405,8 +17624,8 @@
         </p:nvSpPr>
         <p:spPr>
           <a:xfrm>
-            <a:off x="428596" y="1785930"/>
-            <a:ext cx="8286808" cy="1846659"/>
+            <a:off x="428596" y="1142988"/>
+            <a:ext cx="8286808" cy="3693319"/>
           </a:xfrm>
           <a:prstGeom prst="rect">
             <a:avLst/>
@@ -16414,7 +17633,7 @@
           <a:noFill/>
         </p:spPr>
         <p:txBody>
-          <a:bodyPr wrap="square" lIns="0" tIns="0" rIns="0" bIns="0" rtlCol="0" anchor="ctr">
+          <a:bodyPr wrap="square" lIns="0" tIns="0" rIns="0" bIns="0" rtlCol="0">
             <a:spAutoFit/>
           </a:bodyPr>
           <a:lstStyle/>
@@ -16446,7 +17665,7 @@
                 <a:latin typeface="Times New Roman" pitchFamily="18" charset="0"/>
                 <a:cs typeface="Times New Roman" pitchFamily="18" charset="0"/>
               </a:rPr>
-              <a:t> Rýchlosť a spoľahlivosť </a:t>
+              <a:t> Modernejšie používateľské prostredie</a:t>
             </a:r>
           </a:p>
           <a:p>
@@ -16459,7 +17678,7 @@
               <a:defRPr/>
             </a:pPr>
             <a:r>
-              <a:rPr lang="pl-PL" sz="2000" kern="0" smtClean="0">
+              <a:rPr lang="sk-SK" sz="2000" kern="0" smtClean="0">
                 <a:ln w="18415" cmpd="sng">
                   <a:noFill/>
                   <a:prstDash val="solid"/>
@@ -16477,7 +17696,7 @@
                 <a:latin typeface="Times New Roman" pitchFamily="18" charset="0"/>
                 <a:cs typeface="Times New Roman" pitchFamily="18" charset="0"/>
               </a:rPr>
-              <a:t> Modulárnosť </a:t>
+              <a:t> Práca s editorom založená na dvoch módoch (textový a grafický)</a:t>
             </a:r>
           </a:p>
           <a:p>
@@ -16490,7 +17709,7 @@
               <a:defRPr/>
             </a:pPr>
             <a:r>
-              <a:rPr lang="pl-PL" sz="2000" kern="0" smtClean="0">
+              <a:rPr lang="sk-SK" sz="2000" kern="0" smtClean="0">
                 <a:ln w="18415" cmpd="sng">
                   <a:noFill/>
                   <a:prstDash val="solid"/>
@@ -16508,8 +17727,203 @@
                 <a:latin typeface="Times New Roman" pitchFamily="18" charset="0"/>
                 <a:cs typeface="Times New Roman" pitchFamily="18" charset="0"/>
               </a:rPr>
-              <a:t> Redesign používateľského rozhrania GUI</a:t>
-            </a:r>
+              <a:t> Paralelizovanie výpočtovo náročných operácií </a:t>
+            </a:r>
+          </a:p>
+          <a:p>
+            <a:pPr>
+              <a:lnSpc>
+                <a:spcPct val="200000"/>
+              </a:lnSpc>
+              <a:buFont typeface="Arial" pitchFamily="34" charset="0"/>
+              <a:buChar char="•"/>
+              <a:defRPr/>
+            </a:pPr>
+            <a:r>
+              <a:rPr lang="sk-SK" sz="2000" kern="0" smtClean="0">
+                <a:ln w="18415" cmpd="sng">
+                  <a:noFill/>
+                  <a:prstDash val="solid"/>
+                </a:ln>
+                <a:solidFill>
+                  <a:srgbClr val="FFFFFF"/>
+                </a:solidFill>
+                <a:effectLst>
+                  <a:outerShdw blurRad="50800" dist="38100" dir="2700000" algn="tl" rotWithShape="0">
+                    <a:prstClr val="black">
+                      <a:alpha val="40000"/>
+                    </a:prstClr>
+                  </a:outerShdw>
+                </a:effectLst>
+                <a:latin typeface="Times New Roman" pitchFamily="18" charset="0"/>
+                <a:cs typeface="Times New Roman" pitchFamily="18" charset="0"/>
+              </a:rPr>
+              <a:t> Prenesenie </a:t>
+            </a:r>
+            <a:r>
+              <a:rPr lang="sk-SK" sz="2000" kern="0" smtClean="0">
+                <a:ln w="18415" cmpd="sng">
+                  <a:noFill/>
+                  <a:prstDash val="solid"/>
+                </a:ln>
+                <a:solidFill>
+                  <a:srgbClr val="FFFFFF"/>
+                </a:solidFill>
+                <a:effectLst>
+                  <a:outerShdw blurRad="50800" dist="38100" dir="2700000" algn="tl" rotWithShape="0">
+                    <a:prstClr val="black">
+                      <a:alpha val="40000"/>
+                    </a:prstClr>
+                  </a:outerShdw>
+                </a:effectLst>
+                <a:latin typeface="Times New Roman" pitchFamily="18" charset="0"/>
+                <a:cs typeface="Times New Roman" pitchFamily="18" charset="0"/>
+              </a:rPr>
+              <a:t>spracovania </a:t>
+            </a:r>
+            <a:r>
+              <a:rPr lang="sk-SK" sz="2000" kern="0" smtClean="0">
+                <a:ln w="18415" cmpd="sng">
+                  <a:noFill/>
+                  <a:prstDash val="solid"/>
+                </a:ln>
+                <a:solidFill>
+                  <a:srgbClr val="FFFFFF"/>
+                </a:solidFill>
+                <a:effectLst>
+                  <a:outerShdw blurRad="50800" dist="38100" dir="2700000" algn="tl" rotWithShape="0">
+                    <a:prstClr val="black">
+                      <a:alpha val="40000"/>
+                    </a:prstClr>
+                  </a:outerShdw>
+                </a:effectLst>
+                <a:latin typeface="Times New Roman" pitchFamily="18" charset="0"/>
+                <a:cs typeface="Times New Roman" pitchFamily="18" charset="0"/>
+              </a:rPr>
+              <a:t>AST stromu na stranu LUA</a:t>
+            </a:r>
+          </a:p>
+          <a:p>
+            <a:pPr>
+              <a:lnSpc>
+                <a:spcPct val="200000"/>
+              </a:lnSpc>
+              <a:buFont typeface="Arial" pitchFamily="34" charset="0"/>
+              <a:buChar char="•"/>
+              <a:defRPr/>
+            </a:pPr>
+            <a:r>
+              <a:rPr lang="sk-SK" sz="2000" kern="0" smtClean="0">
+                <a:ln w="18415" cmpd="sng">
+                  <a:noFill/>
+                  <a:prstDash val="solid"/>
+                </a:ln>
+                <a:solidFill>
+                  <a:srgbClr val="FFFFFF"/>
+                </a:solidFill>
+                <a:effectLst>
+                  <a:outerShdw blurRad="50800" dist="38100" dir="2700000" algn="tl" rotWithShape="0">
+                    <a:prstClr val="black">
+                      <a:alpha val="40000"/>
+                    </a:prstClr>
+                  </a:outerShdw>
+                </a:effectLst>
+                <a:latin typeface="Times New Roman" pitchFamily="18" charset="0"/>
+                <a:cs typeface="Times New Roman" pitchFamily="18" charset="0"/>
+              </a:rPr>
+              <a:t> Zabudovanie pokročilej práce s textom – Undo, Redo, Copy/Paste</a:t>
+            </a:r>
+          </a:p>
+          <a:p>
+            <a:pPr>
+              <a:lnSpc>
+                <a:spcPct val="200000"/>
+              </a:lnSpc>
+              <a:buFont typeface="Arial" pitchFamily="34" charset="0"/>
+              <a:buChar char="•"/>
+              <a:defRPr/>
+            </a:pPr>
+            <a:r>
+              <a:rPr lang="sk-SK" sz="2000" kern="0" smtClean="0">
+                <a:ln w="18415" cmpd="sng">
+                  <a:noFill/>
+                  <a:prstDash val="solid"/>
+                </a:ln>
+                <a:solidFill>
+                  <a:srgbClr val="FFFFFF"/>
+                </a:solidFill>
+                <a:effectLst>
+                  <a:outerShdw blurRad="50800" dist="38100" dir="2700000" algn="tl" rotWithShape="0">
+                    <a:prstClr val="black">
+                      <a:alpha val="40000"/>
+                    </a:prstClr>
+                  </a:outerShdw>
+                </a:effectLst>
+                <a:latin typeface="Times New Roman" pitchFamily="18" charset="0"/>
+                <a:cs typeface="Times New Roman" pitchFamily="18" charset="0"/>
+              </a:rPr>
+              <a:t> </a:t>
+            </a:r>
+            <a:r>
+              <a:rPr lang="sk-SK" sz="2000" kern="0" smtClean="0">
+                <a:ln w="18415" cmpd="sng">
+                  <a:noFill/>
+                  <a:prstDash val="solid"/>
+                </a:ln>
+                <a:solidFill>
+                  <a:srgbClr val="FFFFFF"/>
+                </a:solidFill>
+                <a:effectLst>
+                  <a:outerShdw blurRad="50800" dist="38100" dir="2700000" algn="tl" rotWithShape="0">
+                    <a:prstClr val="black">
+                      <a:alpha val="40000"/>
+                    </a:prstClr>
+                  </a:outerShdw>
+                </a:effectLst>
+                <a:latin typeface="Times New Roman" pitchFamily="18" charset="0"/>
+                <a:cs typeface="Times New Roman" pitchFamily="18" charset="0"/>
+              </a:rPr>
+              <a:t>Zabudovanie a vytvorenie vlastných </a:t>
+            </a:r>
+            <a:r>
+              <a:rPr lang="sk-SK" sz="2000" kern="0" smtClean="0">
+                <a:ln w="18415" cmpd="sng">
+                  <a:noFill/>
+                  <a:prstDash val="solid"/>
+                </a:ln>
+                <a:solidFill>
+                  <a:srgbClr val="FFFFFF"/>
+                </a:solidFill>
+                <a:effectLst>
+                  <a:outerShdw blurRad="50800" dist="38100" dir="2700000" algn="tl" rotWithShape="0">
+                    <a:prstClr val="black">
+                      <a:alpha val="40000"/>
+                    </a:prstClr>
+                  </a:outerShdw>
+                </a:effectLst>
+                <a:latin typeface="Times New Roman" pitchFamily="18" charset="0"/>
+                <a:cs typeface="Times New Roman" pitchFamily="18" charset="0"/>
+              </a:rPr>
+              <a:t>Shortcuts</a:t>
+            </a:r>
+            <a:endParaRPr lang="pl-PL" sz="2000" kern="0" smtClean="0">
+              <a:ln w="18415" cmpd="sng">
+                <a:noFill/>
+                <a:prstDash val="solid"/>
+              </a:ln>
+              <a:solidFill>
+                <a:srgbClr val="FFFFFF"/>
+              </a:solidFill>
+              <a:effectLst>
+                <a:outerShdw blurRad="50800" dist="38100" dir="2700000" algn="tl" rotWithShape="0">
+                  <a:prstClr val="black">
+                    <a:alpha val="40000"/>
+                  </a:prstClr>
+                </a:outerShdw>
+              </a:effectLst>
+              <a:latin typeface="Times New Roman" pitchFamily="18" charset="0"/>
+              <a:cs typeface="Times New Roman" pitchFamily="18" charset="0"/>
+            </a:endParaRPr>
           </a:p>
         </p:txBody>
       </p:sp>
@@ -16971,8 +18385,8 @@
         </p:nvSpPr>
         <p:spPr>
           <a:xfrm>
-            <a:off x="4214810" y="337220"/>
-            <a:ext cx="4929190" cy="492443"/>
+            <a:off x="1643042" y="337220"/>
+            <a:ext cx="7500958" cy="492443"/>
           </a:xfrm>
           <a:prstGeom prst="rect">
             <a:avLst/>
@@ -17008,8 +18422,26 @@
                 <a:latin typeface="Times New Roman" pitchFamily="18" charset="0"/>
                 <a:cs typeface="Times New Roman" pitchFamily="18" charset="0"/>
               </a:rPr>
-              <a:t>Architektúra riešenia</a:t>
-            </a:r>
+              <a:t>Nefunkcionálne požiadavky na editor</a:t>
+            </a:r>
+            <a:endParaRPr lang="en-US" sz="3200" b="1" kern="0" dirty="0" smtClean="0">
+              <a:ln w="18415" cmpd="sng">
+                <a:noFill/>
+                <a:prstDash val="solid"/>
+              </a:ln>
+              <a:solidFill>
+                <a:srgbClr val="FFFFFF"/>
+              </a:solidFill>
+              <a:effectLst>
+                <a:outerShdw blurRad="50800" dist="38100" dir="2700000" algn="tl" rotWithShape="0">
+                  <a:prstClr val="black">
+                    <a:alpha val="40000"/>
+                  </a:prstClr>
+                </a:outerShdw>
+              </a:effectLst>
+              <a:latin typeface="Times New Roman" pitchFamily="18" charset="0"/>
+              <a:cs typeface="Times New Roman" pitchFamily="18" charset="0"/>
+            </a:endParaRPr>
           </a:p>
         </p:txBody>
       </p:sp>
@@ -17205,8 +18637,8 @@
         </p:nvSpPr>
         <p:spPr>
           <a:xfrm>
-            <a:off x="4786314" y="1142988"/>
-            <a:ext cx="3929090" cy="461665"/>
+            <a:off x="428596" y="1428740"/>
+            <a:ext cx="8286808" cy="2529765"/>
           </a:xfrm>
           <a:prstGeom prst="rect">
             <a:avLst/>
@@ -17214,15 +18646,17 @@
           <a:noFill/>
         </p:spPr>
         <p:txBody>
-          <a:bodyPr wrap="square" lIns="0" tIns="0" rIns="0" bIns="0" rtlCol="0">
+          <a:bodyPr wrap="square" lIns="0" tIns="0" rIns="0" bIns="0" rtlCol="0" anchor="ctr">
             <a:spAutoFit/>
           </a:bodyPr>
           <a:lstStyle/>
           <a:p>
             <a:pPr>
               <a:lnSpc>
-                <a:spcPct val="150000"/>
+                <a:spcPct val="200000"/>
               </a:lnSpc>
+              <a:buFont typeface="Arial" pitchFamily="34" charset="0"/>
+              <a:buChar char="•"/>
               <a:defRPr/>
             </a:pPr>
             <a:r>
@@ -17244,7 +18678,132 @@
                 <a:latin typeface="Times New Roman" pitchFamily="18" charset="0"/>
                 <a:cs typeface="Times New Roman" pitchFamily="18" charset="0"/>
               </a:rPr>
-              <a:t>asd</a:t>
+              <a:t> Rýchlosť a spoľahlivosť </a:t>
+            </a:r>
+          </a:p>
+          <a:p>
+            <a:pPr>
+              <a:lnSpc>
+                <a:spcPct val="200000"/>
+              </a:lnSpc>
+              <a:buFont typeface="Arial" pitchFamily="34" charset="0"/>
+              <a:buChar char="•"/>
+              <a:defRPr/>
+            </a:pPr>
+            <a:r>
+              <a:rPr lang="pl-PL" sz="2000" kern="0" smtClean="0">
+                <a:ln w="18415" cmpd="sng">
+                  <a:noFill/>
+                  <a:prstDash val="solid"/>
+                </a:ln>
+                <a:solidFill>
+                  <a:srgbClr val="FFFFFF"/>
+                </a:solidFill>
+                <a:effectLst>
+                  <a:outerShdw blurRad="50800" dist="38100" dir="2700000" algn="tl" rotWithShape="0">
+                    <a:prstClr val="black">
+                      <a:alpha val="40000"/>
+                    </a:prstClr>
+                  </a:outerShdw>
+                </a:effectLst>
+                <a:latin typeface="Times New Roman" pitchFamily="18" charset="0"/>
+                <a:cs typeface="Times New Roman" pitchFamily="18" charset="0"/>
+              </a:rPr>
+              <a:t> </a:t>
+            </a:r>
+            <a:r>
+              <a:rPr lang="pl-PL" sz="2000" kern="0" smtClean="0">
+                <a:ln w="18415" cmpd="sng">
+                  <a:noFill/>
+                  <a:prstDash val="solid"/>
+                </a:ln>
+                <a:solidFill>
+                  <a:srgbClr val="FFFFFF"/>
+                </a:solidFill>
+                <a:effectLst>
+                  <a:outerShdw blurRad="50800" dist="38100" dir="2700000" algn="tl" rotWithShape="0">
+                    <a:prstClr val="black">
+                      <a:alpha val="40000"/>
+                    </a:prstClr>
+                  </a:outerShdw>
+                </a:effectLst>
+                <a:latin typeface="Times New Roman" pitchFamily="18" charset="0"/>
+                <a:cs typeface="Times New Roman" pitchFamily="18" charset="0"/>
+              </a:rPr>
+              <a:t>Modulárnosť</a:t>
+            </a:r>
+          </a:p>
+          <a:p>
+            <a:pPr>
+              <a:lnSpc>
+                <a:spcPct val="200000"/>
+              </a:lnSpc>
+              <a:buFont typeface="Arial" pitchFamily="34" charset="0"/>
+              <a:buChar char="•"/>
+              <a:defRPr/>
+            </a:pPr>
+            <a:r>
+              <a:rPr lang="sk-SK" sz="2000" kern="0" smtClean="0">
+                <a:ln w="18415" cmpd="sng">
+                  <a:noFill/>
+                  <a:prstDash val="solid"/>
+                </a:ln>
+                <a:solidFill>
+                  <a:srgbClr val="FFFFFF"/>
+                </a:solidFill>
+                <a:effectLst>
+                  <a:outerShdw blurRad="50800" dist="38100" dir="2700000" algn="tl" rotWithShape="0">
+                    <a:prstClr val="black">
+                      <a:alpha val="40000"/>
+                    </a:prstClr>
+                  </a:outerShdw>
+                </a:effectLst>
+                <a:latin typeface="Times New Roman" pitchFamily="18" charset="0"/>
+                <a:cs typeface="Times New Roman" pitchFamily="18" charset="0"/>
+              </a:rPr>
+              <a:t> Poskytnúť možnosti </a:t>
+            </a:r>
+            <a:r>
+              <a:rPr lang="sk-SK" sz="2000" kern="0" smtClean="0">
+                <a:ln w="18415" cmpd="sng">
+                  <a:noFill/>
+                  <a:prstDash val="solid"/>
+                </a:ln>
+                <a:solidFill>
+                  <a:srgbClr val="FFFFFF"/>
+                </a:solidFill>
+                <a:effectLst>
+                  <a:outerShdw blurRad="50800" dist="38100" dir="2700000" algn="tl" rotWithShape="0">
+                    <a:prstClr val="black">
+                      <a:alpha val="40000"/>
+                    </a:prstClr>
+                  </a:outerShdw>
+                </a:effectLst>
+                <a:latin typeface="Times New Roman" pitchFamily="18" charset="0"/>
+                <a:cs typeface="Times New Roman" pitchFamily="18" charset="0"/>
+              </a:rPr>
+              <a:t>konfigurácie </a:t>
+            </a:r>
+            <a:r>
+              <a:rPr lang="sk-SK" sz="2000" kern="0" smtClean="0">
+                <a:ln w="18415" cmpd="sng">
+                  <a:noFill/>
+                  <a:prstDash val="solid"/>
+                </a:ln>
+                <a:solidFill>
+                  <a:srgbClr val="FFFFFF"/>
+                </a:solidFill>
+                <a:effectLst>
+                  <a:outerShdw blurRad="50800" dist="38100" dir="2700000" algn="tl" rotWithShape="0">
+                    <a:prstClr val="black">
+                      <a:alpha val="40000"/>
+                    </a:prstClr>
+                  </a:outerShdw>
+                </a:effectLst>
+                <a:latin typeface="Times New Roman" pitchFamily="18" charset="0"/>
+                <a:cs typeface="Times New Roman" pitchFamily="18" charset="0"/>
+              </a:rPr>
+              <a:t>editora</a:t>
             </a:r>
             <a:endParaRPr lang="pl-PL" sz="2000" kern="0" smtClean="0">
               <a:ln w="18415" cmpd="sng">
@@ -17265,40 +18824,39 @@
               <a:cs typeface="Times New Roman" pitchFamily="18" charset="0"/>
             </a:endParaRPr>
           </a:p>
+          <a:p>
+            <a:pPr>
+              <a:lnSpc>
+                <a:spcPct val="200000"/>
+              </a:lnSpc>
+              <a:buFont typeface="Arial" pitchFamily="34" charset="0"/>
+              <a:buChar char="•"/>
+              <a:defRPr/>
+            </a:pPr>
+            <a:r>
+              <a:rPr lang="pl-PL" sz="2000" kern="0" smtClean="0">
+                <a:ln w="18415" cmpd="sng">
+                  <a:noFill/>
+                  <a:prstDash val="solid"/>
+                </a:ln>
+                <a:solidFill>
+                  <a:srgbClr val="FFFFFF"/>
+                </a:solidFill>
+                <a:effectLst>
+                  <a:outerShdw blurRad="50800" dist="38100" dir="2700000" algn="tl" rotWithShape="0">
+                    <a:prstClr val="black">
+                      <a:alpha val="40000"/>
+                    </a:prstClr>
+                  </a:outerShdw>
+                </a:effectLst>
+                <a:latin typeface="Times New Roman" pitchFamily="18" charset="0"/>
+                <a:cs typeface="Times New Roman" pitchFamily="18" charset="0"/>
+              </a:rPr>
+              <a:t> Redesign používateľského rozhrania GUI</a:t>
+            </a:r>
+          </a:p>
         </p:txBody>
       </p:sp>
-      <p:pic>
-        <p:nvPicPr>
-          <p:cNvPr id="1026" name="Picture 2"/>
-          <p:cNvPicPr>
-            <a:picLocks noChangeAspect="1" noChangeArrowheads="1"/>
-          </p:cNvPicPr>
-          <p:nvPr/>
-        </p:nvPicPr>
-        <p:blipFill>
-          <a:blip r:embed="rId3"/>
-          <a:srcRect/>
-          <a:stretch>
-            <a:fillRect/>
-          </a:stretch>
-        </p:blipFill>
-        <p:spPr bwMode="auto">
-          <a:xfrm>
-            <a:off x="214282" y="571484"/>
-            <a:ext cx="4572032" cy="4588711"/>
-          </a:xfrm>
-          <a:prstGeom prst="rect">
-            <a:avLst/>
-          </a:prstGeom>
-          <a:noFill/>
-          <a:ln w="9525">
-            <a:noFill/>
-            <a:miter lim="800000"/>
-            <a:headEnd/>
-            <a:tailEnd/>
-          </a:ln>
-        </p:spPr>
-      </p:pic>
     </p:spTree>
   </p:cSld>
   <p:clrMapOvr>

--- a/Dokumentacie/Ostatne/Innovators.pptx
+++ b/Dokumentacie/Ostatne/Innovators.pptx
@@ -379,7 +379,7 @@
     </p:spTree>
     <p:extLst>
       <p:ext uri="{BB962C8B-B14F-4D97-AF65-F5344CB8AC3E}">
-        <p14:creationId xmlns:p14="http://schemas.microsoft.com/office/powerpoint/2010/main" xmlns="" val="4100813840"/>
+        <p14:creationId xmlns="" xmlns:p14="http://schemas.microsoft.com/office/powerpoint/2010/main" val="4100813840"/>
       </p:ext>
     </p:extLst>
   </p:cSld>
@@ -1185,6 +1185,88 @@
 </p:notes>
 </file>
 
+<file path=ppt/notesSlides/notesSlide16.xml><?xml version="1.0" encoding="utf-8"?>
+<p:notes xmlns:a="http://schemas.openxmlformats.org/drawingml/2006/main" xmlns:r="http://schemas.openxmlformats.org/officeDocument/2006/relationships" xmlns:p="http://schemas.openxmlformats.org/presentationml/2006/main">
+  <p:cSld>
+    <p:spTree>
+      <p:nvGrpSpPr>
+        <p:cNvPr id="1" name=""/>
+        <p:cNvGrpSpPr/>
+        <p:nvPr/>
+      </p:nvGrpSpPr>
+      <p:grpSpPr>
+        <a:xfrm>
+          <a:off x="0" y="0"/>
+          <a:ext cx="0" cy="0"/>
+          <a:chOff x="0" y="0"/>
+          <a:chExt cx="0" cy="0"/>
+        </a:xfrm>
+      </p:grpSpPr>
+      <p:sp>
+        <p:nvSpPr>
+          <p:cNvPr id="2" name="Zástupný symbol obrazu snímky 1"/>
+          <p:cNvSpPr>
+            <a:spLocks noGrp="1" noRot="1" noChangeAspect="1"/>
+          </p:cNvSpPr>
+          <p:nvPr>
+            <p:ph type="sldImg"/>
+          </p:nvPr>
+        </p:nvSpPr>
+        <p:spPr/>
+      </p:sp>
+      <p:sp>
+        <p:nvSpPr>
+          <p:cNvPr id="3" name="Zástupný symbol poznámok 2"/>
+          <p:cNvSpPr>
+            <a:spLocks noGrp="1"/>
+          </p:cNvSpPr>
+          <p:nvPr>
+            <p:ph type="body" idx="1"/>
+          </p:nvPr>
+        </p:nvSpPr>
+        <p:spPr/>
+        <p:txBody>
+          <a:bodyPr>
+            <a:normAutofit/>
+          </a:bodyPr>
+          <a:lstStyle/>
+          <a:p>
+            <a:endParaRPr lang="sk-SK"/>
+          </a:p>
+        </p:txBody>
+      </p:sp>
+      <p:sp>
+        <p:nvSpPr>
+          <p:cNvPr id="4" name="Zástupný symbol čísla snímky 3"/>
+          <p:cNvSpPr>
+            <a:spLocks noGrp="1"/>
+          </p:cNvSpPr>
+          <p:nvPr>
+            <p:ph type="sldNum" sz="quarter" idx="10"/>
+          </p:nvPr>
+        </p:nvSpPr>
+        <p:spPr/>
+        <p:txBody>
+          <a:bodyPr/>
+          <a:lstStyle/>
+          <a:p>
+            <a:fld id="{7D50ED8A-6824-479D-836F-3084D76D034C}" type="slidenum">
+              <a:rPr lang="sk-SK" smtClean="0"/>
+              <a:pPr/>
+              <a:t>16</a:t>
+            </a:fld>
+            <a:endParaRPr lang="sk-SK"/>
+          </a:p>
+        </p:txBody>
+      </p:sp>
+    </p:spTree>
+  </p:cSld>
+  <p:clrMapOvr>
+    <a:masterClrMapping/>
+  </p:clrMapOvr>
+</p:notes>
+</file>
+
 <file path=ppt/notesSlides/notesSlide2.xml><?xml version="1.0" encoding="utf-8"?>
 <p:notes xmlns:a="http://schemas.openxmlformats.org/drawingml/2006/main" xmlns:r="http://schemas.openxmlformats.org/officeDocument/2006/relationships" xmlns:p="http://schemas.openxmlformats.org/presentationml/2006/main">
   <p:cSld>
@@ -1396,8 +1478,24 @@
           <a:lstStyle/>
           <a:p>
             <a:r>
-              <a:rPr lang="sk-SK" smtClean="0"/>
-              <a:t>Pre názornu úkažku obrázok z editora</a:t>
+              <a:rPr lang="sk-SK" dirty="0" smtClean="0"/>
+              <a:t>Pre </a:t>
+            </a:r>
+            <a:r>
+              <a:rPr lang="sk-SK" dirty="0" err="1" smtClean="0"/>
+              <a:t>názornu</a:t>
+            </a:r>
+            <a:r>
+              <a:rPr lang="sk-SK" dirty="0" smtClean="0"/>
+              <a:t> </a:t>
+            </a:r>
+            <a:r>
+              <a:rPr lang="sk-SK" dirty="0" err="1" smtClean="0"/>
+              <a:t>úkažku</a:t>
+            </a:r>
+            <a:r>
+              <a:rPr lang="sk-SK" dirty="0" smtClean="0"/>
+              <a:t> obrázok z editora</a:t>
             </a:r>
             <a:endParaRPr lang="sk-SK" dirty="0"/>
           </a:p>
@@ -5806,7 +5904,7 @@
           <p:nvPr/>
         </p:nvPicPr>
         <p:blipFill>
-          <a:blip r:embed="rId3"/>
+          <a:blip r:embed="rId3" cstate="print"/>
           <a:srcRect/>
           <a:stretch>
             <a:fillRect/>
@@ -6871,10 +6969,10 @@
           <p:nvPr/>
         </p:nvPicPr>
         <p:blipFill>
-          <a:blip r:embed="rId3">
+          <a:blip r:embed="rId3" cstate="print">
             <a:extLst>
               <a:ext uri="{28A0092B-C50C-407E-A947-70E740481C1C}">
-                <a14:useLocalDpi xmlns:a14="http://schemas.microsoft.com/office/drawing/2010/main" xmlns="" val="0"/>
+                <a14:useLocalDpi xmlns="" xmlns:a14="http://schemas.microsoft.com/office/drawing/2010/main" val="0"/>
               </a:ext>
             </a:extLst>
           </a:blip>
@@ -7926,7 +8024,7 @@
           <a:blip r:embed="rId3" cstate="print">
             <a:extLst>
               <a:ext uri="{28A0092B-C50C-407E-A947-70E740481C1C}">
-                <a14:useLocalDpi xmlns:a14="http://schemas.microsoft.com/office/drawing/2010/main" xmlns="" val="0"/>
+                <a14:useLocalDpi xmlns="" xmlns:a14="http://schemas.microsoft.com/office/drawing/2010/main" val="0"/>
               </a:ext>
             </a:extLst>
           </a:blip>
@@ -7950,14 +8048,14 @@
           <a:effectLst/>
           <a:extLst>
             <a:ext uri="{909E8E84-426E-40DD-AFC4-6F175D3DCCD1}">
-              <a14:hiddenFill xmlns:a14="http://schemas.microsoft.com/office/drawing/2010/main" xmlns="">
+              <a14:hiddenFill xmlns="" xmlns:a14="http://schemas.microsoft.com/office/drawing/2010/main">
                 <a:solidFill>
                   <a:schemeClr val="accent1"/>
                 </a:solidFill>
               </a14:hiddenFill>
             </a:ext>
             <a:ext uri="{91240B29-F687-4F45-9708-019B960494DF}">
-              <a14:hiddenLine xmlns:a14="http://schemas.microsoft.com/office/drawing/2010/main" xmlns="" w="9525">
+              <a14:hiddenLine xmlns="" xmlns:a14="http://schemas.microsoft.com/office/drawing/2010/main" w="9525">
                 <a:solidFill>
                   <a:schemeClr val="tx1"/>
                 </a:solidFill>
@@ -7967,7 +8065,7 @@
               </a14:hiddenLine>
             </a:ext>
             <a:ext uri="{AF507438-7753-43E0-B8FC-AC1667EBCBE1}">
-              <a14:hiddenEffects xmlns:a14="http://schemas.microsoft.com/office/drawing/2010/main" xmlns="">
+              <a14:hiddenEffects xmlns="" xmlns:a14="http://schemas.microsoft.com/office/drawing/2010/main">
                 <a:effectLst>
                   <a:outerShdw dist="35921" dir="2700000" algn="ctr" rotWithShape="0">
                     <a:schemeClr val="bg2"/>
@@ -8711,7 +8809,7 @@
               <a:defRPr/>
             </a:pPr>
             <a:r>
-              <a:rPr lang="sk-SK" sz="2000" kern="0" smtClean="0">
+              <a:rPr lang="sk-SK" sz="2000" kern="0" dirty="0" smtClean="0">
                 <a:ln w="18415" cmpd="sng">
                   <a:noFill/>
                   <a:prstDash val="solid"/>
@@ -8729,7 +8827,49 @@
                 <a:latin typeface="Times New Roman" pitchFamily="18" charset="0"/>
                 <a:cs typeface="Times New Roman" pitchFamily="18" charset="0"/>
               </a:rPr>
-              <a:t> Vykonaný refactoring podľa zadefinovaných štýlov</a:t>
+              <a:t> Vykonaný </a:t>
+            </a:r>
+            <a:r>
+              <a:rPr lang="sk-SK" sz="2000" kern="0" dirty="0" err="1" smtClean="0">
+                <a:ln w="18415" cmpd="sng">
+                  <a:noFill/>
+                  <a:prstDash val="solid"/>
+                </a:ln>
+                <a:solidFill>
+                  <a:srgbClr val="FFFFFF"/>
+                </a:solidFill>
+                <a:effectLst>
+                  <a:outerShdw blurRad="50800" dist="38100" dir="2700000" algn="tl" rotWithShape="0">
+                    <a:prstClr val="black">
+                      <a:alpha val="40000"/>
+                    </a:prstClr>
+                  </a:outerShdw>
+                </a:effectLst>
+                <a:latin typeface="Times New Roman" pitchFamily="18" charset="0"/>
+                <a:cs typeface="Times New Roman" pitchFamily="18" charset="0"/>
+              </a:rPr>
+              <a:t>refactoring</a:t>
+            </a:r>
+            <a:r>
+              <a:rPr lang="sk-SK" sz="2000" kern="0" dirty="0" smtClean="0">
+                <a:ln w="18415" cmpd="sng">
+                  <a:noFill/>
+                  <a:prstDash val="solid"/>
+                </a:ln>
+                <a:solidFill>
+                  <a:srgbClr val="FFFFFF"/>
+                </a:solidFill>
+                <a:effectLst>
+                  <a:outerShdw blurRad="50800" dist="38100" dir="2700000" algn="tl" rotWithShape="0">
+                    <a:prstClr val="black">
+                      <a:alpha val="40000"/>
+                    </a:prstClr>
+                  </a:outerShdw>
+                </a:effectLst>
+                <a:latin typeface="Times New Roman" pitchFamily="18" charset="0"/>
+                <a:cs typeface="Times New Roman" pitchFamily="18" charset="0"/>
+              </a:rPr>
+              <a:t> podľa zadefinovaných štýlov</a:t>
             </a:r>
           </a:p>
           <a:p>
@@ -8742,7 +8882,7 @@
               <a:defRPr/>
             </a:pPr>
             <a:r>
-              <a:rPr lang="sk-SK" sz="2000" kern="0" smtClean="0">
+              <a:rPr lang="sk-SK" sz="2000" kern="0" dirty="0" smtClean="0">
                 <a:ln w="18415" cmpd="sng">
                   <a:noFill/>
                   <a:prstDash val="solid"/>
@@ -8760,8 +8900,47 @@
                 <a:latin typeface="Times New Roman" pitchFamily="18" charset="0"/>
                 <a:cs typeface="Times New Roman" pitchFamily="18" charset="0"/>
               </a:rPr>
-              <a:t> Implementácia funkcií pre prácu s AST stromom na strane Lua</a:t>
-            </a:r>
+              <a:t> Implementácia funkcií pre prácu s AST stromom na strane </a:t>
+            </a:r>
+            <a:r>
+              <a:rPr lang="sk-SK" sz="2000" kern="0" dirty="0" err="1" smtClean="0">
+                <a:ln w="18415" cmpd="sng">
+                  <a:noFill/>
+                  <a:prstDash val="solid"/>
+                </a:ln>
+                <a:solidFill>
+                  <a:srgbClr val="FFFFFF"/>
+                </a:solidFill>
+                <a:effectLst>
+                  <a:outerShdw blurRad="50800" dist="38100" dir="2700000" algn="tl" rotWithShape="0">
+                    <a:prstClr val="black">
+                      <a:alpha val="40000"/>
+                    </a:prstClr>
+                  </a:outerShdw>
+                </a:effectLst>
+                <a:latin typeface="Times New Roman" pitchFamily="18" charset="0"/>
+                <a:cs typeface="Times New Roman" pitchFamily="18" charset="0"/>
+              </a:rPr>
+              <a:t>Lua</a:t>
+            </a:r>
+            <a:endParaRPr lang="sk-SK" sz="2000" kern="0" dirty="0" smtClean="0">
+              <a:ln w="18415" cmpd="sng">
+                <a:noFill/>
+                <a:prstDash val="solid"/>
+              </a:ln>
+              <a:solidFill>
+                <a:srgbClr val="FFFFFF"/>
+              </a:solidFill>
+              <a:effectLst>
+                <a:outerShdw blurRad="50800" dist="38100" dir="2700000" algn="tl" rotWithShape="0">
+                  <a:prstClr val="black">
+                    <a:alpha val="40000"/>
+                  </a:prstClr>
+                </a:outerShdw>
+              </a:effectLst>
+              <a:latin typeface="Times New Roman" pitchFamily="18" charset="0"/>
+              <a:cs typeface="Times New Roman" pitchFamily="18" charset="0"/>
+            </a:endParaRPr>
           </a:p>
           <a:p>
             <a:pPr>
@@ -8773,7 +8952,7 @@
               <a:defRPr/>
             </a:pPr>
             <a:r>
-              <a:rPr lang="sk-SK" sz="2000" kern="0" smtClean="0">
+              <a:rPr lang="sk-SK" sz="2000" kern="0" dirty="0" smtClean="0">
                 <a:ln w="18415" cmpd="sng">
                   <a:noFill/>
                   <a:prstDash val="solid"/>
@@ -8791,7 +8970,112 @@
                 <a:latin typeface="Times New Roman" pitchFamily="18" charset="0"/>
                 <a:cs typeface="Times New Roman" pitchFamily="18" charset="0"/>
               </a:rPr>
-              <a:t> Zabudovanie dvoch módov – Undo Redo v rámci práce s textom</a:t>
+              <a:t> Zabudovanie dvoch módov – </a:t>
+            </a:r>
+            <a:r>
+              <a:rPr lang="sk-SK" sz="2000" kern="0" dirty="0" err="1" smtClean="0">
+                <a:ln w="18415" cmpd="sng">
+                  <a:noFill/>
+                  <a:prstDash val="solid"/>
+                </a:ln>
+                <a:solidFill>
+                  <a:srgbClr val="FFFFFF"/>
+                </a:solidFill>
+                <a:effectLst>
+                  <a:outerShdw blurRad="50800" dist="38100" dir="2700000" algn="tl" rotWithShape="0">
+                    <a:prstClr val="black">
+                      <a:alpha val="40000"/>
+                    </a:prstClr>
+                  </a:outerShdw>
+                </a:effectLst>
+                <a:latin typeface="Times New Roman" pitchFamily="18" charset="0"/>
+                <a:cs typeface="Times New Roman" pitchFamily="18" charset="0"/>
+              </a:rPr>
+              <a:t>Undo</a:t>
+            </a:r>
+            <a:r>
+              <a:rPr lang="en-US" sz="2000" kern="0" dirty="0" smtClean="0">
+                <a:ln w="18415" cmpd="sng">
+                  <a:noFill/>
+                  <a:prstDash val="solid"/>
+                </a:ln>
+                <a:solidFill>
+                  <a:srgbClr val="FFFFFF"/>
+                </a:solidFill>
+                <a:effectLst>
+                  <a:outerShdw blurRad="50800" dist="38100" dir="2700000" algn="tl" rotWithShape="0">
+                    <a:prstClr val="black">
+                      <a:alpha val="40000"/>
+                    </a:prstClr>
+                  </a:outerShdw>
+                </a:effectLst>
+                <a:latin typeface="Times New Roman" pitchFamily="18" charset="0"/>
+                <a:cs typeface="Times New Roman" pitchFamily="18" charset="0"/>
+              </a:rPr>
+              <a:t>/</a:t>
+            </a:r>
+            <a:r>
+              <a:rPr lang="sk-SK" sz="2000" kern="0" dirty="0" err="1" smtClean="0">
+                <a:ln w="18415" cmpd="sng">
+                  <a:noFill/>
+                  <a:prstDash val="solid"/>
+                </a:ln>
+                <a:solidFill>
+                  <a:srgbClr val="FFFFFF"/>
+                </a:solidFill>
+                <a:effectLst>
+                  <a:outerShdw blurRad="50800" dist="38100" dir="2700000" algn="tl" rotWithShape="0">
+                    <a:prstClr val="black">
+                      <a:alpha val="40000"/>
+                    </a:prstClr>
+                  </a:outerShdw>
+                </a:effectLst>
+                <a:latin typeface="Times New Roman" pitchFamily="18" charset="0"/>
+                <a:cs typeface="Times New Roman" pitchFamily="18" charset="0"/>
+              </a:rPr>
+              <a:t>Redo</a:t>
+            </a:r>
+            <a:r>
+              <a:rPr lang="sk-SK" sz="2000" kern="0" dirty="0" smtClean="0">
+                <a:ln w="18415" cmpd="sng">
+                  <a:noFill/>
+                  <a:prstDash val="solid"/>
+                </a:ln>
+                <a:solidFill>
+                  <a:srgbClr val="FFFFFF"/>
+                </a:solidFill>
+                <a:effectLst>
+                  <a:outerShdw blurRad="50800" dist="38100" dir="2700000" algn="tl" rotWithShape="0">
+                    <a:prstClr val="black">
+                      <a:alpha val="40000"/>
+                    </a:prstClr>
+                  </a:outerShdw>
+                </a:effectLst>
+                <a:latin typeface="Times New Roman" pitchFamily="18" charset="0"/>
+                <a:cs typeface="Times New Roman" pitchFamily="18" charset="0"/>
+              </a:rPr>
+              <a:t> </a:t>
+            </a:r>
+            <a:r>
+              <a:rPr lang="sk-SK" sz="2000" kern="0" dirty="0" smtClean="0">
+                <a:ln w="18415" cmpd="sng">
+                  <a:noFill/>
+                  <a:prstDash val="solid"/>
+                </a:ln>
+                <a:solidFill>
+                  <a:srgbClr val="FFFFFF"/>
+                </a:solidFill>
+                <a:effectLst>
+                  <a:outerShdw blurRad="50800" dist="38100" dir="2700000" algn="tl" rotWithShape="0">
+                    <a:prstClr val="black">
+                      <a:alpha val="40000"/>
+                    </a:prstClr>
+                  </a:outerShdw>
+                </a:effectLst>
+                <a:latin typeface="Times New Roman" pitchFamily="18" charset="0"/>
+                <a:cs typeface="Times New Roman" pitchFamily="18" charset="0"/>
+              </a:rPr>
+              <a:t>v rámci práce s textom</a:t>
             </a:r>
           </a:p>
           <a:p>
@@ -8804,7 +9088,7 @@
               <a:defRPr/>
             </a:pPr>
             <a:r>
-              <a:rPr lang="sk-SK" sz="2000" kern="0" smtClean="0">
+              <a:rPr lang="sk-SK" sz="2000" kern="0" dirty="0" smtClean="0">
                 <a:ln w="18415" cmpd="sng">
                   <a:noFill/>
                   <a:prstDash val="solid"/>
@@ -8822,7 +9106,91 @@
                 <a:latin typeface="Times New Roman" pitchFamily="18" charset="0"/>
                 <a:cs typeface="Times New Roman" pitchFamily="18" charset="0"/>
               </a:rPr>
-              <a:t> Zabudovanie paralelizmu – spracovanie syntaktickej analýzi na pozadí</a:t>
+              <a:t> Zabudovanie paralelizmu – spracovanie syntaktickej </a:t>
+            </a:r>
+            <a:r>
+              <a:rPr lang="sk-SK" sz="2000" kern="0" dirty="0" smtClean="0">
+                <a:ln w="18415" cmpd="sng">
+                  <a:noFill/>
+                  <a:prstDash val="solid"/>
+                </a:ln>
+                <a:solidFill>
+                  <a:srgbClr val="FFFFFF"/>
+                </a:solidFill>
+                <a:effectLst>
+                  <a:outerShdw blurRad="50800" dist="38100" dir="2700000" algn="tl" rotWithShape="0">
+                    <a:prstClr val="black">
+                      <a:alpha val="40000"/>
+                    </a:prstClr>
+                  </a:outerShdw>
+                </a:effectLst>
+                <a:latin typeface="Times New Roman" pitchFamily="18" charset="0"/>
+                <a:cs typeface="Times New Roman" pitchFamily="18" charset="0"/>
+              </a:rPr>
+              <a:t>analýz</a:t>
+            </a:r>
+            <a:r>
+              <a:rPr lang="en-US" sz="2000" kern="0" dirty="0" smtClean="0">
+                <a:ln w="18415" cmpd="sng">
+                  <a:noFill/>
+                  <a:prstDash val="solid"/>
+                </a:ln>
+                <a:solidFill>
+                  <a:srgbClr val="FFFFFF"/>
+                </a:solidFill>
+                <a:effectLst>
+                  <a:outerShdw blurRad="50800" dist="38100" dir="2700000" algn="tl" rotWithShape="0">
+                    <a:prstClr val="black">
+                      <a:alpha val="40000"/>
+                    </a:prstClr>
+                  </a:outerShdw>
+                </a:effectLst>
+                <a:latin typeface="Times New Roman" pitchFamily="18" charset="0"/>
+                <a:cs typeface="Times New Roman" pitchFamily="18" charset="0"/>
+              </a:rPr>
+              <a:t>y</a:t>
+            </a:r>
+            <a:r>
+              <a:rPr lang="sk-SK" sz="2000" kern="0" dirty="0" smtClean="0">
+                <a:ln w="18415" cmpd="sng">
+                  <a:noFill/>
+                  <a:prstDash val="solid"/>
+                </a:ln>
+                <a:solidFill>
+                  <a:srgbClr val="FFFFFF"/>
+                </a:solidFill>
+                <a:effectLst>
+                  <a:outerShdw blurRad="50800" dist="38100" dir="2700000" algn="tl" rotWithShape="0">
+                    <a:prstClr val="black">
+                      <a:alpha val="40000"/>
+                    </a:prstClr>
+                  </a:outerShdw>
+                </a:effectLst>
+                <a:latin typeface="Times New Roman" pitchFamily="18" charset="0"/>
+                <a:cs typeface="Times New Roman" pitchFamily="18" charset="0"/>
+              </a:rPr>
+              <a:t> </a:t>
+            </a:r>
+            <a:r>
+              <a:rPr lang="sk-SK" sz="2000" kern="0" dirty="0" smtClean="0">
+                <a:ln w="18415" cmpd="sng">
+                  <a:noFill/>
+                  <a:prstDash val="solid"/>
+                </a:ln>
+                <a:solidFill>
+                  <a:srgbClr val="FFFFFF"/>
+                </a:solidFill>
+                <a:effectLst>
+                  <a:outerShdw blurRad="50800" dist="38100" dir="2700000" algn="tl" rotWithShape="0">
+                    <a:prstClr val="black">
+                      <a:alpha val="40000"/>
+                    </a:prstClr>
+                  </a:outerShdw>
+                </a:effectLst>
+                <a:latin typeface="Times New Roman" pitchFamily="18" charset="0"/>
+                <a:cs typeface="Times New Roman" pitchFamily="18" charset="0"/>
+              </a:rPr>
+              <a:t>na pozadí</a:t>
             </a:r>
           </a:p>
           <a:p>
@@ -8835,7 +9203,7 @@
               <a:defRPr/>
             </a:pPr>
             <a:r>
-              <a:rPr lang="sk-SK" sz="2000" kern="0" smtClean="0">
+              <a:rPr lang="sk-SK" sz="2000" kern="0" dirty="0" smtClean="0">
                 <a:ln w="18415" cmpd="sng">
                   <a:noFill/>
                   <a:prstDash val="solid"/>
@@ -8853,7 +9221,49 @@
                 <a:latin typeface="Times New Roman" pitchFamily="18" charset="0"/>
                 <a:cs typeface="Times New Roman" pitchFamily="18" charset="0"/>
               </a:rPr>
-              <a:t> Zabudovanie Shortcuts – rozšírenie existujúcich skratiek </a:t>
+              <a:t> Zabudovanie </a:t>
+            </a:r>
+            <a:r>
+              <a:rPr lang="sk-SK" sz="2000" kern="0" dirty="0" err="1" smtClean="0">
+                <a:ln w="18415" cmpd="sng">
+                  <a:noFill/>
+                  <a:prstDash val="solid"/>
+                </a:ln>
+                <a:solidFill>
+                  <a:srgbClr val="FFFFFF"/>
+                </a:solidFill>
+                <a:effectLst>
+                  <a:outerShdw blurRad="50800" dist="38100" dir="2700000" algn="tl" rotWithShape="0">
+                    <a:prstClr val="black">
+                      <a:alpha val="40000"/>
+                    </a:prstClr>
+                  </a:outerShdw>
+                </a:effectLst>
+                <a:latin typeface="Times New Roman" pitchFamily="18" charset="0"/>
+                <a:cs typeface="Times New Roman" pitchFamily="18" charset="0"/>
+              </a:rPr>
+              <a:t>Shortcuts</a:t>
+            </a:r>
+            <a:r>
+              <a:rPr lang="sk-SK" sz="2000" kern="0" dirty="0" smtClean="0">
+                <a:ln w="18415" cmpd="sng">
+                  <a:noFill/>
+                  <a:prstDash val="solid"/>
+                </a:ln>
+                <a:solidFill>
+                  <a:srgbClr val="FFFFFF"/>
+                </a:solidFill>
+                <a:effectLst>
+                  <a:outerShdw blurRad="50800" dist="38100" dir="2700000" algn="tl" rotWithShape="0">
+                    <a:prstClr val="black">
+                      <a:alpha val="40000"/>
+                    </a:prstClr>
+                  </a:outerShdw>
+                </a:effectLst>
+                <a:latin typeface="Times New Roman" pitchFamily="18" charset="0"/>
+                <a:cs typeface="Times New Roman" pitchFamily="18" charset="0"/>
+              </a:rPr>
+              <a:t> – rozšírenie existujúcich skratiek </a:t>
             </a:r>
           </a:p>
           <a:p>
@@ -8866,7 +9276,7 @@
               <a:defRPr/>
             </a:pPr>
             <a:r>
-              <a:rPr lang="sk-SK" sz="2000" kern="0" smtClean="0">
+              <a:rPr lang="sk-SK" sz="2000" kern="0" dirty="0" smtClean="0">
                 <a:ln w="18415" cmpd="sng">
                   <a:noFill/>
                   <a:prstDash val="solid"/>
@@ -8884,30 +9294,9 @@
                 <a:latin typeface="Times New Roman" pitchFamily="18" charset="0"/>
                 <a:cs typeface="Times New Roman" pitchFamily="18" charset="0"/>
               </a:rPr>
-              <a:t> Úprava editora za použitia CSS </a:t>
-            </a:r>
-            <a:r>
-              <a:rPr lang="sk-SK" sz="2000" kern="0" smtClean="0">
-                <a:ln w="18415" cmpd="sng">
-                  <a:noFill/>
-                  <a:prstDash val="solid"/>
-                </a:ln>
-                <a:solidFill>
-                  <a:srgbClr val="FFFFFF"/>
-                </a:solidFill>
-                <a:effectLst>
-                  <a:outerShdw blurRad="50800" dist="38100" dir="2700000" algn="tl" rotWithShape="0">
-                    <a:prstClr val="black">
-                      <a:alpha val="40000"/>
-                    </a:prstClr>
-                  </a:outerShdw>
-                </a:effectLst>
-                <a:latin typeface="Times New Roman" pitchFamily="18" charset="0"/>
-                <a:cs typeface="Times New Roman" pitchFamily="18" charset="0"/>
-              </a:rPr>
-              <a:t>štýlov</a:t>
-            </a:r>
-            <a:endParaRPr lang="pl-PL" sz="2000" kern="0" smtClean="0">
+              <a:t> Úprava editora za použitia CSS štýlov</a:t>
+            </a:r>
+            <a:endParaRPr lang="pl-PL" sz="2000" kern="0" dirty="0" smtClean="0">
               <a:ln w="18415" cmpd="sng">
                 <a:noFill/>
                 <a:prstDash val="solid"/>
@@ -9661,7 +10050,7 @@
               <a:defRPr/>
             </a:pPr>
             <a:r>
-              <a:rPr lang="pl-PL" sz="2000" kern="0" smtClean="0">
+              <a:rPr lang="pl-PL" sz="2000" kern="0" dirty="0" smtClean="0">
                 <a:ln w="18415" cmpd="sng">
                   <a:noFill/>
                   <a:prstDash val="solid"/>
@@ -9679,49 +10068,7 @@
                 <a:latin typeface="Times New Roman" pitchFamily="18" charset="0"/>
                 <a:cs typeface="Times New Roman" pitchFamily="18" charset="0"/>
               </a:rPr>
-              <a:t> Držanie AST stromu na strane </a:t>
-            </a:r>
-            <a:r>
-              <a:rPr lang="pl-PL" sz="2000" kern="0" smtClean="0">
-                <a:ln w="18415" cmpd="sng">
-                  <a:noFill/>
-                  <a:prstDash val="solid"/>
-                </a:ln>
-                <a:solidFill>
-                  <a:srgbClr val="FFFFFF"/>
-                </a:solidFill>
-                <a:effectLst>
-                  <a:outerShdw blurRad="50800" dist="38100" dir="2700000" algn="tl" rotWithShape="0">
-                    <a:prstClr val="black">
-                      <a:alpha val="40000"/>
-                    </a:prstClr>
-                  </a:outerShdw>
-                </a:effectLst>
-                <a:latin typeface="Times New Roman" pitchFamily="18" charset="0"/>
-                <a:cs typeface="Times New Roman" pitchFamily="18" charset="0"/>
-              </a:rPr>
-              <a:t>Lua </a:t>
-            </a:r>
-            <a:r>
-              <a:rPr lang="pl-PL" sz="2000" kern="0" smtClean="0">
-                <a:ln w="18415" cmpd="sng">
-                  <a:noFill/>
-                  <a:prstDash val="solid"/>
-                </a:ln>
-                <a:solidFill>
-                  <a:srgbClr val="FFFFFF"/>
-                </a:solidFill>
-                <a:effectLst>
-                  <a:outerShdw blurRad="50800" dist="38100" dir="2700000" algn="tl" rotWithShape="0">
-                    <a:prstClr val="black">
-                      <a:alpha val="40000"/>
-                    </a:prstClr>
-                  </a:outerShdw>
-                </a:effectLst>
-                <a:latin typeface="Times New Roman" pitchFamily="18" charset="0"/>
-                <a:cs typeface="Times New Roman" pitchFamily="18" charset="0"/>
-              </a:rPr>
-              <a:t>– už len dopytovanie na strom z Qt</a:t>
+              <a:t> Držanie AST stromu na strane Lua – už len dopytovanie na strom z Qt</a:t>
             </a:r>
           </a:p>
           <a:p>
@@ -9734,7 +10081,7 @@
               <a:defRPr/>
             </a:pPr>
             <a:r>
-              <a:rPr lang="pl-PL" sz="2000" kern="0" smtClean="0">
+              <a:rPr lang="pl-PL" sz="2000" kern="0" dirty="0" smtClean="0">
                 <a:ln w="18415" cmpd="sng">
                   <a:noFill/>
                   <a:prstDash val="solid"/>
@@ -9752,47 +10099,8 @@
                 <a:latin typeface="Times New Roman" pitchFamily="18" charset="0"/>
                 <a:cs typeface="Times New Roman" pitchFamily="18" charset="0"/>
               </a:rPr>
-              <a:t> Rozšíriť paralelizmus aj na stranu </a:t>
-            </a:r>
-            <a:r>
-              <a:rPr lang="pl-PL" sz="2000" kern="0" smtClean="0">
-                <a:ln w="18415" cmpd="sng">
-                  <a:noFill/>
-                  <a:prstDash val="solid"/>
-                </a:ln>
-                <a:solidFill>
-                  <a:srgbClr val="FFFFFF"/>
-                </a:solidFill>
-                <a:effectLst>
-                  <a:outerShdw blurRad="50800" dist="38100" dir="2700000" algn="tl" rotWithShape="0">
-                    <a:prstClr val="black">
-                      <a:alpha val="40000"/>
-                    </a:prstClr>
-                  </a:outerShdw>
-                </a:effectLst>
-                <a:latin typeface="Times New Roman" pitchFamily="18" charset="0"/>
-                <a:cs typeface="Times New Roman" pitchFamily="18" charset="0"/>
-              </a:rPr>
-              <a:t>Lua</a:t>
-            </a:r>
-            <a:endParaRPr lang="pl-PL" sz="2000" kern="0" smtClean="0">
-              <a:ln w="18415" cmpd="sng">
-                <a:noFill/>
-                <a:prstDash val="solid"/>
-              </a:ln>
-              <a:solidFill>
-                <a:srgbClr val="FFFFFF"/>
-              </a:solidFill>
-              <a:effectLst>
-                <a:outerShdw blurRad="50800" dist="38100" dir="2700000" algn="tl" rotWithShape="0">
-                  <a:prstClr val="black">
-                    <a:alpha val="40000"/>
-                  </a:prstClr>
-                </a:outerShdw>
-              </a:effectLst>
-              <a:latin typeface="Times New Roman" pitchFamily="18" charset="0"/>
-              <a:cs typeface="Times New Roman" pitchFamily="18" charset="0"/>
-            </a:endParaRPr>
+              <a:t> Rozšíriť paralelizmus aj na stranu Lua</a:t>
+            </a:r>
           </a:p>
           <a:p>
             <a:pPr>
@@ -9804,7 +10112,7 @@
               <a:defRPr/>
             </a:pPr>
             <a:r>
-              <a:rPr lang="pl-PL" sz="2000" kern="0" smtClean="0">
+              <a:rPr lang="pl-PL" sz="2000" kern="0" dirty="0" smtClean="0">
                 <a:ln w="18415" cmpd="sng">
                   <a:noFill/>
                   <a:prstDash val="solid"/>
@@ -9822,47 +10130,8 @@
                 <a:latin typeface="Times New Roman" pitchFamily="18" charset="0"/>
                 <a:cs typeface="Times New Roman" pitchFamily="18" charset="0"/>
               </a:rPr>
-              <a:t> Vlastné </a:t>
-            </a:r>
-            <a:r>
-              <a:rPr lang="pl-PL" sz="2000" kern="0" smtClean="0">
-                <a:ln w="18415" cmpd="sng">
-                  <a:noFill/>
-                  <a:prstDash val="solid"/>
-                </a:ln>
-                <a:solidFill>
-                  <a:srgbClr val="FFFFFF"/>
-                </a:solidFill>
-                <a:effectLst>
-                  <a:outerShdw blurRad="50800" dist="38100" dir="2700000" algn="tl" rotWithShape="0">
-                    <a:prstClr val="black">
-                      <a:alpha val="40000"/>
-                    </a:prstClr>
-                  </a:outerShdw>
-                </a:effectLst>
-                <a:latin typeface="Times New Roman" pitchFamily="18" charset="0"/>
-                <a:cs typeface="Times New Roman" pitchFamily="18" charset="0"/>
-              </a:rPr>
-              <a:t>konfigurovateľné shortcuts</a:t>
-            </a:r>
-            <a:endParaRPr lang="pl-PL" sz="2000" kern="0" smtClean="0">
-              <a:ln w="18415" cmpd="sng">
-                <a:noFill/>
-                <a:prstDash val="solid"/>
-              </a:ln>
-              <a:solidFill>
-                <a:srgbClr val="FFFFFF"/>
-              </a:solidFill>
-              <a:effectLst>
-                <a:outerShdw blurRad="50800" dist="38100" dir="2700000" algn="tl" rotWithShape="0">
-                  <a:prstClr val="black">
-                    <a:alpha val="40000"/>
-                  </a:prstClr>
-                </a:outerShdw>
-              </a:effectLst>
-              <a:latin typeface="Times New Roman" pitchFamily="18" charset="0"/>
-              <a:cs typeface="Times New Roman" pitchFamily="18" charset="0"/>
-            </a:endParaRPr>
+              <a:t> Vlastné konfigurovateľné shortcuts</a:t>
+            </a:r>
           </a:p>
           <a:p>
             <a:pPr>
@@ -9874,7 +10143,7 @@
               <a:defRPr/>
             </a:pPr>
             <a:r>
-              <a:rPr lang="pl-PL" sz="2000" kern="0" smtClean="0">
+              <a:rPr lang="pl-PL" sz="2000" kern="0" dirty="0" smtClean="0">
                 <a:ln w="18415" cmpd="sng">
                   <a:noFill/>
                   <a:prstDash val="solid"/>
@@ -9892,7 +10161,91 @@
                 <a:latin typeface="Times New Roman" pitchFamily="18" charset="0"/>
                 <a:cs typeface="Times New Roman" pitchFamily="18" charset="0"/>
               </a:rPr>
-              <a:t> Undo Redo rozšíriť aj pre prácu s blokmi</a:t>
+              <a:t> </a:t>
+            </a:r>
+            <a:r>
+              <a:rPr lang="pl-PL" sz="2000" kern="0" dirty="0" smtClean="0">
+                <a:ln w="18415" cmpd="sng">
+                  <a:noFill/>
+                  <a:prstDash val="solid"/>
+                </a:ln>
+                <a:solidFill>
+                  <a:srgbClr val="FFFFFF"/>
+                </a:solidFill>
+                <a:effectLst>
+                  <a:outerShdw blurRad="50800" dist="38100" dir="2700000" algn="tl" rotWithShape="0">
+                    <a:prstClr val="black">
+                      <a:alpha val="40000"/>
+                    </a:prstClr>
+                  </a:outerShdw>
+                </a:effectLst>
+                <a:latin typeface="Times New Roman" pitchFamily="18" charset="0"/>
+                <a:cs typeface="Times New Roman" pitchFamily="18" charset="0"/>
+              </a:rPr>
+              <a:t>Undo</a:t>
+            </a:r>
+            <a:r>
+              <a:rPr lang="en-US" sz="2000" kern="0" dirty="0" smtClean="0">
+                <a:ln w="18415" cmpd="sng">
+                  <a:noFill/>
+                  <a:prstDash val="solid"/>
+                </a:ln>
+                <a:solidFill>
+                  <a:srgbClr val="FFFFFF"/>
+                </a:solidFill>
+                <a:effectLst>
+                  <a:outerShdw blurRad="50800" dist="38100" dir="2700000" algn="tl" rotWithShape="0">
+                    <a:prstClr val="black">
+                      <a:alpha val="40000"/>
+                    </a:prstClr>
+                  </a:outerShdw>
+                </a:effectLst>
+                <a:latin typeface="Times New Roman" pitchFamily="18" charset="0"/>
+                <a:cs typeface="Times New Roman" pitchFamily="18" charset="0"/>
+              </a:rPr>
+              <a:t>/</a:t>
+            </a:r>
+            <a:r>
+              <a:rPr lang="pl-PL" sz="2000" kern="0" dirty="0" smtClean="0">
+                <a:ln w="18415" cmpd="sng">
+                  <a:noFill/>
+                  <a:prstDash val="solid"/>
+                </a:ln>
+                <a:solidFill>
+                  <a:srgbClr val="FFFFFF"/>
+                </a:solidFill>
+                <a:effectLst>
+                  <a:outerShdw blurRad="50800" dist="38100" dir="2700000" algn="tl" rotWithShape="0">
+                    <a:prstClr val="black">
+                      <a:alpha val="40000"/>
+                    </a:prstClr>
+                  </a:outerShdw>
+                </a:effectLst>
+                <a:latin typeface="Times New Roman" pitchFamily="18" charset="0"/>
+                <a:cs typeface="Times New Roman" pitchFamily="18" charset="0"/>
+              </a:rPr>
+              <a:t>Redo </a:t>
+            </a:r>
+            <a:r>
+              <a:rPr lang="pl-PL" sz="2000" kern="0" dirty="0" smtClean="0">
+                <a:ln w="18415" cmpd="sng">
+                  <a:noFill/>
+                  <a:prstDash val="solid"/>
+                </a:ln>
+                <a:solidFill>
+                  <a:srgbClr val="FFFFFF"/>
+                </a:solidFill>
+                <a:effectLst>
+                  <a:outerShdw blurRad="50800" dist="38100" dir="2700000" algn="tl" rotWithShape="0">
+                    <a:prstClr val="black">
+                      <a:alpha val="40000"/>
+                    </a:prstClr>
+                  </a:outerShdw>
+                </a:effectLst>
+                <a:latin typeface="Times New Roman" pitchFamily="18" charset="0"/>
+                <a:cs typeface="Times New Roman" pitchFamily="18" charset="0"/>
+              </a:rPr>
+              <a:t>rozšíriť aj pre prácu s blokmi</a:t>
             </a:r>
           </a:p>
           <a:p>
@@ -9905,7 +10258,7 @@
               <a:defRPr/>
             </a:pPr>
             <a:r>
-              <a:rPr lang="pl-PL" sz="2000" kern="0" smtClean="0">
+              <a:rPr lang="pl-PL" sz="2000" kern="0" dirty="0" smtClean="0">
                 <a:ln w="18415" cmpd="sng">
                   <a:noFill/>
                   <a:prstDash val="solid"/>
@@ -9926,7 +10279,7 @@
               <a:t> Zabudovanie pokročilého dokumentačného bloku </a:t>
             </a:r>
             <a:r>
-              <a:rPr lang="pl-PL" sz="2000" kern="0" smtClean="0">
+              <a:rPr lang="pl-PL" sz="2000" kern="0" dirty="0" smtClean="0">
                 <a:ln w="18415" cmpd="sng">
                   <a:noFill/>
                   <a:prstDash val="solid"/>
@@ -9944,10 +10297,52 @@
                 <a:latin typeface="Times New Roman" pitchFamily="18" charset="0"/>
                 <a:cs typeface="Times New Roman" pitchFamily="18" charset="0"/>
               </a:rPr>
-              <a:t>podporúceho </a:t>
-            </a:r>
-            <a:r>
-              <a:rPr lang="pl-PL" sz="2000" kern="0" smtClean="0">
+              <a:t>podpor</a:t>
+            </a:r>
+            <a:r>
+              <a:rPr lang="en-US" sz="2000" kern="0" dirty="0" err="1" smtClean="0">
+                <a:ln w="18415" cmpd="sng">
+                  <a:noFill/>
+                  <a:prstDash val="solid"/>
+                </a:ln>
+                <a:solidFill>
+                  <a:srgbClr val="FFFFFF"/>
+                </a:solidFill>
+                <a:effectLst>
+                  <a:outerShdw blurRad="50800" dist="38100" dir="2700000" algn="tl" rotWithShape="0">
+                    <a:prstClr val="black">
+                      <a:alpha val="40000"/>
+                    </a:prstClr>
+                  </a:outerShdw>
+                </a:effectLst>
+                <a:latin typeface="Times New Roman" pitchFamily="18" charset="0"/>
+                <a:cs typeface="Times New Roman" pitchFamily="18" charset="0"/>
+              </a:rPr>
+              <a:t>uj</a:t>
+            </a:r>
+            <a:r>
+              <a:rPr lang="pl-PL" sz="2000" kern="0" dirty="0" smtClean="0">
+                <a:ln w="18415" cmpd="sng">
+                  <a:noFill/>
+                  <a:prstDash val="solid"/>
+                </a:ln>
+                <a:solidFill>
+                  <a:srgbClr val="FFFFFF"/>
+                </a:solidFill>
+                <a:effectLst>
+                  <a:outerShdw blurRad="50800" dist="38100" dir="2700000" algn="tl" rotWithShape="0">
+                    <a:prstClr val="black">
+                      <a:alpha val="40000"/>
+                    </a:prstClr>
+                  </a:outerShdw>
+                </a:effectLst>
+                <a:latin typeface="Times New Roman" pitchFamily="18" charset="0"/>
+                <a:cs typeface="Times New Roman" pitchFamily="18" charset="0"/>
+              </a:rPr>
+              <a:t>úceho </a:t>
+            </a:r>
+            <a:r>
+              <a:rPr lang="pl-PL" sz="2000" kern="0" dirty="0" smtClean="0">
                 <a:ln w="18415" cmpd="sng">
                   <a:noFill/>
                   <a:prstDash val="solid"/>
@@ -10831,7 +11226,7 @@
           <p:nvPr/>
         </p:nvPicPr>
         <p:blipFill>
-          <a:blip r:embed="rId2" cstate="print"/>
+          <a:blip r:embed="rId3" cstate="print"/>
           <a:stretch>
             <a:fillRect/>
           </a:stretch>
@@ -10858,7 +11253,7 @@
           <p:nvPr/>
         </p:nvPicPr>
         <p:blipFill>
-          <a:blip r:embed="rId3" cstate="print"/>
+          <a:blip r:embed="rId4" cstate="print"/>
           <a:srcRect/>
           <a:stretch>
             <a:fillRect/>
@@ -11722,7 +12117,7 @@
               <a:defRPr/>
             </a:pPr>
             <a:r>
-              <a:rPr lang="sk-SK" sz="2000" kern="0" smtClean="0">
+              <a:rPr lang="sk-SK" sz="2000" kern="0" dirty="0" smtClean="0">
                 <a:ln w="18415" cmpd="sng">
                   <a:noFill/>
                   <a:prstDash val="solid"/>
@@ -11743,7 +12138,7 @@
               <a:t> m</a:t>
             </a:r>
             <a:r>
-              <a:rPr lang="en-US" sz="2000" kern="0" smtClean="0">
+              <a:rPr lang="en-US" sz="2000" kern="0" dirty="0" smtClean="0">
                 <a:ln w="18415" cmpd="sng">
                   <a:noFill/>
                   <a:prstDash val="solid"/>
@@ -11764,7 +12159,7 @@
               <a:t>y</a:t>
             </a:r>
             <a:r>
-              <a:rPr lang="sk-SK" sz="2000" kern="0" smtClean="0">
+              <a:rPr lang="sk-SK" sz="2000" kern="0" dirty="0" err="1" smtClean="0">
                 <a:ln w="18415" cmpd="sng">
                   <a:noFill/>
                   <a:prstDash val="solid"/>
@@ -11782,10 +12177,136 @@
                 <a:latin typeface="Times New Roman" pitchFamily="18" charset="0"/>
                 <a:cs typeface="Times New Roman" pitchFamily="18" charset="0"/>
               </a:rPr>
-              <a:t>šlienka vytvoriť multiplatformový gratický editor</a:t>
-            </a:r>
-            <a:r>
-              <a:rPr kumimoji="0" lang="sk-SK" sz="2000" u="none" strike="noStrike" kern="0" cap="none" normalizeH="0" baseline="0" noProof="0" smtClean="0">
+              <a:t>šlienka</a:t>
+            </a:r>
+            <a:r>
+              <a:rPr lang="sk-SK" sz="2000" kern="0" dirty="0" smtClean="0">
+                <a:ln w="18415" cmpd="sng">
+                  <a:noFill/>
+                  <a:prstDash val="solid"/>
+                </a:ln>
+                <a:solidFill>
+                  <a:srgbClr val="FFFFFF"/>
+                </a:solidFill>
+                <a:effectLst>
+                  <a:outerShdw blurRad="50800" dist="38100" dir="2700000" algn="tl" rotWithShape="0">
+                    <a:prstClr val="black">
+                      <a:alpha val="40000"/>
+                    </a:prstClr>
+                  </a:outerShdw>
+                </a:effectLst>
+                <a:latin typeface="Times New Roman" pitchFamily="18" charset="0"/>
+                <a:cs typeface="Times New Roman" pitchFamily="18" charset="0"/>
+              </a:rPr>
+              <a:t> vytvoriť multiplatformový </a:t>
+            </a:r>
+            <a:r>
+              <a:rPr lang="sk-SK" sz="2000" kern="0" dirty="0" err="1" smtClean="0">
+                <a:ln w="18415" cmpd="sng">
+                  <a:noFill/>
+                  <a:prstDash val="solid"/>
+                </a:ln>
+                <a:solidFill>
+                  <a:srgbClr val="FFFFFF"/>
+                </a:solidFill>
+                <a:effectLst>
+                  <a:outerShdw blurRad="50800" dist="38100" dir="2700000" algn="tl" rotWithShape="0">
+                    <a:prstClr val="black">
+                      <a:alpha val="40000"/>
+                    </a:prstClr>
+                  </a:outerShdw>
+                </a:effectLst>
+                <a:latin typeface="Times New Roman" pitchFamily="18" charset="0"/>
+                <a:cs typeface="Times New Roman" pitchFamily="18" charset="0"/>
+              </a:rPr>
+              <a:t>gra</a:t>
+            </a:r>
+            <a:r>
+              <a:rPr lang="en-US" sz="2000" kern="0" dirty="0" smtClean="0">
+                <a:ln w="18415" cmpd="sng">
+                  <a:noFill/>
+                  <a:prstDash val="solid"/>
+                </a:ln>
+                <a:solidFill>
+                  <a:srgbClr val="FFFFFF"/>
+                </a:solidFill>
+                <a:effectLst>
+                  <a:outerShdw blurRad="50800" dist="38100" dir="2700000" algn="tl" rotWithShape="0">
+                    <a:prstClr val="black">
+                      <a:alpha val="40000"/>
+                    </a:prstClr>
+                  </a:outerShdw>
+                </a:effectLst>
+                <a:latin typeface="Times New Roman" pitchFamily="18" charset="0"/>
+                <a:cs typeface="Times New Roman" pitchFamily="18" charset="0"/>
+              </a:rPr>
+              <a:t>f</a:t>
+            </a:r>
+            <a:r>
+              <a:rPr lang="sk-SK" sz="2000" kern="0" dirty="0" err="1" smtClean="0">
+                <a:ln w="18415" cmpd="sng">
+                  <a:noFill/>
+                  <a:prstDash val="solid"/>
+                </a:ln>
+                <a:solidFill>
+                  <a:srgbClr val="FFFFFF"/>
+                </a:solidFill>
+                <a:effectLst>
+                  <a:outerShdw blurRad="50800" dist="38100" dir="2700000" algn="tl" rotWithShape="0">
+                    <a:prstClr val="black">
+                      <a:alpha val="40000"/>
+                    </a:prstClr>
+                  </a:outerShdw>
+                </a:effectLst>
+                <a:latin typeface="Times New Roman" pitchFamily="18" charset="0"/>
+                <a:cs typeface="Times New Roman" pitchFamily="18" charset="0"/>
+              </a:rPr>
+              <a:t>ický</a:t>
+            </a:r>
+            <a:r>
+              <a:rPr lang="sk-SK" sz="2000" kern="0" dirty="0" smtClean="0">
+                <a:ln w="18415" cmpd="sng">
+                  <a:noFill/>
+                  <a:prstDash val="solid"/>
+                </a:ln>
+                <a:solidFill>
+                  <a:srgbClr val="FFFFFF"/>
+                </a:solidFill>
+                <a:effectLst>
+                  <a:outerShdw blurRad="50800" dist="38100" dir="2700000" algn="tl" rotWithShape="0">
+                    <a:prstClr val="black">
+                      <a:alpha val="40000"/>
+                    </a:prstClr>
+                  </a:outerShdw>
+                </a:effectLst>
+                <a:latin typeface="Times New Roman" pitchFamily="18" charset="0"/>
+                <a:cs typeface="Times New Roman" pitchFamily="18" charset="0"/>
+              </a:rPr>
+              <a:t> </a:t>
+            </a:r>
+            <a:r>
+              <a:rPr lang="sk-SK" sz="2000" kern="0" dirty="0" smtClean="0">
+                <a:ln w="18415" cmpd="sng">
+                  <a:noFill/>
+                  <a:prstDash val="solid"/>
+                </a:ln>
+                <a:solidFill>
+                  <a:srgbClr val="FFFFFF"/>
+                </a:solidFill>
+                <a:effectLst>
+                  <a:outerShdw blurRad="50800" dist="38100" dir="2700000" algn="tl" rotWithShape="0">
+                    <a:prstClr val="black">
+                      <a:alpha val="40000"/>
+                    </a:prstClr>
+                  </a:outerShdw>
+                </a:effectLst>
+                <a:latin typeface="Times New Roman" pitchFamily="18" charset="0"/>
+                <a:cs typeface="Times New Roman" pitchFamily="18" charset="0"/>
+              </a:rPr>
+              <a:t>editor</a:t>
+            </a:r>
+            <a:r>
+              <a:rPr kumimoji="0" lang="sk-SK" sz="2000" u="none" strike="noStrike" kern="0" cap="none" normalizeH="0" baseline="0" noProof="0" dirty="0" smtClean="0">
                 <a:ln w="18415" cmpd="sng">
                   <a:noFill/>
                   <a:prstDash val="solid"/>
@@ -11818,7 +12339,7 @@
               <a:defRPr/>
             </a:pPr>
             <a:r>
-              <a:rPr lang="sk-SK" sz="2000" kern="0" smtClean="0">
+              <a:rPr lang="sk-SK" sz="2000" kern="0" dirty="0" smtClean="0">
                 <a:ln w="18415" cmpd="sng">
                   <a:noFill/>
                   <a:prstDash val="solid"/>
@@ -11849,7 +12370,7 @@
               <a:defRPr/>
             </a:pPr>
             <a:r>
-              <a:rPr lang="sk-SK" sz="2000" kern="0" smtClean="0">
+              <a:rPr lang="sk-SK" sz="2000" kern="0" dirty="0" smtClean="0">
                 <a:ln w="18415" cmpd="sng">
                   <a:noFill/>
                   <a:prstDash val="solid"/>
@@ -11867,7 +12388,28 @@
                 <a:latin typeface="Times New Roman" pitchFamily="18" charset="0"/>
                 <a:cs typeface="Times New Roman" pitchFamily="18" charset="0"/>
               </a:rPr>
-              <a:t> podporiť myšlienku „literate programming“</a:t>
+              <a:t> </a:t>
+            </a:r>
+            <a:r>
+              <a:rPr lang="sk-SK" sz="2000" kern="0" dirty="0" smtClean="0">
+                <a:ln w="18415" cmpd="sng">
+                  <a:noFill/>
+                  <a:prstDash val="solid"/>
+                </a:ln>
+                <a:solidFill>
+                  <a:srgbClr val="FFFFFF"/>
+                </a:solidFill>
+                <a:effectLst>
+                  <a:outerShdw blurRad="50800" dist="38100" dir="2700000" algn="tl" rotWithShape="0">
+                    <a:prstClr val="black">
+                      <a:alpha val="40000"/>
+                    </a:prstClr>
+                  </a:outerShdw>
+                </a:effectLst>
+                <a:latin typeface="Times New Roman" pitchFamily="18" charset="0"/>
+                <a:cs typeface="Times New Roman" pitchFamily="18" charset="0"/>
+              </a:rPr>
+              <a:t>uľahčiť a urýchliť manipuláciu so zdrojovým kódom</a:t>
             </a:r>
           </a:p>
           <a:p>
@@ -11880,7 +12422,7 @@
               <a:defRPr/>
             </a:pPr>
             <a:r>
-              <a:rPr kumimoji="0" lang="sk-SK" sz="2000" u="none" strike="noStrike" kern="0" cap="none" normalizeH="0" baseline="0" noProof="0" smtClean="0">
+              <a:rPr lang="sk-SK" sz="2000" kern="0" dirty="0" smtClean="0">
                 <a:ln w="18415" cmpd="sng">
                   <a:noFill/>
                   <a:prstDash val="solid"/>
@@ -11895,6 +12437,142 @@
                     </a:prstClr>
                   </a:outerShdw>
                 </a:effectLst>
+                <a:latin typeface="Times New Roman" pitchFamily="18" charset="0"/>
+                <a:cs typeface="Times New Roman" pitchFamily="18" charset="0"/>
+              </a:rPr>
+              <a:t> podporiť </a:t>
+            </a:r>
+            <a:r>
+              <a:rPr lang="sk-SK" sz="2000" kern="0" dirty="0" smtClean="0">
+                <a:ln w="18415" cmpd="sng">
+                  <a:noFill/>
+                  <a:prstDash val="solid"/>
+                </a:ln>
+                <a:solidFill>
+                  <a:srgbClr val="FFFFFF"/>
+                </a:solidFill>
+                <a:effectLst>
+                  <a:outerShdw blurRad="50800" dist="38100" dir="2700000" algn="tl" rotWithShape="0">
+                    <a:prstClr val="black">
+                      <a:alpha val="40000"/>
+                    </a:prstClr>
+                  </a:outerShdw>
+                </a:effectLst>
+                <a:latin typeface="Times New Roman" pitchFamily="18" charset="0"/>
+                <a:cs typeface="Times New Roman" pitchFamily="18" charset="0"/>
+              </a:rPr>
+              <a:t>myšlienku „</a:t>
+            </a:r>
+            <a:r>
+              <a:rPr lang="sk-SK" sz="2000" kern="0" dirty="0" err="1" smtClean="0">
+                <a:ln w="18415" cmpd="sng">
+                  <a:noFill/>
+                  <a:prstDash val="solid"/>
+                </a:ln>
+                <a:solidFill>
+                  <a:srgbClr val="FFFFFF"/>
+                </a:solidFill>
+                <a:effectLst>
+                  <a:outerShdw blurRad="50800" dist="38100" dir="2700000" algn="tl" rotWithShape="0">
+                    <a:prstClr val="black">
+                      <a:alpha val="40000"/>
+                    </a:prstClr>
+                  </a:outerShdw>
+                </a:effectLst>
+                <a:latin typeface="Times New Roman" pitchFamily="18" charset="0"/>
+                <a:cs typeface="Times New Roman" pitchFamily="18" charset="0"/>
+              </a:rPr>
+              <a:t>literate</a:t>
+            </a:r>
+            <a:r>
+              <a:rPr lang="sk-SK" sz="2000" kern="0" dirty="0" smtClean="0">
+                <a:ln w="18415" cmpd="sng">
+                  <a:noFill/>
+                  <a:prstDash val="solid"/>
+                </a:ln>
+                <a:solidFill>
+                  <a:srgbClr val="FFFFFF"/>
+                </a:solidFill>
+                <a:effectLst>
+                  <a:outerShdw blurRad="50800" dist="38100" dir="2700000" algn="tl" rotWithShape="0">
+                    <a:prstClr val="black">
+                      <a:alpha val="40000"/>
+                    </a:prstClr>
+                  </a:outerShdw>
+                </a:effectLst>
+                <a:latin typeface="Times New Roman" pitchFamily="18" charset="0"/>
+                <a:cs typeface="Times New Roman" pitchFamily="18" charset="0"/>
+              </a:rPr>
+              <a:t> </a:t>
+            </a:r>
+            <a:r>
+              <a:rPr lang="sk-SK" sz="2000" kern="0" dirty="0" err="1" smtClean="0">
+                <a:ln w="18415" cmpd="sng">
+                  <a:noFill/>
+                  <a:prstDash val="solid"/>
+                </a:ln>
+                <a:solidFill>
+                  <a:srgbClr val="FFFFFF"/>
+                </a:solidFill>
+                <a:effectLst>
+                  <a:outerShdw blurRad="50800" dist="38100" dir="2700000" algn="tl" rotWithShape="0">
+                    <a:prstClr val="black">
+                      <a:alpha val="40000"/>
+                    </a:prstClr>
+                  </a:outerShdw>
+                </a:effectLst>
+                <a:latin typeface="Times New Roman" pitchFamily="18" charset="0"/>
+                <a:cs typeface="Times New Roman" pitchFamily="18" charset="0"/>
+              </a:rPr>
+              <a:t>programming</a:t>
+            </a:r>
+            <a:r>
+              <a:rPr lang="sk-SK" sz="2000" kern="0" dirty="0" smtClean="0">
+                <a:ln w="18415" cmpd="sng">
+                  <a:noFill/>
+                  <a:prstDash val="solid"/>
+                </a:ln>
+                <a:solidFill>
+                  <a:srgbClr val="FFFFFF"/>
+                </a:solidFill>
+                <a:effectLst>
+                  <a:outerShdw blurRad="50800" dist="38100" dir="2700000" algn="tl" rotWithShape="0">
+                    <a:prstClr val="black">
+                      <a:alpha val="40000"/>
+                    </a:prstClr>
+                  </a:outerShdw>
+                </a:effectLst>
+                <a:latin typeface="Times New Roman" pitchFamily="18" charset="0"/>
+                <a:cs typeface="Times New Roman" pitchFamily="18" charset="0"/>
+              </a:rPr>
+              <a:t>“</a:t>
+            </a:r>
+          </a:p>
+          <a:p>
+            <a:pPr lvl="0">
+              <a:lnSpc>
+                <a:spcPct val="150000"/>
+              </a:lnSpc>
+              <a:buFont typeface="Arial" pitchFamily="34" charset="0"/>
+              <a:buChar char="•"/>
+              <a:defRPr/>
+            </a:pPr>
+            <a:r>
+              <a:rPr kumimoji="0" lang="sk-SK" sz="2000" u="none" strike="noStrike" kern="0" cap="none" normalizeH="0" baseline="0" noProof="0" dirty="0" smtClean="0">
+                <a:ln w="18415" cmpd="sng">
+                  <a:noFill/>
+                  <a:prstDash val="solid"/>
+                </a:ln>
+                <a:solidFill>
+                  <a:srgbClr val="FFFFFF"/>
+                </a:solidFill>
+                <a:effectLst>
+                  <a:outerShdw blurRad="50800" dist="38100" dir="2700000" algn="tl" rotWithShape="0">
+                    <a:prstClr val="black">
+                      <a:alpha val="40000"/>
+                    </a:prstClr>
+                  </a:outerShdw>
+                </a:effectLst>
                 <a:uLnTx/>
                 <a:uFillTx/>
                 <a:latin typeface="Times New Roman" pitchFamily="18" charset="0"/>
@@ -11903,7 +12581,7 @@
               <a:t> málo podobných riešení na súčasnom</a:t>
             </a:r>
             <a:r>
-              <a:rPr kumimoji="0" lang="sk-SK" sz="2000" u="none" strike="noStrike" kern="0" cap="none" normalizeH="0" noProof="0" smtClean="0">
+              <a:rPr kumimoji="0" lang="sk-SK" sz="2000" u="none" strike="noStrike" kern="0" cap="none" normalizeH="0" noProof="0" dirty="0" smtClean="0">
                 <a:ln w="18415" cmpd="sng">
                   <a:noFill/>
                   <a:prstDash val="solid"/>
@@ -11923,17 +12601,32 @@
                 <a:latin typeface="Times New Roman" pitchFamily="18" charset="0"/>
                 <a:cs typeface="Times New Roman" pitchFamily="18" charset="0"/>
               </a:rPr>
-              <a:t> trhu</a:t>
-            </a:r>
-          </a:p>
-          <a:p>
-            <a:pPr lvl="0">
-              <a:lnSpc>
-                <a:spcPct val="150000"/>
-              </a:lnSpc>
-              <a:defRPr/>
-            </a:pPr>
-            <a:endParaRPr kumimoji="0" lang="sk-SK" sz="2000" u="none" strike="noStrike" kern="0" cap="none" normalizeH="0" noProof="0" smtClean="0">
+              <a:t> </a:t>
+            </a:r>
+            <a:r>
+              <a:rPr kumimoji="0" lang="sk-SK" sz="2000" u="none" strike="noStrike" kern="0" cap="none" normalizeH="0" noProof="0" dirty="0" smtClean="0">
+                <a:ln w="18415" cmpd="sng">
+                  <a:noFill/>
+                  <a:prstDash val="solid"/>
+                </a:ln>
+                <a:solidFill>
+                  <a:srgbClr val="FFFFFF"/>
+                </a:solidFill>
+                <a:effectLst>
+                  <a:outerShdw blurRad="50800" dist="38100" dir="2700000" algn="tl" rotWithShape="0">
+                    <a:prstClr val="black">
+                      <a:alpha val="40000"/>
+                    </a:prstClr>
+                  </a:outerShdw>
+                </a:effectLst>
+                <a:uLnTx/>
+                <a:uFillTx/>
+                <a:latin typeface="Times New Roman" pitchFamily="18" charset="0"/>
+                <a:cs typeface="Times New Roman" pitchFamily="18" charset="0"/>
+              </a:rPr>
+              <a:t>trhu</a:t>
+            </a:r>
+            <a:endParaRPr kumimoji="0" lang="sk-SK" sz="2000" u="none" strike="noStrike" kern="0" cap="none" normalizeH="0" noProof="0" dirty="0" smtClean="0">
               <a:ln w="18415" cmpd="sng">
                 <a:noFill/>
                 <a:prstDash val="solid"/>
@@ -11964,7 +12657,7 @@
               <a:defRPr/>
             </a:pPr>
             <a:r>
-              <a:rPr lang="en-US" sz="2000" kern="0" smtClean="0">
+              <a:rPr lang="en-US" sz="2000" kern="0" dirty="0" smtClean="0">
                 <a:ln w="18415" cmpd="sng">
                   <a:noFill/>
                   <a:prstDash val="solid"/>
@@ -11985,7 +12678,7 @@
               <a:t> </a:t>
             </a:r>
             <a:r>
-              <a:rPr lang="sk-SK" sz="2000" kern="0" smtClean="0">
+              <a:rPr lang="sk-SK" sz="2000" kern="0" dirty="0" smtClean="0">
                 <a:ln w="18415" cmpd="sng">
                   <a:noFill/>
                   <a:prstDash val="solid"/>
@@ -12016,7 +12709,7 @@
               <a:defRPr/>
             </a:pPr>
             <a:r>
-              <a:rPr lang="sk-SK" sz="2000" kern="0" smtClean="0">
+              <a:rPr lang="sk-SK" sz="2000" kern="0" dirty="0" smtClean="0">
                 <a:ln w="18415" cmpd="sng">
                   <a:noFill/>
                   <a:prstDash val="solid"/>
@@ -12821,7 +13514,7 @@
         <p:spPr>
           <a:xfrm>
             <a:off x="428596" y="1285864"/>
-            <a:ext cx="8286808" cy="2769989"/>
+            <a:ext cx="8286808" cy="3231654"/>
           </a:xfrm>
           <a:prstGeom prst="rect">
             <a:avLst/>
@@ -12843,7 +13536,7 @@
               <a:defRPr/>
             </a:pPr>
             <a:r>
-              <a:rPr lang="en-US" sz="2000" kern="0" smtClean="0">
+              <a:rPr lang="en-US" sz="2000" kern="0" dirty="0" smtClean="0">
                 <a:ln w="18415" cmpd="sng">
                   <a:noFill/>
                   <a:prstDash val="solid"/>
@@ -12864,7 +13557,7 @@
               <a:t> </a:t>
             </a:r>
             <a:r>
-              <a:rPr lang="sk-SK" sz="2000" kern="0" smtClean="0">
+              <a:rPr lang="sk-SK" sz="2000" kern="0" dirty="0" smtClean="0">
                 <a:ln w="18415" cmpd="sng">
                   <a:noFill/>
                   <a:prstDash val="solid"/>
@@ -12895,7 +13588,7 @@
               <a:defRPr/>
             </a:pPr>
             <a:r>
-              <a:rPr kumimoji="0" lang="en-US" sz="2000" u="none" strike="noStrike" kern="0" cap="none" normalizeH="0" baseline="0" noProof="0" smtClean="0">
+              <a:rPr kumimoji="0" lang="en-US" sz="2000" u="none" strike="noStrike" kern="0" cap="none" normalizeH="0" baseline="0" noProof="0" dirty="0" smtClean="0">
                 <a:ln w="18415" cmpd="sng">
                   <a:noFill/>
                   <a:prstDash val="solid"/>
@@ -12918,7 +13611,7 @@
               <a:t> </a:t>
             </a:r>
             <a:r>
-              <a:rPr kumimoji="0" lang="sk-SK" sz="2000" u="none" strike="noStrike" kern="0" cap="none" normalizeH="0" baseline="0" noProof="0" smtClean="0">
+              <a:rPr kumimoji="0" lang="sk-SK" sz="2000" u="none" strike="noStrike" kern="0" cap="none" normalizeH="0" baseline="0" noProof="0" dirty="0" smtClean="0">
                 <a:ln w="18415" cmpd="sng">
                   <a:noFill/>
                   <a:prstDash val="solid"/>
@@ -12941,7 +13634,7 @@
               <a:t>doplnenie editora o ďalšie</a:t>
             </a:r>
             <a:r>
-              <a:rPr kumimoji="0" lang="sk-SK" sz="2000" u="none" strike="noStrike" kern="0" cap="none" normalizeH="0" noProof="0" smtClean="0">
+              <a:rPr kumimoji="0" lang="sk-SK" sz="2000" u="none" strike="noStrike" kern="0" cap="none" normalizeH="0" noProof="0" dirty="0" smtClean="0">
                 <a:ln w="18415" cmpd="sng">
                   <a:noFill/>
                   <a:prstDash val="solid"/>
@@ -12961,7 +13654,30 @@
                 <a:latin typeface="Times New Roman" pitchFamily="18" charset="0"/>
                 <a:cs typeface="Times New Roman" pitchFamily="18" charset="0"/>
               </a:rPr>
-              <a:t> špecifikované funkcionality</a:t>
+              <a:t> špecifikované </a:t>
+            </a:r>
+            <a:r>
+              <a:rPr kumimoji="0" lang="sk-SK" sz="2000" u="none" strike="noStrike" kern="0" cap="none" normalizeH="0" noProof="0" dirty="0" smtClean="0">
+                <a:ln w="18415" cmpd="sng">
+                  <a:noFill/>
+                  <a:prstDash val="solid"/>
+                </a:ln>
+                <a:solidFill>
+                  <a:srgbClr val="FFFFFF"/>
+                </a:solidFill>
+                <a:effectLst>
+                  <a:outerShdw blurRad="50800" dist="38100" dir="2700000" algn="tl" rotWithShape="0">
+                    <a:prstClr val="black">
+                      <a:alpha val="40000"/>
+                    </a:prstClr>
+                  </a:outerShdw>
+                </a:effectLst>
+                <a:uLnTx/>
+                <a:uFillTx/>
+                <a:latin typeface="Times New Roman" pitchFamily="18" charset="0"/>
+                <a:cs typeface="Times New Roman" pitchFamily="18" charset="0"/>
+              </a:rPr>
+              <a:t>funkcionality</a:t>
             </a:r>
           </a:p>
           <a:p>
@@ -12974,7 +13690,7 @@
               <a:defRPr/>
             </a:pPr>
             <a:r>
-              <a:rPr lang="en-US" sz="2000" kern="0" baseline="0" smtClean="0">
+              <a:rPr lang="sk-SK" sz="2000" kern="0" noProof="0" dirty="0" smtClean="0">
                 <a:ln w="18415" cmpd="sng">
                   <a:noFill/>
                   <a:prstDash val="solid"/>
@@ -12992,50 +13708,28 @@
                 <a:latin typeface="Times New Roman" pitchFamily="18" charset="0"/>
                 <a:cs typeface="Times New Roman" pitchFamily="18" charset="0"/>
               </a:rPr>
-              <a:t> modern</a:t>
-            </a:r>
-            <a:r>
-              <a:rPr lang="sk-SK" sz="2000" kern="0" baseline="0" smtClean="0">
-                <a:ln w="18415" cmpd="sng">
-                  <a:noFill/>
-                  <a:prstDash val="solid"/>
-                </a:ln>
-                <a:solidFill>
-                  <a:srgbClr val="FFFFFF"/>
-                </a:solidFill>
-                <a:effectLst>
-                  <a:outerShdw blurRad="50800" dist="38100" dir="2700000" algn="tl" rotWithShape="0">
-                    <a:prstClr val="black">
-                      <a:alpha val="40000"/>
-                    </a:prstClr>
-                  </a:outerShdw>
-                </a:effectLst>
-                <a:latin typeface="Times New Roman" pitchFamily="18" charset="0"/>
-                <a:cs typeface="Times New Roman" pitchFamily="18" charset="0"/>
-              </a:rPr>
-              <a:t>é</a:t>
-            </a:r>
-            <a:r>
-              <a:rPr lang="sk-SK" sz="2000" kern="0" smtClean="0">
-                <a:ln w="18415" cmpd="sng">
-                  <a:noFill/>
-                  <a:prstDash val="solid"/>
-                </a:ln>
-                <a:solidFill>
-                  <a:srgbClr val="FFFFFF"/>
-                </a:solidFill>
-                <a:effectLst>
-                  <a:outerShdw blurRad="50800" dist="38100" dir="2700000" algn="tl" rotWithShape="0">
-                    <a:prstClr val="black">
-                      <a:alpha val="40000"/>
-                    </a:prstClr>
-                  </a:outerShdw>
-                </a:effectLst>
-                <a:latin typeface="Times New Roman" pitchFamily="18" charset="0"/>
-                <a:cs typeface="Times New Roman" pitchFamily="18" charset="0"/>
-              </a:rPr>
-              <a:t> používateľské rozhranie</a:t>
-            </a:r>
+              <a:t> zefektívnenie výpočtovo náročných operácií</a:t>
+            </a:r>
+            <a:endParaRPr kumimoji="0" lang="sk-SK" sz="2000" u="none" strike="noStrike" kern="0" cap="none" normalizeH="0" noProof="0" dirty="0" smtClean="0">
+              <a:ln w="18415" cmpd="sng">
+                <a:noFill/>
+                <a:prstDash val="solid"/>
+              </a:ln>
+              <a:solidFill>
+                <a:srgbClr val="FFFFFF"/>
+              </a:solidFill>
+              <a:effectLst>
+                <a:outerShdw blurRad="50800" dist="38100" dir="2700000" algn="tl" rotWithShape="0">
+                  <a:prstClr val="black">
+                    <a:alpha val="40000"/>
+                  </a:prstClr>
+                </a:outerShdw>
+              </a:effectLst>
+              <a:uLnTx/>
+              <a:uFillTx/>
+              <a:latin typeface="Times New Roman" pitchFamily="18" charset="0"/>
+              <a:cs typeface="Times New Roman" pitchFamily="18" charset="0"/>
+            </a:endParaRPr>
           </a:p>
           <a:p>
             <a:pPr>
@@ -13047,7 +13741,7 @@
               <a:defRPr/>
             </a:pPr>
             <a:r>
-              <a:rPr lang="sk-SK" sz="2000" kern="0" smtClean="0">
+              <a:rPr lang="en-US" sz="2000" kern="0" baseline="0" dirty="0" smtClean="0">
                 <a:ln w="18415" cmpd="sng">
                   <a:noFill/>
                   <a:prstDash val="solid"/>
@@ -13065,8 +13759,68 @@
                 <a:latin typeface="Times New Roman" pitchFamily="18" charset="0"/>
                 <a:cs typeface="Times New Roman" pitchFamily="18" charset="0"/>
               </a:rPr>
-              <a:t> nasadenia editora pre reálne využitie v praxi</a:t>
-            </a:r>
+              <a:t> </a:t>
+            </a:r>
+            <a:r>
+              <a:rPr lang="sk-SK" sz="2000" kern="0" baseline="0" dirty="0" smtClean="0">
+                <a:ln w="18415" cmpd="sng">
+                  <a:noFill/>
+                  <a:prstDash val="solid"/>
+                </a:ln>
+                <a:solidFill>
+                  <a:srgbClr val="FFFFFF"/>
+                </a:solidFill>
+                <a:effectLst>
+                  <a:outerShdw blurRad="50800" dist="38100" dir="2700000" algn="tl" rotWithShape="0">
+                    <a:prstClr val="black">
+                      <a:alpha val="40000"/>
+                    </a:prstClr>
+                  </a:outerShdw>
+                </a:effectLst>
+                <a:latin typeface="Times New Roman" pitchFamily="18" charset="0"/>
+                <a:cs typeface="Times New Roman" pitchFamily="18" charset="0"/>
+              </a:rPr>
+              <a:t>vytvorenie</a:t>
+            </a:r>
+            <a:r>
+              <a:rPr lang="sk-SK" sz="2000" kern="0" dirty="0" smtClean="0">
+                <a:ln w="18415" cmpd="sng">
+                  <a:noFill/>
+                  <a:prstDash val="solid"/>
+                </a:ln>
+                <a:solidFill>
+                  <a:srgbClr val="FFFFFF"/>
+                </a:solidFill>
+                <a:effectLst>
+                  <a:outerShdw blurRad="50800" dist="38100" dir="2700000" algn="tl" rotWithShape="0">
+                    <a:prstClr val="black">
+                      <a:alpha val="40000"/>
+                    </a:prstClr>
+                  </a:outerShdw>
+                </a:effectLst>
+                <a:latin typeface="Times New Roman" pitchFamily="18" charset="0"/>
+                <a:cs typeface="Times New Roman" pitchFamily="18" charset="0"/>
+              </a:rPr>
+              <a:t> plnohodnotného editora </a:t>
+            </a:r>
+            <a:endParaRPr lang="sk-SK" sz="2000" kern="0" dirty="0" smtClean="0">
+              <a:ln w="18415" cmpd="sng">
+                <a:noFill/>
+                <a:prstDash val="solid"/>
+              </a:ln>
+              <a:solidFill>
+                <a:srgbClr val="FFFFFF"/>
+              </a:solidFill>
+              <a:effectLst>
+                <a:outerShdw blurRad="50800" dist="38100" dir="2700000" algn="tl" rotWithShape="0">
+                  <a:prstClr val="black">
+                    <a:alpha val="40000"/>
+                  </a:prstClr>
+                </a:outerShdw>
+              </a:effectLst>
+              <a:latin typeface="Times New Roman" pitchFamily="18" charset="0"/>
+              <a:cs typeface="Times New Roman" pitchFamily="18" charset="0"/>
+            </a:endParaRPr>
           </a:p>
           <a:p>
             <a:pPr>
@@ -13078,7 +13832,7 @@
               <a:defRPr/>
             </a:pPr>
             <a:r>
-              <a:rPr lang="sk-SK" sz="2000" kern="0" smtClean="0">
+              <a:rPr lang="sk-SK" sz="2000" kern="0" dirty="0" smtClean="0">
                 <a:ln w="18415" cmpd="sng">
                   <a:noFill/>
                   <a:prstDash val="solid"/>
@@ -13096,7 +13850,7 @@
                 <a:latin typeface="Times New Roman" pitchFamily="18" charset="0"/>
                 <a:cs typeface="Times New Roman" pitchFamily="18" charset="0"/>
               </a:rPr>
-              <a:t>čo možno najväčšia konfigurovateľnosť podľa potrieb používateľa</a:t>
+              <a:t> nasadenia editora pre reálne využitie v praxi</a:t>
             </a:r>
           </a:p>
           <a:p>
@@ -13109,7 +13863,7 @@
               <a:defRPr/>
             </a:pPr>
             <a:r>
-              <a:rPr lang="sk-SK" sz="2000" kern="0" smtClean="0">
+              <a:rPr lang="sk-SK" sz="2000" kern="0" dirty="0" smtClean="0">
                 <a:ln w="18415" cmpd="sng">
                   <a:noFill/>
                   <a:prstDash val="solid"/>
@@ -13127,7 +13881,290 @@
                 <a:latin typeface="Times New Roman" pitchFamily="18" charset="0"/>
                 <a:cs typeface="Times New Roman" pitchFamily="18" charset="0"/>
               </a:rPr>
-              <a:t> používateľský prívetíve rozhranie, ktoré by uľahčovaľo prácu s textom</a:t>
+              <a:t> čo </a:t>
+            </a:r>
+            <a:r>
+              <a:rPr lang="sk-SK" sz="2000" kern="0" dirty="0" smtClean="0">
+                <a:ln w="18415" cmpd="sng">
+                  <a:noFill/>
+                  <a:prstDash val="solid"/>
+                </a:ln>
+                <a:solidFill>
+                  <a:srgbClr val="FFFFFF"/>
+                </a:solidFill>
+                <a:effectLst>
+                  <a:outerShdw blurRad="50800" dist="38100" dir="2700000" algn="tl" rotWithShape="0">
+                    <a:prstClr val="black">
+                      <a:alpha val="40000"/>
+                    </a:prstClr>
+                  </a:outerShdw>
+                </a:effectLst>
+                <a:latin typeface="Times New Roman" pitchFamily="18" charset="0"/>
+                <a:cs typeface="Times New Roman" pitchFamily="18" charset="0"/>
+              </a:rPr>
+              <a:t>možno najväčšia </a:t>
+            </a:r>
+            <a:r>
+              <a:rPr lang="sk-SK" sz="2000" kern="0" dirty="0" err="1" smtClean="0">
+                <a:ln w="18415" cmpd="sng">
+                  <a:noFill/>
+                  <a:prstDash val="solid"/>
+                </a:ln>
+                <a:solidFill>
+                  <a:srgbClr val="FFFFFF"/>
+                </a:solidFill>
+                <a:effectLst>
+                  <a:outerShdw blurRad="50800" dist="38100" dir="2700000" algn="tl" rotWithShape="0">
+                    <a:prstClr val="black">
+                      <a:alpha val="40000"/>
+                    </a:prstClr>
+                  </a:outerShdw>
+                </a:effectLst>
+                <a:latin typeface="Times New Roman" pitchFamily="18" charset="0"/>
+                <a:cs typeface="Times New Roman" pitchFamily="18" charset="0"/>
+              </a:rPr>
+              <a:t>konfigurovateľnosť</a:t>
+            </a:r>
+            <a:r>
+              <a:rPr lang="sk-SK" sz="2000" kern="0" dirty="0" smtClean="0">
+                <a:ln w="18415" cmpd="sng">
+                  <a:noFill/>
+                  <a:prstDash val="solid"/>
+                </a:ln>
+                <a:solidFill>
+                  <a:srgbClr val="FFFFFF"/>
+                </a:solidFill>
+                <a:effectLst>
+                  <a:outerShdw blurRad="50800" dist="38100" dir="2700000" algn="tl" rotWithShape="0">
+                    <a:prstClr val="black">
+                      <a:alpha val="40000"/>
+                    </a:prstClr>
+                  </a:outerShdw>
+                </a:effectLst>
+                <a:latin typeface="Times New Roman" pitchFamily="18" charset="0"/>
+                <a:cs typeface="Times New Roman" pitchFamily="18" charset="0"/>
+              </a:rPr>
+              <a:t> podľa potrieb používateľa</a:t>
+            </a:r>
+          </a:p>
+          <a:p>
+            <a:pPr>
+              <a:lnSpc>
+                <a:spcPct val="150000"/>
+              </a:lnSpc>
+              <a:buFont typeface="Arial" pitchFamily="34" charset="0"/>
+              <a:buChar char="•"/>
+              <a:defRPr/>
+            </a:pPr>
+            <a:r>
+              <a:rPr lang="sk-SK" sz="2000" kern="0" dirty="0" smtClean="0">
+                <a:ln w="18415" cmpd="sng">
+                  <a:noFill/>
+                  <a:prstDash val="solid"/>
+                </a:ln>
+                <a:solidFill>
+                  <a:srgbClr val="FFFFFF"/>
+                </a:solidFill>
+                <a:effectLst>
+                  <a:outerShdw blurRad="50800" dist="38100" dir="2700000" algn="tl" rotWithShape="0">
+                    <a:prstClr val="black">
+                      <a:alpha val="40000"/>
+                    </a:prstClr>
+                  </a:outerShdw>
+                </a:effectLst>
+                <a:latin typeface="Times New Roman" pitchFamily="18" charset="0"/>
+                <a:cs typeface="Times New Roman" pitchFamily="18" charset="0"/>
+              </a:rPr>
+              <a:t> </a:t>
+            </a:r>
+            <a:r>
+              <a:rPr lang="sk-SK" sz="2000" kern="0" dirty="0" err="1" smtClean="0">
+                <a:ln w="18415" cmpd="sng">
+                  <a:noFill/>
+                  <a:prstDash val="solid"/>
+                </a:ln>
+                <a:solidFill>
+                  <a:srgbClr val="FFFFFF"/>
+                </a:solidFill>
+                <a:effectLst>
+                  <a:outerShdw blurRad="50800" dist="38100" dir="2700000" algn="tl" rotWithShape="0">
+                    <a:prstClr val="black">
+                      <a:alpha val="40000"/>
+                    </a:prstClr>
+                  </a:outerShdw>
+                </a:effectLst>
+                <a:latin typeface="Times New Roman" pitchFamily="18" charset="0"/>
+                <a:cs typeface="Times New Roman" pitchFamily="18" charset="0"/>
+              </a:rPr>
+              <a:t>používateľsk</a:t>
+            </a:r>
+            <a:r>
+              <a:rPr lang="en-US" sz="2000" kern="0" dirty="0" smtClean="0">
+                <a:ln w="18415" cmpd="sng">
+                  <a:noFill/>
+                  <a:prstDash val="solid"/>
+                </a:ln>
+                <a:solidFill>
+                  <a:srgbClr val="FFFFFF"/>
+                </a:solidFill>
+                <a:effectLst>
+                  <a:outerShdw blurRad="50800" dist="38100" dir="2700000" algn="tl" rotWithShape="0">
+                    <a:prstClr val="black">
+                      <a:alpha val="40000"/>
+                    </a:prstClr>
+                  </a:outerShdw>
+                </a:effectLst>
+                <a:latin typeface="Times New Roman" pitchFamily="18" charset="0"/>
+                <a:cs typeface="Times New Roman" pitchFamily="18" charset="0"/>
+              </a:rPr>
+              <a:t>y</a:t>
+            </a:r>
+            <a:r>
+              <a:rPr lang="sk-SK" sz="2000" kern="0" dirty="0" smtClean="0">
+                <a:ln w="18415" cmpd="sng">
+                  <a:noFill/>
+                  <a:prstDash val="solid"/>
+                </a:ln>
+                <a:solidFill>
+                  <a:srgbClr val="FFFFFF"/>
+                </a:solidFill>
+                <a:effectLst>
+                  <a:outerShdw blurRad="50800" dist="38100" dir="2700000" algn="tl" rotWithShape="0">
+                    <a:prstClr val="black">
+                      <a:alpha val="40000"/>
+                    </a:prstClr>
+                  </a:outerShdw>
+                </a:effectLst>
+                <a:latin typeface="Times New Roman" pitchFamily="18" charset="0"/>
+                <a:cs typeface="Times New Roman" pitchFamily="18" charset="0"/>
+              </a:rPr>
+              <a:t> prívet</a:t>
+            </a:r>
+            <a:r>
+              <a:rPr lang="en-US" sz="2000" kern="0" dirty="0" err="1" smtClean="0">
+                <a:ln w="18415" cmpd="sng">
+                  <a:noFill/>
+                  <a:prstDash val="solid"/>
+                </a:ln>
+                <a:solidFill>
+                  <a:srgbClr val="FFFFFF"/>
+                </a:solidFill>
+                <a:effectLst>
+                  <a:outerShdw blurRad="50800" dist="38100" dir="2700000" algn="tl" rotWithShape="0">
+                    <a:prstClr val="black">
+                      <a:alpha val="40000"/>
+                    </a:prstClr>
+                  </a:outerShdw>
+                </a:effectLst>
+                <a:latin typeface="Times New Roman" pitchFamily="18" charset="0"/>
+                <a:cs typeface="Times New Roman" pitchFamily="18" charset="0"/>
+              </a:rPr>
+              <a:t>i</a:t>
+            </a:r>
+            <a:r>
+              <a:rPr lang="sk-SK" sz="2000" kern="0" dirty="0" err="1" smtClean="0">
+                <a:ln w="18415" cmpd="sng">
+                  <a:noFill/>
+                  <a:prstDash val="solid"/>
+                </a:ln>
+                <a:solidFill>
+                  <a:srgbClr val="FFFFFF"/>
+                </a:solidFill>
+                <a:effectLst>
+                  <a:outerShdw blurRad="50800" dist="38100" dir="2700000" algn="tl" rotWithShape="0">
+                    <a:prstClr val="black">
+                      <a:alpha val="40000"/>
+                    </a:prstClr>
+                  </a:outerShdw>
+                </a:effectLst>
+                <a:latin typeface="Times New Roman" pitchFamily="18" charset="0"/>
+                <a:cs typeface="Times New Roman" pitchFamily="18" charset="0"/>
+              </a:rPr>
+              <a:t>vé</a:t>
+            </a:r>
+            <a:r>
+              <a:rPr lang="sk-SK" sz="2000" kern="0" dirty="0" smtClean="0">
+                <a:ln w="18415" cmpd="sng">
+                  <a:noFill/>
+                  <a:prstDash val="solid"/>
+                </a:ln>
+                <a:solidFill>
+                  <a:srgbClr val="FFFFFF"/>
+                </a:solidFill>
+                <a:effectLst>
+                  <a:outerShdw blurRad="50800" dist="38100" dir="2700000" algn="tl" rotWithShape="0">
+                    <a:prstClr val="black">
+                      <a:alpha val="40000"/>
+                    </a:prstClr>
+                  </a:outerShdw>
+                </a:effectLst>
+                <a:latin typeface="Times New Roman" pitchFamily="18" charset="0"/>
+                <a:cs typeface="Times New Roman" pitchFamily="18" charset="0"/>
+              </a:rPr>
+              <a:t> </a:t>
+            </a:r>
+            <a:r>
+              <a:rPr lang="sk-SK" sz="2000" kern="0" dirty="0" smtClean="0">
+                <a:ln w="18415" cmpd="sng">
+                  <a:noFill/>
+                  <a:prstDash val="solid"/>
+                </a:ln>
+                <a:solidFill>
+                  <a:srgbClr val="FFFFFF"/>
+                </a:solidFill>
+                <a:effectLst>
+                  <a:outerShdw blurRad="50800" dist="38100" dir="2700000" algn="tl" rotWithShape="0">
+                    <a:prstClr val="black">
+                      <a:alpha val="40000"/>
+                    </a:prstClr>
+                  </a:outerShdw>
+                </a:effectLst>
+                <a:latin typeface="Times New Roman" pitchFamily="18" charset="0"/>
+                <a:cs typeface="Times New Roman" pitchFamily="18" charset="0"/>
+              </a:rPr>
+              <a:t>rozhranie, ktoré by </a:t>
+            </a:r>
+            <a:r>
+              <a:rPr lang="sk-SK" sz="2000" kern="0" dirty="0" smtClean="0">
+                <a:ln w="18415" cmpd="sng">
+                  <a:noFill/>
+                  <a:prstDash val="solid"/>
+                </a:ln>
+                <a:solidFill>
+                  <a:srgbClr val="FFFFFF"/>
+                </a:solidFill>
+                <a:effectLst>
+                  <a:outerShdw blurRad="50800" dist="38100" dir="2700000" algn="tl" rotWithShape="0">
+                    <a:prstClr val="black">
+                      <a:alpha val="40000"/>
+                    </a:prstClr>
+                  </a:outerShdw>
+                </a:effectLst>
+                <a:latin typeface="Times New Roman" pitchFamily="18" charset="0"/>
+                <a:cs typeface="Times New Roman" pitchFamily="18" charset="0"/>
+              </a:rPr>
+              <a:t>uľahčovalo </a:t>
+            </a:r>
+            <a:r>
+              <a:rPr lang="sk-SK" sz="2000" kern="0" dirty="0" smtClean="0">
+                <a:ln w="18415" cmpd="sng">
+                  <a:noFill/>
+                  <a:prstDash val="solid"/>
+                </a:ln>
+                <a:solidFill>
+                  <a:srgbClr val="FFFFFF"/>
+                </a:solidFill>
+                <a:effectLst>
+                  <a:outerShdw blurRad="50800" dist="38100" dir="2700000" algn="tl" rotWithShape="0">
+                    <a:prstClr val="black">
+                      <a:alpha val="40000"/>
+                    </a:prstClr>
+                  </a:outerShdw>
+                </a:effectLst>
+                <a:latin typeface="Times New Roman" pitchFamily="18" charset="0"/>
+                <a:cs typeface="Times New Roman" pitchFamily="18" charset="0"/>
+              </a:rPr>
+              <a:t>prácu s textom</a:t>
             </a:r>
           </a:p>
         </p:txBody>
@@ -14523,7 +15560,7 @@
               <a:defRPr/>
             </a:pPr>
             <a:r>
-              <a:rPr kumimoji="0" lang="sk-SK" sz="2000" u="none" strike="noStrike" kern="0" cap="none" normalizeH="0" baseline="0" noProof="0" smtClean="0">
+              <a:rPr kumimoji="0" lang="sk-SK" sz="2000" u="none" strike="noStrike" kern="0" cap="none" normalizeH="0" baseline="0" noProof="0" dirty="0" smtClean="0">
                 <a:ln w="18415" cmpd="sng">
                   <a:noFill/>
                   <a:prstDash val="solid"/>
@@ -14546,7 +15583,7 @@
               <a:t>Editor</a:t>
             </a:r>
             <a:r>
-              <a:rPr lang="sk-SK" sz="2000" kern="0" smtClean="0">
+              <a:rPr lang="sk-SK" sz="2000" kern="0" dirty="0" smtClean="0">
                 <a:ln w="18415" cmpd="sng">
                   <a:noFill/>
                   <a:prstDash val="solid"/>
@@ -14564,7 +15601,49 @@
                 <a:latin typeface="Times New Roman" pitchFamily="18" charset="0"/>
                 <a:cs typeface="Times New Roman" pitchFamily="18" charset="0"/>
               </a:rPr>
-              <a:t> je realizovaný ako multiplatformová desktopová aplikácia </a:t>
+              <a:t> je realizovaný ako multiplatformová </a:t>
+            </a:r>
+            <a:r>
+              <a:rPr lang="sk-SK" sz="2000" kern="0" dirty="0" err="1" smtClean="0">
+                <a:ln w="18415" cmpd="sng">
+                  <a:noFill/>
+                  <a:prstDash val="solid"/>
+                </a:ln>
+                <a:solidFill>
+                  <a:srgbClr val="FFFFFF"/>
+                </a:solidFill>
+                <a:effectLst>
+                  <a:outerShdw blurRad="50800" dist="38100" dir="2700000" algn="tl" rotWithShape="0">
+                    <a:prstClr val="black">
+                      <a:alpha val="40000"/>
+                    </a:prstClr>
+                  </a:outerShdw>
+                </a:effectLst>
+                <a:latin typeface="Times New Roman" pitchFamily="18" charset="0"/>
+                <a:cs typeface="Times New Roman" pitchFamily="18" charset="0"/>
+              </a:rPr>
+              <a:t>desktopová</a:t>
+            </a:r>
+            <a:r>
+              <a:rPr lang="sk-SK" sz="2000" kern="0" dirty="0" smtClean="0">
+                <a:ln w="18415" cmpd="sng">
+                  <a:noFill/>
+                  <a:prstDash val="solid"/>
+                </a:ln>
+                <a:solidFill>
+                  <a:srgbClr val="FFFFFF"/>
+                </a:solidFill>
+                <a:effectLst>
+                  <a:outerShdw blurRad="50800" dist="38100" dir="2700000" algn="tl" rotWithShape="0">
+                    <a:prstClr val="black">
+                      <a:alpha val="40000"/>
+                    </a:prstClr>
+                  </a:outerShdw>
+                </a:effectLst>
+                <a:latin typeface="Times New Roman" pitchFamily="18" charset="0"/>
+                <a:cs typeface="Times New Roman" pitchFamily="18" charset="0"/>
+              </a:rPr>
+              <a:t> aplikácia </a:t>
             </a:r>
           </a:p>
           <a:p>
@@ -14575,7 +15654,7 @@
               <a:defRPr/>
             </a:pPr>
             <a:r>
-              <a:rPr lang="sk-SK" sz="2000" kern="0" smtClean="0">
+              <a:rPr lang="sk-SK" sz="2000" kern="0" dirty="0" smtClean="0">
                 <a:ln w="18415" cmpd="sng">
                   <a:noFill/>
                   <a:prstDash val="solid"/>
@@ -14596,7 +15675,7 @@
               <a:t>V</a:t>
             </a:r>
             <a:r>
-              <a:rPr lang="en-US" sz="2000" kern="0" smtClean="0">
+              <a:rPr lang="en-US" sz="2000" kern="0" dirty="0" err="1" smtClean="0">
                 <a:ln w="18415" cmpd="sng">
                   <a:noFill/>
                   <a:prstDash val="solid"/>
@@ -14617,7 +15696,7 @@
               <a:t>ychádza</a:t>
             </a:r>
             <a:r>
-              <a:rPr lang="sk-SK" sz="2000" kern="0" smtClean="0">
+              <a:rPr lang="sk-SK" sz="2000" kern="0" dirty="0" err="1" smtClean="0">
                 <a:ln w="18415" cmpd="sng">
                   <a:noFill/>
                   <a:prstDash val="solid"/>
@@ -14638,7 +15717,7 @@
               <a:t>me</a:t>
             </a:r>
             <a:r>
-              <a:rPr lang="en-US" sz="2000" kern="0" smtClean="0">
+              <a:rPr lang="en-US" sz="2000" kern="0" dirty="0" smtClean="0">
                 <a:ln w="18415" cmpd="sng">
                   <a:noFill/>
                   <a:prstDash val="solid"/>
@@ -14656,10 +15735,115 @@
                 <a:latin typeface="Times New Roman" pitchFamily="18" charset="0"/>
                 <a:cs typeface="Times New Roman" pitchFamily="18" charset="0"/>
               </a:rPr>
-              <a:t> z už použitých technológi</a:t>
-            </a:r>
-            <a:r>
-              <a:rPr lang="sk-SK" sz="2000" kern="0" smtClean="0">
+              <a:t> z </a:t>
+            </a:r>
+            <a:r>
+              <a:rPr lang="en-US" sz="2000" kern="0" dirty="0" err="1" smtClean="0">
+                <a:ln w="18415" cmpd="sng">
+                  <a:noFill/>
+                  <a:prstDash val="solid"/>
+                </a:ln>
+                <a:solidFill>
+                  <a:srgbClr val="FFFFFF"/>
+                </a:solidFill>
+                <a:effectLst>
+                  <a:outerShdw blurRad="50800" dist="38100" dir="2700000" algn="tl" rotWithShape="0">
+                    <a:prstClr val="black">
+                      <a:alpha val="40000"/>
+                    </a:prstClr>
+                  </a:outerShdw>
+                </a:effectLst>
+                <a:latin typeface="Times New Roman" pitchFamily="18" charset="0"/>
+                <a:cs typeface="Times New Roman" pitchFamily="18" charset="0"/>
+              </a:rPr>
+              <a:t>už</a:t>
+            </a:r>
+            <a:r>
+              <a:rPr lang="en-US" sz="2000" kern="0" dirty="0" smtClean="0">
+                <a:ln w="18415" cmpd="sng">
+                  <a:noFill/>
+                  <a:prstDash val="solid"/>
+                </a:ln>
+                <a:solidFill>
+                  <a:srgbClr val="FFFFFF"/>
+                </a:solidFill>
+                <a:effectLst>
+                  <a:outerShdw blurRad="50800" dist="38100" dir="2700000" algn="tl" rotWithShape="0">
+                    <a:prstClr val="black">
+                      <a:alpha val="40000"/>
+                    </a:prstClr>
+                  </a:outerShdw>
+                </a:effectLst>
+                <a:latin typeface="Times New Roman" pitchFamily="18" charset="0"/>
+                <a:cs typeface="Times New Roman" pitchFamily="18" charset="0"/>
+              </a:rPr>
+              <a:t> </a:t>
+            </a:r>
+            <a:r>
+              <a:rPr lang="en-US" sz="2000" kern="0" dirty="0" err="1" smtClean="0">
+                <a:ln w="18415" cmpd="sng">
+                  <a:noFill/>
+                  <a:prstDash val="solid"/>
+                </a:ln>
+                <a:solidFill>
+                  <a:srgbClr val="FFFFFF"/>
+                </a:solidFill>
+                <a:effectLst>
+                  <a:outerShdw blurRad="50800" dist="38100" dir="2700000" algn="tl" rotWithShape="0">
+                    <a:prstClr val="black">
+                      <a:alpha val="40000"/>
+                    </a:prstClr>
+                  </a:outerShdw>
+                </a:effectLst>
+                <a:latin typeface="Times New Roman" pitchFamily="18" charset="0"/>
+                <a:cs typeface="Times New Roman" pitchFamily="18" charset="0"/>
+              </a:rPr>
+              <a:t>použitých</a:t>
+            </a:r>
+            <a:r>
+              <a:rPr lang="en-US" sz="2000" kern="0" dirty="0" smtClean="0">
+                <a:ln w="18415" cmpd="sng">
+                  <a:noFill/>
+                  <a:prstDash val="solid"/>
+                </a:ln>
+                <a:solidFill>
+                  <a:srgbClr val="FFFFFF"/>
+                </a:solidFill>
+                <a:effectLst>
+                  <a:outerShdw blurRad="50800" dist="38100" dir="2700000" algn="tl" rotWithShape="0">
+                    <a:prstClr val="black">
+                      <a:alpha val="40000"/>
+                    </a:prstClr>
+                  </a:outerShdw>
+                </a:effectLst>
+                <a:latin typeface="Times New Roman" pitchFamily="18" charset="0"/>
+                <a:cs typeface="Times New Roman" pitchFamily="18" charset="0"/>
+              </a:rPr>
+              <a:t> </a:t>
+            </a:r>
+            <a:r>
+              <a:rPr lang="en-US" sz="2000" kern="0" dirty="0" err="1" smtClean="0">
+                <a:ln w="18415" cmpd="sng">
+                  <a:noFill/>
+                  <a:prstDash val="solid"/>
+                </a:ln>
+                <a:solidFill>
+                  <a:srgbClr val="FFFFFF"/>
+                </a:solidFill>
+                <a:effectLst>
+                  <a:outerShdw blurRad="50800" dist="38100" dir="2700000" algn="tl" rotWithShape="0">
+                    <a:prstClr val="black">
+                      <a:alpha val="40000"/>
+                    </a:prstClr>
+                  </a:outerShdw>
+                </a:effectLst>
+                <a:latin typeface="Times New Roman" pitchFamily="18" charset="0"/>
+                <a:cs typeface="Times New Roman" pitchFamily="18" charset="0"/>
+              </a:rPr>
+              <a:t>technológi</a:t>
+            </a:r>
+            <a:r>
+              <a:rPr lang="sk-SK" sz="2000" kern="0" dirty="0" smtClean="0">
                 <a:ln w="18415" cmpd="sng">
                   <a:noFill/>
                   <a:prstDash val="solid"/>
@@ -14693,7 +15877,7 @@
               <a:defRPr/>
             </a:pPr>
             <a:r>
-              <a:rPr lang="sk-SK" sz="2000" kern="0" smtClean="0">
+              <a:rPr lang="sk-SK" sz="2000" kern="0" dirty="0" smtClean="0">
                 <a:ln w="18415" cmpd="sng">
                   <a:noFill/>
                   <a:prstDash val="solid"/>
@@ -14711,7 +15895,91 @@
                 <a:latin typeface="Times New Roman" pitchFamily="18" charset="0"/>
                 <a:cs typeface="Times New Roman" pitchFamily="18" charset="0"/>
               </a:rPr>
-              <a:t> Qt Creator 	vývojové prostredie</a:t>
+              <a:t> </a:t>
+            </a:r>
+            <a:r>
+              <a:rPr lang="sk-SK" sz="2000" kern="0" dirty="0" err="1" smtClean="0">
+                <a:ln w="18415" cmpd="sng">
+                  <a:noFill/>
+                  <a:prstDash val="solid"/>
+                </a:ln>
+                <a:solidFill>
+                  <a:srgbClr val="FFFFFF"/>
+                </a:solidFill>
+                <a:effectLst>
+                  <a:outerShdw blurRad="50800" dist="38100" dir="2700000" algn="tl" rotWithShape="0">
+                    <a:prstClr val="black">
+                      <a:alpha val="40000"/>
+                    </a:prstClr>
+                  </a:outerShdw>
+                </a:effectLst>
+                <a:latin typeface="Times New Roman" pitchFamily="18" charset="0"/>
+                <a:cs typeface="Times New Roman" pitchFamily="18" charset="0"/>
+              </a:rPr>
+              <a:t>Qt</a:t>
+            </a:r>
+            <a:r>
+              <a:rPr lang="sk-SK" sz="2000" kern="0" dirty="0" smtClean="0">
+                <a:ln w="18415" cmpd="sng">
+                  <a:noFill/>
+                  <a:prstDash val="solid"/>
+                </a:ln>
+                <a:solidFill>
+                  <a:srgbClr val="FFFFFF"/>
+                </a:solidFill>
+                <a:effectLst>
+                  <a:outerShdw blurRad="50800" dist="38100" dir="2700000" algn="tl" rotWithShape="0">
+                    <a:prstClr val="black">
+                      <a:alpha val="40000"/>
+                    </a:prstClr>
+                  </a:outerShdw>
+                </a:effectLst>
+                <a:latin typeface="Times New Roman" pitchFamily="18" charset="0"/>
+                <a:cs typeface="Times New Roman" pitchFamily="18" charset="0"/>
+              </a:rPr>
+              <a:t> </a:t>
+            </a:r>
+            <a:r>
+              <a:rPr lang="sk-SK" sz="2000" kern="0" dirty="0" err="1" smtClean="0">
+                <a:ln w="18415" cmpd="sng">
+                  <a:noFill/>
+                  <a:prstDash val="solid"/>
+                </a:ln>
+                <a:solidFill>
+                  <a:srgbClr val="FFFFFF"/>
+                </a:solidFill>
+                <a:effectLst>
+                  <a:outerShdw blurRad="50800" dist="38100" dir="2700000" algn="tl" rotWithShape="0">
+                    <a:prstClr val="black">
+                      <a:alpha val="40000"/>
+                    </a:prstClr>
+                  </a:outerShdw>
+                </a:effectLst>
+                <a:latin typeface="Times New Roman" pitchFamily="18" charset="0"/>
+                <a:cs typeface="Times New Roman" pitchFamily="18" charset="0"/>
+              </a:rPr>
+              <a:t>Creator</a:t>
+            </a:r>
+            <a:r>
+              <a:rPr lang="sk-SK" sz="2000" kern="0" dirty="0" smtClean="0">
+                <a:ln w="18415" cmpd="sng">
+                  <a:noFill/>
+                  <a:prstDash val="solid"/>
+                </a:ln>
+                <a:solidFill>
+                  <a:srgbClr val="FFFFFF"/>
+                </a:solidFill>
+                <a:effectLst>
+                  <a:outerShdw blurRad="50800" dist="38100" dir="2700000" algn="tl" rotWithShape="0">
+                    <a:prstClr val="black">
+                      <a:alpha val="40000"/>
+                    </a:prstClr>
+                  </a:outerShdw>
+                </a:effectLst>
+                <a:latin typeface="Times New Roman" pitchFamily="18" charset="0"/>
+                <a:cs typeface="Times New Roman" pitchFamily="18" charset="0"/>
+              </a:rPr>
+              <a:t> 	vývojové prostredie</a:t>
             </a:r>
           </a:p>
           <a:p>
@@ -14727,7 +15995,7 @@
               <a:defRPr/>
             </a:pPr>
             <a:r>
-              <a:rPr lang="sk-SK" sz="2000" kern="0" smtClean="0">
+              <a:rPr lang="sk-SK" sz="2000" kern="0" dirty="0" smtClean="0">
                 <a:ln w="18415" cmpd="sng">
                   <a:noFill/>
                   <a:prstDash val="solid"/>
@@ -14745,10 +16013,10 @@
                 <a:latin typeface="Times New Roman" pitchFamily="18" charset="0"/>
                 <a:cs typeface="Times New Roman" pitchFamily="18" charset="0"/>
               </a:rPr>
-              <a:t> Qt framework 	</a:t>
-            </a:r>
-            <a:r>
-              <a:rPr lang="pt-BR" sz="2000" kern="0" smtClean="0">
+              <a:t> </a:t>
+            </a:r>
+            <a:r>
+              <a:rPr lang="sk-SK" sz="2000" kern="0" dirty="0" err="1" smtClean="0">
                 <a:ln w="18415" cmpd="sng">
                   <a:noFill/>
                   <a:prstDash val="solid"/>
@@ -14766,9 +16034,93 @@
                 <a:latin typeface="Times New Roman" pitchFamily="18" charset="0"/>
                 <a:cs typeface="Times New Roman" pitchFamily="18" charset="0"/>
               </a:rPr>
+              <a:t>Qt</a:t>
+            </a:r>
+            <a:r>
+              <a:rPr lang="sk-SK" sz="2000" kern="0" dirty="0" smtClean="0">
+                <a:ln w="18415" cmpd="sng">
+                  <a:noFill/>
+                  <a:prstDash val="solid"/>
+                </a:ln>
+                <a:solidFill>
+                  <a:srgbClr val="FFFFFF"/>
+                </a:solidFill>
+                <a:effectLst>
+                  <a:outerShdw blurRad="50800" dist="38100" dir="2700000" algn="tl" rotWithShape="0">
+                    <a:prstClr val="black">
+                      <a:alpha val="40000"/>
+                    </a:prstClr>
+                  </a:outerShdw>
+                </a:effectLst>
+                <a:latin typeface="Times New Roman" pitchFamily="18" charset="0"/>
+                <a:cs typeface="Times New Roman" pitchFamily="18" charset="0"/>
+              </a:rPr>
+              <a:t> </a:t>
+            </a:r>
+            <a:r>
+              <a:rPr lang="sk-SK" sz="2000" kern="0" dirty="0" err="1" smtClean="0">
+                <a:ln w="18415" cmpd="sng">
+                  <a:noFill/>
+                  <a:prstDash val="solid"/>
+                </a:ln>
+                <a:solidFill>
+                  <a:srgbClr val="FFFFFF"/>
+                </a:solidFill>
+                <a:effectLst>
+                  <a:outerShdw blurRad="50800" dist="38100" dir="2700000" algn="tl" rotWithShape="0">
+                    <a:prstClr val="black">
+                      <a:alpha val="40000"/>
+                    </a:prstClr>
+                  </a:outerShdw>
+                </a:effectLst>
+                <a:latin typeface="Times New Roman" pitchFamily="18" charset="0"/>
+                <a:cs typeface="Times New Roman" pitchFamily="18" charset="0"/>
+              </a:rPr>
+              <a:t>framework</a:t>
+            </a:r>
+            <a:r>
+              <a:rPr lang="sk-SK" sz="2000" kern="0" dirty="0" smtClean="0">
+                <a:ln w="18415" cmpd="sng">
+                  <a:noFill/>
+                  <a:prstDash val="solid"/>
+                </a:ln>
+                <a:solidFill>
+                  <a:srgbClr val="FFFFFF"/>
+                </a:solidFill>
+                <a:effectLst>
+                  <a:outerShdw blurRad="50800" dist="38100" dir="2700000" algn="tl" rotWithShape="0">
+                    <a:prstClr val="black">
+                      <a:alpha val="40000"/>
+                    </a:prstClr>
+                  </a:outerShdw>
+                </a:effectLst>
+                <a:latin typeface="Times New Roman" pitchFamily="18" charset="0"/>
+                <a:cs typeface="Times New Roman" pitchFamily="18" charset="0"/>
+              </a:rPr>
+              <a:t> 	</a:t>
+            </a:r>
+            <a:r>
+              <a:rPr lang="pt-BR" sz="2000" kern="0" dirty="0" smtClean="0">
+                <a:ln w="18415" cmpd="sng">
+                  <a:noFill/>
+                  <a:prstDash val="solid"/>
+                </a:ln>
+                <a:solidFill>
+                  <a:srgbClr val="FFFFFF"/>
+                </a:solidFill>
+                <a:effectLst>
+                  <a:outerShdw blurRad="50800" dist="38100" dir="2700000" algn="tl" rotWithShape="0">
+                    <a:prstClr val="black">
+                      <a:alpha val="40000"/>
+                    </a:prstClr>
+                  </a:outerShdw>
+                </a:effectLst>
+                <a:latin typeface="Times New Roman" pitchFamily="18" charset="0"/>
+                <a:cs typeface="Times New Roman" pitchFamily="18" charset="0"/>
+              </a:rPr>
               <a:t>široké možnosti práce s grafikou</a:t>
             </a:r>
-            <a:endParaRPr lang="sk-SK" sz="2000" kern="0" smtClean="0">
+            <a:endParaRPr lang="sk-SK" sz="2000" kern="0" dirty="0" smtClean="0">
               <a:ln w="18415" cmpd="sng">
                 <a:noFill/>
                 <a:prstDash val="solid"/>
@@ -14800,7 +16152,7 @@
               <a:defRPr/>
             </a:pPr>
             <a:r>
-              <a:rPr lang="pl-PL" sz="2000" kern="0" smtClean="0">
+              <a:rPr lang="pl-PL" sz="2000" kern="0" dirty="0" smtClean="0">
                 <a:ln w="18415" cmpd="sng">
                   <a:noFill/>
                   <a:prstDash val="solid"/>
@@ -14820,7 +16172,7 @@
               </a:rPr>
               <a:t>C++ 	programovací jazyk editora</a:t>
             </a:r>
-            <a:endParaRPr lang="sk-SK" sz="2000" kern="0" smtClean="0">
+            <a:endParaRPr lang="sk-SK" sz="2000" kern="0" dirty="0" smtClean="0">
               <a:ln w="18415" cmpd="sng">
                 <a:noFill/>
                 <a:prstDash val="solid"/>
@@ -14852,7 +16204,7 @@
               <a:defRPr/>
             </a:pPr>
             <a:r>
-              <a:rPr lang="sk-SK" sz="2000" kern="0" smtClean="0">
+              <a:rPr lang="sk-SK" sz="2000" kern="0" dirty="0" smtClean="0">
                 <a:ln w="18415" cmpd="sng">
                   <a:noFill/>
                   <a:prstDash val="solid"/>
@@ -14870,8 +16222,152 @@
                 <a:latin typeface="Times New Roman" pitchFamily="18" charset="0"/>
                 <a:cs typeface="Times New Roman" pitchFamily="18" charset="0"/>
               </a:rPr>
-              <a:t> Lua (LuaJit) 	realizuje veľkú časť vypočtou </a:t>
-            </a:r>
+              <a:t> </a:t>
+            </a:r>
+            <a:r>
+              <a:rPr lang="sk-SK" sz="2000" kern="0" dirty="0" err="1" smtClean="0">
+                <a:ln w="18415" cmpd="sng">
+                  <a:noFill/>
+                  <a:prstDash val="solid"/>
+                </a:ln>
+                <a:solidFill>
+                  <a:srgbClr val="FFFFFF"/>
+                </a:solidFill>
+                <a:effectLst>
+                  <a:outerShdw blurRad="50800" dist="38100" dir="2700000" algn="tl" rotWithShape="0">
+                    <a:prstClr val="black">
+                      <a:alpha val="40000"/>
+                    </a:prstClr>
+                  </a:outerShdw>
+                </a:effectLst>
+                <a:latin typeface="Times New Roman" pitchFamily="18" charset="0"/>
+                <a:cs typeface="Times New Roman" pitchFamily="18" charset="0"/>
+              </a:rPr>
+              <a:t>Lua</a:t>
+            </a:r>
+            <a:r>
+              <a:rPr lang="sk-SK" sz="2000" kern="0" dirty="0" smtClean="0">
+                <a:ln w="18415" cmpd="sng">
+                  <a:noFill/>
+                  <a:prstDash val="solid"/>
+                </a:ln>
+                <a:solidFill>
+                  <a:srgbClr val="FFFFFF"/>
+                </a:solidFill>
+                <a:effectLst>
+                  <a:outerShdw blurRad="50800" dist="38100" dir="2700000" algn="tl" rotWithShape="0">
+                    <a:prstClr val="black">
+                      <a:alpha val="40000"/>
+                    </a:prstClr>
+                  </a:outerShdw>
+                </a:effectLst>
+                <a:latin typeface="Times New Roman" pitchFamily="18" charset="0"/>
+                <a:cs typeface="Times New Roman" pitchFamily="18" charset="0"/>
+              </a:rPr>
+              <a:t> (</a:t>
+            </a:r>
+            <a:r>
+              <a:rPr lang="sk-SK" sz="2000" kern="0" dirty="0" err="1" smtClean="0">
+                <a:ln w="18415" cmpd="sng">
+                  <a:noFill/>
+                  <a:prstDash val="solid"/>
+                </a:ln>
+                <a:solidFill>
+                  <a:srgbClr val="FFFFFF"/>
+                </a:solidFill>
+                <a:effectLst>
+                  <a:outerShdw blurRad="50800" dist="38100" dir="2700000" algn="tl" rotWithShape="0">
+                    <a:prstClr val="black">
+                      <a:alpha val="40000"/>
+                    </a:prstClr>
+                  </a:outerShdw>
+                </a:effectLst>
+                <a:latin typeface="Times New Roman" pitchFamily="18" charset="0"/>
+                <a:cs typeface="Times New Roman" pitchFamily="18" charset="0"/>
+              </a:rPr>
+              <a:t>LuaJit</a:t>
+            </a:r>
+            <a:r>
+              <a:rPr lang="sk-SK" sz="2000" kern="0" dirty="0" smtClean="0">
+                <a:ln w="18415" cmpd="sng">
+                  <a:noFill/>
+                  <a:prstDash val="solid"/>
+                </a:ln>
+                <a:solidFill>
+                  <a:srgbClr val="FFFFFF"/>
+                </a:solidFill>
+                <a:effectLst>
+                  <a:outerShdw blurRad="50800" dist="38100" dir="2700000" algn="tl" rotWithShape="0">
+                    <a:prstClr val="black">
+                      <a:alpha val="40000"/>
+                    </a:prstClr>
+                  </a:outerShdw>
+                </a:effectLst>
+                <a:latin typeface="Times New Roman" pitchFamily="18" charset="0"/>
+                <a:cs typeface="Times New Roman" pitchFamily="18" charset="0"/>
+              </a:rPr>
+              <a:t>) 	realizuje veľkú časť </a:t>
+            </a:r>
+            <a:r>
+              <a:rPr lang="sk-SK" sz="2000" kern="0" dirty="0" err="1" smtClean="0">
+                <a:ln w="18415" cmpd="sng">
+                  <a:noFill/>
+                  <a:prstDash val="solid"/>
+                </a:ln>
+                <a:solidFill>
+                  <a:srgbClr val="FFFFFF"/>
+                </a:solidFill>
+                <a:effectLst>
+                  <a:outerShdw blurRad="50800" dist="38100" dir="2700000" algn="tl" rotWithShape="0">
+                    <a:prstClr val="black">
+                      <a:alpha val="40000"/>
+                    </a:prstClr>
+                  </a:outerShdw>
+                </a:effectLst>
+                <a:latin typeface="Times New Roman" pitchFamily="18" charset="0"/>
+                <a:cs typeface="Times New Roman" pitchFamily="18" charset="0"/>
+              </a:rPr>
+              <a:t>vypočtu</a:t>
+            </a:r>
+            <a:r>
+              <a:rPr lang="sk-SK" sz="2000" kern="0" dirty="0" smtClean="0">
+                <a:ln w="18415" cmpd="sng">
+                  <a:noFill/>
+                  <a:prstDash val="solid"/>
+                </a:ln>
+                <a:solidFill>
+                  <a:srgbClr val="FFFFFF"/>
+                </a:solidFill>
+                <a:effectLst>
+                  <a:outerShdw blurRad="50800" dist="38100" dir="2700000" algn="tl" rotWithShape="0">
+                    <a:prstClr val="black">
+                      <a:alpha val="40000"/>
+                    </a:prstClr>
+                  </a:outerShdw>
+                </a:effectLst>
+                <a:latin typeface="Times New Roman" pitchFamily="18" charset="0"/>
+                <a:cs typeface="Times New Roman" pitchFamily="18" charset="0"/>
+              </a:rPr>
+              <a:t> </a:t>
+            </a:r>
+            <a:endParaRPr lang="sk-SK" sz="2000" kern="0" dirty="0" smtClean="0">
+              <a:ln w="18415" cmpd="sng">
+                <a:noFill/>
+                <a:prstDash val="solid"/>
+              </a:ln>
+              <a:solidFill>
+                <a:srgbClr val="FFFFFF"/>
+              </a:solidFill>
+              <a:effectLst>
+                <a:outerShdw blurRad="50800" dist="38100" dir="2700000" algn="tl" rotWithShape="0">
+                  <a:prstClr val="black">
+                    <a:alpha val="40000"/>
+                  </a:prstClr>
+                </a:outerShdw>
+              </a:effectLst>
+              <a:latin typeface="Times New Roman" pitchFamily="18" charset="0"/>
+              <a:cs typeface="Times New Roman" pitchFamily="18" charset="0"/>
+            </a:endParaRPr>
           </a:p>
           <a:p>
             <a:pPr lvl="1">
@@ -14886,7 +16382,7 @@
               <a:defRPr/>
             </a:pPr>
             <a:r>
-              <a:rPr kumimoji="0" lang="sk-SK" sz="2000" u="none" strike="noStrike" kern="0" cap="none" normalizeH="0" baseline="0" noProof="0" smtClean="0">
+              <a:rPr kumimoji="0" lang="sk-SK" sz="2000" u="none" strike="noStrike" kern="0" cap="none" normalizeH="0" baseline="0" noProof="0" dirty="0" smtClean="0">
                 <a:ln w="18415" cmpd="sng">
                   <a:noFill/>
                   <a:prstDash val="solid"/>
@@ -14906,7 +16402,53 @@
                 <a:latin typeface="Times New Roman" pitchFamily="18" charset="0"/>
                 <a:cs typeface="Times New Roman" pitchFamily="18" charset="0"/>
               </a:rPr>
-              <a:t>Knižnica Lpeg 	syntaktická analýza textu</a:t>
+              <a:t>Knižnica </a:t>
+            </a:r>
+            <a:r>
+              <a:rPr kumimoji="0" lang="sk-SK" sz="2000" u="none" strike="noStrike" kern="0" cap="none" normalizeH="0" baseline="0" noProof="0" dirty="0" err="1" smtClean="0">
+                <a:ln w="18415" cmpd="sng">
+                  <a:noFill/>
+                  <a:prstDash val="solid"/>
+                </a:ln>
+                <a:solidFill>
+                  <a:srgbClr val="FFFFFF"/>
+                </a:solidFill>
+                <a:effectLst>
+                  <a:outerShdw blurRad="50800" dist="38100" dir="2700000" algn="tl" rotWithShape="0">
+                    <a:prstClr val="black">
+                      <a:alpha val="40000"/>
+                    </a:prstClr>
+                  </a:outerShdw>
+                </a:effectLst>
+                <a:uLnTx/>
+                <a:uFillTx/>
+                <a:latin typeface="Times New Roman" pitchFamily="18" charset="0"/>
+                <a:cs typeface="Times New Roman" pitchFamily="18" charset="0"/>
+              </a:rPr>
+              <a:t>Lpeg</a:t>
+            </a:r>
+            <a:r>
+              <a:rPr kumimoji="0" lang="sk-SK" sz="2000" u="none" strike="noStrike" kern="0" cap="none" normalizeH="0" baseline="0" noProof="0" dirty="0" smtClean="0">
+                <a:ln w="18415" cmpd="sng">
+                  <a:noFill/>
+                  <a:prstDash val="solid"/>
+                </a:ln>
+                <a:solidFill>
+                  <a:srgbClr val="FFFFFF"/>
+                </a:solidFill>
+                <a:effectLst>
+                  <a:outerShdw blurRad="50800" dist="38100" dir="2700000" algn="tl" rotWithShape="0">
+                    <a:prstClr val="black">
+                      <a:alpha val="40000"/>
+                    </a:prstClr>
+                  </a:outerShdw>
+                </a:effectLst>
+                <a:uLnTx/>
+                <a:uFillTx/>
+                <a:latin typeface="Times New Roman" pitchFamily="18" charset="0"/>
+                <a:cs typeface="Times New Roman" pitchFamily="18" charset="0"/>
+              </a:rPr>
+              <a:t> 	syntaktická analýza textu</a:t>
             </a:r>
           </a:p>
         </p:txBody>
@@ -15644,7 +17186,7 @@
               <a:defRPr/>
             </a:pPr>
             <a:r>
-              <a:rPr lang="sk-SK" sz="2000" kern="0" smtClean="0">
+              <a:rPr lang="sk-SK" sz="2000" kern="0" dirty="0" smtClean="0">
                 <a:ln w="18415" cmpd="sng">
                   <a:noFill/>
                   <a:prstDash val="solid"/>
@@ -15662,89 +17204,8 @@
                 <a:latin typeface="Times New Roman" pitchFamily="18" charset="0"/>
                 <a:cs typeface="Times New Roman" pitchFamily="18" charset="0"/>
               </a:rPr>
-              <a:t> Rozpracovaný </a:t>
-            </a:r>
-            <a:r>
-              <a:rPr lang="sk-SK" sz="2000" kern="0" smtClean="0">
-                <a:ln w="18415" cmpd="sng">
-                  <a:noFill/>
-                  <a:prstDash val="solid"/>
-                </a:ln>
-                <a:solidFill>
-                  <a:srgbClr val="FFFFFF"/>
-                </a:solidFill>
-                <a:effectLst>
-                  <a:outerShdw blurRad="50800" dist="38100" dir="2700000" algn="tl" rotWithShape="0">
-                    <a:prstClr val="black">
-                      <a:alpha val="40000"/>
-                    </a:prstClr>
-                  </a:outerShdw>
-                </a:effectLst>
-                <a:latin typeface="Times New Roman" pitchFamily="18" charset="0"/>
-                <a:cs typeface="Times New Roman" pitchFamily="18" charset="0"/>
-              </a:rPr>
-              <a:t>projekt po </a:t>
-            </a:r>
-            <a:r>
-              <a:rPr lang="sk-SK" sz="2000" kern="0" smtClean="0">
-                <a:ln w="18415" cmpd="sng">
-                  <a:noFill/>
-                  <a:prstDash val="solid"/>
-                </a:ln>
-                <a:solidFill>
-                  <a:srgbClr val="FFFFFF"/>
-                </a:solidFill>
-                <a:effectLst>
-                  <a:outerShdw blurRad="50800" dist="38100" dir="2700000" algn="tl" rotWithShape="0">
-                    <a:prstClr val="black">
-                      <a:alpha val="40000"/>
-                    </a:prstClr>
-                  </a:outerShdw>
-                </a:effectLst>
-                <a:latin typeface="Times New Roman" pitchFamily="18" charset="0"/>
-                <a:cs typeface="Times New Roman" pitchFamily="18" charset="0"/>
-              </a:rPr>
-              <a:t>minulom </a:t>
-            </a:r>
-            <a:r>
-              <a:rPr lang="sk-SK" sz="2000" kern="0" smtClean="0">
-                <a:ln w="18415" cmpd="sng">
-                  <a:noFill/>
-                  <a:prstDash val="solid"/>
-                </a:ln>
-                <a:solidFill>
-                  <a:srgbClr val="FFFFFF"/>
-                </a:solidFill>
-                <a:effectLst>
-                  <a:outerShdw blurRad="50800" dist="38100" dir="2700000" algn="tl" rotWithShape="0">
-                    <a:prstClr val="black">
-                      <a:alpha val="40000"/>
-                    </a:prstClr>
-                  </a:outerShdw>
-                </a:effectLst>
-                <a:latin typeface="Times New Roman" pitchFamily="18" charset="0"/>
-                <a:cs typeface="Times New Roman" pitchFamily="18" charset="0"/>
-              </a:rPr>
-              <a:t>tíme UFOPAK</a:t>
-            </a:r>
-            <a:endParaRPr lang="sk-SK" sz="2000" kern="0" smtClean="0">
-              <a:ln w="18415" cmpd="sng">
-                <a:noFill/>
-                <a:prstDash val="solid"/>
-              </a:ln>
-              <a:solidFill>
-                <a:srgbClr val="FFFFFF"/>
-              </a:solidFill>
-              <a:effectLst>
-                <a:outerShdw blurRad="50800" dist="38100" dir="2700000" algn="tl" rotWithShape="0">
-                  <a:prstClr val="black">
-                    <a:alpha val="40000"/>
-                  </a:prstClr>
-                </a:outerShdw>
-              </a:effectLst>
-              <a:latin typeface="Times New Roman" pitchFamily="18" charset="0"/>
-              <a:cs typeface="Times New Roman" pitchFamily="18" charset="0"/>
-            </a:endParaRPr>
+              <a:t> Rozpracovaný projekt po minulom tíme UFOPAK</a:t>
+            </a:r>
           </a:p>
           <a:p>
             <a:pPr>
@@ -15756,7 +17217,7 @@
               <a:defRPr/>
             </a:pPr>
             <a:r>
-              <a:rPr lang="sk-SK" sz="2000" kern="0" smtClean="0">
+              <a:rPr lang="sk-SK" sz="2000" kern="0" dirty="0" smtClean="0">
                 <a:ln w="18415" cmpd="sng">
                   <a:noFill/>
                   <a:prstDash val="solid"/>
@@ -15787,7 +17248,7 @@
               <a:defRPr/>
             </a:pPr>
             <a:r>
-              <a:rPr lang="sk-SK" sz="2000" kern="0" smtClean="0">
+              <a:rPr lang="sk-SK" sz="2000" kern="0" dirty="0" smtClean="0">
                 <a:ln w="18415" cmpd="sng">
                   <a:noFill/>
                   <a:prstDash val="solid"/>
@@ -15818,7 +17279,7 @@
               <a:defRPr/>
             </a:pPr>
             <a:r>
-              <a:rPr lang="sk-SK" sz="2000" kern="0" smtClean="0">
+              <a:rPr lang="sk-SK" sz="2000" kern="0" dirty="0" smtClean="0">
                 <a:ln w="18415" cmpd="sng">
                   <a:noFill/>
                   <a:prstDash val="solid"/>
@@ -15836,30 +17297,9 @@
                 <a:latin typeface="Times New Roman" pitchFamily="18" charset="0"/>
                 <a:cs typeface="Times New Roman" pitchFamily="18" charset="0"/>
               </a:rPr>
-              <a:t> Pokročilé zobrazovanie komentárov, písanie komentáru rovno ku </a:t>
-            </a:r>
-            <a:r>
-              <a:rPr lang="sk-SK" sz="2000" kern="0" smtClean="0">
-                <a:ln w="18415" cmpd="sng">
-                  <a:noFill/>
-                  <a:prstDash val="solid"/>
-                </a:ln>
-                <a:solidFill>
-                  <a:srgbClr val="FFFFFF"/>
-                </a:solidFill>
-                <a:effectLst>
-                  <a:outerShdw blurRad="50800" dist="38100" dir="2700000" algn="tl" rotWithShape="0">
-                    <a:prstClr val="black">
-                      <a:alpha val="40000"/>
-                    </a:prstClr>
-                  </a:outerShdw>
-                </a:effectLst>
-                <a:latin typeface="Times New Roman" pitchFamily="18" charset="0"/>
-                <a:cs typeface="Times New Roman" pitchFamily="18" charset="0"/>
-              </a:rPr>
-              <a:t>kódu</a:t>
-            </a:r>
-            <a:endParaRPr lang="pl-PL" sz="2000" kern="0" smtClean="0">
+              <a:t> Pokročilé zobrazovanie komentárov, písanie komentáru rovno ku kódu</a:t>
+            </a:r>
+            <a:endParaRPr lang="pl-PL" sz="2000" kern="0" dirty="0" smtClean="0">
               <a:ln w="18415" cmpd="sng">
                 <a:noFill/>
                 <a:prstDash val="solid"/>
@@ -16591,7 +18031,7 @@
         <p:spPr>
           <a:xfrm>
             <a:off x="428596" y="1000112"/>
-            <a:ext cx="8286808" cy="3836195"/>
+            <a:ext cx="8286808" cy="4308872"/>
           </a:xfrm>
           <a:prstGeom prst="rect">
             <a:avLst/>
@@ -16613,7 +18053,7 @@
               <a:defRPr/>
             </a:pPr>
             <a:r>
-              <a:rPr lang="sk-SK" sz="2000" kern="0" smtClean="0">
+              <a:rPr lang="sk-SK" sz="2000" kern="0" dirty="0" smtClean="0">
                 <a:ln w="18415" cmpd="sng">
                   <a:noFill/>
                   <a:prstDash val="solid"/>
@@ -16634,7 +18074,7 @@
               <a:t> </a:t>
             </a:r>
             <a:r>
-              <a:rPr lang="sk-SK" sz="2000" kern="0" smtClean="0">
+              <a:rPr lang="sk-SK" sz="2000" kern="0" dirty="0" smtClean="0">
                 <a:ln w="18415" cmpd="sng">
                   <a:noFill/>
                   <a:prstDash val="solid"/>
@@ -16652,8 +18092,26 @@
                 <a:latin typeface="Times New Roman" pitchFamily="18" charset="0"/>
                 <a:cs typeface="Times New Roman" pitchFamily="18" charset="0"/>
               </a:rPr>
-              <a:t>Analyzovaný stav editora – čo bolo implementované a čo chýba</a:t>
-            </a:r>
+              <a:t>Vizualizácia zdrojového kódu je neefektívna</a:t>
+            </a:r>
+            <a:endParaRPr lang="sk-SK" sz="2000" kern="0" dirty="0" smtClean="0">
+              <a:ln w="18415" cmpd="sng">
+                <a:noFill/>
+                <a:prstDash val="solid"/>
+              </a:ln>
+              <a:solidFill>
+                <a:srgbClr val="FFFFFF"/>
+              </a:solidFill>
+              <a:effectLst>
+                <a:outerShdw blurRad="50800" dist="38100" dir="2700000" algn="tl" rotWithShape="0">
+                  <a:prstClr val="black">
+                    <a:alpha val="40000"/>
+                  </a:prstClr>
+                </a:outerShdw>
+              </a:effectLst>
+              <a:latin typeface="Times New Roman" pitchFamily="18" charset="0"/>
+              <a:cs typeface="Times New Roman" pitchFamily="18" charset="0"/>
+            </a:endParaRPr>
           </a:p>
           <a:p>
             <a:pPr>
@@ -16665,7 +18123,7 @@
               <a:defRPr/>
             </a:pPr>
             <a:r>
-              <a:rPr lang="sk-SK" sz="2000" kern="0" smtClean="0">
+              <a:rPr lang="sk-SK" sz="2000" kern="0" dirty="0" smtClean="0">
                 <a:ln w="18415" cmpd="sng">
                   <a:noFill/>
                   <a:prstDash val="solid"/>
@@ -16686,7 +18144,7 @@
               <a:t> </a:t>
             </a:r>
             <a:r>
-              <a:rPr lang="sk-SK" sz="2000" kern="0" smtClean="0">
+              <a:rPr lang="sk-SK" sz="2000" kern="0" dirty="0" smtClean="0">
                 <a:ln w="18415" cmpd="sng">
                   <a:noFill/>
                   <a:prstDash val="solid"/>
@@ -16704,8 +18162,89 @@
                 <a:latin typeface="Times New Roman" pitchFamily="18" charset="0"/>
                 <a:cs typeface="Times New Roman" pitchFamily="18" charset="0"/>
               </a:rPr>
-              <a:t>Analýza zdrojových kódov</a:t>
-            </a:r>
+              <a:t>Podpora jazykov: C, </a:t>
+            </a:r>
+            <a:r>
+              <a:rPr lang="sk-SK" sz="2000" kern="0" dirty="0" err="1" smtClean="0">
+                <a:ln w="18415" cmpd="sng">
+                  <a:noFill/>
+                  <a:prstDash val="solid"/>
+                </a:ln>
+                <a:solidFill>
+                  <a:srgbClr val="FFFFFF"/>
+                </a:solidFill>
+                <a:effectLst>
+                  <a:outerShdw blurRad="50800" dist="38100" dir="2700000" algn="tl" rotWithShape="0">
+                    <a:prstClr val="black">
+                      <a:alpha val="40000"/>
+                    </a:prstClr>
+                  </a:outerShdw>
+                </a:effectLst>
+                <a:latin typeface="Times New Roman" pitchFamily="18" charset="0"/>
+                <a:cs typeface="Times New Roman" pitchFamily="18" charset="0"/>
+              </a:rPr>
+              <a:t>Lua</a:t>
+            </a:r>
+            <a:r>
+              <a:rPr lang="sk-SK" sz="2000" kern="0" dirty="0" smtClean="0">
+                <a:ln w="18415" cmpd="sng">
+                  <a:noFill/>
+                  <a:prstDash val="solid"/>
+                </a:ln>
+                <a:solidFill>
+                  <a:srgbClr val="FFFFFF"/>
+                </a:solidFill>
+                <a:effectLst>
+                  <a:outerShdw blurRad="50800" dist="38100" dir="2700000" algn="tl" rotWithShape="0">
+                    <a:prstClr val="black">
+                      <a:alpha val="40000"/>
+                    </a:prstClr>
+                  </a:outerShdw>
+                </a:effectLst>
+                <a:latin typeface="Times New Roman" pitchFamily="18" charset="0"/>
+                <a:cs typeface="Times New Roman" pitchFamily="18" charset="0"/>
+              </a:rPr>
+              <a:t>, </a:t>
+            </a:r>
+            <a:r>
+              <a:rPr lang="sk-SK" sz="2000" kern="0" dirty="0" err="1" smtClean="0">
+                <a:ln w="18415" cmpd="sng">
+                  <a:noFill/>
+                  <a:prstDash val="solid"/>
+                </a:ln>
+                <a:solidFill>
+                  <a:srgbClr val="FFFFFF"/>
+                </a:solidFill>
+                <a:effectLst>
+                  <a:outerShdw blurRad="50800" dist="38100" dir="2700000" algn="tl" rotWithShape="0">
+                    <a:prstClr val="black">
+                      <a:alpha val="40000"/>
+                    </a:prstClr>
+                  </a:outerShdw>
+                </a:effectLst>
+                <a:latin typeface="Times New Roman" pitchFamily="18" charset="0"/>
+                <a:cs typeface="Times New Roman" pitchFamily="18" charset="0"/>
+              </a:rPr>
+              <a:t>Xml</a:t>
+            </a:r>
+            <a:endParaRPr lang="sk-SK" sz="2000" kern="0" dirty="0" smtClean="0">
+              <a:ln w="18415" cmpd="sng">
+                <a:noFill/>
+                <a:prstDash val="solid"/>
+              </a:ln>
+              <a:solidFill>
+                <a:srgbClr val="FFFFFF"/>
+              </a:solidFill>
+              <a:effectLst>
+                <a:outerShdw blurRad="50800" dist="38100" dir="2700000" algn="tl" rotWithShape="0">
+                  <a:prstClr val="black">
+                    <a:alpha val="40000"/>
+                  </a:prstClr>
+                </a:outerShdw>
+              </a:effectLst>
+              <a:latin typeface="Times New Roman" pitchFamily="18" charset="0"/>
+              <a:cs typeface="Times New Roman" pitchFamily="18" charset="0"/>
+            </a:endParaRPr>
           </a:p>
           <a:p>
             <a:pPr>
@@ -16717,7 +18256,7 @@
               <a:defRPr/>
             </a:pPr>
             <a:r>
-              <a:rPr lang="sk-SK" sz="2000" kern="0" smtClean="0">
+              <a:rPr lang="sk-SK" sz="2000" kern="0" dirty="0" smtClean="0">
                 <a:ln w="18415" cmpd="sng">
                   <a:noFill/>
                   <a:prstDash val="solid"/>
@@ -16738,7 +18277,7 @@
               <a:t> </a:t>
             </a:r>
             <a:r>
-              <a:rPr lang="sk-SK" sz="2000" kern="0" smtClean="0">
+              <a:rPr lang="sk-SK" sz="2000" kern="0" dirty="0" smtClean="0">
                 <a:ln w="18415" cmpd="sng">
                   <a:noFill/>
                   <a:prstDash val="solid"/>
@@ -16756,8 +18295,47 @@
                 <a:latin typeface="Times New Roman" pitchFamily="18" charset="0"/>
                 <a:cs typeface="Times New Roman" pitchFamily="18" charset="0"/>
               </a:rPr>
-              <a:t>Analyzovanie riešení paralelizmu poskytované </a:t>
-            </a:r>
+              <a:t>Analýza zdrojového kódu a samotná práca s editorom sa vykonáva v rámci jedného </a:t>
+            </a:r>
+            <a:r>
+              <a:rPr lang="sk-SK" sz="2000" kern="0" dirty="0" err="1" smtClean="0">
+                <a:ln w="18415" cmpd="sng">
+                  <a:noFill/>
+                  <a:prstDash val="solid"/>
+                </a:ln>
+                <a:solidFill>
+                  <a:srgbClr val="FFFFFF"/>
+                </a:solidFill>
+                <a:effectLst>
+                  <a:outerShdw blurRad="50800" dist="38100" dir="2700000" algn="tl" rotWithShape="0">
+                    <a:prstClr val="black">
+                      <a:alpha val="40000"/>
+                    </a:prstClr>
+                  </a:outerShdw>
+                </a:effectLst>
+                <a:latin typeface="Times New Roman" pitchFamily="18" charset="0"/>
+                <a:cs typeface="Times New Roman" pitchFamily="18" charset="0"/>
+              </a:rPr>
+              <a:t>threadu</a:t>
+            </a:r>
+            <a:endParaRPr lang="sk-SK" sz="2000" kern="0" dirty="0" smtClean="0">
+              <a:ln w="18415" cmpd="sng">
+                <a:noFill/>
+                <a:prstDash val="solid"/>
+              </a:ln>
+              <a:solidFill>
+                <a:srgbClr val="FFFFFF"/>
+              </a:solidFill>
+              <a:effectLst>
+                <a:outerShdw blurRad="50800" dist="38100" dir="2700000" algn="tl" rotWithShape="0">
+                  <a:prstClr val="black">
+                    <a:alpha val="40000"/>
+                  </a:prstClr>
+                </a:outerShdw>
+              </a:effectLst>
+              <a:latin typeface="Times New Roman" pitchFamily="18" charset="0"/>
+              <a:cs typeface="Times New Roman" pitchFamily="18" charset="0"/>
+            </a:endParaRPr>
           </a:p>
           <a:p>
             <a:pPr>
@@ -16769,7 +18347,7 @@
               <a:defRPr/>
             </a:pPr>
             <a:r>
-              <a:rPr lang="sk-SK" sz="2000" kern="0" smtClean="0">
+              <a:rPr lang="sk-SK" sz="2000" kern="0" dirty="0" smtClean="0">
                 <a:ln w="18415" cmpd="sng">
                   <a:noFill/>
                   <a:prstDash val="solid"/>
@@ -16790,7 +18368,7 @@
               <a:t> </a:t>
             </a:r>
             <a:r>
-              <a:rPr lang="sk-SK" sz="2000" kern="0" smtClean="0">
+              <a:rPr lang="sk-SK" sz="2000" kern="0" dirty="0" smtClean="0">
                 <a:ln w="18415" cmpd="sng">
                   <a:noFill/>
                   <a:prstDash val="solid"/>
@@ -16808,8 +18386,26 @@
                 <a:latin typeface="Times New Roman" pitchFamily="18" charset="0"/>
                 <a:cs typeface="Times New Roman" pitchFamily="18" charset="0"/>
               </a:rPr>
-              <a:t>QML a CSS štýly pre efektívne vytvorenie používateľského prostredia</a:t>
-            </a:r>
+              <a:t>Jednoduché a nezaujímavé používateľské rozhranie</a:t>
+            </a:r>
+            <a:endParaRPr lang="sk-SK" sz="2000" kern="0" dirty="0" smtClean="0">
+              <a:ln w="18415" cmpd="sng">
+                <a:noFill/>
+                <a:prstDash val="solid"/>
+              </a:ln>
+              <a:solidFill>
+                <a:srgbClr val="FFFFFF"/>
+              </a:solidFill>
+              <a:effectLst>
+                <a:outerShdw blurRad="50800" dist="38100" dir="2700000" algn="tl" rotWithShape="0">
+                  <a:prstClr val="black">
+                    <a:alpha val="40000"/>
+                  </a:prstClr>
+                </a:outerShdw>
+              </a:effectLst>
+              <a:latin typeface="Times New Roman" pitchFamily="18" charset="0"/>
+              <a:cs typeface="Times New Roman" pitchFamily="18" charset="0"/>
+            </a:endParaRPr>
           </a:p>
           <a:p>
             <a:pPr>
@@ -16821,7 +18417,7 @@
               <a:defRPr/>
             </a:pPr>
             <a:r>
-              <a:rPr lang="sk-SK" sz="2000" kern="0" smtClean="0">
+              <a:rPr lang="sk-SK" sz="2000" kern="0" dirty="0" smtClean="0">
                 <a:ln w="18415" cmpd="sng">
                   <a:noFill/>
                   <a:prstDash val="solid"/>
@@ -16842,7 +18438,7 @@
               <a:t> </a:t>
             </a:r>
             <a:r>
-              <a:rPr lang="sk-SK" sz="2000" kern="0" smtClean="0">
+              <a:rPr lang="sk-SK" sz="2000" kern="0" dirty="0" smtClean="0">
                 <a:ln w="18415" cmpd="sng">
                   <a:noFill/>
                   <a:prstDash val="solid"/>
@@ -16860,7 +18456,49 @@
                 <a:latin typeface="Times New Roman" pitchFamily="18" charset="0"/>
                 <a:cs typeface="Times New Roman" pitchFamily="18" charset="0"/>
               </a:rPr>
-              <a:t>Analyzované aktuálne vytváranie a vykresľovanie grafických blokov </a:t>
+              <a:t>Chýba podpora základných operácií ako: </a:t>
+            </a:r>
+            <a:r>
+              <a:rPr lang="sk-SK" sz="2000" kern="0" dirty="0" err="1" smtClean="0">
+                <a:ln w="18415" cmpd="sng">
+                  <a:noFill/>
+                  <a:prstDash val="solid"/>
+                </a:ln>
+                <a:solidFill>
+                  <a:srgbClr val="FFFFFF"/>
+                </a:solidFill>
+                <a:effectLst>
+                  <a:outerShdw blurRad="50800" dist="38100" dir="2700000" algn="tl" rotWithShape="0">
+                    <a:prstClr val="black">
+                      <a:alpha val="40000"/>
+                    </a:prstClr>
+                  </a:outerShdw>
+                </a:effectLst>
+                <a:latin typeface="Times New Roman" pitchFamily="18" charset="0"/>
+                <a:cs typeface="Times New Roman" pitchFamily="18" charset="0"/>
+              </a:rPr>
+              <a:t>Undo</a:t>
+            </a:r>
+            <a:r>
+              <a:rPr lang="en-US" sz="2000" kern="0" dirty="0" smtClean="0">
+                <a:ln w="18415" cmpd="sng">
+                  <a:noFill/>
+                  <a:prstDash val="solid"/>
+                </a:ln>
+                <a:solidFill>
+                  <a:srgbClr val="FFFFFF"/>
+                </a:solidFill>
+                <a:effectLst>
+                  <a:outerShdw blurRad="50800" dist="38100" dir="2700000" algn="tl" rotWithShape="0">
+                    <a:prstClr val="black">
+                      <a:alpha val="40000"/>
+                    </a:prstClr>
+                  </a:outerShdw>
+                </a:effectLst>
+                <a:latin typeface="Times New Roman" pitchFamily="18" charset="0"/>
+                <a:cs typeface="Times New Roman" pitchFamily="18" charset="0"/>
+              </a:rPr>
+              <a:t>/Redo, Copy/Paste</a:t>
             </a:r>
           </a:p>
           <a:p>
@@ -16873,7 +18511,7 @@
               <a:defRPr/>
             </a:pPr>
             <a:r>
-              <a:rPr lang="sk-SK" sz="2000" kern="0" smtClean="0">
+              <a:rPr lang="sk-SK" sz="2000" kern="0" dirty="0" smtClean="0">
                 <a:ln w="18415" cmpd="sng">
                   <a:noFill/>
                   <a:prstDash val="solid"/>
@@ -16893,7 +18531,7 @@
               </a:rPr>
               <a:t> Aká je súčasná podpora práce s textom a kde má svoje medzery</a:t>
             </a:r>
-            <a:endParaRPr lang="pl-PL" sz="2000" kern="0" smtClean="0">
+            <a:endParaRPr lang="pl-PL" sz="2000" kern="0" dirty="0" smtClean="0">
               <a:ln w="18415" cmpd="sng">
                 <a:noFill/>
                 <a:prstDash val="solid"/>
@@ -17647,7 +19285,7 @@
               <a:defRPr/>
             </a:pPr>
             <a:r>
-              <a:rPr lang="sk-SK" sz="2000" kern="0" smtClean="0">
+              <a:rPr lang="sk-SK" sz="2000" kern="0" dirty="0" smtClean="0">
                 <a:ln w="18415" cmpd="sng">
                   <a:noFill/>
                   <a:prstDash val="solid"/>
@@ -17678,7 +19316,7 @@
               <a:defRPr/>
             </a:pPr>
             <a:r>
-              <a:rPr lang="sk-SK" sz="2000" kern="0" smtClean="0">
+              <a:rPr lang="sk-SK" sz="2000" kern="0" dirty="0" smtClean="0">
                 <a:ln w="18415" cmpd="sng">
                   <a:noFill/>
                   <a:prstDash val="solid"/>
@@ -17709,7 +19347,7 @@
               <a:defRPr/>
             </a:pPr>
             <a:r>
-              <a:rPr lang="sk-SK" sz="2000" kern="0" smtClean="0">
+              <a:rPr lang="sk-SK" sz="2000" kern="0" dirty="0" smtClean="0">
                 <a:ln w="18415" cmpd="sng">
                   <a:noFill/>
                   <a:prstDash val="solid"/>
@@ -17740,7 +19378,7 @@
               <a:defRPr/>
             </a:pPr>
             <a:r>
-              <a:rPr lang="sk-SK" sz="2000" kern="0" smtClean="0">
+              <a:rPr lang="sk-SK" sz="2000" kern="0" dirty="0" smtClean="0">
                 <a:ln w="18415" cmpd="sng">
                   <a:noFill/>
                   <a:prstDash val="solid"/>
@@ -17758,49 +19396,7 @@
                 <a:latin typeface="Times New Roman" pitchFamily="18" charset="0"/>
                 <a:cs typeface="Times New Roman" pitchFamily="18" charset="0"/>
               </a:rPr>
-              <a:t> Prenesenie </a:t>
-            </a:r>
-            <a:r>
-              <a:rPr lang="sk-SK" sz="2000" kern="0" smtClean="0">
-                <a:ln w="18415" cmpd="sng">
-                  <a:noFill/>
-                  <a:prstDash val="solid"/>
-                </a:ln>
-                <a:solidFill>
-                  <a:srgbClr val="FFFFFF"/>
-                </a:solidFill>
-                <a:effectLst>
-                  <a:outerShdw blurRad="50800" dist="38100" dir="2700000" algn="tl" rotWithShape="0">
-                    <a:prstClr val="black">
-                      <a:alpha val="40000"/>
-                    </a:prstClr>
-                  </a:outerShdw>
-                </a:effectLst>
-                <a:latin typeface="Times New Roman" pitchFamily="18" charset="0"/>
-                <a:cs typeface="Times New Roman" pitchFamily="18" charset="0"/>
-              </a:rPr>
-              <a:t>spracovania </a:t>
-            </a:r>
-            <a:r>
-              <a:rPr lang="sk-SK" sz="2000" kern="0" smtClean="0">
-                <a:ln w="18415" cmpd="sng">
-                  <a:noFill/>
-                  <a:prstDash val="solid"/>
-                </a:ln>
-                <a:solidFill>
-                  <a:srgbClr val="FFFFFF"/>
-                </a:solidFill>
-                <a:effectLst>
-                  <a:outerShdw blurRad="50800" dist="38100" dir="2700000" algn="tl" rotWithShape="0">
-                    <a:prstClr val="black">
-                      <a:alpha val="40000"/>
-                    </a:prstClr>
-                  </a:outerShdw>
-                </a:effectLst>
-                <a:latin typeface="Times New Roman" pitchFamily="18" charset="0"/>
-                <a:cs typeface="Times New Roman" pitchFamily="18" charset="0"/>
-              </a:rPr>
-              <a:t>AST stromu na stranu LUA</a:t>
+              <a:t> Prenesenie spracovania AST stromu na stranu LUA</a:t>
             </a:r>
           </a:p>
           <a:p>
@@ -17813,7 +19409,7 @@
               <a:defRPr/>
             </a:pPr>
             <a:r>
-              <a:rPr lang="sk-SK" sz="2000" kern="0" smtClean="0">
+              <a:rPr lang="sk-SK" sz="2000" kern="0" dirty="0" smtClean="0">
                 <a:ln w="18415" cmpd="sng">
                   <a:noFill/>
                   <a:prstDash val="solid"/>
@@ -17831,7 +19427,133 @@
                 <a:latin typeface="Times New Roman" pitchFamily="18" charset="0"/>
                 <a:cs typeface="Times New Roman" pitchFamily="18" charset="0"/>
               </a:rPr>
-              <a:t> Zabudovanie pokročilej práce s textom – Undo, Redo, Copy/Paste</a:t>
+              <a:t> Zabudovanie pokročilej práce s textom – </a:t>
+            </a:r>
+            <a:r>
+              <a:rPr lang="sk-SK" sz="2000" kern="0" dirty="0" err="1" smtClean="0">
+                <a:ln w="18415" cmpd="sng">
+                  <a:noFill/>
+                  <a:prstDash val="solid"/>
+                </a:ln>
+                <a:solidFill>
+                  <a:srgbClr val="FFFFFF"/>
+                </a:solidFill>
+                <a:effectLst>
+                  <a:outerShdw blurRad="50800" dist="38100" dir="2700000" algn="tl" rotWithShape="0">
+                    <a:prstClr val="black">
+                      <a:alpha val="40000"/>
+                    </a:prstClr>
+                  </a:outerShdw>
+                </a:effectLst>
+                <a:latin typeface="Times New Roman" pitchFamily="18" charset="0"/>
+                <a:cs typeface="Times New Roman" pitchFamily="18" charset="0"/>
+              </a:rPr>
+              <a:t>Undo</a:t>
+            </a:r>
+            <a:r>
+              <a:rPr lang="sk-SK" sz="2000" kern="0" dirty="0" smtClean="0">
+                <a:ln w="18415" cmpd="sng">
+                  <a:noFill/>
+                  <a:prstDash val="solid"/>
+                </a:ln>
+                <a:solidFill>
+                  <a:srgbClr val="FFFFFF"/>
+                </a:solidFill>
+                <a:effectLst>
+                  <a:outerShdw blurRad="50800" dist="38100" dir="2700000" algn="tl" rotWithShape="0">
+                    <a:prstClr val="black">
+                      <a:alpha val="40000"/>
+                    </a:prstClr>
+                  </a:outerShdw>
+                </a:effectLst>
+                <a:latin typeface="Times New Roman" pitchFamily="18" charset="0"/>
+                <a:cs typeface="Times New Roman" pitchFamily="18" charset="0"/>
+              </a:rPr>
+              <a:t>, </a:t>
+            </a:r>
+            <a:r>
+              <a:rPr lang="sk-SK" sz="2000" kern="0" dirty="0" err="1" smtClean="0">
+                <a:ln w="18415" cmpd="sng">
+                  <a:noFill/>
+                  <a:prstDash val="solid"/>
+                </a:ln>
+                <a:solidFill>
+                  <a:srgbClr val="FFFFFF"/>
+                </a:solidFill>
+                <a:effectLst>
+                  <a:outerShdw blurRad="50800" dist="38100" dir="2700000" algn="tl" rotWithShape="0">
+                    <a:prstClr val="black">
+                      <a:alpha val="40000"/>
+                    </a:prstClr>
+                  </a:outerShdw>
+                </a:effectLst>
+                <a:latin typeface="Times New Roman" pitchFamily="18" charset="0"/>
+                <a:cs typeface="Times New Roman" pitchFamily="18" charset="0"/>
+              </a:rPr>
+              <a:t>Redo</a:t>
+            </a:r>
+            <a:r>
+              <a:rPr lang="sk-SK" sz="2000" kern="0" dirty="0" smtClean="0">
+                <a:ln w="18415" cmpd="sng">
+                  <a:noFill/>
+                  <a:prstDash val="solid"/>
+                </a:ln>
+                <a:solidFill>
+                  <a:srgbClr val="FFFFFF"/>
+                </a:solidFill>
+                <a:effectLst>
+                  <a:outerShdw blurRad="50800" dist="38100" dir="2700000" algn="tl" rotWithShape="0">
+                    <a:prstClr val="black">
+                      <a:alpha val="40000"/>
+                    </a:prstClr>
+                  </a:outerShdw>
+                </a:effectLst>
+                <a:latin typeface="Times New Roman" pitchFamily="18" charset="0"/>
+                <a:cs typeface="Times New Roman" pitchFamily="18" charset="0"/>
+              </a:rPr>
+              <a:t>, </a:t>
+            </a:r>
+            <a:r>
+              <a:rPr lang="sk-SK" sz="2000" kern="0" dirty="0" err="1" smtClean="0">
+                <a:ln w="18415" cmpd="sng">
+                  <a:noFill/>
+                  <a:prstDash val="solid"/>
+                </a:ln>
+                <a:solidFill>
+                  <a:srgbClr val="FFFFFF"/>
+                </a:solidFill>
+                <a:effectLst>
+                  <a:outerShdw blurRad="50800" dist="38100" dir="2700000" algn="tl" rotWithShape="0">
+                    <a:prstClr val="black">
+                      <a:alpha val="40000"/>
+                    </a:prstClr>
+                  </a:outerShdw>
+                </a:effectLst>
+                <a:latin typeface="Times New Roman" pitchFamily="18" charset="0"/>
+                <a:cs typeface="Times New Roman" pitchFamily="18" charset="0"/>
+              </a:rPr>
+              <a:t>Copy</a:t>
+            </a:r>
+            <a:r>
+              <a:rPr lang="sk-SK" sz="2000" kern="0" dirty="0" smtClean="0">
+                <a:ln w="18415" cmpd="sng">
+                  <a:noFill/>
+                  <a:prstDash val="solid"/>
+                </a:ln>
+                <a:solidFill>
+                  <a:srgbClr val="FFFFFF"/>
+                </a:solidFill>
+                <a:effectLst>
+                  <a:outerShdw blurRad="50800" dist="38100" dir="2700000" algn="tl" rotWithShape="0">
+                    <a:prstClr val="black">
+                      <a:alpha val="40000"/>
+                    </a:prstClr>
+                  </a:outerShdw>
+                </a:effectLst>
+                <a:latin typeface="Times New Roman" pitchFamily="18" charset="0"/>
+                <a:cs typeface="Times New Roman" pitchFamily="18" charset="0"/>
+              </a:rPr>
+              <a:t>/Paste</a:t>
             </a:r>
           </a:p>
           <a:p>
@@ -17844,7 +19566,7 @@
               <a:defRPr/>
             </a:pPr>
             <a:r>
-              <a:rPr lang="sk-SK" sz="2000" kern="0" smtClean="0">
+              <a:rPr lang="sk-SK" sz="2000" kern="0" dirty="0" smtClean="0">
                 <a:ln w="18415" cmpd="sng">
                   <a:noFill/>
                   <a:prstDash val="solid"/>
@@ -17862,10 +19584,10 @@
                 <a:latin typeface="Times New Roman" pitchFamily="18" charset="0"/>
                 <a:cs typeface="Times New Roman" pitchFamily="18" charset="0"/>
               </a:rPr>
-              <a:t> </a:t>
-            </a:r>
-            <a:r>
-              <a:rPr lang="sk-SK" sz="2000" kern="0" smtClean="0">
+              <a:t> Zabudovanie a vytvorenie vlastných </a:t>
+            </a:r>
+            <a:r>
+              <a:rPr lang="sk-SK" sz="2000" kern="0" dirty="0" err="1" smtClean="0">
                 <a:ln w="18415" cmpd="sng">
                   <a:noFill/>
                   <a:prstDash val="solid"/>
@@ -17883,30 +19605,9 @@
                 <a:latin typeface="Times New Roman" pitchFamily="18" charset="0"/>
                 <a:cs typeface="Times New Roman" pitchFamily="18" charset="0"/>
               </a:rPr>
-              <a:t>Zabudovanie a vytvorenie vlastných </a:t>
-            </a:r>
-            <a:r>
-              <a:rPr lang="sk-SK" sz="2000" kern="0" smtClean="0">
-                <a:ln w="18415" cmpd="sng">
-                  <a:noFill/>
-                  <a:prstDash val="solid"/>
-                </a:ln>
-                <a:solidFill>
-                  <a:srgbClr val="FFFFFF"/>
-                </a:solidFill>
-                <a:effectLst>
-                  <a:outerShdw blurRad="50800" dist="38100" dir="2700000" algn="tl" rotWithShape="0">
-                    <a:prstClr val="black">
-                      <a:alpha val="40000"/>
-                    </a:prstClr>
-                  </a:outerShdw>
-                </a:effectLst>
-                <a:latin typeface="Times New Roman" pitchFamily="18" charset="0"/>
-                <a:cs typeface="Times New Roman" pitchFamily="18" charset="0"/>
-              </a:rPr>
               <a:t>Shortcuts</a:t>
             </a:r>
-            <a:endParaRPr lang="pl-PL" sz="2000" kern="0" smtClean="0">
+            <a:endParaRPr lang="pl-PL" sz="2000" kern="0" dirty="0" smtClean="0">
               <a:ln w="18415" cmpd="sng">
                 <a:noFill/>
                 <a:prstDash val="solid"/>
@@ -18709,28 +20410,7 @@
                 <a:latin typeface="Times New Roman" pitchFamily="18" charset="0"/>
                 <a:cs typeface="Times New Roman" pitchFamily="18" charset="0"/>
               </a:rPr>
-              <a:t> </a:t>
-            </a:r>
-            <a:r>
-              <a:rPr lang="pl-PL" sz="2000" kern="0" smtClean="0">
-                <a:ln w="18415" cmpd="sng">
-                  <a:noFill/>
-                  <a:prstDash val="solid"/>
-                </a:ln>
-                <a:solidFill>
-                  <a:srgbClr val="FFFFFF"/>
-                </a:solidFill>
-                <a:effectLst>
-                  <a:outerShdw blurRad="50800" dist="38100" dir="2700000" algn="tl" rotWithShape="0">
-                    <a:prstClr val="black">
-                      <a:alpha val="40000"/>
-                    </a:prstClr>
-                  </a:outerShdw>
-                </a:effectLst>
-                <a:latin typeface="Times New Roman" pitchFamily="18" charset="0"/>
-                <a:cs typeface="Times New Roman" pitchFamily="18" charset="0"/>
-              </a:rPr>
-              <a:t>Modulárnosť</a:t>
+              <a:t> Modulárnosť</a:t>
             </a:r>
           </a:p>
           <a:p>
@@ -18761,49 +20441,7 @@
                 <a:latin typeface="Times New Roman" pitchFamily="18" charset="0"/>
                 <a:cs typeface="Times New Roman" pitchFamily="18" charset="0"/>
               </a:rPr>
-              <a:t> Poskytnúť možnosti </a:t>
-            </a:r>
-            <a:r>
-              <a:rPr lang="sk-SK" sz="2000" kern="0" smtClean="0">
-                <a:ln w="18415" cmpd="sng">
-                  <a:noFill/>
-                  <a:prstDash val="solid"/>
-                </a:ln>
-                <a:solidFill>
-                  <a:srgbClr val="FFFFFF"/>
-                </a:solidFill>
-                <a:effectLst>
-                  <a:outerShdw blurRad="50800" dist="38100" dir="2700000" algn="tl" rotWithShape="0">
-                    <a:prstClr val="black">
-                      <a:alpha val="40000"/>
-                    </a:prstClr>
-                  </a:outerShdw>
-                </a:effectLst>
-                <a:latin typeface="Times New Roman" pitchFamily="18" charset="0"/>
-                <a:cs typeface="Times New Roman" pitchFamily="18" charset="0"/>
-              </a:rPr>
-              <a:t>konfigurácie </a:t>
-            </a:r>
-            <a:r>
-              <a:rPr lang="sk-SK" sz="2000" kern="0" smtClean="0">
-                <a:ln w="18415" cmpd="sng">
-                  <a:noFill/>
-                  <a:prstDash val="solid"/>
-                </a:ln>
-                <a:solidFill>
-                  <a:srgbClr val="FFFFFF"/>
-                </a:solidFill>
-                <a:effectLst>
-                  <a:outerShdw blurRad="50800" dist="38100" dir="2700000" algn="tl" rotWithShape="0">
-                    <a:prstClr val="black">
-                      <a:alpha val="40000"/>
-                    </a:prstClr>
-                  </a:outerShdw>
-                </a:effectLst>
-                <a:latin typeface="Times New Roman" pitchFamily="18" charset="0"/>
-                <a:cs typeface="Times New Roman" pitchFamily="18" charset="0"/>
-              </a:rPr>
-              <a:t>editora</a:t>
+              <a:t> Poskytnúť možnosti konfigurácie editora</a:t>
             </a:r>
             <a:endParaRPr lang="pl-PL" sz="2000" kern="0" smtClean="0">
               <a:ln w="18415" cmpd="sng">

--- a/Dokumentacie/Ostatne/Innovators.pptx
+++ b/Dokumentacie/Ostatne/Innovators.pptx
@@ -5,7 +5,7 @@
     <p:sldMasterId id="2147483648" r:id="rId1"/>
   </p:sldMasterIdLst>
   <p:notesMasterIdLst>
-    <p:notesMasterId r:id="rId18"/>
+    <p:notesMasterId r:id="rId19"/>
   </p:notesMasterIdLst>
   <p:sldIdLst>
     <p:sldId id="270" r:id="rId2"/>
@@ -18,12 +18,13 @@
     <p:sldId id="279" r:id="rId9"/>
     <p:sldId id="283" r:id="rId10"/>
     <p:sldId id="278" r:id="rId11"/>
-    <p:sldId id="281" r:id="rId12"/>
-    <p:sldId id="284" r:id="rId13"/>
-    <p:sldId id="280" r:id="rId14"/>
-    <p:sldId id="282" r:id="rId15"/>
-    <p:sldId id="260" r:id="rId16"/>
-    <p:sldId id="271" r:id="rId17"/>
+    <p:sldId id="284" r:id="rId12"/>
+    <p:sldId id="287" r:id="rId13"/>
+    <p:sldId id="281" r:id="rId14"/>
+    <p:sldId id="280" r:id="rId15"/>
+    <p:sldId id="282" r:id="rId16"/>
+    <p:sldId id="260" r:id="rId17"/>
+    <p:sldId id="271" r:id="rId18"/>
   </p:sldIdLst>
   <p:sldSz cx="9144000" cy="5715000" type="screen16x10"/>
   <p:notesSz cx="6858000" cy="9144000"/>
@@ -379,7 +380,7 @@
     </p:spTree>
     <p:extLst>
       <p:ext uri="{BB962C8B-B14F-4D97-AF65-F5344CB8AC3E}">
-        <p14:creationId xmlns:p14="http://schemas.microsoft.com/office/powerpoint/2010/main" xmlns="" val="4100813840"/>
+        <p14:creationId xmlns="" xmlns:p14="http://schemas.microsoft.com/office/powerpoint/2010/main" val="4100813840"/>
       </p:ext>
     </p:extLst>
   </p:cSld>
@@ -729,6 +730,14 @@
           </a:bodyPr>
           <a:lstStyle/>
           <a:p>
+            <a:r>
+              <a:rPr lang="sk-SK" smtClean="0"/>
+              <a:t>Schopný analyzovať akúkoľvek</a:t>
+            </a:r>
+            <a:r>
+              <a:rPr lang="sk-SK" baseline="0" smtClean="0"/>
+              <a:t> gramatiku, pokiaľ má dodanú jej štruktúru</a:t>
+            </a:r>
             <a:endParaRPr lang="sk-SK" dirty="0"/>
           </a:p>
         </p:txBody>
@@ -901,66 +910,6 @@
           </a:bodyPr>
           <a:lstStyle/>
           <a:p>
-            <a:pPr>
-              <a:lnSpc>
-                <a:spcPct val="150000"/>
-              </a:lnSpc>
-              <a:buFont typeface="Arial" pitchFamily="34" charset="0"/>
-              <a:buNone/>
-              <a:defRPr/>
-            </a:pPr>
-            <a:r>
-              <a:rPr lang="sk-SK" sz="2000" kern="0" smtClean="0">
-                <a:ln w="18415" cmpd="sng">
-                  <a:noFill/>
-                  <a:prstDash val="solid"/>
-                </a:ln>
-                <a:solidFill>
-                  <a:srgbClr val="FFFFFF"/>
-                </a:solidFill>
-                <a:effectLst>
-                  <a:outerShdw blurRad="50800" dist="38100" dir="2700000" algn="tl" rotWithShape="0">
-                    <a:prstClr val="black">
-                      <a:alpha val="40000"/>
-                    </a:prstClr>
-                  </a:outerShdw>
-                </a:effectLst>
-                <a:latin typeface="Times New Roman" pitchFamily="18" charset="0"/>
-                <a:cs typeface="Times New Roman" pitchFamily="18" charset="0"/>
-              </a:rPr>
-              <a:t>Shortcuts - prípava pre ich konfigurovateľnosť</a:t>
-            </a:r>
-          </a:p>
-          <a:p>
-            <a:pPr>
-              <a:lnSpc>
-                <a:spcPct val="150000"/>
-              </a:lnSpc>
-              <a:buFont typeface="Arial" pitchFamily="34" charset="0"/>
-              <a:buNone/>
-              <a:defRPr/>
-            </a:pPr>
-            <a:r>
-              <a:rPr lang="sk-SK" sz="2000" kern="0" smtClean="0">
-                <a:ln w="18415" cmpd="sng">
-                  <a:noFill/>
-                  <a:prstDash val="solid"/>
-                </a:ln>
-                <a:solidFill>
-                  <a:srgbClr val="FFFFFF"/>
-                </a:solidFill>
-                <a:effectLst>
-                  <a:outerShdw blurRad="50800" dist="38100" dir="2700000" algn="tl" rotWithShape="0">
-                    <a:prstClr val="black">
-                      <a:alpha val="40000"/>
-                    </a:prstClr>
-                  </a:outerShdw>
-                </a:effectLst>
-                <a:latin typeface="Times New Roman" pitchFamily="18" charset="0"/>
-                <a:cs typeface="Times New Roman" pitchFamily="18" charset="0"/>
-              </a:rPr>
-              <a:t>Paralelizmus je na ceste</a:t>
-            </a:r>
             <a:endParaRPr lang="sk-SK" dirty="0"/>
           </a:p>
         </p:txBody>
@@ -1043,6 +992,66 @@
           </a:bodyPr>
           <a:lstStyle/>
           <a:p>
+            <a:pPr>
+              <a:lnSpc>
+                <a:spcPct val="150000"/>
+              </a:lnSpc>
+              <a:buFont typeface="Arial" pitchFamily="34" charset="0"/>
+              <a:buNone/>
+              <a:defRPr/>
+            </a:pPr>
+            <a:r>
+              <a:rPr lang="sk-SK" sz="2000" kern="0" smtClean="0">
+                <a:ln w="18415" cmpd="sng">
+                  <a:noFill/>
+                  <a:prstDash val="solid"/>
+                </a:ln>
+                <a:solidFill>
+                  <a:srgbClr val="FFFFFF"/>
+                </a:solidFill>
+                <a:effectLst>
+                  <a:outerShdw blurRad="50800" dist="38100" dir="2700000" algn="tl" rotWithShape="0">
+                    <a:prstClr val="black">
+                      <a:alpha val="40000"/>
+                    </a:prstClr>
+                  </a:outerShdw>
+                </a:effectLst>
+                <a:latin typeface="Times New Roman" pitchFamily="18" charset="0"/>
+                <a:cs typeface="Times New Roman" pitchFamily="18" charset="0"/>
+              </a:rPr>
+              <a:t>Shortcuts - prípava pre ich konfigurovateľnosť</a:t>
+            </a:r>
+          </a:p>
+          <a:p>
+            <a:pPr>
+              <a:lnSpc>
+                <a:spcPct val="150000"/>
+              </a:lnSpc>
+              <a:buFont typeface="Arial" pitchFamily="34" charset="0"/>
+              <a:buNone/>
+              <a:defRPr/>
+            </a:pPr>
+            <a:r>
+              <a:rPr lang="sk-SK" sz="2000" kern="0" smtClean="0">
+                <a:ln w="18415" cmpd="sng">
+                  <a:noFill/>
+                  <a:prstDash val="solid"/>
+                </a:ln>
+                <a:solidFill>
+                  <a:srgbClr val="FFFFFF"/>
+                </a:solidFill>
+                <a:effectLst>
+                  <a:outerShdw blurRad="50800" dist="38100" dir="2700000" algn="tl" rotWithShape="0">
+                    <a:prstClr val="black">
+                      <a:alpha val="40000"/>
+                    </a:prstClr>
+                  </a:outerShdw>
+                </a:effectLst>
+                <a:latin typeface="Times New Roman" pitchFamily="18" charset="0"/>
+                <a:cs typeface="Times New Roman" pitchFamily="18" charset="0"/>
+              </a:rPr>
+              <a:t>Paralelizmus je na ceste</a:t>
+            </a:r>
             <a:endParaRPr lang="sk-SK" dirty="0"/>
           </a:p>
         </p:txBody>
@@ -1125,30 +1134,6 @@
           </a:bodyPr>
           <a:lstStyle/>
           <a:p>
-            <a:r>
-              <a:rPr lang="sk-SK" dirty="0" smtClean="0"/>
-              <a:t>Možno </a:t>
-            </a:r>
-            <a:r>
-              <a:rPr lang="sk-SK" dirty="0" err="1" smtClean="0"/>
-              <a:t>nejake</a:t>
-            </a:r>
-            <a:r>
-              <a:rPr lang="sk-SK" dirty="0" smtClean="0"/>
-              <a:t> video</a:t>
-            </a:r>
-            <a:r>
-              <a:rPr lang="sk-SK" baseline="0" dirty="0" smtClean="0"/>
-              <a:t> ale lepšie by bolo </a:t>
-            </a:r>
-            <a:r>
-              <a:rPr lang="sk-SK" baseline="0" dirty="0" err="1" smtClean="0"/>
-              <a:t>ukažka</a:t>
-            </a:r>
-            <a:r>
-              <a:rPr lang="sk-SK" baseline="0" dirty="0" smtClean="0"/>
-              <a:t> programu </a:t>
-            </a:r>
             <a:endParaRPr lang="sk-SK" dirty="0"/>
           </a:p>
         </p:txBody>
@@ -1172,6 +1157,112 @@
               <a:rPr lang="sk-SK" smtClean="0"/>
               <a:pPr/>
               <a:t>15</a:t>
+            </a:fld>
+            <a:endParaRPr lang="sk-SK"/>
+          </a:p>
+        </p:txBody>
+      </p:sp>
+    </p:spTree>
+  </p:cSld>
+  <p:clrMapOvr>
+    <a:masterClrMapping/>
+  </p:clrMapOvr>
+</p:notes>
+</file>
+
+<file path=ppt/notesSlides/notesSlide16.xml><?xml version="1.0" encoding="utf-8"?>
+<p:notes xmlns:a="http://schemas.openxmlformats.org/drawingml/2006/main" xmlns:r="http://schemas.openxmlformats.org/officeDocument/2006/relationships" xmlns:p="http://schemas.openxmlformats.org/presentationml/2006/main">
+  <p:cSld>
+    <p:spTree>
+      <p:nvGrpSpPr>
+        <p:cNvPr id="1" name=""/>
+        <p:cNvGrpSpPr/>
+        <p:nvPr/>
+      </p:nvGrpSpPr>
+      <p:grpSpPr>
+        <a:xfrm>
+          <a:off x="0" y="0"/>
+          <a:ext cx="0" cy="0"/>
+          <a:chOff x="0" y="0"/>
+          <a:chExt cx="0" cy="0"/>
+        </a:xfrm>
+      </p:grpSpPr>
+      <p:sp>
+        <p:nvSpPr>
+          <p:cNvPr id="2" name="Zástupný symbol obrazu snímky 1"/>
+          <p:cNvSpPr>
+            <a:spLocks noGrp="1" noRot="1" noChangeAspect="1"/>
+          </p:cNvSpPr>
+          <p:nvPr>
+            <p:ph type="sldImg"/>
+          </p:nvPr>
+        </p:nvSpPr>
+        <p:spPr/>
+      </p:sp>
+      <p:sp>
+        <p:nvSpPr>
+          <p:cNvPr id="3" name="Zástupný symbol poznámok 2"/>
+          <p:cNvSpPr>
+            <a:spLocks noGrp="1"/>
+          </p:cNvSpPr>
+          <p:nvPr>
+            <p:ph type="body" idx="1"/>
+          </p:nvPr>
+        </p:nvSpPr>
+        <p:spPr/>
+        <p:txBody>
+          <a:bodyPr>
+            <a:normAutofit/>
+          </a:bodyPr>
+          <a:lstStyle/>
+          <a:p>
+            <a:r>
+              <a:rPr lang="sk-SK" dirty="0" smtClean="0"/>
+              <a:t>Možno </a:t>
+            </a:r>
+            <a:r>
+              <a:rPr lang="sk-SK" dirty="0" err="1" smtClean="0"/>
+              <a:t>nejake</a:t>
+            </a:r>
+            <a:r>
+              <a:rPr lang="sk-SK" dirty="0" smtClean="0"/>
+              <a:t> video</a:t>
+            </a:r>
+            <a:r>
+              <a:rPr lang="sk-SK" baseline="0" dirty="0" smtClean="0"/>
+              <a:t> ale lepšie by bolo </a:t>
+            </a:r>
+            <a:r>
+              <a:rPr lang="sk-SK" baseline="0" dirty="0" err="1" smtClean="0"/>
+              <a:t>ukažka</a:t>
+            </a:r>
+            <a:r>
+              <a:rPr lang="sk-SK" baseline="0" dirty="0" smtClean="0"/>
+              <a:t> programu </a:t>
+            </a:r>
+            <a:endParaRPr lang="sk-SK" dirty="0"/>
+          </a:p>
+        </p:txBody>
+      </p:sp>
+      <p:sp>
+        <p:nvSpPr>
+          <p:cNvPr id="4" name="Zástupný symbol čísla snímky 3"/>
+          <p:cNvSpPr>
+            <a:spLocks noGrp="1"/>
+          </p:cNvSpPr>
+          <p:nvPr>
+            <p:ph type="sldNum" sz="quarter" idx="10"/>
+          </p:nvPr>
+        </p:nvSpPr>
+        <p:spPr/>
+        <p:txBody>
+          <a:bodyPr/>
+          <a:lstStyle/>
+          <a:p>
+            <a:fld id="{7D50ED8A-6824-479D-836F-3084D76D034C}" type="slidenum">
+              <a:rPr lang="sk-SK" smtClean="0"/>
+              <a:pPr/>
+              <a:t>16</a:t>
             </a:fld>
             <a:endParaRPr lang="sk-SK"/>
           </a:p>
@@ -5270,8 +5361,8 @@
         </p:nvSpPr>
         <p:spPr bwMode="auto">
           <a:xfrm rot="5400000">
-            <a:off x="2393157" y="-1393045"/>
-            <a:ext cx="4071966" cy="8858280"/>
+            <a:off x="2357438" y="-1428764"/>
+            <a:ext cx="4143404" cy="8858280"/>
           </a:xfrm>
           <a:prstGeom prst="round2SameRect">
             <a:avLst/>
@@ -5797,38 +5888,105 @@
           </a:p>
         </p:txBody>
       </p:sp>
-      <p:pic>
-        <p:nvPicPr>
-          <p:cNvPr id="1026" name="Picture 2"/>
-          <p:cNvPicPr>
-            <a:picLocks noChangeAspect="1" noChangeArrowheads="1"/>
-          </p:cNvPicPr>
+      <p:grpSp>
+        <p:nvGrpSpPr>
+          <p:cNvPr id="10" name="Skupina 9"/>
+          <p:cNvGrpSpPr/>
           <p:nvPr/>
-        </p:nvPicPr>
-        <p:blipFill>
-          <a:blip r:embed="rId3"/>
-          <a:srcRect/>
-          <a:stretch>
-            <a:fillRect/>
-          </a:stretch>
-        </p:blipFill>
-        <p:spPr bwMode="auto">
+        </p:nvGrpSpPr>
+        <p:grpSpPr>
           <a:xfrm>
-            <a:off x="214282" y="571484"/>
-            <a:ext cx="4572032" cy="4588711"/>
+            <a:off x="142844" y="357170"/>
+            <a:ext cx="4572032" cy="4803025"/>
+            <a:chOff x="214282" y="500046"/>
+            <a:chExt cx="4572032" cy="4588711"/>
           </a:xfrm>
-          <a:prstGeom prst="rect">
-            <a:avLst/>
-          </a:prstGeom>
-          <a:noFill/>
-          <a:ln w="9525">
+        </p:grpSpPr>
+        <p:sp>
+          <p:nvSpPr>
+            <p:cNvPr id="9" name="Obdĺžnik 8"/>
+            <p:cNvSpPr/>
+            <p:nvPr/>
+          </p:nvSpPr>
+          <p:spPr>
+            <a:xfrm>
+              <a:off x="285720" y="571484"/>
+              <a:ext cx="4429156" cy="4434520"/>
+            </a:xfrm>
+            <a:prstGeom prst="rect">
+              <a:avLst/>
+            </a:prstGeom>
+            <a:solidFill>
+              <a:schemeClr val="bg1"/>
+            </a:solidFill>
+            <a:ln>
+              <a:solidFill>
+                <a:schemeClr val="bg1"/>
+              </a:solidFill>
+            </a:ln>
+          </p:spPr>
+          <p:style>
+            <a:lnRef idx="2">
+              <a:schemeClr val="accent1">
+                <a:shade val="50000"/>
+              </a:schemeClr>
+            </a:lnRef>
+            <a:fillRef idx="1">
+              <a:schemeClr val="accent1"/>
+            </a:fillRef>
+            <a:effectRef idx="0">
+              <a:schemeClr val="accent1"/>
+            </a:effectRef>
+            <a:fontRef idx="minor">
+              <a:schemeClr val="lt1"/>
+            </a:fontRef>
+          </p:style>
+          <p:txBody>
+            <a:bodyPr rtlCol="0" anchor="ctr"/>
+            <a:lstStyle/>
+            <a:p>
+              <a:pPr algn="ctr"/>
+              <a:endParaRPr lang="sk-SK">
+                <a:solidFill>
+                  <a:schemeClr val="bg1"/>
+                </a:solidFill>
+              </a:endParaRPr>
+            </a:p>
+          </p:txBody>
+        </p:sp>
+        <p:pic>
+          <p:nvPicPr>
+            <p:cNvPr id="1026" name="Picture 2"/>
+            <p:cNvPicPr>
+              <a:picLocks noChangeAspect="1" noChangeArrowheads="1"/>
+            </p:cNvPicPr>
+            <p:nvPr/>
+          </p:nvPicPr>
+          <p:blipFill>
+            <a:blip r:embed="rId3"/>
+            <a:srcRect/>
+            <a:stretch>
+              <a:fillRect/>
+            </a:stretch>
+          </p:blipFill>
+          <p:spPr bwMode="auto">
+            <a:xfrm>
+              <a:off x="214282" y="500046"/>
+              <a:ext cx="4572032" cy="4588711"/>
+            </a:xfrm>
+            <a:prstGeom prst="rect">
+              <a:avLst/>
+            </a:prstGeom>
             <a:noFill/>
-            <a:miter lim="800000"/>
-            <a:headEnd/>
-            <a:tailEnd/>
-          </a:ln>
-        </p:spPr>
-      </p:pic>
+            <a:ln w="9525">
+              <a:noFill/>
+              <a:miter lim="800000"/>
+              <a:headEnd/>
+              <a:tailEnd/>
+            </a:ln>
+          </p:spPr>
+        </p:pic>
+      </p:grpSp>
     </p:spTree>
   </p:cSld>
   <p:clrMapOvr>
@@ -6115,14 +6273,66 @@
       </p:grpSpPr>
       <p:sp>
         <p:nvSpPr>
+          <p:cNvPr id="2" name="Obdĺžnik 1"/>
+          <p:cNvSpPr/>
+          <p:nvPr/>
+        </p:nvSpPr>
+        <p:spPr>
+          <a:xfrm>
+            <a:off x="719981" y="2401937"/>
+            <a:ext cx="7056784" cy="3005760"/>
+          </a:xfrm>
+          <a:prstGeom prst="rect">
+            <a:avLst/>
+          </a:prstGeom>
+          <a:solidFill>
+            <a:schemeClr val="bg1"/>
+          </a:solidFill>
+          <a:ln>
+            <a:solidFill>
+              <a:schemeClr val="bg1"/>
+            </a:solidFill>
+          </a:ln>
+        </p:spPr>
+        <p:style>
+          <a:lnRef idx="2">
+            <a:schemeClr val="accent1">
+              <a:shade val="50000"/>
+            </a:schemeClr>
+          </a:lnRef>
+          <a:fillRef idx="1">
+            <a:schemeClr val="accent1"/>
+          </a:fillRef>
+          <a:effectRef idx="0">
+            <a:schemeClr val="accent1"/>
+          </a:effectRef>
+          <a:fontRef idx="minor">
+            <a:schemeClr val="lt1"/>
+          </a:fontRef>
+        </p:style>
+        <p:txBody>
+          <a:bodyPr rtlCol="0" anchor="ctr"/>
+          <a:lstStyle/>
+          <a:p>
+            <a:pPr algn="ctr"/>
+            <a:endParaRPr lang="sk-SK">
+              <a:solidFill>
+                <a:schemeClr val="bg1"/>
+              </a:solidFill>
+            </a:endParaRPr>
+          </a:p>
+        </p:txBody>
+      </p:sp>
+      <p:sp>
+        <p:nvSpPr>
           <p:cNvPr id="22" name="Round Same Side Corner Rectangle 15"/>
           <p:cNvSpPr/>
           <p:nvPr/>
         </p:nvSpPr>
         <p:spPr bwMode="auto">
           <a:xfrm rot="5400000">
-            <a:off x="718069" y="282043"/>
-            <a:ext cx="4071966" cy="5508104"/>
+            <a:off x="3860486" y="-2860374"/>
+            <a:ext cx="1137308" cy="8858280"/>
           </a:xfrm>
           <a:prstGeom prst="round2SameRect">
             <a:avLst/>
@@ -6198,700 +6408,6 @@
           </a:p>
         </p:txBody>
       </p:sp>
-      <p:sp>
-        <p:nvSpPr>
-          <p:cNvPr id="8" name="TextBox 2"/>
-          <p:cNvSpPr txBox="1"/>
-          <p:nvPr/>
-        </p:nvSpPr>
-        <p:spPr>
-          <a:xfrm>
-            <a:off x="3286116" y="337220"/>
-            <a:ext cx="5857884" cy="492443"/>
-          </a:xfrm>
-          <a:prstGeom prst="rect">
-            <a:avLst/>
-          </a:prstGeom>
-          <a:noFill/>
-          <a:effectLst/>
-        </p:spPr>
-        <p:txBody>
-          <a:bodyPr wrap="square" lIns="0" tIns="0" rIns="0" bIns="0" rtlCol="0">
-            <a:spAutoFit/>
-          </a:bodyPr>
-          <a:lstStyle/>
-          <a:p>
-            <a:pPr lvl="0" algn="ctr">
-              <a:defRPr/>
-            </a:pPr>
-            <a:r>
-              <a:rPr lang="sk-SK" sz="3200" b="1" kern="0" smtClean="0">
-                <a:ln w="18415" cmpd="sng">
-                  <a:noFill/>
-                  <a:prstDash val="solid"/>
-                </a:ln>
-                <a:solidFill>
-                  <a:srgbClr val="FFFFFF"/>
-                </a:solidFill>
-                <a:effectLst>
-                  <a:outerShdw blurRad="50800" dist="38100" dir="2700000" algn="tl" rotWithShape="0">
-                    <a:prstClr val="black">
-                      <a:alpha val="40000"/>
-                    </a:prstClr>
-                  </a:outerShdw>
-                </a:effectLst>
-                <a:latin typeface="Times New Roman" pitchFamily="18" charset="0"/>
-                <a:cs typeface="Times New Roman" pitchFamily="18" charset="0"/>
-              </a:rPr>
-              <a:t>Dva módy</a:t>
-            </a:r>
-            <a:endParaRPr lang="en-US" sz="3200" b="1" kern="0" dirty="0" smtClean="0">
-              <a:ln w="18415" cmpd="sng">
-                <a:noFill/>
-                <a:prstDash val="solid"/>
-              </a:ln>
-              <a:solidFill>
-                <a:srgbClr val="FFFFFF"/>
-              </a:solidFill>
-              <a:effectLst>
-                <a:outerShdw blurRad="50800" dist="38100" dir="2700000" algn="tl" rotWithShape="0">
-                  <a:prstClr val="black">
-                    <a:alpha val="40000"/>
-                  </a:prstClr>
-                </a:outerShdw>
-              </a:effectLst>
-              <a:latin typeface="Times New Roman" pitchFamily="18" charset="0"/>
-              <a:cs typeface="Times New Roman" pitchFamily="18" charset="0"/>
-            </a:endParaRPr>
-          </a:p>
-        </p:txBody>
-      </p:sp>
-      <p:sp>
-        <p:nvSpPr>
-          <p:cNvPr id="11" name="TextBox 47"/>
-          <p:cNvSpPr txBox="1"/>
-          <p:nvPr/>
-        </p:nvSpPr>
-        <p:spPr>
-          <a:xfrm>
-            <a:off x="107504" y="5399519"/>
-            <a:ext cx="2051719" cy="315481"/>
-          </a:xfrm>
-          <a:prstGeom prst="rect">
-            <a:avLst/>
-          </a:prstGeom>
-          <a:noFill/>
-          <a:effectLst>
-            <a:outerShdw blurRad="50800" dist="38100" dir="2700000" algn="tl" rotWithShape="0">
-              <a:prstClr val="black">
-                <a:alpha val="40000"/>
-              </a:prstClr>
-            </a:outerShdw>
-          </a:effectLst>
-        </p:spPr>
-        <p:txBody>
-          <a:bodyPr wrap="square" lIns="68589" tIns="34295" rIns="68589" bIns="34295" rtlCol="0">
-            <a:spAutoFit/>
-          </a:bodyPr>
-          <a:lstStyle/>
-          <a:p>
-            <a:pPr marL="0" marR="0" lvl="0" indent="0" defTabSz="914400" eaLnBrk="1" fontAlgn="base" latinLnBrk="0" hangingPunct="1">
-              <a:lnSpc>
-                <a:spcPct val="100000"/>
-              </a:lnSpc>
-              <a:spcBef>
-                <a:spcPct val="0"/>
-              </a:spcBef>
-              <a:spcAft>
-                <a:spcPct val="0"/>
-              </a:spcAft>
-              <a:buClrTx/>
-              <a:buSzTx/>
-              <a:buFontTx/>
-              <a:buNone/>
-              <a:tabLst/>
-              <a:defRPr/>
-            </a:pPr>
-            <a:r>
-              <a:rPr kumimoji="0" lang="sk-SK" sz="1600" b="0" i="1" u="none" strike="noStrike" kern="0" cap="none" spc="0" normalizeH="0" baseline="0" noProof="0" dirty="0" smtClean="0">
-                <a:ln>
-                  <a:noFill/>
-                </a:ln>
-                <a:solidFill>
-                  <a:schemeClr val="bg1">
-                    <a:lumMod val="65000"/>
-                  </a:schemeClr>
-                </a:solidFill>
-                <a:effectLst>
-                  <a:outerShdw blurRad="38100" dist="38100" dir="2700000" algn="tl">
-                    <a:srgbClr val="000000">
-                      <a:alpha val="43137"/>
-                    </a:srgbClr>
-                  </a:outerShdw>
-                </a:effectLst>
-                <a:uLnTx/>
-                <a:uFillTx/>
-                <a:latin typeface="Constantia" pitchFamily="18" charset="0"/>
-              </a:rPr>
-              <a:t>Innovators </a:t>
-            </a:r>
-            <a:r>
-              <a:rPr kumimoji="0" lang="sk-SK" sz="1200" b="0" i="1" u="none" strike="noStrike" kern="0" cap="none" spc="0" normalizeH="0" baseline="0" noProof="0" dirty="0" smtClean="0">
-                <a:ln>
-                  <a:noFill/>
-                </a:ln>
-                <a:solidFill>
-                  <a:schemeClr val="bg1">
-                    <a:lumMod val="65000"/>
-                  </a:schemeClr>
-                </a:solidFill>
-                <a:effectLst>
-                  <a:outerShdw blurRad="38100" dist="38100" dir="2700000" algn="tl">
-                    <a:srgbClr val="000000">
-                      <a:alpha val="43137"/>
-                    </a:srgbClr>
-                  </a:outerShdw>
-                </a:effectLst>
-                <a:uLnTx/>
-                <a:uFillTx/>
-                <a:latin typeface="Constantia" pitchFamily="18" charset="0"/>
-              </a:rPr>
-              <a:t>|</a:t>
-            </a:r>
-            <a:r>
-              <a:rPr kumimoji="0" lang="sk-SK" sz="1200" b="0" i="1" u="none" strike="noStrike" kern="0" cap="none" spc="0" normalizeH="0" noProof="0" dirty="0" smtClean="0">
-                <a:ln>
-                  <a:noFill/>
-                </a:ln>
-                <a:solidFill>
-                  <a:schemeClr val="bg1">
-                    <a:lumMod val="65000"/>
-                  </a:schemeClr>
-                </a:solidFill>
-                <a:effectLst>
-                  <a:outerShdw blurRad="38100" dist="38100" dir="2700000" algn="tl">
-                    <a:srgbClr val="000000">
-                      <a:alpha val="43137"/>
-                    </a:srgbClr>
-                  </a:outerShdw>
-                </a:effectLst>
-                <a:uLnTx/>
-                <a:uFillTx/>
-                <a:latin typeface="Constantia" pitchFamily="18" charset="0"/>
-              </a:rPr>
-              <a:t> </a:t>
-            </a:r>
-            <a:r>
-              <a:rPr kumimoji="0" lang="sk-SK" sz="1200" b="0" i="1" u="none" strike="noStrike" kern="0" cap="none" spc="0" normalizeH="0" baseline="0" noProof="0" dirty="0" smtClean="0">
-                <a:ln>
-                  <a:noFill/>
-                </a:ln>
-                <a:solidFill>
-                  <a:schemeClr val="bg1">
-                    <a:lumMod val="65000"/>
-                  </a:schemeClr>
-                </a:solidFill>
-                <a:effectLst>
-                  <a:outerShdw blurRad="38100" dist="38100" dir="2700000" algn="tl">
-                    <a:srgbClr val="000000">
-                      <a:alpha val="43137"/>
-                    </a:srgbClr>
-                  </a:outerShdw>
-                </a:effectLst>
-                <a:uLnTx/>
-                <a:uFillTx/>
-                <a:latin typeface="Constantia" pitchFamily="18" charset="0"/>
-              </a:rPr>
-              <a:t>tím</a:t>
-            </a:r>
-            <a:r>
-              <a:rPr kumimoji="0" lang="sk-SK" sz="1400" b="0" i="1" u="none" strike="noStrike" kern="0" cap="none" spc="0" normalizeH="0" baseline="0" noProof="0" dirty="0" smtClean="0">
-                <a:ln>
-                  <a:noFill/>
-                </a:ln>
-                <a:solidFill>
-                  <a:schemeClr val="bg1">
-                    <a:lumMod val="65000"/>
-                  </a:schemeClr>
-                </a:solidFill>
-                <a:effectLst>
-                  <a:outerShdw blurRad="38100" dist="38100" dir="2700000" algn="tl">
-                    <a:srgbClr val="000000">
-                      <a:alpha val="43137"/>
-                    </a:srgbClr>
-                  </a:outerShdw>
-                </a:effectLst>
-                <a:uLnTx/>
-                <a:uFillTx/>
-                <a:latin typeface="Constantia" pitchFamily="18" charset="0"/>
-              </a:rPr>
-              <a:t> č.10</a:t>
-            </a:r>
-            <a:endParaRPr kumimoji="0" lang="en-US" sz="1600" b="0" i="1" u="none" strike="noStrike" kern="0" cap="none" spc="0" normalizeH="0" baseline="0" noProof="0" dirty="0">
-              <a:ln>
-                <a:noFill/>
-              </a:ln>
-              <a:solidFill>
-                <a:schemeClr val="bg1">
-                  <a:lumMod val="65000"/>
-                </a:schemeClr>
-              </a:solidFill>
-              <a:effectLst>
-                <a:outerShdw blurRad="38100" dist="38100" dir="2700000" algn="tl">
-                  <a:srgbClr val="000000">
-                    <a:alpha val="43137"/>
-                  </a:srgbClr>
-                </a:outerShdw>
-              </a:effectLst>
-              <a:uLnTx/>
-              <a:uFillTx/>
-              <a:latin typeface="Constantia" pitchFamily="18" charset="0"/>
-            </a:endParaRPr>
-          </a:p>
-        </p:txBody>
-      </p:sp>
-      <p:sp>
-        <p:nvSpPr>
-          <p:cNvPr id="7" name="TextBox 2"/>
-          <p:cNvSpPr txBox="1"/>
-          <p:nvPr/>
-        </p:nvSpPr>
-        <p:spPr>
-          <a:xfrm>
-            <a:off x="247648" y="1142986"/>
-            <a:ext cx="3181344" cy="2769989"/>
-          </a:xfrm>
-          <a:prstGeom prst="rect">
-            <a:avLst/>
-          </a:prstGeom>
-          <a:noFill/>
-        </p:spPr>
-        <p:txBody>
-          <a:bodyPr wrap="square" lIns="0" tIns="0" rIns="0" bIns="0" rtlCol="0">
-            <a:spAutoFit/>
-          </a:bodyPr>
-          <a:lstStyle/>
-          <a:p>
-            <a:pPr algn="r">
-              <a:lnSpc>
-                <a:spcPct val="150000"/>
-              </a:lnSpc>
-              <a:defRPr/>
-            </a:pPr>
-            <a:endParaRPr lang="pl-PL" sz="2000" kern="0" dirty="0" smtClean="0">
-              <a:ln w="18415" cmpd="sng">
-                <a:noFill/>
-                <a:prstDash val="solid"/>
-              </a:ln>
-              <a:solidFill>
-                <a:srgbClr val="FFFFFF"/>
-              </a:solidFill>
-              <a:effectLst>
-                <a:outerShdw blurRad="50800" dist="38100" dir="2700000" algn="tl" rotWithShape="0">
-                  <a:prstClr val="black">
-                    <a:alpha val="40000"/>
-                  </a:prstClr>
-                </a:outerShdw>
-              </a:effectLst>
-              <a:latin typeface="Times New Roman" pitchFamily="18" charset="0"/>
-              <a:cs typeface="Times New Roman" pitchFamily="18" charset="0"/>
-            </a:endParaRPr>
-          </a:p>
-          <a:p>
-            <a:pPr algn="r">
-              <a:lnSpc>
-                <a:spcPct val="150000"/>
-              </a:lnSpc>
-              <a:defRPr/>
-            </a:pPr>
-            <a:endParaRPr lang="pl-PL" sz="2000" kern="0" dirty="0" smtClean="0">
-              <a:ln w="18415" cmpd="sng">
-                <a:noFill/>
-                <a:prstDash val="solid"/>
-              </a:ln>
-              <a:solidFill>
-                <a:srgbClr val="FFFFFF"/>
-              </a:solidFill>
-              <a:effectLst>
-                <a:outerShdw blurRad="50800" dist="38100" dir="2700000" algn="tl" rotWithShape="0">
-                  <a:prstClr val="black">
-                    <a:alpha val="40000"/>
-                  </a:prstClr>
-                </a:outerShdw>
-              </a:effectLst>
-              <a:latin typeface="Times New Roman" pitchFamily="18" charset="0"/>
-              <a:cs typeface="Times New Roman" pitchFamily="18" charset="0"/>
-            </a:endParaRPr>
-          </a:p>
-          <a:p>
-            <a:pPr algn="r">
-              <a:lnSpc>
-                <a:spcPct val="150000"/>
-              </a:lnSpc>
-              <a:defRPr/>
-            </a:pPr>
-            <a:r>
-              <a:rPr lang="pl-PL" sz="2000" kern="0" smtClean="0">
-                <a:ln w="18415" cmpd="sng">
-                  <a:noFill/>
-                  <a:prstDash val="solid"/>
-                </a:ln>
-                <a:solidFill>
-                  <a:srgbClr val="FFFFFF"/>
-                </a:solidFill>
-                <a:effectLst>
-                  <a:outerShdw blurRad="50800" dist="38100" dir="2700000" algn="tl" rotWithShape="0">
-                    <a:prstClr val="black">
-                      <a:alpha val="40000"/>
-                    </a:prstClr>
-                  </a:outerShdw>
-                </a:effectLst>
-                <a:latin typeface="Times New Roman" pitchFamily="18" charset="0"/>
-                <a:cs typeface="Times New Roman" pitchFamily="18" charset="0"/>
-              </a:rPr>
-              <a:t> </a:t>
-            </a:r>
-            <a:r>
-              <a:rPr lang="en-US" sz="2000" kern="0" dirty="0" smtClean="0">
-                <a:ln w="18415" cmpd="sng">
-                  <a:noFill/>
-                  <a:prstDash val="solid"/>
-                </a:ln>
-                <a:solidFill>
-                  <a:srgbClr val="FFFFFF"/>
-                </a:solidFill>
-                <a:effectLst>
-                  <a:outerShdw blurRad="50800" dist="38100" dir="2700000" algn="tl" rotWithShape="0">
-                    <a:prstClr val="black">
-                      <a:alpha val="40000"/>
-                    </a:prstClr>
-                  </a:outerShdw>
-                </a:effectLst>
-                <a:latin typeface="Times New Roman" pitchFamily="18" charset="0"/>
-                <a:cs typeface="Times New Roman" pitchFamily="18" charset="0"/>
-              </a:rPr>
-              <a:t>Blok</a:t>
-            </a:r>
-            <a:r>
-              <a:rPr lang="pl-PL" sz="2000" kern="0" dirty="0" smtClean="0">
-                <a:ln w="18415" cmpd="sng">
-                  <a:noFill/>
-                  <a:prstDash val="solid"/>
-                </a:ln>
-                <a:solidFill>
-                  <a:srgbClr val="FFFFFF"/>
-                </a:solidFill>
-                <a:effectLst>
-                  <a:outerShdw blurRad="50800" dist="38100" dir="2700000" algn="tl" rotWithShape="0">
-                    <a:prstClr val="black">
-                      <a:alpha val="40000"/>
-                    </a:prstClr>
-                  </a:outerShdw>
-                </a:effectLst>
-                <a:latin typeface="Times New Roman" pitchFamily="18" charset="0"/>
-                <a:cs typeface="Times New Roman" pitchFamily="18" charset="0"/>
-              </a:rPr>
-              <a:t> </a:t>
-            </a:r>
-            <a:r>
-              <a:rPr lang="en-US" sz="2000" kern="0" dirty="0" smtClean="0">
-                <a:ln w="18415" cmpd="sng">
-                  <a:noFill/>
-                  <a:prstDash val="solid"/>
-                </a:ln>
-                <a:solidFill>
-                  <a:srgbClr val="FFFFFF"/>
-                </a:solidFill>
-                <a:effectLst>
-                  <a:outerShdw blurRad="50800" dist="38100" dir="2700000" algn="tl" rotWithShape="0">
-                    <a:prstClr val="black">
-                      <a:alpha val="40000"/>
-                    </a:prstClr>
-                  </a:outerShdw>
-                </a:effectLst>
-                <a:latin typeface="Times New Roman" pitchFamily="18" charset="0"/>
-                <a:cs typeface="Times New Roman" pitchFamily="18" charset="0"/>
-              </a:rPr>
-              <a:t>s</a:t>
-            </a:r>
-            <a:r>
-              <a:rPr lang="pl-PL" sz="2000" kern="0" dirty="0" smtClean="0">
-                <a:ln w="18415" cmpd="sng">
-                  <a:noFill/>
-                  <a:prstDash val="solid"/>
-                </a:ln>
-                <a:solidFill>
-                  <a:srgbClr val="FFFFFF"/>
-                </a:solidFill>
-                <a:effectLst>
-                  <a:outerShdw blurRad="50800" dist="38100" dir="2700000" algn="tl" rotWithShape="0">
-                    <a:prstClr val="black">
-                      <a:alpha val="40000"/>
-                    </a:prstClr>
-                  </a:outerShdw>
-                </a:effectLst>
-                <a:latin typeface="Times New Roman" pitchFamily="18" charset="0"/>
-                <a:cs typeface="Times New Roman" pitchFamily="18" charset="0"/>
-              </a:rPr>
-              <a:t> grafickymi prvkami </a:t>
-            </a:r>
-            <a:r>
-              <a:rPr lang="pl-PL" sz="2000" kern="0" dirty="0" smtClean="0">
-                <a:ln w="18415" cmpd="sng">
-                  <a:noFill/>
-                  <a:prstDash val="solid"/>
-                </a:ln>
-                <a:solidFill>
-                  <a:srgbClr val="FFFFFF"/>
-                </a:solidFill>
-                <a:effectLst>
-                  <a:outerShdw blurRad="50800" dist="38100" dir="2700000" algn="tl" rotWithShape="0">
-                    <a:prstClr val="black">
-                      <a:alpha val="40000"/>
-                    </a:prstClr>
-                  </a:outerShdw>
-                </a:effectLst>
-                <a:latin typeface="Times New Roman" pitchFamily="18" charset="0"/>
-                <a:cs typeface="Times New Roman" pitchFamily="18" charset="0"/>
-                <a:sym typeface="Wingdings" pitchFamily="2" charset="2"/>
-              </a:rPr>
-              <a:t> </a:t>
-            </a:r>
-            <a:r>
-              <a:rPr lang="pl-PL" sz="2000" kern="0" dirty="0" smtClean="0">
-                <a:ln w="18415" cmpd="sng">
-                  <a:noFill/>
-                  <a:prstDash val="solid"/>
-                </a:ln>
-                <a:solidFill>
-                  <a:srgbClr val="FFFFFF"/>
-                </a:solidFill>
-                <a:effectLst>
-                  <a:outerShdw blurRad="50800" dist="38100" dir="2700000" algn="tl" rotWithShape="0">
-                    <a:prstClr val="black">
-                      <a:alpha val="40000"/>
-                    </a:prstClr>
-                  </a:outerShdw>
-                </a:effectLst>
-                <a:latin typeface="Times New Roman" pitchFamily="18" charset="0"/>
-                <a:cs typeface="Times New Roman" pitchFamily="18" charset="0"/>
-              </a:rPr>
-              <a:t> </a:t>
-            </a:r>
-            <a:endParaRPr lang="en-US" sz="2000" kern="0" dirty="0" smtClean="0">
-              <a:ln w="18415" cmpd="sng">
-                <a:noFill/>
-                <a:prstDash val="solid"/>
-              </a:ln>
-              <a:solidFill>
-                <a:srgbClr val="FFFFFF"/>
-              </a:solidFill>
-              <a:effectLst>
-                <a:outerShdw blurRad="50800" dist="38100" dir="2700000" algn="tl" rotWithShape="0">
-                  <a:prstClr val="black">
-                    <a:alpha val="40000"/>
-                  </a:prstClr>
-                </a:outerShdw>
-              </a:effectLst>
-              <a:latin typeface="Times New Roman" pitchFamily="18" charset="0"/>
-              <a:cs typeface="Times New Roman" pitchFamily="18" charset="0"/>
-            </a:endParaRPr>
-          </a:p>
-          <a:p>
-            <a:pPr algn="r">
-              <a:lnSpc>
-                <a:spcPct val="150000"/>
-              </a:lnSpc>
-              <a:defRPr/>
-            </a:pPr>
-            <a:endParaRPr lang="en-US" sz="2000" kern="0" smtClean="0">
-              <a:ln w="18415" cmpd="sng">
-                <a:noFill/>
-                <a:prstDash val="solid"/>
-              </a:ln>
-              <a:solidFill>
-                <a:srgbClr val="FFFFFF"/>
-              </a:solidFill>
-              <a:effectLst>
-                <a:outerShdw blurRad="50800" dist="38100" dir="2700000" algn="tl" rotWithShape="0">
-                  <a:prstClr val="black">
-                    <a:alpha val="40000"/>
-                  </a:prstClr>
-                </a:outerShdw>
-              </a:effectLst>
-              <a:latin typeface="Times New Roman" pitchFamily="18" charset="0"/>
-              <a:cs typeface="Times New Roman" pitchFamily="18" charset="0"/>
-            </a:endParaRPr>
-          </a:p>
-          <a:p>
-            <a:pPr algn="r">
-              <a:lnSpc>
-                <a:spcPct val="150000"/>
-              </a:lnSpc>
-              <a:defRPr/>
-            </a:pPr>
-            <a:endParaRPr lang="en-US" sz="2000" kern="0" dirty="0">
-              <a:ln w="18415" cmpd="sng">
-                <a:noFill/>
-                <a:prstDash val="solid"/>
-              </a:ln>
-              <a:solidFill>
-                <a:srgbClr val="FFFFFF"/>
-              </a:solidFill>
-              <a:effectLst>
-                <a:outerShdw blurRad="50800" dist="38100" dir="2700000" algn="tl" rotWithShape="0">
-                  <a:prstClr val="black">
-                    <a:alpha val="40000"/>
-                  </a:prstClr>
-                </a:outerShdw>
-              </a:effectLst>
-              <a:latin typeface="Times New Roman" pitchFamily="18" charset="0"/>
-              <a:cs typeface="Times New Roman" pitchFamily="18" charset="0"/>
-            </a:endParaRPr>
-          </a:p>
-          <a:p>
-            <a:pPr algn="r">
-              <a:lnSpc>
-                <a:spcPct val="150000"/>
-              </a:lnSpc>
-              <a:defRPr/>
-            </a:pPr>
-            <a:r>
-              <a:rPr lang="en-US" sz="2000" kern="0" smtClean="0">
-                <a:ln w="18415" cmpd="sng">
-                  <a:noFill/>
-                  <a:prstDash val="solid"/>
-                </a:ln>
-                <a:solidFill>
-                  <a:srgbClr val="FFFFFF"/>
-                </a:solidFill>
-                <a:effectLst>
-                  <a:outerShdw blurRad="50800" dist="38100" dir="2700000" algn="tl" rotWithShape="0">
-                    <a:prstClr val="black">
-                      <a:alpha val="40000"/>
-                    </a:prstClr>
-                  </a:outerShdw>
-                </a:effectLst>
-                <a:latin typeface="Times New Roman" pitchFamily="18" charset="0"/>
-                <a:cs typeface="Times New Roman" pitchFamily="18" charset="0"/>
-              </a:rPr>
-              <a:t>Textov</a:t>
-            </a:r>
-            <a:r>
-              <a:rPr lang="sk-SK" sz="2000" kern="0" dirty="0" smtClean="0">
-                <a:ln w="18415" cmpd="sng">
-                  <a:noFill/>
-                  <a:prstDash val="solid"/>
-                </a:ln>
-                <a:solidFill>
-                  <a:srgbClr val="FFFFFF"/>
-                </a:solidFill>
-                <a:effectLst>
-                  <a:outerShdw blurRad="50800" dist="38100" dir="2700000" algn="tl" rotWithShape="0">
-                    <a:prstClr val="black">
-                      <a:alpha val="40000"/>
-                    </a:prstClr>
-                  </a:outerShdw>
-                </a:effectLst>
-                <a:latin typeface="Times New Roman" pitchFamily="18" charset="0"/>
-                <a:cs typeface="Times New Roman" pitchFamily="18" charset="0"/>
-              </a:rPr>
-              <a:t>ý blok</a:t>
-            </a:r>
-            <a:r>
-              <a:rPr lang="pl-PL" sz="2000" kern="0" dirty="0" smtClean="0">
-                <a:ln w="18415" cmpd="sng">
-                  <a:noFill/>
-                  <a:prstDash val="solid"/>
-                </a:ln>
-                <a:solidFill>
-                  <a:srgbClr val="FFFFFF"/>
-                </a:solidFill>
-                <a:effectLst>
-                  <a:outerShdw blurRad="50800" dist="38100" dir="2700000" algn="tl" rotWithShape="0">
-                    <a:prstClr val="black">
-                      <a:alpha val="40000"/>
-                    </a:prstClr>
-                  </a:outerShdw>
-                </a:effectLst>
-                <a:latin typeface="Times New Roman" pitchFamily="18" charset="0"/>
-                <a:cs typeface="Times New Roman" pitchFamily="18" charset="0"/>
-              </a:rPr>
-              <a:t> </a:t>
-            </a:r>
-            <a:r>
-              <a:rPr lang="pl-PL" sz="2000" kern="0" dirty="0">
-                <a:ln w="18415" cmpd="sng">
-                  <a:noFill/>
-                  <a:prstDash val="solid"/>
-                </a:ln>
-                <a:solidFill>
-                  <a:srgbClr val="FFFFFF"/>
-                </a:solidFill>
-                <a:effectLst>
-                  <a:outerShdw blurRad="50800" dist="38100" dir="2700000" algn="tl" rotWithShape="0">
-                    <a:prstClr val="black">
-                      <a:alpha val="40000"/>
-                    </a:prstClr>
-                  </a:outerShdw>
-                </a:effectLst>
-                <a:latin typeface="Times New Roman" pitchFamily="18" charset="0"/>
-                <a:cs typeface="Times New Roman" pitchFamily="18" charset="0"/>
-                <a:sym typeface="Wingdings" pitchFamily="2" charset="2"/>
-              </a:rPr>
-              <a:t></a:t>
-            </a:r>
-            <a:endParaRPr lang="pl-PL" sz="2000" kern="0" dirty="0" smtClean="0">
-              <a:ln w="18415" cmpd="sng">
-                <a:noFill/>
-                <a:prstDash val="solid"/>
-              </a:ln>
-              <a:solidFill>
-                <a:srgbClr val="FFFFFF"/>
-              </a:solidFill>
-              <a:effectLst>
-                <a:outerShdw blurRad="50800" dist="38100" dir="2700000" algn="tl" rotWithShape="0">
-                  <a:prstClr val="black">
-                    <a:alpha val="40000"/>
-                  </a:prstClr>
-                </a:outerShdw>
-              </a:effectLst>
-              <a:latin typeface="Times New Roman" pitchFamily="18" charset="0"/>
-              <a:cs typeface="Times New Roman" pitchFamily="18" charset="0"/>
-            </a:endParaRPr>
-          </a:p>
-        </p:txBody>
-      </p:sp>
-      <p:pic>
-        <p:nvPicPr>
-          <p:cNvPr id="4" name="Obrázok 3"/>
-          <p:cNvPicPr>
-            <a:picLocks noChangeAspect="1"/>
-          </p:cNvPicPr>
-          <p:nvPr/>
-        </p:nvPicPr>
-        <p:blipFill>
-          <a:blip r:embed="rId3">
-            <a:extLst>
-              <a:ext uri="{28A0092B-C50C-407E-A947-70E740481C1C}">
-                <a14:useLocalDpi xmlns:a14="http://schemas.microsoft.com/office/drawing/2010/main" xmlns="" val="0"/>
-              </a:ext>
-            </a:extLst>
-          </a:blip>
-          <a:stretch>
-            <a:fillRect/>
-          </a:stretch>
-        </p:blipFill>
-        <p:spPr>
-          <a:xfrm>
-            <a:off x="3428992" y="857236"/>
-            <a:ext cx="5514248" cy="4689688"/>
-          </a:xfrm>
-          <a:prstGeom prst="rect">
-            <a:avLst/>
-          </a:prstGeom>
-        </p:spPr>
-      </p:pic>
       <p:sp>
         <p:nvSpPr>
           <p:cNvPr id="5" name="Freeform 8"/>
@@ -6973,6 +6489,509 @@
           </a:p>
         </p:txBody>
       </p:sp>
+      <p:sp>
+        <p:nvSpPr>
+          <p:cNvPr id="8" name="TextBox 2"/>
+          <p:cNvSpPr txBox="1"/>
+          <p:nvPr/>
+        </p:nvSpPr>
+        <p:spPr>
+          <a:xfrm>
+            <a:off x="3286116" y="337220"/>
+            <a:ext cx="5857884" cy="492443"/>
+          </a:xfrm>
+          <a:prstGeom prst="rect">
+            <a:avLst/>
+          </a:prstGeom>
+          <a:noFill/>
+          <a:effectLst/>
+        </p:spPr>
+        <p:txBody>
+          <a:bodyPr wrap="square" lIns="0" tIns="0" rIns="0" bIns="0" rtlCol="0">
+            <a:spAutoFit/>
+          </a:bodyPr>
+          <a:lstStyle/>
+          <a:p>
+            <a:pPr lvl="0" algn="ctr">
+              <a:defRPr/>
+            </a:pPr>
+            <a:r>
+              <a:rPr lang="sk-SK" sz="3200" b="1" kern="0" smtClean="0">
+                <a:ln w="18415" cmpd="sng">
+                  <a:noFill/>
+                  <a:prstDash val="solid"/>
+                </a:ln>
+                <a:solidFill>
+                  <a:srgbClr val="FFFFFF"/>
+                </a:solidFill>
+                <a:effectLst>
+                  <a:outerShdw blurRad="50800" dist="38100" dir="2700000" algn="tl" rotWithShape="0">
+                    <a:prstClr val="black">
+                      <a:alpha val="40000"/>
+                    </a:prstClr>
+                  </a:outerShdw>
+                </a:effectLst>
+                <a:latin typeface="Times New Roman" pitchFamily="18" charset="0"/>
+                <a:cs typeface="Times New Roman" pitchFamily="18" charset="0"/>
+              </a:rPr>
+              <a:t>Spracovanie AST stromu</a:t>
+            </a:r>
+            <a:endParaRPr lang="en-US" sz="3200" b="1" kern="0" dirty="0" smtClean="0">
+              <a:ln w="18415" cmpd="sng">
+                <a:noFill/>
+                <a:prstDash val="solid"/>
+              </a:ln>
+              <a:solidFill>
+                <a:srgbClr val="FFFFFF"/>
+              </a:solidFill>
+              <a:effectLst>
+                <a:outerShdw blurRad="50800" dist="38100" dir="2700000" algn="tl" rotWithShape="0">
+                  <a:prstClr val="black">
+                    <a:alpha val="40000"/>
+                  </a:prstClr>
+                </a:outerShdw>
+              </a:effectLst>
+              <a:latin typeface="Times New Roman" pitchFamily="18" charset="0"/>
+              <a:cs typeface="Times New Roman" pitchFamily="18" charset="0"/>
+            </a:endParaRPr>
+          </a:p>
+        </p:txBody>
+      </p:sp>
+      <p:sp>
+        <p:nvSpPr>
+          <p:cNvPr id="11" name="TextBox 47"/>
+          <p:cNvSpPr txBox="1"/>
+          <p:nvPr/>
+        </p:nvSpPr>
+        <p:spPr>
+          <a:xfrm>
+            <a:off x="107504" y="5399519"/>
+            <a:ext cx="2051719" cy="315481"/>
+          </a:xfrm>
+          <a:prstGeom prst="rect">
+            <a:avLst/>
+          </a:prstGeom>
+          <a:noFill/>
+          <a:effectLst>
+            <a:outerShdw blurRad="50800" dist="38100" dir="2700000" algn="tl" rotWithShape="0">
+              <a:prstClr val="black">
+                <a:alpha val="40000"/>
+              </a:prstClr>
+            </a:outerShdw>
+          </a:effectLst>
+        </p:spPr>
+        <p:txBody>
+          <a:bodyPr wrap="square" lIns="68589" tIns="34295" rIns="68589" bIns="34295" rtlCol="0">
+            <a:spAutoFit/>
+          </a:bodyPr>
+          <a:lstStyle/>
+          <a:p>
+            <a:pPr marL="0" marR="0" lvl="0" indent="0" defTabSz="914400" eaLnBrk="1" fontAlgn="base" latinLnBrk="0" hangingPunct="1">
+              <a:lnSpc>
+                <a:spcPct val="100000"/>
+              </a:lnSpc>
+              <a:spcBef>
+                <a:spcPct val="0"/>
+              </a:spcBef>
+              <a:spcAft>
+                <a:spcPct val="0"/>
+              </a:spcAft>
+              <a:buClrTx/>
+              <a:buSzTx/>
+              <a:buFontTx/>
+              <a:buNone/>
+              <a:tabLst/>
+              <a:defRPr/>
+            </a:pPr>
+            <a:r>
+              <a:rPr kumimoji="0" lang="sk-SK" sz="1600" b="0" i="1" u="none" strike="noStrike" kern="0" cap="none" spc="0" normalizeH="0" baseline="0" noProof="0" dirty="0" smtClean="0">
+                <a:ln>
+                  <a:noFill/>
+                </a:ln>
+                <a:solidFill>
+                  <a:schemeClr val="bg1">
+                    <a:lumMod val="65000"/>
+                  </a:schemeClr>
+                </a:solidFill>
+                <a:effectLst>
+                  <a:outerShdw blurRad="38100" dist="38100" dir="2700000" algn="tl">
+                    <a:srgbClr val="000000">
+                      <a:alpha val="43137"/>
+                    </a:srgbClr>
+                  </a:outerShdw>
+                </a:effectLst>
+                <a:uLnTx/>
+                <a:uFillTx/>
+                <a:latin typeface="Constantia" pitchFamily="18" charset="0"/>
+              </a:rPr>
+              <a:t>Innovators </a:t>
+            </a:r>
+            <a:r>
+              <a:rPr kumimoji="0" lang="sk-SK" sz="1200" b="0" i="1" u="none" strike="noStrike" kern="0" cap="none" spc="0" normalizeH="0" baseline="0" noProof="0" dirty="0" smtClean="0">
+                <a:ln>
+                  <a:noFill/>
+                </a:ln>
+                <a:solidFill>
+                  <a:schemeClr val="bg1">
+                    <a:lumMod val="65000"/>
+                  </a:schemeClr>
+                </a:solidFill>
+                <a:effectLst>
+                  <a:outerShdw blurRad="38100" dist="38100" dir="2700000" algn="tl">
+                    <a:srgbClr val="000000">
+                      <a:alpha val="43137"/>
+                    </a:srgbClr>
+                  </a:outerShdw>
+                </a:effectLst>
+                <a:uLnTx/>
+                <a:uFillTx/>
+                <a:latin typeface="Constantia" pitchFamily="18" charset="0"/>
+              </a:rPr>
+              <a:t>|</a:t>
+            </a:r>
+            <a:r>
+              <a:rPr kumimoji="0" lang="sk-SK" sz="1200" b="0" i="1" u="none" strike="noStrike" kern="0" cap="none" spc="0" normalizeH="0" noProof="0" dirty="0" smtClean="0">
+                <a:ln>
+                  <a:noFill/>
+                </a:ln>
+                <a:solidFill>
+                  <a:schemeClr val="bg1">
+                    <a:lumMod val="65000"/>
+                  </a:schemeClr>
+                </a:solidFill>
+                <a:effectLst>
+                  <a:outerShdw blurRad="38100" dist="38100" dir="2700000" algn="tl">
+                    <a:srgbClr val="000000">
+                      <a:alpha val="43137"/>
+                    </a:srgbClr>
+                  </a:outerShdw>
+                </a:effectLst>
+                <a:uLnTx/>
+                <a:uFillTx/>
+                <a:latin typeface="Constantia" pitchFamily="18" charset="0"/>
+              </a:rPr>
+              <a:t> </a:t>
+            </a:r>
+            <a:r>
+              <a:rPr kumimoji="0" lang="sk-SK" sz="1200" b="0" i="1" u="none" strike="noStrike" kern="0" cap="none" spc="0" normalizeH="0" baseline="0" noProof="0" dirty="0" smtClean="0">
+                <a:ln>
+                  <a:noFill/>
+                </a:ln>
+                <a:solidFill>
+                  <a:schemeClr val="bg1">
+                    <a:lumMod val="65000"/>
+                  </a:schemeClr>
+                </a:solidFill>
+                <a:effectLst>
+                  <a:outerShdw blurRad="38100" dist="38100" dir="2700000" algn="tl">
+                    <a:srgbClr val="000000">
+                      <a:alpha val="43137"/>
+                    </a:srgbClr>
+                  </a:outerShdw>
+                </a:effectLst>
+                <a:uLnTx/>
+                <a:uFillTx/>
+                <a:latin typeface="Constantia" pitchFamily="18" charset="0"/>
+              </a:rPr>
+              <a:t>tím</a:t>
+            </a:r>
+            <a:r>
+              <a:rPr kumimoji="0" lang="sk-SK" sz="1400" b="0" i="1" u="none" strike="noStrike" kern="0" cap="none" spc="0" normalizeH="0" baseline="0" noProof="0" dirty="0" smtClean="0">
+                <a:ln>
+                  <a:noFill/>
+                </a:ln>
+                <a:solidFill>
+                  <a:schemeClr val="bg1">
+                    <a:lumMod val="65000"/>
+                  </a:schemeClr>
+                </a:solidFill>
+                <a:effectLst>
+                  <a:outerShdw blurRad="38100" dist="38100" dir="2700000" algn="tl">
+                    <a:srgbClr val="000000">
+                      <a:alpha val="43137"/>
+                    </a:srgbClr>
+                  </a:outerShdw>
+                </a:effectLst>
+                <a:uLnTx/>
+                <a:uFillTx/>
+                <a:latin typeface="Constantia" pitchFamily="18" charset="0"/>
+              </a:rPr>
+              <a:t> č.10</a:t>
+            </a:r>
+            <a:endParaRPr kumimoji="0" lang="en-US" sz="1600" b="0" i="1" u="none" strike="noStrike" kern="0" cap="none" spc="0" normalizeH="0" baseline="0" noProof="0" dirty="0">
+              <a:ln>
+                <a:noFill/>
+              </a:ln>
+              <a:solidFill>
+                <a:schemeClr val="bg1">
+                  <a:lumMod val="65000"/>
+                </a:schemeClr>
+              </a:solidFill>
+              <a:effectLst>
+                <a:outerShdw blurRad="38100" dist="38100" dir="2700000" algn="tl">
+                  <a:srgbClr val="000000">
+                    <a:alpha val="43137"/>
+                  </a:srgbClr>
+                </a:outerShdw>
+              </a:effectLst>
+              <a:uLnTx/>
+              <a:uFillTx/>
+              <a:latin typeface="Constantia" pitchFamily="18" charset="0"/>
+            </a:endParaRPr>
+          </a:p>
+        </p:txBody>
+      </p:sp>
+      <p:sp>
+        <p:nvSpPr>
+          <p:cNvPr id="7" name="TextBox 2"/>
+          <p:cNvSpPr txBox="1"/>
+          <p:nvPr/>
+        </p:nvSpPr>
+        <p:spPr>
+          <a:xfrm>
+            <a:off x="428596" y="1142988"/>
+            <a:ext cx="8286808" cy="923330"/>
+          </a:xfrm>
+          <a:prstGeom prst="rect">
+            <a:avLst/>
+          </a:prstGeom>
+          <a:noFill/>
+        </p:spPr>
+        <p:txBody>
+          <a:bodyPr wrap="square" lIns="0" tIns="0" rIns="0" bIns="0" rtlCol="0">
+            <a:spAutoFit/>
+          </a:bodyPr>
+          <a:lstStyle/>
+          <a:p>
+            <a:pPr>
+              <a:lnSpc>
+                <a:spcPct val="150000"/>
+              </a:lnSpc>
+              <a:buFont typeface="Arial" pitchFamily="34" charset="0"/>
+              <a:buChar char="•"/>
+              <a:defRPr/>
+            </a:pPr>
+            <a:r>
+              <a:rPr lang="en-US" sz="2000" kern="0" dirty="0" smtClean="0">
+                <a:ln w="18415" cmpd="sng">
+                  <a:noFill/>
+                  <a:prstDash val="solid"/>
+                </a:ln>
+                <a:solidFill>
+                  <a:srgbClr val="FFFFFF"/>
+                </a:solidFill>
+                <a:effectLst>
+                  <a:outerShdw blurRad="50800" dist="38100" dir="2700000" algn="tl" rotWithShape="0">
+                    <a:prstClr val="black">
+                      <a:alpha val="40000"/>
+                    </a:prstClr>
+                  </a:outerShdw>
+                </a:effectLst>
+                <a:latin typeface="Times New Roman" pitchFamily="18" charset="0"/>
+                <a:cs typeface="Times New Roman" pitchFamily="18" charset="0"/>
+              </a:rPr>
+              <a:t>Abstract Syntax Tree – </a:t>
+            </a:r>
+            <a:r>
+              <a:rPr lang="en-US" sz="2000" kern="0" dirty="0" err="1" smtClean="0">
+                <a:ln w="18415" cmpd="sng">
+                  <a:noFill/>
+                  <a:prstDash val="solid"/>
+                </a:ln>
+                <a:solidFill>
+                  <a:srgbClr val="FFFFFF"/>
+                </a:solidFill>
+                <a:effectLst>
+                  <a:outerShdw blurRad="50800" dist="38100" dir="2700000" algn="tl" rotWithShape="0">
+                    <a:prstClr val="black">
+                      <a:alpha val="40000"/>
+                    </a:prstClr>
+                  </a:outerShdw>
+                </a:effectLst>
+                <a:latin typeface="Times New Roman" pitchFamily="18" charset="0"/>
+                <a:cs typeface="Times New Roman" pitchFamily="18" charset="0"/>
+              </a:rPr>
+              <a:t>stromov</a:t>
+            </a:r>
+            <a:r>
+              <a:rPr lang="sk-SK" sz="2000" kern="0" dirty="0" smtClean="0">
+                <a:ln w="18415" cmpd="sng">
+                  <a:noFill/>
+                  <a:prstDash val="solid"/>
+                </a:ln>
+                <a:solidFill>
+                  <a:srgbClr val="FFFFFF"/>
+                </a:solidFill>
+                <a:effectLst>
+                  <a:outerShdw blurRad="50800" dist="38100" dir="2700000" algn="tl" rotWithShape="0">
+                    <a:prstClr val="black">
+                      <a:alpha val="40000"/>
+                    </a:prstClr>
+                  </a:outerShdw>
+                </a:effectLst>
+                <a:latin typeface="Times New Roman" pitchFamily="18" charset="0"/>
+                <a:cs typeface="Times New Roman" pitchFamily="18" charset="0"/>
+              </a:rPr>
+              <a:t>á reprezentácia štruktúry zdrojového kódu</a:t>
+            </a:r>
+          </a:p>
+          <a:p>
+            <a:pPr>
+              <a:lnSpc>
+                <a:spcPct val="150000"/>
+              </a:lnSpc>
+              <a:buFont typeface="Arial" pitchFamily="34" charset="0"/>
+              <a:buChar char="•"/>
+              <a:defRPr/>
+            </a:pPr>
+            <a:r>
+              <a:rPr lang="sk-SK" sz="2000" kern="0" dirty="0" smtClean="0">
+                <a:ln w="18415" cmpd="sng">
+                  <a:noFill/>
+                  <a:prstDash val="solid"/>
+                </a:ln>
+                <a:solidFill>
+                  <a:srgbClr val="FFFFFF"/>
+                </a:solidFill>
+                <a:effectLst>
+                  <a:outerShdw blurRad="50800" dist="38100" dir="2700000" algn="tl" rotWithShape="0">
+                    <a:prstClr val="black">
+                      <a:alpha val="40000"/>
+                    </a:prstClr>
+                  </a:outerShdw>
+                </a:effectLst>
+                <a:latin typeface="Times New Roman" pitchFamily="18" charset="0"/>
+                <a:cs typeface="Times New Roman" pitchFamily="18" charset="0"/>
+              </a:rPr>
+              <a:t>Abstraktný</a:t>
+            </a:r>
+            <a:r>
+              <a:rPr lang="en-US" sz="2000" kern="0" dirty="0" smtClean="0">
+                <a:ln w="18415" cmpd="sng">
+                  <a:noFill/>
+                  <a:prstDash val="solid"/>
+                </a:ln>
+                <a:solidFill>
+                  <a:srgbClr val="FFFFFF"/>
+                </a:solidFill>
+                <a:effectLst>
+                  <a:outerShdw blurRad="50800" dist="38100" dir="2700000" algn="tl" rotWithShape="0">
+                    <a:prstClr val="black">
+                      <a:alpha val="40000"/>
+                    </a:prstClr>
+                  </a:outerShdw>
+                </a:effectLst>
+                <a:latin typeface="Times New Roman" pitchFamily="18" charset="0"/>
+                <a:cs typeface="Times New Roman" pitchFamily="18" charset="0"/>
+              </a:rPr>
+              <a:t> =</a:t>
+            </a:r>
+            <a:r>
+              <a:rPr lang="sk-SK" sz="2000" kern="0" dirty="0" smtClean="0">
+                <a:ln w="18415" cmpd="sng">
+                  <a:noFill/>
+                  <a:prstDash val="solid"/>
+                </a:ln>
+                <a:solidFill>
+                  <a:srgbClr val="FFFFFF"/>
+                </a:solidFill>
+                <a:effectLst>
+                  <a:outerShdw blurRad="50800" dist="38100" dir="2700000" algn="tl" rotWithShape="0">
+                    <a:prstClr val="black">
+                      <a:alpha val="40000"/>
+                    </a:prstClr>
+                  </a:outerShdw>
+                </a:effectLst>
+                <a:latin typeface="Times New Roman" pitchFamily="18" charset="0"/>
+                <a:cs typeface="Times New Roman" pitchFamily="18" charset="0"/>
+              </a:rPr>
+              <a:t> neviaže sa na konkrétny programovací jazyk</a:t>
+            </a:r>
+            <a:endParaRPr lang="pl-PL" sz="2000" kern="0" dirty="0" smtClean="0">
+              <a:ln w="18415" cmpd="sng">
+                <a:noFill/>
+                <a:prstDash val="solid"/>
+              </a:ln>
+              <a:solidFill>
+                <a:srgbClr val="FFFFFF"/>
+              </a:solidFill>
+              <a:effectLst>
+                <a:outerShdw blurRad="50800" dist="38100" dir="2700000" algn="tl" rotWithShape="0">
+                  <a:prstClr val="black">
+                    <a:alpha val="40000"/>
+                  </a:prstClr>
+                </a:outerShdw>
+              </a:effectLst>
+              <a:latin typeface="Times New Roman" pitchFamily="18" charset="0"/>
+              <a:cs typeface="Times New Roman" pitchFamily="18" charset="0"/>
+            </a:endParaRPr>
+          </a:p>
+        </p:txBody>
+      </p:sp>
+      <p:pic>
+        <p:nvPicPr>
+          <p:cNvPr id="1026" name="Picture 2"/>
+          <p:cNvPicPr>
+            <a:picLocks noChangeAspect="1" noChangeArrowheads="1"/>
+          </p:cNvPicPr>
+          <p:nvPr/>
+        </p:nvPicPr>
+        <p:blipFill>
+          <a:blip r:embed="rId3" cstate="print">
+            <a:extLst>
+              <a:ext uri="{28A0092B-C50C-407E-A947-70E740481C1C}">
+                <a14:useLocalDpi xmlns="" xmlns:a14="http://schemas.microsoft.com/office/drawing/2010/main" val="0"/>
+              </a:ext>
+            </a:extLst>
+          </a:blip>
+          <a:srcRect/>
+          <a:stretch>
+            <a:fillRect/>
+          </a:stretch>
+        </p:blipFill>
+        <p:spPr bwMode="auto">
+          <a:xfrm>
+            <a:off x="1728430" y="2652266"/>
+            <a:ext cx="5401419" cy="2505101"/>
+          </a:xfrm>
+          <a:prstGeom prst="rect">
+            <a:avLst/>
+          </a:prstGeom>
+          <a:noFill/>
+          <a:ln>
+            <a:noFill/>
+          </a:ln>
+          <a:effectLst/>
+          <a:extLst>
+            <a:ext uri="{909E8E84-426E-40DD-AFC4-6F175D3DCCD1}">
+              <a14:hiddenFill xmlns="" xmlns:a14="http://schemas.microsoft.com/office/drawing/2010/main">
+                <a:solidFill>
+                  <a:schemeClr val="accent1"/>
+                </a:solidFill>
+              </a14:hiddenFill>
+            </a:ext>
+            <a:ext uri="{91240B29-F687-4F45-9708-019B960494DF}">
+              <a14:hiddenLine xmlns="" xmlns:a14="http://schemas.microsoft.com/office/drawing/2010/main" w="9525">
+                <a:solidFill>
+                  <a:schemeClr val="tx1"/>
+                </a:solidFill>
+                <a:miter lim="800000"/>
+                <a:headEnd/>
+                <a:tailEnd/>
+              </a14:hiddenLine>
+            </a:ext>
+            <a:ext uri="{AF507438-7753-43E0-B8FC-AC1667EBCBE1}">
+              <a14:hiddenEffects xmlns="" xmlns:a14="http://schemas.microsoft.com/office/drawing/2010/main">
+                <a:effectLst>
+                  <a:outerShdw dist="35921" dir="2700000" algn="ctr" rotWithShape="0">
+                    <a:schemeClr val="bg2"/>
+                  </a:outerShdw>
+                </a:effectLst>
+              </a14:hiddenEffects>
+            </a:ext>
+          </a:extLst>
+        </p:spPr>
+      </p:pic>
     </p:spTree>
   </p:cSld>
   <p:clrMapOvr>
@@ -7259,66 +7278,14 @@
       </p:grpSpPr>
       <p:sp>
         <p:nvSpPr>
-          <p:cNvPr id="2" name="Obdĺžnik 1"/>
-          <p:cNvSpPr/>
-          <p:nvPr/>
-        </p:nvSpPr>
-        <p:spPr>
-          <a:xfrm>
-            <a:off x="719981" y="2401937"/>
-            <a:ext cx="7056784" cy="3005760"/>
-          </a:xfrm>
-          <a:prstGeom prst="rect">
-            <a:avLst/>
-          </a:prstGeom>
-          <a:solidFill>
-            <a:schemeClr val="bg1"/>
-          </a:solidFill>
-          <a:ln>
-            <a:solidFill>
-              <a:schemeClr val="bg1"/>
-            </a:solidFill>
-          </a:ln>
-        </p:spPr>
-        <p:style>
-          <a:lnRef idx="2">
-            <a:schemeClr val="accent1">
-              <a:shade val="50000"/>
-            </a:schemeClr>
-          </a:lnRef>
-          <a:fillRef idx="1">
-            <a:schemeClr val="accent1"/>
-          </a:fillRef>
-          <a:effectRef idx="0">
-            <a:schemeClr val="accent1"/>
-          </a:effectRef>
-          <a:fontRef idx="minor">
-            <a:schemeClr val="lt1"/>
-          </a:fontRef>
-        </p:style>
-        <p:txBody>
-          <a:bodyPr rtlCol="0" anchor="ctr"/>
-          <a:lstStyle/>
-          <a:p>
-            <a:pPr algn="ctr"/>
-            <a:endParaRPr lang="sk-SK">
-              <a:solidFill>
-                <a:schemeClr val="bg1"/>
-              </a:solidFill>
-            </a:endParaRPr>
-          </a:p>
-        </p:txBody>
-      </p:sp>
-      <p:sp>
-        <p:nvSpPr>
-          <p:cNvPr id="22" name="Round Same Side Corner Rectangle 15"/>
+          <p:cNvPr id="10" name="Round Same Side Corner Rectangle 15"/>
           <p:cNvSpPr/>
           <p:nvPr/>
         </p:nvSpPr>
         <p:spPr bwMode="auto">
           <a:xfrm rot="5400000">
-            <a:off x="3860486" y="-2860374"/>
-            <a:ext cx="1137308" cy="8858280"/>
+            <a:off x="4107669" y="-3107557"/>
+            <a:ext cx="642942" cy="8858280"/>
           </a:xfrm>
           <a:prstGeom prst="round2SameRect">
             <a:avLst/>
@@ -7502,7 +7469,7 @@
               <a:defRPr/>
             </a:pPr>
             <a:r>
-              <a:rPr lang="sk-SK" sz="3200" b="1" kern="0" smtClean="0">
+              <a:rPr lang="en-US" sz="3200" b="1" kern="0" smtClean="0">
                 <a:ln w="18415" cmpd="sng">
                   <a:noFill/>
                   <a:prstDash val="solid"/>
@@ -7520,7 +7487,7 @@
                 <a:latin typeface="Times New Roman" pitchFamily="18" charset="0"/>
                 <a:cs typeface="Times New Roman" pitchFamily="18" charset="0"/>
               </a:rPr>
-              <a:t>Spracovanie AST stromu</a:t>
+              <a:t>Shortcuts</a:t>
             </a:r>
             <a:endParaRPr lang="en-US" sz="3200" b="1" kern="0" dirty="0" smtClean="0">
               <a:ln w="18415" cmpd="sng">
@@ -7735,8 +7702,8 @@
         </p:nvSpPr>
         <p:spPr>
           <a:xfrm>
-            <a:off x="428596" y="1142988"/>
-            <a:ext cx="8286808" cy="923330"/>
+            <a:off x="500034" y="1000112"/>
+            <a:ext cx="8286808" cy="406330"/>
           </a:xfrm>
           <a:prstGeom prst="rect">
             <a:avLst/>
@@ -7758,7 +7725,7 @@
               <a:defRPr/>
             </a:pPr>
             <a:r>
-              <a:rPr lang="en-US" sz="2000" kern="0" dirty="0" smtClean="0">
+              <a:rPr lang="en-US" sz="2000" kern="0" smtClean="0">
                 <a:ln w="18415" cmpd="sng">
                   <a:noFill/>
                   <a:prstDash val="solid"/>
@@ -7776,122 +7743,7 @@
                 <a:latin typeface="Times New Roman" pitchFamily="18" charset="0"/>
                 <a:cs typeface="Times New Roman" pitchFamily="18" charset="0"/>
               </a:rPr>
-              <a:t>Abstract Syntax Tree – </a:t>
-            </a:r>
-            <a:r>
-              <a:rPr lang="en-US" sz="2000" kern="0" dirty="0" err="1" smtClean="0">
-                <a:ln w="18415" cmpd="sng">
-                  <a:noFill/>
-                  <a:prstDash val="solid"/>
-                </a:ln>
-                <a:solidFill>
-                  <a:srgbClr val="FFFFFF"/>
-                </a:solidFill>
-                <a:effectLst>
-                  <a:outerShdw blurRad="50800" dist="38100" dir="2700000" algn="tl" rotWithShape="0">
-                    <a:prstClr val="black">
-                      <a:alpha val="40000"/>
-                    </a:prstClr>
-                  </a:outerShdw>
-                </a:effectLst>
-                <a:latin typeface="Times New Roman" pitchFamily="18" charset="0"/>
-                <a:cs typeface="Times New Roman" pitchFamily="18" charset="0"/>
-              </a:rPr>
-              <a:t>stromov</a:t>
-            </a:r>
-            <a:r>
-              <a:rPr lang="sk-SK" sz="2000" kern="0" dirty="0" smtClean="0">
-                <a:ln w="18415" cmpd="sng">
-                  <a:noFill/>
-                  <a:prstDash val="solid"/>
-                </a:ln>
-                <a:solidFill>
-                  <a:srgbClr val="FFFFFF"/>
-                </a:solidFill>
-                <a:effectLst>
-                  <a:outerShdw blurRad="50800" dist="38100" dir="2700000" algn="tl" rotWithShape="0">
-                    <a:prstClr val="black">
-                      <a:alpha val="40000"/>
-                    </a:prstClr>
-                  </a:outerShdw>
-                </a:effectLst>
-                <a:latin typeface="Times New Roman" pitchFamily="18" charset="0"/>
-                <a:cs typeface="Times New Roman" pitchFamily="18" charset="0"/>
-              </a:rPr>
-              <a:t>á reprezentácia štruktúry zdrojového kódu</a:t>
-            </a:r>
-          </a:p>
-          <a:p>
-            <a:pPr>
-              <a:lnSpc>
-                <a:spcPct val="150000"/>
-              </a:lnSpc>
-              <a:buFont typeface="Arial" pitchFamily="34" charset="0"/>
-              <a:buChar char="•"/>
-              <a:defRPr/>
-            </a:pPr>
-            <a:r>
-              <a:rPr lang="sk-SK" sz="2000" kern="0" dirty="0" smtClean="0">
-                <a:ln w="18415" cmpd="sng">
-                  <a:noFill/>
-                  <a:prstDash val="solid"/>
-                </a:ln>
-                <a:solidFill>
-                  <a:srgbClr val="FFFFFF"/>
-                </a:solidFill>
-                <a:effectLst>
-                  <a:outerShdw blurRad="50800" dist="38100" dir="2700000" algn="tl" rotWithShape="0">
-                    <a:prstClr val="black">
-                      <a:alpha val="40000"/>
-                    </a:prstClr>
-                  </a:outerShdw>
-                </a:effectLst>
-                <a:latin typeface="Times New Roman" pitchFamily="18" charset="0"/>
-                <a:cs typeface="Times New Roman" pitchFamily="18" charset="0"/>
-              </a:rPr>
-              <a:t>Abstraktný</a:t>
-            </a:r>
-            <a:r>
-              <a:rPr lang="en-US" sz="2000" kern="0" dirty="0" smtClean="0">
-                <a:ln w="18415" cmpd="sng">
-                  <a:noFill/>
-                  <a:prstDash val="solid"/>
-                </a:ln>
-                <a:solidFill>
-                  <a:srgbClr val="FFFFFF"/>
-                </a:solidFill>
-                <a:effectLst>
-                  <a:outerShdw blurRad="50800" dist="38100" dir="2700000" algn="tl" rotWithShape="0">
-                    <a:prstClr val="black">
-                      <a:alpha val="40000"/>
-                    </a:prstClr>
-                  </a:outerShdw>
-                </a:effectLst>
-                <a:latin typeface="Times New Roman" pitchFamily="18" charset="0"/>
-                <a:cs typeface="Times New Roman" pitchFamily="18" charset="0"/>
-              </a:rPr>
-              <a:t> =</a:t>
-            </a:r>
-            <a:r>
-              <a:rPr lang="sk-SK" sz="2000" kern="0" dirty="0" smtClean="0">
-                <a:ln w="18415" cmpd="sng">
-                  <a:noFill/>
-                  <a:prstDash val="solid"/>
-                </a:ln>
-                <a:solidFill>
-                  <a:srgbClr val="FFFFFF"/>
-                </a:solidFill>
-                <a:effectLst>
-                  <a:outerShdw blurRad="50800" dist="38100" dir="2700000" algn="tl" rotWithShape="0">
-                    <a:prstClr val="black">
-                      <a:alpha val="40000"/>
-                    </a:prstClr>
-                  </a:outerShdw>
-                </a:effectLst>
-                <a:latin typeface="Times New Roman" pitchFamily="18" charset="0"/>
-                <a:cs typeface="Times New Roman" pitchFamily="18" charset="0"/>
-              </a:rPr>
-              <a:t> neviaže sa na konkrétny programovací jazyk</a:t>
+              <a:t>a </a:t>
             </a:r>
             <a:endParaRPr lang="pl-PL" sz="2000" kern="0" dirty="0" smtClean="0">
               <a:ln w="18415" cmpd="sng">
@@ -7916,20 +7768,14 @@
       </p:sp>
       <p:pic>
         <p:nvPicPr>
-          <p:cNvPr id="1026" name="Picture 2"/>
+          <p:cNvPr id="9" name="Picture 2" descr="D:\FIIT\ING1-ZS\Timovy Projekt\TrollEdit_GitHub\Documentation\Dokumentacie\Ostatne\Prezentacia\Shortcuts.png"/>
           <p:cNvPicPr>
             <a:picLocks noChangeAspect="1" noChangeArrowheads="1"/>
           </p:cNvPicPr>
           <p:nvPr/>
         </p:nvPicPr>
         <p:blipFill>
-          <a:blip r:embed="rId3" cstate="print">
-            <a:extLst>
-              <a:ext uri="{28A0092B-C50C-407E-A947-70E740481C1C}">
-                <a14:useLocalDpi xmlns:a14="http://schemas.microsoft.com/office/drawing/2010/main" xmlns="" val="0"/>
-              </a:ext>
-            </a:extLst>
-          </a:blip>
+          <a:blip r:embed="rId3"/>
           <a:srcRect/>
           <a:stretch>
             <a:fillRect/>
@@ -7937,45 +7783,13 @@
         </p:blipFill>
         <p:spPr bwMode="auto">
           <a:xfrm>
-            <a:off x="1728430" y="2652266"/>
-            <a:ext cx="5401419" cy="2505101"/>
+            <a:off x="1760020" y="1714492"/>
+            <a:ext cx="5623961" cy="3714756"/>
           </a:xfrm>
           <a:prstGeom prst="rect">
             <a:avLst/>
           </a:prstGeom>
           <a:noFill/>
-          <a:ln>
-            <a:noFill/>
-          </a:ln>
-          <a:effectLst/>
-          <a:extLst>
-            <a:ext uri="{909E8E84-426E-40DD-AFC4-6F175D3DCCD1}">
-              <a14:hiddenFill xmlns:a14="http://schemas.microsoft.com/office/drawing/2010/main" xmlns="">
-                <a:solidFill>
-                  <a:schemeClr val="accent1"/>
-                </a:solidFill>
-              </a14:hiddenFill>
-            </a:ext>
-            <a:ext uri="{91240B29-F687-4F45-9708-019B960494DF}">
-              <a14:hiddenLine xmlns:a14="http://schemas.microsoft.com/office/drawing/2010/main" xmlns="" w="9525">
-                <a:solidFill>
-                  <a:schemeClr val="tx1"/>
-                </a:solidFill>
-                <a:miter lim="800000"/>
-                <a:headEnd/>
-                <a:tailEnd/>
-              </a14:hiddenLine>
-            </a:ext>
-            <a:ext uri="{AF507438-7753-43E0-B8FC-AC1667EBCBE1}">
-              <a14:hiddenEffects xmlns:a14="http://schemas.microsoft.com/office/drawing/2010/main" xmlns="">
-                <a:effectLst>
-                  <a:outerShdw dist="35921" dir="2700000" algn="ctr" rotWithShape="0">
-                    <a:schemeClr val="bg2"/>
-                  </a:outerShdw>
-                </a:effectLst>
-              </a14:hiddenEffects>
-            </a:ext>
-          </a:extLst>
         </p:spPr>
       </p:pic>
     </p:spTree>
@@ -8010,7 +7824,7 @@
                             </p:stCondLst>
                             <p:childTnLst>
                               <p:par>
-                                <p:cTn id="5" presetID="17" presetClass="entr" presetSubtype="8" fill="hold" grpId="0" nodeType="afterEffect">
+                                <p:cTn id="5" presetID="2" presetClass="entr" presetSubtype="4" fill="hold" grpId="0" nodeType="afterEffect">
                                   <p:stCondLst>
                                     <p:cond delay="0"/>
                                   </p:stCondLst>
@@ -8018,134 +7832,6 @@
                                     <p:set>
                                       <p:cBhvr>
                                         <p:cTn id="6" dur="1" fill="hold">
-                                          <p:stCondLst>
-                                            <p:cond delay="0"/>
-                                          </p:stCondLst>
-                                        </p:cTn>
-                                        <p:tgtEl>
-                                          <p:spTgt spid="22"/>
-                                        </p:tgtEl>
-                                        <p:attrNameLst>
-                                          <p:attrName>style.visibility</p:attrName>
-                                        </p:attrNameLst>
-                                      </p:cBhvr>
-                                      <p:to>
-                                        <p:strVal val="visible"/>
-                                      </p:to>
-                                    </p:set>
-                                    <p:anim calcmode="lin" valueType="num">
-                                      <p:cBhvr>
-                                        <p:cTn id="7" dur="1000" fill="hold"/>
-                                        <p:tgtEl>
-                                          <p:spTgt spid="22"/>
-                                        </p:tgtEl>
-                                        <p:attrNameLst>
-                                          <p:attrName>ppt_x</p:attrName>
-                                        </p:attrNameLst>
-                                      </p:cBhvr>
-                                      <p:tavLst>
-                                        <p:tav tm="0">
-                                          <p:val>
-                                            <p:strVal val="#ppt_x-#ppt_w/2"/>
-                                          </p:val>
-                                        </p:tav>
-                                        <p:tav tm="100000">
-                                          <p:val>
-                                            <p:strVal val="#ppt_x"/>
-                                          </p:val>
-                                        </p:tav>
-                                      </p:tavLst>
-                                    </p:anim>
-                                    <p:anim calcmode="lin" valueType="num">
-                                      <p:cBhvr>
-                                        <p:cTn id="8" dur="1000" fill="hold"/>
-                                        <p:tgtEl>
-                                          <p:spTgt spid="22"/>
-                                        </p:tgtEl>
-                                        <p:attrNameLst>
-                                          <p:attrName>ppt_y</p:attrName>
-                                        </p:attrNameLst>
-                                      </p:cBhvr>
-                                      <p:tavLst>
-                                        <p:tav tm="0">
-                                          <p:val>
-                                            <p:strVal val="#ppt_y"/>
-                                          </p:val>
-                                        </p:tav>
-                                        <p:tav tm="100000">
-                                          <p:val>
-                                            <p:strVal val="#ppt_y"/>
-                                          </p:val>
-                                        </p:tav>
-                                      </p:tavLst>
-                                    </p:anim>
-                                    <p:anim calcmode="lin" valueType="num">
-                                      <p:cBhvr>
-                                        <p:cTn id="9" dur="1000" fill="hold"/>
-                                        <p:tgtEl>
-                                          <p:spTgt spid="22"/>
-                                        </p:tgtEl>
-                                        <p:attrNameLst>
-                                          <p:attrName>ppt_w</p:attrName>
-                                        </p:attrNameLst>
-                                      </p:cBhvr>
-                                      <p:tavLst>
-                                        <p:tav tm="0">
-                                          <p:val>
-                                            <p:fltVal val="0"/>
-                                          </p:val>
-                                        </p:tav>
-                                        <p:tav tm="100000">
-                                          <p:val>
-                                            <p:strVal val="#ppt_w"/>
-                                          </p:val>
-                                        </p:tav>
-                                      </p:tavLst>
-                                    </p:anim>
-                                    <p:anim calcmode="lin" valueType="num">
-                                      <p:cBhvr>
-                                        <p:cTn id="10" dur="1000" fill="hold"/>
-                                        <p:tgtEl>
-                                          <p:spTgt spid="22"/>
-                                        </p:tgtEl>
-                                        <p:attrNameLst>
-                                          <p:attrName>ppt_h</p:attrName>
-                                        </p:attrNameLst>
-                                      </p:cBhvr>
-                                      <p:tavLst>
-                                        <p:tav tm="0">
-                                          <p:val>
-                                            <p:strVal val="#ppt_h"/>
-                                          </p:val>
-                                        </p:tav>
-                                        <p:tav tm="100000">
-                                          <p:val>
-                                            <p:strVal val="#ppt_h"/>
-                                          </p:val>
-                                        </p:tav>
-                                      </p:tavLst>
-                                    </p:anim>
-                                  </p:childTnLst>
-                                </p:cTn>
-                              </p:par>
-                            </p:childTnLst>
-                          </p:cTn>
-                        </p:par>
-                        <p:par>
-                          <p:cTn id="11" fill="hold">
-                            <p:stCondLst>
-                              <p:cond delay="1000"/>
-                            </p:stCondLst>
-                            <p:childTnLst>
-                              <p:par>
-                                <p:cTn id="12" presetID="2" presetClass="entr" presetSubtype="4" fill="hold" grpId="0" nodeType="afterEffect">
-                                  <p:stCondLst>
-                                    <p:cond delay="0"/>
-                                  </p:stCondLst>
-                                  <p:childTnLst>
-                                    <p:set>
-                                      <p:cBhvr>
-                                        <p:cTn id="13" dur="1" fill="hold">
                                           <p:stCondLst>
                                             <p:cond delay="0"/>
                                           </p:stCondLst>
@@ -8163,7 +7849,7 @@
                                     </p:set>
                                     <p:anim calcmode="lin" valueType="num">
                                       <p:cBhvr additive="base">
-                                        <p:cTn id="14" dur="1000" fill="hold"/>
+                                        <p:cTn id="7" dur="1000" fill="hold"/>
                                         <p:tgtEl>
                                           <p:spTgt spid="7"/>
                                         </p:tgtEl>
@@ -8186,7 +7872,7 @@
                                     </p:anim>
                                     <p:anim calcmode="lin" valueType="num">
                                       <p:cBhvr additive="base">
-                                        <p:cTn id="15" dur="1000" fill="hold"/>
+                                        <p:cTn id="8" dur="1000" fill="hold"/>
                                         <p:tgtEl>
                                           <p:spTgt spid="7"/>
                                         </p:tgtEl>
@@ -8203,6 +7889,134 @@
                                         <p:tav tm="100000">
                                           <p:val>
                                             <p:strVal val="#ppt_y"/>
+                                          </p:val>
+                                        </p:tav>
+                                      </p:tavLst>
+                                    </p:anim>
+                                  </p:childTnLst>
+                                </p:cTn>
+                              </p:par>
+                            </p:childTnLst>
+                          </p:cTn>
+                        </p:par>
+                        <p:par>
+                          <p:cTn id="9" fill="hold">
+                            <p:stCondLst>
+                              <p:cond delay="1000"/>
+                            </p:stCondLst>
+                            <p:childTnLst>
+                              <p:par>
+                                <p:cTn id="10" presetID="17" presetClass="entr" presetSubtype="8" fill="hold" grpId="0" nodeType="afterEffect">
+                                  <p:stCondLst>
+                                    <p:cond delay="0"/>
+                                  </p:stCondLst>
+                                  <p:childTnLst>
+                                    <p:set>
+                                      <p:cBhvr>
+                                        <p:cTn id="11" dur="1" fill="hold">
+                                          <p:stCondLst>
+                                            <p:cond delay="0"/>
+                                          </p:stCondLst>
+                                        </p:cTn>
+                                        <p:tgtEl>
+                                          <p:spTgt spid="10"/>
+                                        </p:tgtEl>
+                                        <p:attrNameLst>
+                                          <p:attrName>style.visibility</p:attrName>
+                                        </p:attrNameLst>
+                                      </p:cBhvr>
+                                      <p:to>
+                                        <p:strVal val="visible"/>
+                                      </p:to>
+                                    </p:set>
+                                    <p:anim calcmode="lin" valueType="num">
+                                      <p:cBhvr>
+                                        <p:cTn id="12" dur="1000" fill="hold"/>
+                                        <p:tgtEl>
+                                          <p:spTgt spid="10"/>
+                                        </p:tgtEl>
+                                        <p:attrNameLst>
+                                          <p:attrName>ppt_x</p:attrName>
+                                        </p:attrNameLst>
+                                      </p:cBhvr>
+                                      <p:tavLst>
+                                        <p:tav tm="0">
+                                          <p:val>
+                                            <p:strVal val="#ppt_x-#ppt_w/2"/>
+                                          </p:val>
+                                        </p:tav>
+                                        <p:tav tm="100000">
+                                          <p:val>
+                                            <p:strVal val="#ppt_x"/>
+                                          </p:val>
+                                        </p:tav>
+                                      </p:tavLst>
+                                    </p:anim>
+                                    <p:anim calcmode="lin" valueType="num">
+                                      <p:cBhvr>
+                                        <p:cTn id="13" dur="1000" fill="hold"/>
+                                        <p:tgtEl>
+                                          <p:spTgt spid="10"/>
+                                        </p:tgtEl>
+                                        <p:attrNameLst>
+                                          <p:attrName>ppt_y</p:attrName>
+                                        </p:attrNameLst>
+                                      </p:cBhvr>
+                                      <p:tavLst>
+                                        <p:tav tm="0">
+                                          <p:val>
+                                            <p:strVal val="#ppt_y"/>
+                                          </p:val>
+                                        </p:tav>
+                                        <p:tav tm="100000">
+                                          <p:val>
+                                            <p:strVal val="#ppt_y"/>
+                                          </p:val>
+                                        </p:tav>
+                                      </p:tavLst>
+                                    </p:anim>
+                                    <p:anim calcmode="lin" valueType="num">
+                                      <p:cBhvr>
+                                        <p:cTn id="14" dur="1000" fill="hold"/>
+                                        <p:tgtEl>
+                                          <p:spTgt spid="10"/>
+                                        </p:tgtEl>
+                                        <p:attrNameLst>
+                                          <p:attrName>ppt_w</p:attrName>
+                                        </p:attrNameLst>
+                                      </p:cBhvr>
+                                      <p:tavLst>
+                                        <p:tav tm="0">
+                                          <p:val>
+                                            <p:fltVal val="0"/>
+                                          </p:val>
+                                        </p:tav>
+                                        <p:tav tm="100000">
+                                          <p:val>
+                                            <p:strVal val="#ppt_w"/>
+                                          </p:val>
+                                        </p:tav>
+                                      </p:tavLst>
+                                    </p:anim>
+                                    <p:anim calcmode="lin" valueType="num">
+                                      <p:cBhvr>
+                                        <p:cTn id="15" dur="1000" fill="hold"/>
+                                        <p:tgtEl>
+                                          <p:spTgt spid="10"/>
+                                        </p:tgtEl>
+                                        <p:attrNameLst>
+                                          <p:attrName>ppt_h</p:attrName>
+                                        </p:attrNameLst>
+                                      </p:cBhvr>
+                                      <p:tavLst>
+                                        <p:tav tm="0">
+                                          <p:val>
+                                            <p:strVal val="#ppt_h"/>
+                                          </p:val>
+                                        </p:tav>
+                                        <p:tav tm="100000">
+                                          <p:val>
+                                            <p:strVal val="#ppt_h"/>
                                           </p:val>
                                         </p:tav>
                                       </p:tavLst>
@@ -8238,7 +8052,7 @@
       </p:par>
     </p:tnLst>
     <p:bldLst>
-      <p:bldP spid="22" grpId="0" animBg="1"/>
+      <p:bldP spid="10" grpId="0" animBg="1"/>
       <p:bldP spid="7" grpId="0"/>
     </p:bldLst>
   </p:timing>
@@ -8270,8 +8084,8 @@
         </p:nvSpPr>
         <p:spPr bwMode="auto">
           <a:xfrm rot="5400000">
-            <a:off x="2393157" y="-1393045"/>
-            <a:ext cx="4071966" cy="8858280"/>
+            <a:off x="4143388" y="-3643342"/>
+            <a:ext cx="357190" cy="8643966"/>
           </a:xfrm>
           <a:prstGeom prst="round2SameRect">
             <a:avLst/>
@@ -8347,6 +8161,607 @@
           </a:p>
         </p:txBody>
       </p:sp>
+      <p:sp>
+        <p:nvSpPr>
+          <p:cNvPr id="8" name="TextBox 2"/>
+          <p:cNvSpPr txBox="1"/>
+          <p:nvPr/>
+        </p:nvSpPr>
+        <p:spPr>
+          <a:xfrm>
+            <a:off x="3571868" y="0"/>
+            <a:ext cx="5572132" cy="492443"/>
+          </a:xfrm>
+          <a:prstGeom prst="rect">
+            <a:avLst/>
+          </a:prstGeom>
+          <a:noFill/>
+          <a:effectLst/>
+        </p:spPr>
+        <p:txBody>
+          <a:bodyPr wrap="square" lIns="0" tIns="0" rIns="0" bIns="0" rtlCol="0">
+            <a:spAutoFit/>
+          </a:bodyPr>
+          <a:lstStyle/>
+          <a:p>
+            <a:pPr lvl="0" algn="ctr">
+              <a:defRPr/>
+            </a:pPr>
+            <a:r>
+              <a:rPr lang="sk-SK" sz="3200" b="1" kern="0" smtClean="0">
+                <a:ln w="18415" cmpd="sng">
+                  <a:noFill/>
+                  <a:prstDash val="solid"/>
+                </a:ln>
+                <a:solidFill>
+                  <a:srgbClr val="FFFFFF"/>
+                </a:solidFill>
+                <a:effectLst>
+                  <a:outerShdw blurRad="50800" dist="38100" dir="2700000" algn="tl" rotWithShape="0">
+                    <a:prstClr val="black">
+                      <a:alpha val="40000"/>
+                    </a:prstClr>
+                  </a:outerShdw>
+                </a:effectLst>
+                <a:latin typeface="Times New Roman" pitchFamily="18" charset="0"/>
+                <a:cs typeface="Times New Roman" pitchFamily="18" charset="0"/>
+              </a:rPr>
+              <a:t>Dva módy</a:t>
+            </a:r>
+            <a:endParaRPr lang="en-US" sz="3200" b="1" kern="0" dirty="0" smtClean="0">
+              <a:ln w="18415" cmpd="sng">
+                <a:noFill/>
+                <a:prstDash val="solid"/>
+              </a:ln>
+              <a:solidFill>
+                <a:srgbClr val="FFFFFF"/>
+              </a:solidFill>
+              <a:effectLst>
+                <a:outerShdw blurRad="50800" dist="38100" dir="2700000" algn="tl" rotWithShape="0">
+                  <a:prstClr val="black">
+                    <a:alpha val="40000"/>
+                  </a:prstClr>
+                </a:outerShdw>
+              </a:effectLst>
+              <a:latin typeface="Times New Roman" pitchFamily="18" charset="0"/>
+              <a:cs typeface="Times New Roman" pitchFamily="18" charset="0"/>
+            </a:endParaRPr>
+          </a:p>
+        </p:txBody>
+      </p:sp>
+      <p:sp>
+        <p:nvSpPr>
+          <p:cNvPr id="11" name="TextBox 47"/>
+          <p:cNvSpPr txBox="1"/>
+          <p:nvPr/>
+        </p:nvSpPr>
+        <p:spPr>
+          <a:xfrm>
+            <a:off x="107504" y="5399519"/>
+            <a:ext cx="2051719" cy="315481"/>
+          </a:xfrm>
+          <a:prstGeom prst="rect">
+            <a:avLst/>
+          </a:prstGeom>
+          <a:noFill/>
+          <a:effectLst>
+            <a:outerShdw blurRad="50800" dist="38100" dir="2700000" algn="tl" rotWithShape="0">
+              <a:prstClr val="black">
+                <a:alpha val="40000"/>
+              </a:prstClr>
+            </a:outerShdw>
+          </a:effectLst>
+        </p:spPr>
+        <p:txBody>
+          <a:bodyPr wrap="square" lIns="68589" tIns="34295" rIns="68589" bIns="34295" rtlCol="0">
+            <a:spAutoFit/>
+          </a:bodyPr>
+          <a:lstStyle/>
+          <a:p>
+            <a:pPr marL="0" marR="0" lvl="0" indent="0" defTabSz="914400" eaLnBrk="1" fontAlgn="base" latinLnBrk="0" hangingPunct="1">
+              <a:lnSpc>
+                <a:spcPct val="100000"/>
+              </a:lnSpc>
+              <a:spcBef>
+                <a:spcPct val="0"/>
+              </a:spcBef>
+              <a:spcAft>
+                <a:spcPct val="0"/>
+              </a:spcAft>
+              <a:buClrTx/>
+              <a:buSzTx/>
+              <a:buFontTx/>
+              <a:buNone/>
+              <a:tabLst/>
+              <a:defRPr/>
+            </a:pPr>
+            <a:r>
+              <a:rPr kumimoji="0" lang="sk-SK" sz="1600" b="0" i="1" u="none" strike="noStrike" kern="0" cap="none" spc="0" normalizeH="0" baseline="0" noProof="0" dirty="0" smtClean="0">
+                <a:ln>
+                  <a:noFill/>
+                </a:ln>
+                <a:solidFill>
+                  <a:schemeClr val="bg1">
+                    <a:lumMod val="65000"/>
+                  </a:schemeClr>
+                </a:solidFill>
+                <a:effectLst>
+                  <a:outerShdw blurRad="38100" dist="38100" dir="2700000" algn="tl">
+                    <a:srgbClr val="000000">
+                      <a:alpha val="43137"/>
+                    </a:srgbClr>
+                  </a:outerShdw>
+                </a:effectLst>
+                <a:uLnTx/>
+                <a:uFillTx/>
+                <a:latin typeface="Constantia" pitchFamily="18" charset="0"/>
+              </a:rPr>
+              <a:t>Innovators </a:t>
+            </a:r>
+            <a:r>
+              <a:rPr kumimoji="0" lang="sk-SK" sz="1200" b="0" i="1" u="none" strike="noStrike" kern="0" cap="none" spc="0" normalizeH="0" baseline="0" noProof="0" dirty="0" smtClean="0">
+                <a:ln>
+                  <a:noFill/>
+                </a:ln>
+                <a:solidFill>
+                  <a:schemeClr val="bg1">
+                    <a:lumMod val="65000"/>
+                  </a:schemeClr>
+                </a:solidFill>
+                <a:effectLst>
+                  <a:outerShdw blurRad="38100" dist="38100" dir="2700000" algn="tl">
+                    <a:srgbClr val="000000">
+                      <a:alpha val="43137"/>
+                    </a:srgbClr>
+                  </a:outerShdw>
+                </a:effectLst>
+                <a:uLnTx/>
+                <a:uFillTx/>
+                <a:latin typeface="Constantia" pitchFamily="18" charset="0"/>
+              </a:rPr>
+              <a:t>|</a:t>
+            </a:r>
+            <a:r>
+              <a:rPr kumimoji="0" lang="sk-SK" sz="1200" b="0" i="1" u="none" strike="noStrike" kern="0" cap="none" spc="0" normalizeH="0" noProof="0" dirty="0" smtClean="0">
+                <a:ln>
+                  <a:noFill/>
+                </a:ln>
+                <a:solidFill>
+                  <a:schemeClr val="bg1">
+                    <a:lumMod val="65000"/>
+                  </a:schemeClr>
+                </a:solidFill>
+                <a:effectLst>
+                  <a:outerShdw blurRad="38100" dist="38100" dir="2700000" algn="tl">
+                    <a:srgbClr val="000000">
+                      <a:alpha val="43137"/>
+                    </a:srgbClr>
+                  </a:outerShdw>
+                </a:effectLst>
+                <a:uLnTx/>
+                <a:uFillTx/>
+                <a:latin typeface="Constantia" pitchFamily="18" charset="0"/>
+              </a:rPr>
+              <a:t> </a:t>
+            </a:r>
+            <a:r>
+              <a:rPr kumimoji="0" lang="sk-SK" sz="1200" b="0" i="1" u="none" strike="noStrike" kern="0" cap="none" spc="0" normalizeH="0" baseline="0" noProof="0" dirty="0" smtClean="0">
+                <a:ln>
+                  <a:noFill/>
+                </a:ln>
+                <a:solidFill>
+                  <a:schemeClr val="bg1">
+                    <a:lumMod val="65000"/>
+                  </a:schemeClr>
+                </a:solidFill>
+                <a:effectLst>
+                  <a:outerShdw blurRad="38100" dist="38100" dir="2700000" algn="tl">
+                    <a:srgbClr val="000000">
+                      <a:alpha val="43137"/>
+                    </a:srgbClr>
+                  </a:outerShdw>
+                </a:effectLst>
+                <a:uLnTx/>
+                <a:uFillTx/>
+                <a:latin typeface="Constantia" pitchFamily="18" charset="0"/>
+              </a:rPr>
+              <a:t>tím</a:t>
+            </a:r>
+            <a:r>
+              <a:rPr kumimoji="0" lang="sk-SK" sz="1400" b="0" i="1" u="none" strike="noStrike" kern="0" cap="none" spc="0" normalizeH="0" baseline="0" noProof="0" dirty="0" smtClean="0">
+                <a:ln>
+                  <a:noFill/>
+                </a:ln>
+                <a:solidFill>
+                  <a:schemeClr val="bg1">
+                    <a:lumMod val="65000"/>
+                  </a:schemeClr>
+                </a:solidFill>
+                <a:effectLst>
+                  <a:outerShdw blurRad="38100" dist="38100" dir="2700000" algn="tl">
+                    <a:srgbClr val="000000">
+                      <a:alpha val="43137"/>
+                    </a:srgbClr>
+                  </a:outerShdw>
+                </a:effectLst>
+                <a:uLnTx/>
+                <a:uFillTx/>
+                <a:latin typeface="Constantia" pitchFamily="18" charset="0"/>
+              </a:rPr>
+              <a:t> č.10</a:t>
+            </a:r>
+            <a:endParaRPr kumimoji="0" lang="en-US" sz="1600" b="0" i="1" u="none" strike="noStrike" kern="0" cap="none" spc="0" normalizeH="0" baseline="0" noProof="0" dirty="0">
+              <a:ln>
+                <a:noFill/>
+              </a:ln>
+              <a:solidFill>
+                <a:schemeClr val="bg1">
+                  <a:lumMod val="65000"/>
+                </a:schemeClr>
+              </a:solidFill>
+              <a:effectLst>
+                <a:outerShdw blurRad="38100" dist="38100" dir="2700000" algn="tl">
+                  <a:srgbClr val="000000">
+                    <a:alpha val="43137"/>
+                  </a:srgbClr>
+                </a:outerShdw>
+              </a:effectLst>
+              <a:uLnTx/>
+              <a:uFillTx/>
+              <a:latin typeface="Constantia" pitchFamily="18" charset="0"/>
+            </a:endParaRPr>
+          </a:p>
+        </p:txBody>
+      </p:sp>
+      <p:sp>
+        <p:nvSpPr>
+          <p:cNvPr id="7" name="TextBox 2"/>
+          <p:cNvSpPr txBox="1"/>
+          <p:nvPr/>
+        </p:nvSpPr>
+        <p:spPr>
+          <a:xfrm>
+            <a:off x="642910" y="428608"/>
+            <a:ext cx="7500990" cy="461665"/>
+          </a:xfrm>
+          <a:prstGeom prst="rect">
+            <a:avLst/>
+          </a:prstGeom>
+          <a:noFill/>
+        </p:spPr>
+        <p:txBody>
+          <a:bodyPr wrap="square" lIns="0" tIns="0" rIns="0" bIns="0" rtlCol="0">
+            <a:spAutoFit/>
+          </a:bodyPr>
+          <a:lstStyle/>
+          <a:p>
+            <a:pPr algn="ctr">
+              <a:lnSpc>
+                <a:spcPct val="150000"/>
+              </a:lnSpc>
+              <a:defRPr/>
+            </a:pPr>
+            <a:r>
+              <a:rPr lang="pl-PL" sz="2000" kern="0" smtClean="0">
+                <a:ln w="18415" cmpd="sng">
+                  <a:noFill/>
+                  <a:prstDash val="solid"/>
+                </a:ln>
+                <a:solidFill>
+                  <a:srgbClr val="FFFFFF"/>
+                </a:solidFill>
+                <a:effectLst>
+                  <a:outerShdw blurRad="50800" dist="38100" dir="2700000" algn="tl" rotWithShape="0">
+                    <a:prstClr val="black">
+                      <a:alpha val="40000"/>
+                    </a:prstClr>
+                  </a:outerShdw>
+                </a:effectLst>
+                <a:latin typeface="Times New Roman" pitchFamily="18" charset="0"/>
+                <a:cs typeface="Times New Roman" pitchFamily="18" charset="0"/>
+              </a:rPr>
+              <a:t> </a:t>
+            </a:r>
+            <a:r>
+              <a:rPr lang="en-US" sz="2000" kern="0" dirty="0" smtClean="0">
+                <a:ln w="18415" cmpd="sng">
+                  <a:noFill/>
+                  <a:prstDash val="solid"/>
+                </a:ln>
+                <a:solidFill>
+                  <a:srgbClr val="FFFFFF"/>
+                </a:solidFill>
+                <a:effectLst>
+                  <a:outerShdw blurRad="50800" dist="38100" dir="2700000" algn="tl" rotWithShape="0">
+                    <a:prstClr val="black">
+                      <a:alpha val="40000"/>
+                    </a:prstClr>
+                  </a:outerShdw>
+                </a:effectLst>
+                <a:latin typeface="Times New Roman" pitchFamily="18" charset="0"/>
+                <a:cs typeface="Times New Roman" pitchFamily="18" charset="0"/>
+              </a:rPr>
+              <a:t>Blok</a:t>
+            </a:r>
+            <a:r>
+              <a:rPr lang="pl-PL" sz="2000" kern="0" dirty="0" smtClean="0">
+                <a:ln w="18415" cmpd="sng">
+                  <a:noFill/>
+                  <a:prstDash val="solid"/>
+                </a:ln>
+                <a:solidFill>
+                  <a:srgbClr val="FFFFFF"/>
+                </a:solidFill>
+                <a:effectLst>
+                  <a:outerShdw blurRad="50800" dist="38100" dir="2700000" algn="tl" rotWithShape="0">
+                    <a:prstClr val="black">
+                      <a:alpha val="40000"/>
+                    </a:prstClr>
+                  </a:outerShdw>
+                </a:effectLst>
+                <a:latin typeface="Times New Roman" pitchFamily="18" charset="0"/>
+                <a:cs typeface="Times New Roman" pitchFamily="18" charset="0"/>
+              </a:rPr>
+              <a:t> </a:t>
+            </a:r>
+            <a:r>
+              <a:rPr lang="en-US" sz="2000" kern="0" dirty="0" smtClean="0">
+                <a:ln w="18415" cmpd="sng">
+                  <a:noFill/>
+                  <a:prstDash val="solid"/>
+                </a:ln>
+                <a:solidFill>
+                  <a:srgbClr val="FFFFFF"/>
+                </a:solidFill>
+                <a:effectLst>
+                  <a:outerShdw blurRad="50800" dist="38100" dir="2700000" algn="tl" rotWithShape="0">
+                    <a:prstClr val="black">
+                      <a:alpha val="40000"/>
+                    </a:prstClr>
+                  </a:outerShdw>
+                </a:effectLst>
+                <a:latin typeface="Times New Roman" pitchFamily="18" charset="0"/>
+                <a:cs typeface="Times New Roman" pitchFamily="18" charset="0"/>
+              </a:rPr>
+              <a:t>s</a:t>
+            </a:r>
+            <a:r>
+              <a:rPr lang="pl-PL" sz="2000" kern="0" dirty="0" smtClean="0">
+                <a:ln w="18415" cmpd="sng">
+                  <a:noFill/>
+                  <a:prstDash val="solid"/>
+                </a:ln>
+                <a:solidFill>
+                  <a:srgbClr val="FFFFFF"/>
+                </a:solidFill>
+                <a:effectLst>
+                  <a:outerShdw blurRad="50800" dist="38100" dir="2700000" algn="tl" rotWithShape="0">
+                    <a:prstClr val="black">
+                      <a:alpha val="40000"/>
+                    </a:prstClr>
+                  </a:outerShdw>
+                </a:effectLst>
+                <a:latin typeface="Times New Roman" pitchFamily="18" charset="0"/>
+                <a:cs typeface="Times New Roman" pitchFamily="18" charset="0"/>
+              </a:rPr>
+              <a:t> grafickymi </a:t>
+            </a:r>
+            <a:r>
+              <a:rPr lang="pl-PL" sz="2000" kern="0" smtClean="0">
+                <a:ln w="18415" cmpd="sng">
+                  <a:noFill/>
+                  <a:prstDash val="solid"/>
+                </a:ln>
+                <a:solidFill>
+                  <a:srgbClr val="FFFFFF"/>
+                </a:solidFill>
+                <a:effectLst>
+                  <a:outerShdw blurRad="50800" dist="38100" dir="2700000" algn="tl" rotWithShape="0">
+                    <a:prstClr val="black">
+                      <a:alpha val="40000"/>
+                    </a:prstClr>
+                  </a:outerShdw>
+                </a:effectLst>
+                <a:latin typeface="Times New Roman" pitchFamily="18" charset="0"/>
+                <a:cs typeface="Times New Roman" pitchFamily="18" charset="0"/>
+              </a:rPr>
+              <a:t>prvkami </a:t>
+            </a:r>
+            <a:r>
+              <a:rPr lang="en-US" sz="2000" kern="0" smtClean="0">
+                <a:ln w="18415" cmpd="sng">
+                  <a:noFill/>
+                  <a:prstDash val="solid"/>
+                </a:ln>
+                <a:solidFill>
+                  <a:srgbClr val="FFFFFF"/>
+                </a:solidFill>
+                <a:effectLst>
+                  <a:outerShdw blurRad="50800" dist="38100" dir="2700000" algn="tl" rotWithShape="0">
+                    <a:prstClr val="black">
+                      <a:alpha val="40000"/>
+                    </a:prstClr>
+                  </a:outerShdw>
+                </a:effectLst>
+                <a:latin typeface="Times New Roman" pitchFamily="18" charset="0"/>
+                <a:cs typeface="Times New Roman" pitchFamily="18" charset="0"/>
+              </a:rPr>
+              <a:t>	</a:t>
+            </a:r>
+            <a:r>
+              <a:rPr lang="pl-PL" sz="2000" kern="0" smtClean="0">
+                <a:ln w="18415" cmpd="sng">
+                  <a:noFill/>
+                  <a:prstDash val="solid"/>
+                </a:ln>
+                <a:solidFill>
+                  <a:srgbClr val="FFFFFF"/>
+                </a:solidFill>
+                <a:effectLst>
+                  <a:outerShdw blurRad="50800" dist="38100" dir="2700000" algn="tl" rotWithShape="0">
+                    <a:prstClr val="black">
+                      <a:alpha val="40000"/>
+                    </a:prstClr>
+                  </a:outerShdw>
+                </a:effectLst>
+                <a:latin typeface="Times New Roman" pitchFamily="18" charset="0"/>
+                <a:cs typeface="Times New Roman" pitchFamily="18" charset="0"/>
+                <a:sym typeface="Wingdings" pitchFamily="2" charset="2"/>
+              </a:rPr>
+              <a:t> </a:t>
+            </a:r>
+            <a:r>
+              <a:rPr lang="pl-PL" sz="2000" kern="0" smtClean="0">
+                <a:ln w="18415" cmpd="sng">
+                  <a:noFill/>
+                  <a:prstDash val="solid"/>
+                </a:ln>
+                <a:solidFill>
+                  <a:srgbClr val="FFFFFF"/>
+                </a:solidFill>
+                <a:effectLst>
+                  <a:outerShdw blurRad="50800" dist="38100" dir="2700000" algn="tl" rotWithShape="0">
+                    <a:prstClr val="black">
+                      <a:alpha val="40000"/>
+                    </a:prstClr>
+                  </a:outerShdw>
+                </a:effectLst>
+                <a:latin typeface="Times New Roman" pitchFamily="18" charset="0"/>
+                <a:cs typeface="Times New Roman" pitchFamily="18" charset="0"/>
+              </a:rPr>
+              <a:t> </a:t>
+            </a:r>
+            <a:r>
+              <a:rPr lang="en-US" sz="2000" kern="0" smtClean="0">
+                <a:ln w="18415" cmpd="sng">
+                  <a:noFill/>
+                  <a:prstDash val="solid"/>
+                </a:ln>
+                <a:solidFill>
+                  <a:srgbClr val="FFFFFF"/>
+                </a:solidFill>
+                <a:effectLst>
+                  <a:outerShdw blurRad="50800" dist="38100" dir="2700000" algn="tl" rotWithShape="0">
+                    <a:prstClr val="black">
+                      <a:alpha val="40000"/>
+                    </a:prstClr>
+                  </a:outerShdw>
+                </a:effectLst>
+                <a:latin typeface="Times New Roman" pitchFamily="18" charset="0"/>
+                <a:cs typeface="Times New Roman" pitchFamily="18" charset="0"/>
+              </a:rPr>
+              <a:t>	Textov</a:t>
+            </a:r>
+            <a:r>
+              <a:rPr lang="sk-SK" sz="2000" kern="0" dirty="0" smtClean="0">
+                <a:ln w="18415" cmpd="sng">
+                  <a:noFill/>
+                  <a:prstDash val="solid"/>
+                </a:ln>
+                <a:solidFill>
+                  <a:srgbClr val="FFFFFF"/>
+                </a:solidFill>
+                <a:effectLst>
+                  <a:outerShdw blurRad="50800" dist="38100" dir="2700000" algn="tl" rotWithShape="0">
+                    <a:prstClr val="black">
+                      <a:alpha val="40000"/>
+                    </a:prstClr>
+                  </a:outerShdw>
+                </a:effectLst>
+                <a:latin typeface="Times New Roman" pitchFamily="18" charset="0"/>
+                <a:cs typeface="Times New Roman" pitchFamily="18" charset="0"/>
+              </a:rPr>
+              <a:t>ý </a:t>
+            </a:r>
+            <a:r>
+              <a:rPr lang="sk-SK" sz="2000" kern="0" smtClean="0">
+                <a:ln w="18415" cmpd="sng">
+                  <a:noFill/>
+                  <a:prstDash val="solid"/>
+                </a:ln>
+                <a:solidFill>
+                  <a:srgbClr val="FFFFFF"/>
+                </a:solidFill>
+                <a:effectLst>
+                  <a:outerShdw blurRad="50800" dist="38100" dir="2700000" algn="tl" rotWithShape="0">
+                    <a:prstClr val="black">
+                      <a:alpha val="40000"/>
+                    </a:prstClr>
+                  </a:outerShdw>
+                </a:effectLst>
+                <a:latin typeface="Times New Roman" pitchFamily="18" charset="0"/>
+                <a:cs typeface="Times New Roman" pitchFamily="18" charset="0"/>
+              </a:rPr>
+              <a:t>blok</a:t>
+            </a:r>
+            <a:r>
+              <a:rPr lang="pl-PL" sz="2000" kern="0" smtClean="0">
+                <a:ln w="18415" cmpd="sng">
+                  <a:noFill/>
+                  <a:prstDash val="solid"/>
+                </a:ln>
+                <a:solidFill>
+                  <a:srgbClr val="FFFFFF"/>
+                </a:solidFill>
+                <a:effectLst>
+                  <a:outerShdw blurRad="50800" dist="38100" dir="2700000" algn="tl" rotWithShape="0">
+                    <a:prstClr val="black">
+                      <a:alpha val="40000"/>
+                    </a:prstClr>
+                  </a:outerShdw>
+                </a:effectLst>
+                <a:latin typeface="Times New Roman" pitchFamily="18" charset="0"/>
+                <a:cs typeface="Times New Roman" pitchFamily="18" charset="0"/>
+              </a:rPr>
+              <a:t> </a:t>
+            </a:r>
+            <a:endParaRPr lang="pl-PL" sz="2000" kern="0" dirty="0" smtClean="0">
+              <a:ln w="18415" cmpd="sng">
+                <a:noFill/>
+                <a:prstDash val="solid"/>
+              </a:ln>
+              <a:solidFill>
+                <a:srgbClr val="FFFFFF"/>
+              </a:solidFill>
+              <a:effectLst>
+                <a:outerShdw blurRad="50800" dist="38100" dir="2700000" algn="tl" rotWithShape="0">
+                  <a:prstClr val="black">
+                    <a:alpha val="40000"/>
+                  </a:prstClr>
+                </a:outerShdw>
+              </a:effectLst>
+              <a:latin typeface="Times New Roman" pitchFamily="18" charset="0"/>
+              <a:cs typeface="Times New Roman" pitchFamily="18" charset="0"/>
+            </a:endParaRPr>
+          </a:p>
+        </p:txBody>
+      </p:sp>
+      <p:pic>
+        <p:nvPicPr>
+          <p:cNvPr id="2050" name="Picture 2" descr="D:\FIIT\ING1-ZS\Timovy Projekt\TrollEdit_GitHub\Documentation\Dokumentacie\Ostatne\Prezentacia\Nahlad_dva_mody.png"/>
+          <p:cNvPicPr>
+            <a:picLocks noChangeAspect="1" noChangeArrowheads="1"/>
+          </p:cNvPicPr>
+          <p:nvPr/>
+        </p:nvPicPr>
+        <p:blipFill>
+          <a:blip r:embed="rId3"/>
+          <a:srcRect/>
+          <a:stretch>
+            <a:fillRect/>
+          </a:stretch>
+        </p:blipFill>
+        <p:spPr bwMode="auto">
+          <a:xfrm>
+            <a:off x="750067" y="857236"/>
+            <a:ext cx="7643866" cy="4528935"/>
+          </a:xfrm>
+          <a:prstGeom prst="rect">
+            <a:avLst/>
+          </a:prstGeom>
+          <a:noFill/>
+        </p:spPr>
+      </p:pic>
       <p:sp>
         <p:nvSpPr>
           <p:cNvPr id="5" name="Freeform 8"/>
@@ -8424,506 +8839,6 @@
               <a:effectLst/>
               <a:uLnTx/>
               <a:uFillTx/>
-            </a:endParaRPr>
-          </a:p>
-        </p:txBody>
-      </p:sp>
-      <p:sp>
-        <p:nvSpPr>
-          <p:cNvPr id="8" name="TextBox 2"/>
-          <p:cNvSpPr txBox="1"/>
-          <p:nvPr/>
-        </p:nvSpPr>
-        <p:spPr>
-          <a:xfrm>
-            <a:off x="3286116" y="337220"/>
-            <a:ext cx="5857884" cy="492443"/>
-          </a:xfrm>
-          <a:prstGeom prst="rect">
-            <a:avLst/>
-          </a:prstGeom>
-          <a:noFill/>
-          <a:effectLst/>
-        </p:spPr>
-        <p:txBody>
-          <a:bodyPr wrap="square" lIns="0" tIns="0" rIns="0" bIns="0" rtlCol="0">
-            <a:spAutoFit/>
-          </a:bodyPr>
-          <a:lstStyle/>
-          <a:p>
-            <a:pPr lvl="0" algn="ctr">
-              <a:defRPr/>
-            </a:pPr>
-            <a:r>
-              <a:rPr lang="sk-SK" sz="3200" b="1" kern="0" smtClean="0">
-                <a:ln w="18415" cmpd="sng">
-                  <a:noFill/>
-                  <a:prstDash val="solid"/>
-                </a:ln>
-                <a:solidFill>
-                  <a:srgbClr val="FFFFFF"/>
-                </a:solidFill>
-                <a:effectLst>
-                  <a:outerShdw blurRad="50800" dist="38100" dir="2700000" algn="tl" rotWithShape="0">
-                    <a:prstClr val="black">
-                      <a:alpha val="40000"/>
-                    </a:prstClr>
-                  </a:outerShdw>
-                </a:effectLst>
-                <a:latin typeface="Times New Roman" pitchFamily="18" charset="0"/>
-                <a:cs typeface="Times New Roman" pitchFamily="18" charset="0"/>
-              </a:rPr>
-              <a:t>Implementácia prototypu</a:t>
-            </a:r>
-            <a:endParaRPr lang="en-US" sz="3200" b="1" kern="0" dirty="0" smtClean="0">
-              <a:ln w="18415" cmpd="sng">
-                <a:noFill/>
-                <a:prstDash val="solid"/>
-              </a:ln>
-              <a:solidFill>
-                <a:srgbClr val="FFFFFF"/>
-              </a:solidFill>
-              <a:effectLst>
-                <a:outerShdw blurRad="50800" dist="38100" dir="2700000" algn="tl" rotWithShape="0">
-                  <a:prstClr val="black">
-                    <a:alpha val="40000"/>
-                  </a:prstClr>
-                </a:outerShdw>
-              </a:effectLst>
-              <a:latin typeface="Times New Roman" pitchFamily="18" charset="0"/>
-              <a:cs typeface="Times New Roman" pitchFamily="18" charset="0"/>
-            </a:endParaRPr>
-          </a:p>
-        </p:txBody>
-      </p:sp>
-      <p:sp>
-        <p:nvSpPr>
-          <p:cNvPr id="11" name="TextBox 47"/>
-          <p:cNvSpPr txBox="1"/>
-          <p:nvPr/>
-        </p:nvSpPr>
-        <p:spPr>
-          <a:xfrm>
-            <a:off x="107504" y="5399519"/>
-            <a:ext cx="2051719" cy="315481"/>
-          </a:xfrm>
-          <a:prstGeom prst="rect">
-            <a:avLst/>
-          </a:prstGeom>
-          <a:noFill/>
-          <a:effectLst>
-            <a:outerShdw blurRad="50800" dist="38100" dir="2700000" algn="tl" rotWithShape="0">
-              <a:prstClr val="black">
-                <a:alpha val="40000"/>
-              </a:prstClr>
-            </a:outerShdw>
-          </a:effectLst>
-        </p:spPr>
-        <p:txBody>
-          <a:bodyPr wrap="square" lIns="68589" tIns="34295" rIns="68589" bIns="34295" rtlCol="0">
-            <a:spAutoFit/>
-          </a:bodyPr>
-          <a:lstStyle/>
-          <a:p>
-            <a:pPr marL="0" marR="0" lvl="0" indent="0" defTabSz="914400" eaLnBrk="1" fontAlgn="base" latinLnBrk="0" hangingPunct="1">
-              <a:lnSpc>
-                <a:spcPct val="100000"/>
-              </a:lnSpc>
-              <a:spcBef>
-                <a:spcPct val="0"/>
-              </a:spcBef>
-              <a:spcAft>
-                <a:spcPct val="0"/>
-              </a:spcAft>
-              <a:buClrTx/>
-              <a:buSzTx/>
-              <a:buFontTx/>
-              <a:buNone/>
-              <a:tabLst/>
-              <a:defRPr/>
-            </a:pPr>
-            <a:r>
-              <a:rPr kumimoji="0" lang="sk-SK" sz="1600" b="0" i="1" u="none" strike="noStrike" kern="0" cap="none" spc="0" normalizeH="0" baseline="0" noProof="0" dirty="0" smtClean="0">
-                <a:ln>
-                  <a:noFill/>
-                </a:ln>
-                <a:solidFill>
-                  <a:schemeClr val="bg1">
-                    <a:lumMod val="65000"/>
-                  </a:schemeClr>
-                </a:solidFill>
-                <a:effectLst>
-                  <a:outerShdw blurRad="38100" dist="38100" dir="2700000" algn="tl">
-                    <a:srgbClr val="000000">
-                      <a:alpha val="43137"/>
-                    </a:srgbClr>
-                  </a:outerShdw>
-                </a:effectLst>
-                <a:uLnTx/>
-                <a:uFillTx/>
-                <a:latin typeface="Constantia" pitchFamily="18" charset="0"/>
-              </a:rPr>
-              <a:t>Innovators </a:t>
-            </a:r>
-            <a:r>
-              <a:rPr kumimoji="0" lang="sk-SK" sz="1200" b="0" i="1" u="none" strike="noStrike" kern="0" cap="none" spc="0" normalizeH="0" baseline="0" noProof="0" dirty="0" smtClean="0">
-                <a:ln>
-                  <a:noFill/>
-                </a:ln>
-                <a:solidFill>
-                  <a:schemeClr val="bg1">
-                    <a:lumMod val="65000"/>
-                  </a:schemeClr>
-                </a:solidFill>
-                <a:effectLst>
-                  <a:outerShdw blurRad="38100" dist="38100" dir="2700000" algn="tl">
-                    <a:srgbClr val="000000">
-                      <a:alpha val="43137"/>
-                    </a:srgbClr>
-                  </a:outerShdw>
-                </a:effectLst>
-                <a:uLnTx/>
-                <a:uFillTx/>
-                <a:latin typeface="Constantia" pitchFamily="18" charset="0"/>
-              </a:rPr>
-              <a:t>|</a:t>
-            </a:r>
-            <a:r>
-              <a:rPr kumimoji="0" lang="sk-SK" sz="1200" b="0" i="1" u="none" strike="noStrike" kern="0" cap="none" spc="0" normalizeH="0" noProof="0" dirty="0" smtClean="0">
-                <a:ln>
-                  <a:noFill/>
-                </a:ln>
-                <a:solidFill>
-                  <a:schemeClr val="bg1">
-                    <a:lumMod val="65000"/>
-                  </a:schemeClr>
-                </a:solidFill>
-                <a:effectLst>
-                  <a:outerShdw blurRad="38100" dist="38100" dir="2700000" algn="tl">
-                    <a:srgbClr val="000000">
-                      <a:alpha val="43137"/>
-                    </a:srgbClr>
-                  </a:outerShdw>
-                </a:effectLst>
-                <a:uLnTx/>
-                <a:uFillTx/>
-                <a:latin typeface="Constantia" pitchFamily="18" charset="0"/>
-              </a:rPr>
-              <a:t> </a:t>
-            </a:r>
-            <a:r>
-              <a:rPr kumimoji="0" lang="sk-SK" sz="1200" b="0" i="1" u="none" strike="noStrike" kern="0" cap="none" spc="0" normalizeH="0" baseline="0" noProof="0" dirty="0" smtClean="0">
-                <a:ln>
-                  <a:noFill/>
-                </a:ln>
-                <a:solidFill>
-                  <a:schemeClr val="bg1">
-                    <a:lumMod val="65000"/>
-                  </a:schemeClr>
-                </a:solidFill>
-                <a:effectLst>
-                  <a:outerShdw blurRad="38100" dist="38100" dir="2700000" algn="tl">
-                    <a:srgbClr val="000000">
-                      <a:alpha val="43137"/>
-                    </a:srgbClr>
-                  </a:outerShdw>
-                </a:effectLst>
-                <a:uLnTx/>
-                <a:uFillTx/>
-                <a:latin typeface="Constantia" pitchFamily="18" charset="0"/>
-              </a:rPr>
-              <a:t>tím</a:t>
-            </a:r>
-            <a:r>
-              <a:rPr kumimoji="0" lang="sk-SK" sz="1400" b="0" i="1" u="none" strike="noStrike" kern="0" cap="none" spc="0" normalizeH="0" baseline="0" noProof="0" dirty="0" smtClean="0">
-                <a:ln>
-                  <a:noFill/>
-                </a:ln>
-                <a:solidFill>
-                  <a:schemeClr val="bg1">
-                    <a:lumMod val="65000"/>
-                  </a:schemeClr>
-                </a:solidFill>
-                <a:effectLst>
-                  <a:outerShdw blurRad="38100" dist="38100" dir="2700000" algn="tl">
-                    <a:srgbClr val="000000">
-                      <a:alpha val="43137"/>
-                    </a:srgbClr>
-                  </a:outerShdw>
-                </a:effectLst>
-                <a:uLnTx/>
-                <a:uFillTx/>
-                <a:latin typeface="Constantia" pitchFamily="18" charset="0"/>
-              </a:rPr>
-              <a:t> č.10</a:t>
-            </a:r>
-            <a:endParaRPr kumimoji="0" lang="en-US" sz="1600" b="0" i="1" u="none" strike="noStrike" kern="0" cap="none" spc="0" normalizeH="0" baseline="0" noProof="0" dirty="0">
-              <a:ln>
-                <a:noFill/>
-              </a:ln>
-              <a:solidFill>
-                <a:schemeClr val="bg1">
-                  <a:lumMod val="65000"/>
-                </a:schemeClr>
-              </a:solidFill>
-              <a:effectLst>
-                <a:outerShdw blurRad="38100" dist="38100" dir="2700000" algn="tl">
-                  <a:srgbClr val="000000">
-                    <a:alpha val="43137"/>
-                  </a:srgbClr>
-                </a:outerShdw>
-              </a:effectLst>
-              <a:uLnTx/>
-              <a:uFillTx/>
-              <a:latin typeface="Constantia" pitchFamily="18" charset="0"/>
-            </a:endParaRPr>
-          </a:p>
-        </p:txBody>
-      </p:sp>
-      <p:sp>
-        <p:nvSpPr>
-          <p:cNvPr id="7" name="TextBox 2"/>
-          <p:cNvSpPr txBox="1"/>
-          <p:nvPr/>
-        </p:nvSpPr>
-        <p:spPr>
-          <a:xfrm>
-            <a:off x="428596" y="1142988"/>
-            <a:ext cx="8286808" cy="3693319"/>
-          </a:xfrm>
-          <a:prstGeom prst="rect">
-            <a:avLst/>
-          </a:prstGeom>
-          <a:noFill/>
-        </p:spPr>
-        <p:txBody>
-          <a:bodyPr wrap="square" lIns="0" tIns="0" rIns="0" bIns="0" rtlCol="0">
-            <a:spAutoFit/>
-          </a:bodyPr>
-          <a:lstStyle/>
-          <a:p>
-            <a:pPr>
-              <a:lnSpc>
-                <a:spcPct val="200000"/>
-              </a:lnSpc>
-              <a:buFont typeface="Arial" pitchFamily="34" charset="0"/>
-              <a:buChar char="•"/>
-              <a:defRPr/>
-            </a:pPr>
-            <a:r>
-              <a:rPr lang="sk-SK" sz="2000" kern="0" smtClean="0">
-                <a:ln w="18415" cmpd="sng">
-                  <a:noFill/>
-                  <a:prstDash val="solid"/>
-                </a:ln>
-                <a:solidFill>
-                  <a:srgbClr val="FFFFFF"/>
-                </a:solidFill>
-                <a:effectLst>
-                  <a:outerShdw blurRad="50800" dist="38100" dir="2700000" algn="tl" rotWithShape="0">
-                    <a:prstClr val="black">
-                      <a:alpha val="40000"/>
-                    </a:prstClr>
-                  </a:outerShdw>
-                </a:effectLst>
-                <a:latin typeface="Times New Roman" pitchFamily="18" charset="0"/>
-                <a:cs typeface="Times New Roman" pitchFamily="18" charset="0"/>
-              </a:rPr>
-              <a:t> Vykonaný refactoring podľa zadefinovaných štýlov</a:t>
-            </a:r>
-          </a:p>
-          <a:p>
-            <a:pPr>
-              <a:lnSpc>
-                <a:spcPct val="200000"/>
-              </a:lnSpc>
-              <a:buFont typeface="Arial" pitchFamily="34" charset="0"/>
-              <a:buChar char="•"/>
-              <a:defRPr/>
-            </a:pPr>
-            <a:r>
-              <a:rPr lang="sk-SK" sz="2000" kern="0" smtClean="0">
-                <a:ln w="18415" cmpd="sng">
-                  <a:noFill/>
-                  <a:prstDash val="solid"/>
-                </a:ln>
-                <a:solidFill>
-                  <a:srgbClr val="FFFFFF"/>
-                </a:solidFill>
-                <a:effectLst>
-                  <a:outerShdw blurRad="50800" dist="38100" dir="2700000" algn="tl" rotWithShape="0">
-                    <a:prstClr val="black">
-                      <a:alpha val="40000"/>
-                    </a:prstClr>
-                  </a:outerShdw>
-                </a:effectLst>
-                <a:latin typeface="Times New Roman" pitchFamily="18" charset="0"/>
-                <a:cs typeface="Times New Roman" pitchFamily="18" charset="0"/>
-              </a:rPr>
-              <a:t> Implementácia funkcií pre prácu s AST stromom na strane Lua</a:t>
-            </a:r>
-          </a:p>
-          <a:p>
-            <a:pPr>
-              <a:lnSpc>
-                <a:spcPct val="200000"/>
-              </a:lnSpc>
-              <a:buFont typeface="Arial" pitchFamily="34" charset="0"/>
-              <a:buChar char="•"/>
-              <a:defRPr/>
-            </a:pPr>
-            <a:r>
-              <a:rPr lang="sk-SK" sz="2000" kern="0" smtClean="0">
-                <a:ln w="18415" cmpd="sng">
-                  <a:noFill/>
-                  <a:prstDash val="solid"/>
-                </a:ln>
-                <a:solidFill>
-                  <a:srgbClr val="FFFFFF"/>
-                </a:solidFill>
-                <a:effectLst>
-                  <a:outerShdw blurRad="50800" dist="38100" dir="2700000" algn="tl" rotWithShape="0">
-                    <a:prstClr val="black">
-                      <a:alpha val="40000"/>
-                    </a:prstClr>
-                  </a:outerShdw>
-                </a:effectLst>
-                <a:latin typeface="Times New Roman" pitchFamily="18" charset="0"/>
-                <a:cs typeface="Times New Roman" pitchFamily="18" charset="0"/>
-              </a:rPr>
-              <a:t> Zabudovanie dvoch módov – Undo Redo v rámci práce s textom</a:t>
-            </a:r>
-          </a:p>
-          <a:p>
-            <a:pPr>
-              <a:lnSpc>
-                <a:spcPct val="200000"/>
-              </a:lnSpc>
-              <a:buFont typeface="Arial" pitchFamily="34" charset="0"/>
-              <a:buChar char="•"/>
-              <a:defRPr/>
-            </a:pPr>
-            <a:r>
-              <a:rPr lang="sk-SK" sz="2000" kern="0" smtClean="0">
-                <a:ln w="18415" cmpd="sng">
-                  <a:noFill/>
-                  <a:prstDash val="solid"/>
-                </a:ln>
-                <a:solidFill>
-                  <a:srgbClr val="FFFFFF"/>
-                </a:solidFill>
-                <a:effectLst>
-                  <a:outerShdw blurRad="50800" dist="38100" dir="2700000" algn="tl" rotWithShape="0">
-                    <a:prstClr val="black">
-                      <a:alpha val="40000"/>
-                    </a:prstClr>
-                  </a:outerShdw>
-                </a:effectLst>
-                <a:latin typeface="Times New Roman" pitchFamily="18" charset="0"/>
-                <a:cs typeface="Times New Roman" pitchFamily="18" charset="0"/>
-              </a:rPr>
-              <a:t> Zabudovanie paralelizmu – spracovanie syntaktickej analýzi na pozadí</a:t>
-            </a:r>
-          </a:p>
-          <a:p>
-            <a:pPr>
-              <a:lnSpc>
-                <a:spcPct val="200000"/>
-              </a:lnSpc>
-              <a:buFont typeface="Arial" pitchFamily="34" charset="0"/>
-              <a:buChar char="•"/>
-              <a:defRPr/>
-            </a:pPr>
-            <a:r>
-              <a:rPr lang="sk-SK" sz="2000" kern="0" smtClean="0">
-                <a:ln w="18415" cmpd="sng">
-                  <a:noFill/>
-                  <a:prstDash val="solid"/>
-                </a:ln>
-                <a:solidFill>
-                  <a:srgbClr val="FFFFFF"/>
-                </a:solidFill>
-                <a:effectLst>
-                  <a:outerShdw blurRad="50800" dist="38100" dir="2700000" algn="tl" rotWithShape="0">
-                    <a:prstClr val="black">
-                      <a:alpha val="40000"/>
-                    </a:prstClr>
-                  </a:outerShdw>
-                </a:effectLst>
-                <a:latin typeface="Times New Roman" pitchFamily="18" charset="0"/>
-                <a:cs typeface="Times New Roman" pitchFamily="18" charset="0"/>
-              </a:rPr>
-              <a:t> Zabudovanie Shortcuts – rozšírenie existujúcich skratiek </a:t>
-            </a:r>
-          </a:p>
-          <a:p>
-            <a:pPr>
-              <a:lnSpc>
-                <a:spcPct val="200000"/>
-              </a:lnSpc>
-              <a:buFont typeface="Arial" pitchFamily="34" charset="0"/>
-              <a:buChar char="•"/>
-              <a:defRPr/>
-            </a:pPr>
-            <a:r>
-              <a:rPr lang="sk-SK" sz="2000" kern="0" smtClean="0">
-                <a:ln w="18415" cmpd="sng">
-                  <a:noFill/>
-                  <a:prstDash val="solid"/>
-                </a:ln>
-                <a:solidFill>
-                  <a:srgbClr val="FFFFFF"/>
-                </a:solidFill>
-                <a:effectLst>
-                  <a:outerShdw blurRad="50800" dist="38100" dir="2700000" algn="tl" rotWithShape="0">
-                    <a:prstClr val="black">
-                      <a:alpha val="40000"/>
-                    </a:prstClr>
-                  </a:outerShdw>
-                </a:effectLst>
-                <a:latin typeface="Times New Roman" pitchFamily="18" charset="0"/>
-                <a:cs typeface="Times New Roman" pitchFamily="18" charset="0"/>
-              </a:rPr>
-              <a:t> Úprava editora za použitia CSS </a:t>
-            </a:r>
-            <a:r>
-              <a:rPr lang="sk-SK" sz="2000" kern="0" smtClean="0">
-                <a:ln w="18415" cmpd="sng">
-                  <a:noFill/>
-                  <a:prstDash val="solid"/>
-                </a:ln>
-                <a:solidFill>
-                  <a:srgbClr val="FFFFFF"/>
-                </a:solidFill>
-                <a:effectLst>
-                  <a:outerShdw blurRad="50800" dist="38100" dir="2700000" algn="tl" rotWithShape="0">
-                    <a:prstClr val="black">
-                      <a:alpha val="40000"/>
-                    </a:prstClr>
-                  </a:outerShdw>
-                </a:effectLst>
-                <a:latin typeface="Times New Roman" pitchFamily="18" charset="0"/>
-                <a:cs typeface="Times New Roman" pitchFamily="18" charset="0"/>
-              </a:rPr>
-              <a:t>štýlov</a:t>
-            </a:r>
-            <a:endParaRPr lang="pl-PL" sz="2000" kern="0" smtClean="0">
-              <a:ln w="18415" cmpd="sng">
-                <a:noFill/>
-                <a:prstDash val="solid"/>
-              </a:ln>
-              <a:solidFill>
-                <a:srgbClr val="FFFFFF"/>
-              </a:solidFill>
-              <a:effectLst>
-                <a:outerShdw blurRad="50800" dist="38100" dir="2700000" algn="tl" rotWithShape="0">
-                  <a:prstClr val="black">
-                    <a:alpha val="40000"/>
-                  </a:prstClr>
-                </a:outerShdw>
-              </a:effectLst>
-              <a:latin typeface="Times New Roman" pitchFamily="18" charset="0"/>
-              <a:cs typeface="Times New Roman" pitchFamily="18" charset="0"/>
             </a:endParaRPr>
           </a:p>
         </p:txBody>
@@ -9423,7 +9338,7 @@
                 <a:latin typeface="Times New Roman" pitchFamily="18" charset="0"/>
                 <a:cs typeface="Times New Roman" pitchFamily="18" charset="0"/>
               </a:rPr>
-              <a:t>Výzvy</a:t>
+              <a:t>Implementácia prototypu</a:t>
             </a:r>
             <a:endParaRPr lang="en-US" sz="3200" b="1" kern="0" dirty="0" smtClean="0">
               <a:ln w="18415" cmpd="sng">
@@ -9639,7 +9554,7 @@
         <p:spPr>
           <a:xfrm>
             <a:off x="428596" y="1142988"/>
-            <a:ext cx="8286808" cy="3077766"/>
+            <a:ext cx="8286808" cy="3693319"/>
           </a:xfrm>
           <a:prstGeom prst="rect">
             <a:avLst/>
@@ -9661,7 +9576,7 @@
               <a:defRPr/>
             </a:pPr>
             <a:r>
-              <a:rPr lang="pl-PL" sz="2000" kern="0" smtClean="0">
+              <a:rPr lang="sk-SK" sz="2000" kern="0" smtClean="0">
                 <a:ln w="18415" cmpd="sng">
                   <a:noFill/>
                   <a:prstDash val="solid"/>
@@ -9679,10 +9594,20 @@
                 <a:latin typeface="Times New Roman" pitchFamily="18" charset="0"/>
                 <a:cs typeface="Times New Roman" pitchFamily="18" charset="0"/>
               </a:rPr>
-              <a:t> Držanie AST stromu na strane </a:t>
-            </a:r>
-            <a:r>
-              <a:rPr lang="pl-PL" sz="2000" kern="0" smtClean="0">
+              <a:t> Vykonaný refactoring podľa zadefinovaných štýlov</a:t>
+            </a:r>
+          </a:p>
+          <a:p>
+            <a:pPr>
+              <a:lnSpc>
+                <a:spcPct val="200000"/>
+              </a:lnSpc>
+              <a:buFont typeface="Arial" pitchFamily="34" charset="0"/>
+              <a:buChar char="•"/>
+              <a:defRPr/>
+            </a:pPr>
+            <a:r>
+              <a:rPr lang="sk-SK" sz="2000" kern="0" smtClean="0">
                 <a:ln w="18415" cmpd="sng">
                   <a:noFill/>
                   <a:prstDash val="solid"/>
@@ -9700,10 +9625,20 @@
                 <a:latin typeface="Times New Roman" pitchFamily="18" charset="0"/>
                 <a:cs typeface="Times New Roman" pitchFamily="18" charset="0"/>
               </a:rPr>
-              <a:t>Lua </a:t>
-            </a:r>
-            <a:r>
-              <a:rPr lang="pl-PL" sz="2000" kern="0" smtClean="0">
+              <a:t> Implementácia funkcií pre prácu s AST stromom na strane Lua</a:t>
+            </a:r>
+          </a:p>
+          <a:p>
+            <a:pPr>
+              <a:lnSpc>
+                <a:spcPct val="200000"/>
+              </a:lnSpc>
+              <a:buFont typeface="Arial" pitchFamily="34" charset="0"/>
+              <a:buChar char="•"/>
+              <a:defRPr/>
+            </a:pPr>
+            <a:r>
+              <a:rPr lang="sk-SK" sz="2000" kern="0" smtClean="0">
                 <a:ln w="18415" cmpd="sng">
                   <a:noFill/>
                   <a:prstDash val="solid"/>
@@ -9721,7 +9656,7 @@
                 <a:latin typeface="Times New Roman" pitchFamily="18" charset="0"/>
                 <a:cs typeface="Times New Roman" pitchFamily="18" charset="0"/>
               </a:rPr>
-              <a:t>– už len dopytovanie na strom z Qt</a:t>
+              <a:t> Zabudovanie dvoch módov – Undo Redo v rámci práce s textom</a:t>
             </a:r>
           </a:p>
           <a:p>
@@ -9734,7 +9669,7 @@
               <a:defRPr/>
             </a:pPr>
             <a:r>
-              <a:rPr lang="pl-PL" sz="2000" kern="0" smtClean="0">
+              <a:rPr lang="sk-SK" sz="2000" kern="0" smtClean="0">
                 <a:ln w="18415" cmpd="sng">
                   <a:noFill/>
                   <a:prstDash val="solid"/>
@@ -9752,10 +9687,20 @@
                 <a:latin typeface="Times New Roman" pitchFamily="18" charset="0"/>
                 <a:cs typeface="Times New Roman" pitchFamily="18" charset="0"/>
               </a:rPr>
-              <a:t> Rozšíriť paralelizmus aj na stranu </a:t>
-            </a:r>
-            <a:r>
-              <a:rPr lang="pl-PL" sz="2000" kern="0" smtClean="0">
+              <a:t> Zabudovanie paralelizmu – spracovanie syntaktickej analýzi na pozadí</a:t>
+            </a:r>
+          </a:p>
+          <a:p>
+            <a:pPr>
+              <a:lnSpc>
+                <a:spcPct val="200000"/>
+              </a:lnSpc>
+              <a:buFont typeface="Arial" pitchFamily="34" charset="0"/>
+              <a:buChar char="•"/>
+              <a:defRPr/>
+            </a:pPr>
+            <a:r>
+              <a:rPr lang="sk-SK" sz="2000" kern="0" smtClean="0">
                 <a:ln w="18415" cmpd="sng">
                   <a:noFill/>
                   <a:prstDash val="solid"/>
@@ -9773,7 +9718,38 @@
                 <a:latin typeface="Times New Roman" pitchFamily="18" charset="0"/>
                 <a:cs typeface="Times New Roman" pitchFamily="18" charset="0"/>
               </a:rPr>
-              <a:t>Lua</a:t>
+              <a:t> Zabudovanie Shortcuts – rozšírenie existujúcich skratiek </a:t>
+            </a:r>
+          </a:p>
+          <a:p>
+            <a:pPr>
+              <a:lnSpc>
+                <a:spcPct val="200000"/>
+              </a:lnSpc>
+              <a:buFont typeface="Arial" pitchFamily="34" charset="0"/>
+              <a:buChar char="•"/>
+              <a:defRPr/>
+            </a:pPr>
+            <a:r>
+              <a:rPr lang="sk-SK" sz="2000" kern="0" smtClean="0">
+                <a:ln w="18415" cmpd="sng">
+                  <a:noFill/>
+                  <a:prstDash val="solid"/>
+                </a:ln>
+                <a:solidFill>
+                  <a:srgbClr val="FFFFFF"/>
+                </a:solidFill>
+                <a:effectLst>
+                  <a:outerShdw blurRad="50800" dist="38100" dir="2700000" algn="tl" rotWithShape="0">
+                    <a:prstClr val="black">
+                      <a:alpha val="40000"/>
+                    </a:prstClr>
+                  </a:outerShdw>
+                </a:effectLst>
+                <a:latin typeface="Times New Roman" pitchFamily="18" charset="0"/>
+                <a:cs typeface="Times New Roman" pitchFamily="18" charset="0"/>
+              </a:rPr>
+              <a:t> Úprava editora za použitia CSS štýlov</a:t>
             </a:r>
             <a:endParaRPr lang="pl-PL" sz="2000" kern="0" smtClean="0">
               <a:ln w="18415" cmpd="sng">
@@ -9793,180 +9769,6 @@
               <a:latin typeface="Times New Roman" pitchFamily="18" charset="0"/>
               <a:cs typeface="Times New Roman" pitchFamily="18" charset="0"/>
             </a:endParaRPr>
-          </a:p>
-          <a:p>
-            <a:pPr>
-              <a:lnSpc>
-                <a:spcPct val="200000"/>
-              </a:lnSpc>
-              <a:buFont typeface="Arial" pitchFamily="34" charset="0"/>
-              <a:buChar char="•"/>
-              <a:defRPr/>
-            </a:pPr>
-            <a:r>
-              <a:rPr lang="pl-PL" sz="2000" kern="0" smtClean="0">
-                <a:ln w="18415" cmpd="sng">
-                  <a:noFill/>
-                  <a:prstDash val="solid"/>
-                </a:ln>
-                <a:solidFill>
-                  <a:srgbClr val="FFFFFF"/>
-                </a:solidFill>
-                <a:effectLst>
-                  <a:outerShdw blurRad="50800" dist="38100" dir="2700000" algn="tl" rotWithShape="0">
-                    <a:prstClr val="black">
-                      <a:alpha val="40000"/>
-                    </a:prstClr>
-                  </a:outerShdw>
-                </a:effectLst>
-                <a:latin typeface="Times New Roman" pitchFamily="18" charset="0"/>
-                <a:cs typeface="Times New Roman" pitchFamily="18" charset="0"/>
-              </a:rPr>
-              <a:t> Vlastné </a:t>
-            </a:r>
-            <a:r>
-              <a:rPr lang="pl-PL" sz="2000" kern="0" smtClean="0">
-                <a:ln w="18415" cmpd="sng">
-                  <a:noFill/>
-                  <a:prstDash val="solid"/>
-                </a:ln>
-                <a:solidFill>
-                  <a:srgbClr val="FFFFFF"/>
-                </a:solidFill>
-                <a:effectLst>
-                  <a:outerShdw blurRad="50800" dist="38100" dir="2700000" algn="tl" rotWithShape="0">
-                    <a:prstClr val="black">
-                      <a:alpha val="40000"/>
-                    </a:prstClr>
-                  </a:outerShdw>
-                </a:effectLst>
-                <a:latin typeface="Times New Roman" pitchFamily="18" charset="0"/>
-                <a:cs typeface="Times New Roman" pitchFamily="18" charset="0"/>
-              </a:rPr>
-              <a:t>konfigurovateľné shortcuts</a:t>
-            </a:r>
-            <a:endParaRPr lang="pl-PL" sz="2000" kern="0" smtClean="0">
-              <a:ln w="18415" cmpd="sng">
-                <a:noFill/>
-                <a:prstDash val="solid"/>
-              </a:ln>
-              <a:solidFill>
-                <a:srgbClr val="FFFFFF"/>
-              </a:solidFill>
-              <a:effectLst>
-                <a:outerShdw blurRad="50800" dist="38100" dir="2700000" algn="tl" rotWithShape="0">
-                  <a:prstClr val="black">
-                    <a:alpha val="40000"/>
-                  </a:prstClr>
-                </a:outerShdw>
-              </a:effectLst>
-              <a:latin typeface="Times New Roman" pitchFamily="18" charset="0"/>
-              <a:cs typeface="Times New Roman" pitchFamily="18" charset="0"/>
-            </a:endParaRPr>
-          </a:p>
-          <a:p>
-            <a:pPr>
-              <a:lnSpc>
-                <a:spcPct val="200000"/>
-              </a:lnSpc>
-              <a:buFont typeface="Arial" pitchFamily="34" charset="0"/>
-              <a:buChar char="•"/>
-              <a:defRPr/>
-            </a:pPr>
-            <a:r>
-              <a:rPr lang="pl-PL" sz="2000" kern="0" smtClean="0">
-                <a:ln w="18415" cmpd="sng">
-                  <a:noFill/>
-                  <a:prstDash val="solid"/>
-                </a:ln>
-                <a:solidFill>
-                  <a:srgbClr val="FFFFFF"/>
-                </a:solidFill>
-                <a:effectLst>
-                  <a:outerShdw blurRad="50800" dist="38100" dir="2700000" algn="tl" rotWithShape="0">
-                    <a:prstClr val="black">
-                      <a:alpha val="40000"/>
-                    </a:prstClr>
-                  </a:outerShdw>
-                </a:effectLst>
-                <a:latin typeface="Times New Roman" pitchFamily="18" charset="0"/>
-                <a:cs typeface="Times New Roman" pitchFamily="18" charset="0"/>
-              </a:rPr>
-              <a:t> Undo Redo rozšíriť aj pre prácu s blokmi</a:t>
-            </a:r>
-          </a:p>
-          <a:p>
-            <a:pPr>
-              <a:lnSpc>
-                <a:spcPct val="200000"/>
-              </a:lnSpc>
-              <a:buFont typeface="Arial" pitchFamily="34" charset="0"/>
-              <a:buChar char="•"/>
-              <a:defRPr/>
-            </a:pPr>
-            <a:r>
-              <a:rPr lang="pl-PL" sz="2000" kern="0" smtClean="0">
-                <a:ln w="18415" cmpd="sng">
-                  <a:noFill/>
-                  <a:prstDash val="solid"/>
-                </a:ln>
-                <a:solidFill>
-                  <a:srgbClr val="FFFFFF"/>
-                </a:solidFill>
-                <a:effectLst>
-                  <a:outerShdw blurRad="50800" dist="38100" dir="2700000" algn="tl" rotWithShape="0">
-                    <a:prstClr val="black">
-                      <a:alpha val="40000"/>
-                    </a:prstClr>
-                  </a:outerShdw>
-                </a:effectLst>
-                <a:latin typeface="Times New Roman" pitchFamily="18" charset="0"/>
-                <a:cs typeface="Times New Roman" pitchFamily="18" charset="0"/>
-              </a:rPr>
-              <a:t> Zabudovanie pokročilého dokumentačného bloku </a:t>
-            </a:r>
-            <a:r>
-              <a:rPr lang="pl-PL" sz="2000" kern="0" smtClean="0">
-                <a:ln w="18415" cmpd="sng">
-                  <a:noFill/>
-                  <a:prstDash val="solid"/>
-                </a:ln>
-                <a:solidFill>
-                  <a:srgbClr val="FFFFFF"/>
-                </a:solidFill>
-                <a:effectLst>
-                  <a:outerShdw blurRad="50800" dist="38100" dir="2700000" algn="tl" rotWithShape="0">
-                    <a:prstClr val="black">
-                      <a:alpha val="40000"/>
-                    </a:prstClr>
-                  </a:outerShdw>
-                </a:effectLst>
-                <a:latin typeface="Times New Roman" pitchFamily="18" charset="0"/>
-                <a:cs typeface="Times New Roman" pitchFamily="18" charset="0"/>
-              </a:rPr>
-              <a:t>podporúceho </a:t>
-            </a:r>
-            <a:r>
-              <a:rPr lang="pl-PL" sz="2000" kern="0" smtClean="0">
-                <a:ln w="18415" cmpd="sng">
-                  <a:noFill/>
-                  <a:prstDash val="solid"/>
-                </a:ln>
-                <a:solidFill>
-                  <a:srgbClr val="FFFFFF"/>
-                </a:solidFill>
-                <a:effectLst>
-                  <a:outerShdw blurRad="50800" dist="38100" dir="2700000" algn="tl" rotWithShape="0">
-                    <a:prstClr val="black">
-                      <a:alpha val="40000"/>
-                    </a:prstClr>
-                  </a:outerShdw>
-                </a:effectLst>
-                <a:latin typeface="Times New Roman" pitchFamily="18" charset="0"/>
-                <a:cs typeface="Times New Roman" pitchFamily="18" charset="0"/>
-              </a:rPr>
-              <a:t>RTF</a:t>
-            </a:r>
           </a:p>
         </p:txBody>
       </p:sp>
@@ -10256,6 +10058,1100 @@
       </p:grpSpPr>
       <p:sp>
         <p:nvSpPr>
+          <p:cNvPr id="22" name="Round Same Side Corner Rectangle 15"/>
+          <p:cNvSpPr/>
+          <p:nvPr/>
+        </p:nvSpPr>
+        <p:spPr bwMode="auto">
+          <a:xfrm rot="5400000">
+            <a:off x="2393157" y="-1393045"/>
+            <a:ext cx="4071966" cy="8858280"/>
+          </a:xfrm>
+          <a:prstGeom prst="round2SameRect">
+            <a:avLst/>
+          </a:prstGeom>
+          <a:solidFill>
+            <a:srgbClr val="000000">
+              <a:alpha val="28000"/>
+            </a:srgbClr>
+          </a:solidFill>
+          <a:ln w="12700">
+            <a:noFill/>
+            <a:headEnd type="none" w="med" len="med"/>
+            <a:tailEnd type="none" w="med" len="med"/>
+          </a:ln>
+          <a:effectLst/>
+        </p:spPr>
+        <p:style>
+          <a:lnRef idx="1">
+            <a:schemeClr val="accent2"/>
+          </a:lnRef>
+          <a:fillRef idx="3">
+            <a:schemeClr val="accent2"/>
+          </a:fillRef>
+          <a:effectRef idx="2">
+            <a:schemeClr val="accent2"/>
+          </a:effectRef>
+          <a:fontRef idx="minor">
+            <a:schemeClr val="lt1"/>
+          </a:fontRef>
+        </p:style>
+        <p:txBody>
+          <a:bodyPr vert="horz" wrap="square" lIns="68566" tIns="228558" rIns="68566" bIns="34283" numCol="1" rtlCol="0" anchor="t" anchorCtr="0" compatLnSpc="1">
+            <a:prstTxWarp prst="textNoShape">
+              <a:avLst/>
+            </a:prstTxWarp>
+          </a:bodyPr>
+          <a:lstStyle/>
+          <a:p>
+            <a:pPr algn="ctr" defTabSz="685750" fontAlgn="base">
+              <a:lnSpc>
+                <a:spcPct val="80000"/>
+              </a:lnSpc>
+              <a:spcBef>
+                <a:spcPct val="0"/>
+              </a:spcBef>
+              <a:spcAft>
+                <a:spcPct val="0"/>
+              </a:spcAft>
+              <a:buClr>
+                <a:srgbClr val="FFFF99"/>
+              </a:buClr>
+              <a:buSzPct val="120000"/>
+              <a:defRPr/>
+            </a:pPr>
+            <a:endParaRPr lang="en-US" altLang="zh-CN" sz="4100" b="1" spc="-94" dirty="0">
+              <a:ln w="18415" cmpd="sng">
+                <a:noFill/>
+                <a:prstDash val="solid"/>
+              </a:ln>
+              <a:solidFill>
+                <a:srgbClr val="000000"/>
+              </a:solidFill>
+              <a:effectLst>
+                <a:glow rad="101600">
+                  <a:srgbClr val="CCECFF"/>
+                </a:glow>
+                <a:innerShdw blurRad="114300">
+                  <a:prstClr val="black"/>
+                </a:innerShdw>
+              </a:effectLst>
+              <a:latin typeface="Segoe"/>
+            </a:endParaRPr>
+          </a:p>
+        </p:txBody>
+      </p:sp>
+      <p:sp>
+        <p:nvSpPr>
+          <p:cNvPr id="5" name="Freeform 8"/>
+          <p:cNvSpPr>
+            <a:spLocks/>
+          </p:cNvSpPr>
+          <p:nvPr/>
+        </p:nvSpPr>
+        <p:spPr bwMode="auto">
+          <a:xfrm rot="5400000">
+            <a:off x="4460057" y="428625"/>
+            <a:ext cx="285750" cy="10287000"/>
+          </a:xfrm>
+          <a:prstGeom prst="rect">
+            <a:avLst/>
+          </a:prstGeom>
+          <a:gradFill flip="none" rotWithShape="1">
+            <a:gsLst>
+              <a:gs pos="0">
+                <a:sysClr val="windowText" lastClr="000000">
+                  <a:alpha val="0"/>
+                </a:sysClr>
+              </a:gs>
+              <a:gs pos="38000">
+                <a:sysClr val="windowText" lastClr="000000"/>
+              </a:gs>
+              <a:gs pos="100000">
+                <a:sysClr val="windowText" lastClr="000000">
+                  <a:alpha val="0"/>
+                </a:sysClr>
+              </a:gs>
+            </a:gsLst>
+            <a:lin ang="16200000" scaled="1"/>
+            <a:tileRect/>
+          </a:gradFill>
+          <a:ln w="9525">
+            <a:noFill/>
+            <a:round/>
+            <a:headEnd/>
+            <a:tailEnd/>
+          </a:ln>
+        </p:spPr>
+        <p:txBody>
+          <a:bodyPr vert="horz" wrap="square" lIns="68589" tIns="34295" rIns="68589" bIns="34295" numCol="1" anchor="t" anchorCtr="0" compatLnSpc="1">
+            <a:prstTxWarp prst="textNoShape">
+              <a:avLst/>
+            </a:prstTxWarp>
+          </a:bodyPr>
+          <a:lstStyle/>
+          <a:p>
+            <a:pPr marL="0" marR="0" lvl="0" indent="0" defTabSz="914400" eaLnBrk="1" fontAlgn="auto" latinLnBrk="0" hangingPunct="1">
+              <a:lnSpc>
+                <a:spcPct val="100000"/>
+              </a:lnSpc>
+              <a:spcBef>
+                <a:spcPts val="0"/>
+              </a:spcBef>
+              <a:spcAft>
+                <a:spcPts val="0"/>
+              </a:spcAft>
+              <a:buClrTx/>
+              <a:buSzTx/>
+              <a:buFontTx/>
+              <a:buNone/>
+              <a:tabLst/>
+              <a:defRPr/>
+            </a:pPr>
+            <a:endParaRPr kumimoji="0" lang="en-US" sz="1800" b="0" i="0" u="none" strike="noStrike" kern="0" cap="none" spc="0" normalizeH="0" baseline="0" noProof="0" dirty="0">
+              <a:ln>
+                <a:noFill/>
+              </a:ln>
+              <a:solidFill>
+                <a:sysClr val="windowText" lastClr="000000"/>
+              </a:solidFill>
+              <a:effectLst/>
+              <a:uLnTx/>
+              <a:uFillTx/>
+            </a:endParaRPr>
+          </a:p>
+        </p:txBody>
+      </p:sp>
+      <p:sp>
+        <p:nvSpPr>
+          <p:cNvPr id="8" name="TextBox 2"/>
+          <p:cNvSpPr txBox="1"/>
+          <p:nvPr/>
+        </p:nvSpPr>
+        <p:spPr>
+          <a:xfrm>
+            <a:off x="3286116" y="337220"/>
+            <a:ext cx="5857884" cy="492443"/>
+          </a:xfrm>
+          <a:prstGeom prst="rect">
+            <a:avLst/>
+          </a:prstGeom>
+          <a:noFill/>
+          <a:effectLst/>
+        </p:spPr>
+        <p:txBody>
+          <a:bodyPr wrap="square" lIns="0" tIns="0" rIns="0" bIns="0" rtlCol="0">
+            <a:spAutoFit/>
+          </a:bodyPr>
+          <a:lstStyle/>
+          <a:p>
+            <a:pPr lvl="0" algn="ctr">
+              <a:defRPr/>
+            </a:pPr>
+            <a:r>
+              <a:rPr lang="sk-SK" sz="3200" b="1" kern="0" smtClean="0">
+                <a:ln w="18415" cmpd="sng">
+                  <a:noFill/>
+                  <a:prstDash val="solid"/>
+                </a:ln>
+                <a:solidFill>
+                  <a:srgbClr val="FFFFFF"/>
+                </a:solidFill>
+                <a:effectLst>
+                  <a:outerShdw blurRad="50800" dist="38100" dir="2700000" algn="tl" rotWithShape="0">
+                    <a:prstClr val="black">
+                      <a:alpha val="40000"/>
+                    </a:prstClr>
+                  </a:outerShdw>
+                </a:effectLst>
+                <a:latin typeface="Times New Roman" pitchFamily="18" charset="0"/>
+                <a:cs typeface="Times New Roman" pitchFamily="18" charset="0"/>
+              </a:rPr>
+              <a:t>Výzvy</a:t>
+            </a:r>
+            <a:endParaRPr lang="en-US" sz="3200" b="1" kern="0" dirty="0" smtClean="0">
+              <a:ln w="18415" cmpd="sng">
+                <a:noFill/>
+                <a:prstDash val="solid"/>
+              </a:ln>
+              <a:solidFill>
+                <a:srgbClr val="FFFFFF"/>
+              </a:solidFill>
+              <a:effectLst>
+                <a:outerShdw blurRad="50800" dist="38100" dir="2700000" algn="tl" rotWithShape="0">
+                  <a:prstClr val="black">
+                    <a:alpha val="40000"/>
+                  </a:prstClr>
+                </a:outerShdw>
+              </a:effectLst>
+              <a:latin typeface="Times New Roman" pitchFamily="18" charset="0"/>
+              <a:cs typeface="Times New Roman" pitchFamily="18" charset="0"/>
+            </a:endParaRPr>
+          </a:p>
+        </p:txBody>
+      </p:sp>
+      <p:sp>
+        <p:nvSpPr>
+          <p:cNvPr id="11" name="TextBox 47"/>
+          <p:cNvSpPr txBox="1"/>
+          <p:nvPr/>
+        </p:nvSpPr>
+        <p:spPr>
+          <a:xfrm>
+            <a:off x="107504" y="5399519"/>
+            <a:ext cx="2051719" cy="315481"/>
+          </a:xfrm>
+          <a:prstGeom prst="rect">
+            <a:avLst/>
+          </a:prstGeom>
+          <a:noFill/>
+          <a:effectLst>
+            <a:outerShdw blurRad="50800" dist="38100" dir="2700000" algn="tl" rotWithShape="0">
+              <a:prstClr val="black">
+                <a:alpha val="40000"/>
+              </a:prstClr>
+            </a:outerShdw>
+          </a:effectLst>
+        </p:spPr>
+        <p:txBody>
+          <a:bodyPr wrap="square" lIns="68589" tIns="34295" rIns="68589" bIns="34295" rtlCol="0">
+            <a:spAutoFit/>
+          </a:bodyPr>
+          <a:lstStyle/>
+          <a:p>
+            <a:pPr marL="0" marR="0" lvl="0" indent="0" defTabSz="914400" eaLnBrk="1" fontAlgn="base" latinLnBrk="0" hangingPunct="1">
+              <a:lnSpc>
+                <a:spcPct val="100000"/>
+              </a:lnSpc>
+              <a:spcBef>
+                <a:spcPct val="0"/>
+              </a:spcBef>
+              <a:spcAft>
+                <a:spcPct val="0"/>
+              </a:spcAft>
+              <a:buClrTx/>
+              <a:buSzTx/>
+              <a:buFontTx/>
+              <a:buNone/>
+              <a:tabLst/>
+              <a:defRPr/>
+            </a:pPr>
+            <a:r>
+              <a:rPr kumimoji="0" lang="sk-SK" sz="1600" b="0" i="1" u="none" strike="noStrike" kern="0" cap="none" spc="0" normalizeH="0" baseline="0" noProof="0" dirty="0" smtClean="0">
+                <a:ln>
+                  <a:noFill/>
+                </a:ln>
+                <a:solidFill>
+                  <a:schemeClr val="bg1">
+                    <a:lumMod val="65000"/>
+                  </a:schemeClr>
+                </a:solidFill>
+                <a:effectLst>
+                  <a:outerShdw blurRad="38100" dist="38100" dir="2700000" algn="tl">
+                    <a:srgbClr val="000000">
+                      <a:alpha val="43137"/>
+                    </a:srgbClr>
+                  </a:outerShdw>
+                </a:effectLst>
+                <a:uLnTx/>
+                <a:uFillTx/>
+                <a:latin typeface="Constantia" pitchFamily="18" charset="0"/>
+              </a:rPr>
+              <a:t>Innovators </a:t>
+            </a:r>
+            <a:r>
+              <a:rPr kumimoji="0" lang="sk-SK" sz="1200" b="0" i="1" u="none" strike="noStrike" kern="0" cap="none" spc="0" normalizeH="0" baseline="0" noProof="0" dirty="0" smtClean="0">
+                <a:ln>
+                  <a:noFill/>
+                </a:ln>
+                <a:solidFill>
+                  <a:schemeClr val="bg1">
+                    <a:lumMod val="65000"/>
+                  </a:schemeClr>
+                </a:solidFill>
+                <a:effectLst>
+                  <a:outerShdw blurRad="38100" dist="38100" dir="2700000" algn="tl">
+                    <a:srgbClr val="000000">
+                      <a:alpha val="43137"/>
+                    </a:srgbClr>
+                  </a:outerShdw>
+                </a:effectLst>
+                <a:uLnTx/>
+                <a:uFillTx/>
+                <a:latin typeface="Constantia" pitchFamily="18" charset="0"/>
+              </a:rPr>
+              <a:t>|</a:t>
+            </a:r>
+            <a:r>
+              <a:rPr kumimoji="0" lang="sk-SK" sz="1200" b="0" i="1" u="none" strike="noStrike" kern="0" cap="none" spc="0" normalizeH="0" noProof="0" dirty="0" smtClean="0">
+                <a:ln>
+                  <a:noFill/>
+                </a:ln>
+                <a:solidFill>
+                  <a:schemeClr val="bg1">
+                    <a:lumMod val="65000"/>
+                  </a:schemeClr>
+                </a:solidFill>
+                <a:effectLst>
+                  <a:outerShdw blurRad="38100" dist="38100" dir="2700000" algn="tl">
+                    <a:srgbClr val="000000">
+                      <a:alpha val="43137"/>
+                    </a:srgbClr>
+                  </a:outerShdw>
+                </a:effectLst>
+                <a:uLnTx/>
+                <a:uFillTx/>
+                <a:latin typeface="Constantia" pitchFamily="18" charset="0"/>
+              </a:rPr>
+              <a:t> </a:t>
+            </a:r>
+            <a:r>
+              <a:rPr kumimoji="0" lang="sk-SK" sz="1200" b="0" i="1" u="none" strike="noStrike" kern="0" cap="none" spc="0" normalizeH="0" baseline="0" noProof="0" dirty="0" smtClean="0">
+                <a:ln>
+                  <a:noFill/>
+                </a:ln>
+                <a:solidFill>
+                  <a:schemeClr val="bg1">
+                    <a:lumMod val="65000"/>
+                  </a:schemeClr>
+                </a:solidFill>
+                <a:effectLst>
+                  <a:outerShdw blurRad="38100" dist="38100" dir="2700000" algn="tl">
+                    <a:srgbClr val="000000">
+                      <a:alpha val="43137"/>
+                    </a:srgbClr>
+                  </a:outerShdw>
+                </a:effectLst>
+                <a:uLnTx/>
+                <a:uFillTx/>
+                <a:latin typeface="Constantia" pitchFamily="18" charset="0"/>
+              </a:rPr>
+              <a:t>tím</a:t>
+            </a:r>
+            <a:r>
+              <a:rPr kumimoji="0" lang="sk-SK" sz="1400" b="0" i="1" u="none" strike="noStrike" kern="0" cap="none" spc="0" normalizeH="0" baseline="0" noProof="0" dirty="0" smtClean="0">
+                <a:ln>
+                  <a:noFill/>
+                </a:ln>
+                <a:solidFill>
+                  <a:schemeClr val="bg1">
+                    <a:lumMod val="65000"/>
+                  </a:schemeClr>
+                </a:solidFill>
+                <a:effectLst>
+                  <a:outerShdw blurRad="38100" dist="38100" dir="2700000" algn="tl">
+                    <a:srgbClr val="000000">
+                      <a:alpha val="43137"/>
+                    </a:srgbClr>
+                  </a:outerShdw>
+                </a:effectLst>
+                <a:uLnTx/>
+                <a:uFillTx/>
+                <a:latin typeface="Constantia" pitchFamily="18" charset="0"/>
+              </a:rPr>
+              <a:t> č.10</a:t>
+            </a:r>
+            <a:endParaRPr kumimoji="0" lang="en-US" sz="1600" b="0" i="1" u="none" strike="noStrike" kern="0" cap="none" spc="0" normalizeH="0" baseline="0" noProof="0" dirty="0">
+              <a:ln>
+                <a:noFill/>
+              </a:ln>
+              <a:solidFill>
+                <a:schemeClr val="bg1">
+                  <a:lumMod val="65000"/>
+                </a:schemeClr>
+              </a:solidFill>
+              <a:effectLst>
+                <a:outerShdw blurRad="38100" dist="38100" dir="2700000" algn="tl">
+                  <a:srgbClr val="000000">
+                    <a:alpha val="43137"/>
+                  </a:srgbClr>
+                </a:outerShdw>
+              </a:effectLst>
+              <a:uLnTx/>
+              <a:uFillTx/>
+              <a:latin typeface="Constantia" pitchFamily="18" charset="0"/>
+            </a:endParaRPr>
+          </a:p>
+        </p:txBody>
+      </p:sp>
+      <p:sp>
+        <p:nvSpPr>
+          <p:cNvPr id="7" name="TextBox 2"/>
+          <p:cNvSpPr txBox="1"/>
+          <p:nvPr/>
+        </p:nvSpPr>
+        <p:spPr>
+          <a:xfrm>
+            <a:off x="428596" y="1142988"/>
+            <a:ext cx="8286808" cy="3693319"/>
+          </a:xfrm>
+          <a:prstGeom prst="rect">
+            <a:avLst/>
+          </a:prstGeom>
+          <a:noFill/>
+        </p:spPr>
+        <p:txBody>
+          <a:bodyPr wrap="square" lIns="0" tIns="0" rIns="0" bIns="0" rtlCol="0">
+            <a:spAutoFit/>
+          </a:bodyPr>
+          <a:lstStyle/>
+          <a:p>
+            <a:pPr>
+              <a:lnSpc>
+                <a:spcPct val="200000"/>
+              </a:lnSpc>
+              <a:buFont typeface="Arial" pitchFamily="34" charset="0"/>
+              <a:buChar char="•"/>
+              <a:defRPr/>
+            </a:pPr>
+            <a:r>
+              <a:rPr lang="pl-PL" sz="2000" kern="0" smtClean="0">
+                <a:ln w="18415" cmpd="sng">
+                  <a:noFill/>
+                  <a:prstDash val="solid"/>
+                </a:ln>
+                <a:solidFill>
+                  <a:srgbClr val="FFFFFF"/>
+                </a:solidFill>
+                <a:effectLst>
+                  <a:outerShdw blurRad="50800" dist="38100" dir="2700000" algn="tl" rotWithShape="0">
+                    <a:prstClr val="black">
+                      <a:alpha val="40000"/>
+                    </a:prstClr>
+                  </a:outerShdw>
+                </a:effectLst>
+                <a:latin typeface="Times New Roman" pitchFamily="18" charset="0"/>
+                <a:cs typeface="Times New Roman" pitchFamily="18" charset="0"/>
+              </a:rPr>
+              <a:t> Držanie AST stromu na strane Lua – už len dopytovanie na strom z Qt</a:t>
+            </a:r>
+          </a:p>
+          <a:p>
+            <a:pPr>
+              <a:lnSpc>
+                <a:spcPct val="200000"/>
+              </a:lnSpc>
+              <a:buFont typeface="Arial" pitchFamily="34" charset="0"/>
+              <a:buChar char="•"/>
+              <a:defRPr/>
+            </a:pPr>
+            <a:r>
+              <a:rPr lang="pl-PL" sz="2000" kern="0" smtClean="0">
+                <a:ln w="18415" cmpd="sng">
+                  <a:noFill/>
+                  <a:prstDash val="solid"/>
+                </a:ln>
+                <a:solidFill>
+                  <a:srgbClr val="FFFFFF"/>
+                </a:solidFill>
+                <a:effectLst>
+                  <a:outerShdw blurRad="50800" dist="38100" dir="2700000" algn="tl" rotWithShape="0">
+                    <a:prstClr val="black">
+                      <a:alpha val="40000"/>
+                    </a:prstClr>
+                  </a:outerShdw>
+                </a:effectLst>
+                <a:latin typeface="Times New Roman" pitchFamily="18" charset="0"/>
+                <a:cs typeface="Times New Roman" pitchFamily="18" charset="0"/>
+              </a:rPr>
+              <a:t> Rozšíriť paralelizmus aj na stranu Lua</a:t>
+            </a:r>
+          </a:p>
+          <a:p>
+            <a:pPr>
+              <a:lnSpc>
+                <a:spcPct val="200000"/>
+              </a:lnSpc>
+              <a:buFont typeface="Arial" pitchFamily="34" charset="0"/>
+              <a:buChar char="•"/>
+              <a:defRPr/>
+            </a:pPr>
+            <a:r>
+              <a:rPr lang="pl-PL" sz="2000" kern="0" smtClean="0">
+                <a:ln w="18415" cmpd="sng">
+                  <a:noFill/>
+                  <a:prstDash val="solid"/>
+                </a:ln>
+                <a:solidFill>
+                  <a:srgbClr val="FFFFFF"/>
+                </a:solidFill>
+                <a:effectLst>
+                  <a:outerShdw blurRad="50800" dist="38100" dir="2700000" algn="tl" rotWithShape="0">
+                    <a:prstClr val="black">
+                      <a:alpha val="40000"/>
+                    </a:prstClr>
+                  </a:outerShdw>
+                </a:effectLst>
+                <a:latin typeface="Times New Roman" pitchFamily="18" charset="0"/>
+                <a:cs typeface="Times New Roman" pitchFamily="18" charset="0"/>
+              </a:rPr>
+              <a:t> Vlastné konfigurovateľné shortcuts</a:t>
+            </a:r>
+          </a:p>
+          <a:p>
+            <a:pPr>
+              <a:lnSpc>
+                <a:spcPct val="200000"/>
+              </a:lnSpc>
+              <a:buFont typeface="Arial" pitchFamily="34" charset="0"/>
+              <a:buChar char="•"/>
+              <a:defRPr/>
+            </a:pPr>
+            <a:r>
+              <a:rPr lang="pl-PL" sz="2000" kern="0" smtClean="0">
+                <a:ln w="18415" cmpd="sng">
+                  <a:noFill/>
+                  <a:prstDash val="solid"/>
+                </a:ln>
+                <a:solidFill>
+                  <a:srgbClr val="FFFFFF"/>
+                </a:solidFill>
+                <a:effectLst>
+                  <a:outerShdw blurRad="50800" dist="38100" dir="2700000" algn="tl" rotWithShape="0">
+                    <a:prstClr val="black">
+                      <a:alpha val="40000"/>
+                    </a:prstClr>
+                  </a:outerShdw>
+                </a:effectLst>
+                <a:latin typeface="Times New Roman" pitchFamily="18" charset="0"/>
+                <a:cs typeface="Times New Roman" pitchFamily="18" charset="0"/>
+              </a:rPr>
+              <a:t> Undo Redo rozšíriť aj pre prácu s blokmi</a:t>
+            </a:r>
+          </a:p>
+          <a:p>
+            <a:pPr>
+              <a:lnSpc>
+                <a:spcPct val="200000"/>
+              </a:lnSpc>
+              <a:buFont typeface="Arial" pitchFamily="34" charset="0"/>
+              <a:buChar char="•"/>
+              <a:defRPr/>
+            </a:pPr>
+            <a:r>
+              <a:rPr lang="pl-PL" sz="2000" kern="0" smtClean="0">
+                <a:ln w="18415" cmpd="sng">
+                  <a:noFill/>
+                  <a:prstDash val="solid"/>
+                </a:ln>
+                <a:solidFill>
+                  <a:srgbClr val="FFFFFF"/>
+                </a:solidFill>
+                <a:effectLst>
+                  <a:outerShdw blurRad="50800" dist="38100" dir="2700000" algn="tl" rotWithShape="0">
+                    <a:prstClr val="black">
+                      <a:alpha val="40000"/>
+                    </a:prstClr>
+                  </a:outerShdw>
+                </a:effectLst>
+                <a:latin typeface="Times New Roman" pitchFamily="18" charset="0"/>
+                <a:cs typeface="Times New Roman" pitchFamily="18" charset="0"/>
+              </a:rPr>
+              <a:t> Zabudovanie pokročilého dokumentačného bloku podporúceho </a:t>
+            </a:r>
+            <a:r>
+              <a:rPr lang="pl-PL" sz="2000" kern="0" smtClean="0">
+                <a:ln w="18415" cmpd="sng">
+                  <a:noFill/>
+                  <a:prstDash val="solid"/>
+                </a:ln>
+                <a:solidFill>
+                  <a:srgbClr val="FFFFFF"/>
+                </a:solidFill>
+                <a:effectLst>
+                  <a:outerShdw blurRad="50800" dist="38100" dir="2700000" algn="tl" rotWithShape="0">
+                    <a:prstClr val="black">
+                      <a:alpha val="40000"/>
+                    </a:prstClr>
+                  </a:outerShdw>
+                </a:effectLst>
+                <a:latin typeface="Times New Roman" pitchFamily="18" charset="0"/>
+                <a:cs typeface="Times New Roman" pitchFamily="18" charset="0"/>
+              </a:rPr>
+              <a:t>RTF</a:t>
+            </a:r>
+            <a:endParaRPr lang="en-US" sz="2000" kern="0" smtClean="0">
+              <a:ln w="18415" cmpd="sng">
+                <a:noFill/>
+                <a:prstDash val="solid"/>
+              </a:ln>
+              <a:solidFill>
+                <a:srgbClr val="FFFFFF"/>
+              </a:solidFill>
+              <a:effectLst>
+                <a:outerShdw blurRad="50800" dist="38100" dir="2700000" algn="tl" rotWithShape="0">
+                  <a:prstClr val="black">
+                    <a:alpha val="40000"/>
+                  </a:prstClr>
+                </a:outerShdw>
+              </a:effectLst>
+              <a:latin typeface="Times New Roman" pitchFamily="18" charset="0"/>
+              <a:cs typeface="Times New Roman" pitchFamily="18" charset="0"/>
+            </a:endParaRPr>
+          </a:p>
+          <a:p>
+            <a:pPr>
+              <a:lnSpc>
+                <a:spcPct val="200000"/>
+              </a:lnSpc>
+              <a:buFont typeface="Arial" pitchFamily="34" charset="0"/>
+              <a:buChar char="•"/>
+              <a:defRPr/>
+            </a:pPr>
+            <a:r>
+              <a:rPr lang="sk-SK" sz="2000" kern="0" smtClean="0">
+                <a:ln w="18415" cmpd="sng">
+                  <a:noFill/>
+                  <a:prstDash val="solid"/>
+                </a:ln>
+                <a:solidFill>
+                  <a:srgbClr val="FFFFFF"/>
+                </a:solidFill>
+                <a:effectLst>
+                  <a:outerShdw blurRad="50800" dist="38100" dir="2700000" algn="tl" rotWithShape="0">
+                    <a:prstClr val="black">
+                      <a:alpha val="40000"/>
+                    </a:prstClr>
+                  </a:outerShdw>
+                </a:effectLst>
+                <a:latin typeface="Times New Roman" pitchFamily="18" charset="0"/>
+                <a:cs typeface="Times New Roman" pitchFamily="18" charset="0"/>
+              </a:rPr>
+              <a:t> </a:t>
+            </a:r>
+            <a:r>
+              <a:rPr lang="en-US" sz="2000" kern="0" smtClean="0">
+                <a:ln w="18415" cmpd="sng">
+                  <a:noFill/>
+                  <a:prstDash val="solid"/>
+                </a:ln>
+                <a:solidFill>
+                  <a:srgbClr val="FFFFFF"/>
+                </a:solidFill>
+                <a:effectLst>
+                  <a:outerShdw blurRad="50800" dist="38100" dir="2700000" algn="tl" rotWithShape="0">
+                    <a:prstClr val="black">
+                      <a:alpha val="40000"/>
+                    </a:prstClr>
+                  </a:outerShdw>
+                </a:effectLst>
+                <a:latin typeface="Times New Roman" pitchFamily="18" charset="0"/>
+                <a:cs typeface="Times New Roman" pitchFamily="18" charset="0"/>
+              </a:rPr>
+              <a:t>Vyu</a:t>
+            </a:r>
+            <a:r>
+              <a:rPr lang="sk-SK" sz="2000" kern="0" smtClean="0">
+                <a:ln w="18415" cmpd="sng">
+                  <a:noFill/>
+                  <a:prstDash val="solid"/>
+                </a:ln>
+                <a:solidFill>
+                  <a:srgbClr val="FFFFFF"/>
+                </a:solidFill>
+                <a:effectLst>
+                  <a:outerShdw blurRad="50800" dist="38100" dir="2700000" algn="tl" rotWithShape="0">
+                    <a:prstClr val="black">
+                      <a:alpha val="40000"/>
+                    </a:prstClr>
+                  </a:outerShdw>
+                </a:effectLst>
+                <a:latin typeface="Times New Roman" pitchFamily="18" charset="0"/>
+                <a:cs typeface="Times New Roman" pitchFamily="18" charset="0"/>
+              </a:rPr>
+              <a:t>žiť</a:t>
+            </a:r>
+            <a:r>
+              <a:rPr lang="en-US" sz="2000" kern="0" smtClean="0">
+                <a:ln w="18415" cmpd="sng">
+                  <a:noFill/>
+                  <a:prstDash val="solid"/>
+                </a:ln>
+                <a:solidFill>
+                  <a:srgbClr val="FFFFFF"/>
+                </a:solidFill>
+                <a:effectLst>
+                  <a:outerShdw blurRad="50800" dist="38100" dir="2700000" algn="tl" rotWithShape="0">
+                    <a:prstClr val="black">
+                      <a:alpha val="40000"/>
+                    </a:prstClr>
+                  </a:outerShdw>
+                </a:effectLst>
+                <a:latin typeface="Times New Roman" pitchFamily="18" charset="0"/>
+                <a:cs typeface="Times New Roman" pitchFamily="18" charset="0"/>
+              </a:rPr>
+              <a:t> </a:t>
+            </a:r>
+            <a:r>
+              <a:rPr lang="sk-SK" sz="2000" kern="0" smtClean="0">
+                <a:ln w="18415" cmpd="sng">
+                  <a:noFill/>
+                  <a:prstDash val="solid"/>
+                </a:ln>
+                <a:solidFill>
+                  <a:srgbClr val="FFFFFF"/>
+                </a:solidFill>
+                <a:effectLst>
+                  <a:outerShdw blurRad="50800" dist="38100" dir="2700000" algn="tl" rotWithShape="0">
+                    <a:prstClr val="black">
+                      <a:alpha val="40000"/>
+                    </a:prstClr>
+                  </a:outerShdw>
+                </a:effectLst>
+                <a:latin typeface="Times New Roman" pitchFamily="18" charset="0"/>
+                <a:cs typeface="Times New Roman" pitchFamily="18" charset="0"/>
+              </a:rPr>
+              <a:t>QML </a:t>
+            </a:r>
+            <a:r>
+              <a:rPr lang="sk-SK" sz="2000" kern="0" smtClean="0">
+                <a:ln w="18415" cmpd="sng">
+                  <a:noFill/>
+                  <a:prstDash val="solid"/>
+                </a:ln>
+                <a:solidFill>
+                  <a:srgbClr val="FFFFFF"/>
+                </a:solidFill>
+                <a:effectLst>
+                  <a:outerShdw blurRad="50800" dist="38100" dir="2700000" algn="tl" rotWithShape="0">
+                    <a:prstClr val="black">
+                      <a:alpha val="40000"/>
+                    </a:prstClr>
+                  </a:outerShdw>
+                </a:effectLst>
+                <a:latin typeface="Times New Roman" pitchFamily="18" charset="0"/>
+                <a:cs typeface="Times New Roman" pitchFamily="18" charset="0"/>
+              </a:rPr>
+              <a:t>a CSS </a:t>
+            </a:r>
+            <a:r>
+              <a:rPr lang="sk-SK" sz="2000" kern="0" smtClean="0">
+                <a:ln w="18415" cmpd="sng">
+                  <a:noFill/>
+                  <a:prstDash val="solid"/>
+                </a:ln>
+                <a:solidFill>
+                  <a:srgbClr val="FFFFFF"/>
+                </a:solidFill>
+                <a:effectLst>
+                  <a:outerShdw blurRad="50800" dist="38100" dir="2700000" algn="tl" rotWithShape="0">
+                    <a:prstClr val="black">
+                      <a:alpha val="40000"/>
+                    </a:prstClr>
+                  </a:outerShdw>
+                </a:effectLst>
+                <a:latin typeface="Times New Roman" pitchFamily="18" charset="0"/>
+                <a:cs typeface="Times New Roman" pitchFamily="18" charset="0"/>
+              </a:rPr>
+              <a:t>štýly </a:t>
+            </a:r>
+            <a:endParaRPr lang="sk-SK" sz="2000" kern="0" smtClean="0">
+              <a:ln w="18415" cmpd="sng">
+                <a:noFill/>
+                <a:prstDash val="solid"/>
+              </a:ln>
+              <a:solidFill>
+                <a:srgbClr val="FFFFFF"/>
+              </a:solidFill>
+              <a:effectLst>
+                <a:outerShdw blurRad="50800" dist="38100" dir="2700000" algn="tl" rotWithShape="0">
+                  <a:prstClr val="black">
+                    <a:alpha val="40000"/>
+                  </a:prstClr>
+                </a:outerShdw>
+              </a:effectLst>
+              <a:latin typeface="Times New Roman" pitchFamily="18" charset="0"/>
+              <a:cs typeface="Times New Roman" pitchFamily="18" charset="0"/>
+            </a:endParaRPr>
+          </a:p>
+        </p:txBody>
+      </p:sp>
+    </p:spTree>
+  </p:cSld>
+  <p:clrMapOvr>
+    <a:masterClrMapping/>
+  </p:clrMapOvr>
+  <p:transition spd="med">
+    <p:cover dir="r"/>
+  </p:transition>
+  <p:timing>
+    <p:tnLst>
+      <p:par>
+        <p:cTn id="1" dur="indefinite" restart="never" nodeType="tmRoot">
+          <p:childTnLst>
+            <p:seq concurrent="1" nextAc="seek">
+              <p:cTn id="2" dur="indefinite" nodeType="mainSeq">
+                <p:childTnLst>
+                  <p:par>
+                    <p:cTn id="3" fill="hold">
+                      <p:stCondLst>
+                        <p:cond delay="indefinite"/>
+                        <p:cond evt="onBegin" delay="0">
+                          <p:tn val="2"/>
+                        </p:cond>
+                      </p:stCondLst>
+                      <p:childTnLst>
+                        <p:par>
+                          <p:cTn id="4" fill="hold">
+                            <p:stCondLst>
+                              <p:cond delay="0"/>
+                            </p:stCondLst>
+                            <p:childTnLst>
+                              <p:par>
+                                <p:cTn id="5" presetID="17" presetClass="entr" presetSubtype="8" fill="hold" grpId="0" nodeType="afterEffect">
+                                  <p:stCondLst>
+                                    <p:cond delay="0"/>
+                                  </p:stCondLst>
+                                  <p:childTnLst>
+                                    <p:set>
+                                      <p:cBhvr>
+                                        <p:cTn id="6" dur="1" fill="hold">
+                                          <p:stCondLst>
+                                            <p:cond delay="0"/>
+                                          </p:stCondLst>
+                                        </p:cTn>
+                                        <p:tgtEl>
+                                          <p:spTgt spid="22"/>
+                                        </p:tgtEl>
+                                        <p:attrNameLst>
+                                          <p:attrName>style.visibility</p:attrName>
+                                        </p:attrNameLst>
+                                      </p:cBhvr>
+                                      <p:to>
+                                        <p:strVal val="visible"/>
+                                      </p:to>
+                                    </p:set>
+                                    <p:anim calcmode="lin" valueType="num">
+                                      <p:cBhvr>
+                                        <p:cTn id="7" dur="1000" fill="hold"/>
+                                        <p:tgtEl>
+                                          <p:spTgt spid="22"/>
+                                        </p:tgtEl>
+                                        <p:attrNameLst>
+                                          <p:attrName>ppt_x</p:attrName>
+                                        </p:attrNameLst>
+                                      </p:cBhvr>
+                                      <p:tavLst>
+                                        <p:tav tm="0">
+                                          <p:val>
+                                            <p:strVal val="#ppt_x-#ppt_w/2"/>
+                                          </p:val>
+                                        </p:tav>
+                                        <p:tav tm="100000">
+                                          <p:val>
+                                            <p:strVal val="#ppt_x"/>
+                                          </p:val>
+                                        </p:tav>
+                                      </p:tavLst>
+                                    </p:anim>
+                                    <p:anim calcmode="lin" valueType="num">
+                                      <p:cBhvr>
+                                        <p:cTn id="8" dur="1000" fill="hold"/>
+                                        <p:tgtEl>
+                                          <p:spTgt spid="22"/>
+                                        </p:tgtEl>
+                                        <p:attrNameLst>
+                                          <p:attrName>ppt_y</p:attrName>
+                                        </p:attrNameLst>
+                                      </p:cBhvr>
+                                      <p:tavLst>
+                                        <p:tav tm="0">
+                                          <p:val>
+                                            <p:strVal val="#ppt_y"/>
+                                          </p:val>
+                                        </p:tav>
+                                        <p:tav tm="100000">
+                                          <p:val>
+                                            <p:strVal val="#ppt_y"/>
+                                          </p:val>
+                                        </p:tav>
+                                      </p:tavLst>
+                                    </p:anim>
+                                    <p:anim calcmode="lin" valueType="num">
+                                      <p:cBhvr>
+                                        <p:cTn id="9" dur="1000" fill="hold"/>
+                                        <p:tgtEl>
+                                          <p:spTgt spid="22"/>
+                                        </p:tgtEl>
+                                        <p:attrNameLst>
+                                          <p:attrName>ppt_w</p:attrName>
+                                        </p:attrNameLst>
+                                      </p:cBhvr>
+                                      <p:tavLst>
+                                        <p:tav tm="0">
+                                          <p:val>
+                                            <p:fltVal val="0"/>
+                                          </p:val>
+                                        </p:tav>
+                                        <p:tav tm="100000">
+                                          <p:val>
+                                            <p:strVal val="#ppt_w"/>
+                                          </p:val>
+                                        </p:tav>
+                                      </p:tavLst>
+                                    </p:anim>
+                                    <p:anim calcmode="lin" valueType="num">
+                                      <p:cBhvr>
+                                        <p:cTn id="10" dur="1000" fill="hold"/>
+                                        <p:tgtEl>
+                                          <p:spTgt spid="22"/>
+                                        </p:tgtEl>
+                                        <p:attrNameLst>
+                                          <p:attrName>ppt_h</p:attrName>
+                                        </p:attrNameLst>
+                                      </p:cBhvr>
+                                      <p:tavLst>
+                                        <p:tav tm="0">
+                                          <p:val>
+                                            <p:strVal val="#ppt_h"/>
+                                          </p:val>
+                                        </p:tav>
+                                        <p:tav tm="100000">
+                                          <p:val>
+                                            <p:strVal val="#ppt_h"/>
+                                          </p:val>
+                                        </p:tav>
+                                      </p:tavLst>
+                                    </p:anim>
+                                  </p:childTnLst>
+                                </p:cTn>
+                              </p:par>
+                            </p:childTnLst>
+                          </p:cTn>
+                        </p:par>
+                        <p:par>
+                          <p:cTn id="11" fill="hold">
+                            <p:stCondLst>
+                              <p:cond delay="1000"/>
+                            </p:stCondLst>
+                            <p:childTnLst>
+                              <p:par>
+                                <p:cTn id="12" presetID="2" presetClass="entr" presetSubtype="4" fill="hold" grpId="0" nodeType="afterEffect">
+                                  <p:stCondLst>
+                                    <p:cond delay="0"/>
+                                  </p:stCondLst>
+                                  <p:childTnLst>
+                                    <p:set>
+                                      <p:cBhvr>
+                                        <p:cTn id="13" dur="1" fill="hold">
+                                          <p:stCondLst>
+                                            <p:cond delay="0"/>
+                                          </p:stCondLst>
+                                        </p:cTn>
+                                        <p:tgtEl>
+                                          <p:spTgt spid="7"/>
+                                        </p:tgtEl>
+                                        <p:attrNameLst>
+                                          <p:attrName>style.visibility</p:attrName>
+                                        </p:attrNameLst>
+                                      </p:cBhvr>
+                                      <p:to>
+                                        <p:strVal val="visible"/>
+                                      </p:to>
+                                    </p:set>
+                                    <p:anim calcmode="lin" valueType="num">
+                                      <p:cBhvr additive="base">
+                                        <p:cTn id="14" dur="1000" fill="hold"/>
+                                        <p:tgtEl>
+                                          <p:spTgt spid="7"/>
+                                        </p:tgtEl>
+                                        <p:attrNameLst>
+                                          <p:attrName>ppt_x</p:attrName>
+                                        </p:attrNameLst>
+                                      </p:cBhvr>
+                                      <p:tavLst>
+                                        <p:tav tm="0">
+                                          <p:val>
+                                            <p:strVal val="#ppt_x"/>
+                                          </p:val>
+                                        </p:tav>
+                                        <p:tav tm="100000">
+                                          <p:val>
+                                            <p:strVal val="#ppt_x"/>
+                                          </p:val>
+                                        </p:tav>
+                                      </p:tavLst>
+                                    </p:anim>
+                                    <p:anim calcmode="lin" valueType="num">
+                                      <p:cBhvr additive="base">
+                                        <p:cTn id="15" dur="1000" fill="hold"/>
+                                        <p:tgtEl>
+                                          <p:spTgt spid="7"/>
+                                        </p:tgtEl>
+                                        <p:attrNameLst>
+                                          <p:attrName>ppt_y</p:attrName>
+                                        </p:attrNameLst>
+                                      </p:cBhvr>
+                                      <p:tavLst>
+                                        <p:tav tm="0">
+                                          <p:val>
+                                            <p:strVal val="1+#ppt_h/2"/>
+                                          </p:val>
+                                        </p:tav>
+                                        <p:tav tm="100000">
+                                          <p:val>
+                                            <p:strVal val="#ppt_y"/>
+                                          </p:val>
+                                        </p:tav>
+                                      </p:tavLst>
+                                    </p:anim>
+                                  </p:childTnLst>
+                                </p:cTn>
+                              </p:par>
+                            </p:childTnLst>
+                          </p:cTn>
+                        </p:par>
+                      </p:childTnLst>
+                    </p:cTn>
+                  </p:par>
+                </p:childTnLst>
+              </p:cTn>
+              <p:prevCondLst>
+                <p:cond evt="onPrev" delay="0">
+                  <p:tgtEl>
+                    <p:sldTgt/>
+                  </p:tgtEl>
+                </p:cond>
+              </p:prevCondLst>
+              <p:nextCondLst>
+                <p:cond evt="onNext" delay="0">
+                  <p:tgtEl>
+                    <p:sldTgt/>
+                  </p:tgtEl>
+                </p:cond>
+              </p:nextCondLst>
+            </p:seq>
+          </p:childTnLst>
+        </p:cTn>
+      </p:par>
+    </p:tnLst>
+    <p:bldLst>
+      <p:bldP spid="22" grpId="0" animBg="1"/>
+      <p:bldP spid="7" grpId="0"/>
+    </p:bldLst>
+  </p:timing>
+</p:sld>
+</file>
+
+<file path=ppt/slides/slide16.xml><?xml version="1.0" encoding="utf-8"?>
+<p:sld xmlns:a="http://schemas.openxmlformats.org/drawingml/2006/main" xmlns:r="http://schemas.openxmlformats.org/officeDocument/2006/relationships" xmlns:p="http://schemas.openxmlformats.org/presentationml/2006/main">
+  <p:cSld>
+    <p:spTree>
+      <p:nvGrpSpPr>
+        <p:cNvPr id="1" name=""/>
+        <p:cNvGrpSpPr/>
+        <p:nvPr/>
+      </p:nvGrpSpPr>
+      <p:grpSpPr>
+        <a:xfrm>
+          <a:off x="0" y="0"/>
+          <a:ext cx="0" cy="0"/>
+          <a:chOff x="0" y="0"/>
+          <a:chExt cx="0" cy="0"/>
+        </a:xfrm>
+      </p:grpSpPr>
+      <p:sp>
+        <p:nvSpPr>
           <p:cNvPr id="5" name="Freeform 8"/>
           <p:cNvSpPr>
             <a:spLocks/>
@@ -10720,7 +11616,7 @@
 </p:sld>
 </file>
 
-<file path=ppt/slides/slide16.xml><?xml version="1.0" encoding="utf-8"?>
+<file path=ppt/slides/slide17.xml><?xml version="1.0" encoding="utf-8"?>
 <p:sld xmlns:a="http://schemas.openxmlformats.org/drawingml/2006/main" xmlns:r="http://schemas.openxmlformats.org/officeDocument/2006/relationships" xmlns:p="http://schemas.openxmlformats.org/presentationml/2006/main">
   <p:cSld>
     <p:spTree>
@@ -13590,7 +14486,7 @@
         </p:nvSpPr>
         <p:spPr>
           <a:xfrm>
-            <a:off x="3922912" y="337220"/>
+            <a:off x="3922912" y="0"/>
             <a:ext cx="5221088" cy="492443"/>
           </a:xfrm>
           <a:prstGeom prst="rect">
@@ -13875,6 +14771,32 @@
           </a:p>
         </p:txBody>
       </p:sp>
+      <p:pic>
+        <p:nvPicPr>
+          <p:cNvPr id="1026" name="Picture 2" descr="D:\FIIT\ING1-ZS\Timovy Projekt\TrollEdit_GitHub\Documentation\Dokumentacie\Ostatne\Prezentacia\Nahlad_editora.png"/>
+          <p:cNvPicPr>
+            <a:picLocks noChangeAspect="1" noChangeArrowheads="1"/>
+          </p:cNvPicPr>
+          <p:nvPr/>
+        </p:nvPicPr>
+        <p:blipFill>
+          <a:blip r:embed="rId3"/>
+          <a:srcRect/>
+          <a:stretch>
+            <a:fillRect/>
+          </a:stretch>
+        </p:blipFill>
+        <p:spPr bwMode="auto">
+          <a:xfrm>
+            <a:off x="214282" y="428608"/>
+            <a:ext cx="8572559" cy="4921722"/>
+          </a:xfrm>
+          <a:prstGeom prst="rect">
+            <a:avLst/>
+          </a:prstGeom>
+          <a:noFill/>
+        </p:spPr>
+      </p:pic>
     </p:spTree>
   </p:cSld>
   <p:clrMapOvr>
@@ -15197,14 +16119,14 @@
       </p:grpSpPr>
       <p:sp>
         <p:nvSpPr>
-          <p:cNvPr id="22" name="Round Same Side Corner Rectangle 15"/>
+          <p:cNvPr id="9" name="Round Same Side Corner Rectangle 15"/>
           <p:cNvSpPr/>
           <p:nvPr/>
         </p:nvSpPr>
         <p:spPr bwMode="auto">
           <a:xfrm rot="5400000">
-            <a:off x="2321719" y="-1464483"/>
-            <a:ext cx="4214842" cy="8858280"/>
+            <a:off x="2393157" y="-1393045"/>
+            <a:ext cx="4071966" cy="8858280"/>
           </a:xfrm>
           <a:prstGeom prst="round2SameRect">
             <a:avLst/>
@@ -15662,89 +16584,8 @@
                 <a:latin typeface="Times New Roman" pitchFamily="18" charset="0"/>
                 <a:cs typeface="Times New Roman" pitchFamily="18" charset="0"/>
               </a:rPr>
-              <a:t> Rozpracovaný </a:t>
-            </a:r>
-            <a:r>
-              <a:rPr lang="sk-SK" sz="2000" kern="0" smtClean="0">
-                <a:ln w="18415" cmpd="sng">
-                  <a:noFill/>
-                  <a:prstDash val="solid"/>
-                </a:ln>
-                <a:solidFill>
-                  <a:srgbClr val="FFFFFF"/>
-                </a:solidFill>
-                <a:effectLst>
-                  <a:outerShdw blurRad="50800" dist="38100" dir="2700000" algn="tl" rotWithShape="0">
-                    <a:prstClr val="black">
-                      <a:alpha val="40000"/>
-                    </a:prstClr>
-                  </a:outerShdw>
-                </a:effectLst>
-                <a:latin typeface="Times New Roman" pitchFamily="18" charset="0"/>
-                <a:cs typeface="Times New Roman" pitchFamily="18" charset="0"/>
-              </a:rPr>
-              <a:t>projekt po </a:t>
-            </a:r>
-            <a:r>
-              <a:rPr lang="sk-SK" sz="2000" kern="0" smtClean="0">
-                <a:ln w="18415" cmpd="sng">
-                  <a:noFill/>
-                  <a:prstDash val="solid"/>
-                </a:ln>
-                <a:solidFill>
-                  <a:srgbClr val="FFFFFF"/>
-                </a:solidFill>
-                <a:effectLst>
-                  <a:outerShdw blurRad="50800" dist="38100" dir="2700000" algn="tl" rotWithShape="0">
-                    <a:prstClr val="black">
-                      <a:alpha val="40000"/>
-                    </a:prstClr>
-                  </a:outerShdw>
-                </a:effectLst>
-                <a:latin typeface="Times New Roman" pitchFamily="18" charset="0"/>
-                <a:cs typeface="Times New Roman" pitchFamily="18" charset="0"/>
-              </a:rPr>
-              <a:t>minulom </a:t>
-            </a:r>
-            <a:r>
-              <a:rPr lang="sk-SK" sz="2000" kern="0" smtClean="0">
-                <a:ln w="18415" cmpd="sng">
-                  <a:noFill/>
-                  <a:prstDash val="solid"/>
-                </a:ln>
-                <a:solidFill>
-                  <a:srgbClr val="FFFFFF"/>
-                </a:solidFill>
-                <a:effectLst>
-                  <a:outerShdw blurRad="50800" dist="38100" dir="2700000" algn="tl" rotWithShape="0">
-                    <a:prstClr val="black">
-                      <a:alpha val="40000"/>
-                    </a:prstClr>
-                  </a:outerShdw>
-                </a:effectLst>
-                <a:latin typeface="Times New Roman" pitchFamily="18" charset="0"/>
-                <a:cs typeface="Times New Roman" pitchFamily="18" charset="0"/>
-              </a:rPr>
-              <a:t>tíme UFOPAK</a:t>
-            </a:r>
-            <a:endParaRPr lang="sk-SK" sz="2000" kern="0" smtClean="0">
-              <a:ln w="18415" cmpd="sng">
-                <a:noFill/>
-                <a:prstDash val="solid"/>
-              </a:ln>
-              <a:solidFill>
-                <a:srgbClr val="FFFFFF"/>
-              </a:solidFill>
-              <a:effectLst>
-                <a:outerShdw blurRad="50800" dist="38100" dir="2700000" algn="tl" rotWithShape="0">
-                  <a:prstClr val="black">
-                    <a:alpha val="40000"/>
-                  </a:prstClr>
-                </a:outerShdw>
-              </a:effectLst>
-              <a:latin typeface="Times New Roman" pitchFamily="18" charset="0"/>
-              <a:cs typeface="Times New Roman" pitchFamily="18" charset="0"/>
-            </a:endParaRPr>
+              <a:t> Rozpracovaný projekt po minulom tíme UFOPAK</a:t>
+            </a:r>
           </a:p>
           <a:p>
             <a:pPr>
@@ -15836,28 +16677,7 @@
                 <a:latin typeface="Times New Roman" pitchFamily="18" charset="0"/>
                 <a:cs typeface="Times New Roman" pitchFamily="18" charset="0"/>
               </a:rPr>
-              <a:t> Pokročilé zobrazovanie komentárov, písanie komentáru rovno ku </a:t>
-            </a:r>
-            <a:r>
-              <a:rPr lang="sk-SK" sz="2000" kern="0" smtClean="0">
-                <a:ln w="18415" cmpd="sng">
-                  <a:noFill/>
-                  <a:prstDash val="solid"/>
-                </a:ln>
-                <a:solidFill>
-                  <a:srgbClr val="FFFFFF"/>
-                </a:solidFill>
-                <a:effectLst>
-                  <a:outerShdw blurRad="50800" dist="38100" dir="2700000" algn="tl" rotWithShape="0">
-                    <a:prstClr val="black">
-                      <a:alpha val="40000"/>
-                    </a:prstClr>
-                  </a:outerShdw>
-                </a:effectLst>
-                <a:latin typeface="Times New Roman" pitchFamily="18" charset="0"/>
-                <a:cs typeface="Times New Roman" pitchFamily="18" charset="0"/>
-              </a:rPr>
-              <a:t>kódu</a:t>
+              <a:t> Pokročilé zobrazovanie komentárov, písanie komentáru rovno ku kódu</a:t>
             </a:r>
             <a:endParaRPr lang="pl-PL" sz="2000" kern="0" smtClean="0">
               <a:ln w="18415" cmpd="sng">
@@ -15912,7 +16732,7 @@
                             </p:stCondLst>
                             <p:childTnLst>
                               <p:par>
-                                <p:cTn id="5" presetID="17" presetClass="entr" presetSubtype="8" fill="hold" grpId="0" nodeType="afterEffect">
+                                <p:cTn id="5" presetID="2" presetClass="entr" presetSubtype="4" fill="hold" grpId="0" nodeType="afterEffect">
                                   <p:stCondLst>
                                     <p:cond delay="0"/>
                                   </p:stCondLst>
@@ -15920,134 +16740,6 @@
                                     <p:set>
                                       <p:cBhvr>
                                         <p:cTn id="6" dur="1" fill="hold">
-                                          <p:stCondLst>
-                                            <p:cond delay="0"/>
-                                          </p:stCondLst>
-                                        </p:cTn>
-                                        <p:tgtEl>
-                                          <p:spTgt spid="22"/>
-                                        </p:tgtEl>
-                                        <p:attrNameLst>
-                                          <p:attrName>style.visibility</p:attrName>
-                                        </p:attrNameLst>
-                                      </p:cBhvr>
-                                      <p:to>
-                                        <p:strVal val="visible"/>
-                                      </p:to>
-                                    </p:set>
-                                    <p:anim calcmode="lin" valueType="num">
-                                      <p:cBhvr>
-                                        <p:cTn id="7" dur="1000" fill="hold"/>
-                                        <p:tgtEl>
-                                          <p:spTgt spid="22"/>
-                                        </p:tgtEl>
-                                        <p:attrNameLst>
-                                          <p:attrName>ppt_x</p:attrName>
-                                        </p:attrNameLst>
-                                      </p:cBhvr>
-                                      <p:tavLst>
-                                        <p:tav tm="0">
-                                          <p:val>
-                                            <p:strVal val="#ppt_x-#ppt_w/2"/>
-                                          </p:val>
-                                        </p:tav>
-                                        <p:tav tm="100000">
-                                          <p:val>
-                                            <p:strVal val="#ppt_x"/>
-                                          </p:val>
-                                        </p:tav>
-                                      </p:tavLst>
-                                    </p:anim>
-                                    <p:anim calcmode="lin" valueType="num">
-                                      <p:cBhvr>
-                                        <p:cTn id="8" dur="1000" fill="hold"/>
-                                        <p:tgtEl>
-                                          <p:spTgt spid="22"/>
-                                        </p:tgtEl>
-                                        <p:attrNameLst>
-                                          <p:attrName>ppt_y</p:attrName>
-                                        </p:attrNameLst>
-                                      </p:cBhvr>
-                                      <p:tavLst>
-                                        <p:tav tm="0">
-                                          <p:val>
-                                            <p:strVal val="#ppt_y"/>
-                                          </p:val>
-                                        </p:tav>
-                                        <p:tav tm="100000">
-                                          <p:val>
-                                            <p:strVal val="#ppt_y"/>
-                                          </p:val>
-                                        </p:tav>
-                                      </p:tavLst>
-                                    </p:anim>
-                                    <p:anim calcmode="lin" valueType="num">
-                                      <p:cBhvr>
-                                        <p:cTn id="9" dur="1000" fill="hold"/>
-                                        <p:tgtEl>
-                                          <p:spTgt spid="22"/>
-                                        </p:tgtEl>
-                                        <p:attrNameLst>
-                                          <p:attrName>ppt_w</p:attrName>
-                                        </p:attrNameLst>
-                                      </p:cBhvr>
-                                      <p:tavLst>
-                                        <p:tav tm="0">
-                                          <p:val>
-                                            <p:fltVal val="0"/>
-                                          </p:val>
-                                        </p:tav>
-                                        <p:tav tm="100000">
-                                          <p:val>
-                                            <p:strVal val="#ppt_w"/>
-                                          </p:val>
-                                        </p:tav>
-                                      </p:tavLst>
-                                    </p:anim>
-                                    <p:anim calcmode="lin" valueType="num">
-                                      <p:cBhvr>
-                                        <p:cTn id="10" dur="1000" fill="hold"/>
-                                        <p:tgtEl>
-                                          <p:spTgt spid="22"/>
-                                        </p:tgtEl>
-                                        <p:attrNameLst>
-                                          <p:attrName>ppt_h</p:attrName>
-                                        </p:attrNameLst>
-                                      </p:cBhvr>
-                                      <p:tavLst>
-                                        <p:tav tm="0">
-                                          <p:val>
-                                            <p:strVal val="#ppt_h"/>
-                                          </p:val>
-                                        </p:tav>
-                                        <p:tav tm="100000">
-                                          <p:val>
-                                            <p:strVal val="#ppt_h"/>
-                                          </p:val>
-                                        </p:tav>
-                                      </p:tavLst>
-                                    </p:anim>
-                                  </p:childTnLst>
-                                </p:cTn>
-                              </p:par>
-                            </p:childTnLst>
-                          </p:cTn>
-                        </p:par>
-                        <p:par>
-                          <p:cTn id="11" fill="hold">
-                            <p:stCondLst>
-                              <p:cond delay="1000"/>
-                            </p:stCondLst>
-                            <p:childTnLst>
-                              <p:par>
-                                <p:cTn id="12" presetID="2" presetClass="entr" presetSubtype="4" fill="hold" grpId="0" nodeType="afterEffect">
-                                  <p:stCondLst>
-                                    <p:cond delay="0"/>
-                                  </p:stCondLst>
-                                  <p:childTnLst>
-                                    <p:set>
-                                      <p:cBhvr>
-                                        <p:cTn id="13" dur="1" fill="hold">
                                           <p:stCondLst>
                                             <p:cond delay="0"/>
                                           </p:stCondLst>
@@ -16065,7 +16757,7 @@
                                     </p:set>
                                     <p:anim calcmode="lin" valueType="num">
                                       <p:cBhvr additive="base">
-                                        <p:cTn id="14" dur="1000" fill="hold"/>
+                                        <p:cTn id="7" dur="1000" fill="hold"/>
                                         <p:tgtEl>
                                           <p:spTgt spid="7"/>
                                         </p:tgtEl>
@@ -16088,7 +16780,7 @@
                                     </p:anim>
                                     <p:anim calcmode="lin" valueType="num">
                                       <p:cBhvr additive="base">
-                                        <p:cTn id="15" dur="1000" fill="hold"/>
+                                        <p:cTn id="8" dur="1000" fill="hold"/>
                                         <p:tgtEl>
                                           <p:spTgt spid="7"/>
                                         </p:tgtEl>
@@ -16105,6 +16797,134 @@
                                         <p:tav tm="100000">
                                           <p:val>
                                             <p:strVal val="#ppt_y"/>
+                                          </p:val>
+                                        </p:tav>
+                                      </p:tavLst>
+                                    </p:anim>
+                                  </p:childTnLst>
+                                </p:cTn>
+                              </p:par>
+                            </p:childTnLst>
+                          </p:cTn>
+                        </p:par>
+                        <p:par>
+                          <p:cTn id="9" fill="hold">
+                            <p:stCondLst>
+                              <p:cond delay="1000"/>
+                            </p:stCondLst>
+                            <p:childTnLst>
+                              <p:par>
+                                <p:cTn id="10" presetID="17" presetClass="entr" presetSubtype="8" fill="hold" grpId="0" nodeType="afterEffect">
+                                  <p:stCondLst>
+                                    <p:cond delay="0"/>
+                                  </p:stCondLst>
+                                  <p:childTnLst>
+                                    <p:set>
+                                      <p:cBhvr>
+                                        <p:cTn id="11" dur="1" fill="hold">
+                                          <p:stCondLst>
+                                            <p:cond delay="0"/>
+                                          </p:stCondLst>
+                                        </p:cTn>
+                                        <p:tgtEl>
+                                          <p:spTgt spid="9"/>
+                                        </p:tgtEl>
+                                        <p:attrNameLst>
+                                          <p:attrName>style.visibility</p:attrName>
+                                        </p:attrNameLst>
+                                      </p:cBhvr>
+                                      <p:to>
+                                        <p:strVal val="visible"/>
+                                      </p:to>
+                                    </p:set>
+                                    <p:anim calcmode="lin" valueType="num">
+                                      <p:cBhvr>
+                                        <p:cTn id="12" dur="1000" fill="hold"/>
+                                        <p:tgtEl>
+                                          <p:spTgt spid="9"/>
+                                        </p:tgtEl>
+                                        <p:attrNameLst>
+                                          <p:attrName>ppt_x</p:attrName>
+                                        </p:attrNameLst>
+                                      </p:cBhvr>
+                                      <p:tavLst>
+                                        <p:tav tm="0">
+                                          <p:val>
+                                            <p:strVal val="#ppt_x-#ppt_w/2"/>
+                                          </p:val>
+                                        </p:tav>
+                                        <p:tav tm="100000">
+                                          <p:val>
+                                            <p:strVal val="#ppt_x"/>
+                                          </p:val>
+                                        </p:tav>
+                                      </p:tavLst>
+                                    </p:anim>
+                                    <p:anim calcmode="lin" valueType="num">
+                                      <p:cBhvr>
+                                        <p:cTn id="13" dur="1000" fill="hold"/>
+                                        <p:tgtEl>
+                                          <p:spTgt spid="9"/>
+                                        </p:tgtEl>
+                                        <p:attrNameLst>
+                                          <p:attrName>ppt_y</p:attrName>
+                                        </p:attrNameLst>
+                                      </p:cBhvr>
+                                      <p:tavLst>
+                                        <p:tav tm="0">
+                                          <p:val>
+                                            <p:strVal val="#ppt_y"/>
+                                          </p:val>
+                                        </p:tav>
+                                        <p:tav tm="100000">
+                                          <p:val>
+                                            <p:strVal val="#ppt_y"/>
+                                          </p:val>
+                                        </p:tav>
+                                      </p:tavLst>
+                                    </p:anim>
+                                    <p:anim calcmode="lin" valueType="num">
+                                      <p:cBhvr>
+                                        <p:cTn id="14" dur="1000" fill="hold"/>
+                                        <p:tgtEl>
+                                          <p:spTgt spid="9"/>
+                                        </p:tgtEl>
+                                        <p:attrNameLst>
+                                          <p:attrName>ppt_w</p:attrName>
+                                        </p:attrNameLst>
+                                      </p:cBhvr>
+                                      <p:tavLst>
+                                        <p:tav tm="0">
+                                          <p:val>
+                                            <p:fltVal val="0"/>
+                                          </p:val>
+                                        </p:tav>
+                                        <p:tav tm="100000">
+                                          <p:val>
+                                            <p:strVal val="#ppt_w"/>
+                                          </p:val>
+                                        </p:tav>
+                                      </p:tavLst>
+                                    </p:anim>
+                                    <p:anim calcmode="lin" valueType="num">
+                                      <p:cBhvr>
+                                        <p:cTn id="15" dur="1000" fill="hold"/>
+                                        <p:tgtEl>
+                                          <p:spTgt spid="9"/>
+                                        </p:tgtEl>
+                                        <p:attrNameLst>
+                                          <p:attrName>ppt_h</p:attrName>
+                                        </p:attrNameLst>
+                                      </p:cBhvr>
+                                      <p:tavLst>
+                                        <p:tav tm="0">
+                                          <p:val>
+                                            <p:strVal val="#ppt_h"/>
+                                          </p:val>
+                                        </p:tav>
+                                        <p:tav tm="100000">
+                                          <p:val>
+                                            <p:strVal val="#ppt_h"/>
                                           </p:val>
                                         </p:tav>
                                       </p:tavLst>
@@ -16140,7 +16960,7 @@
       </p:par>
     </p:tnLst>
     <p:bldLst>
-      <p:bldP spid="22" grpId="0" animBg="1"/>
+      <p:bldP spid="9" grpId="0" animBg="1"/>
       <p:bldP spid="7" grpId="0"/>
     </p:bldLst>
   </p:timing>
@@ -16166,14 +16986,14 @@
       </p:grpSpPr>
       <p:sp>
         <p:nvSpPr>
-          <p:cNvPr id="22" name="Round Same Side Corner Rectangle 15"/>
+          <p:cNvPr id="9" name="Round Same Side Corner Rectangle 15"/>
           <p:cNvSpPr/>
           <p:nvPr/>
         </p:nvSpPr>
         <p:spPr bwMode="auto">
           <a:xfrm rot="5400000">
-            <a:off x="2321719" y="-1464483"/>
-            <a:ext cx="4214842" cy="8858280"/>
+            <a:off x="2393157" y="-1393045"/>
+            <a:ext cx="4071966" cy="8858280"/>
           </a:xfrm>
           <a:prstGeom prst="round2SameRect">
             <a:avLst/>
@@ -16590,8 +17410,8 @@
         </p:nvSpPr>
         <p:spPr>
           <a:xfrm>
-            <a:off x="428596" y="1000112"/>
-            <a:ext cx="8286808" cy="3836195"/>
+            <a:off x="428596" y="1142988"/>
+            <a:ext cx="8286808" cy="3077766"/>
           </a:xfrm>
           <a:prstGeom prst="rect">
             <a:avLst/>
@@ -16631,8 +17451,18 @@
                 <a:latin typeface="Times New Roman" pitchFamily="18" charset="0"/>
                 <a:cs typeface="Times New Roman" pitchFamily="18" charset="0"/>
               </a:rPr>
-              <a:t> </a:t>
-            </a:r>
+              <a:t> Analyzovaný stav editora – čo bolo implementované a čo chýba</a:t>
+            </a:r>
+          </a:p>
+          <a:p>
+            <a:pPr>
+              <a:lnSpc>
+                <a:spcPct val="200000"/>
+              </a:lnSpc>
+              <a:buFont typeface="Arial" pitchFamily="34" charset="0"/>
+              <a:buChar char="•"/>
+              <a:defRPr/>
+            </a:pPr>
             <a:r>
               <a:rPr lang="sk-SK" sz="2000" kern="0" smtClean="0">
                 <a:ln w="18415" cmpd="sng">
@@ -16652,7 +17482,7 @@
                 <a:latin typeface="Times New Roman" pitchFamily="18" charset="0"/>
                 <a:cs typeface="Times New Roman" pitchFamily="18" charset="0"/>
               </a:rPr>
-              <a:t>Analyzovaný stav editora – čo bolo implementované a čo chýba</a:t>
+              <a:t> Analýza zdrojových kódov</a:t>
             </a:r>
           </a:p>
           <a:p>
@@ -16683,132 +17513,7 @@
                 <a:latin typeface="Times New Roman" pitchFamily="18" charset="0"/>
                 <a:cs typeface="Times New Roman" pitchFamily="18" charset="0"/>
               </a:rPr>
-              <a:t> </a:t>
-            </a:r>
-            <a:r>
-              <a:rPr lang="sk-SK" sz="2000" kern="0" smtClean="0">
-                <a:ln w="18415" cmpd="sng">
-                  <a:noFill/>
-                  <a:prstDash val="solid"/>
-                </a:ln>
-                <a:solidFill>
-                  <a:srgbClr val="FFFFFF"/>
-                </a:solidFill>
-                <a:effectLst>
-                  <a:outerShdw blurRad="50800" dist="38100" dir="2700000" algn="tl" rotWithShape="0">
-                    <a:prstClr val="black">
-                      <a:alpha val="40000"/>
-                    </a:prstClr>
-                  </a:outerShdw>
-                </a:effectLst>
-                <a:latin typeface="Times New Roman" pitchFamily="18" charset="0"/>
-                <a:cs typeface="Times New Roman" pitchFamily="18" charset="0"/>
-              </a:rPr>
-              <a:t>Analýza zdrojových kódov</a:t>
-            </a:r>
-          </a:p>
-          <a:p>
-            <a:pPr>
-              <a:lnSpc>
-                <a:spcPct val="200000"/>
-              </a:lnSpc>
-              <a:buFont typeface="Arial" pitchFamily="34" charset="0"/>
-              <a:buChar char="•"/>
-              <a:defRPr/>
-            </a:pPr>
-            <a:r>
-              <a:rPr lang="sk-SK" sz="2000" kern="0" smtClean="0">
-                <a:ln w="18415" cmpd="sng">
-                  <a:noFill/>
-                  <a:prstDash val="solid"/>
-                </a:ln>
-                <a:solidFill>
-                  <a:srgbClr val="FFFFFF"/>
-                </a:solidFill>
-                <a:effectLst>
-                  <a:outerShdw blurRad="50800" dist="38100" dir="2700000" algn="tl" rotWithShape="0">
-                    <a:prstClr val="black">
-                      <a:alpha val="40000"/>
-                    </a:prstClr>
-                  </a:outerShdw>
-                </a:effectLst>
-                <a:latin typeface="Times New Roman" pitchFamily="18" charset="0"/>
-                <a:cs typeface="Times New Roman" pitchFamily="18" charset="0"/>
-              </a:rPr>
-              <a:t> </a:t>
-            </a:r>
-            <a:r>
-              <a:rPr lang="sk-SK" sz="2000" kern="0" smtClean="0">
-                <a:ln w="18415" cmpd="sng">
-                  <a:noFill/>
-                  <a:prstDash val="solid"/>
-                </a:ln>
-                <a:solidFill>
-                  <a:srgbClr val="FFFFFF"/>
-                </a:solidFill>
-                <a:effectLst>
-                  <a:outerShdw blurRad="50800" dist="38100" dir="2700000" algn="tl" rotWithShape="0">
-                    <a:prstClr val="black">
-                      <a:alpha val="40000"/>
-                    </a:prstClr>
-                  </a:outerShdw>
-                </a:effectLst>
-                <a:latin typeface="Times New Roman" pitchFamily="18" charset="0"/>
-                <a:cs typeface="Times New Roman" pitchFamily="18" charset="0"/>
-              </a:rPr>
-              <a:t>Analyzovanie riešení paralelizmu poskytované </a:t>
-            </a:r>
-          </a:p>
-          <a:p>
-            <a:pPr>
-              <a:lnSpc>
-                <a:spcPct val="200000"/>
-              </a:lnSpc>
-              <a:buFont typeface="Arial" pitchFamily="34" charset="0"/>
-              <a:buChar char="•"/>
-              <a:defRPr/>
-            </a:pPr>
-            <a:r>
-              <a:rPr lang="sk-SK" sz="2000" kern="0" smtClean="0">
-                <a:ln w="18415" cmpd="sng">
-                  <a:noFill/>
-                  <a:prstDash val="solid"/>
-                </a:ln>
-                <a:solidFill>
-                  <a:srgbClr val="FFFFFF"/>
-                </a:solidFill>
-                <a:effectLst>
-                  <a:outerShdw blurRad="50800" dist="38100" dir="2700000" algn="tl" rotWithShape="0">
-                    <a:prstClr val="black">
-                      <a:alpha val="40000"/>
-                    </a:prstClr>
-                  </a:outerShdw>
-                </a:effectLst>
-                <a:latin typeface="Times New Roman" pitchFamily="18" charset="0"/>
-                <a:cs typeface="Times New Roman" pitchFamily="18" charset="0"/>
-              </a:rPr>
-              <a:t> </a:t>
-            </a:r>
-            <a:r>
-              <a:rPr lang="sk-SK" sz="2000" kern="0" smtClean="0">
-                <a:ln w="18415" cmpd="sng">
-                  <a:noFill/>
-                  <a:prstDash val="solid"/>
-                </a:ln>
-                <a:solidFill>
-                  <a:srgbClr val="FFFFFF"/>
-                </a:solidFill>
-                <a:effectLst>
-                  <a:outerShdw blurRad="50800" dist="38100" dir="2700000" algn="tl" rotWithShape="0">
-                    <a:prstClr val="black">
-                      <a:alpha val="40000"/>
-                    </a:prstClr>
-                  </a:outerShdw>
-                </a:effectLst>
-                <a:latin typeface="Times New Roman" pitchFamily="18" charset="0"/>
-                <a:cs typeface="Times New Roman" pitchFamily="18" charset="0"/>
-              </a:rPr>
-              <a:t>QML a CSS štýly pre efektívne vytvorenie používateľského prostredia</a:t>
+              <a:t> Analyzovanie riešení paralelizmu poskytované </a:t>
             </a:r>
           </a:p>
           <a:p>
@@ -16946,7 +17651,7 @@
                             </p:stCondLst>
                             <p:childTnLst>
                               <p:par>
-                                <p:cTn id="5" presetID="17" presetClass="entr" presetSubtype="8" fill="hold" grpId="0" nodeType="afterEffect">
+                                <p:cTn id="5" presetID="2" presetClass="entr" presetSubtype="4" fill="hold" grpId="0" nodeType="afterEffect">
                                   <p:stCondLst>
                                     <p:cond delay="0"/>
                                   </p:stCondLst>
@@ -16954,134 +17659,6 @@
                                     <p:set>
                                       <p:cBhvr>
                                         <p:cTn id="6" dur="1" fill="hold">
-                                          <p:stCondLst>
-                                            <p:cond delay="0"/>
-                                          </p:stCondLst>
-                                        </p:cTn>
-                                        <p:tgtEl>
-                                          <p:spTgt spid="22"/>
-                                        </p:tgtEl>
-                                        <p:attrNameLst>
-                                          <p:attrName>style.visibility</p:attrName>
-                                        </p:attrNameLst>
-                                      </p:cBhvr>
-                                      <p:to>
-                                        <p:strVal val="visible"/>
-                                      </p:to>
-                                    </p:set>
-                                    <p:anim calcmode="lin" valueType="num">
-                                      <p:cBhvr>
-                                        <p:cTn id="7" dur="1000" fill="hold"/>
-                                        <p:tgtEl>
-                                          <p:spTgt spid="22"/>
-                                        </p:tgtEl>
-                                        <p:attrNameLst>
-                                          <p:attrName>ppt_x</p:attrName>
-                                        </p:attrNameLst>
-                                      </p:cBhvr>
-                                      <p:tavLst>
-                                        <p:tav tm="0">
-                                          <p:val>
-                                            <p:strVal val="#ppt_x-#ppt_w/2"/>
-                                          </p:val>
-                                        </p:tav>
-                                        <p:tav tm="100000">
-                                          <p:val>
-                                            <p:strVal val="#ppt_x"/>
-                                          </p:val>
-                                        </p:tav>
-                                      </p:tavLst>
-                                    </p:anim>
-                                    <p:anim calcmode="lin" valueType="num">
-                                      <p:cBhvr>
-                                        <p:cTn id="8" dur="1000" fill="hold"/>
-                                        <p:tgtEl>
-                                          <p:spTgt spid="22"/>
-                                        </p:tgtEl>
-                                        <p:attrNameLst>
-                                          <p:attrName>ppt_y</p:attrName>
-                                        </p:attrNameLst>
-                                      </p:cBhvr>
-                                      <p:tavLst>
-                                        <p:tav tm="0">
-                                          <p:val>
-                                            <p:strVal val="#ppt_y"/>
-                                          </p:val>
-                                        </p:tav>
-                                        <p:tav tm="100000">
-                                          <p:val>
-                                            <p:strVal val="#ppt_y"/>
-                                          </p:val>
-                                        </p:tav>
-                                      </p:tavLst>
-                                    </p:anim>
-                                    <p:anim calcmode="lin" valueType="num">
-                                      <p:cBhvr>
-                                        <p:cTn id="9" dur="1000" fill="hold"/>
-                                        <p:tgtEl>
-                                          <p:spTgt spid="22"/>
-                                        </p:tgtEl>
-                                        <p:attrNameLst>
-                                          <p:attrName>ppt_w</p:attrName>
-                                        </p:attrNameLst>
-                                      </p:cBhvr>
-                                      <p:tavLst>
-                                        <p:tav tm="0">
-                                          <p:val>
-                                            <p:fltVal val="0"/>
-                                          </p:val>
-                                        </p:tav>
-                                        <p:tav tm="100000">
-                                          <p:val>
-                                            <p:strVal val="#ppt_w"/>
-                                          </p:val>
-                                        </p:tav>
-                                      </p:tavLst>
-                                    </p:anim>
-                                    <p:anim calcmode="lin" valueType="num">
-                                      <p:cBhvr>
-                                        <p:cTn id="10" dur="1000" fill="hold"/>
-                                        <p:tgtEl>
-                                          <p:spTgt spid="22"/>
-                                        </p:tgtEl>
-                                        <p:attrNameLst>
-                                          <p:attrName>ppt_h</p:attrName>
-                                        </p:attrNameLst>
-                                      </p:cBhvr>
-                                      <p:tavLst>
-                                        <p:tav tm="0">
-                                          <p:val>
-                                            <p:strVal val="#ppt_h"/>
-                                          </p:val>
-                                        </p:tav>
-                                        <p:tav tm="100000">
-                                          <p:val>
-                                            <p:strVal val="#ppt_h"/>
-                                          </p:val>
-                                        </p:tav>
-                                      </p:tavLst>
-                                    </p:anim>
-                                  </p:childTnLst>
-                                </p:cTn>
-                              </p:par>
-                            </p:childTnLst>
-                          </p:cTn>
-                        </p:par>
-                        <p:par>
-                          <p:cTn id="11" fill="hold">
-                            <p:stCondLst>
-                              <p:cond delay="1000"/>
-                            </p:stCondLst>
-                            <p:childTnLst>
-                              <p:par>
-                                <p:cTn id="12" presetID="2" presetClass="entr" presetSubtype="4" fill="hold" grpId="0" nodeType="afterEffect">
-                                  <p:stCondLst>
-                                    <p:cond delay="0"/>
-                                  </p:stCondLst>
-                                  <p:childTnLst>
-                                    <p:set>
-                                      <p:cBhvr>
-                                        <p:cTn id="13" dur="1" fill="hold">
                                           <p:stCondLst>
                                             <p:cond delay="0"/>
                                           </p:stCondLst>
@@ -17099,7 +17676,7 @@
                                     </p:set>
                                     <p:anim calcmode="lin" valueType="num">
                                       <p:cBhvr additive="base">
-                                        <p:cTn id="14" dur="1000" fill="hold"/>
+                                        <p:cTn id="7" dur="1000" fill="hold"/>
                                         <p:tgtEl>
                                           <p:spTgt spid="7"/>
                                         </p:tgtEl>
@@ -17122,7 +17699,7 @@
                                     </p:anim>
                                     <p:anim calcmode="lin" valueType="num">
                                       <p:cBhvr additive="base">
-                                        <p:cTn id="15" dur="1000" fill="hold"/>
+                                        <p:cTn id="8" dur="1000" fill="hold"/>
                                         <p:tgtEl>
                                           <p:spTgt spid="7"/>
                                         </p:tgtEl>
@@ -17139,6 +17716,134 @@
                                         <p:tav tm="100000">
                                           <p:val>
                                             <p:strVal val="#ppt_y"/>
+                                          </p:val>
+                                        </p:tav>
+                                      </p:tavLst>
+                                    </p:anim>
+                                  </p:childTnLst>
+                                </p:cTn>
+                              </p:par>
+                            </p:childTnLst>
+                          </p:cTn>
+                        </p:par>
+                        <p:par>
+                          <p:cTn id="9" fill="hold">
+                            <p:stCondLst>
+                              <p:cond delay="1000"/>
+                            </p:stCondLst>
+                            <p:childTnLst>
+                              <p:par>
+                                <p:cTn id="10" presetID="17" presetClass="entr" presetSubtype="8" fill="hold" grpId="0" nodeType="afterEffect">
+                                  <p:stCondLst>
+                                    <p:cond delay="0"/>
+                                  </p:stCondLst>
+                                  <p:childTnLst>
+                                    <p:set>
+                                      <p:cBhvr>
+                                        <p:cTn id="11" dur="1" fill="hold">
+                                          <p:stCondLst>
+                                            <p:cond delay="0"/>
+                                          </p:stCondLst>
+                                        </p:cTn>
+                                        <p:tgtEl>
+                                          <p:spTgt spid="9"/>
+                                        </p:tgtEl>
+                                        <p:attrNameLst>
+                                          <p:attrName>style.visibility</p:attrName>
+                                        </p:attrNameLst>
+                                      </p:cBhvr>
+                                      <p:to>
+                                        <p:strVal val="visible"/>
+                                      </p:to>
+                                    </p:set>
+                                    <p:anim calcmode="lin" valueType="num">
+                                      <p:cBhvr>
+                                        <p:cTn id="12" dur="1000" fill="hold"/>
+                                        <p:tgtEl>
+                                          <p:spTgt spid="9"/>
+                                        </p:tgtEl>
+                                        <p:attrNameLst>
+                                          <p:attrName>ppt_x</p:attrName>
+                                        </p:attrNameLst>
+                                      </p:cBhvr>
+                                      <p:tavLst>
+                                        <p:tav tm="0">
+                                          <p:val>
+                                            <p:strVal val="#ppt_x-#ppt_w/2"/>
+                                          </p:val>
+                                        </p:tav>
+                                        <p:tav tm="100000">
+                                          <p:val>
+                                            <p:strVal val="#ppt_x"/>
+                                          </p:val>
+                                        </p:tav>
+                                      </p:tavLst>
+                                    </p:anim>
+                                    <p:anim calcmode="lin" valueType="num">
+                                      <p:cBhvr>
+                                        <p:cTn id="13" dur="1000" fill="hold"/>
+                                        <p:tgtEl>
+                                          <p:spTgt spid="9"/>
+                                        </p:tgtEl>
+                                        <p:attrNameLst>
+                                          <p:attrName>ppt_y</p:attrName>
+                                        </p:attrNameLst>
+                                      </p:cBhvr>
+                                      <p:tavLst>
+                                        <p:tav tm="0">
+                                          <p:val>
+                                            <p:strVal val="#ppt_y"/>
+                                          </p:val>
+                                        </p:tav>
+                                        <p:tav tm="100000">
+                                          <p:val>
+                                            <p:strVal val="#ppt_y"/>
+                                          </p:val>
+                                        </p:tav>
+                                      </p:tavLst>
+                                    </p:anim>
+                                    <p:anim calcmode="lin" valueType="num">
+                                      <p:cBhvr>
+                                        <p:cTn id="14" dur="1000" fill="hold"/>
+                                        <p:tgtEl>
+                                          <p:spTgt spid="9"/>
+                                        </p:tgtEl>
+                                        <p:attrNameLst>
+                                          <p:attrName>ppt_w</p:attrName>
+                                        </p:attrNameLst>
+                                      </p:cBhvr>
+                                      <p:tavLst>
+                                        <p:tav tm="0">
+                                          <p:val>
+                                            <p:fltVal val="0"/>
+                                          </p:val>
+                                        </p:tav>
+                                        <p:tav tm="100000">
+                                          <p:val>
+                                            <p:strVal val="#ppt_w"/>
+                                          </p:val>
+                                        </p:tav>
+                                      </p:tavLst>
+                                    </p:anim>
+                                    <p:anim calcmode="lin" valueType="num">
+                                      <p:cBhvr>
+                                        <p:cTn id="15" dur="1000" fill="hold"/>
+                                        <p:tgtEl>
+                                          <p:spTgt spid="9"/>
+                                        </p:tgtEl>
+                                        <p:attrNameLst>
+                                          <p:attrName>ppt_h</p:attrName>
+                                        </p:attrNameLst>
+                                      </p:cBhvr>
+                                      <p:tavLst>
+                                        <p:tav tm="0">
+                                          <p:val>
+                                            <p:strVal val="#ppt_h"/>
+                                          </p:val>
+                                        </p:tav>
+                                        <p:tav tm="100000">
+                                          <p:val>
+                                            <p:strVal val="#ppt_h"/>
                                           </p:val>
                                         </p:tav>
                                       </p:tavLst>
@@ -17174,7 +17879,7 @@
       </p:par>
     </p:tnLst>
     <p:bldLst>
-      <p:bldP spid="22" grpId="0" animBg="1"/>
+      <p:bldP spid="9" grpId="0" animBg="1"/>
       <p:bldP spid="7" grpId="0"/>
     </p:bldLst>
   </p:timing>
@@ -17758,49 +18463,7 @@
                 <a:latin typeface="Times New Roman" pitchFamily="18" charset="0"/>
                 <a:cs typeface="Times New Roman" pitchFamily="18" charset="0"/>
               </a:rPr>
-              <a:t> Prenesenie </a:t>
-            </a:r>
-            <a:r>
-              <a:rPr lang="sk-SK" sz="2000" kern="0" smtClean="0">
-                <a:ln w="18415" cmpd="sng">
-                  <a:noFill/>
-                  <a:prstDash val="solid"/>
-                </a:ln>
-                <a:solidFill>
-                  <a:srgbClr val="FFFFFF"/>
-                </a:solidFill>
-                <a:effectLst>
-                  <a:outerShdw blurRad="50800" dist="38100" dir="2700000" algn="tl" rotWithShape="0">
-                    <a:prstClr val="black">
-                      <a:alpha val="40000"/>
-                    </a:prstClr>
-                  </a:outerShdw>
-                </a:effectLst>
-                <a:latin typeface="Times New Roman" pitchFamily="18" charset="0"/>
-                <a:cs typeface="Times New Roman" pitchFamily="18" charset="0"/>
-              </a:rPr>
-              <a:t>spracovania </a:t>
-            </a:r>
-            <a:r>
-              <a:rPr lang="sk-SK" sz="2000" kern="0" smtClean="0">
-                <a:ln w="18415" cmpd="sng">
-                  <a:noFill/>
-                  <a:prstDash val="solid"/>
-                </a:ln>
-                <a:solidFill>
-                  <a:srgbClr val="FFFFFF"/>
-                </a:solidFill>
-                <a:effectLst>
-                  <a:outerShdw blurRad="50800" dist="38100" dir="2700000" algn="tl" rotWithShape="0">
-                    <a:prstClr val="black">
-                      <a:alpha val="40000"/>
-                    </a:prstClr>
-                  </a:outerShdw>
-                </a:effectLst>
-                <a:latin typeface="Times New Roman" pitchFamily="18" charset="0"/>
-                <a:cs typeface="Times New Roman" pitchFamily="18" charset="0"/>
-              </a:rPr>
-              <a:t>AST stromu na stranu LUA</a:t>
+              <a:t> Prenesenie spracovania AST stromu na stranu LUA</a:t>
             </a:r>
           </a:p>
           <a:p>
@@ -17862,49 +18525,7 @@
                 <a:latin typeface="Times New Roman" pitchFamily="18" charset="0"/>
                 <a:cs typeface="Times New Roman" pitchFamily="18" charset="0"/>
               </a:rPr>
-              <a:t> </a:t>
-            </a:r>
-            <a:r>
-              <a:rPr lang="sk-SK" sz="2000" kern="0" smtClean="0">
-                <a:ln w="18415" cmpd="sng">
-                  <a:noFill/>
-                  <a:prstDash val="solid"/>
-                </a:ln>
-                <a:solidFill>
-                  <a:srgbClr val="FFFFFF"/>
-                </a:solidFill>
-                <a:effectLst>
-                  <a:outerShdw blurRad="50800" dist="38100" dir="2700000" algn="tl" rotWithShape="0">
-                    <a:prstClr val="black">
-                      <a:alpha val="40000"/>
-                    </a:prstClr>
-                  </a:outerShdw>
-                </a:effectLst>
-                <a:latin typeface="Times New Roman" pitchFamily="18" charset="0"/>
-                <a:cs typeface="Times New Roman" pitchFamily="18" charset="0"/>
-              </a:rPr>
-              <a:t>Zabudovanie a vytvorenie vlastných </a:t>
-            </a:r>
-            <a:r>
-              <a:rPr lang="sk-SK" sz="2000" kern="0" smtClean="0">
-                <a:ln w="18415" cmpd="sng">
-                  <a:noFill/>
-                  <a:prstDash val="solid"/>
-                </a:ln>
-                <a:solidFill>
-                  <a:srgbClr val="FFFFFF"/>
-                </a:solidFill>
-                <a:effectLst>
-                  <a:outerShdw blurRad="50800" dist="38100" dir="2700000" algn="tl" rotWithShape="0">
-                    <a:prstClr val="black">
-                      <a:alpha val="40000"/>
-                    </a:prstClr>
-                  </a:outerShdw>
-                </a:effectLst>
-                <a:latin typeface="Times New Roman" pitchFamily="18" charset="0"/>
-                <a:cs typeface="Times New Roman" pitchFamily="18" charset="0"/>
-              </a:rPr>
-              <a:t>Shortcuts</a:t>
+              <a:t> Zabudovanie a vytvorenie vlastných Shortcuts</a:t>
             </a:r>
             <a:endParaRPr lang="pl-PL" sz="2000" kern="0" smtClean="0">
               <a:ln w="18415" cmpd="sng">
@@ -18709,10 +19330,20 @@
                 <a:latin typeface="Times New Roman" pitchFamily="18" charset="0"/>
                 <a:cs typeface="Times New Roman" pitchFamily="18" charset="0"/>
               </a:rPr>
-              <a:t> </a:t>
-            </a:r>
-            <a:r>
-              <a:rPr lang="pl-PL" sz="2000" kern="0" smtClean="0">
+              <a:t> Modulárnosť</a:t>
+            </a:r>
+          </a:p>
+          <a:p>
+            <a:pPr>
+              <a:lnSpc>
+                <a:spcPct val="200000"/>
+              </a:lnSpc>
+              <a:buFont typeface="Arial" pitchFamily="34" charset="0"/>
+              <a:buChar char="•"/>
+              <a:defRPr/>
+            </a:pPr>
+            <a:r>
+              <a:rPr lang="sk-SK" sz="2000" kern="0" smtClean="0">
                 <a:ln w="18415" cmpd="sng">
                   <a:noFill/>
                   <a:prstDash val="solid"/>
@@ -18730,80 +19361,7 @@
                 <a:latin typeface="Times New Roman" pitchFamily="18" charset="0"/>
                 <a:cs typeface="Times New Roman" pitchFamily="18" charset="0"/>
               </a:rPr>
-              <a:t>Modulárnosť</a:t>
-            </a:r>
-          </a:p>
-          <a:p>
-            <a:pPr>
-              <a:lnSpc>
-                <a:spcPct val="200000"/>
-              </a:lnSpc>
-              <a:buFont typeface="Arial" pitchFamily="34" charset="0"/>
-              <a:buChar char="•"/>
-              <a:defRPr/>
-            </a:pPr>
-            <a:r>
-              <a:rPr lang="sk-SK" sz="2000" kern="0" smtClean="0">
-                <a:ln w="18415" cmpd="sng">
-                  <a:noFill/>
-                  <a:prstDash val="solid"/>
-                </a:ln>
-                <a:solidFill>
-                  <a:srgbClr val="FFFFFF"/>
-                </a:solidFill>
-                <a:effectLst>
-                  <a:outerShdw blurRad="50800" dist="38100" dir="2700000" algn="tl" rotWithShape="0">
-                    <a:prstClr val="black">
-                      <a:alpha val="40000"/>
-                    </a:prstClr>
-                  </a:outerShdw>
-                </a:effectLst>
-                <a:latin typeface="Times New Roman" pitchFamily="18" charset="0"/>
-                <a:cs typeface="Times New Roman" pitchFamily="18" charset="0"/>
-              </a:rPr>
-              <a:t> Poskytnúť možnosti </a:t>
-            </a:r>
-            <a:r>
-              <a:rPr lang="sk-SK" sz="2000" kern="0" smtClean="0">
-                <a:ln w="18415" cmpd="sng">
-                  <a:noFill/>
-                  <a:prstDash val="solid"/>
-                </a:ln>
-                <a:solidFill>
-                  <a:srgbClr val="FFFFFF"/>
-                </a:solidFill>
-                <a:effectLst>
-                  <a:outerShdw blurRad="50800" dist="38100" dir="2700000" algn="tl" rotWithShape="0">
-                    <a:prstClr val="black">
-                      <a:alpha val="40000"/>
-                    </a:prstClr>
-                  </a:outerShdw>
-                </a:effectLst>
-                <a:latin typeface="Times New Roman" pitchFamily="18" charset="0"/>
-                <a:cs typeface="Times New Roman" pitchFamily="18" charset="0"/>
-              </a:rPr>
-              <a:t>konfigurácie </a:t>
-            </a:r>
-            <a:r>
-              <a:rPr lang="sk-SK" sz="2000" kern="0" smtClean="0">
-                <a:ln w="18415" cmpd="sng">
-                  <a:noFill/>
-                  <a:prstDash val="solid"/>
-                </a:ln>
-                <a:solidFill>
-                  <a:srgbClr val="FFFFFF"/>
-                </a:solidFill>
-                <a:effectLst>
-                  <a:outerShdw blurRad="50800" dist="38100" dir="2700000" algn="tl" rotWithShape="0">
-                    <a:prstClr val="black">
-                      <a:alpha val="40000"/>
-                    </a:prstClr>
-                  </a:outerShdw>
-                </a:effectLst>
-                <a:latin typeface="Times New Roman" pitchFamily="18" charset="0"/>
-                <a:cs typeface="Times New Roman" pitchFamily="18" charset="0"/>
-              </a:rPr>
-              <a:t>editora</a:t>
+              <a:t> Poskytnúť možnosti konfigurácie editora</a:t>
             </a:r>
             <a:endParaRPr lang="pl-PL" sz="2000" kern="0" smtClean="0">
               <a:ln w="18415" cmpd="sng">

--- a/Dokumentacie/Ostatne/Innovators.pptx
+++ b/Dokumentacie/Ostatne/Innovators.pptx
@@ -16,13 +16,13 @@
     <p:sldId id="285" r:id="rId7"/>
     <p:sldId id="279" r:id="rId8"/>
     <p:sldId id="283" r:id="rId9"/>
-    <p:sldId id="278" r:id="rId10"/>
-    <p:sldId id="284" r:id="rId11"/>
-    <p:sldId id="287" r:id="rId12"/>
-    <p:sldId id="281" r:id="rId13"/>
-    <p:sldId id="280" r:id="rId14"/>
-    <p:sldId id="260" r:id="rId15"/>
-    <p:sldId id="282" r:id="rId16"/>
+    <p:sldId id="284" r:id="rId10"/>
+    <p:sldId id="287" r:id="rId11"/>
+    <p:sldId id="281" r:id="rId12"/>
+    <p:sldId id="280" r:id="rId13"/>
+    <p:sldId id="260" r:id="rId14"/>
+    <p:sldId id="282" r:id="rId15"/>
+    <p:sldId id="278" r:id="rId16"/>
   </p:sldIdLst>
   <p:sldSz cx="9144000" cy="5715000" type="screen16x10"/>
   <p:notesSz cx="6858000" cy="9144000"/>
@@ -736,14 +736,6 @@
           </a:bodyPr>
           <a:lstStyle/>
           <a:p>
-            <a:r>
-              <a:rPr lang="sk-SK" smtClean="0"/>
-              <a:t>Schopný analyzovať akúkoľvek</a:t>
-            </a:r>
-            <a:r>
-              <a:rPr lang="sk-SK" baseline="0" smtClean="0"/>
-              <a:t> gramatiku, pokiaľ má dodanú jej štruktúru</a:t>
-            </a:r>
             <a:endParaRPr lang="sk-SK" dirty="0"/>
           </a:p>
         </p:txBody>
@@ -826,6 +818,66 @@
           </a:bodyPr>
           <a:lstStyle/>
           <a:p>
+            <a:pPr>
+              <a:lnSpc>
+                <a:spcPct val="150000"/>
+              </a:lnSpc>
+              <a:buFont typeface="Arial" pitchFamily="34" charset="0"/>
+              <a:buNone/>
+              <a:defRPr/>
+            </a:pPr>
+            <a:r>
+              <a:rPr lang="sk-SK" sz="2000" kern="0" smtClean="0">
+                <a:ln w="18415" cmpd="sng">
+                  <a:noFill/>
+                  <a:prstDash val="solid"/>
+                </a:ln>
+                <a:solidFill>
+                  <a:srgbClr val="FFFFFF"/>
+                </a:solidFill>
+                <a:effectLst>
+                  <a:outerShdw blurRad="50800" dist="38100" dir="2700000" algn="tl" rotWithShape="0">
+                    <a:prstClr val="black">
+                      <a:alpha val="40000"/>
+                    </a:prstClr>
+                  </a:outerShdw>
+                </a:effectLst>
+                <a:latin typeface="Times New Roman" pitchFamily="18" charset="0"/>
+                <a:cs typeface="Times New Roman" pitchFamily="18" charset="0"/>
+              </a:rPr>
+              <a:t>Shortcuts - prípava pre ich konfigurovateľnosť</a:t>
+            </a:r>
+          </a:p>
+          <a:p>
+            <a:pPr>
+              <a:lnSpc>
+                <a:spcPct val="150000"/>
+              </a:lnSpc>
+              <a:buFont typeface="Arial" pitchFamily="34" charset="0"/>
+              <a:buNone/>
+              <a:defRPr/>
+            </a:pPr>
+            <a:r>
+              <a:rPr lang="sk-SK" sz="2000" kern="0" smtClean="0">
+                <a:ln w="18415" cmpd="sng">
+                  <a:noFill/>
+                  <a:prstDash val="solid"/>
+                </a:ln>
+                <a:solidFill>
+                  <a:srgbClr val="FFFFFF"/>
+                </a:solidFill>
+                <a:effectLst>
+                  <a:outerShdw blurRad="50800" dist="38100" dir="2700000" algn="tl" rotWithShape="0">
+                    <a:prstClr val="black">
+                      <a:alpha val="40000"/>
+                    </a:prstClr>
+                  </a:outerShdw>
+                </a:effectLst>
+                <a:latin typeface="Times New Roman" pitchFamily="18" charset="0"/>
+                <a:cs typeface="Times New Roman" pitchFamily="18" charset="0"/>
+              </a:rPr>
+              <a:t>Paralelizmus je na ceste</a:t>
+            </a:r>
             <a:endParaRPr lang="sk-SK" dirty="0"/>
           </a:p>
         </p:txBody>
@@ -908,65 +960,29 @@
           </a:bodyPr>
           <a:lstStyle/>
           <a:p>
-            <a:pPr>
-              <a:lnSpc>
-                <a:spcPct val="150000"/>
-              </a:lnSpc>
-              <a:buFont typeface="Arial" pitchFamily="34" charset="0"/>
-              <a:buNone/>
-              <a:defRPr/>
-            </a:pPr>
-            <a:r>
-              <a:rPr lang="sk-SK" sz="2000" kern="0" smtClean="0">
-                <a:ln w="18415" cmpd="sng">
-                  <a:noFill/>
-                  <a:prstDash val="solid"/>
-                </a:ln>
-                <a:solidFill>
-                  <a:srgbClr val="FFFFFF"/>
-                </a:solidFill>
-                <a:effectLst>
-                  <a:outerShdw blurRad="50800" dist="38100" dir="2700000" algn="tl" rotWithShape="0">
-                    <a:prstClr val="black">
-                      <a:alpha val="40000"/>
-                    </a:prstClr>
-                  </a:outerShdw>
-                </a:effectLst>
-                <a:latin typeface="Times New Roman" pitchFamily="18" charset="0"/>
-                <a:cs typeface="Times New Roman" pitchFamily="18" charset="0"/>
-              </a:rPr>
-              <a:t>Shortcuts - prípava pre ich konfigurovateľnosť</a:t>
-            </a:r>
-          </a:p>
-          <a:p>
-            <a:pPr>
-              <a:lnSpc>
-                <a:spcPct val="150000"/>
-              </a:lnSpc>
-              <a:buFont typeface="Arial" pitchFamily="34" charset="0"/>
-              <a:buNone/>
-              <a:defRPr/>
-            </a:pPr>
-            <a:r>
-              <a:rPr lang="sk-SK" sz="2000" kern="0" smtClean="0">
-                <a:ln w="18415" cmpd="sng">
-                  <a:noFill/>
-                  <a:prstDash val="solid"/>
-                </a:ln>
-                <a:solidFill>
-                  <a:srgbClr val="FFFFFF"/>
-                </a:solidFill>
-                <a:effectLst>
-                  <a:outerShdw blurRad="50800" dist="38100" dir="2700000" algn="tl" rotWithShape="0">
-                    <a:prstClr val="black">
-                      <a:alpha val="40000"/>
-                    </a:prstClr>
-                  </a:outerShdw>
-                </a:effectLst>
-                <a:latin typeface="Times New Roman" pitchFamily="18" charset="0"/>
-                <a:cs typeface="Times New Roman" pitchFamily="18" charset="0"/>
-              </a:rPr>
-              <a:t>Paralelizmus je na ceste</a:t>
+            <a:r>
+              <a:rPr lang="sk-SK" dirty="0" smtClean="0"/>
+              <a:t>Možno </a:t>
+            </a:r>
+            <a:r>
+              <a:rPr lang="sk-SK" dirty="0" err="1" smtClean="0"/>
+              <a:t>nejake</a:t>
+            </a:r>
+            <a:r>
+              <a:rPr lang="sk-SK" dirty="0" smtClean="0"/>
+              <a:t> video</a:t>
+            </a:r>
+            <a:r>
+              <a:rPr lang="sk-SK" baseline="0" dirty="0" smtClean="0"/>
+              <a:t> ale lepšie by bolo </a:t>
+            </a:r>
+            <a:r>
+              <a:rPr lang="sk-SK" baseline="0" dirty="0" err="1" smtClean="0"/>
+              <a:t>ukažka</a:t>
+            </a:r>
+            <a:r>
+              <a:rPr lang="sk-SK" baseline="0" dirty="0" smtClean="0"/>
+              <a:t> programu </a:t>
             </a:r>
             <a:endParaRPr lang="sk-SK" dirty="0"/>
           </a:p>
@@ -1050,30 +1066,6 @@
           </a:bodyPr>
           <a:lstStyle/>
           <a:p>
-            <a:r>
-              <a:rPr lang="sk-SK" dirty="0" smtClean="0"/>
-              <a:t>Možno </a:t>
-            </a:r>
-            <a:r>
-              <a:rPr lang="sk-SK" dirty="0" err="1" smtClean="0"/>
-              <a:t>nejake</a:t>
-            </a:r>
-            <a:r>
-              <a:rPr lang="sk-SK" dirty="0" smtClean="0"/>
-              <a:t> video</a:t>
-            </a:r>
-            <a:r>
-              <a:rPr lang="sk-SK" baseline="0" dirty="0" smtClean="0"/>
-              <a:t> ale lepšie by bolo </a:t>
-            </a:r>
-            <a:r>
-              <a:rPr lang="sk-SK" baseline="0" dirty="0" err="1" smtClean="0"/>
-              <a:t>ukažka</a:t>
-            </a:r>
-            <a:r>
-              <a:rPr lang="sk-SK" baseline="0" dirty="0" smtClean="0"/>
-              <a:t> programu </a:t>
-            </a:r>
             <a:endParaRPr lang="sk-SK" dirty="0"/>
           </a:p>
         </p:txBody>
@@ -1824,6 +1816,14 @@
           </a:bodyPr>
           <a:lstStyle/>
           <a:p>
+            <a:r>
+              <a:rPr lang="sk-SK" smtClean="0"/>
+              <a:t>Schopný analyzovať akúkoľvek</a:t>
+            </a:r>
+            <a:r>
+              <a:rPr lang="sk-SK" baseline="0" smtClean="0"/>
+              <a:t> gramatiku, pokiaľ má dodanú jej štruktúru</a:t>
+            </a:r>
             <a:endParaRPr lang="sk-SK" dirty="0"/>
           </a:p>
         </p:txBody>
@@ -5271,66 +5271,14 @@
       </p:grpSpPr>
       <p:sp>
         <p:nvSpPr>
-          <p:cNvPr id="2" name="Obdĺžnik 1"/>
-          <p:cNvSpPr/>
-          <p:nvPr/>
-        </p:nvSpPr>
-        <p:spPr>
-          <a:xfrm>
-            <a:off x="719981" y="2401937"/>
-            <a:ext cx="7056784" cy="3005760"/>
-          </a:xfrm>
-          <a:prstGeom prst="rect">
-            <a:avLst/>
-          </a:prstGeom>
-          <a:solidFill>
-            <a:schemeClr val="bg1"/>
-          </a:solidFill>
-          <a:ln>
-            <a:solidFill>
-              <a:schemeClr val="bg1"/>
-            </a:solidFill>
-          </a:ln>
-        </p:spPr>
-        <p:style>
-          <a:lnRef idx="2">
-            <a:schemeClr val="accent1">
-              <a:shade val="50000"/>
-            </a:schemeClr>
-          </a:lnRef>
-          <a:fillRef idx="1">
-            <a:schemeClr val="accent1"/>
-          </a:fillRef>
-          <a:effectRef idx="0">
-            <a:schemeClr val="accent1"/>
-          </a:effectRef>
-          <a:fontRef idx="minor">
-            <a:schemeClr val="lt1"/>
-          </a:fontRef>
-        </p:style>
-        <p:txBody>
-          <a:bodyPr rtlCol="0" anchor="ctr"/>
-          <a:lstStyle/>
-          <a:p>
-            <a:pPr algn="ctr"/>
-            <a:endParaRPr lang="sk-SK">
-              <a:solidFill>
-                <a:schemeClr val="bg1"/>
-              </a:solidFill>
-            </a:endParaRPr>
-          </a:p>
-        </p:txBody>
-      </p:sp>
-      <p:sp>
-        <p:nvSpPr>
-          <p:cNvPr id="22" name="Round Same Side Corner Rectangle 15"/>
+          <p:cNvPr id="10" name="Round Same Side Corner Rectangle 15"/>
           <p:cNvSpPr/>
           <p:nvPr/>
         </p:nvSpPr>
         <p:spPr bwMode="auto">
           <a:xfrm rot="5400000">
-            <a:off x="3860486" y="-2860374"/>
-            <a:ext cx="1137308" cy="8858280"/>
+            <a:off x="4107669" y="-3107557"/>
+            <a:ext cx="642942" cy="8858280"/>
           </a:xfrm>
           <a:prstGeom prst="round2SameRect">
             <a:avLst/>
@@ -5514,7 +5462,7 @@
               <a:defRPr/>
             </a:pPr>
             <a:r>
-              <a:rPr lang="sk-SK" sz="3200" b="1" kern="0" smtClean="0">
+              <a:rPr lang="en-US" sz="3200" b="1" kern="0" smtClean="0">
                 <a:ln w="18415" cmpd="sng">
                   <a:noFill/>
                   <a:prstDash val="solid"/>
@@ -5532,7 +5480,7 @@
                 <a:latin typeface="Times New Roman" pitchFamily="18" charset="0"/>
                 <a:cs typeface="Times New Roman" pitchFamily="18" charset="0"/>
               </a:rPr>
-              <a:t>Spracovanie AST stromu</a:t>
+              <a:t>Shortcuts</a:t>
             </a:r>
             <a:endParaRPr lang="en-US" sz="3200" b="1" kern="0" dirty="0" smtClean="0">
               <a:ln w="18415" cmpd="sng">
@@ -5747,959 +5695,6 @@
         </p:nvSpPr>
         <p:spPr>
           <a:xfrm>
-            <a:off x="428596" y="1142988"/>
-            <a:ext cx="8286808" cy="923330"/>
-          </a:xfrm>
-          <a:prstGeom prst="rect">
-            <a:avLst/>
-          </a:prstGeom>
-          <a:noFill/>
-        </p:spPr>
-        <p:txBody>
-          <a:bodyPr wrap="square" lIns="0" tIns="0" rIns="0" bIns="0" rtlCol="0">
-            <a:spAutoFit/>
-          </a:bodyPr>
-          <a:lstStyle/>
-          <a:p>
-            <a:pPr>
-              <a:lnSpc>
-                <a:spcPct val="150000"/>
-              </a:lnSpc>
-              <a:buFont typeface="Arial" pitchFamily="34" charset="0"/>
-              <a:buChar char="•"/>
-              <a:defRPr/>
-            </a:pPr>
-            <a:r>
-              <a:rPr lang="en-US" sz="2000" kern="0" dirty="0" smtClean="0">
-                <a:ln w="18415" cmpd="sng">
-                  <a:noFill/>
-                  <a:prstDash val="solid"/>
-                </a:ln>
-                <a:solidFill>
-                  <a:srgbClr val="FFFFFF"/>
-                </a:solidFill>
-                <a:effectLst>
-                  <a:outerShdw blurRad="50800" dist="38100" dir="2700000" algn="tl" rotWithShape="0">
-                    <a:prstClr val="black">
-                      <a:alpha val="40000"/>
-                    </a:prstClr>
-                  </a:outerShdw>
-                </a:effectLst>
-                <a:latin typeface="Times New Roman" pitchFamily="18" charset="0"/>
-                <a:cs typeface="Times New Roman" pitchFamily="18" charset="0"/>
-              </a:rPr>
-              <a:t>Abstract Syntax Tree – </a:t>
-            </a:r>
-            <a:r>
-              <a:rPr lang="en-US" sz="2000" kern="0" dirty="0" err="1" smtClean="0">
-                <a:ln w="18415" cmpd="sng">
-                  <a:noFill/>
-                  <a:prstDash val="solid"/>
-                </a:ln>
-                <a:solidFill>
-                  <a:srgbClr val="FFFFFF"/>
-                </a:solidFill>
-                <a:effectLst>
-                  <a:outerShdw blurRad="50800" dist="38100" dir="2700000" algn="tl" rotWithShape="0">
-                    <a:prstClr val="black">
-                      <a:alpha val="40000"/>
-                    </a:prstClr>
-                  </a:outerShdw>
-                </a:effectLst>
-                <a:latin typeface="Times New Roman" pitchFamily="18" charset="0"/>
-                <a:cs typeface="Times New Roman" pitchFamily="18" charset="0"/>
-              </a:rPr>
-              <a:t>stromov</a:t>
-            </a:r>
-            <a:r>
-              <a:rPr lang="sk-SK" sz="2000" kern="0" dirty="0" smtClean="0">
-                <a:ln w="18415" cmpd="sng">
-                  <a:noFill/>
-                  <a:prstDash val="solid"/>
-                </a:ln>
-                <a:solidFill>
-                  <a:srgbClr val="FFFFFF"/>
-                </a:solidFill>
-                <a:effectLst>
-                  <a:outerShdw blurRad="50800" dist="38100" dir="2700000" algn="tl" rotWithShape="0">
-                    <a:prstClr val="black">
-                      <a:alpha val="40000"/>
-                    </a:prstClr>
-                  </a:outerShdw>
-                </a:effectLst>
-                <a:latin typeface="Times New Roman" pitchFamily="18" charset="0"/>
-                <a:cs typeface="Times New Roman" pitchFamily="18" charset="0"/>
-              </a:rPr>
-              <a:t>á reprezentácia štruktúry zdrojového kódu</a:t>
-            </a:r>
-          </a:p>
-          <a:p>
-            <a:pPr>
-              <a:lnSpc>
-                <a:spcPct val="150000"/>
-              </a:lnSpc>
-              <a:buFont typeface="Arial" pitchFamily="34" charset="0"/>
-              <a:buChar char="•"/>
-              <a:defRPr/>
-            </a:pPr>
-            <a:r>
-              <a:rPr lang="sk-SK" sz="2000" kern="0" dirty="0" smtClean="0">
-                <a:ln w="18415" cmpd="sng">
-                  <a:noFill/>
-                  <a:prstDash val="solid"/>
-                </a:ln>
-                <a:solidFill>
-                  <a:srgbClr val="FFFFFF"/>
-                </a:solidFill>
-                <a:effectLst>
-                  <a:outerShdw blurRad="50800" dist="38100" dir="2700000" algn="tl" rotWithShape="0">
-                    <a:prstClr val="black">
-                      <a:alpha val="40000"/>
-                    </a:prstClr>
-                  </a:outerShdw>
-                </a:effectLst>
-                <a:latin typeface="Times New Roman" pitchFamily="18" charset="0"/>
-                <a:cs typeface="Times New Roman" pitchFamily="18" charset="0"/>
-              </a:rPr>
-              <a:t>Abstraktný</a:t>
-            </a:r>
-            <a:r>
-              <a:rPr lang="en-US" sz="2000" kern="0" dirty="0" smtClean="0">
-                <a:ln w="18415" cmpd="sng">
-                  <a:noFill/>
-                  <a:prstDash val="solid"/>
-                </a:ln>
-                <a:solidFill>
-                  <a:srgbClr val="FFFFFF"/>
-                </a:solidFill>
-                <a:effectLst>
-                  <a:outerShdw blurRad="50800" dist="38100" dir="2700000" algn="tl" rotWithShape="0">
-                    <a:prstClr val="black">
-                      <a:alpha val="40000"/>
-                    </a:prstClr>
-                  </a:outerShdw>
-                </a:effectLst>
-                <a:latin typeface="Times New Roman" pitchFamily="18" charset="0"/>
-                <a:cs typeface="Times New Roman" pitchFamily="18" charset="0"/>
-              </a:rPr>
-              <a:t> =</a:t>
-            </a:r>
-            <a:r>
-              <a:rPr lang="sk-SK" sz="2000" kern="0" dirty="0" smtClean="0">
-                <a:ln w="18415" cmpd="sng">
-                  <a:noFill/>
-                  <a:prstDash val="solid"/>
-                </a:ln>
-                <a:solidFill>
-                  <a:srgbClr val="FFFFFF"/>
-                </a:solidFill>
-                <a:effectLst>
-                  <a:outerShdw blurRad="50800" dist="38100" dir="2700000" algn="tl" rotWithShape="0">
-                    <a:prstClr val="black">
-                      <a:alpha val="40000"/>
-                    </a:prstClr>
-                  </a:outerShdw>
-                </a:effectLst>
-                <a:latin typeface="Times New Roman" pitchFamily="18" charset="0"/>
-                <a:cs typeface="Times New Roman" pitchFamily="18" charset="0"/>
-              </a:rPr>
-              <a:t> neviaže sa na konkrétny programovací jazyk</a:t>
-            </a:r>
-            <a:endParaRPr lang="pl-PL" sz="2000" kern="0" dirty="0" smtClean="0">
-              <a:ln w="18415" cmpd="sng">
-                <a:noFill/>
-                <a:prstDash val="solid"/>
-              </a:ln>
-              <a:solidFill>
-                <a:srgbClr val="FFFFFF"/>
-              </a:solidFill>
-              <a:effectLst>
-                <a:outerShdw blurRad="50800" dist="38100" dir="2700000" algn="tl" rotWithShape="0">
-                  <a:prstClr val="black">
-                    <a:alpha val="40000"/>
-                  </a:prstClr>
-                </a:outerShdw>
-              </a:effectLst>
-              <a:latin typeface="Times New Roman" pitchFamily="18" charset="0"/>
-              <a:cs typeface="Times New Roman" pitchFamily="18" charset="0"/>
-            </a:endParaRPr>
-          </a:p>
-        </p:txBody>
-      </p:sp>
-      <p:pic>
-        <p:nvPicPr>
-          <p:cNvPr id="1026" name="Picture 2"/>
-          <p:cNvPicPr>
-            <a:picLocks noChangeAspect="1" noChangeArrowheads="1"/>
-          </p:cNvPicPr>
-          <p:nvPr/>
-        </p:nvPicPr>
-        <p:blipFill>
-          <a:blip r:embed="rId3" cstate="print">
-            <a:extLst>
-              <a:ext uri="{28A0092B-C50C-407E-A947-70E740481C1C}">
-                <a14:useLocalDpi xmlns="" xmlns:a14="http://schemas.microsoft.com/office/drawing/2010/main" val="0"/>
-              </a:ext>
-            </a:extLst>
-          </a:blip>
-          <a:srcRect/>
-          <a:stretch>
-            <a:fillRect/>
-          </a:stretch>
-        </p:blipFill>
-        <p:spPr bwMode="auto">
-          <a:xfrm>
-            <a:off x="1728430" y="2652266"/>
-            <a:ext cx="5401419" cy="2505101"/>
-          </a:xfrm>
-          <a:prstGeom prst="rect">
-            <a:avLst/>
-          </a:prstGeom>
-          <a:noFill/>
-          <a:ln>
-            <a:noFill/>
-          </a:ln>
-          <a:effectLst/>
-          <a:extLst>
-            <a:ext uri="{909E8E84-426E-40DD-AFC4-6F175D3DCCD1}">
-              <a14:hiddenFill xmlns="" xmlns:a14="http://schemas.microsoft.com/office/drawing/2010/main">
-                <a:solidFill>
-                  <a:schemeClr val="accent1"/>
-                </a:solidFill>
-              </a14:hiddenFill>
-            </a:ext>
-            <a:ext uri="{91240B29-F687-4F45-9708-019B960494DF}">
-              <a14:hiddenLine xmlns="" xmlns:a14="http://schemas.microsoft.com/office/drawing/2010/main" w="9525">
-                <a:solidFill>
-                  <a:schemeClr val="tx1"/>
-                </a:solidFill>
-                <a:miter lim="800000"/>
-                <a:headEnd/>
-                <a:tailEnd/>
-              </a14:hiddenLine>
-            </a:ext>
-            <a:ext uri="{AF507438-7753-43E0-B8FC-AC1667EBCBE1}">
-              <a14:hiddenEffects xmlns="" xmlns:a14="http://schemas.microsoft.com/office/drawing/2010/main">
-                <a:effectLst>
-                  <a:outerShdw dist="35921" dir="2700000" algn="ctr" rotWithShape="0">
-                    <a:schemeClr val="bg2"/>
-                  </a:outerShdw>
-                </a:effectLst>
-              </a14:hiddenEffects>
-            </a:ext>
-          </a:extLst>
-        </p:spPr>
-      </p:pic>
-    </p:spTree>
-  </p:cSld>
-  <p:clrMapOvr>
-    <a:masterClrMapping/>
-  </p:clrMapOvr>
-  <p:transition spd="med">
-    <p:cover dir="r"/>
-  </p:transition>
-  <p:timing>
-    <p:tnLst>
-      <p:par>
-        <p:cTn id="1" dur="indefinite" restart="never" nodeType="tmRoot">
-          <p:childTnLst>
-            <p:seq concurrent="1" nextAc="seek">
-              <p:cTn id="2" dur="indefinite" nodeType="mainSeq">
-                <p:childTnLst>
-                  <p:par>
-                    <p:cTn id="3" fill="hold">
-                      <p:stCondLst>
-                        <p:cond delay="indefinite"/>
-                        <p:cond evt="onBegin" delay="0">
-                          <p:tn val="2"/>
-                        </p:cond>
-                      </p:stCondLst>
-                      <p:childTnLst>
-                        <p:par>
-                          <p:cTn id="4" fill="hold">
-                            <p:stCondLst>
-                              <p:cond delay="0"/>
-                            </p:stCondLst>
-                            <p:childTnLst>
-                              <p:par>
-                                <p:cTn id="5" presetID="17" presetClass="entr" presetSubtype="8" fill="hold" grpId="0" nodeType="afterEffect">
-                                  <p:stCondLst>
-                                    <p:cond delay="0"/>
-                                  </p:stCondLst>
-                                  <p:childTnLst>
-                                    <p:set>
-                                      <p:cBhvr>
-                                        <p:cTn id="6" dur="1" fill="hold">
-                                          <p:stCondLst>
-                                            <p:cond delay="0"/>
-                                          </p:stCondLst>
-                                        </p:cTn>
-                                        <p:tgtEl>
-                                          <p:spTgt spid="22"/>
-                                        </p:tgtEl>
-                                        <p:attrNameLst>
-                                          <p:attrName>style.visibility</p:attrName>
-                                        </p:attrNameLst>
-                                      </p:cBhvr>
-                                      <p:to>
-                                        <p:strVal val="visible"/>
-                                      </p:to>
-                                    </p:set>
-                                    <p:anim calcmode="lin" valueType="num">
-                                      <p:cBhvr>
-                                        <p:cTn id="7" dur="1000" fill="hold"/>
-                                        <p:tgtEl>
-                                          <p:spTgt spid="22"/>
-                                        </p:tgtEl>
-                                        <p:attrNameLst>
-                                          <p:attrName>ppt_x</p:attrName>
-                                        </p:attrNameLst>
-                                      </p:cBhvr>
-                                      <p:tavLst>
-                                        <p:tav tm="0">
-                                          <p:val>
-                                            <p:strVal val="#ppt_x-#ppt_w/2"/>
-                                          </p:val>
-                                        </p:tav>
-                                        <p:tav tm="100000">
-                                          <p:val>
-                                            <p:strVal val="#ppt_x"/>
-                                          </p:val>
-                                        </p:tav>
-                                      </p:tavLst>
-                                    </p:anim>
-                                    <p:anim calcmode="lin" valueType="num">
-                                      <p:cBhvr>
-                                        <p:cTn id="8" dur="1000" fill="hold"/>
-                                        <p:tgtEl>
-                                          <p:spTgt spid="22"/>
-                                        </p:tgtEl>
-                                        <p:attrNameLst>
-                                          <p:attrName>ppt_y</p:attrName>
-                                        </p:attrNameLst>
-                                      </p:cBhvr>
-                                      <p:tavLst>
-                                        <p:tav tm="0">
-                                          <p:val>
-                                            <p:strVal val="#ppt_y"/>
-                                          </p:val>
-                                        </p:tav>
-                                        <p:tav tm="100000">
-                                          <p:val>
-                                            <p:strVal val="#ppt_y"/>
-                                          </p:val>
-                                        </p:tav>
-                                      </p:tavLst>
-                                    </p:anim>
-                                    <p:anim calcmode="lin" valueType="num">
-                                      <p:cBhvr>
-                                        <p:cTn id="9" dur="1000" fill="hold"/>
-                                        <p:tgtEl>
-                                          <p:spTgt spid="22"/>
-                                        </p:tgtEl>
-                                        <p:attrNameLst>
-                                          <p:attrName>ppt_w</p:attrName>
-                                        </p:attrNameLst>
-                                      </p:cBhvr>
-                                      <p:tavLst>
-                                        <p:tav tm="0">
-                                          <p:val>
-                                            <p:fltVal val="0"/>
-                                          </p:val>
-                                        </p:tav>
-                                        <p:tav tm="100000">
-                                          <p:val>
-                                            <p:strVal val="#ppt_w"/>
-                                          </p:val>
-                                        </p:tav>
-                                      </p:tavLst>
-                                    </p:anim>
-                                    <p:anim calcmode="lin" valueType="num">
-                                      <p:cBhvr>
-                                        <p:cTn id="10" dur="1000" fill="hold"/>
-                                        <p:tgtEl>
-                                          <p:spTgt spid="22"/>
-                                        </p:tgtEl>
-                                        <p:attrNameLst>
-                                          <p:attrName>ppt_h</p:attrName>
-                                        </p:attrNameLst>
-                                      </p:cBhvr>
-                                      <p:tavLst>
-                                        <p:tav tm="0">
-                                          <p:val>
-                                            <p:strVal val="#ppt_h"/>
-                                          </p:val>
-                                        </p:tav>
-                                        <p:tav tm="100000">
-                                          <p:val>
-                                            <p:strVal val="#ppt_h"/>
-                                          </p:val>
-                                        </p:tav>
-                                      </p:tavLst>
-                                    </p:anim>
-                                  </p:childTnLst>
-                                </p:cTn>
-                              </p:par>
-                            </p:childTnLst>
-                          </p:cTn>
-                        </p:par>
-                        <p:par>
-                          <p:cTn id="11" fill="hold">
-                            <p:stCondLst>
-                              <p:cond delay="1000"/>
-                            </p:stCondLst>
-                            <p:childTnLst>
-                              <p:par>
-                                <p:cTn id="12" presetID="2" presetClass="entr" presetSubtype="8" fill="hold" grpId="0" nodeType="afterEffect">
-                                  <p:stCondLst>
-                                    <p:cond delay="0"/>
-                                  </p:stCondLst>
-                                  <p:childTnLst>
-                                    <p:set>
-                                      <p:cBhvr>
-                                        <p:cTn id="13" dur="1" fill="hold">
-                                          <p:stCondLst>
-                                            <p:cond delay="0"/>
-                                          </p:stCondLst>
-                                        </p:cTn>
-                                        <p:tgtEl>
-                                          <p:spTgt spid="7"/>
-                                        </p:tgtEl>
-                                        <p:attrNameLst>
-                                          <p:attrName>style.visibility</p:attrName>
-                                        </p:attrNameLst>
-                                      </p:cBhvr>
-                                      <p:to>
-                                        <p:strVal val="visible"/>
-                                      </p:to>
-                                    </p:set>
-                                    <p:anim calcmode="lin" valueType="num">
-                                      <p:cBhvr additive="base">
-                                        <p:cTn id="14" dur="1000" fill="hold"/>
-                                        <p:tgtEl>
-                                          <p:spTgt spid="7"/>
-                                        </p:tgtEl>
-                                        <p:attrNameLst>
-                                          <p:attrName>ppt_x</p:attrName>
-                                        </p:attrNameLst>
-                                      </p:cBhvr>
-                                      <p:tavLst>
-                                        <p:tav tm="0">
-                                          <p:val>
-                                            <p:strVal val="0-#ppt_w/2"/>
-                                          </p:val>
-                                        </p:tav>
-                                        <p:tav tm="100000">
-                                          <p:val>
-                                            <p:strVal val="#ppt_x"/>
-                                          </p:val>
-                                        </p:tav>
-                                      </p:tavLst>
-                                    </p:anim>
-                                    <p:anim calcmode="lin" valueType="num">
-                                      <p:cBhvr additive="base">
-                                        <p:cTn id="15" dur="1000" fill="hold"/>
-                                        <p:tgtEl>
-                                          <p:spTgt spid="7"/>
-                                        </p:tgtEl>
-                                        <p:attrNameLst>
-                                          <p:attrName>ppt_y</p:attrName>
-                                        </p:attrNameLst>
-                                      </p:cBhvr>
-                                      <p:tavLst>
-                                        <p:tav tm="0">
-                                          <p:val>
-                                            <p:strVal val="#ppt_y"/>
-                                          </p:val>
-                                        </p:tav>
-                                        <p:tav tm="100000">
-                                          <p:val>
-                                            <p:strVal val="#ppt_y"/>
-                                          </p:val>
-                                        </p:tav>
-                                      </p:tavLst>
-                                    </p:anim>
-                                  </p:childTnLst>
-                                </p:cTn>
-                              </p:par>
-                            </p:childTnLst>
-                          </p:cTn>
-                        </p:par>
-                      </p:childTnLst>
-                    </p:cTn>
-                  </p:par>
-                </p:childTnLst>
-              </p:cTn>
-              <p:prevCondLst>
-                <p:cond evt="onPrev" delay="0">
-                  <p:tgtEl>
-                    <p:sldTgt/>
-                  </p:tgtEl>
-                </p:cond>
-              </p:prevCondLst>
-              <p:nextCondLst>
-                <p:cond evt="onNext" delay="0">
-                  <p:tgtEl>
-                    <p:sldTgt/>
-                  </p:tgtEl>
-                </p:cond>
-              </p:nextCondLst>
-            </p:seq>
-          </p:childTnLst>
-        </p:cTn>
-      </p:par>
-    </p:tnLst>
-    <p:bldLst>
-      <p:bldP spid="22" grpId="0" animBg="1"/>
-      <p:bldP spid="7" grpId="0"/>
-    </p:bldLst>
-  </p:timing>
-</p:sld>
-</file>
-
-<file path=ppt/slides/slide11.xml><?xml version="1.0" encoding="utf-8"?>
-<p:sld xmlns:a="http://schemas.openxmlformats.org/drawingml/2006/main" xmlns:r="http://schemas.openxmlformats.org/officeDocument/2006/relationships" xmlns:p="http://schemas.openxmlformats.org/presentationml/2006/main">
-  <p:cSld>
-    <p:spTree>
-      <p:nvGrpSpPr>
-        <p:cNvPr id="1" name=""/>
-        <p:cNvGrpSpPr/>
-        <p:nvPr/>
-      </p:nvGrpSpPr>
-      <p:grpSpPr>
-        <a:xfrm>
-          <a:off x="0" y="0"/>
-          <a:ext cx="0" cy="0"/>
-          <a:chOff x="0" y="0"/>
-          <a:chExt cx="0" cy="0"/>
-        </a:xfrm>
-      </p:grpSpPr>
-      <p:sp>
-        <p:nvSpPr>
-          <p:cNvPr id="10" name="Round Same Side Corner Rectangle 15"/>
-          <p:cNvSpPr/>
-          <p:nvPr/>
-        </p:nvSpPr>
-        <p:spPr bwMode="auto">
-          <a:xfrm rot="5400000">
-            <a:off x="4107669" y="-3107557"/>
-            <a:ext cx="642942" cy="8858280"/>
-          </a:xfrm>
-          <a:prstGeom prst="round2SameRect">
-            <a:avLst/>
-          </a:prstGeom>
-          <a:solidFill>
-            <a:srgbClr val="000000">
-              <a:alpha val="28000"/>
-            </a:srgbClr>
-          </a:solidFill>
-          <a:ln w="12700">
-            <a:noFill/>
-            <a:headEnd type="none" w="med" len="med"/>
-            <a:tailEnd type="none" w="med" len="med"/>
-          </a:ln>
-          <a:effectLst/>
-        </p:spPr>
-        <p:style>
-          <a:lnRef idx="1">
-            <a:schemeClr val="accent2"/>
-          </a:lnRef>
-          <a:fillRef idx="3">
-            <a:schemeClr val="accent2"/>
-          </a:fillRef>
-          <a:effectRef idx="2">
-            <a:schemeClr val="accent2"/>
-          </a:effectRef>
-          <a:fontRef idx="minor">
-            <a:schemeClr val="lt1"/>
-          </a:fontRef>
-        </p:style>
-        <p:txBody>
-          <a:bodyPr vert="horz" wrap="square" lIns="68566" tIns="228558" rIns="68566" bIns="34283" numCol="1" rtlCol="0" anchor="t" anchorCtr="0" compatLnSpc="1">
-            <a:prstTxWarp prst="textNoShape">
-              <a:avLst/>
-            </a:prstTxWarp>
-          </a:bodyPr>
-          <a:lstStyle/>
-          <a:p>
-            <a:pPr algn="ctr" defTabSz="685750" fontAlgn="base">
-              <a:lnSpc>
-                <a:spcPct val="80000"/>
-              </a:lnSpc>
-              <a:spcBef>
-                <a:spcPct val="0"/>
-              </a:spcBef>
-              <a:spcAft>
-                <a:spcPct val="0"/>
-              </a:spcAft>
-              <a:buClr>
-                <a:srgbClr val="FFFF99"/>
-              </a:buClr>
-              <a:buSzPct val="120000"/>
-              <a:defRPr/>
-            </a:pPr>
-            <a:endParaRPr lang="en-US" altLang="zh-CN" sz="4100" b="1" spc="-94" dirty="0">
-              <a:ln w="18415" cmpd="sng">
-                <a:noFill/>
-                <a:prstDash val="solid"/>
-              </a:ln>
-              <a:solidFill>
-                <a:srgbClr val="000000"/>
-              </a:solidFill>
-              <a:effectLst>
-                <a:glow rad="101600">
-                  <a:srgbClr val="CCECFF"/>
-                </a:glow>
-                <a:innerShdw blurRad="114300">
-                  <a:prstClr val="black"/>
-                </a:innerShdw>
-              </a:effectLst>
-              <a:latin typeface="Segoe"/>
-            </a:endParaRPr>
-          </a:p>
-        </p:txBody>
-      </p:sp>
-      <p:sp>
-        <p:nvSpPr>
-          <p:cNvPr id="5" name="Freeform 8"/>
-          <p:cNvSpPr>
-            <a:spLocks/>
-          </p:cNvSpPr>
-          <p:nvPr/>
-        </p:nvSpPr>
-        <p:spPr bwMode="auto">
-          <a:xfrm rot="5400000">
-            <a:off x="4460057" y="428625"/>
-            <a:ext cx="285750" cy="10287000"/>
-          </a:xfrm>
-          <a:prstGeom prst="rect">
-            <a:avLst/>
-          </a:prstGeom>
-          <a:gradFill flip="none" rotWithShape="1">
-            <a:gsLst>
-              <a:gs pos="0">
-                <a:sysClr val="windowText" lastClr="000000">
-                  <a:alpha val="0"/>
-                </a:sysClr>
-              </a:gs>
-              <a:gs pos="38000">
-                <a:sysClr val="windowText" lastClr="000000"/>
-              </a:gs>
-              <a:gs pos="100000">
-                <a:sysClr val="windowText" lastClr="000000">
-                  <a:alpha val="0"/>
-                </a:sysClr>
-              </a:gs>
-            </a:gsLst>
-            <a:lin ang="16200000" scaled="1"/>
-            <a:tileRect/>
-          </a:gradFill>
-          <a:ln w="9525">
-            <a:noFill/>
-            <a:round/>
-            <a:headEnd/>
-            <a:tailEnd/>
-          </a:ln>
-        </p:spPr>
-        <p:txBody>
-          <a:bodyPr vert="horz" wrap="square" lIns="68589" tIns="34295" rIns="68589" bIns="34295" numCol="1" anchor="t" anchorCtr="0" compatLnSpc="1">
-            <a:prstTxWarp prst="textNoShape">
-              <a:avLst/>
-            </a:prstTxWarp>
-          </a:bodyPr>
-          <a:lstStyle/>
-          <a:p>
-            <a:pPr marL="0" marR="0" lvl="0" indent="0" defTabSz="914400" eaLnBrk="1" fontAlgn="auto" latinLnBrk="0" hangingPunct="1">
-              <a:lnSpc>
-                <a:spcPct val="100000"/>
-              </a:lnSpc>
-              <a:spcBef>
-                <a:spcPts val="0"/>
-              </a:spcBef>
-              <a:spcAft>
-                <a:spcPts val="0"/>
-              </a:spcAft>
-              <a:buClrTx/>
-              <a:buSzTx/>
-              <a:buFontTx/>
-              <a:buNone/>
-              <a:tabLst/>
-              <a:defRPr/>
-            </a:pPr>
-            <a:endParaRPr kumimoji="0" lang="en-US" sz="1800" b="0" i="0" u="none" strike="noStrike" kern="0" cap="none" spc="0" normalizeH="0" baseline="0" noProof="0" dirty="0">
-              <a:ln>
-                <a:noFill/>
-              </a:ln>
-              <a:solidFill>
-                <a:sysClr val="windowText" lastClr="000000"/>
-              </a:solidFill>
-              <a:effectLst/>
-              <a:uLnTx/>
-              <a:uFillTx/>
-            </a:endParaRPr>
-          </a:p>
-        </p:txBody>
-      </p:sp>
-      <p:sp>
-        <p:nvSpPr>
-          <p:cNvPr id="8" name="TextBox 2"/>
-          <p:cNvSpPr txBox="1"/>
-          <p:nvPr/>
-        </p:nvSpPr>
-        <p:spPr>
-          <a:xfrm>
-            <a:off x="3286116" y="337220"/>
-            <a:ext cx="5857884" cy="492443"/>
-          </a:xfrm>
-          <a:prstGeom prst="rect">
-            <a:avLst/>
-          </a:prstGeom>
-          <a:noFill/>
-          <a:effectLst/>
-        </p:spPr>
-        <p:txBody>
-          <a:bodyPr wrap="square" lIns="0" tIns="0" rIns="0" bIns="0" rtlCol="0">
-            <a:spAutoFit/>
-          </a:bodyPr>
-          <a:lstStyle/>
-          <a:p>
-            <a:pPr lvl="0" algn="ctr">
-              <a:defRPr/>
-            </a:pPr>
-            <a:r>
-              <a:rPr lang="en-US" sz="3200" b="1" kern="0" smtClean="0">
-                <a:ln w="18415" cmpd="sng">
-                  <a:noFill/>
-                  <a:prstDash val="solid"/>
-                </a:ln>
-                <a:solidFill>
-                  <a:srgbClr val="FFFFFF"/>
-                </a:solidFill>
-                <a:effectLst>
-                  <a:outerShdw blurRad="50800" dist="38100" dir="2700000" algn="tl" rotWithShape="0">
-                    <a:prstClr val="black">
-                      <a:alpha val="40000"/>
-                    </a:prstClr>
-                  </a:outerShdw>
-                </a:effectLst>
-                <a:latin typeface="Times New Roman" pitchFamily="18" charset="0"/>
-                <a:cs typeface="Times New Roman" pitchFamily="18" charset="0"/>
-              </a:rPr>
-              <a:t>Shortcuts</a:t>
-            </a:r>
-            <a:endParaRPr lang="en-US" sz="3200" b="1" kern="0" dirty="0" smtClean="0">
-              <a:ln w="18415" cmpd="sng">
-                <a:noFill/>
-                <a:prstDash val="solid"/>
-              </a:ln>
-              <a:solidFill>
-                <a:srgbClr val="FFFFFF"/>
-              </a:solidFill>
-              <a:effectLst>
-                <a:outerShdw blurRad="50800" dist="38100" dir="2700000" algn="tl" rotWithShape="0">
-                  <a:prstClr val="black">
-                    <a:alpha val="40000"/>
-                  </a:prstClr>
-                </a:outerShdw>
-              </a:effectLst>
-              <a:latin typeface="Times New Roman" pitchFamily="18" charset="0"/>
-              <a:cs typeface="Times New Roman" pitchFamily="18" charset="0"/>
-            </a:endParaRPr>
-          </a:p>
-        </p:txBody>
-      </p:sp>
-      <p:sp>
-        <p:nvSpPr>
-          <p:cNvPr id="11" name="TextBox 47"/>
-          <p:cNvSpPr txBox="1"/>
-          <p:nvPr/>
-        </p:nvSpPr>
-        <p:spPr>
-          <a:xfrm>
-            <a:off x="107504" y="5399519"/>
-            <a:ext cx="2051719" cy="315481"/>
-          </a:xfrm>
-          <a:prstGeom prst="rect">
-            <a:avLst/>
-          </a:prstGeom>
-          <a:noFill/>
-          <a:effectLst>
-            <a:outerShdw blurRad="50800" dist="38100" dir="2700000" algn="tl" rotWithShape="0">
-              <a:prstClr val="black">
-                <a:alpha val="40000"/>
-              </a:prstClr>
-            </a:outerShdw>
-          </a:effectLst>
-        </p:spPr>
-        <p:txBody>
-          <a:bodyPr wrap="square" lIns="68589" tIns="34295" rIns="68589" bIns="34295" rtlCol="0">
-            <a:spAutoFit/>
-          </a:bodyPr>
-          <a:lstStyle/>
-          <a:p>
-            <a:pPr marL="0" marR="0" lvl="0" indent="0" defTabSz="914400" eaLnBrk="1" fontAlgn="base" latinLnBrk="0" hangingPunct="1">
-              <a:lnSpc>
-                <a:spcPct val="100000"/>
-              </a:lnSpc>
-              <a:spcBef>
-                <a:spcPct val="0"/>
-              </a:spcBef>
-              <a:spcAft>
-                <a:spcPct val="0"/>
-              </a:spcAft>
-              <a:buClrTx/>
-              <a:buSzTx/>
-              <a:buFontTx/>
-              <a:buNone/>
-              <a:tabLst/>
-              <a:defRPr/>
-            </a:pPr>
-            <a:r>
-              <a:rPr kumimoji="0" lang="sk-SK" sz="1600" b="0" i="1" u="none" strike="noStrike" kern="0" cap="none" spc="0" normalizeH="0" baseline="0" noProof="0" dirty="0" smtClean="0">
-                <a:ln>
-                  <a:noFill/>
-                </a:ln>
-                <a:solidFill>
-                  <a:schemeClr val="bg1">
-                    <a:lumMod val="65000"/>
-                  </a:schemeClr>
-                </a:solidFill>
-                <a:effectLst>
-                  <a:outerShdw blurRad="38100" dist="38100" dir="2700000" algn="tl">
-                    <a:srgbClr val="000000">
-                      <a:alpha val="43137"/>
-                    </a:srgbClr>
-                  </a:outerShdw>
-                </a:effectLst>
-                <a:uLnTx/>
-                <a:uFillTx/>
-                <a:latin typeface="Constantia" pitchFamily="18" charset="0"/>
-              </a:rPr>
-              <a:t>Innovators </a:t>
-            </a:r>
-            <a:r>
-              <a:rPr kumimoji="0" lang="sk-SK" sz="1200" b="0" i="1" u="none" strike="noStrike" kern="0" cap="none" spc="0" normalizeH="0" baseline="0" noProof="0" dirty="0" smtClean="0">
-                <a:ln>
-                  <a:noFill/>
-                </a:ln>
-                <a:solidFill>
-                  <a:schemeClr val="bg1">
-                    <a:lumMod val="65000"/>
-                  </a:schemeClr>
-                </a:solidFill>
-                <a:effectLst>
-                  <a:outerShdw blurRad="38100" dist="38100" dir="2700000" algn="tl">
-                    <a:srgbClr val="000000">
-                      <a:alpha val="43137"/>
-                    </a:srgbClr>
-                  </a:outerShdw>
-                </a:effectLst>
-                <a:uLnTx/>
-                <a:uFillTx/>
-                <a:latin typeface="Constantia" pitchFamily="18" charset="0"/>
-              </a:rPr>
-              <a:t>|</a:t>
-            </a:r>
-            <a:r>
-              <a:rPr kumimoji="0" lang="sk-SK" sz="1200" b="0" i="1" u="none" strike="noStrike" kern="0" cap="none" spc="0" normalizeH="0" noProof="0" dirty="0" smtClean="0">
-                <a:ln>
-                  <a:noFill/>
-                </a:ln>
-                <a:solidFill>
-                  <a:schemeClr val="bg1">
-                    <a:lumMod val="65000"/>
-                  </a:schemeClr>
-                </a:solidFill>
-                <a:effectLst>
-                  <a:outerShdw blurRad="38100" dist="38100" dir="2700000" algn="tl">
-                    <a:srgbClr val="000000">
-                      <a:alpha val="43137"/>
-                    </a:srgbClr>
-                  </a:outerShdw>
-                </a:effectLst>
-                <a:uLnTx/>
-                <a:uFillTx/>
-                <a:latin typeface="Constantia" pitchFamily="18" charset="0"/>
-              </a:rPr>
-              <a:t> </a:t>
-            </a:r>
-            <a:r>
-              <a:rPr kumimoji="0" lang="sk-SK" sz="1200" b="0" i="1" u="none" strike="noStrike" kern="0" cap="none" spc="0" normalizeH="0" baseline="0" noProof="0" dirty="0" smtClean="0">
-                <a:ln>
-                  <a:noFill/>
-                </a:ln>
-                <a:solidFill>
-                  <a:schemeClr val="bg1">
-                    <a:lumMod val="65000"/>
-                  </a:schemeClr>
-                </a:solidFill>
-                <a:effectLst>
-                  <a:outerShdw blurRad="38100" dist="38100" dir="2700000" algn="tl">
-                    <a:srgbClr val="000000">
-                      <a:alpha val="43137"/>
-                    </a:srgbClr>
-                  </a:outerShdw>
-                </a:effectLst>
-                <a:uLnTx/>
-                <a:uFillTx/>
-                <a:latin typeface="Constantia" pitchFamily="18" charset="0"/>
-              </a:rPr>
-              <a:t>tím</a:t>
-            </a:r>
-            <a:r>
-              <a:rPr kumimoji="0" lang="sk-SK" sz="1400" b="0" i="1" u="none" strike="noStrike" kern="0" cap="none" spc="0" normalizeH="0" baseline="0" noProof="0" dirty="0" smtClean="0">
-                <a:ln>
-                  <a:noFill/>
-                </a:ln>
-                <a:solidFill>
-                  <a:schemeClr val="bg1">
-                    <a:lumMod val="65000"/>
-                  </a:schemeClr>
-                </a:solidFill>
-                <a:effectLst>
-                  <a:outerShdw blurRad="38100" dist="38100" dir="2700000" algn="tl">
-                    <a:srgbClr val="000000">
-                      <a:alpha val="43137"/>
-                    </a:srgbClr>
-                  </a:outerShdw>
-                </a:effectLst>
-                <a:uLnTx/>
-                <a:uFillTx/>
-                <a:latin typeface="Constantia" pitchFamily="18" charset="0"/>
-              </a:rPr>
-              <a:t> č.10</a:t>
-            </a:r>
-            <a:endParaRPr kumimoji="0" lang="en-US" sz="1600" b="0" i="1" u="none" strike="noStrike" kern="0" cap="none" spc="0" normalizeH="0" baseline="0" noProof="0" dirty="0">
-              <a:ln>
-                <a:noFill/>
-              </a:ln>
-              <a:solidFill>
-                <a:schemeClr val="bg1">
-                  <a:lumMod val="65000"/>
-                </a:schemeClr>
-              </a:solidFill>
-              <a:effectLst>
-                <a:outerShdw blurRad="38100" dist="38100" dir="2700000" algn="tl">
-                  <a:srgbClr val="000000">
-                    <a:alpha val="43137"/>
-                  </a:srgbClr>
-                </a:outerShdw>
-              </a:effectLst>
-              <a:uLnTx/>
-              <a:uFillTx/>
-              <a:latin typeface="Constantia" pitchFamily="18" charset="0"/>
-            </a:endParaRPr>
-          </a:p>
-        </p:txBody>
-      </p:sp>
-      <p:sp>
-        <p:nvSpPr>
-          <p:cNvPr id="7" name="TextBox 2"/>
-          <p:cNvSpPr txBox="1"/>
-          <p:nvPr/>
-        </p:nvSpPr>
-        <p:spPr>
-          <a:xfrm>
             <a:off x="500034" y="1000112"/>
             <a:ext cx="8286808" cy="406330"/>
           </a:xfrm>
@@ -6741,28 +5736,7 @@
                 <a:latin typeface="Times New Roman" pitchFamily="18" charset="0"/>
                 <a:cs typeface="Times New Roman" pitchFamily="18" charset="0"/>
               </a:rPr>
-              <a:t> </a:t>
-            </a:r>
-            <a:r>
-              <a:rPr lang="en-US" sz="2000" kern="0" smtClean="0">
-                <a:ln w="18415" cmpd="sng">
-                  <a:noFill/>
-                  <a:prstDash val="solid"/>
-                </a:ln>
-                <a:solidFill>
-                  <a:srgbClr val="FFFFFF"/>
-                </a:solidFill>
-                <a:effectLst>
-                  <a:outerShdw blurRad="50800" dist="38100" dir="2700000" algn="tl" rotWithShape="0">
-                    <a:prstClr val="black">
-                      <a:alpha val="40000"/>
-                    </a:prstClr>
-                  </a:outerShdw>
-                </a:effectLst>
-                <a:latin typeface="Times New Roman" pitchFamily="18" charset="0"/>
-                <a:cs typeface="Times New Roman" pitchFamily="18" charset="0"/>
-              </a:rPr>
-              <a:t>Konfigurovate</a:t>
+              <a:t> Konfigurovate</a:t>
             </a:r>
             <a:r>
               <a:rPr lang="sk-SK" sz="2000" kern="0" smtClean="0">
@@ -7120,7 +6094,7 @@
 </p:sld>
 </file>
 
-<file path=ppt/slides/slide12.xml><?xml version="1.0" encoding="utf-8"?>
+<file path=ppt/slides/slide11.xml><?xml version="1.0" encoding="utf-8"?>
 <p:sld xmlns:a="http://schemas.openxmlformats.org/drawingml/2006/main" xmlns:r="http://schemas.openxmlformats.org/officeDocument/2006/relationships" xmlns:p="http://schemas.openxmlformats.org/presentationml/2006/main">
   <p:cSld>
     <p:spTree>
@@ -7900,6 +6874,935 @@
               <a:effectLst/>
               <a:uLnTx/>
               <a:uFillTx/>
+            </a:endParaRPr>
+          </a:p>
+        </p:txBody>
+      </p:sp>
+    </p:spTree>
+  </p:cSld>
+  <p:clrMapOvr>
+    <a:masterClrMapping/>
+  </p:clrMapOvr>
+  <p:transition spd="med">
+    <p:cover dir="r"/>
+  </p:transition>
+  <p:timing>
+    <p:tnLst>
+      <p:par>
+        <p:cTn id="1" dur="indefinite" restart="never" nodeType="tmRoot">
+          <p:childTnLst>
+            <p:seq concurrent="1" nextAc="seek">
+              <p:cTn id="2" dur="indefinite" nodeType="mainSeq">
+                <p:childTnLst>
+                  <p:par>
+                    <p:cTn id="3" fill="hold">
+                      <p:stCondLst>
+                        <p:cond delay="indefinite"/>
+                        <p:cond evt="onBegin" delay="0">
+                          <p:tn val="2"/>
+                        </p:cond>
+                      </p:stCondLst>
+                      <p:childTnLst>
+                        <p:par>
+                          <p:cTn id="4" fill="hold">
+                            <p:stCondLst>
+                              <p:cond delay="0"/>
+                            </p:stCondLst>
+                            <p:childTnLst>
+                              <p:par>
+                                <p:cTn id="5" presetID="17" presetClass="entr" presetSubtype="8" fill="hold" grpId="0" nodeType="afterEffect">
+                                  <p:stCondLst>
+                                    <p:cond delay="0"/>
+                                  </p:stCondLst>
+                                  <p:childTnLst>
+                                    <p:set>
+                                      <p:cBhvr>
+                                        <p:cTn id="6" dur="1" fill="hold">
+                                          <p:stCondLst>
+                                            <p:cond delay="0"/>
+                                          </p:stCondLst>
+                                        </p:cTn>
+                                        <p:tgtEl>
+                                          <p:spTgt spid="22"/>
+                                        </p:tgtEl>
+                                        <p:attrNameLst>
+                                          <p:attrName>style.visibility</p:attrName>
+                                        </p:attrNameLst>
+                                      </p:cBhvr>
+                                      <p:to>
+                                        <p:strVal val="visible"/>
+                                      </p:to>
+                                    </p:set>
+                                    <p:anim calcmode="lin" valueType="num">
+                                      <p:cBhvr>
+                                        <p:cTn id="7" dur="1000" fill="hold"/>
+                                        <p:tgtEl>
+                                          <p:spTgt spid="22"/>
+                                        </p:tgtEl>
+                                        <p:attrNameLst>
+                                          <p:attrName>ppt_x</p:attrName>
+                                        </p:attrNameLst>
+                                      </p:cBhvr>
+                                      <p:tavLst>
+                                        <p:tav tm="0">
+                                          <p:val>
+                                            <p:strVal val="#ppt_x-#ppt_w/2"/>
+                                          </p:val>
+                                        </p:tav>
+                                        <p:tav tm="100000">
+                                          <p:val>
+                                            <p:strVal val="#ppt_x"/>
+                                          </p:val>
+                                        </p:tav>
+                                      </p:tavLst>
+                                    </p:anim>
+                                    <p:anim calcmode="lin" valueType="num">
+                                      <p:cBhvr>
+                                        <p:cTn id="8" dur="1000" fill="hold"/>
+                                        <p:tgtEl>
+                                          <p:spTgt spid="22"/>
+                                        </p:tgtEl>
+                                        <p:attrNameLst>
+                                          <p:attrName>ppt_y</p:attrName>
+                                        </p:attrNameLst>
+                                      </p:cBhvr>
+                                      <p:tavLst>
+                                        <p:tav tm="0">
+                                          <p:val>
+                                            <p:strVal val="#ppt_y"/>
+                                          </p:val>
+                                        </p:tav>
+                                        <p:tav tm="100000">
+                                          <p:val>
+                                            <p:strVal val="#ppt_y"/>
+                                          </p:val>
+                                        </p:tav>
+                                      </p:tavLst>
+                                    </p:anim>
+                                    <p:anim calcmode="lin" valueType="num">
+                                      <p:cBhvr>
+                                        <p:cTn id="9" dur="1000" fill="hold"/>
+                                        <p:tgtEl>
+                                          <p:spTgt spid="22"/>
+                                        </p:tgtEl>
+                                        <p:attrNameLst>
+                                          <p:attrName>ppt_w</p:attrName>
+                                        </p:attrNameLst>
+                                      </p:cBhvr>
+                                      <p:tavLst>
+                                        <p:tav tm="0">
+                                          <p:val>
+                                            <p:fltVal val="0"/>
+                                          </p:val>
+                                        </p:tav>
+                                        <p:tav tm="100000">
+                                          <p:val>
+                                            <p:strVal val="#ppt_w"/>
+                                          </p:val>
+                                        </p:tav>
+                                      </p:tavLst>
+                                    </p:anim>
+                                    <p:anim calcmode="lin" valueType="num">
+                                      <p:cBhvr>
+                                        <p:cTn id="10" dur="1000" fill="hold"/>
+                                        <p:tgtEl>
+                                          <p:spTgt spid="22"/>
+                                        </p:tgtEl>
+                                        <p:attrNameLst>
+                                          <p:attrName>ppt_h</p:attrName>
+                                        </p:attrNameLst>
+                                      </p:cBhvr>
+                                      <p:tavLst>
+                                        <p:tav tm="0">
+                                          <p:val>
+                                            <p:strVal val="#ppt_h"/>
+                                          </p:val>
+                                        </p:tav>
+                                        <p:tav tm="100000">
+                                          <p:val>
+                                            <p:strVal val="#ppt_h"/>
+                                          </p:val>
+                                        </p:tav>
+                                      </p:tavLst>
+                                    </p:anim>
+                                  </p:childTnLst>
+                                </p:cTn>
+                              </p:par>
+                            </p:childTnLst>
+                          </p:cTn>
+                        </p:par>
+                        <p:par>
+                          <p:cTn id="11" fill="hold">
+                            <p:stCondLst>
+                              <p:cond delay="1000"/>
+                            </p:stCondLst>
+                            <p:childTnLst>
+                              <p:par>
+                                <p:cTn id="12" presetID="2" presetClass="entr" presetSubtype="8" fill="hold" grpId="0" nodeType="afterEffect">
+                                  <p:stCondLst>
+                                    <p:cond delay="0"/>
+                                  </p:stCondLst>
+                                  <p:childTnLst>
+                                    <p:set>
+                                      <p:cBhvr>
+                                        <p:cTn id="13" dur="1" fill="hold">
+                                          <p:stCondLst>
+                                            <p:cond delay="0"/>
+                                          </p:stCondLst>
+                                        </p:cTn>
+                                        <p:tgtEl>
+                                          <p:spTgt spid="7"/>
+                                        </p:tgtEl>
+                                        <p:attrNameLst>
+                                          <p:attrName>style.visibility</p:attrName>
+                                        </p:attrNameLst>
+                                      </p:cBhvr>
+                                      <p:to>
+                                        <p:strVal val="visible"/>
+                                      </p:to>
+                                    </p:set>
+                                    <p:anim calcmode="lin" valueType="num">
+                                      <p:cBhvr additive="base">
+                                        <p:cTn id="14" dur="1000" fill="hold"/>
+                                        <p:tgtEl>
+                                          <p:spTgt spid="7"/>
+                                        </p:tgtEl>
+                                        <p:attrNameLst>
+                                          <p:attrName>ppt_x</p:attrName>
+                                        </p:attrNameLst>
+                                      </p:cBhvr>
+                                      <p:tavLst>
+                                        <p:tav tm="0">
+                                          <p:val>
+                                            <p:strVal val="0-#ppt_w/2"/>
+                                          </p:val>
+                                        </p:tav>
+                                        <p:tav tm="100000">
+                                          <p:val>
+                                            <p:strVal val="#ppt_x"/>
+                                          </p:val>
+                                        </p:tav>
+                                      </p:tavLst>
+                                    </p:anim>
+                                    <p:anim calcmode="lin" valueType="num">
+                                      <p:cBhvr additive="base">
+                                        <p:cTn id="15" dur="1000" fill="hold"/>
+                                        <p:tgtEl>
+                                          <p:spTgt spid="7"/>
+                                        </p:tgtEl>
+                                        <p:attrNameLst>
+                                          <p:attrName>ppt_y</p:attrName>
+                                        </p:attrNameLst>
+                                      </p:cBhvr>
+                                      <p:tavLst>
+                                        <p:tav tm="0">
+                                          <p:val>
+                                            <p:strVal val="#ppt_y"/>
+                                          </p:val>
+                                        </p:tav>
+                                        <p:tav tm="100000">
+                                          <p:val>
+                                            <p:strVal val="#ppt_y"/>
+                                          </p:val>
+                                        </p:tav>
+                                      </p:tavLst>
+                                    </p:anim>
+                                  </p:childTnLst>
+                                </p:cTn>
+                              </p:par>
+                            </p:childTnLst>
+                          </p:cTn>
+                        </p:par>
+                      </p:childTnLst>
+                    </p:cTn>
+                  </p:par>
+                </p:childTnLst>
+              </p:cTn>
+              <p:prevCondLst>
+                <p:cond evt="onPrev" delay="0">
+                  <p:tgtEl>
+                    <p:sldTgt/>
+                  </p:tgtEl>
+                </p:cond>
+              </p:prevCondLst>
+              <p:nextCondLst>
+                <p:cond evt="onNext" delay="0">
+                  <p:tgtEl>
+                    <p:sldTgt/>
+                  </p:tgtEl>
+                </p:cond>
+              </p:nextCondLst>
+            </p:seq>
+          </p:childTnLst>
+        </p:cTn>
+      </p:par>
+    </p:tnLst>
+    <p:bldLst>
+      <p:bldP spid="22" grpId="0" animBg="1"/>
+      <p:bldP spid="7" grpId="0"/>
+    </p:bldLst>
+  </p:timing>
+</p:sld>
+</file>
+
+<file path=ppt/slides/slide12.xml><?xml version="1.0" encoding="utf-8"?>
+<p:sld xmlns:a="http://schemas.openxmlformats.org/drawingml/2006/main" xmlns:r="http://schemas.openxmlformats.org/officeDocument/2006/relationships" xmlns:p="http://schemas.openxmlformats.org/presentationml/2006/main">
+  <p:cSld>
+    <p:spTree>
+      <p:nvGrpSpPr>
+        <p:cNvPr id="1" name=""/>
+        <p:cNvGrpSpPr/>
+        <p:nvPr/>
+      </p:nvGrpSpPr>
+      <p:grpSpPr>
+        <a:xfrm>
+          <a:off x="0" y="0"/>
+          <a:ext cx="0" cy="0"/>
+          <a:chOff x="0" y="0"/>
+          <a:chExt cx="0" cy="0"/>
+        </a:xfrm>
+      </p:grpSpPr>
+      <p:sp>
+        <p:nvSpPr>
+          <p:cNvPr id="22" name="Round Same Side Corner Rectangle 15"/>
+          <p:cNvSpPr/>
+          <p:nvPr/>
+        </p:nvSpPr>
+        <p:spPr bwMode="auto">
+          <a:xfrm rot="5400000">
+            <a:off x="2393157" y="-1393045"/>
+            <a:ext cx="4071966" cy="8858280"/>
+          </a:xfrm>
+          <a:prstGeom prst="round2SameRect">
+            <a:avLst/>
+          </a:prstGeom>
+          <a:solidFill>
+            <a:srgbClr val="000000">
+              <a:alpha val="28000"/>
+            </a:srgbClr>
+          </a:solidFill>
+          <a:ln w="12700">
+            <a:noFill/>
+            <a:headEnd type="none" w="med" len="med"/>
+            <a:tailEnd type="none" w="med" len="med"/>
+          </a:ln>
+          <a:effectLst/>
+        </p:spPr>
+        <p:style>
+          <a:lnRef idx="1">
+            <a:schemeClr val="accent2"/>
+          </a:lnRef>
+          <a:fillRef idx="3">
+            <a:schemeClr val="accent2"/>
+          </a:fillRef>
+          <a:effectRef idx="2">
+            <a:schemeClr val="accent2"/>
+          </a:effectRef>
+          <a:fontRef idx="minor">
+            <a:schemeClr val="lt1"/>
+          </a:fontRef>
+        </p:style>
+        <p:txBody>
+          <a:bodyPr vert="horz" wrap="square" lIns="68566" tIns="228558" rIns="68566" bIns="34283" numCol="1" rtlCol="0" anchor="t" anchorCtr="0" compatLnSpc="1">
+            <a:prstTxWarp prst="textNoShape">
+              <a:avLst/>
+            </a:prstTxWarp>
+          </a:bodyPr>
+          <a:lstStyle/>
+          <a:p>
+            <a:pPr algn="ctr" defTabSz="685750" fontAlgn="base">
+              <a:lnSpc>
+                <a:spcPct val="80000"/>
+              </a:lnSpc>
+              <a:spcBef>
+                <a:spcPct val="0"/>
+              </a:spcBef>
+              <a:spcAft>
+                <a:spcPct val="0"/>
+              </a:spcAft>
+              <a:buClr>
+                <a:srgbClr val="FFFF99"/>
+              </a:buClr>
+              <a:buSzPct val="120000"/>
+              <a:defRPr/>
+            </a:pPr>
+            <a:endParaRPr lang="en-US" altLang="zh-CN" sz="4100" b="1" spc="-94" dirty="0">
+              <a:ln w="18415" cmpd="sng">
+                <a:noFill/>
+                <a:prstDash val="solid"/>
+              </a:ln>
+              <a:solidFill>
+                <a:srgbClr val="000000"/>
+              </a:solidFill>
+              <a:effectLst>
+                <a:glow rad="101600">
+                  <a:srgbClr val="CCECFF"/>
+                </a:glow>
+                <a:innerShdw blurRad="114300">
+                  <a:prstClr val="black"/>
+                </a:innerShdw>
+              </a:effectLst>
+              <a:latin typeface="Segoe"/>
+            </a:endParaRPr>
+          </a:p>
+        </p:txBody>
+      </p:sp>
+      <p:sp>
+        <p:nvSpPr>
+          <p:cNvPr id="5" name="Freeform 8"/>
+          <p:cNvSpPr>
+            <a:spLocks/>
+          </p:cNvSpPr>
+          <p:nvPr/>
+        </p:nvSpPr>
+        <p:spPr bwMode="auto">
+          <a:xfrm rot="5400000">
+            <a:off x="4460057" y="428625"/>
+            <a:ext cx="285750" cy="10287000"/>
+          </a:xfrm>
+          <a:prstGeom prst="rect">
+            <a:avLst/>
+          </a:prstGeom>
+          <a:gradFill flip="none" rotWithShape="1">
+            <a:gsLst>
+              <a:gs pos="0">
+                <a:sysClr val="windowText" lastClr="000000">
+                  <a:alpha val="0"/>
+                </a:sysClr>
+              </a:gs>
+              <a:gs pos="38000">
+                <a:sysClr val="windowText" lastClr="000000"/>
+              </a:gs>
+              <a:gs pos="100000">
+                <a:sysClr val="windowText" lastClr="000000">
+                  <a:alpha val="0"/>
+                </a:sysClr>
+              </a:gs>
+            </a:gsLst>
+            <a:lin ang="16200000" scaled="1"/>
+            <a:tileRect/>
+          </a:gradFill>
+          <a:ln w="9525">
+            <a:noFill/>
+            <a:round/>
+            <a:headEnd/>
+            <a:tailEnd/>
+          </a:ln>
+        </p:spPr>
+        <p:txBody>
+          <a:bodyPr vert="horz" wrap="square" lIns="68589" tIns="34295" rIns="68589" bIns="34295" numCol="1" anchor="t" anchorCtr="0" compatLnSpc="1">
+            <a:prstTxWarp prst="textNoShape">
+              <a:avLst/>
+            </a:prstTxWarp>
+          </a:bodyPr>
+          <a:lstStyle/>
+          <a:p>
+            <a:pPr marL="0" marR="0" lvl="0" indent="0" defTabSz="914400" eaLnBrk="1" fontAlgn="auto" latinLnBrk="0" hangingPunct="1">
+              <a:lnSpc>
+                <a:spcPct val="100000"/>
+              </a:lnSpc>
+              <a:spcBef>
+                <a:spcPts val="0"/>
+              </a:spcBef>
+              <a:spcAft>
+                <a:spcPts val="0"/>
+              </a:spcAft>
+              <a:buClrTx/>
+              <a:buSzTx/>
+              <a:buFontTx/>
+              <a:buNone/>
+              <a:tabLst/>
+              <a:defRPr/>
+            </a:pPr>
+            <a:endParaRPr kumimoji="0" lang="en-US" sz="1800" b="0" i="0" u="none" strike="noStrike" kern="0" cap="none" spc="0" normalizeH="0" baseline="0" noProof="0" dirty="0">
+              <a:ln>
+                <a:noFill/>
+              </a:ln>
+              <a:solidFill>
+                <a:sysClr val="windowText" lastClr="000000"/>
+              </a:solidFill>
+              <a:effectLst/>
+              <a:uLnTx/>
+              <a:uFillTx/>
+            </a:endParaRPr>
+          </a:p>
+        </p:txBody>
+      </p:sp>
+      <p:sp>
+        <p:nvSpPr>
+          <p:cNvPr id="8" name="TextBox 2"/>
+          <p:cNvSpPr txBox="1"/>
+          <p:nvPr/>
+        </p:nvSpPr>
+        <p:spPr>
+          <a:xfrm>
+            <a:off x="3286116" y="337220"/>
+            <a:ext cx="5857884" cy="492443"/>
+          </a:xfrm>
+          <a:prstGeom prst="rect">
+            <a:avLst/>
+          </a:prstGeom>
+          <a:noFill/>
+          <a:effectLst/>
+        </p:spPr>
+        <p:txBody>
+          <a:bodyPr wrap="square" lIns="0" tIns="0" rIns="0" bIns="0" rtlCol="0">
+            <a:spAutoFit/>
+          </a:bodyPr>
+          <a:lstStyle/>
+          <a:p>
+            <a:pPr lvl="0" algn="ctr">
+              <a:defRPr/>
+            </a:pPr>
+            <a:r>
+              <a:rPr lang="sk-SK" sz="3200" b="1" kern="0" smtClean="0">
+                <a:ln w="18415" cmpd="sng">
+                  <a:noFill/>
+                  <a:prstDash val="solid"/>
+                </a:ln>
+                <a:solidFill>
+                  <a:srgbClr val="FFFFFF"/>
+                </a:solidFill>
+                <a:effectLst>
+                  <a:outerShdw blurRad="50800" dist="38100" dir="2700000" algn="tl" rotWithShape="0">
+                    <a:prstClr val="black">
+                      <a:alpha val="40000"/>
+                    </a:prstClr>
+                  </a:outerShdw>
+                </a:effectLst>
+                <a:latin typeface="Times New Roman" pitchFamily="18" charset="0"/>
+                <a:cs typeface="Times New Roman" pitchFamily="18" charset="0"/>
+              </a:rPr>
+              <a:t>Implementácia prototypu</a:t>
+            </a:r>
+            <a:endParaRPr lang="en-US" sz="3200" b="1" kern="0" dirty="0" smtClean="0">
+              <a:ln w="18415" cmpd="sng">
+                <a:noFill/>
+                <a:prstDash val="solid"/>
+              </a:ln>
+              <a:solidFill>
+                <a:srgbClr val="FFFFFF"/>
+              </a:solidFill>
+              <a:effectLst>
+                <a:outerShdw blurRad="50800" dist="38100" dir="2700000" algn="tl" rotWithShape="0">
+                  <a:prstClr val="black">
+                    <a:alpha val="40000"/>
+                  </a:prstClr>
+                </a:outerShdw>
+              </a:effectLst>
+              <a:latin typeface="Times New Roman" pitchFamily="18" charset="0"/>
+              <a:cs typeface="Times New Roman" pitchFamily="18" charset="0"/>
+            </a:endParaRPr>
+          </a:p>
+        </p:txBody>
+      </p:sp>
+      <p:sp>
+        <p:nvSpPr>
+          <p:cNvPr id="11" name="TextBox 47"/>
+          <p:cNvSpPr txBox="1"/>
+          <p:nvPr/>
+        </p:nvSpPr>
+        <p:spPr>
+          <a:xfrm>
+            <a:off x="107504" y="5399519"/>
+            <a:ext cx="2051719" cy="315481"/>
+          </a:xfrm>
+          <a:prstGeom prst="rect">
+            <a:avLst/>
+          </a:prstGeom>
+          <a:noFill/>
+          <a:effectLst>
+            <a:outerShdw blurRad="50800" dist="38100" dir="2700000" algn="tl" rotWithShape="0">
+              <a:prstClr val="black">
+                <a:alpha val="40000"/>
+              </a:prstClr>
+            </a:outerShdw>
+          </a:effectLst>
+        </p:spPr>
+        <p:txBody>
+          <a:bodyPr wrap="square" lIns="68589" tIns="34295" rIns="68589" bIns="34295" rtlCol="0">
+            <a:spAutoFit/>
+          </a:bodyPr>
+          <a:lstStyle/>
+          <a:p>
+            <a:pPr marL="0" marR="0" lvl="0" indent="0" defTabSz="914400" eaLnBrk="1" fontAlgn="base" latinLnBrk="0" hangingPunct="1">
+              <a:lnSpc>
+                <a:spcPct val="100000"/>
+              </a:lnSpc>
+              <a:spcBef>
+                <a:spcPct val="0"/>
+              </a:spcBef>
+              <a:spcAft>
+                <a:spcPct val="0"/>
+              </a:spcAft>
+              <a:buClrTx/>
+              <a:buSzTx/>
+              <a:buFontTx/>
+              <a:buNone/>
+              <a:tabLst/>
+              <a:defRPr/>
+            </a:pPr>
+            <a:r>
+              <a:rPr kumimoji="0" lang="sk-SK" sz="1600" b="0" i="1" u="none" strike="noStrike" kern="0" cap="none" spc="0" normalizeH="0" baseline="0" noProof="0" dirty="0" smtClean="0">
+                <a:ln>
+                  <a:noFill/>
+                </a:ln>
+                <a:solidFill>
+                  <a:schemeClr val="bg1">
+                    <a:lumMod val="65000"/>
+                  </a:schemeClr>
+                </a:solidFill>
+                <a:effectLst>
+                  <a:outerShdw blurRad="38100" dist="38100" dir="2700000" algn="tl">
+                    <a:srgbClr val="000000">
+                      <a:alpha val="43137"/>
+                    </a:srgbClr>
+                  </a:outerShdw>
+                </a:effectLst>
+                <a:uLnTx/>
+                <a:uFillTx/>
+                <a:latin typeface="Constantia" pitchFamily="18" charset="0"/>
+              </a:rPr>
+              <a:t>Innovators </a:t>
+            </a:r>
+            <a:r>
+              <a:rPr kumimoji="0" lang="sk-SK" sz="1200" b="0" i="1" u="none" strike="noStrike" kern="0" cap="none" spc="0" normalizeH="0" baseline="0" noProof="0" dirty="0" smtClean="0">
+                <a:ln>
+                  <a:noFill/>
+                </a:ln>
+                <a:solidFill>
+                  <a:schemeClr val="bg1">
+                    <a:lumMod val="65000"/>
+                  </a:schemeClr>
+                </a:solidFill>
+                <a:effectLst>
+                  <a:outerShdw blurRad="38100" dist="38100" dir="2700000" algn="tl">
+                    <a:srgbClr val="000000">
+                      <a:alpha val="43137"/>
+                    </a:srgbClr>
+                  </a:outerShdw>
+                </a:effectLst>
+                <a:uLnTx/>
+                <a:uFillTx/>
+                <a:latin typeface="Constantia" pitchFamily="18" charset="0"/>
+              </a:rPr>
+              <a:t>|</a:t>
+            </a:r>
+            <a:r>
+              <a:rPr kumimoji="0" lang="sk-SK" sz="1200" b="0" i="1" u="none" strike="noStrike" kern="0" cap="none" spc="0" normalizeH="0" noProof="0" dirty="0" smtClean="0">
+                <a:ln>
+                  <a:noFill/>
+                </a:ln>
+                <a:solidFill>
+                  <a:schemeClr val="bg1">
+                    <a:lumMod val="65000"/>
+                  </a:schemeClr>
+                </a:solidFill>
+                <a:effectLst>
+                  <a:outerShdw blurRad="38100" dist="38100" dir="2700000" algn="tl">
+                    <a:srgbClr val="000000">
+                      <a:alpha val="43137"/>
+                    </a:srgbClr>
+                  </a:outerShdw>
+                </a:effectLst>
+                <a:uLnTx/>
+                <a:uFillTx/>
+                <a:latin typeface="Constantia" pitchFamily="18" charset="0"/>
+              </a:rPr>
+              <a:t> </a:t>
+            </a:r>
+            <a:r>
+              <a:rPr kumimoji="0" lang="sk-SK" sz="1200" b="0" i="1" u="none" strike="noStrike" kern="0" cap="none" spc="0" normalizeH="0" baseline="0" noProof="0" dirty="0" smtClean="0">
+                <a:ln>
+                  <a:noFill/>
+                </a:ln>
+                <a:solidFill>
+                  <a:schemeClr val="bg1">
+                    <a:lumMod val="65000"/>
+                  </a:schemeClr>
+                </a:solidFill>
+                <a:effectLst>
+                  <a:outerShdw blurRad="38100" dist="38100" dir="2700000" algn="tl">
+                    <a:srgbClr val="000000">
+                      <a:alpha val="43137"/>
+                    </a:srgbClr>
+                  </a:outerShdw>
+                </a:effectLst>
+                <a:uLnTx/>
+                <a:uFillTx/>
+                <a:latin typeface="Constantia" pitchFamily="18" charset="0"/>
+              </a:rPr>
+              <a:t>tím</a:t>
+            </a:r>
+            <a:r>
+              <a:rPr kumimoji="0" lang="sk-SK" sz="1400" b="0" i="1" u="none" strike="noStrike" kern="0" cap="none" spc="0" normalizeH="0" baseline="0" noProof="0" dirty="0" smtClean="0">
+                <a:ln>
+                  <a:noFill/>
+                </a:ln>
+                <a:solidFill>
+                  <a:schemeClr val="bg1">
+                    <a:lumMod val="65000"/>
+                  </a:schemeClr>
+                </a:solidFill>
+                <a:effectLst>
+                  <a:outerShdw blurRad="38100" dist="38100" dir="2700000" algn="tl">
+                    <a:srgbClr val="000000">
+                      <a:alpha val="43137"/>
+                    </a:srgbClr>
+                  </a:outerShdw>
+                </a:effectLst>
+                <a:uLnTx/>
+                <a:uFillTx/>
+                <a:latin typeface="Constantia" pitchFamily="18" charset="0"/>
+              </a:rPr>
+              <a:t> č.10</a:t>
+            </a:r>
+            <a:endParaRPr kumimoji="0" lang="en-US" sz="1600" b="0" i="1" u="none" strike="noStrike" kern="0" cap="none" spc="0" normalizeH="0" baseline="0" noProof="0" dirty="0">
+              <a:ln>
+                <a:noFill/>
+              </a:ln>
+              <a:solidFill>
+                <a:schemeClr val="bg1">
+                  <a:lumMod val="65000"/>
+                </a:schemeClr>
+              </a:solidFill>
+              <a:effectLst>
+                <a:outerShdw blurRad="38100" dist="38100" dir="2700000" algn="tl">
+                  <a:srgbClr val="000000">
+                    <a:alpha val="43137"/>
+                  </a:srgbClr>
+                </a:outerShdw>
+              </a:effectLst>
+              <a:uLnTx/>
+              <a:uFillTx/>
+              <a:latin typeface="Constantia" pitchFamily="18" charset="0"/>
+            </a:endParaRPr>
+          </a:p>
+        </p:txBody>
+      </p:sp>
+      <p:sp>
+        <p:nvSpPr>
+          <p:cNvPr id="7" name="TextBox 2"/>
+          <p:cNvSpPr txBox="1"/>
+          <p:nvPr/>
+        </p:nvSpPr>
+        <p:spPr>
+          <a:xfrm>
+            <a:off x="428596" y="1142988"/>
+            <a:ext cx="8286808" cy="3693319"/>
+          </a:xfrm>
+          <a:prstGeom prst="rect">
+            <a:avLst/>
+          </a:prstGeom>
+          <a:noFill/>
+        </p:spPr>
+        <p:txBody>
+          <a:bodyPr wrap="square" lIns="0" tIns="0" rIns="0" bIns="0" rtlCol="0">
+            <a:spAutoFit/>
+          </a:bodyPr>
+          <a:lstStyle/>
+          <a:p>
+            <a:pPr>
+              <a:lnSpc>
+                <a:spcPct val="200000"/>
+              </a:lnSpc>
+              <a:buFont typeface="Arial" pitchFamily="34" charset="0"/>
+              <a:buChar char="•"/>
+              <a:defRPr/>
+            </a:pPr>
+            <a:r>
+              <a:rPr lang="sk-SK" sz="2000" kern="0" smtClean="0">
+                <a:ln w="18415" cmpd="sng">
+                  <a:noFill/>
+                  <a:prstDash val="solid"/>
+                </a:ln>
+                <a:solidFill>
+                  <a:srgbClr val="FFFFFF"/>
+                </a:solidFill>
+                <a:effectLst>
+                  <a:outerShdw blurRad="50800" dist="38100" dir="2700000" algn="tl" rotWithShape="0">
+                    <a:prstClr val="black">
+                      <a:alpha val="40000"/>
+                    </a:prstClr>
+                  </a:outerShdw>
+                </a:effectLst>
+                <a:latin typeface="Times New Roman" pitchFamily="18" charset="0"/>
+                <a:cs typeface="Times New Roman" pitchFamily="18" charset="0"/>
+              </a:rPr>
+              <a:t> Vykonaný refactoring podľa zadefinovaných štýlov</a:t>
+            </a:r>
+          </a:p>
+          <a:p>
+            <a:pPr>
+              <a:lnSpc>
+                <a:spcPct val="200000"/>
+              </a:lnSpc>
+              <a:buFont typeface="Arial" pitchFamily="34" charset="0"/>
+              <a:buChar char="•"/>
+              <a:defRPr/>
+            </a:pPr>
+            <a:r>
+              <a:rPr lang="sk-SK" sz="2000" kern="0" smtClean="0">
+                <a:ln w="18415" cmpd="sng">
+                  <a:noFill/>
+                  <a:prstDash val="solid"/>
+                </a:ln>
+                <a:solidFill>
+                  <a:srgbClr val="FFFFFF"/>
+                </a:solidFill>
+                <a:effectLst>
+                  <a:outerShdw blurRad="50800" dist="38100" dir="2700000" algn="tl" rotWithShape="0">
+                    <a:prstClr val="black">
+                      <a:alpha val="40000"/>
+                    </a:prstClr>
+                  </a:outerShdw>
+                </a:effectLst>
+                <a:latin typeface="Times New Roman" pitchFamily="18" charset="0"/>
+                <a:cs typeface="Times New Roman" pitchFamily="18" charset="0"/>
+              </a:rPr>
+              <a:t> Implementácia funkcií pre prácu s AST stromom na strane Lua</a:t>
+            </a:r>
+          </a:p>
+          <a:p>
+            <a:pPr>
+              <a:lnSpc>
+                <a:spcPct val="200000"/>
+              </a:lnSpc>
+              <a:buFont typeface="Arial" pitchFamily="34" charset="0"/>
+              <a:buChar char="•"/>
+              <a:defRPr/>
+            </a:pPr>
+            <a:r>
+              <a:rPr lang="sk-SK" sz="2000" kern="0" smtClean="0">
+                <a:ln w="18415" cmpd="sng">
+                  <a:noFill/>
+                  <a:prstDash val="solid"/>
+                </a:ln>
+                <a:solidFill>
+                  <a:srgbClr val="FFFFFF"/>
+                </a:solidFill>
+                <a:effectLst>
+                  <a:outerShdw blurRad="50800" dist="38100" dir="2700000" algn="tl" rotWithShape="0">
+                    <a:prstClr val="black">
+                      <a:alpha val="40000"/>
+                    </a:prstClr>
+                  </a:outerShdw>
+                </a:effectLst>
+                <a:latin typeface="Times New Roman" pitchFamily="18" charset="0"/>
+                <a:cs typeface="Times New Roman" pitchFamily="18" charset="0"/>
+              </a:rPr>
+              <a:t> Zabudovanie dvoch módov – Undo Redo v rámci práce s textom</a:t>
+            </a:r>
+          </a:p>
+          <a:p>
+            <a:pPr>
+              <a:lnSpc>
+                <a:spcPct val="200000"/>
+              </a:lnSpc>
+              <a:buFont typeface="Arial" pitchFamily="34" charset="0"/>
+              <a:buChar char="•"/>
+              <a:defRPr/>
+            </a:pPr>
+            <a:r>
+              <a:rPr lang="sk-SK" sz="2000" kern="0" smtClean="0">
+                <a:ln w="18415" cmpd="sng">
+                  <a:noFill/>
+                  <a:prstDash val="solid"/>
+                </a:ln>
+                <a:solidFill>
+                  <a:srgbClr val="FFFFFF"/>
+                </a:solidFill>
+                <a:effectLst>
+                  <a:outerShdw blurRad="50800" dist="38100" dir="2700000" algn="tl" rotWithShape="0">
+                    <a:prstClr val="black">
+                      <a:alpha val="40000"/>
+                    </a:prstClr>
+                  </a:outerShdw>
+                </a:effectLst>
+                <a:latin typeface="Times New Roman" pitchFamily="18" charset="0"/>
+                <a:cs typeface="Times New Roman" pitchFamily="18" charset="0"/>
+              </a:rPr>
+              <a:t> Zabudovanie paralelizmu – spracovanie syntaktickej analýzy na pozadí</a:t>
+            </a:r>
+          </a:p>
+          <a:p>
+            <a:pPr>
+              <a:lnSpc>
+                <a:spcPct val="200000"/>
+              </a:lnSpc>
+              <a:buFont typeface="Arial" pitchFamily="34" charset="0"/>
+              <a:buChar char="•"/>
+              <a:defRPr/>
+            </a:pPr>
+            <a:r>
+              <a:rPr lang="sk-SK" sz="2000" kern="0" smtClean="0">
+                <a:ln w="18415" cmpd="sng">
+                  <a:noFill/>
+                  <a:prstDash val="solid"/>
+                </a:ln>
+                <a:solidFill>
+                  <a:srgbClr val="FFFFFF"/>
+                </a:solidFill>
+                <a:effectLst>
+                  <a:outerShdw blurRad="50800" dist="38100" dir="2700000" algn="tl" rotWithShape="0">
+                    <a:prstClr val="black">
+                      <a:alpha val="40000"/>
+                    </a:prstClr>
+                  </a:outerShdw>
+                </a:effectLst>
+                <a:latin typeface="Times New Roman" pitchFamily="18" charset="0"/>
+                <a:cs typeface="Times New Roman" pitchFamily="18" charset="0"/>
+              </a:rPr>
+              <a:t> Zabudovanie Shortcuts – rozšírenie existujúcich skratiek </a:t>
+            </a:r>
+          </a:p>
+          <a:p>
+            <a:pPr>
+              <a:lnSpc>
+                <a:spcPct val="200000"/>
+              </a:lnSpc>
+              <a:buFont typeface="Arial" pitchFamily="34" charset="0"/>
+              <a:buChar char="•"/>
+              <a:defRPr/>
+            </a:pPr>
+            <a:r>
+              <a:rPr lang="sk-SK" sz="2000" kern="0" smtClean="0">
+                <a:ln w="18415" cmpd="sng">
+                  <a:noFill/>
+                  <a:prstDash val="solid"/>
+                </a:ln>
+                <a:solidFill>
+                  <a:srgbClr val="FFFFFF"/>
+                </a:solidFill>
+                <a:effectLst>
+                  <a:outerShdw blurRad="50800" dist="38100" dir="2700000" algn="tl" rotWithShape="0">
+                    <a:prstClr val="black">
+                      <a:alpha val="40000"/>
+                    </a:prstClr>
+                  </a:outerShdw>
+                </a:effectLst>
+                <a:latin typeface="Times New Roman" pitchFamily="18" charset="0"/>
+                <a:cs typeface="Times New Roman" pitchFamily="18" charset="0"/>
+              </a:rPr>
+              <a:t> Úprava editora za použitia CSS štýlov</a:t>
+            </a:r>
+            <a:endParaRPr lang="pl-PL" sz="2000" kern="0" smtClean="0">
+              <a:ln w="18415" cmpd="sng">
+                <a:noFill/>
+                <a:prstDash val="solid"/>
+              </a:ln>
+              <a:solidFill>
+                <a:srgbClr val="FFFFFF"/>
+              </a:solidFill>
+              <a:effectLst>
+                <a:outerShdw blurRad="50800" dist="38100" dir="2700000" algn="tl" rotWithShape="0">
+                  <a:prstClr val="black">
+                    <a:alpha val="40000"/>
+                  </a:prstClr>
+                </a:outerShdw>
+              </a:effectLst>
+              <a:latin typeface="Times New Roman" pitchFamily="18" charset="0"/>
+              <a:cs typeface="Times New Roman" pitchFamily="18" charset="0"/>
             </a:endParaRPr>
           </a:p>
         </p:txBody>
@@ -8190,977 +8093,6 @@
       </p:grpSpPr>
       <p:sp>
         <p:nvSpPr>
-          <p:cNvPr id="22" name="Round Same Side Corner Rectangle 15"/>
-          <p:cNvSpPr/>
-          <p:nvPr/>
-        </p:nvSpPr>
-        <p:spPr bwMode="auto">
-          <a:xfrm rot="5400000">
-            <a:off x="2393157" y="-1393045"/>
-            <a:ext cx="4071966" cy="8858280"/>
-          </a:xfrm>
-          <a:prstGeom prst="round2SameRect">
-            <a:avLst/>
-          </a:prstGeom>
-          <a:solidFill>
-            <a:srgbClr val="000000">
-              <a:alpha val="28000"/>
-            </a:srgbClr>
-          </a:solidFill>
-          <a:ln w="12700">
-            <a:noFill/>
-            <a:headEnd type="none" w="med" len="med"/>
-            <a:tailEnd type="none" w="med" len="med"/>
-          </a:ln>
-          <a:effectLst/>
-        </p:spPr>
-        <p:style>
-          <a:lnRef idx="1">
-            <a:schemeClr val="accent2"/>
-          </a:lnRef>
-          <a:fillRef idx="3">
-            <a:schemeClr val="accent2"/>
-          </a:fillRef>
-          <a:effectRef idx="2">
-            <a:schemeClr val="accent2"/>
-          </a:effectRef>
-          <a:fontRef idx="minor">
-            <a:schemeClr val="lt1"/>
-          </a:fontRef>
-        </p:style>
-        <p:txBody>
-          <a:bodyPr vert="horz" wrap="square" lIns="68566" tIns="228558" rIns="68566" bIns="34283" numCol="1" rtlCol="0" anchor="t" anchorCtr="0" compatLnSpc="1">
-            <a:prstTxWarp prst="textNoShape">
-              <a:avLst/>
-            </a:prstTxWarp>
-          </a:bodyPr>
-          <a:lstStyle/>
-          <a:p>
-            <a:pPr algn="ctr" defTabSz="685750" fontAlgn="base">
-              <a:lnSpc>
-                <a:spcPct val="80000"/>
-              </a:lnSpc>
-              <a:spcBef>
-                <a:spcPct val="0"/>
-              </a:spcBef>
-              <a:spcAft>
-                <a:spcPct val="0"/>
-              </a:spcAft>
-              <a:buClr>
-                <a:srgbClr val="FFFF99"/>
-              </a:buClr>
-              <a:buSzPct val="120000"/>
-              <a:defRPr/>
-            </a:pPr>
-            <a:endParaRPr lang="en-US" altLang="zh-CN" sz="4100" b="1" spc="-94" dirty="0">
-              <a:ln w="18415" cmpd="sng">
-                <a:noFill/>
-                <a:prstDash val="solid"/>
-              </a:ln>
-              <a:solidFill>
-                <a:srgbClr val="000000"/>
-              </a:solidFill>
-              <a:effectLst>
-                <a:glow rad="101600">
-                  <a:srgbClr val="CCECFF"/>
-                </a:glow>
-                <a:innerShdw blurRad="114300">
-                  <a:prstClr val="black"/>
-                </a:innerShdw>
-              </a:effectLst>
-              <a:latin typeface="Segoe"/>
-            </a:endParaRPr>
-          </a:p>
-        </p:txBody>
-      </p:sp>
-      <p:sp>
-        <p:nvSpPr>
-          <p:cNvPr id="5" name="Freeform 8"/>
-          <p:cNvSpPr>
-            <a:spLocks/>
-          </p:cNvSpPr>
-          <p:nvPr/>
-        </p:nvSpPr>
-        <p:spPr bwMode="auto">
-          <a:xfrm rot="5400000">
-            <a:off x="4460057" y="428625"/>
-            <a:ext cx="285750" cy="10287000"/>
-          </a:xfrm>
-          <a:prstGeom prst="rect">
-            <a:avLst/>
-          </a:prstGeom>
-          <a:gradFill flip="none" rotWithShape="1">
-            <a:gsLst>
-              <a:gs pos="0">
-                <a:sysClr val="windowText" lastClr="000000">
-                  <a:alpha val="0"/>
-                </a:sysClr>
-              </a:gs>
-              <a:gs pos="38000">
-                <a:sysClr val="windowText" lastClr="000000"/>
-              </a:gs>
-              <a:gs pos="100000">
-                <a:sysClr val="windowText" lastClr="000000">
-                  <a:alpha val="0"/>
-                </a:sysClr>
-              </a:gs>
-            </a:gsLst>
-            <a:lin ang="16200000" scaled="1"/>
-            <a:tileRect/>
-          </a:gradFill>
-          <a:ln w="9525">
-            <a:noFill/>
-            <a:round/>
-            <a:headEnd/>
-            <a:tailEnd/>
-          </a:ln>
-        </p:spPr>
-        <p:txBody>
-          <a:bodyPr vert="horz" wrap="square" lIns="68589" tIns="34295" rIns="68589" bIns="34295" numCol="1" anchor="t" anchorCtr="0" compatLnSpc="1">
-            <a:prstTxWarp prst="textNoShape">
-              <a:avLst/>
-            </a:prstTxWarp>
-          </a:bodyPr>
-          <a:lstStyle/>
-          <a:p>
-            <a:pPr marL="0" marR="0" lvl="0" indent="0" defTabSz="914400" eaLnBrk="1" fontAlgn="auto" latinLnBrk="0" hangingPunct="1">
-              <a:lnSpc>
-                <a:spcPct val="100000"/>
-              </a:lnSpc>
-              <a:spcBef>
-                <a:spcPts val="0"/>
-              </a:spcBef>
-              <a:spcAft>
-                <a:spcPts val="0"/>
-              </a:spcAft>
-              <a:buClrTx/>
-              <a:buSzTx/>
-              <a:buFontTx/>
-              <a:buNone/>
-              <a:tabLst/>
-              <a:defRPr/>
-            </a:pPr>
-            <a:endParaRPr kumimoji="0" lang="en-US" sz="1800" b="0" i="0" u="none" strike="noStrike" kern="0" cap="none" spc="0" normalizeH="0" baseline="0" noProof="0" dirty="0">
-              <a:ln>
-                <a:noFill/>
-              </a:ln>
-              <a:solidFill>
-                <a:sysClr val="windowText" lastClr="000000"/>
-              </a:solidFill>
-              <a:effectLst/>
-              <a:uLnTx/>
-              <a:uFillTx/>
-            </a:endParaRPr>
-          </a:p>
-        </p:txBody>
-      </p:sp>
-      <p:sp>
-        <p:nvSpPr>
-          <p:cNvPr id="8" name="TextBox 2"/>
-          <p:cNvSpPr txBox="1"/>
-          <p:nvPr/>
-        </p:nvSpPr>
-        <p:spPr>
-          <a:xfrm>
-            <a:off x="3286116" y="337220"/>
-            <a:ext cx="5857884" cy="492443"/>
-          </a:xfrm>
-          <a:prstGeom prst="rect">
-            <a:avLst/>
-          </a:prstGeom>
-          <a:noFill/>
-          <a:effectLst/>
-        </p:spPr>
-        <p:txBody>
-          <a:bodyPr wrap="square" lIns="0" tIns="0" rIns="0" bIns="0" rtlCol="0">
-            <a:spAutoFit/>
-          </a:bodyPr>
-          <a:lstStyle/>
-          <a:p>
-            <a:pPr lvl="0" algn="ctr">
-              <a:defRPr/>
-            </a:pPr>
-            <a:r>
-              <a:rPr lang="sk-SK" sz="3200" b="1" kern="0" smtClean="0">
-                <a:ln w="18415" cmpd="sng">
-                  <a:noFill/>
-                  <a:prstDash val="solid"/>
-                </a:ln>
-                <a:solidFill>
-                  <a:srgbClr val="FFFFFF"/>
-                </a:solidFill>
-                <a:effectLst>
-                  <a:outerShdw blurRad="50800" dist="38100" dir="2700000" algn="tl" rotWithShape="0">
-                    <a:prstClr val="black">
-                      <a:alpha val="40000"/>
-                    </a:prstClr>
-                  </a:outerShdw>
-                </a:effectLst>
-                <a:latin typeface="Times New Roman" pitchFamily="18" charset="0"/>
-                <a:cs typeface="Times New Roman" pitchFamily="18" charset="0"/>
-              </a:rPr>
-              <a:t>Implementácia prototypu</a:t>
-            </a:r>
-            <a:endParaRPr lang="en-US" sz="3200" b="1" kern="0" dirty="0" smtClean="0">
-              <a:ln w="18415" cmpd="sng">
-                <a:noFill/>
-                <a:prstDash val="solid"/>
-              </a:ln>
-              <a:solidFill>
-                <a:srgbClr val="FFFFFF"/>
-              </a:solidFill>
-              <a:effectLst>
-                <a:outerShdw blurRad="50800" dist="38100" dir="2700000" algn="tl" rotWithShape="0">
-                  <a:prstClr val="black">
-                    <a:alpha val="40000"/>
-                  </a:prstClr>
-                </a:outerShdw>
-              </a:effectLst>
-              <a:latin typeface="Times New Roman" pitchFamily="18" charset="0"/>
-              <a:cs typeface="Times New Roman" pitchFamily="18" charset="0"/>
-            </a:endParaRPr>
-          </a:p>
-        </p:txBody>
-      </p:sp>
-      <p:sp>
-        <p:nvSpPr>
-          <p:cNvPr id="11" name="TextBox 47"/>
-          <p:cNvSpPr txBox="1"/>
-          <p:nvPr/>
-        </p:nvSpPr>
-        <p:spPr>
-          <a:xfrm>
-            <a:off x="107504" y="5399519"/>
-            <a:ext cx="2051719" cy="315481"/>
-          </a:xfrm>
-          <a:prstGeom prst="rect">
-            <a:avLst/>
-          </a:prstGeom>
-          <a:noFill/>
-          <a:effectLst>
-            <a:outerShdw blurRad="50800" dist="38100" dir="2700000" algn="tl" rotWithShape="0">
-              <a:prstClr val="black">
-                <a:alpha val="40000"/>
-              </a:prstClr>
-            </a:outerShdw>
-          </a:effectLst>
-        </p:spPr>
-        <p:txBody>
-          <a:bodyPr wrap="square" lIns="68589" tIns="34295" rIns="68589" bIns="34295" rtlCol="0">
-            <a:spAutoFit/>
-          </a:bodyPr>
-          <a:lstStyle/>
-          <a:p>
-            <a:pPr marL="0" marR="0" lvl="0" indent="0" defTabSz="914400" eaLnBrk="1" fontAlgn="base" latinLnBrk="0" hangingPunct="1">
-              <a:lnSpc>
-                <a:spcPct val="100000"/>
-              </a:lnSpc>
-              <a:spcBef>
-                <a:spcPct val="0"/>
-              </a:spcBef>
-              <a:spcAft>
-                <a:spcPct val="0"/>
-              </a:spcAft>
-              <a:buClrTx/>
-              <a:buSzTx/>
-              <a:buFontTx/>
-              <a:buNone/>
-              <a:tabLst/>
-              <a:defRPr/>
-            </a:pPr>
-            <a:r>
-              <a:rPr kumimoji="0" lang="sk-SK" sz="1600" b="0" i="1" u="none" strike="noStrike" kern="0" cap="none" spc="0" normalizeH="0" baseline="0" noProof="0" dirty="0" smtClean="0">
-                <a:ln>
-                  <a:noFill/>
-                </a:ln>
-                <a:solidFill>
-                  <a:schemeClr val="bg1">
-                    <a:lumMod val="65000"/>
-                  </a:schemeClr>
-                </a:solidFill>
-                <a:effectLst>
-                  <a:outerShdw blurRad="38100" dist="38100" dir="2700000" algn="tl">
-                    <a:srgbClr val="000000">
-                      <a:alpha val="43137"/>
-                    </a:srgbClr>
-                  </a:outerShdw>
-                </a:effectLst>
-                <a:uLnTx/>
-                <a:uFillTx/>
-                <a:latin typeface="Constantia" pitchFamily="18" charset="0"/>
-              </a:rPr>
-              <a:t>Innovators </a:t>
-            </a:r>
-            <a:r>
-              <a:rPr kumimoji="0" lang="sk-SK" sz="1200" b="0" i="1" u="none" strike="noStrike" kern="0" cap="none" spc="0" normalizeH="0" baseline="0" noProof="0" dirty="0" smtClean="0">
-                <a:ln>
-                  <a:noFill/>
-                </a:ln>
-                <a:solidFill>
-                  <a:schemeClr val="bg1">
-                    <a:lumMod val="65000"/>
-                  </a:schemeClr>
-                </a:solidFill>
-                <a:effectLst>
-                  <a:outerShdw blurRad="38100" dist="38100" dir="2700000" algn="tl">
-                    <a:srgbClr val="000000">
-                      <a:alpha val="43137"/>
-                    </a:srgbClr>
-                  </a:outerShdw>
-                </a:effectLst>
-                <a:uLnTx/>
-                <a:uFillTx/>
-                <a:latin typeface="Constantia" pitchFamily="18" charset="0"/>
-              </a:rPr>
-              <a:t>|</a:t>
-            </a:r>
-            <a:r>
-              <a:rPr kumimoji="0" lang="sk-SK" sz="1200" b="0" i="1" u="none" strike="noStrike" kern="0" cap="none" spc="0" normalizeH="0" noProof="0" dirty="0" smtClean="0">
-                <a:ln>
-                  <a:noFill/>
-                </a:ln>
-                <a:solidFill>
-                  <a:schemeClr val="bg1">
-                    <a:lumMod val="65000"/>
-                  </a:schemeClr>
-                </a:solidFill>
-                <a:effectLst>
-                  <a:outerShdw blurRad="38100" dist="38100" dir="2700000" algn="tl">
-                    <a:srgbClr val="000000">
-                      <a:alpha val="43137"/>
-                    </a:srgbClr>
-                  </a:outerShdw>
-                </a:effectLst>
-                <a:uLnTx/>
-                <a:uFillTx/>
-                <a:latin typeface="Constantia" pitchFamily="18" charset="0"/>
-              </a:rPr>
-              <a:t> </a:t>
-            </a:r>
-            <a:r>
-              <a:rPr kumimoji="0" lang="sk-SK" sz="1200" b="0" i="1" u="none" strike="noStrike" kern="0" cap="none" spc="0" normalizeH="0" baseline="0" noProof="0" dirty="0" smtClean="0">
-                <a:ln>
-                  <a:noFill/>
-                </a:ln>
-                <a:solidFill>
-                  <a:schemeClr val="bg1">
-                    <a:lumMod val="65000"/>
-                  </a:schemeClr>
-                </a:solidFill>
-                <a:effectLst>
-                  <a:outerShdw blurRad="38100" dist="38100" dir="2700000" algn="tl">
-                    <a:srgbClr val="000000">
-                      <a:alpha val="43137"/>
-                    </a:srgbClr>
-                  </a:outerShdw>
-                </a:effectLst>
-                <a:uLnTx/>
-                <a:uFillTx/>
-                <a:latin typeface="Constantia" pitchFamily="18" charset="0"/>
-              </a:rPr>
-              <a:t>tím</a:t>
-            </a:r>
-            <a:r>
-              <a:rPr kumimoji="0" lang="sk-SK" sz="1400" b="0" i="1" u="none" strike="noStrike" kern="0" cap="none" spc="0" normalizeH="0" baseline="0" noProof="0" dirty="0" smtClean="0">
-                <a:ln>
-                  <a:noFill/>
-                </a:ln>
-                <a:solidFill>
-                  <a:schemeClr val="bg1">
-                    <a:lumMod val="65000"/>
-                  </a:schemeClr>
-                </a:solidFill>
-                <a:effectLst>
-                  <a:outerShdw blurRad="38100" dist="38100" dir="2700000" algn="tl">
-                    <a:srgbClr val="000000">
-                      <a:alpha val="43137"/>
-                    </a:srgbClr>
-                  </a:outerShdw>
-                </a:effectLst>
-                <a:uLnTx/>
-                <a:uFillTx/>
-                <a:latin typeface="Constantia" pitchFamily="18" charset="0"/>
-              </a:rPr>
-              <a:t> č.10</a:t>
-            </a:r>
-            <a:endParaRPr kumimoji="0" lang="en-US" sz="1600" b="0" i="1" u="none" strike="noStrike" kern="0" cap="none" spc="0" normalizeH="0" baseline="0" noProof="0" dirty="0">
-              <a:ln>
-                <a:noFill/>
-              </a:ln>
-              <a:solidFill>
-                <a:schemeClr val="bg1">
-                  <a:lumMod val="65000"/>
-                </a:schemeClr>
-              </a:solidFill>
-              <a:effectLst>
-                <a:outerShdw blurRad="38100" dist="38100" dir="2700000" algn="tl">
-                  <a:srgbClr val="000000">
-                    <a:alpha val="43137"/>
-                  </a:srgbClr>
-                </a:outerShdw>
-              </a:effectLst>
-              <a:uLnTx/>
-              <a:uFillTx/>
-              <a:latin typeface="Constantia" pitchFamily="18" charset="0"/>
-            </a:endParaRPr>
-          </a:p>
-        </p:txBody>
-      </p:sp>
-      <p:sp>
-        <p:nvSpPr>
-          <p:cNvPr id="7" name="TextBox 2"/>
-          <p:cNvSpPr txBox="1"/>
-          <p:nvPr/>
-        </p:nvSpPr>
-        <p:spPr>
-          <a:xfrm>
-            <a:off x="428596" y="1142988"/>
-            <a:ext cx="8286808" cy="3693319"/>
-          </a:xfrm>
-          <a:prstGeom prst="rect">
-            <a:avLst/>
-          </a:prstGeom>
-          <a:noFill/>
-        </p:spPr>
-        <p:txBody>
-          <a:bodyPr wrap="square" lIns="0" tIns="0" rIns="0" bIns="0" rtlCol="0">
-            <a:spAutoFit/>
-          </a:bodyPr>
-          <a:lstStyle/>
-          <a:p>
-            <a:pPr>
-              <a:lnSpc>
-                <a:spcPct val="200000"/>
-              </a:lnSpc>
-              <a:buFont typeface="Arial" pitchFamily="34" charset="0"/>
-              <a:buChar char="•"/>
-              <a:defRPr/>
-            </a:pPr>
-            <a:r>
-              <a:rPr lang="sk-SK" sz="2000" kern="0" smtClean="0">
-                <a:ln w="18415" cmpd="sng">
-                  <a:noFill/>
-                  <a:prstDash val="solid"/>
-                </a:ln>
-                <a:solidFill>
-                  <a:srgbClr val="FFFFFF"/>
-                </a:solidFill>
-                <a:effectLst>
-                  <a:outerShdw blurRad="50800" dist="38100" dir="2700000" algn="tl" rotWithShape="0">
-                    <a:prstClr val="black">
-                      <a:alpha val="40000"/>
-                    </a:prstClr>
-                  </a:outerShdw>
-                </a:effectLst>
-                <a:latin typeface="Times New Roman" pitchFamily="18" charset="0"/>
-                <a:cs typeface="Times New Roman" pitchFamily="18" charset="0"/>
-              </a:rPr>
-              <a:t> Vykonaný refactoring podľa zadefinovaných štýlov</a:t>
-            </a:r>
-          </a:p>
-          <a:p>
-            <a:pPr>
-              <a:lnSpc>
-                <a:spcPct val="200000"/>
-              </a:lnSpc>
-              <a:buFont typeface="Arial" pitchFamily="34" charset="0"/>
-              <a:buChar char="•"/>
-              <a:defRPr/>
-            </a:pPr>
-            <a:r>
-              <a:rPr lang="sk-SK" sz="2000" kern="0" smtClean="0">
-                <a:ln w="18415" cmpd="sng">
-                  <a:noFill/>
-                  <a:prstDash val="solid"/>
-                </a:ln>
-                <a:solidFill>
-                  <a:srgbClr val="FFFFFF"/>
-                </a:solidFill>
-                <a:effectLst>
-                  <a:outerShdw blurRad="50800" dist="38100" dir="2700000" algn="tl" rotWithShape="0">
-                    <a:prstClr val="black">
-                      <a:alpha val="40000"/>
-                    </a:prstClr>
-                  </a:outerShdw>
-                </a:effectLst>
-                <a:latin typeface="Times New Roman" pitchFamily="18" charset="0"/>
-                <a:cs typeface="Times New Roman" pitchFamily="18" charset="0"/>
-              </a:rPr>
-              <a:t> Implementácia funkcií pre prácu s AST stromom na strane Lua</a:t>
-            </a:r>
-          </a:p>
-          <a:p>
-            <a:pPr>
-              <a:lnSpc>
-                <a:spcPct val="200000"/>
-              </a:lnSpc>
-              <a:buFont typeface="Arial" pitchFamily="34" charset="0"/>
-              <a:buChar char="•"/>
-              <a:defRPr/>
-            </a:pPr>
-            <a:r>
-              <a:rPr lang="sk-SK" sz="2000" kern="0" smtClean="0">
-                <a:ln w="18415" cmpd="sng">
-                  <a:noFill/>
-                  <a:prstDash val="solid"/>
-                </a:ln>
-                <a:solidFill>
-                  <a:srgbClr val="FFFFFF"/>
-                </a:solidFill>
-                <a:effectLst>
-                  <a:outerShdw blurRad="50800" dist="38100" dir="2700000" algn="tl" rotWithShape="0">
-                    <a:prstClr val="black">
-                      <a:alpha val="40000"/>
-                    </a:prstClr>
-                  </a:outerShdw>
-                </a:effectLst>
-                <a:latin typeface="Times New Roman" pitchFamily="18" charset="0"/>
-                <a:cs typeface="Times New Roman" pitchFamily="18" charset="0"/>
-              </a:rPr>
-              <a:t> Zabudovanie dvoch módov – Undo Redo v rámci práce s textom</a:t>
-            </a:r>
-          </a:p>
-          <a:p>
-            <a:pPr>
-              <a:lnSpc>
-                <a:spcPct val="200000"/>
-              </a:lnSpc>
-              <a:buFont typeface="Arial" pitchFamily="34" charset="0"/>
-              <a:buChar char="•"/>
-              <a:defRPr/>
-            </a:pPr>
-            <a:r>
-              <a:rPr lang="sk-SK" sz="2000" kern="0" smtClean="0">
-                <a:ln w="18415" cmpd="sng">
-                  <a:noFill/>
-                  <a:prstDash val="solid"/>
-                </a:ln>
-                <a:solidFill>
-                  <a:srgbClr val="FFFFFF"/>
-                </a:solidFill>
-                <a:effectLst>
-                  <a:outerShdw blurRad="50800" dist="38100" dir="2700000" algn="tl" rotWithShape="0">
-                    <a:prstClr val="black">
-                      <a:alpha val="40000"/>
-                    </a:prstClr>
-                  </a:outerShdw>
-                </a:effectLst>
-                <a:latin typeface="Times New Roman" pitchFamily="18" charset="0"/>
-                <a:cs typeface="Times New Roman" pitchFamily="18" charset="0"/>
-              </a:rPr>
-              <a:t> Zabudovanie paralelizmu – spracovanie syntaktickej </a:t>
-            </a:r>
-            <a:r>
-              <a:rPr lang="sk-SK" sz="2000" kern="0" smtClean="0">
-                <a:ln w="18415" cmpd="sng">
-                  <a:noFill/>
-                  <a:prstDash val="solid"/>
-                </a:ln>
-                <a:solidFill>
-                  <a:srgbClr val="FFFFFF"/>
-                </a:solidFill>
-                <a:effectLst>
-                  <a:outerShdw blurRad="50800" dist="38100" dir="2700000" algn="tl" rotWithShape="0">
-                    <a:prstClr val="black">
-                      <a:alpha val="40000"/>
-                    </a:prstClr>
-                  </a:outerShdw>
-                </a:effectLst>
-                <a:latin typeface="Times New Roman" pitchFamily="18" charset="0"/>
-                <a:cs typeface="Times New Roman" pitchFamily="18" charset="0"/>
-              </a:rPr>
-              <a:t>analýzy </a:t>
-            </a:r>
-            <a:r>
-              <a:rPr lang="sk-SK" sz="2000" kern="0" smtClean="0">
-                <a:ln w="18415" cmpd="sng">
-                  <a:noFill/>
-                  <a:prstDash val="solid"/>
-                </a:ln>
-                <a:solidFill>
-                  <a:srgbClr val="FFFFFF"/>
-                </a:solidFill>
-                <a:effectLst>
-                  <a:outerShdw blurRad="50800" dist="38100" dir="2700000" algn="tl" rotWithShape="0">
-                    <a:prstClr val="black">
-                      <a:alpha val="40000"/>
-                    </a:prstClr>
-                  </a:outerShdw>
-                </a:effectLst>
-                <a:latin typeface="Times New Roman" pitchFamily="18" charset="0"/>
-                <a:cs typeface="Times New Roman" pitchFamily="18" charset="0"/>
-              </a:rPr>
-              <a:t>na pozadí</a:t>
-            </a:r>
-          </a:p>
-          <a:p>
-            <a:pPr>
-              <a:lnSpc>
-                <a:spcPct val="200000"/>
-              </a:lnSpc>
-              <a:buFont typeface="Arial" pitchFamily="34" charset="0"/>
-              <a:buChar char="•"/>
-              <a:defRPr/>
-            </a:pPr>
-            <a:r>
-              <a:rPr lang="sk-SK" sz="2000" kern="0" smtClean="0">
-                <a:ln w="18415" cmpd="sng">
-                  <a:noFill/>
-                  <a:prstDash val="solid"/>
-                </a:ln>
-                <a:solidFill>
-                  <a:srgbClr val="FFFFFF"/>
-                </a:solidFill>
-                <a:effectLst>
-                  <a:outerShdw blurRad="50800" dist="38100" dir="2700000" algn="tl" rotWithShape="0">
-                    <a:prstClr val="black">
-                      <a:alpha val="40000"/>
-                    </a:prstClr>
-                  </a:outerShdw>
-                </a:effectLst>
-                <a:latin typeface="Times New Roman" pitchFamily="18" charset="0"/>
-                <a:cs typeface="Times New Roman" pitchFamily="18" charset="0"/>
-              </a:rPr>
-              <a:t> Zabudovanie Shortcuts – rozšírenie existujúcich skratiek </a:t>
-            </a:r>
-          </a:p>
-          <a:p>
-            <a:pPr>
-              <a:lnSpc>
-                <a:spcPct val="200000"/>
-              </a:lnSpc>
-              <a:buFont typeface="Arial" pitchFamily="34" charset="0"/>
-              <a:buChar char="•"/>
-              <a:defRPr/>
-            </a:pPr>
-            <a:r>
-              <a:rPr lang="sk-SK" sz="2000" kern="0" smtClean="0">
-                <a:ln w="18415" cmpd="sng">
-                  <a:noFill/>
-                  <a:prstDash val="solid"/>
-                </a:ln>
-                <a:solidFill>
-                  <a:srgbClr val="FFFFFF"/>
-                </a:solidFill>
-                <a:effectLst>
-                  <a:outerShdw blurRad="50800" dist="38100" dir="2700000" algn="tl" rotWithShape="0">
-                    <a:prstClr val="black">
-                      <a:alpha val="40000"/>
-                    </a:prstClr>
-                  </a:outerShdw>
-                </a:effectLst>
-                <a:latin typeface="Times New Roman" pitchFamily="18" charset="0"/>
-                <a:cs typeface="Times New Roman" pitchFamily="18" charset="0"/>
-              </a:rPr>
-              <a:t> Úprava editora za použitia CSS štýlov</a:t>
-            </a:r>
-            <a:endParaRPr lang="pl-PL" sz="2000" kern="0" smtClean="0">
-              <a:ln w="18415" cmpd="sng">
-                <a:noFill/>
-                <a:prstDash val="solid"/>
-              </a:ln>
-              <a:solidFill>
-                <a:srgbClr val="FFFFFF"/>
-              </a:solidFill>
-              <a:effectLst>
-                <a:outerShdw blurRad="50800" dist="38100" dir="2700000" algn="tl" rotWithShape="0">
-                  <a:prstClr val="black">
-                    <a:alpha val="40000"/>
-                  </a:prstClr>
-                </a:outerShdw>
-              </a:effectLst>
-              <a:latin typeface="Times New Roman" pitchFamily="18" charset="0"/>
-              <a:cs typeface="Times New Roman" pitchFamily="18" charset="0"/>
-            </a:endParaRPr>
-          </a:p>
-        </p:txBody>
-      </p:sp>
-    </p:spTree>
-  </p:cSld>
-  <p:clrMapOvr>
-    <a:masterClrMapping/>
-  </p:clrMapOvr>
-  <p:transition spd="med">
-    <p:cover dir="r"/>
-  </p:transition>
-  <p:timing>
-    <p:tnLst>
-      <p:par>
-        <p:cTn id="1" dur="indefinite" restart="never" nodeType="tmRoot">
-          <p:childTnLst>
-            <p:seq concurrent="1" nextAc="seek">
-              <p:cTn id="2" dur="indefinite" nodeType="mainSeq">
-                <p:childTnLst>
-                  <p:par>
-                    <p:cTn id="3" fill="hold">
-                      <p:stCondLst>
-                        <p:cond delay="indefinite"/>
-                        <p:cond evt="onBegin" delay="0">
-                          <p:tn val="2"/>
-                        </p:cond>
-                      </p:stCondLst>
-                      <p:childTnLst>
-                        <p:par>
-                          <p:cTn id="4" fill="hold">
-                            <p:stCondLst>
-                              <p:cond delay="0"/>
-                            </p:stCondLst>
-                            <p:childTnLst>
-                              <p:par>
-                                <p:cTn id="5" presetID="17" presetClass="entr" presetSubtype="8" fill="hold" grpId="0" nodeType="afterEffect">
-                                  <p:stCondLst>
-                                    <p:cond delay="0"/>
-                                  </p:stCondLst>
-                                  <p:childTnLst>
-                                    <p:set>
-                                      <p:cBhvr>
-                                        <p:cTn id="6" dur="1" fill="hold">
-                                          <p:stCondLst>
-                                            <p:cond delay="0"/>
-                                          </p:stCondLst>
-                                        </p:cTn>
-                                        <p:tgtEl>
-                                          <p:spTgt spid="22"/>
-                                        </p:tgtEl>
-                                        <p:attrNameLst>
-                                          <p:attrName>style.visibility</p:attrName>
-                                        </p:attrNameLst>
-                                      </p:cBhvr>
-                                      <p:to>
-                                        <p:strVal val="visible"/>
-                                      </p:to>
-                                    </p:set>
-                                    <p:anim calcmode="lin" valueType="num">
-                                      <p:cBhvr>
-                                        <p:cTn id="7" dur="1000" fill="hold"/>
-                                        <p:tgtEl>
-                                          <p:spTgt spid="22"/>
-                                        </p:tgtEl>
-                                        <p:attrNameLst>
-                                          <p:attrName>ppt_x</p:attrName>
-                                        </p:attrNameLst>
-                                      </p:cBhvr>
-                                      <p:tavLst>
-                                        <p:tav tm="0">
-                                          <p:val>
-                                            <p:strVal val="#ppt_x-#ppt_w/2"/>
-                                          </p:val>
-                                        </p:tav>
-                                        <p:tav tm="100000">
-                                          <p:val>
-                                            <p:strVal val="#ppt_x"/>
-                                          </p:val>
-                                        </p:tav>
-                                      </p:tavLst>
-                                    </p:anim>
-                                    <p:anim calcmode="lin" valueType="num">
-                                      <p:cBhvr>
-                                        <p:cTn id="8" dur="1000" fill="hold"/>
-                                        <p:tgtEl>
-                                          <p:spTgt spid="22"/>
-                                        </p:tgtEl>
-                                        <p:attrNameLst>
-                                          <p:attrName>ppt_y</p:attrName>
-                                        </p:attrNameLst>
-                                      </p:cBhvr>
-                                      <p:tavLst>
-                                        <p:tav tm="0">
-                                          <p:val>
-                                            <p:strVal val="#ppt_y"/>
-                                          </p:val>
-                                        </p:tav>
-                                        <p:tav tm="100000">
-                                          <p:val>
-                                            <p:strVal val="#ppt_y"/>
-                                          </p:val>
-                                        </p:tav>
-                                      </p:tavLst>
-                                    </p:anim>
-                                    <p:anim calcmode="lin" valueType="num">
-                                      <p:cBhvr>
-                                        <p:cTn id="9" dur="1000" fill="hold"/>
-                                        <p:tgtEl>
-                                          <p:spTgt spid="22"/>
-                                        </p:tgtEl>
-                                        <p:attrNameLst>
-                                          <p:attrName>ppt_w</p:attrName>
-                                        </p:attrNameLst>
-                                      </p:cBhvr>
-                                      <p:tavLst>
-                                        <p:tav tm="0">
-                                          <p:val>
-                                            <p:fltVal val="0"/>
-                                          </p:val>
-                                        </p:tav>
-                                        <p:tav tm="100000">
-                                          <p:val>
-                                            <p:strVal val="#ppt_w"/>
-                                          </p:val>
-                                        </p:tav>
-                                      </p:tavLst>
-                                    </p:anim>
-                                    <p:anim calcmode="lin" valueType="num">
-                                      <p:cBhvr>
-                                        <p:cTn id="10" dur="1000" fill="hold"/>
-                                        <p:tgtEl>
-                                          <p:spTgt spid="22"/>
-                                        </p:tgtEl>
-                                        <p:attrNameLst>
-                                          <p:attrName>ppt_h</p:attrName>
-                                        </p:attrNameLst>
-                                      </p:cBhvr>
-                                      <p:tavLst>
-                                        <p:tav tm="0">
-                                          <p:val>
-                                            <p:strVal val="#ppt_h"/>
-                                          </p:val>
-                                        </p:tav>
-                                        <p:tav tm="100000">
-                                          <p:val>
-                                            <p:strVal val="#ppt_h"/>
-                                          </p:val>
-                                        </p:tav>
-                                      </p:tavLst>
-                                    </p:anim>
-                                  </p:childTnLst>
-                                </p:cTn>
-                              </p:par>
-                            </p:childTnLst>
-                          </p:cTn>
-                        </p:par>
-                        <p:par>
-                          <p:cTn id="11" fill="hold">
-                            <p:stCondLst>
-                              <p:cond delay="1000"/>
-                            </p:stCondLst>
-                            <p:childTnLst>
-                              <p:par>
-                                <p:cTn id="12" presetID="2" presetClass="entr" presetSubtype="8" fill="hold" grpId="0" nodeType="afterEffect">
-                                  <p:stCondLst>
-                                    <p:cond delay="0"/>
-                                  </p:stCondLst>
-                                  <p:childTnLst>
-                                    <p:set>
-                                      <p:cBhvr>
-                                        <p:cTn id="13" dur="1" fill="hold">
-                                          <p:stCondLst>
-                                            <p:cond delay="0"/>
-                                          </p:stCondLst>
-                                        </p:cTn>
-                                        <p:tgtEl>
-                                          <p:spTgt spid="7"/>
-                                        </p:tgtEl>
-                                        <p:attrNameLst>
-                                          <p:attrName>style.visibility</p:attrName>
-                                        </p:attrNameLst>
-                                      </p:cBhvr>
-                                      <p:to>
-                                        <p:strVal val="visible"/>
-                                      </p:to>
-                                    </p:set>
-                                    <p:anim calcmode="lin" valueType="num">
-                                      <p:cBhvr additive="base">
-                                        <p:cTn id="14" dur="1000" fill="hold"/>
-                                        <p:tgtEl>
-                                          <p:spTgt spid="7"/>
-                                        </p:tgtEl>
-                                        <p:attrNameLst>
-                                          <p:attrName>ppt_x</p:attrName>
-                                        </p:attrNameLst>
-                                      </p:cBhvr>
-                                      <p:tavLst>
-                                        <p:tav tm="0">
-                                          <p:val>
-                                            <p:strVal val="0-#ppt_w/2"/>
-                                          </p:val>
-                                        </p:tav>
-                                        <p:tav tm="100000">
-                                          <p:val>
-                                            <p:strVal val="#ppt_x"/>
-                                          </p:val>
-                                        </p:tav>
-                                      </p:tavLst>
-                                    </p:anim>
-                                    <p:anim calcmode="lin" valueType="num">
-                                      <p:cBhvr additive="base">
-                                        <p:cTn id="15" dur="1000" fill="hold"/>
-                                        <p:tgtEl>
-                                          <p:spTgt spid="7"/>
-                                        </p:tgtEl>
-                                        <p:attrNameLst>
-                                          <p:attrName>ppt_y</p:attrName>
-                                        </p:attrNameLst>
-                                      </p:cBhvr>
-                                      <p:tavLst>
-                                        <p:tav tm="0">
-                                          <p:val>
-                                            <p:strVal val="#ppt_y"/>
-                                          </p:val>
-                                        </p:tav>
-                                        <p:tav tm="100000">
-                                          <p:val>
-                                            <p:strVal val="#ppt_y"/>
-                                          </p:val>
-                                        </p:tav>
-                                      </p:tavLst>
-                                    </p:anim>
-                                  </p:childTnLst>
-                                </p:cTn>
-                              </p:par>
-                            </p:childTnLst>
-                          </p:cTn>
-                        </p:par>
-                      </p:childTnLst>
-                    </p:cTn>
-                  </p:par>
-                </p:childTnLst>
-              </p:cTn>
-              <p:prevCondLst>
-                <p:cond evt="onPrev" delay="0">
-                  <p:tgtEl>
-                    <p:sldTgt/>
-                  </p:tgtEl>
-                </p:cond>
-              </p:prevCondLst>
-              <p:nextCondLst>
-                <p:cond evt="onNext" delay="0">
-                  <p:tgtEl>
-                    <p:sldTgt/>
-                  </p:tgtEl>
-                </p:cond>
-              </p:nextCondLst>
-            </p:seq>
-          </p:childTnLst>
-        </p:cTn>
-      </p:par>
-    </p:tnLst>
-    <p:bldLst>
-      <p:bldP spid="22" grpId="0" animBg="1"/>
-      <p:bldP spid="7" grpId="0"/>
-    </p:bldLst>
-  </p:timing>
-</p:sld>
-</file>
-
-<file path=ppt/slides/slide14.xml><?xml version="1.0" encoding="utf-8"?>
-<p:sld xmlns:a="http://schemas.openxmlformats.org/drawingml/2006/main" xmlns:r="http://schemas.openxmlformats.org/officeDocument/2006/relationships" xmlns:p="http://schemas.openxmlformats.org/presentationml/2006/main">
-  <p:cSld>
-    <p:spTree>
-      <p:nvGrpSpPr>
-        <p:cNvPr id="1" name=""/>
-        <p:cNvGrpSpPr/>
-        <p:nvPr/>
-      </p:nvGrpSpPr>
-      <p:grpSpPr>
-        <a:xfrm>
-          <a:off x="0" y="0"/>
-          <a:ext cx="0" cy="0"/>
-          <a:chOff x="0" y="0"/>
-          <a:chExt cx="0" cy="0"/>
-        </a:xfrm>
-      </p:grpSpPr>
-      <p:sp>
-        <p:nvSpPr>
           <p:cNvPr id="5" name="Freeform 8"/>
           <p:cNvSpPr>
             <a:spLocks/>
@@ -9625,7 +8557,7 @@
 </p:sld>
 </file>
 
-<file path=ppt/slides/slide15.xml><?xml version="1.0" encoding="utf-8"?>
+<file path=ppt/slides/slide14.xml><?xml version="1.0" encoding="utf-8"?>
 <p:sld xmlns:a="http://schemas.openxmlformats.org/drawingml/2006/main" xmlns:r="http://schemas.openxmlformats.org/officeDocument/2006/relationships" xmlns:p="http://schemas.openxmlformats.org/presentationml/2006/main">
   <p:cSld>
     <p:spTree>
@@ -9835,7 +8767,7 @@
               <a:defRPr/>
             </a:pPr>
             <a:r>
-              <a:rPr lang="sk-SK" sz="3200" b="1" kern="0" smtClean="0">
+              <a:rPr lang="en-US" sz="3200" b="1" kern="0" smtClean="0">
                 <a:ln w="18415" cmpd="sng">
                   <a:noFill/>
                   <a:prstDash val="solid"/>
@@ -9853,7 +8785,28 @@
                 <a:latin typeface="Times New Roman" pitchFamily="18" charset="0"/>
                 <a:cs typeface="Times New Roman" pitchFamily="18" charset="0"/>
               </a:rPr>
-              <a:t>Výzvy</a:t>
+              <a:t>Pl</a:t>
+            </a:r>
+            <a:r>
+              <a:rPr lang="sk-SK" sz="3200" b="1" kern="0" smtClean="0">
+                <a:ln w="18415" cmpd="sng">
+                  <a:noFill/>
+                  <a:prstDash val="solid"/>
+                </a:ln>
+                <a:solidFill>
+                  <a:srgbClr val="FFFFFF"/>
+                </a:solidFill>
+                <a:effectLst>
+                  <a:outerShdw blurRad="50800" dist="38100" dir="2700000" algn="tl" rotWithShape="0">
+                    <a:prstClr val="black">
+                      <a:alpha val="40000"/>
+                    </a:prstClr>
+                  </a:outerShdw>
+                </a:effectLst>
+                <a:latin typeface="Times New Roman" pitchFamily="18" charset="0"/>
+                <a:cs typeface="Times New Roman" pitchFamily="18" charset="0"/>
+              </a:rPr>
+              <a:t>án do LS</a:t>
             </a:r>
             <a:endParaRPr lang="en-US" sz="3200" b="1" kern="0" dirty="0" smtClean="0">
               <a:ln w="18415" cmpd="sng">
@@ -10109,49 +9062,7 @@
                 <a:latin typeface="Times New Roman" pitchFamily="18" charset="0"/>
                 <a:cs typeface="Times New Roman" pitchFamily="18" charset="0"/>
               </a:rPr>
-              <a:t> Držanie AST stromu na strane Lua – </a:t>
-            </a:r>
-            <a:r>
-              <a:rPr lang="pl-PL" sz="2000" kern="0" smtClean="0">
-                <a:ln w="18415" cmpd="sng">
-                  <a:noFill/>
-                  <a:prstDash val="solid"/>
-                </a:ln>
-                <a:solidFill>
-                  <a:srgbClr val="FFFFFF"/>
-                </a:solidFill>
-                <a:effectLst>
-                  <a:outerShdw blurRad="50800" dist="38100" dir="2700000" algn="tl" rotWithShape="0">
-                    <a:prstClr val="black">
-                      <a:alpha val="40000"/>
-                    </a:prstClr>
-                  </a:outerShdw>
-                </a:effectLst>
-                <a:latin typeface="Times New Roman" pitchFamily="18" charset="0"/>
-                <a:cs typeface="Times New Roman" pitchFamily="18" charset="0"/>
-              </a:rPr>
-              <a:t>dopytovanie </a:t>
-            </a:r>
-            <a:r>
-              <a:rPr lang="pl-PL" sz="2000" kern="0" smtClean="0">
-                <a:ln w="18415" cmpd="sng">
-                  <a:noFill/>
-                  <a:prstDash val="solid"/>
-                </a:ln>
-                <a:solidFill>
-                  <a:srgbClr val="FFFFFF"/>
-                </a:solidFill>
-                <a:effectLst>
-                  <a:outerShdw blurRad="50800" dist="38100" dir="2700000" algn="tl" rotWithShape="0">
-                    <a:prstClr val="black">
-                      <a:alpha val="40000"/>
-                    </a:prstClr>
-                  </a:outerShdw>
-                </a:effectLst>
-                <a:latin typeface="Times New Roman" pitchFamily="18" charset="0"/>
-                <a:cs typeface="Times New Roman" pitchFamily="18" charset="0"/>
-              </a:rPr>
-              <a:t>na strom z Qt</a:t>
+              <a:t> Držanie AST stromu na strane Lua – dopytovanie na strom z Qt</a:t>
             </a:r>
           </a:p>
           <a:p>
@@ -10707,6 +9618,924 @@
 </p:sld>
 </file>
 
+<file path=ppt/slides/slide15.xml><?xml version="1.0" encoding="utf-8"?>
+<p:sld xmlns:a="http://schemas.openxmlformats.org/drawingml/2006/main" xmlns:r="http://schemas.openxmlformats.org/officeDocument/2006/relationships" xmlns:p="http://schemas.openxmlformats.org/presentationml/2006/main">
+  <p:cSld>
+    <p:spTree>
+      <p:nvGrpSpPr>
+        <p:cNvPr id="1" name=""/>
+        <p:cNvGrpSpPr/>
+        <p:nvPr/>
+      </p:nvGrpSpPr>
+      <p:grpSpPr>
+        <a:xfrm>
+          <a:off x="0" y="0"/>
+          <a:ext cx="0" cy="0"/>
+          <a:chOff x="0" y="0"/>
+          <a:chExt cx="0" cy="0"/>
+        </a:xfrm>
+      </p:grpSpPr>
+      <p:sp>
+        <p:nvSpPr>
+          <p:cNvPr id="22" name="Round Same Side Corner Rectangle 15"/>
+          <p:cNvSpPr/>
+          <p:nvPr/>
+        </p:nvSpPr>
+        <p:spPr bwMode="auto">
+          <a:xfrm rot="5400000">
+            <a:off x="2357438" y="-1428764"/>
+            <a:ext cx="4143404" cy="8858280"/>
+          </a:xfrm>
+          <a:prstGeom prst="round2SameRect">
+            <a:avLst/>
+          </a:prstGeom>
+          <a:solidFill>
+            <a:srgbClr val="000000">
+              <a:alpha val="28000"/>
+            </a:srgbClr>
+          </a:solidFill>
+          <a:ln w="12700">
+            <a:noFill/>
+            <a:headEnd type="none" w="med" len="med"/>
+            <a:tailEnd type="none" w="med" len="med"/>
+          </a:ln>
+          <a:effectLst/>
+        </p:spPr>
+        <p:style>
+          <a:lnRef idx="1">
+            <a:schemeClr val="accent2"/>
+          </a:lnRef>
+          <a:fillRef idx="3">
+            <a:schemeClr val="accent2"/>
+          </a:fillRef>
+          <a:effectRef idx="2">
+            <a:schemeClr val="accent2"/>
+          </a:effectRef>
+          <a:fontRef idx="minor">
+            <a:schemeClr val="lt1"/>
+          </a:fontRef>
+        </p:style>
+        <p:txBody>
+          <a:bodyPr vert="horz" wrap="square" lIns="68566" tIns="228558" rIns="68566" bIns="34283" numCol="1" rtlCol="0" anchor="t" anchorCtr="0" compatLnSpc="1">
+            <a:prstTxWarp prst="textNoShape">
+              <a:avLst/>
+            </a:prstTxWarp>
+          </a:bodyPr>
+          <a:lstStyle/>
+          <a:p>
+            <a:pPr algn="ctr" defTabSz="685750" fontAlgn="base">
+              <a:lnSpc>
+                <a:spcPct val="80000"/>
+              </a:lnSpc>
+              <a:spcBef>
+                <a:spcPct val="0"/>
+              </a:spcBef>
+              <a:spcAft>
+                <a:spcPct val="0"/>
+              </a:spcAft>
+              <a:buClr>
+                <a:srgbClr val="FFFF99"/>
+              </a:buClr>
+              <a:buSzPct val="120000"/>
+              <a:defRPr/>
+            </a:pPr>
+            <a:endParaRPr lang="en-US" altLang="zh-CN" sz="4100" b="1" spc="-94" dirty="0">
+              <a:ln w="18415" cmpd="sng">
+                <a:noFill/>
+                <a:prstDash val="solid"/>
+              </a:ln>
+              <a:solidFill>
+                <a:srgbClr val="000000"/>
+              </a:solidFill>
+              <a:effectLst>
+                <a:glow rad="101600">
+                  <a:srgbClr val="CCECFF"/>
+                </a:glow>
+                <a:innerShdw blurRad="114300">
+                  <a:prstClr val="black"/>
+                </a:innerShdw>
+              </a:effectLst>
+              <a:latin typeface="Segoe"/>
+            </a:endParaRPr>
+          </a:p>
+        </p:txBody>
+      </p:sp>
+      <p:sp>
+        <p:nvSpPr>
+          <p:cNvPr id="5" name="Freeform 8"/>
+          <p:cNvSpPr>
+            <a:spLocks/>
+          </p:cNvSpPr>
+          <p:nvPr/>
+        </p:nvSpPr>
+        <p:spPr bwMode="auto">
+          <a:xfrm rot="5400000">
+            <a:off x="4460057" y="428625"/>
+            <a:ext cx="285750" cy="10287000"/>
+          </a:xfrm>
+          <a:prstGeom prst="rect">
+            <a:avLst/>
+          </a:prstGeom>
+          <a:gradFill flip="none" rotWithShape="1">
+            <a:gsLst>
+              <a:gs pos="0">
+                <a:sysClr val="windowText" lastClr="000000">
+                  <a:alpha val="0"/>
+                </a:sysClr>
+              </a:gs>
+              <a:gs pos="38000">
+                <a:sysClr val="windowText" lastClr="000000"/>
+              </a:gs>
+              <a:gs pos="100000">
+                <a:sysClr val="windowText" lastClr="000000">
+                  <a:alpha val="0"/>
+                </a:sysClr>
+              </a:gs>
+            </a:gsLst>
+            <a:lin ang="16200000" scaled="1"/>
+            <a:tileRect/>
+          </a:gradFill>
+          <a:ln w="9525">
+            <a:noFill/>
+            <a:round/>
+            <a:headEnd/>
+            <a:tailEnd/>
+          </a:ln>
+        </p:spPr>
+        <p:txBody>
+          <a:bodyPr vert="horz" wrap="square" lIns="68589" tIns="34295" rIns="68589" bIns="34295" numCol="1" anchor="t" anchorCtr="0" compatLnSpc="1">
+            <a:prstTxWarp prst="textNoShape">
+              <a:avLst/>
+            </a:prstTxWarp>
+          </a:bodyPr>
+          <a:lstStyle/>
+          <a:p>
+            <a:pPr marL="0" marR="0" lvl="0" indent="0" defTabSz="914400" eaLnBrk="1" fontAlgn="auto" latinLnBrk="0" hangingPunct="1">
+              <a:lnSpc>
+                <a:spcPct val="100000"/>
+              </a:lnSpc>
+              <a:spcBef>
+                <a:spcPts val="0"/>
+              </a:spcBef>
+              <a:spcAft>
+                <a:spcPts val="0"/>
+              </a:spcAft>
+              <a:buClrTx/>
+              <a:buSzTx/>
+              <a:buFontTx/>
+              <a:buNone/>
+              <a:tabLst/>
+              <a:defRPr/>
+            </a:pPr>
+            <a:endParaRPr kumimoji="0" lang="en-US" sz="1800" b="0" i="0" u="none" strike="noStrike" kern="0" cap="none" spc="0" normalizeH="0" baseline="0" noProof="0" dirty="0">
+              <a:ln>
+                <a:noFill/>
+              </a:ln>
+              <a:solidFill>
+                <a:sysClr val="windowText" lastClr="000000"/>
+              </a:solidFill>
+              <a:effectLst/>
+              <a:uLnTx/>
+              <a:uFillTx/>
+            </a:endParaRPr>
+          </a:p>
+        </p:txBody>
+      </p:sp>
+      <p:sp>
+        <p:nvSpPr>
+          <p:cNvPr id="8" name="TextBox 2"/>
+          <p:cNvSpPr txBox="1"/>
+          <p:nvPr/>
+        </p:nvSpPr>
+        <p:spPr>
+          <a:xfrm>
+            <a:off x="4214810" y="337220"/>
+            <a:ext cx="4929190" cy="492443"/>
+          </a:xfrm>
+          <a:prstGeom prst="rect">
+            <a:avLst/>
+          </a:prstGeom>
+          <a:noFill/>
+          <a:effectLst/>
+        </p:spPr>
+        <p:txBody>
+          <a:bodyPr wrap="square" lIns="0" tIns="0" rIns="0" bIns="0" rtlCol="0">
+            <a:spAutoFit/>
+          </a:bodyPr>
+          <a:lstStyle/>
+          <a:p>
+            <a:pPr lvl="0" algn="ctr">
+              <a:defRPr/>
+            </a:pPr>
+            <a:r>
+              <a:rPr lang="sk-SK" sz="3200" b="1" kern="0" smtClean="0">
+                <a:ln w="18415" cmpd="sng">
+                  <a:noFill/>
+                  <a:prstDash val="solid"/>
+                </a:ln>
+                <a:solidFill>
+                  <a:srgbClr val="FFFFFF"/>
+                </a:solidFill>
+                <a:effectLst>
+                  <a:outerShdw blurRad="50800" dist="38100" dir="2700000" algn="tl" rotWithShape="0">
+                    <a:prstClr val="black">
+                      <a:alpha val="40000"/>
+                    </a:prstClr>
+                  </a:outerShdw>
+                </a:effectLst>
+                <a:latin typeface="Times New Roman" pitchFamily="18" charset="0"/>
+                <a:cs typeface="Times New Roman" pitchFamily="18" charset="0"/>
+              </a:rPr>
+              <a:t>Architektúra riešenia</a:t>
+            </a:r>
+          </a:p>
+        </p:txBody>
+      </p:sp>
+      <p:sp>
+        <p:nvSpPr>
+          <p:cNvPr id="11" name="TextBox 47"/>
+          <p:cNvSpPr txBox="1"/>
+          <p:nvPr/>
+        </p:nvSpPr>
+        <p:spPr>
+          <a:xfrm>
+            <a:off x="107504" y="5399519"/>
+            <a:ext cx="2051719" cy="315481"/>
+          </a:xfrm>
+          <a:prstGeom prst="rect">
+            <a:avLst/>
+          </a:prstGeom>
+          <a:noFill/>
+          <a:effectLst>
+            <a:outerShdw blurRad="50800" dist="38100" dir="2700000" algn="tl" rotWithShape="0">
+              <a:prstClr val="black">
+                <a:alpha val="40000"/>
+              </a:prstClr>
+            </a:outerShdw>
+          </a:effectLst>
+        </p:spPr>
+        <p:txBody>
+          <a:bodyPr wrap="square" lIns="68589" tIns="34295" rIns="68589" bIns="34295" rtlCol="0">
+            <a:spAutoFit/>
+          </a:bodyPr>
+          <a:lstStyle/>
+          <a:p>
+            <a:pPr marL="0" marR="0" lvl="0" indent="0" defTabSz="914400" eaLnBrk="1" fontAlgn="base" latinLnBrk="0" hangingPunct="1">
+              <a:lnSpc>
+                <a:spcPct val="100000"/>
+              </a:lnSpc>
+              <a:spcBef>
+                <a:spcPct val="0"/>
+              </a:spcBef>
+              <a:spcAft>
+                <a:spcPct val="0"/>
+              </a:spcAft>
+              <a:buClrTx/>
+              <a:buSzTx/>
+              <a:buFontTx/>
+              <a:buNone/>
+              <a:tabLst/>
+              <a:defRPr/>
+            </a:pPr>
+            <a:r>
+              <a:rPr kumimoji="0" lang="sk-SK" sz="1600" b="0" i="1" u="none" strike="noStrike" kern="0" cap="none" spc="0" normalizeH="0" baseline="0" noProof="0" dirty="0" smtClean="0">
+                <a:ln>
+                  <a:noFill/>
+                </a:ln>
+                <a:solidFill>
+                  <a:schemeClr val="bg1">
+                    <a:lumMod val="65000"/>
+                  </a:schemeClr>
+                </a:solidFill>
+                <a:effectLst>
+                  <a:outerShdw blurRad="38100" dist="38100" dir="2700000" algn="tl">
+                    <a:srgbClr val="000000">
+                      <a:alpha val="43137"/>
+                    </a:srgbClr>
+                  </a:outerShdw>
+                </a:effectLst>
+                <a:uLnTx/>
+                <a:uFillTx/>
+                <a:latin typeface="Constantia" pitchFamily="18" charset="0"/>
+              </a:rPr>
+              <a:t>Innovators </a:t>
+            </a:r>
+            <a:r>
+              <a:rPr kumimoji="0" lang="sk-SK" sz="1200" b="0" i="1" u="none" strike="noStrike" kern="0" cap="none" spc="0" normalizeH="0" baseline="0" noProof="0" dirty="0" smtClean="0">
+                <a:ln>
+                  <a:noFill/>
+                </a:ln>
+                <a:solidFill>
+                  <a:schemeClr val="bg1">
+                    <a:lumMod val="65000"/>
+                  </a:schemeClr>
+                </a:solidFill>
+                <a:effectLst>
+                  <a:outerShdw blurRad="38100" dist="38100" dir="2700000" algn="tl">
+                    <a:srgbClr val="000000">
+                      <a:alpha val="43137"/>
+                    </a:srgbClr>
+                  </a:outerShdw>
+                </a:effectLst>
+                <a:uLnTx/>
+                <a:uFillTx/>
+                <a:latin typeface="Constantia" pitchFamily="18" charset="0"/>
+              </a:rPr>
+              <a:t>|</a:t>
+            </a:r>
+            <a:r>
+              <a:rPr kumimoji="0" lang="sk-SK" sz="1200" b="0" i="1" u="none" strike="noStrike" kern="0" cap="none" spc="0" normalizeH="0" noProof="0" dirty="0" smtClean="0">
+                <a:ln>
+                  <a:noFill/>
+                </a:ln>
+                <a:solidFill>
+                  <a:schemeClr val="bg1">
+                    <a:lumMod val="65000"/>
+                  </a:schemeClr>
+                </a:solidFill>
+                <a:effectLst>
+                  <a:outerShdw blurRad="38100" dist="38100" dir="2700000" algn="tl">
+                    <a:srgbClr val="000000">
+                      <a:alpha val="43137"/>
+                    </a:srgbClr>
+                  </a:outerShdw>
+                </a:effectLst>
+                <a:uLnTx/>
+                <a:uFillTx/>
+                <a:latin typeface="Constantia" pitchFamily="18" charset="0"/>
+              </a:rPr>
+              <a:t> </a:t>
+            </a:r>
+            <a:r>
+              <a:rPr kumimoji="0" lang="sk-SK" sz="1200" b="0" i="1" u="none" strike="noStrike" kern="0" cap="none" spc="0" normalizeH="0" baseline="0" noProof="0" dirty="0" smtClean="0">
+                <a:ln>
+                  <a:noFill/>
+                </a:ln>
+                <a:solidFill>
+                  <a:schemeClr val="bg1">
+                    <a:lumMod val="65000"/>
+                  </a:schemeClr>
+                </a:solidFill>
+                <a:effectLst>
+                  <a:outerShdw blurRad="38100" dist="38100" dir="2700000" algn="tl">
+                    <a:srgbClr val="000000">
+                      <a:alpha val="43137"/>
+                    </a:srgbClr>
+                  </a:outerShdw>
+                </a:effectLst>
+                <a:uLnTx/>
+                <a:uFillTx/>
+                <a:latin typeface="Constantia" pitchFamily="18" charset="0"/>
+              </a:rPr>
+              <a:t>tím</a:t>
+            </a:r>
+            <a:r>
+              <a:rPr kumimoji="0" lang="sk-SK" sz="1400" b="0" i="1" u="none" strike="noStrike" kern="0" cap="none" spc="0" normalizeH="0" baseline="0" noProof="0" dirty="0" smtClean="0">
+                <a:ln>
+                  <a:noFill/>
+                </a:ln>
+                <a:solidFill>
+                  <a:schemeClr val="bg1">
+                    <a:lumMod val="65000"/>
+                  </a:schemeClr>
+                </a:solidFill>
+                <a:effectLst>
+                  <a:outerShdw blurRad="38100" dist="38100" dir="2700000" algn="tl">
+                    <a:srgbClr val="000000">
+                      <a:alpha val="43137"/>
+                    </a:srgbClr>
+                  </a:outerShdw>
+                </a:effectLst>
+                <a:uLnTx/>
+                <a:uFillTx/>
+                <a:latin typeface="Constantia" pitchFamily="18" charset="0"/>
+              </a:rPr>
+              <a:t> č.10</a:t>
+            </a:r>
+            <a:endParaRPr kumimoji="0" lang="en-US" sz="1600" b="0" i="1" u="none" strike="noStrike" kern="0" cap="none" spc="0" normalizeH="0" baseline="0" noProof="0" dirty="0">
+              <a:ln>
+                <a:noFill/>
+              </a:ln>
+              <a:solidFill>
+                <a:schemeClr val="bg1">
+                  <a:lumMod val="65000"/>
+                </a:schemeClr>
+              </a:solidFill>
+              <a:effectLst>
+                <a:outerShdw blurRad="38100" dist="38100" dir="2700000" algn="tl">
+                  <a:srgbClr val="000000">
+                    <a:alpha val="43137"/>
+                  </a:srgbClr>
+                </a:outerShdw>
+              </a:effectLst>
+              <a:uLnTx/>
+              <a:uFillTx/>
+              <a:latin typeface="Constantia" pitchFamily="18" charset="0"/>
+            </a:endParaRPr>
+          </a:p>
+        </p:txBody>
+      </p:sp>
+      <p:sp>
+        <p:nvSpPr>
+          <p:cNvPr id="7" name="TextBox 2"/>
+          <p:cNvSpPr txBox="1"/>
+          <p:nvPr/>
+        </p:nvSpPr>
+        <p:spPr>
+          <a:xfrm>
+            <a:off x="4786314" y="1142988"/>
+            <a:ext cx="3929090" cy="461665"/>
+          </a:xfrm>
+          <a:prstGeom prst="rect">
+            <a:avLst/>
+          </a:prstGeom>
+          <a:noFill/>
+        </p:spPr>
+        <p:txBody>
+          <a:bodyPr wrap="square" lIns="0" tIns="0" rIns="0" bIns="0" rtlCol="0">
+            <a:spAutoFit/>
+          </a:bodyPr>
+          <a:lstStyle/>
+          <a:p>
+            <a:pPr>
+              <a:lnSpc>
+                <a:spcPct val="150000"/>
+              </a:lnSpc>
+              <a:buFont typeface="Arial" pitchFamily="34" charset="0"/>
+              <a:buChar char="•"/>
+              <a:defRPr/>
+            </a:pPr>
+            <a:r>
+              <a:rPr lang="en-US" sz="2000" kern="0" smtClean="0">
+                <a:ln w="18415" cmpd="sng">
+                  <a:noFill/>
+                  <a:prstDash val="solid"/>
+                </a:ln>
+                <a:solidFill>
+                  <a:srgbClr val="FFFFFF"/>
+                </a:solidFill>
+                <a:effectLst>
+                  <a:outerShdw blurRad="50800" dist="38100" dir="2700000" algn="tl" rotWithShape="0">
+                    <a:prstClr val="black">
+                      <a:alpha val="40000"/>
+                    </a:prstClr>
+                  </a:outerShdw>
+                </a:effectLst>
+                <a:latin typeface="Times New Roman" pitchFamily="18" charset="0"/>
+                <a:cs typeface="Times New Roman" pitchFamily="18" charset="0"/>
+              </a:rPr>
+              <a:t> </a:t>
+            </a:r>
+            <a:r>
+              <a:rPr lang="sk-SK" sz="2000" kern="0" smtClean="0">
+                <a:ln w="18415" cmpd="sng">
+                  <a:noFill/>
+                  <a:prstDash val="solid"/>
+                </a:ln>
+                <a:solidFill>
+                  <a:srgbClr val="FFFFFF"/>
+                </a:solidFill>
+                <a:effectLst>
+                  <a:outerShdw blurRad="50800" dist="38100" dir="2700000" algn="tl" rotWithShape="0">
+                    <a:prstClr val="black">
+                      <a:alpha val="40000"/>
+                    </a:prstClr>
+                  </a:outerShdw>
+                </a:effectLst>
+                <a:latin typeface="Times New Roman" pitchFamily="18" charset="0"/>
+                <a:cs typeface="Times New Roman" pitchFamily="18" charset="0"/>
+              </a:rPr>
+              <a:t>Navhrnutá t</a:t>
+            </a:r>
+            <a:r>
+              <a:rPr lang="en-US" sz="2000" kern="0" smtClean="0">
+                <a:ln w="18415" cmpd="sng">
+                  <a:noFill/>
+                  <a:prstDash val="solid"/>
+                </a:ln>
+                <a:solidFill>
+                  <a:srgbClr val="FFFFFF"/>
+                </a:solidFill>
+                <a:effectLst>
+                  <a:outerShdw blurRad="50800" dist="38100" dir="2700000" algn="tl" rotWithShape="0">
+                    <a:prstClr val="black">
+                      <a:alpha val="40000"/>
+                    </a:prstClr>
+                  </a:outerShdw>
+                </a:effectLst>
+                <a:latin typeface="Times New Roman" pitchFamily="18" charset="0"/>
+                <a:cs typeface="Times New Roman" pitchFamily="18" charset="0"/>
+              </a:rPr>
+              <a:t>rojvrstvov</a:t>
+            </a:r>
+            <a:r>
+              <a:rPr lang="sk-SK" sz="2000" kern="0" smtClean="0">
+                <a:ln w="18415" cmpd="sng">
+                  <a:noFill/>
+                  <a:prstDash val="solid"/>
+                </a:ln>
+                <a:solidFill>
+                  <a:srgbClr val="FFFFFF"/>
+                </a:solidFill>
+                <a:effectLst>
+                  <a:outerShdw blurRad="50800" dist="38100" dir="2700000" algn="tl" rotWithShape="0">
+                    <a:prstClr val="black">
+                      <a:alpha val="40000"/>
+                    </a:prstClr>
+                  </a:outerShdw>
+                </a:effectLst>
+                <a:latin typeface="Times New Roman" pitchFamily="18" charset="0"/>
+                <a:cs typeface="Times New Roman" pitchFamily="18" charset="0"/>
+              </a:rPr>
+              <a:t>á architektúra</a:t>
+            </a:r>
+            <a:endParaRPr lang="pl-PL" sz="2000" kern="0" smtClean="0">
+              <a:ln w="18415" cmpd="sng">
+                <a:noFill/>
+                <a:prstDash val="solid"/>
+              </a:ln>
+              <a:solidFill>
+                <a:srgbClr val="FFFFFF"/>
+              </a:solidFill>
+              <a:effectLst>
+                <a:outerShdw blurRad="50800" dist="38100" dir="2700000" algn="tl" rotWithShape="0">
+                  <a:prstClr val="black">
+                    <a:alpha val="40000"/>
+                  </a:prstClr>
+                </a:outerShdw>
+              </a:effectLst>
+              <a:latin typeface="Times New Roman" pitchFamily="18" charset="0"/>
+              <a:cs typeface="Times New Roman" pitchFamily="18" charset="0"/>
+            </a:endParaRPr>
+          </a:p>
+        </p:txBody>
+      </p:sp>
+      <p:grpSp>
+        <p:nvGrpSpPr>
+          <p:cNvPr id="10" name="Skupina 9"/>
+          <p:cNvGrpSpPr/>
+          <p:nvPr/>
+        </p:nvGrpSpPr>
+        <p:grpSpPr>
+          <a:xfrm>
+            <a:off x="142844" y="357170"/>
+            <a:ext cx="4572032" cy="4803025"/>
+            <a:chOff x="214282" y="500046"/>
+            <a:chExt cx="4572032" cy="4588711"/>
+          </a:xfrm>
+        </p:grpSpPr>
+        <p:sp>
+          <p:nvSpPr>
+            <p:cNvPr id="9" name="Obdĺžnik 8"/>
+            <p:cNvSpPr/>
+            <p:nvPr/>
+          </p:nvSpPr>
+          <p:spPr>
+            <a:xfrm>
+              <a:off x="285720" y="571484"/>
+              <a:ext cx="4429156" cy="4434520"/>
+            </a:xfrm>
+            <a:prstGeom prst="rect">
+              <a:avLst/>
+            </a:prstGeom>
+            <a:solidFill>
+              <a:schemeClr val="bg1"/>
+            </a:solidFill>
+            <a:ln>
+              <a:solidFill>
+                <a:schemeClr val="bg1"/>
+              </a:solidFill>
+            </a:ln>
+          </p:spPr>
+          <p:style>
+            <a:lnRef idx="2">
+              <a:schemeClr val="accent1">
+                <a:shade val="50000"/>
+              </a:schemeClr>
+            </a:lnRef>
+            <a:fillRef idx="1">
+              <a:schemeClr val="accent1"/>
+            </a:fillRef>
+            <a:effectRef idx="0">
+              <a:schemeClr val="accent1"/>
+            </a:effectRef>
+            <a:fontRef idx="minor">
+              <a:schemeClr val="lt1"/>
+            </a:fontRef>
+          </p:style>
+          <p:txBody>
+            <a:bodyPr rtlCol="0" anchor="ctr"/>
+            <a:lstStyle/>
+            <a:p>
+              <a:pPr algn="ctr"/>
+              <a:endParaRPr lang="sk-SK">
+                <a:solidFill>
+                  <a:schemeClr val="bg1"/>
+                </a:solidFill>
+              </a:endParaRPr>
+            </a:p>
+          </p:txBody>
+        </p:sp>
+        <p:pic>
+          <p:nvPicPr>
+            <p:cNvPr id="1026" name="Picture 2"/>
+            <p:cNvPicPr>
+              <a:picLocks noChangeAspect="1" noChangeArrowheads="1"/>
+            </p:cNvPicPr>
+            <p:nvPr/>
+          </p:nvPicPr>
+          <p:blipFill>
+            <a:blip r:embed="rId3"/>
+            <a:srcRect/>
+            <a:stretch>
+              <a:fillRect/>
+            </a:stretch>
+          </p:blipFill>
+          <p:spPr bwMode="auto">
+            <a:xfrm>
+              <a:off x="214282" y="500046"/>
+              <a:ext cx="4572032" cy="4588711"/>
+            </a:xfrm>
+            <a:prstGeom prst="rect">
+              <a:avLst/>
+            </a:prstGeom>
+            <a:noFill/>
+            <a:ln w="9525">
+              <a:noFill/>
+              <a:miter lim="800000"/>
+              <a:headEnd/>
+              <a:tailEnd/>
+            </a:ln>
+          </p:spPr>
+        </p:pic>
+      </p:grpSp>
+    </p:spTree>
+  </p:cSld>
+  <p:clrMapOvr>
+    <a:masterClrMapping/>
+  </p:clrMapOvr>
+  <p:transition spd="med">
+    <p:cover dir="r"/>
+  </p:transition>
+  <p:timing>
+    <p:tnLst>
+      <p:par>
+        <p:cTn id="1" dur="indefinite" restart="never" nodeType="tmRoot">
+          <p:childTnLst>
+            <p:seq concurrent="1" nextAc="seek">
+              <p:cTn id="2" dur="indefinite" nodeType="mainSeq">
+                <p:childTnLst>
+                  <p:par>
+                    <p:cTn id="3" fill="hold">
+                      <p:stCondLst>
+                        <p:cond delay="indefinite"/>
+                        <p:cond evt="onBegin" delay="0">
+                          <p:tn val="2"/>
+                        </p:cond>
+                      </p:stCondLst>
+                      <p:childTnLst>
+                        <p:par>
+                          <p:cTn id="4" fill="hold">
+                            <p:stCondLst>
+                              <p:cond delay="0"/>
+                            </p:stCondLst>
+                            <p:childTnLst>
+                              <p:par>
+                                <p:cTn id="5" presetID="17" presetClass="entr" presetSubtype="8" fill="hold" grpId="0" nodeType="afterEffect">
+                                  <p:stCondLst>
+                                    <p:cond delay="0"/>
+                                  </p:stCondLst>
+                                  <p:childTnLst>
+                                    <p:set>
+                                      <p:cBhvr>
+                                        <p:cTn id="6" dur="1" fill="hold">
+                                          <p:stCondLst>
+                                            <p:cond delay="0"/>
+                                          </p:stCondLst>
+                                        </p:cTn>
+                                        <p:tgtEl>
+                                          <p:spTgt spid="22"/>
+                                        </p:tgtEl>
+                                        <p:attrNameLst>
+                                          <p:attrName>style.visibility</p:attrName>
+                                        </p:attrNameLst>
+                                      </p:cBhvr>
+                                      <p:to>
+                                        <p:strVal val="visible"/>
+                                      </p:to>
+                                    </p:set>
+                                    <p:anim calcmode="lin" valueType="num">
+                                      <p:cBhvr>
+                                        <p:cTn id="7" dur="1000" fill="hold"/>
+                                        <p:tgtEl>
+                                          <p:spTgt spid="22"/>
+                                        </p:tgtEl>
+                                        <p:attrNameLst>
+                                          <p:attrName>ppt_x</p:attrName>
+                                        </p:attrNameLst>
+                                      </p:cBhvr>
+                                      <p:tavLst>
+                                        <p:tav tm="0">
+                                          <p:val>
+                                            <p:strVal val="#ppt_x-#ppt_w/2"/>
+                                          </p:val>
+                                        </p:tav>
+                                        <p:tav tm="100000">
+                                          <p:val>
+                                            <p:strVal val="#ppt_x"/>
+                                          </p:val>
+                                        </p:tav>
+                                      </p:tavLst>
+                                    </p:anim>
+                                    <p:anim calcmode="lin" valueType="num">
+                                      <p:cBhvr>
+                                        <p:cTn id="8" dur="1000" fill="hold"/>
+                                        <p:tgtEl>
+                                          <p:spTgt spid="22"/>
+                                        </p:tgtEl>
+                                        <p:attrNameLst>
+                                          <p:attrName>ppt_y</p:attrName>
+                                        </p:attrNameLst>
+                                      </p:cBhvr>
+                                      <p:tavLst>
+                                        <p:tav tm="0">
+                                          <p:val>
+                                            <p:strVal val="#ppt_y"/>
+                                          </p:val>
+                                        </p:tav>
+                                        <p:tav tm="100000">
+                                          <p:val>
+                                            <p:strVal val="#ppt_y"/>
+                                          </p:val>
+                                        </p:tav>
+                                      </p:tavLst>
+                                    </p:anim>
+                                    <p:anim calcmode="lin" valueType="num">
+                                      <p:cBhvr>
+                                        <p:cTn id="9" dur="1000" fill="hold"/>
+                                        <p:tgtEl>
+                                          <p:spTgt spid="22"/>
+                                        </p:tgtEl>
+                                        <p:attrNameLst>
+                                          <p:attrName>ppt_w</p:attrName>
+                                        </p:attrNameLst>
+                                      </p:cBhvr>
+                                      <p:tavLst>
+                                        <p:tav tm="0">
+                                          <p:val>
+                                            <p:fltVal val="0"/>
+                                          </p:val>
+                                        </p:tav>
+                                        <p:tav tm="100000">
+                                          <p:val>
+                                            <p:strVal val="#ppt_w"/>
+                                          </p:val>
+                                        </p:tav>
+                                      </p:tavLst>
+                                    </p:anim>
+                                    <p:anim calcmode="lin" valueType="num">
+                                      <p:cBhvr>
+                                        <p:cTn id="10" dur="1000" fill="hold"/>
+                                        <p:tgtEl>
+                                          <p:spTgt spid="22"/>
+                                        </p:tgtEl>
+                                        <p:attrNameLst>
+                                          <p:attrName>ppt_h</p:attrName>
+                                        </p:attrNameLst>
+                                      </p:cBhvr>
+                                      <p:tavLst>
+                                        <p:tav tm="0">
+                                          <p:val>
+                                            <p:strVal val="#ppt_h"/>
+                                          </p:val>
+                                        </p:tav>
+                                        <p:tav tm="100000">
+                                          <p:val>
+                                            <p:strVal val="#ppt_h"/>
+                                          </p:val>
+                                        </p:tav>
+                                      </p:tavLst>
+                                    </p:anim>
+                                  </p:childTnLst>
+                                </p:cTn>
+                              </p:par>
+                            </p:childTnLst>
+                          </p:cTn>
+                        </p:par>
+                        <p:par>
+                          <p:cTn id="11" fill="hold">
+                            <p:stCondLst>
+                              <p:cond delay="1000"/>
+                            </p:stCondLst>
+                            <p:childTnLst>
+                              <p:par>
+                                <p:cTn id="12" presetID="2" presetClass="entr" presetSubtype="2" fill="hold" grpId="0" nodeType="afterEffect">
+                                  <p:stCondLst>
+                                    <p:cond delay="0"/>
+                                  </p:stCondLst>
+                                  <p:childTnLst>
+                                    <p:set>
+                                      <p:cBhvr>
+                                        <p:cTn id="13" dur="1" fill="hold">
+                                          <p:stCondLst>
+                                            <p:cond delay="0"/>
+                                          </p:stCondLst>
+                                        </p:cTn>
+                                        <p:tgtEl>
+                                          <p:spTgt spid="7"/>
+                                        </p:tgtEl>
+                                        <p:attrNameLst>
+                                          <p:attrName>style.visibility</p:attrName>
+                                        </p:attrNameLst>
+                                      </p:cBhvr>
+                                      <p:to>
+                                        <p:strVal val="visible"/>
+                                      </p:to>
+                                    </p:set>
+                                    <p:anim calcmode="lin" valueType="num">
+                                      <p:cBhvr additive="base">
+                                        <p:cTn id="14" dur="1000" fill="hold"/>
+                                        <p:tgtEl>
+                                          <p:spTgt spid="7"/>
+                                        </p:tgtEl>
+                                        <p:attrNameLst>
+                                          <p:attrName>ppt_x</p:attrName>
+                                        </p:attrNameLst>
+                                      </p:cBhvr>
+                                      <p:tavLst>
+                                        <p:tav tm="0">
+                                          <p:val>
+                                            <p:strVal val="1+#ppt_w/2"/>
+                                          </p:val>
+                                        </p:tav>
+                                        <p:tav tm="100000">
+                                          <p:val>
+                                            <p:strVal val="#ppt_x"/>
+                                          </p:val>
+                                        </p:tav>
+                                      </p:tavLst>
+                                    </p:anim>
+                                    <p:anim calcmode="lin" valueType="num">
+                                      <p:cBhvr additive="base">
+                                        <p:cTn id="15" dur="1000" fill="hold"/>
+                                        <p:tgtEl>
+                                          <p:spTgt spid="7"/>
+                                        </p:tgtEl>
+                                        <p:attrNameLst>
+                                          <p:attrName>ppt_y</p:attrName>
+                                        </p:attrNameLst>
+                                      </p:cBhvr>
+                                      <p:tavLst>
+                                        <p:tav tm="0">
+                                          <p:val>
+                                            <p:strVal val="#ppt_y"/>
+                                          </p:val>
+                                        </p:tav>
+                                        <p:tav tm="100000">
+                                          <p:val>
+                                            <p:strVal val="#ppt_y"/>
+                                          </p:val>
+                                        </p:tav>
+                                      </p:tavLst>
+                                    </p:anim>
+                                  </p:childTnLst>
+                                </p:cTn>
+                              </p:par>
+                            </p:childTnLst>
+                          </p:cTn>
+                        </p:par>
+                      </p:childTnLst>
+                    </p:cTn>
+                  </p:par>
+                </p:childTnLst>
+              </p:cTn>
+              <p:prevCondLst>
+                <p:cond evt="onPrev" delay="0">
+                  <p:tgtEl>
+                    <p:sldTgt/>
+                  </p:tgtEl>
+                </p:cond>
+              </p:prevCondLst>
+              <p:nextCondLst>
+                <p:cond evt="onNext" delay="0">
+                  <p:tgtEl>
+                    <p:sldTgt/>
+                  </p:tgtEl>
+                </p:cond>
+              </p:nextCondLst>
+            </p:seq>
+          </p:childTnLst>
+        </p:cTn>
+      </p:par>
+    </p:tnLst>
+    <p:bldLst>
+      <p:bldP spid="22" grpId="0" animBg="1"/>
+      <p:bldP spid="7" grpId="0"/>
+    </p:bldLst>
+  </p:timing>
+</p:sld>
+</file>
+
 <file path=ppt/slides/slide2.xml><?xml version="1.0" encoding="utf-8"?>
 <p:sld xmlns:a="http://schemas.openxmlformats.org/drawingml/2006/main" xmlns:r="http://schemas.openxmlformats.org/officeDocument/2006/relationships" xmlns:p="http://schemas.openxmlformats.org/presentationml/2006/main">
   <p:cSld>
@@ -11228,28 +11057,7 @@
                 <a:latin typeface="Times New Roman" pitchFamily="18" charset="0"/>
                 <a:cs typeface="Times New Roman" pitchFamily="18" charset="0"/>
               </a:rPr>
-              <a:t> </a:t>
-            </a:r>
-            <a:r>
-              <a:rPr lang="sk-SK" sz="2000" kern="0" smtClean="0">
-                <a:ln w="18415" cmpd="sng">
-                  <a:noFill/>
-                  <a:prstDash val="solid"/>
-                </a:ln>
-                <a:solidFill>
-                  <a:srgbClr val="FFFFFF"/>
-                </a:solidFill>
-                <a:effectLst>
-                  <a:outerShdw blurRad="50800" dist="38100" dir="2700000" algn="tl" rotWithShape="0">
-                    <a:prstClr val="black">
-                      <a:alpha val="40000"/>
-                    </a:prstClr>
-                  </a:outerShdw>
-                </a:effectLst>
-                <a:latin typeface="Times New Roman" pitchFamily="18" charset="0"/>
-                <a:cs typeface="Times New Roman" pitchFamily="18" charset="0"/>
-              </a:rPr>
-              <a:t>M</a:t>
+              <a:t> M</a:t>
             </a:r>
             <a:r>
               <a:rPr lang="en-US" sz="2000" kern="0" smtClean="0">
@@ -11345,49 +11153,7 @@
                 <a:latin typeface="Times New Roman" pitchFamily="18" charset="0"/>
                 <a:cs typeface="Times New Roman" pitchFamily="18" charset="0"/>
               </a:rPr>
-              <a:t> </a:t>
-            </a:r>
-            <a:r>
-              <a:rPr lang="sk-SK" sz="2000" kern="0" smtClean="0">
-                <a:ln w="18415" cmpd="sng">
-                  <a:noFill/>
-                  <a:prstDash val="solid"/>
-                </a:ln>
-                <a:solidFill>
-                  <a:srgbClr val="FFFFFF"/>
-                </a:solidFill>
-                <a:effectLst>
-                  <a:outerShdw blurRad="50800" dist="38100" dir="2700000" algn="tl" rotWithShape="0">
-                    <a:prstClr val="black">
-                      <a:alpha val="40000"/>
-                    </a:prstClr>
-                  </a:outerShdw>
-                </a:effectLst>
-                <a:latin typeface="Times New Roman" pitchFamily="18" charset="0"/>
-                <a:cs typeface="Times New Roman" pitchFamily="18" charset="0"/>
-              </a:rPr>
-              <a:t>Využiť </a:t>
-            </a:r>
-            <a:r>
-              <a:rPr lang="sk-SK" sz="2000" kern="0" smtClean="0">
-                <a:ln w="18415" cmpd="sng">
-                  <a:noFill/>
-                  <a:prstDash val="solid"/>
-                </a:ln>
-                <a:solidFill>
-                  <a:srgbClr val="FFFFFF"/>
-                </a:solidFill>
-                <a:effectLst>
-                  <a:outerShdw blurRad="50800" dist="38100" dir="2700000" algn="tl" rotWithShape="0">
-                    <a:prstClr val="black">
-                      <a:alpha val="40000"/>
-                    </a:prstClr>
-                  </a:outerShdw>
-                </a:effectLst>
-                <a:latin typeface="Times New Roman" pitchFamily="18" charset="0"/>
-                <a:cs typeface="Times New Roman" pitchFamily="18" charset="0"/>
-              </a:rPr>
-              <a:t>grafické prvky na zvýraznenie štruktúr textu (grafické bloky ...)</a:t>
+              <a:t> Využiť grafické prvky na zvýraznenie štruktúr textu (grafické bloky ...)</a:t>
             </a:r>
           </a:p>
           <a:p>
@@ -11418,49 +11184,7 @@
                 <a:latin typeface="Times New Roman" pitchFamily="18" charset="0"/>
                 <a:cs typeface="Times New Roman" pitchFamily="18" charset="0"/>
               </a:rPr>
-              <a:t> </a:t>
-            </a:r>
-            <a:r>
-              <a:rPr lang="sk-SK" sz="2000" kern="0" smtClean="0">
-                <a:ln w="18415" cmpd="sng">
-                  <a:noFill/>
-                  <a:prstDash val="solid"/>
-                </a:ln>
-                <a:solidFill>
-                  <a:srgbClr val="FFFFFF"/>
-                </a:solidFill>
-                <a:effectLst>
-                  <a:outerShdw blurRad="50800" dist="38100" dir="2700000" algn="tl" rotWithShape="0">
-                    <a:prstClr val="black">
-                      <a:alpha val="40000"/>
-                    </a:prstClr>
-                  </a:outerShdw>
-                </a:effectLst>
-                <a:latin typeface="Times New Roman" pitchFamily="18" charset="0"/>
-                <a:cs typeface="Times New Roman" pitchFamily="18" charset="0"/>
-              </a:rPr>
-              <a:t>Podporiť </a:t>
-            </a:r>
-            <a:r>
-              <a:rPr lang="sk-SK" sz="2000" kern="0" smtClean="0">
-                <a:ln w="18415" cmpd="sng">
-                  <a:noFill/>
-                  <a:prstDash val="solid"/>
-                </a:ln>
-                <a:solidFill>
-                  <a:srgbClr val="FFFFFF"/>
-                </a:solidFill>
-                <a:effectLst>
-                  <a:outerShdw blurRad="50800" dist="38100" dir="2700000" algn="tl" rotWithShape="0">
-                    <a:prstClr val="black">
-                      <a:alpha val="40000"/>
-                    </a:prstClr>
-                  </a:outerShdw>
-                </a:effectLst>
-                <a:latin typeface="Times New Roman" pitchFamily="18" charset="0"/>
-                <a:cs typeface="Times New Roman" pitchFamily="18" charset="0"/>
-              </a:rPr>
-              <a:t>myšlienku „literate programming“</a:t>
+              <a:t> Podporiť myšlienku „literate programming“</a:t>
             </a:r>
           </a:p>
           <a:p>
@@ -11493,53 +11217,7 @@
                 <a:latin typeface="Times New Roman" pitchFamily="18" charset="0"/>
                 <a:cs typeface="Times New Roman" pitchFamily="18" charset="0"/>
               </a:rPr>
-              <a:t> </a:t>
-            </a:r>
-            <a:r>
-              <a:rPr kumimoji="0" lang="sk-SK" sz="2000" u="none" strike="noStrike" kern="0" cap="none" normalizeH="0" baseline="0" noProof="0" smtClean="0">
-                <a:ln w="18415" cmpd="sng">
-                  <a:noFill/>
-                  <a:prstDash val="solid"/>
-                </a:ln>
-                <a:solidFill>
-                  <a:srgbClr val="FFFFFF"/>
-                </a:solidFill>
-                <a:effectLst>
-                  <a:outerShdw blurRad="50800" dist="38100" dir="2700000" algn="tl" rotWithShape="0">
-                    <a:prstClr val="black">
-                      <a:alpha val="40000"/>
-                    </a:prstClr>
-                  </a:outerShdw>
-                </a:effectLst>
-                <a:uLnTx/>
-                <a:uFillTx/>
-                <a:latin typeface="Times New Roman" pitchFamily="18" charset="0"/>
-                <a:cs typeface="Times New Roman" pitchFamily="18" charset="0"/>
-              </a:rPr>
-              <a:t>Málo </a:t>
-            </a:r>
-            <a:r>
-              <a:rPr kumimoji="0" lang="sk-SK" sz="2000" u="none" strike="noStrike" kern="0" cap="none" normalizeH="0" baseline="0" noProof="0" smtClean="0">
-                <a:ln w="18415" cmpd="sng">
-                  <a:noFill/>
-                  <a:prstDash val="solid"/>
-                </a:ln>
-                <a:solidFill>
-                  <a:srgbClr val="FFFFFF"/>
-                </a:solidFill>
-                <a:effectLst>
-                  <a:outerShdw blurRad="50800" dist="38100" dir="2700000" algn="tl" rotWithShape="0">
-                    <a:prstClr val="black">
-                      <a:alpha val="40000"/>
-                    </a:prstClr>
-                  </a:outerShdw>
-                </a:effectLst>
-                <a:uLnTx/>
-                <a:uFillTx/>
-                <a:latin typeface="Times New Roman" pitchFamily="18" charset="0"/>
-                <a:cs typeface="Times New Roman" pitchFamily="18" charset="0"/>
-              </a:rPr>
-              <a:t>podobných riešení na súčasnom</a:t>
+              <a:t> Málo podobných riešení na súčasnom</a:t>
             </a:r>
             <a:r>
               <a:rPr kumimoji="0" lang="sk-SK" sz="2000" u="none" strike="noStrike" kern="0" cap="none" normalizeH="0" noProof="0" smtClean="0">
@@ -11642,49 +11320,7 @@
                 <a:latin typeface="Times New Roman" pitchFamily="18" charset="0"/>
                 <a:cs typeface="Times New Roman" pitchFamily="18" charset="0"/>
               </a:rPr>
-              <a:t>P</a:t>
-            </a:r>
-            <a:r>
-              <a:rPr lang="sk-SK" sz="2000" kern="0" smtClean="0">
-                <a:ln w="18415" cmpd="sng">
-                  <a:noFill/>
-                  <a:prstDash val="solid"/>
-                </a:ln>
-                <a:solidFill>
-                  <a:srgbClr val="FFFFFF"/>
-                </a:solidFill>
-                <a:effectLst>
-                  <a:outerShdw blurRad="50800" dist="38100" dir="2700000" algn="tl" rotWithShape="0">
-                    <a:prstClr val="black">
-                      <a:alpha val="40000"/>
-                    </a:prstClr>
-                  </a:outerShdw>
-                </a:effectLst>
-                <a:latin typeface="Times New Roman" pitchFamily="18" charset="0"/>
-                <a:cs typeface="Times New Roman" pitchFamily="18" charset="0"/>
-              </a:rPr>
-              <a:t>okračujeme </a:t>
-            </a:r>
-            <a:r>
-              <a:rPr lang="sk-SK" sz="2000" kern="0" smtClean="0">
-                <a:ln w="18415" cmpd="sng">
-                  <a:noFill/>
-                  <a:prstDash val="solid"/>
-                </a:ln>
-                <a:solidFill>
-                  <a:srgbClr val="FFFFFF"/>
-                </a:solidFill>
-                <a:effectLst>
-                  <a:outerShdw blurRad="50800" dist="38100" dir="2700000" algn="tl" rotWithShape="0">
-                    <a:prstClr val="black">
-                      <a:alpha val="40000"/>
-                    </a:prstClr>
-                  </a:outerShdw>
-                </a:effectLst>
-                <a:latin typeface="Times New Roman" pitchFamily="18" charset="0"/>
-                <a:cs typeface="Times New Roman" pitchFamily="18" charset="0"/>
-              </a:rPr>
-              <a:t>vo vývoji už existujúceho riešenia tímu UFOPAK</a:t>
+              <a:t>Pokračujeme vo vývoji už existujúceho riešenia tímu UFOPAK</a:t>
             </a:r>
           </a:p>
           <a:p>
@@ -11715,49 +11351,7 @@
                 <a:latin typeface="Times New Roman" pitchFamily="18" charset="0"/>
                 <a:cs typeface="Times New Roman" pitchFamily="18" charset="0"/>
               </a:rPr>
-              <a:t> </a:t>
-            </a:r>
-            <a:r>
-              <a:rPr lang="sk-SK" sz="2000" kern="0" smtClean="0">
-                <a:ln w="18415" cmpd="sng">
-                  <a:noFill/>
-                  <a:prstDash val="solid"/>
-                </a:ln>
-                <a:solidFill>
-                  <a:srgbClr val="FFFFFF"/>
-                </a:solidFill>
-                <a:effectLst>
-                  <a:outerShdw blurRad="50800" dist="38100" dir="2700000" algn="tl" rotWithShape="0">
-                    <a:prstClr val="black">
-                      <a:alpha val="40000"/>
-                    </a:prstClr>
-                  </a:outerShdw>
-                </a:effectLst>
-                <a:latin typeface="Times New Roman" pitchFamily="18" charset="0"/>
-                <a:cs typeface="Times New Roman" pitchFamily="18" charset="0"/>
-              </a:rPr>
-              <a:t>Základná </a:t>
-            </a:r>
-            <a:r>
-              <a:rPr lang="sk-SK" sz="2000" kern="0" smtClean="0">
-                <a:ln w="18415" cmpd="sng">
-                  <a:noFill/>
-                  <a:prstDash val="solid"/>
-                </a:ln>
-                <a:solidFill>
-                  <a:srgbClr val="FFFFFF"/>
-                </a:solidFill>
-                <a:effectLst>
-                  <a:outerShdw blurRad="50800" dist="38100" dir="2700000" algn="tl" rotWithShape="0">
-                    <a:prstClr val="black">
-                      <a:alpha val="40000"/>
-                    </a:prstClr>
-                  </a:outerShdw>
-                </a:effectLst>
-                <a:latin typeface="Times New Roman" pitchFamily="18" charset="0"/>
-                <a:cs typeface="Times New Roman" pitchFamily="18" charset="0"/>
-              </a:rPr>
-              <a:t>funkcionalita aplikácie je implementovaná</a:t>
+              <a:t> Základná funkcionalita aplikácie je implementovaná</a:t>
             </a:r>
           </a:p>
           <a:p>
@@ -12605,28 +12199,7 @@
                 <a:latin typeface="Times New Roman" pitchFamily="18" charset="0"/>
                 <a:cs typeface="Times New Roman" pitchFamily="18" charset="0"/>
               </a:rPr>
-              <a:t>Plne </a:t>
-            </a:r>
-            <a:r>
-              <a:rPr lang="sk-SK" sz="2000" kern="0" smtClean="0">
-                <a:ln w="18415" cmpd="sng">
-                  <a:noFill/>
-                  <a:prstDash val="solid"/>
-                </a:ln>
-                <a:solidFill>
-                  <a:srgbClr val="FFFFFF"/>
-                </a:solidFill>
-                <a:effectLst>
-                  <a:outerShdw blurRad="50800" dist="38100" dir="2700000" algn="tl" rotWithShape="0">
-                    <a:prstClr val="black">
-                      <a:alpha val="40000"/>
-                    </a:prstClr>
-                  </a:outerShdw>
-                </a:effectLst>
-                <a:latin typeface="Times New Roman" pitchFamily="18" charset="0"/>
-                <a:cs typeface="Times New Roman" pitchFamily="18" charset="0"/>
-              </a:rPr>
-              <a:t>sa sústrediť na rozšírenie problematických častí editora</a:t>
+              <a:t>Plne sa sústrediť na rozšírenie problematických častí editora</a:t>
             </a:r>
           </a:p>
           <a:p>
@@ -12703,30 +12276,7 @@
                 <a:latin typeface="Times New Roman" pitchFamily="18" charset="0"/>
                 <a:cs typeface="Times New Roman" pitchFamily="18" charset="0"/>
               </a:rPr>
-              <a:t>oplnenie </a:t>
-            </a:r>
-            <a:r>
-              <a:rPr kumimoji="0" lang="sk-SK" sz="2000" u="none" strike="noStrike" kern="0" cap="none" normalizeH="0" baseline="0" noProof="0" smtClean="0">
-                <a:ln w="18415" cmpd="sng">
-                  <a:noFill/>
-                  <a:prstDash val="solid"/>
-                </a:ln>
-                <a:solidFill>
-                  <a:srgbClr val="FFFFFF"/>
-                </a:solidFill>
-                <a:effectLst>
-                  <a:outerShdw blurRad="50800" dist="38100" dir="2700000" algn="tl" rotWithShape="0">
-                    <a:prstClr val="black">
-                      <a:alpha val="40000"/>
-                    </a:prstClr>
-                  </a:outerShdw>
-                </a:effectLst>
-                <a:uLnTx/>
-                <a:uFillTx/>
-                <a:latin typeface="Times New Roman" pitchFamily="18" charset="0"/>
-                <a:cs typeface="Times New Roman" pitchFamily="18" charset="0"/>
-              </a:rPr>
-              <a:t>editora o ďalšie</a:t>
+              <a:t>oplnenie editora o ďalšie</a:t>
             </a:r>
             <a:r>
               <a:rPr kumimoji="0" lang="sk-SK" sz="2000" u="none" strike="noStrike" kern="0" cap="none" normalizeH="0" noProof="0" smtClean="0">
@@ -12895,70 +12445,7 @@
                 <a:latin typeface="Times New Roman" pitchFamily="18" charset="0"/>
                 <a:cs typeface="Times New Roman" pitchFamily="18" charset="0"/>
               </a:rPr>
-              <a:t> </a:t>
-            </a:r>
-            <a:r>
-              <a:rPr lang="sk-SK" sz="2000" kern="0" smtClean="0">
-                <a:ln w="18415" cmpd="sng">
-                  <a:noFill/>
-                  <a:prstDash val="solid"/>
-                </a:ln>
-                <a:solidFill>
-                  <a:srgbClr val="FFFFFF"/>
-                </a:solidFill>
-                <a:effectLst>
-                  <a:outerShdw blurRad="50800" dist="38100" dir="2700000" algn="tl" rotWithShape="0">
-                    <a:prstClr val="black">
-                      <a:alpha val="40000"/>
-                    </a:prstClr>
-                  </a:outerShdw>
-                </a:effectLst>
-                <a:latin typeface="Times New Roman" pitchFamily="18" charset="0"/>
-                <a:cs typeface="Times New Roman" pitchFamily="18" charset="0"/>
-              </a:rPr>
-              <a:t>Ze</a:t>
-            </a:r>
-            <a:r>
-              <a:rPr lang="sk-SK" sz="2000" kern="0" smtClean="0">
-                <a:ln w="18415" cmpd="sng">
-                  <a:noFill/>
-                  <a:prstDash val="solid"/>
-                </a:ln>
-                <a:solidFill>
-                  <a:srgbClr val="FFFFFF"/>
-                </a:solidFill>
-                <a:effectLst>
-                  <a:outerShdw blurRad="50800" dist="38100" dir="2700000" algn="tl" rotWithShape="0">
-                    <a:prstClr val="black">
-                      <a:alpha val="40000"/>
-                    </a:prstClr>
-                  </a:outerShdw>
-                </a:effectLst>
-                <a:latin typeface="Times New Roman" pitchFamily="18" charset="0"/>
-                <a:cs typeface="Times New Roman" pitchFamily="18" charset="0"/>
-              </a:rPr>
-              <a:t>fektívnenie </a:t>
-            </a:r>
-            <a:r>
-              <a:rPr lang="sk-SK" sz="2000" kern="0" smtClean="0">
-                <a:ln w="18415" cmpd="sng">
-                  <a:noFill/>
-                  <a:prstDash val="solid"/>
-                </a:ln>
-                <a:solidFill>
-                  <a:srgbClr val="FFFFFF"/>
-                </a:solidFill>
-                <a:effectLst>
-                  <a:outerShdw blurRad="50800" dist="38100" dir="2700000" algn="tl" rotWithShape="0">
-                    <a:prstClr val="black">
-                      <a:alpha val="40000"/>
-                    </a:prstClr>
-                  </a:outerShdw>
-                </a:effectLst>
-                <a:latin typeface="Times New Roman" pitchFamily="18" charset="0"/>
-                <a:cs typeface="Times New Roman" pitchFamily="18" charset="0"/>
-              </a:rPr>
-              <a:t>výpočtovo náročných operácií</a:t>
+              <a:t> Zefektívnenie výpočtovo náročných operácií</a:t>
             </a:r>
           </a:p>
           <a:p>
@@ -13010,49 +12497,7 @@
                 <a:latin typeface="Times New Roman" pitchFamily="18" charset="0"/>
                 <a:cs typeface="Times New Roman" pitchFamily="18" charset="0"/>
               </a:rPr>
-              <a:t>V</a:t>
-            </a:r>
-            <a:r>
-              <a:rPr lang="sk-SK" sz="2000" kern="0" smtClean="0">
-                <a:ln w="18415" cmpd="sng">
-                  <a:noFill/>
-                  <a:prstDash val="solid"/>
-                </a:ln>
-                <a:solidFill>
-                  <a:srgbClr val="FFFFFF"/>
-                </a:solidFill>
-                <a:effectLst>
-                  <a:outerShdw blurRad="50800" dist="38100" dir="2700000" algn="tl" rotWithShape="0">
-                    <a:prstClr val="black">
-                      <a:alpha val="40000"/>
-                    </a:prstClr>
-                  </a:outerShdw>
-                </a:effectLst>
-                <a:latin typeface="Times New Roman" pitchFamily="18" charset="0"/>
-                <a:cs typeface="Times New Roman" pitchFamily="18" charset="0"/>
-              </a:rPr>
-              <a:t>ytvorenie </a:t>
-            </a:r>
-            <a:r>
-              <a:rPr lang="sk-SK" sz="2000" kern="0" smtClean="0">
-                <a:ln w="18415" cmpd="sng">
-                  <a:noFill/>
-                  <a:prstDash val="solid"/>
-                </a:ln>
-                <a:solidFill>
-                  <a:srgbClr val="FFFFFF"/>
-                </a:solidFill>
-                <a:effectLst>
-                  <a:outerShdw blurRad="50800" dist="38100" dir="2700000" algn="tl" rotWithShape="0">
-                    <a:prstClr val="black">
-                      <a:alpha val="40000"/>
-                    </a:prstClr>
-                  </a:outerShdw>
-                </a:effectLst>
-                <a:latin typeface="Times New Roman" pitchFamily="18" charset="0"/>
-                <a:cs typeface="Times New Roman" pitchFamily="18" charset="0"/>
-              </a:rPr>
-              <a:t>plnohodnotného editora  a jeho  nasadenia pre reálne využitie </a:t>
+              <a:t>Vytvorenie plnohodnotného editora  a jeho  nasadenia pre reálne využitie </a:t>
             </a:r>
           </a:p>
           <a:p>
@@ -13083,49 +12528,7 @@
                 <a:latin typeface="Times New Roman" pitchFamily="18" charset="0"/>
                 <a:cs typeface="Times New Roman" pitchFamily="18" charset="0"/>
               </a:rPr>
-              <a:t> </a:t>
-            </a:r>
-            <a:r>
-              <a:rPr lang="sk-SK" sz="2000" kern="0" smtClean="0">
-                <a:ln w="18415" cmpd="sng">
-                  <a:noFill/>
-                  <a:prstDash val="solid"/>
-                </a:ln>
-                <a:solidFill>
-                  <a:srgbClr val="FFFFFF"/>
-                </a:solidFill>
-                <a:effectLst>
-                  <a:outerShdw blurRad="50800" dist="38100" dir="2700000" algn="tl" rotWithShape="0">
-                    <a:prstClr val="black">
-                      <a:alpha val="40000"/>
-                    </a:prstClr>
-                  </a:outerShdw>
-                </a:effectLst>
-                <a:latin typeface="Times New Roman" pitchFamily="18" charset="0"/>
-                <a:cs typeface="Times New Roman" pitchFamily="18" charset="0"/>
-              </a:rPr>
-              <a:t>Používateľský </a:t>
-            </a:r>
-            <a:r>
-              <a:rPr lang="sk-SK" sz="2000" kern="0" smtClean="0">
-                <a:ln w="18415" cmpd="sng">
-                  <a:noFill/>
-                  <a:prstDash val="solid"/>
-                </a:ln>
-                <a:solidFill>
-                  <a:srgbClr val="FFFFFF"/>
-                </a:solidFill>
-                <a:effectLst>
-                  <a:outerShdw blurRad="50800" dist="38100" dir="2700000" algn="tl" rotWithShape="0">
-                    <a:prstClr val="black">
-                      <a:alpha val="40000"/>
-                    </a:prstClr>
-                  </a:outerShdw>
-                </a:effectLst>
-                <a:latin typeface="Times New Roman" pitchFamily="18" charset="0"/>
-                <a:cs typeface="Times New Roman" pitchFamily="18" charset="0"/>
-              </a:rPr>
-              <a:t>prívetíve rozhranie, ktoré by uľahčovaľo prácu s textom</a:t>
+              <a:t> Používateľský prívetíve rozhranie, ktoré by uľahčovaľo prácu s textom</a:t>
             </a:r>
           </a:p>
         </p:txBody>
@@ -15686,70 +15089,7 @@
                 <a:latin typeface="Times New Roman" pitchFamily="18" charset="0"/>
                 <a:cs typeface="Times New Roman" pitchFamily="18" charset="0"/>
               </a:rPr>
-              <a:t> Rozpracovaný </a:t>
-            </a:r>
-            <a:r>
-              <a:rPr lang="sk-SK" sz="2000" kern="0" smtClean="0">
-                <a:ln w="18415" cmpd="sng">
-                  <a:noFill/>
-                  <a:prstDash val="solid"/>
-                </a:ln>
-                <a:solidFill>
-                  <a:srgbClr val="FFFFFF"/>
-                </a:solidFill>
-                <a:effectLst>
-                  <a:outerShdw blurRad="50800" dist="38100" dir="2700000" algn="tl" rotWithShape="0">
-                    <a:prstClr val="black">
-                      <a:alpha val="40000"/>
-                    </a:prstClr>
-                  </a:outerShdw>
-                </a:effectLst>
-                <a:latin typeface="Times New Roman" pitchFamily="18" charset="0"/>
-                <a:cs typeface="Times New Roman" pitchFamily="18" charset="0"/>
-              </a:rPr>
-              <a:t>projekt po minulom </a:t>
-            </a:r>
-            <a:r>
-              <a:rPr lang="sk-SK" sz="2000" kern="0" smtClean="0">
-                <a:ln w="18415" cmpd="sng">
-                  <a:noFill/>
-                  <a:prstDash val="solid"/>
-                </a:ln>
-                <a:solidFill>
-                  <a:srgbClr val="FFFFFF"/>
-                </a:solidFill>
-                <a:effectLst>
-                  <a:outerShdw blurRad="50800" dist="38100" dir="2700000" algn="tl" rotWithShape="0">
-                    <a:prstClr val="black">
-                      <a:alpha val="40000"/>
-                    </a:prstClr>
-                  </a:outerShdw>
-                </a:effectLst>
-                <a:latin typeface="Times New Roman" pitchFamily="18" charset="0"/>
-                <a:cs typeface="Times New Roman" pitchFamily="18" charset="0"/>
-              </a:rPr>
-              <a:t>tíme </a:t>
-            </a:r>
-            <a:r>
-              <a:rPr lang="sk-SK" sz="2000" kern="0" smtClean="0">
-                <a:ln w="18415" cmpd="sng">
-                  <a:noFill/>
-                  <a:prstDash val="solid"/>
-                </a:ln>
-                <a:solidFill>
-                  <a:srgbClr val="FFFFFF"/>
-                </a:solidFill>
-                <a:effectLst>
-                  <a:outerShdw blurRad="50800" dist="38100" dir="2700000" algn="tl" rotWithShape="0">
-                    <a:prstClr val="black">
-                      <a:alpha val="40000"/>
-                    </a:prstClr>
-                  </a:outerShdw>
-                </a:effectLst>
-                <a:latin typeface="Times New Roman" pitchFamily="18" charset="0"/>
-                <a:cs typeface="Times New Roman" pitchFamily="18" charset="0"/>
-              </a:rPr>
-              <a:t>UFOPAK</a:t>
+              <a:t> Rozpracovaný projekt po minulom tíme UFOPAK</a:t>
             </a:r>
           </a:p>
           <a:p>
@@ -15780,131 +15120,8 @@
                 <a:latin typeface="Times New Roman" pitchFamily="18" charset="0"/>
                 <a:cs typeface="Times New Roman" pitchFamily="18" charset="0"/>
               </a:rPr>
-              <a:t> Klasická </a:t>
-            </a:r>
-            <a:r>
-              <a:rPr lang="sk-SK" sz="2000" kern="0" smtClean="0">
-                <a:ln w="18415" cmpd="sng">
-                  <a:noFill/>
-                  <a:prstDash val="solid"/>
-                </a:ln>
-                <a:solidFill>
-                  <a:srgbClr val="FFFFFF"/>
-                </a:solidFill>
-                <a:effectLst>
-                  <a:outerShdw blurRad="50800" dist="38100" dir="2700000" algn="tl" rotWithShape="0">
-                    <a:prstClr val="black">
-                      <a:alpha val="40000"/>
-                    </a:prstClr>
-                  </a:outerShdw>
-                </a:effectLst>
-                <a:latin typeface="Times New Roman" pitchFamily="18" charset="0"/>
-                <a:cs typeface="Times New Roman" pitchFamily="18" charset="0"/>
-              </a:rPr>
-              <a:t>práca s textom obohatená o </a:t>
-            </a:r>
-            <a:r>
-              <a:rPr lang="sk-SK" sz="2000" kern="0" smtClean="0">
-                <a:ln w="18415" cmpd="sng">
-                  <a:noFill/>
-                  <a:prstDash val="solid"/>
-                </a:ln>
-                <a:solidFill>
-                  <a:srgbClr val="FFFFFF"/>
-                </a:solidFill>
-                <a:effectLst>
-                  <a:outerShdw blurRad="50800" dist="38100" dir="2700000" algn="tl" rotWithShape="0">
-                    <a:prstClr val="black">
-                      <a:alpha val="40000"/>
-                    </a:prstClr>
-                  </a:outerShdw>
-                </a:effectLst>
-                <a:latin typeface="Times New Roman" pitchFamily="18" charset="0"/>
-                <a:cs typeface="Times New Roman" pitchFamily="18" charset="0"/>
-              </a:rPr>
-              <a:t>grafické </a:t>
-            </a:r>
-            <a:r>
-              <a:rPr lang="sk-SK" sz="2000" kern="0" smtClean="0">
-                <a:ln w="18415" cmpd="sng">
-                  <a:noFill/>
-                  <a:prstDash val="solid"/>
-                </a:ln>
-                <a:solidFill>
-                  <a:srgbClr val="FFFFFF"/>
-                </a:solidFill>
-                <a:effectLst>
-                  <a:outerShdw blurRad="50800" dist="38100" dir="2700000" algn="tl" rotWithShape="0">
-                    <a:prstClr val="black">
-                      <a:alpha val="40000"/>
-                    </a:prstClr>
-                  </a:outerShdw>
-                </a:effectLst>
-                <a:latin typeface="Times New Roman" pitchFamily="18" charset="0"/>
-                <a:cs typeface="Times New Roman" pitchFamily="18" charset="0"/>
-              </a:rPr>
-              <a:t>prvky ( práca </a:t>
-            </a:r>
-            <a:r>
-              <a:rPr lang="sk-SK" sz="2000" kern="0" smtClean="0">
-                <a:ln w="18415" cmpd="sng">
-                  <a:noFill/>
-                  <a:prstDash val="solid"/>
-                </a:ln>
-                <a:solidFill>
-                  <a:srgbClr val="FFFFFF"/>
-                </a:solidFill>
-                <a:effectLst>
-                  <a:outerShdw blurRad="50800" dist="38100" dir="2700000" algn="tl" rotWithShape="0">
-                    <a:prstClr val="black">
-                      <a:alpha val="40000"/>
-                    </a:prstClr>
-                  </a:outerShdw>
-                </a:effectLst>
-                <a:latin typeface="Times New Roman" pitchFamily="18" charset="0"/>
-                <a:cs typeface="Times New Roman" pitchFamily="18" charset="0"/>
-              </a:rPr>
-              <a:t>s </a:t>
-            </a:r>
-            <a:r>
-              <a:rPr lang="sk-SK" sz="2000" kern="0" smtClean="0">
-                <a:ln w="18415" cmpd="sng">
-                  <a:noFill/>
-                  <a:prstDash val="solid"/>
-                </a:ln>
-                <a:solidFill>
-                  <a:srgbClr val="FFFFFF"/>
-                </a:solidFill>
-                <a:effectLst>
-                  <a:outerShdw blurRad="50800" dist="38100" dir="2700000" algn="tl" rotWithShape="0">
-                    <a:prstClr val="black">
-                      <a:alpha val="40000"/>
-                    </a:prstClr>
-                  </a:outerShdw>
-                </a:effectLst>
-                <a:latin typeface="Times New Roman" pitchFamily="18" charset="0"/>
-                <a:cs typeface="Times New Roman" pitchFamily="18" charset="0"/>
-              </a:rPr>
-              <a:t>blokmi )</a:t>
-            </a:r>
-            <a:endParaRPr lang="sk-SK" sz="2000" kern="0" smtClean="0">
-              <a:ln w="18415" cmpd="sng">
-                <a:noFill/>
-                <a:prstDash val="solid"/>
-              </a:ln>
-              <a:solidFill>
-                <a:srgbClr val="FFFFFF"/>
-              </a:solidFill>
-              <a:effectLst>
-                <a:outerShdw blurRad="50800" dist="38100" dir="2700000" algn="tl" rotWithShape="0">
-                  <a:prstClr val="black">
-                    <a:alpha val="40000"/>
-                  </a:prstClr>
-                </a:outerShdw>
-              </a:effectLst>
-              <a:latin typeface="Times New Roman" pitchFamily="18" charset="0"/>
-              <a:cs typeface="Times New Roman" pitchFamily="18" charset="0"/>
-            </a:endParaRPr>
+              <a:t> Klasická práca s textom obohatená o grafické prvky ( práca s blokmi )</a:t>
+            </a:r>
           </a:p>
           <a:p>
             <a:pPr>
@@ -15934,28 +15151,7 @@
                 <a:latin typeface="Times New Roman" pitchFamily="18" charset="0"/>
                 <a:cs typeface="Times New Roman" pitchFamily="18" charset="0"/>
               </a:rPr>
-              <a:t> </a:t>
-            </a:r>
-            <a:r>
-              <a:rPr lang="sk-SK" sz="2000" kern="0" smtClean="0">
-                <a:ln w="18415" cmpd="sng">
-                  <a:noFill/>
-                  <a:prstDash val="solid"/>
-                </a:ln>
-                <a:solidFill>
-                  <a:srgbClr val="FFFFFF"/>
-                </a:solidFill>
-                <a:effectLst>
-                  <a:outerShdw blurRad="50800" dist="38100" dir="2700000" algn="tl" rotWithShape="0">
-                    <a:prstClr val="black">
-                      <a:alpha val="40000"/>
-                    </a:prstClr>
-                  </a:outerShdw>
-                </a:effectLst>
-                <a:latin typeface="Times New Roman" pitchFamily="18" charset="0"/>
-                <a:cs typeface="Times New Roman" pitchFamily="18" charset="0"/>
-              </a:rPr>
-              <a:t>Vizualizácia zdrojového kódu je neefektívna</a:t>
+              <a:t> Vizualizácia zdrojového kódu je neefektívna</a:t>
             </a:r>
           </a:p>
           <a:p>
@@ -16017,49 +15213,7 @@
                 <a:latin typeface="Times New Roman" pitchFamily="18" charset="0"/>
                 <a:cs typeface="Times New Roman" pitchFamily="18" charset="0"/>
               </a:rPr>
-              <a:t> Analýza zdrojového kódu a samotná práca s editorom v </a:t>
-            </a:r>
-            <a:r>
-              <a:rPr lang="sk-SK" sz="2000" kern="0" smtClean="0">
-                <a:ln w="18415" cmpd="sng">
-                  <a:noFill/>
-                  <a:prstDash val="solid"/>
-                </a:ln>
-                <a:solidFill>
-                  <a:srgbClr val="FFFFFF"/>
-                </a:solidFill>
-                <a:effectLst>
-                  <a:outerShdw blurRad="50800" dist="38100" dir="2700000" algn="tl" rotWithShape="0">
-                    <a:prstClr val="black">
-                      <a:alpha val="40000"/>
-                    </a:prstClr>
-                  </a:outerShdw>
-                </a:effectLst>
-                <a:latin typeface="Times New Roman" pitchFamily="18" charset="0"/>
-                <a:cs typeface="Times New Roman" pitchFamily="18" charset="0"/>
-              </a:rPr>
-              <a:t>jednom </a:t>
-            </a:r>
-            <a:r>
-              <a:rPr lang="sk-SK" sz="2000" kern="0" smtClean="0">
-                <a:ln w="18415" cmpd="sng">
-                  <a:noFill/>
-                  <a:prstDash val="solid"/>
-                </a:ln>
-                <a:solidFill>
-                  <a:srgbClr val="FFFFFF"/>
-                </a:solidFill>
-                <a:effectLst>
-                  <a:outerShdw blurRad="50800" dist="38100" dir="2700000" algn="tl" rotWithShape="0">
-                    <a:prstClr val="black">
-                      <a:alpha val="40000"/>
-                    </a:prstClr>
-                  </a:outerShdw>
-                </a:effectLst>
-                <a:latin typeface="Times New Roman" pitchFamily="18" charset="0"/>
-                <a:cs typeface="Times New Roman" pitchFamily="18" charset="0"/>
-              </a:rPr>
-              <a:t>vlákne</a:t>
+              <a:t> Analýza zdrojového kódu a samotná práca s editorom v jednom vlákne</a:t>
             </a:r>
           </a:p>
           <a:p>
@@ -16121,28 +15275,7 @@
                 <a:latin typeface="Times New Roman" pitchFamily="18" charset="0"/>
                 <a:cs typeface="Times New Roman" pitchFamily="18" charset="0"/>
               </a:rPr>
-              <a:t> Chýba </a:t>
-            </a:r>
-            <a:r>
-              <a:rPr lang="sk-SK" sz="2000" kern="0" smtClean="0">
-                <a:ln w="18415" cmpd="sng">
-                  <a:noFill/>
-                  <a:prstDash val="solid"/>
-                </a:ln>
-                <a:solidFill>
-                  <a:srgbClr val="FFFFFF"/>
-                </a:solidFill>
-                <a:effectLst>
-                  <a:outerShdw blurRad="50800" dist="38100" dir="2700000" algn="tl" rotWithShape="0">
-                    <a:prstClr val="black">
-                      <a:alpha val="40000"/>
-                    </a:prstClr>
-                  </a:outerShdw>
-                </a:effectLst>
-                <a:latin typeface="Times New Roman" pitchFamily="18" charset="0"/>
-                <a:cs typeface="Times New Roman" pitchFamily="18" charset="0"/>
-              </a:rPr>
-              <a:t>podpora základných operácií ako: Undo</a:t>
+              <a:t> Chýba podpora základných operácií ako: Undo</a:t>
             </a:r>
             <a:r>
               <a:rPr lang="en-US" sz="2000" kern="0" smtClean="0">
@@ -17012,8 +16145,47 @@
                 <a:latin typeface="Times New Roman" pitchFamily="18" charset="0"/>
                 <a:cs typeface="Times New Roman" pitchFamily="18" charset="0"/>
               </a:rPr>
-              <a:t> Prenesenie spracovania AST stromu na stranu LUA</a:t>
-            </a:r>
+              <a:t> Prenesenie spracovania AST stromu na stranu </a:t>
+            </a:r>
+            <a:r>
+              <a:rPr lang="sk-SK" sz="2000" kern="0" smtClean="0">
+                <a:ln w="18415" cmpd="sng">
+                  <a:noFill/>
+                  <a:prstDash val="solid"/>
+                </a:ln>
+                <a:solidFill>
+                  <a:srgbClr val="FFFFFF"/>
+                </a:solidFill>
+                <a:effectLst>
+                  <a:outerShdw blurRad="50800" dist="38100" dir="2700000" algn="tl" rotWithShape="0">
+                    <a:prstClr val="black">
+                      <a:alpha val="40000"/>
+                    </a:prstClr>
+                  </a:outerShdw>
+                </a:effectLst>
+                <a:latin typeface="Times New Roman" pitchFamily="18" charset="0"/>
+                <a:cs typeface="Times New Roman" pitchFamily="18" charset="0"/>
+              </a:rPr>
+              <a:t>Lua</a:t>
+            </a:r>
+            <a:endParaRPr lang="sk-SK" sz="2000" kern="0" smtClean="0">
+              <a:ln w="18415" cmpd="sng">
+                <a:noFill/>
+                <a:prstDash val="solid"/>
+              </a:ln>
+              <a:solidFill>
+                <a:srgbClr val="FFFFFF"/>
+              </a:solidFill>
+              <a:effectLst>
+                <a:outerShdw blurRad="50800" dist="38100" dir="2700000" algn="tl" rotWithShape="0">
+                  <a:prstClr val="black">
+                    <a:alpha val="40000"/>
+                  </a:prstClr>
+                </a:outerShdw>
+              </a:effectLst>
+              <a:latin typeface="Times New Roman" pitchFamily="18" charset="0"/>
+              <a:cs typeface="Times New Roman" pitchFamily="18" charset="0"/>
+            </a:endParaRPr>
           </a:p>
           <a:p>
             <a:pPr>
@@ -18250,14 +17422,66 @@
       </p:grpSpPr>
       <p:sp>
         <p:nvSpPr>
+          <p:cNvPr id="2" name="Obdĺžnik 1"/>
+          <p:cNvSpPr/>
+          <p:nvPr/>
+        </p:nvSpPr>
+        <p:spPr>
+          <a:xfrm>
+            <a:off x="719981" y="2401937"/>
+            <a:ext cx="7056784" cy="3005760"/>
+          </a:xfrm>
+          <a:prstGeom prst="rect">
+            <a:avLst/>
+          </a:prstGeom>
+          <a:solidFill>
+            <a:schemeClr val="bg1"/>
+          </a:solidFill>
+          <a:ln>
+            <a:solidFill>
+              <a:schemeClr val="bg1"/>
+            </a:solidFill>
+          </a:ln>
+        </p:spPr>
+        <p:style>
+          <a:lnRef idx="2">
+            <a:schemeClr val="accent1">
+              <a:shade val="50000"/>
+            </a:schemeClr>
+          </a:lnRef>
+          <a:fillRef idx="1">
+            <a:schemeClr val="accent1"/>
+          </a:fillRef>
+          <a:effectRef idx="0">
+            <a:schemeClr val="accent1"/>
+          </a:effectRef>
+          <a:fontRef idx="minor">
+            <a:schemeClr val="lt1"/>
+          </a:fontRef>
+        </p:style>
+        <p:txBody>
+          <a:bodyPr rtlCol="0" anchor="ctr"/>
+          <a:lstStyle/>
+          <a:p>
+            <a:pPr algn="ctr"/>
+            <a:endParaRPr lang="sk-SK">
+              <a:solidFill>
+                <a:schemeClr val="bg1"/>
+              </a:solidFill>
+            </a:endParaRPr>
+          </a:p>
+        </p:txBody>
+      </p:sp>
+      <p:sp>
+        <p:nvSpPr>
           <p:cNvPr id="22" name="Round Same Side Corner Rectangle 15"/>
           <p:cNvSpPr/>
           <p:nvPr/>
         </p:nvSpPr>
         <p:spPr bwMode="auto">
           <a:xfrm rot="5400000">
-            <a:off x="2357438" y="-1428764"/>
-            <a:ext cx="4143404" cy="8858280"/>
+            <a:off x="3860486" y="-2860374"/>
+            <a:ext cx="1137308" cy="8858280"/>
           </a:xfrm>
           <a:prstGeom prst="round2SameRect">
             <a:avLst/>
@@ -18422,8 +17646,8 @@
         </p:nvSpPr>
         <p:spPr>
           <a:xfrm>
-            <a:off x="4214810" y="337220"/>
-            <a:ext cx="4929190" cy="492443"/>
+            <a:off x="3286116" y="337220"/>
+            <a:ext cx="5857884" cy="492443"/>
           </a:xfrm>
           <a:prstGeom prst="rect">
             <a:avLst/>
@@ -18459,8 +17683,26 @@
                 <a:latin typeface="Times New Roman" pitchFamily="18" charset="0"/>
                 <a:cs typeface="Times New Roman" pitchFamily="18" charset="0"/>
               </a:rPr>
-              <a:t>Architektúra riešenia</a:t>
-            </a:r>
+              <a:t>Spracovanie AST stromu</a:t>
+            </a:r>
+            <a:endParaRPr lang="en-US" sz="3200" b="1" kern="0" dirty="0" smtClean="0">
+              <a:ln w="18415" cmpd="sng">
+                <a:noFill/>
+                <a:prstDash val="solid"/>
+              </a:ln>
+              <a:solidFill>
+                <a:srgbClr val="FFFFFF"/>
+              </a:solidFill>
+              <a:effectLst>
+                <a:outerShdw blurRad="50800" dist="38100" dir="2700000" algn="tl" rotWithShape="0">
+                  <a:prstClr val="black">
+                    <a:alpha val="40000"/>
+                  </a:prstClr>
+                </a:outerShdw>
+              </a:effectLst>
+              <a:latin typeface="Times New Roman" pitchFamily="18" charset="0"/>
+              <a:cs typeface="Times New Roman" pitchFamily="18" charset="0"/>
+            </a:endParaRPr>
           </a:p>
         </p:txBody>
       </p:sp>
@@ -18656,8 +17898,8 @@
         </p:nvSpPr>
         <p:spPr>
           <a:xfrm>
-            <a:off x="4786314" y="1142988"/>
-            <a:ext cx="3929090" cy="461665"/>
+            <a:off x="428596" y="1142988"/>
+            <a:ext cx="8286808" cy="923330"/>
           </a:xfrm>
           <a:prstGeom prst="rect">
             <a:avLst/>
@@ -18679,7 +17921,7 @@
               <a:defRPr/>
             </a:pPr>
             <a:r>
-              <a:rPr lang="en-US" sz="2000" kern="0" smtClean="0">
+              <a:rPr lang="en-US" sz="2000" kern="0" dirty="0" smtClean="0">
                 <a:ln w="18415" cmpd="sng">
                   <a:noFill/>
                   <a:prstDash val="solid"/>
@@ -18697,10 +17939,10 @@
                 <a:latin typeface="Times New Roman" pitchFamily="18" charset="0"/>
                 <a:cs typeface="Times New Roman" pitchFamily="18" charset="0"/>
               </a:rPr>
-              <a:t> </a:t>
-            </a:r>
-            <a:r>
-              <a:rPr lang="sk-SK" sz="2000" kern="0" smtClean="0">
+              <a:t>Abstract Syntax Tree – </a:t>
+            </a:r>
+            <a:r>
+              <a:rPr lang="en-US" sz="2000" kern="0" dirty="0" err="1" smtClean="0">
                 <a:ln w="18415" cmpd="sng">
                   <a:noFill/>
                   <a:prstDash val="solid"/>
@@ -18718,10 +17960,10 @@
                 <a:latin typeface="Times New Roman" pitchFamily="18" charset="0"/>
                 <a:cs typeface="Times New Roman" pitchFamily="18" charset="0"/>
               </a:rPr>
-              <a:t>Navhrnutá t</a:t>
-            </a:r>
-            <a:r>
-              <a:rPr lang="en-US" sz="2000" kern="0" smtClean="0">
+              <a:t>stromov</a:t>
+            </a:r>
+            <a:r>
+              <a:rPr lang="sk-SK" sz="2000" kern="0" dirty="0" smtClean="0">
                 <a:ln w="18415" cmpd="sng">
                   <a:noFill/>
                   <a:prstDash val="solid"/>
@@ -18739,10 +17981,20 @@
                 <a:latin typeface="Times New Roman" pitchFamily="18" charset="0"/>
                 <a:cs typeface="Times New Roman" pitchFamily="18" charset="0"/>
               </a:rPr>
-              <a:t>rojvrstvov</a:t>
-            </a:r>
-            <a:r>
-              <a:rPr lang="sk-SK" sz="2000" kern="0" smtClean="0">
+              <a:t>á reprezentácia štruktúry zdrojového kódu</a:t>
+            </a:r>
+          </a:p>
+          <a:p>
+            <a:pPr>
+              <a:lnSpc>
+                <a:spcPct val="150000"/>
+              </a:lnSpc>
+              <a:buFont typeface="Arial" pitchFamily="34" charset="0"/>
+              <a:buChar char="•"/>
+              <a:defRPr/>
+            </a:pPr>
+            <a:r>
+              <a:rPr lang="sk-SK" sz="2000" kern="0" dirty="0" smtClean="0">
                 <a:ln w="18415" cmpd="sng">
                   <a:noFill/>
                   <a:prstDash val="solid"/>
@@ -18760,9 +18012,51 @@
                 <a:latin typeface="Times New Roman" pitchFamily="18" charset="0"/>
                 <a:cs typeface="Times New Roman" pitchFamily="18" charset="0"/>
               </a:rPr>
-              <a:t>á architektúra</a:t>
-            </a:r>
-            <a:endParaRPr lang="pl-PL" sz="2000" kern="0" smtClean="0">
+              <a:t>Abstraktný</a:t>
+            </a:r>
+            <a:r>
+              <a:rPr lang="en-US" sz="2000" kern="0" dirty="0" smtClean="0">
+                <a:ln w="18415" cmpd="sng">
+                  <a:noFill/>
+                  <a:prstDash val="solid"/>
+                </a:ln>
+                <a:solidFill>
+                  <a:srgbClr val="FFFFFF"/>
+                </a:solidFill>
+                <a:effectLst>
+                  <a:outerShdw blurRad="50800" dist="38100" dir="2700000" algn="tl" rotWithShape="0">
+                    <a:prstClr val="black">
+                      <a:alpha val="40000"/>
+                    </a:prstClr>
+                  </a:outerShdw>
+                </a:effectLst>
+                <a:latin typeface="Times New Roman" pitchFamily="18" charset="0"/>
+                <a:cs typeface="Times New Roman" pitchFamily="18" charset="0"/>
+              </a:rPr>
+              <a:t> =</a:t>
+            </a:r>
+            <a:r>
+              <a:rPr lang="sk-SK" sz="2000" kern="0" dirty="0" smtClean="0">
+                <a:ln w="18415" cmpd="sng">
+                  <a:noFill/>
+                  <a:prstDash val="solid"/>
+                </a:ln>
+                <a:solidFill>
+                  <a:srgbClr val="FFFFFF"/>
+                </a:solidFill>
+                <a:effectLst>
+                  <a:outerShdw blurRad="50800" dist="38100" dir="2700000" algn="tl" rotWithShape="0">
+                    <a:prstClr val="black">
+                      <a:alpha val="40000"/>
+                    </a:prstClr>
+                  </a:outerShdw>
+                </a:effectLst>
+                <a:latin typeface="Times New Roman" pitchFamily="18" charset="0"/>
+                <a:cs typeface="Times New Roman" pitchFamily="18" charset="0"/>
+              </a:rPr>
+              <a:t> neviaže sa na konkrétny programovací jazyk</a:t>
+            </a:r>
+            <a:endParaRPr lang="pl-PL" sz="2000" kern="0" dirty="0" smtClean="0">
               <a:ln w="18415" cmpd="sng">
                 <a:noFill/>
                 <a:prstDash val="solid"/>
@@ -18783,105 +18077,70 @@
           </a:p>
         </p:txBody>
       </p:sp>
-      <p:grpSp>
-        <p:nvGrpSpPr>
-          <p:cNvPr id="10" name="Skupina 9"/>
-          <p:cNvGrpSpPr/>
+      <p:pic>
+        <p:nvPicPr>
+          <p:cNvPr id="1026" name="Picture 2"/>
+          <p:cNvPicPr>
+            <a:picLocks noChangeAspect="1" noChangeArrowheads="1"/>
+          </p:cNvPicPr>
           <p:nvPr/>
-        </p:nvGrpSpPr>
-        <p:grpSpPr>
+        </p:nvPicPr>
+        <p:blipFill>
+          <a:blip r:embed="rId3" cstate="print">
+            <a:extLst>
+              <a:ext uri="{28A0092B-C50C-407E-A947-70E740481C1C}">
+                <a14:useLocalDpi xmlns="" xmlns:a14="http://schemas.microsoft.com/office/drawing/2010/main" val="0"/>
+              </a:ext>
+            </a:extLst>
+          </a:blip>
+          <a:srcRect/>
+          <a:stretch>
+            <a:fillRect/>
+          </a:stretch>
+        </p:blipFill>
+        <p:spPr bwMode="auto">
           <a:xfrm>
-            <a:off x="142844" y="357170"/>
-            <a:ext cx="4572032" cy="4803025"/>
-            <a:chOff x="214282" y="500046"/>
-            <a:chExt cx="4572032" cy="4588711"/>
+            <a:off x="1728430" y="2652266"/>
+            <a:ext cx="5401419" cy="2505101"/>
           </a:xfrm>
-        </p:grpSpPr>
-        <p:sp>
-          <p:nvSpPr>
-            <p:cNvPr id="9" name="Obdĺžnik 8"/>
-            <p:cNvSpPr/>
-            <p:nvPr/>
-          </p:nvSpPr>
-          <p:spPr>
-            <a:xfrm>
-              <a:off x="285720" y="571484"/>
-              <a:ext cx="4429156" cy="4434520"/>
-            </a:xfrm>
-            <a:prstGeom prst="rect">
-              <a:avLst/>
-            </a:prstGeom>
-            <a:solidFill>
-              <a:schemeClr val="bg1"/>
-            </a:solidFill>
-            <a:ln>
-              <a:solidFill>
-                <a:schemeClr val="bg1"/>
-              </a:solidFill>
-            </a:ln>
-          </p:spPr>
-          <p:style>
-            <a:lnRef idx="2">
-              <a:schemeClr val="accent1">
-                <a:shade val="50000"/>
-              </a:schemeClr>
-            </a:lnRef>
-            <a:fillRef idx="1">
-              <a:schemeClr val="accent1"/>
-            </a:fillRef>
-            <a:effectRef idx="0">
-              <a:schemeClr val="accent1"/>
-            </a:effectRef>
-            <a:fontRef idx="minor">
-              <a:schemeClr val="lt1"/>
-            </a:fontRef>
-          </p:style>
-          <p:txBody>
-            <a:bodyPr rtlCol="0" anchor="ctr"/>
-            <a:lstStyle/>
-            <a:p>
-              <a:pPr algn="ctr"/>
-              <a:endParaRPr lang="sk-SK">
-                <a:solidFill>
-                  <a:schemeClr val="bg1"/>
-                </a:solidFill>
-              </a:endParaRPr>
-            </a:p>
-          </p:txBody>
-        </p:sp>
-        <p:pic>
-          <p:nvPicPr>
-            <p:cNvPr id="1026" name="Picture 2"/>
-            <p:cNvPicPr>
-              <a:picLocks noChangeAspect="1" noChangeArrowheads="1"/>
-            </p:cNvPicPr>
-            <p:nvPr/>
-          </p:nvPicPr>
-          <p:blipFill>
-            <a:blip r:embed="rId3"/>
-            <a:srcRect/>
-            <a:stretch>
-              <a:fillRect/>
-            </a:stretch>
-          </p:blipFill>
-          <p:spPr bwMode="auto">
-            <a:xfrm>
-              <a:off x="214282" y="500046"/>
-              <a:ext cx="4572032" cy="4588711"/>
-            </a:xfrm>
-            <a:prstGeom prst="rect">
-              <a:avLst/>
-            </a:prstGeom>
+          <a:prstGeom prst="rect">
+            <a:avLst/>
+          </a:prstGeom>
+          <a:noFill/>
+          <a:ln>
             <a:noFill/>
-            <a:ln w="9525">
-              <a:noFill/>
-              <a:miter lim="800000"/>
-              <a:headEnd/>
-              <a:tailEnd/>
-            </a:ln>
-          </p:spPr>
-        </p:pic>
-      </p:grpSp>
+          </a:ln>
+          <a:effectLst/>
+          <a:extLst>
+            <a:ext uri="{909E8E84-426E-40DD-AFC4-6F175D3DCCD1}">
+              <a14:hiddenFill xmlns="" xmlns:a14="http://schemas.microsoft.com/office/drawing/2010/main">
+                <a:solidFill>
+                  <a:schemeClr val="accent1"/>
+                </a:solidFill>
+              </a14:hiddenFill>
+            </a:ext>
+            <a:ext uri="{91240B29-F687-4F45-9708-019B960494DF}">
+              <a14:hiddenLine xmlns="" xmlns:a14="http://schemas.microsoft.com/office/drawing/2010/main" w="9525">
+                <a:solidFill>
+                  <a:schemeClr val="tx1"/>
+                </a:solidFill>
+                <a:miter lim="800000"/>
+                <a:headEnd/>
+                <a:tailEnd/>
+              </a14:hiddenLine>
+            </a:ext>
+            <a:ext uri="{AF507438-7753-43E0-B8FC-AC1667EBCBE1}">
+              <a14:hiddenEffects xmlns="" xmlns:a14="http://schemas.microsoft.com/office/drawing/2010/main">
+                <a:effectLst>
+                  <a:outerShdw dist="35921" dir="2700000" algn="ctr" rotWithShape="0">
+                    <a:schemeClr val="bg2"/>
+                  </a:outerShdw>
+                </a:effectLst>
+              </a14:hiddenEffects>
+            </a:ext>
+          </a:extLst>
+        </p:spPr>
+      </p:pic>
     </p:spTree>
   </p:cSld>
   <p:clrMapOvr>
@@ -19042,7 +18301,7 @@
                             </p:stCondLst>
                             <p:childTnLst>
                               <p:par>
-                                <p:cTn id="12" presetID="2" presetClass="entr" presetSubtype="2" fill="hold" grpId="0" nodeType="afterEffect">
+                                <p:cTn id="12" presetID="2" presetClass="entr" presetSubtype="8" fill="hold" grpId="0" nodeType="afterEffect">
                                   <p:stCondLst>
                                     <p:cond delay="0"/>
                                   </p:stCondLst>
@@ -19078,7 +18337,7 @@
                                       <p:tavLst>
                                         <p:tav tm="0">
                                           <p:val>
-                                            <p:strVal val="1+#ppt_w/2"/>
+                                            <p:strVal val="0-#ppt_w/2"/>
                                           </p:val>
                                         </p:tav>
                                         <p:tav tm="100000">
